--- a/2. Workshop Scenario/Workshop Scenario.pptx
+++ b/2. Workshop Scenario/Workshop Scenario.pptx
@@ -4,6 +4,9 @@
   <p:sldMasterIdLst>
     <p:sldMasterId id="2147483660" r:id="rId1"/>
   </p:sldMasterIdLst>
+  <p:notesMasterIdLst>
+    <p:notesMasterId r:id="rId7"/>
+  </p:notesMasterIdLst>
   <p:sldIdLst>
     <p:sldId id="256" r:id="rId2"/>
     <p:sldId id="257" r:id="rId3"/>
@@ -109,6 +112,775 @@
     </a:lvl9pPr>
   </p:defaultTextStyle>
 </p:presentation>
+</file>
+
+<file path=ppt/notesMasters/notesMaster1.xml><?xml version="1.0" encoding="utf-8"?>
+<p:notesMaster xmlns:a="http://schemas.openxmlformats.org/drawingml/2006/main" xmlns:r="http://schemas.openxmlformats.org/officeDocument/2006/relationships" xmlns:p="http://schemas.openxmlformats.org/presentationml/2006/main">
+  <p:cSld>
+    <p:bg>
+      <p:bgRef idx="1001">
+        <a:schemeClr val="bg1"/>
+      </p:bgRef>
+    </p:bg>
+    <p:spTree>
+      <p:nvGrpSpPr>
+        <p:cNvPr id="1" name=""/>
+        <p:cNvGrpSpPr/>
+        <p:nvPr/>
+      </p:nvGrpSpPr>
+      <p:grpSpPr>
+        <a:xfrm>
+          <a:off x="0" y="0"/>
+          <a:ext cx="0" cy="0"/>
+          <a:chOff x="0" y="0"/>
+          <a:chExt cx="0" cy="0"/>
+        </a:xfrm>
+      </p:grpSpPr>
+      <p:sp>
+        <p:nvSpPr>
+          <p:cNvPr id="2" name="Header Placeholder 1"/>
+          <p:cNvSpPr>
+            <a:spLocks noGrp="1"/>
+          </p:cNvSpPr>
+          <p:nvPr>
+            <p:ph type="hdr" sz="quarter"/>
+          </p:nvPr>
+        </p:nvSpPr>
+        <p:spPr>
+          <a:xfrm>
+            <a:off x="0" y="0"/>
+            <a:ext cx="2971800" cy="458788"/>
+          </a:xfrm>
+          <a:prstGeom prst="rect">
+            <a:avLst/>
+          </a:prstGeom>
+        </p:spPr>
+        <p:txBody>
+          <a:bodyPr vert="horz" lIns="91440" tIns="45720" rIns="91440" bIns="45720" rtlCol="0"/>
+          <a:lstStyle>
+            <a:lvl1pPr algn="l">
+              <a:defRPr sz="1200"/>
+            </a:lvl1pPr>
+          </a:lstStyle>
+          <a:p>
+            <a:endParaRPr lang="en-US"/>
+          </a:p>
+        </p:txBody>
+      </p:sp>
+      <p:sp>
+        <p:nvSpPr>
+          <p:cNvPr id="3" name="Date Placeholder 2"/>
+          <p:cNvSpPr>
+            <a:spLocks noGrp="1"/>
+          </p:cNvSpPr>
+          <p:nvPr>
+            <p:ph type="dt" idx="1"/>
+          </p:nvPr>
+        </p:nvSpPr>
+        <p:spPr>
+          <a:xfrm>
+            <a:off x="3884613" y="0"/>
+            <a:ext cx="2971800" cy="458788"/>
+          </a:xfrm>
+          <a:prstGeom prst="rect">
+            <a:avLst/>
+          </a:prstGeom>
+        </p:spPr>
+        <p:txBody>
+          <a:bodyPr vert="horz" lIns="91440" tIns="45720" rIns="91440" bIns="45720" rtlCol="0"/>
+          <a:lstStyle>
+            <a:lvl1pPr algn="r">
+              <a:defRPr sz="1200"/>
+            </a:lvl1pPr>
+          </a:lstStyle>
+          <a:p>
+            <a:fld id="{D5CDF9E0-CE3D-4EED-B3B8-9A3C6DF6BAA1}" type="datetimeFigureOut">
+              <a:rPr lang="en-US" smtClean="0"/>
+              <a:t>10/27/2017</a:t>
+            </a:fld>
+            <a:endParaRPr lang="en-US"/>
+          </a:p>
+        </p:txBody>
+      </p:sp>
+      <p:sp>
+        <p:nvSpPr>
+          <p:cNvPr id="4" name="Slide Image Placeholder 3"/>
+          <p:cNvSpPr>
+            <a:spLocks noGrp="1" noRot="1" noChangeAspect="1"/>
+          </p:cNvSpPr>
+          <p:nvPr>
+            <p:ph type="sldImg" idx="2"/>
+          </p:nvPr>
+        </p:nvSpPr>
+        <p:spPr>
+          <a:xfrm>
+            <a:off x="685800" y="1143000"/>
+            <a:ext cx="5486400" cy="3086100"/>
+          </a:xfrm>
+          <a:prstGeom prst="rect">
+            <a:avLst/>
+          </a:prstGeom>
+          <a:noFill/>
+          <a:ln w="12700">
+            <a:solidFill>
+              <a:prstClr val="black"/>
+            </a:solidFill>
+          </a:ln>
+        </p:spPr>
+        <p:txBody>
+          <a:bodyPr vert="horz" lIns="91440" tIns="45720" rIns="91440" bIns="45720" rtlCol="0" anchor="ctr"/>
+          <a:lstStyle/>
+          <a:p>
+            <a:endParaRPr lang="en-US"/>
+          </a:p>
+        </p:txBody>
+      </p:sp>
+      <p:sp>
+        <p:nvSpPr>
+          <p:cNvPr id="5" name="Notes Placeholder 4"/>
+          <p:cNvSpPr>
+            <a:spLocks noGrp="1"/>
+          </p:cNvSpPr>
+          <p:nvPr>
+            <p:ph type="body" sz="quarter" idx="3"/>
+          </p:nvPr>
+        </p:nvSpPr>
+        <p:spPr>
+          <a:xfrm>
+            <a:off x="685800" y="4400550"/>
+            <a:ext cx="5486400" cy="3600450"/>
+          </a:xfrm>
+          <a:prstGeom prst="rect">
+            <a:avLst/>
+          </a:prstGeom>
+        </p:spPr>
+        <p:txBody>
+          <a:bodyPr vert="horz" lIns="91440" tIns="45720" rIns="91440" bIns="45720" rtlCol="0"/>
+          <a:lstStyle/>
+          <a:p>
+            <a:pPr lvl="0"/>
+            <a:r>
+              <a:rPr lang="en-US"/>
+              <a:t>Edit Master text styles</a:t>
+            </a:r>
+          </a:p>
+          <a:p>
+            <a:pPr lvl="1"/>
+            <a:r>
+              <a:rPr lang="en-US"/>
+              <a:t>Second level</a:t>
+            </a:r>
+          </a:p>
+          <a:p>
+            <a:pPr lvl="2"/>
+            <a:r>
+              <a:rPr lang="en-US"/>
+              <a:t>Third level</a:t>
+            </a:r>
+          </a:p>
+          <a:p>
+            <a:pPr lvl="3"/>
+            <a:r>
+              <a:rPr lang="en-US"/>
+              <a:t>Fourth level</a:t>
+            </a:r>
+          </a:p>
+          <a:p>
+            <a:pPr lvl="4"/>
+            <a:r>
+              <a:rPr lang="en-US"/>
+              <a:t>Fifth level</a:t>
+            </a:r>
+          </a:p>
+        </p:txBody>
+      </p:sp>
+      <p:sp>
+        <p:nvSpPr>
+          <p:cNvPr id="6" name="Footer Placeholder 5"/>
+          <p:cNvSpPr>
+            <a:spLocks noGrp="1"/>
+          </p:cNvSpPr>
+          <p:nvPr>
+            <p:ph type="ftr" sz="quarter" idx="4"/>
+          </p:nvPr>
+        </p:nvSpPr>
+        <p:spPr>
+          <a:xfrm>
+            <a:off x="0" y="8685213"/>
+            <a:ext cx="2971800" cy="458787"/>
+          </a:xfrm>
+          <a:prstGeom prst="rect">
+            <a:avLst/>
+          </a:prstGeom>
+        </p:spPr>
+        <p:txBody>
+          <a:bodyPr vert="horz" lIns="91440" tIns="45720" rIns="91440" bIns="45720" rtlCol="0" anchor="b"/>
+          <a:lstStyle>
+            <a:lvl1pPr algn="l">
+              <a:defRPr sz="1200"/>
+            </a:lvl1pPr>
+          </a:lstStyle>
+          <a:p>
+            <a:endParaRPr lang="en-US"/>
+          </a:p>
+        </p:txBody>
+      </p:sp>
+      <p:sp>
+        <p:nvSpPr>
+          <p:cNvPr id="7" name="Slide Number Placeholder 6"/>
+          <p:cNvSpPr>
+            <a:spLocks noGrp="1"/>
+          </p:cNvSpPr>
+          <p:nvPr>
+            <p:ph type="sldNum" sz="quarter" idx="5"/>
+          </p:nvPr>
+        </p:nvSpPr>
+        <p:spPr>
+          <a:xfrm>
+            <a:off x="3884613" y="8685213"/>
+            <a:ext cx="2971800" cy="458787"/>
+          </a:xfrm>
+          <a:prstGeom prst="rect">
+            <a:avLst/>
+          </a:prstGeom>
+        </p:spPr>
+        <p:txBody>
+          <a:bodyPr vert="horz" lIns="91440" tIns="45720" rIns="91440" bIns="45720" rtlCol="0" anchor="b"/>
+          <a:lstStyle>
+            <a:lvl1pPr algn="r">
+              <a:defRPr sz="1200"/>
+            </a:lvl1pPr>
+          </a:lstStyle>
+          <a:p>
+            <a:fld id="{81CAA18E-E9D7-469D-80A4-9C5CC3C3775A}" type="slidenum">
+              <a:rPr lang="en-US" smtClean="0"/>
+              <a:t>‹#›</a:t>
+            </a:fld>
+            <a:endParaRPr lang="en-US"/>
+          </a:p>
+        </p:txBody>
+      </p:sp>
+    </p:spTree>
+    <p:extLst>
+      <p:ext uri="{BB962C8B-B14F-4D97-AF65-F5344CB8AC3E}">
+        <p14:creationId xmlns:p14="http://schemas.microsoft.com/office/powerpoint/2010/main" val="3589460852"/>
+      </p:ext>
+    </p:extLst>
+  </p:cSld>
+  <p:clrMap bg1="lt1" tx1="dk1" bg2="lt2" tx2="dk2" accent1="accent1" accent2="accent2" accent3="accent3" accent4="accent4" accent5="accent5" accent6="accent6" hlink="hlink" folHlink="folHlink"/>
+  <p:notesStyle>
+    <a:lvl1pPr marL="0" algn="l" defTabSz="914400" rtl="0" eaLnBrk="1" latinLnBrk="0" hangingPunct="1">
+      <a:defRPr sz="1200" kern="1200">
+        <a:solidFill>
+          <a:schemeClr val="tx1"/>
+        </a:solidFill>
+        <a:latin typeface="+mn-lt"/>
+        <a:ea typeface="+mn-ea"/>
+        <a:cs typeface="+mn-cs"/>
+      </a:defRPr>
+    </a:lvl1pPr>
+    <a:lvl2pPr marL="457200" algn="l" defTabSz="914400" rtl="0" eaLnBrk="1" latinLnBrk="0" hangingPunct="1">
+      <a:defRPr sz="1200" kern="1200">
+        <a:solidFill>
+          <a:schemeClr val="tx1"/>
+        </a:solidFill>
+        <a:latin typeface="+mn-lt"/>
+        <a:ea typeface="+mn-ea"/>
+        <a:cs typeface="+mn-cs"/>
+      </a:defRPr>
+    </a:lvl2pPr>
+    <a:lvl3pPr marL="914400" algn="l" defTabSz="914400" rtl="0" eaLnBrk="1" latinLnBrk="0" hangingPunct="1">
+      <a:defRPr sz="1200" kern="1200">
+        <a:solidFill>
+          <a:schemeClr val="tx1"/>
+        </a:solidFill>
+        <a:latin typeface="+mn-lt"/>
+        <a:ea typeface="+mn-ea"/>
+        <a:cs typeface="+mn-cs"/>
+      </a:defRPr>
+    </a:lvl3pPr>
+    <a:lvl4pPr marL="1371600" algn="l" defTabSz="914400" rtl="0" eaLnBrk="1" latinLnBrk="0" hangingPunct="1">
+      <a:defRPr sz="1200" kern="1200">
+        <a:solidFill>
+          <a:schemeClr val="tx1"/>
+        </a:solidFill>
+        <a:latin typeface="+mn-lt"/>
+        <a:ea typeface="+mn-ea"/>
+        <a:cs typeface="+mn-cs"/>
+      </a:defRPr>
+    </a:lvl4pPr>
+    <a:lvl5pPr marL="1828800" algn="l" defTabSz="914400" rtl="0" eaLnBrk="1" latinLnBrk="0" hangingPunct="1">
+      <a:defRPr sz="1200" kern="1200">
+        <a:solidFill>
+          <a:schemeClr val="tx1"/>
+        </a:solidFill>
+        <a:latin typeface="+mn-lt"/>
+        <a:ea typeface="+mn-ea"/>
+        <a:cs typeface="+mn-cs"/>
+      </a:defRPr>
+    </a:lvl5pPr>
+    <a:lvl6pPr marL="2286000" algn="l" defTabSz="914400" rtl="0" eaLnBrk="1" latinLnBrk="0" hangingPunct="1">
+      <a:defRPr sz="1200" kern="1200">
+        <a:solidFill>
+          <a:schemeClr val="tx1"/>
+        </a:solidFill>
+        <a:latin typeface="+mn-lt"/>
+        <a:ea typeface="+mn-ea"/>
+        <a:cs typeface="+mn-cs"/>
+      </a:defRPr>
+    </a:lvl6pPr>
+    <a:lvl7pPr marL="2743200" algn="l" defTabSz="914400" rtl="0" eaLnBrk="1" latinLnBrk="0" hangingPunct="1">
+      <a:defRPr sz="1200" kern="1200">
+        <a:solidFill>
+          <a:schemeClr val="tx1"/>
+        </a:solidFill>
+        <a:latin typeface="+mn-lt"/>
+        <a:ea typeface="+mn-ea"/>
+        <a:cs typeface="+mn-cs"/>
+      </a:defRPr>
+    </a:lvl7pPr>
+    <a:lvl8pPr marL="3200400" algn="l" defTabSz="914400" rtl="0" eaLnBrk="1" latinLnBrk="0" hangingPunct="1">
+      <a:defRPr sz="1200" kern="1200">
+        <a:solidFill>
+          <a:schemeClr val="tx1"/>
+        </a:solidFill>
+        <a:latin typeface="+mn-lt"/>
+        <a:ea typeface="+mn-ea"/>
+        <a:cs typeface="+mn-cs"/>
+      </a:defRPr>
+    </a:lvl8pPr>
+    <a:lvl9pPr marL="3657600" algn="l" defTabSz="914400" rtl="0" eaLnBrk="1" latinLnBrk="0" hangingPunct="1">
+      <a:defRPr sz="1200" kern="1200">
+        <a:solidFill>
+          <a:schemeClr val="tx1"/>
+        </a:solidFill>
+        <a:latin typeface="+mn-lt"/>
+        <a:ea typeface="+mn-ea"/>
+        <a:cs typeface="+mn-cs"/>
+      </a:defRPr>
+    </a:lvl9pPr>
+  </p:notesStyle>
+</p:notesMaster>
+</file>
+
+<file path=ppt/notesSlides/notesSlide1.xml><?xml version="1.0" encoding="utf-8"?>
+<p:notes xmlns:a="http://schemas.openxmlformats.org/drawingml/2006/main" xmlns:r="http://schemas.openxmlformats.org/officeDocument/2006/relationships" xmlns:p="http://schemas.openxmlformats.org/presentationml/2006/main">
+  <p:cSld>
+    <p:spTree>
+      <p:nvGrpSpPr>
+        <p:cNvPr id="1" name=""/>
+        <p:cNvGrpSpPr/>
+        <p:nvPr/>
+      </p:nvGrpSpPr>
+      <p:grpSpPr>
+        <a:xfrm>
+          <a:off x="0" y="0"/>
+          <a:ext cx="0" cy="0"/>
+          <a:chOff x="0" y="0"/>
+          <a:chExt cx="0" cy="0"/>
+        </a:xfrm>
+      </p:grpSpPr>
+      <p:sp>
+        <p:nvSpPr>
+          <p:cNvPr id="2" name="Slide Image Placeholder 1"/>
+          <p:cNvSpPr>
+            <a:spLocks noGrp="1" noRot="1" noChangeAspect="1"/>
+          </p:cNvSpPr>
+          <p:nvPr>
+            <p:ph type="sldImg"/>
+          </p:nvPr>
+        </p:nvSpPr>
+        <p:spPr/>
+      </p:sp>
+      <p:sp>
+        <p:nvSpPr>
+          <p:cNvPr id="3" name="Notes Placeholder 2"/>
+          <p:cNvSpPr>
+            <a:spLocks noGrp="1"/>
+          </p:cNvSpPr>
+          <p:nvPr>
+            <p:ph type="body" idx="1"/>
+          </p:nvPr>
+        </p:nvSpPr>
+        <p:spPr/>
+        <p:txBody>
+          <a:bodyPr/>
+          <a:lstStyle/>
+          <a:p>
+            <a:endParaRPr lang="en-US"/>
+          </a:p>
+        </p:txBody>
+      </p:sp>
+      <p:sp>
+        <p:nvSpPr>
+          <p:cNvPr id="4" name="Slide Number Placeholder 3"/>
+          <p:cNvSpPr>
+            <a:spLocks noGrp="1"/>
+          </p:cNvSpPr>
+          <p:nvPr>
+            <p:ph type="sldNum" sz="quarter" idx="10"/>
+          </p:nvPr>
+        </p:nvSpPr>
+        <p:spPr/>
+        <p:txBody>
+          <a:bodyPr/>
+          <a:lstStyle/>
+          <a:p>
+            <a:fld id="{81CAA18E-E9D7-469D-80A4-9C5CC3C3775A}" type="slidenum">
+              <a:rPr lang="en-US" smtClean="0"/>
+              <a:t>1</a:t>
+            </a:fld>
+            <a:endParaRPr lang="en-US"/>
+          </a:p>
+        </p:txBody>
+      </p:sp>
+    </p:spTree>
+    <p:extLst>
+      <p:ext uri="{BB962C8B-B14F-4D97-AF65-F5344CB8AC3E}">
+        <p14:creationId xmlns:p14="http://schemas.microsoft.com/office/powerpoint/2010/main" val="1140945097"/>
+      </p:ext>
+    </p:extLst>
+  </p:cSld>
+  <p:clrMapOvr>
+    <a:masterClrMapping/>
+  </p:clrMapOvr>
+</p:notes>
+</file>
+
+<file path=ppt/notesSlides/notesSlide2.xml><?xml version="1.0" encoding="utf-8"?>
+<p:notes xmlns:a="http://schemas.openxmlformats.org/drawingml/2006/main" xmlns:r="http://schemas.openxmlformats.org/officeDocument/2006/relationships" xmlns:p="http://schemas.openxmlformats.org/presentationml/2006/main">
+  <p:cSld>
+    <p:spTree>
+      <p:nvGrpSpPr>
+        <p:cNvPr id="1" name=""/>
+        <p:cNvGrpSpPr/>
+        <p:nvPr/>
+      </p:nvGrpSpPr>
+      <p:grpSpPr>
+        <a:xfrm>
+          <a:off x="0" y="0"/>
+          <a:ext cx="0" cy="0"/>
+          <a:chOff x="0" y="0"/>
+          <a:chExt cx="0" cy="0"/>
+        </a:xfrm>
+      </p:grpSpPr>
+      <p:sp>
+        <p:nvSpPr>
+          <p:cNvPr id="2" name="Slide Image Placeholder 1"/>
+          <p:cNvSpPr>
+            <a:spLocks noGrp="1" noRot="1" noChangeAspect="1"/>
+          </p:cNvSpPr>
+          <p:nvPr>
+            <p:ph type="sldImg"/>
+          </p:nvPr>
+        </p:nvSpPr>
+        <p:spPr/>
+      </p:sp>
+      <p:sp>
+        <p:nvSpPr>
+          <p:cNvPr id="3" name="Notes Placeholder 2"/>
+          <p:cNvSpPr>
+            <a:spLocks noGrp="1"/>
+          </p:cNvSpPr>
+          <p:nvPr>
+            <p:ph type="body" idx="1"/>
+          </p:nvPr>
+        </p:nvSpPr>
+        <p:spPr/>
+        <p:txBody>
+          <a:bodyPr/>
+          <a:lstStyle/>
+          <a:p>
+            <a:endParaRPr lang="en-US"/>
+          </a:p>
+        </p:txBody>
+      </p:sp>
+      <p:sp>
+        <p:nvSpPr>
+          <p:cNvPr id="4" name="Slide Number Placeholder 3"/>
+          <p:cNvSpPr>
+            <a:spLocks noGrp="1"/>
+          </p:cNvSpPr>
+          <p:nvPr>
+            <p:ph type="sldNum" sz="quarter" idx="10"/>
+          </p:nvPr>
+        </p:nvSpPr>
+        <p:spPr/>
+        <p:txBody>
+          <a:bodyPr/>
+          <a:lstStyle/>
+          <a:p>
+            <a:fld id="{81CAA18E-E9D7-469D-80A4-9C5CC3C3775A}" type="slidenum">
+              <a:rPr lang="en-US" smtClean="0"/>
+              <a:t>2</a:t>
+            </a:fld>
+            <a:endParaRPr lang="en-US"/>
+          </a:p>
+        </p:txBody>
+      </p:sp>
+    </p:spTree>
+    <p:extLst>
+      <p:ext uri="{BB962C8B-B14F-4D97-AF65-F5344CB8AC3E}">
+        <p14:creationId xmlns:p14="http://schemas.microsoft.com/office/powerpoint/2010/main" val="3879398284"/>
+      </p:ext>
+    </p:extLst>
+  </p:cSld>
+  <p:clrMapOvr>
+    <a:masterClrMapping/>
+  </p:clrMapOvr>
+</p:notes>
+</file>
+
+<file path=ppt/notesSlides/notesSlide3.xml><?xml version="1.0" encoding="utf-8"?>
+<p:notes xmlns:a="http://schemas.openxmlformats.org/drawingml/2006/main" xmlns:r="http://schemas.openxmlformats.org/officeDocument/2006/relationships" xmlns:p="http://schemas.openxmlformats.org/presentationml/2006/main">
+  <p:cSld>
+    <p:spTree>
+      <p:nvGrpSpPr>
+        <p:cNvPr id="1" name=""/>
+        <p:cNvGrpSpPr/>
+        <p:nvPr/>
+      </p:nvGrpSpPr>
+      <p:grpSpPr>
+        <a:xfrm>
+          <a:off x="0" y="0"/>
+          <a:ext cx="0" cy="0"/>
+          <a:chOff x="0" y="0"/>
+          <a:chExt cx="0" cy="0"/>
+        </a:xfrm>
+      </p:grpSpPr>
+      <p:sp>
+        <p:nvSpPr>
+          <p:cNvPr id="2" name="Slide Image Placeholder 1"/>
+          <p:cNvSpPr>
+            <a:spLocks noGrp="1" noRot="1" noChangeAspect="1"/>
+          </p:cNvSpPr>
+          <p:nvPr>
+            <p:ph type="sldImg"/>
+          </p:nvPr>
+        </p:nvSpPr>
+        <p:spPr/>
+      </p:sp>
+      <p:sp>
+        <p:nvSpPr>
+          <p:cNvPr id="3" name="Notes Placeholder 2"/>
+          <p:cNvSpPr>
+            <a:spLocks noGrp="1"/>
+          </p:cNvSpPr>
+          <p:nvPr>
+            <p:ph type="body" idx="1"/>
+          </p:nvPr>
+        </p:nvSpPr>
+        <p:spPr/>
+        <p:txBody>
+          <a:bodyPr/>
+          <a:lstStyle/>
+          <a:p>
+            <a:endParaRPr lang="en-US"/>
+          </a:p>
+        </p:txBody>
+      </p:sp>
+      <p:sp>
+        <p:nvSpPr>
+          <p:cNvPr id="4" name="Slide Number Placeholder 3"/>
+          <p:cNvSpPr>
+            <a:spLocks noGrp="1"/>
+          </p:cNvSpPr>
+          <p:nvPr>
+            <p:ph type="sldNum" sz="quarter" idx="10"/>
+          </p:nvPr>
+        </p:nvSpPr>
+        <p:spPr/>
+        <p:txBody>
+          <a:bodyPr/>
+          <a:lstStyle/>
+          <a:p>
+            <a:fld id="{81CAA18E-E9D7-469D-80A4-9C5CC3C3775A}" type="slidenum">
+              <a:rPr lang="en-US" smtClean="0"/>
+              <a:t>3</a:t>
+            </a:fld>
+            <a:endParaRPr lang="en-US"/>
+          </a:p>
+        </p:txBody>
+      </p:sp>
+    </p:spTree>
+    <p:extLst>
+      <p:ext uri="{BB962C8B-B14F-4D97-AF65-F5344CB8AC3E}">
+        <p14:creationId xmlns:p14="http://schemas.microsoft.com/office/powerpoint/2010/main" val="1703628454"/>
+      </p:ext>
+    </p:extLst>
+  </p:cSld>
+  <p:clrMapOvr>
+    <a:masterClrMapping/>
+  </p:clrMapOvr>
+</p:notes>
+</file>
+
+<file path=ppt/notesSlides/notesSlide4.xml><?xml version="1.0" encoding="utf-8"?>
+<p:notes xmlns:a="http://schemas.openxmlformats.org/drawingml/2006/main" xmlns:r="http://schemas.openxmlformats.org/officeDocument/2006/relationships" xmlns:p="http://schemas.openxmlformats.org/presentationml/2006/main">
+  <p:cSld>
+    <p:spTree>
+      <p:nvGrpSpPr>
+        <p:cNvPr id="1" name=""/>
+        <p:cNvGrpSpPr/>
+        <p:nvPr/>
+      </p:nvGrpSpPr>
+      <p:grpSpPr>
+        <a:xfrm>
+          <a:off x="0" y="0"/>
+          <a:ext cx="0" cy="0"/>
+          <a:chOff x="0" y="0"/>
+          <a:chExt cx="0" cy="0"/>
+        </a:xfrm>
+      </p:grpSpPr>
+      <p:sp>
+        <p:nvSpPr>
+          <p:cNvPr id="2" name="Slide Image Placeholder 1"/>
+          <p:cNvSpPr>
+            <a:spLocks noGrp="1" noRot="1" noChangeAspect="1"/>
+          </p:cNvSpPr>
+          <p:nvPr>
+            <p:ph type="sldImg"/>
+          </p:nvPr>
+        </p:nvSpPr>
+        <p:spPr/>
+      </p:sp>
+      <p:sp>
+        <p:nvSpPr>
+          <p:cNvPr id="3" name="Notes Placeholder 2"/>
+          <p:cNvSpPr>
+            <a:spLocks noGrp="1"/>
+          </p:cNvSpPr>
+          <p:nvPr>
+            <p:ph type="body" idx="1"/>
+          </p:nvPr>
+        </p:nvSpPr>
+        <p:spPr/>
+        <p:txBody>
+          <a:bodyPr/>
+          <a:lstStyle/>
+          <a:p>
+            <a:endParaRPr lang="en-US"/>
+          </a:p>
+        </p:txBody>
+      </p:sp>
+      <p:sp>
+        <p:nvSpPr>
+          <p:cNvPr id="4" name="Slide Number Placeholder 3"/>
+          <p:cNvSpPr>
+            <a:spLocks noGrp="1"/>
+          </p:cNvSpPr>
+          <p:nvPr>
+            <p:ph type="sldNum" sz="quarter" idx="10"/>
+          </p:nvPr>
+        </p:nvSpPr>
+        <p:spPr/>
+        <p:txBody>
+          <a:bodyPr/>
+          <a:lstStyle/>
+          <a:p>
+            <a:fld id="{81CAA18E-E9D7-469D-80A4-9C5CC3C3775A}" type="slidenum">
+              <a:rPr lang="en-US" smtClean="0"/>
+              <a:t>4</a:t>
+            </a:fld>
+            <a:endParaRPr lang="en-US"/>
+          </a:p>
+        </p:txBody>
+      </p:sp>
+    </p:spTree>
+    <p:extLst>
+      <p:ext uri="{BB962C8B-B14F-4D97-AF65-F5344CB8AC3E}">
+        <p14:creationId xmlns:p14="http://schemas.microsoft.com/office/powerpoint/2010/main" val="24296469"/>
+      </p:ext>
+    </p:extLst>
+  </p:cSld>
+  <p:clrMapOvr>
+    <a:masterClrMapping/>
+  </p:clrMapOvr>
+</p:notes>
+</file>
+
+<file path=ppt/notesSlides/notesSlide5.xml><?xml version="1.0" encoding="utf-8"?>
+<p:notes xmlns:a="http://schemas.openxmlformats.org/drawingml/2006/main" xmlns:r="http://schemas.openxmlformats.org/officeDocument/2006/relationships" xmlns:p="http://schemas.openxmlformats.org/presentationml/2006/main">
+  <p:cSld>
+    <p:spTree>
+      <p:nvGrpSpPr>
+        <p:cNvPr id="1" name=""/>
+        <p:cNvGrpSpPr/>
+        <p:nvPr/>
+      </p:nvGrpSpPr>
+      <p:grpSpPr>
+        <a:xfrm>
+          <a:off x="0" y="0"/>
+          <a:ext cx="0" cy="0"/>
+          <a:chOff x="0" y="0"/>
+          <a:chExt cx="0" cy="0"/>
+        </a:xfrm>
+      </p:grpSpPr>
+      <p:sp>
+        <p:nvSpPr>
+          <p:cNvPr id="2" name="Slide Image Placeholder 1"/>
+          <p:cNvSpPr>
+            <a:spLocks noGrp="1" noRot="1" noChangeAspect="1"/>
+          </p:cNvSpPr>
+          <p:nvPr>
+            <p:ph type="sldImg"/>
+          </p:nvPr>
+        </p:nvSpPr>
+        <p:spPr/>
+      </p:sp>
+      <p:sp>
+        <p:nvSpPr>
+          <p:cNvPr id="3" name="Notes Placeholder 2"/>
+          <p:cNvSpPr>
+            <a:spLocks noGrp="1"/>
+          </p:cNvSpPr>
+          <p:nvPr>
+            <p:ph type="body" idx="1"/>
+          </p:nvPr>
+        </p:nvSpPr>
+        <p:spPr/>
+        <p:txBody>
+          <a:bodyPr/>
+          <a:lstStyle/>
+          <a:p>
+            <a:endParaRPr lang="en-US"/>
+          </a:p>
+        </p:txBody>
+      </p:sp>
+      <p:sp>
+        <p:nvSpPr>
+          <p:cNvPr id="4" name="Slide Number Placeholder 3"/>
+          <p:cNvSpPr>
+            <a:spLocks noGrp="1"/>
+          </p:cNvSpPr>
+          <p:nvPr>
+            <p:ph type="sldNum" sz="quarter" idx="10"/>
+          </p:nvPr>
+        </p:nvSpPr>
+        <p:spPr/>
+        <p:txBody>
+          <a:bodyPr/>
+          <a:lstStyle/>
+          <a:p>
+            <a:fld id="{81CAA18E-E9D7-469D-80A4-9C5CC3C3775A}" type="slidenum">
+              <a:rPr lang="en-US" smtClean="0"/>
+              <a:t>5</a:t>
+            </a:fld>
+            <a:endParaRPr lang="en-US"/>
+          </a:p>
+        </p:txBody>
+      </p:sp>
+    </p:spTree>
+    <p:extLst>
+      <p:ext uri="{BB962C8B-B14F-4D97-AF65-F5344CB8AC3E}">
+        <p14:creationId xmlns:p14="http://schemas.microsoft.com/office/powerpoint/2010/main" val="1543304680"/>
+      </p:ext>
+    </p:extLst>
+  </p:cSld>
+  <p:clrMapOvr>
+    <a:masterClrMapping/>
+  </p:clrMapOvr>
+</p:notes>
 </file>
 
 <file path=ppt/slideLayouts/slideLayout1.xml><?xml version="1.0" encoding="utf-8"?>
@@ -1899,23 +2671,8 @@
           <a:p>
             <a:r>
               <a:rPr lang="en-US" dirty="0"/>
-              <a:t>Capture customized VM images</a:t>
-            </a:r>
-          </a:p>
-          <a:p>
-            <a:r>
-              <a:rPr lang="en-US" dirty="0"/>
-              <a:t>Create web servers from custom VM image</a:t>
-            </a:r>
-          </a:p>
-          <a:p>
-            <a:r>
-              <a:rPr lang="en-US" dirty="0"/>
-              <a:t>(Optional) Create load balancer</a:t>
-            </a:r>
-          </a:p>
-          <a:p>
-            <a:endParaRPr lang="en-US" dirty="0"/>
+              <a:t>Architecture </a:t>
+            </a:r>
           </a:p>
         </p:txBody>
       </p:sp>
@@ -2441,4 +3198,299 @@
     </a:ext>
   </a:extLst>
 </a:theme>
+</file>
+
+<file path=ppt/theme/theme2.xml><?xml version="1.0" encoding="utf-8"?>
+<a:theme xmlns:a="http://schemas.openxmlformats.org/drawingml/2006/main" name="Office Theme">
+  <a:themeElements>
+    <a:clrScheme name="Office">
+      <a:dk1>
+        <a:sysClr val="windowText" lastClr="000000"/>
+      </a:dk1>
+      <a:lt1>
+        <a:sysClr val="window" lastClr="FFFFFF"/>
+      </a:lt1>
+      <a:dk2>
+        <a:srgbClr val="44546A"/>
+      </a:dk2>
+      <a:lt2>
+        <a:srgbClr val="E7E6E6"/>
+      </a:lt2>
+      <a:accent1>
+        <a:srgbClr val="4472C4"/>
+      </a:accent1>
+      <a:accent2>
+        <a:srgbClr val="ED7D31"/>
+      </a:accent2>
+      <a:accent3>
+        <a:srgbClr val="A5A5A5"/>
+      </a:accent3>
+      <a:accent4>
+        <a:srgbClr val="FFC000"/>
+      </a:accent4>
+      <a:accent5>
+        <a:srgbClr val="5B9BD5"/>
+      </a:accent5>
+      <a:accent6>
+        <a:srgbClr val="70AD47"/>
+      </a:accent6>
+      <a:hlink>
+        <a:srgbClr val="0563C1"/>
+      </a:hlink>
+      <a:folHlink>
+        <a:srgbClr val="954F72"/>
+      </a:folHlink>
+    </a:clrScheme>
+    <a:fontScheme name="Office">
+      <a:majorFont>
+        <a:latin typeface="Calibri Light" panose="020F0302020204030204"/>
+        <a:ea typeface=""/>
+        <a:cs typeface=""/>
+        <a:font script="Jpan" typeface="游ゴシック Light"/>
+        <a:font script="Hang" typeface="맑은 고딕"/>
+        <a:font script="Hans" typeface="等线 Light"/>
+        <a:font script="Hant" typeface="新細明體"/>
+        <a:font script="Arab" typeface="Times New Roman"/>
+        <a:font script="Hebr" typeface="Times New Roman"/>
+        <a:font script="Thai" typeface="Angsana New"/>
+        <a:font script="Ethi" typeface="Nyala"/>
+        <a:font script="Beng" typeface="Vrinda"/>
+        <a:font script="Gujr" typeface="Shruti"/>
+        <a:font script="Khmr" typeface="MoolBoran"/>
+        <a:font script="Knda" typeface="Tunga"/>
+        <a:font script="Guru" typeface="Raavi"/>
+        <a:font script="Cans" typeface="Euphemia"/>
+        <a:font script="Cher" typeface="Plantagenet Cherokee"/>
+        <a:font script="Yiii" typeface="Microsoft Yi Baiti"/>
+        <a:font script="Tibt" typeface="Microsoft Himalaya"/>
+        <a:font script="Thaa" typeface="MV Boli"/>
+        <a:font script="Deva" typeface="Mangal"/>
+        <a:font script="Telu" typeface="Gautami"/>
+        <a:font script="Taml" typeface="Latha"/>
+        <a:font script="Syrc" typeface="Estrangelo Edessa"/>
+        <a:font script="Orya" typeface="Kalinga"/>
+        <a:font script="Mlym" typeface="Kartika"/>
+        <a:font script="Laoo" typeface="DokChampa"/>
+        <a:font script="Sinh" typeface="Iskoola Pota"/>
+        <a:font script="Mong" typeface="Mongolian Baiti"/>
+        <a:font script="Viet" typeface="Times New Roman"/>
+        <a:font script="Uigh" typeface="Microsoft Uighur"/>
+        <a:font script="Geor" typeface="Sylfaen"/>
+        <a:font script="Armn" typeface="Arial"/>
+        <a:font script="Bugi" typeface="Leelawadee UI"/>
+        <a:font script="Bopo" typeface="Microsoft JhengHei"/>
+        <a:font script="Java" typeface="Javanese Text"/>
+        <a:font script="Lisu" typeface="Segoe UI"/>
+        <a:font script="Mymr" typeface="Myanmar Text"/>
+        <a:font script="Nkoo" typeface="Ebrima"/>
+        <a:font script="Olck" typeface="Nirmala UI"/>
+        <a:font script="Osma" typeface="Ebrima"/>
+        <a:font script="Phag" typeface="Phagspa"/>
+        <a:font script="Syrn" typeface="Estrangelo Edessa"/>
+        <a:font script="Syrj" typeface="Estrangelo Edessa"/>
+        <a:font script="Syre" typeface="Estrangelo Edessa"/>
+        <a:font script="Sora" typeface="Nirmala UI"/>
+        <a:font script="Tale" typeface="Microsoft Tai Le"/>
+        <a:font script="Talu" typeface="Microsoft New Tai Lue"/>
+        <a:font script="Tfng" typeface="Ebrima"/>
+      </a:majorFont>
+      <a:minorFont>
+        <a:latin typeface="Calibri" panose="020F0502020204030204"/>
+        <a:ea typeface=""/>
+        <a:cs typeface=""/>
+        <a:font script="Jpan" typeface="游ゴシック"/>
+        <a:font script="Hang" typeface="맑은 고딕"/>
+        <a:font script="Hans" typeface="等线"/>
+        <a:font script="Hant" typeface="新細明體"/>
+        <a:font script="Arab" typeface="Arial"/>
+        <a:font script="Hebr" typeface="Arial"/>
+        <a:font script="Thai" typeface="Cordia New"/>
+        <a:font script="Ethi" typeface="Nyala"/>
+        <a:font script="Beng" typeface="Vrinda"/>
+        <a:font script="Gujr" typeface="Shruti"/>
+        <a:font script="Khmr" typeface="DaunPenh"/>
+        <a:font script="Knda" typeface="Tunga"/>
+        <a:font script="Guru" typeface="Raavi"/>
+        <a:font script="Cans" typeface="Euphemia"/>
+        <a:font script="Cher" typeface="Plantagenet Cherokee"/>
+        <a:font script="Yiii" typeface="Microsoft Yi Baiti"/>
+        <a:font script="Tibt" typeface="Microsoft Himalaya"/>
+        <a:font script="Thaa" typeface="MV Boli"/>
+        <a:font script="Deva" typeface="Mangal"/>
+        <a:font script="Telu" typeface="Gautami"/>
+        <a:font script="Taml" typeface="Latha"/>
+        <a:font script="Syrc" typeface="Estrangelo Edessa"/>
+        <a:font script="Orya" typeface="Kalinga"/>
+        <a:font script="Mlym" typeface="Kartika"/>
+        <a:font script="Laoo" typeface="DokChampa"/>
+        <a:font script="Sinh" typeface="Iskoola Pota"/>
+        <a:font script="Mong" typeface="Mongolian Baiti"/>
+        <a:font script="Viet" typeface="Arial"/>
+        <a:font script="Uigh" typeface="Microsoft Uighur"/>
+        <a:font script="Geor" typeface="Sylfaen"/>
+        <a:font script="Armn" typeface="Arial"/>
+        <a:font script="Bugi" typeface="Leelawadee UI"/>
+        <a:font script="Bopo" typeface="Microsoft JhengHei"/>
+        <a:font script="Java" typeface="Javanese Text"/>
+        <a:font script="Lisu" typeface="Segoe UI"/>
+        <a:font script="Mymr" typeface="Myanmar Text"/>
+        <a:font script="Nkoo" typeface="Ebrima"/>
+        <a:font script="Olck" typeface="Nirmala UI"/>
+        <a:font script="Osma" typeface="Ebrima"/>
+        <a:font script="Phag" typeface="Phagspa"/>
+        <a:font script="Syrn" typeface="Estrangelo Edessa"/>
+        <a:font script="Syrj" typeface="Estrangelo Edessa"/>
+        <a:font script="Syre" typeface="Estrangelo Edessa"/>
+        <a:font script="Sora" typeface="Nirmala UI"/>
+        <a:font script="Tale" typeface="Microsoft Tai Le"/>
+        <a:font script="Talu" typeface="Microsoft New Tai Lue"/>
+        <a:font script="Tfng" typeface="Ebrima"/>
+      </a:minorFont>
+    </a:fontScheme>
+    <a:fmtScheme name="Office">
+      <a:fillStyleLst>
+        <a:solidFill>
+          <a:schemeClr val="phClr"/>
+        </a:solidFill>
+        <a:gradFill rotWithShape="1">
+          <a:gsLst>
+            <a:gs pos="0">
+              <a:schemeClr val="phClr">
+                <a:lumMod val="110000"/>
+                <a:satMod val="105000"/>
+                <a:tint val="67000"/>
+              </a:schemeClr>
+            </a:gs>
+            <a:gs pos="50000">
+              <a:schemeClr val="phClr">
+                <a:lumMod val="105000"/>
+                <a:satMod val="103000"/>
+                <a:tint val="73000"/>
+              </a:schemeClr>
+            </a:gs>
+            <a:gs pos="100000">
+              <a:schemeClr val="phClr">
+                <a:lumMod val="105000"/>
+                <a:satMod val="109000"/>
+                <a:tint val="81000"/>
+              </a:schemeClr>
+            </a:gs>
+          </a:gsLst>
+          <a:lin ang="5400000" scaled="0"/>
+        </a:gradFill>
+        <a:gradFill rotWithShape="1">
+          <a:gsLst>
+            <a:gs pos="0">
+              <a:schemeClr val="phClr">
+                <a:satMod val="103000"/>
+                <a:lumMod val="102000"/>
+                <a:tint val="94000"/>
+              </a:schemeClr>
+            </a:gs>
+            <a:gs pos="50000">
+              <a:schemeClr val="phClr">
+                <a:satMod val="110000"/>
+                <a:lumMod val="100000"/>
+                <a:shade val="100000"/>
+              </a:schemeClr>
+            </a:gs>
+            <a:gs pos="100000">
+              <a:schemeClr val="phClr">
+                <a:lumMod val="99000"/>
+                <a:satMod val="120000"/>
+                <a:shade val="78000"/>
+              </a:schemeClr>
+            </a:gs>
+          </a:gsLst>
+          <a:lin ang="5400000" scaled="0"/>
+        </a:gradFill>
+      </a:fillStyleLst>
+      <a:lnStyleLst>
+        <a:ln w="6350" cap="flat" cmpd="sng" algn="ctr">
+          <a:solidFill>
+            <a:schemeClr val="phClr"/>
+          </a:solidFill>
+          <a:prstDash val="solid"/>
+          <a:miter lim="800000"/>
+        </a:ln>
+        <a:ln w="12700" cap="flat" cmpd="sng" algn="ctr">
+          <a:solidFill>
+            <a:schemeClr val="phClr"/>
+          </a:solidFill>
+          <a:prstDash val="solid"/>
+          <a:miter lim="800000"/>
+        </a:ln>
+        <a:ln w="19050" cap="flat" cmpd="sng" algn="ctr">
+          <a:solidFill>
+            <a:schemeClr val="phClr"/>
+          </a:solidFill>
+          <a:prstDash val="solid"/>
+          <a:miter lim="800000"/>
+        </a:ln>
+      </a:lnStyleLst>
+      <a:effectStyleLst>
+        <a:effectStyle>
+          <a:effectLst/>
+        </a:effectStyle>
+        <a:effectStyle>
+          <a:effectLst/>
+        </a:effectStyle>
+        <a:effectStyle>
+          <a:effectLst>
+            <a:outerShdw blurRad="57150" dist="19050" dir="5400000" algn="ctr" rotWithShape="0">
+              <a:srgbClr val="000000">
+                <a:alpha val="63000"/>
+              </a:srgbClr>
+            </a:outerShdw>
+          </a:effectLst>
+        </a:effectStyle>
+      </a:effectStyleLst>
+      <a:bgFillStyleLst>
+        <a:solidFill>
+          <a:schemeClr val="phClr"/>
+        </a:solidFill>
+        <a:solidFill>
+          <a:schemeClr val="phClr">
+            <a:tint val="95000"/>
+            <a:satMod val="170000"/>
+          </a:schemeClr>
+        </a:solidFill>
+        <a:gradFill rotWithShape="1">
+          <a:gsLst>
+            <a:gs pos="0">
+              <a:schemeClr val="phClr">
+                <a:tint val="93000"/>
+                <a:satMod val="150000"/>
+                <a:shade val="98000"/>
+                <a:lumMod val="102000"/>
+              </a:schemeClr>
+            </a:gs>
+            <a:gs pos="50000">
+              <a:schemeClr val="phClr">
+                <a:tint val="98000"/>
+                <a:satMod val="130000"/>
+                <a:shade val="90000"/>
+                <a:lumMod val="103000"/>
+              </a:schemeClr>
+            </a:gs>
+            <a:gs pos="100000">
+              <a:schemeClr val="phClr">
+                <a:shade val="63000"/>
+                <a:satMod val="120000"/>
+              </a:schemeClr>
+            </a:gs>
+          </a:gsLst>
+          <a:lin ang="5400000" scaled="0"/>
+        </a:gradFill>
+      </a:bgFillStyleLst>
+    </a:fmtScheme>
+  </a:themeElements>
+  <a:objectDefaults/>
+  <a:extraClrSchemeLst/>
+  <a:extLst>
+    <a:ext uri="{05A4C25C-085E-4340-85A3-A5531E510DB2}">
+      <thm15:themeFamily xmlns:thm15="http://schemas.microsoft.com/office/thememl/2012/main" name="Office Theme" id="{62F939B6-93AF-4DB8-9C6B-D6C7DFDC589F}" vid="{4A3C46E8-61CC-4603-A589-7422A47A8E4A}"/>
+    </a:ext>
+  </a:extLst>
+</a:theme>
 </file>
--- a/2. Workshop Scenario/Workshop Scenario.pptx
+++ b/2. Workshop Scenario/Workshop Scenario.pptx
@@ -5,14 +5,18 @@
     <p:sldMasterId id="2147483660" r:id="rId1"/>
   </p:sldMasterIdLst>
   <p:notesMasterIdLst>
-    <p:notesMasterId r:id="rId7"/>
+    <p:notesMasterId r:id="rId11"/>
   </p:notesMasterIdLst>
   <p:sldIdLst>
     <p:sldId id="256" r:id="rId2"/>
-    <p:sldId id="257" r:id="rId3"/>
-    <p:sldId id="258" r:id="rId4"/>
-    <p:sldId id="259" r:id="rId5"/>
-    <p:sldId id="260" r:id="rId6"/>
+    <p:sldId id="261" r:id="rId3"/>
+    <p:sldId id="257" r:id="rId4"/>
+    <p:sldId id="258" r:id="rId5"/>
+    <p:sldId id="262" r:id="rId6"/>
+    <p:sldId id="259" r:id="rId7"/>
+    <p:sldId id="260" r:id="rId8"/>
+    <p:sldId id="263" r:id="rId9"/>
+    <p:sldId id="264" r:id="rId10"/>
   </p:sldIdLst>
   <p:sldSz cx="12192000" cy="6858000"/>
   <p:notesSz cx="6858000" cy="9144000"/>
@@ -111,6 +115,11 @@
       </a:defRPr>
     </a:lvl9pPr>
   </p:defaultTextStyle>
+  <p:extLst>
+    <p:ext uri="{EFAFB233-063F-42B5-8137-9DF3F51BA10A}">
+      <p15:sldGuideLst xmlns:p15="http://schemas.microsoft.com/office/powerpoint/2012/main"/>
+    </p:ext>
+  </p:extLst>
 </p:presentation>
 </file>
 
@@ -196,7 +205,7 @@
           <a:p>
             <a:fld id="{D5CDF9E0-CE3D-4EED-B3B8-9A3C6DF6BAA1}" type="datetimeFigureOut">
               <a:rPr lang="en-US" smtClean="0"/>
-              <a:t>10/27/2017</a:t>
+              <a:t>10/30/2017</a:t>
             </a:fld>
             <a:endParaRPr lang="en-US"/>
           </a:p>
@@ -621,7 +630,7 @@
     </p:spTree>
     <p:extLst>
       <p:ext uri="{BB962C8B-B14F-4D97-AF65-F5344CB8AC3E}">
-        <p14:creationId xmlns:p14="http://schemas.microsoft.com/office/powerpoint/2010/main" val="3879398284"/>
+        <p14:creationId xmlns:p14="http://schemas.microsoft.com/office/powerpoint/2010/main" val="694239898"/>
       </p:ext>
     </p:extLst>
   </p:cSld>
@@ -705,7 +714,7 @@
     </p:spTree>
     <p:extLst>
       <p:ext uri="{BB962C8B-B14F-4D97-AF65-F5344CB8AC3E}">
-        <p14:creationId xmlns:p14="http://schemas.microsoft.com/office/powerpoint/2010/main" val="1703628454"/>
+        <p14:creationId xmlns:p14="http://schemas.microsoft.com/office/powerpoint/2010/main" val="3879398284"/>
       </p:ext>
     </p:extLst>
   </p:cSld>
@@ -789,7 +798,7 @@
     </p:spTree>
     <p:extLst>
       <p:ext uri="{BB962C8B-B14F-4D97-AF65-F5344CB8AC3E}">
-        <p14:creationId xmlns:p14="http://schemas.microsoft.com/office/powerpoint/2010/main" val="24296469"/>
+        <p14:creationId xmlns:p14="http://schemas.microsoft.com/office/powerpoint/2010/main" val="1703628454"/>
       </p:ext>
     </p:extLst>
   </p:cSld>
@@ -873,7 +882,343 @@
     </p:spTree>
     <p:extLst>
       <p:ext uri="{BB962C8B-B14F-4D97-AF65-F5344CB8AC3E}">
+        <p14:creationId xmlns:p14="http://schemas.microsoft.com/office/powerpoint/2010/main" val="2747294656"/>
+      </p:ext>
+    </p:extLst>
+  </p:cSld>
+  <p:clrMapOvr>
+    <a:masterClrMapping/>
+  </p:clrMapOvr>
+</p:notes>
+</file>
+
+<file path=ppt/notesSlides/notesSlide6.xml><?xml version="1.0" encoding="utf-8"?>
+<p:notes xmlns:a="http://schemas.openxmlformats.org/drawingml/2006/main" xmlns:r="http://schemas.openxmlformats.org/officeDocument/2006/relationships" xmlns:p="http://schemas.openxmlformats.org/presentationml/2006/main">
+  <p:cSld>
+    <p:spTree>
+      <p:nvGrpSpPr>
+        <p:cNvPr id="1" name=""/>
+        <p:cNvGrpSpPr/>
+        <p:nvPr/>
+      </p:nvGrpSpPr>
+      <p:grpSpPr>
+        <a:xfrm>
+          <a:off x="0" y="0"/>
+          <a:ext cx="0" cy="0"/>
+          <a:chOff x="0" y="0"/>
+          <a:chExt cx="0" cy="0"/>
+        </a:xfrm>
+      </p:grpSpPr>
+      <p:sp>
+        <p:nvSpPr>
+          <p:cNvPr id="2" name="Slide Image Placeholder 1"/>
+          <p:cNvSpPr>
+            <a:spLocks noGrp="1" noRot="1" noChangeAspect="1"/>
+          </p:cNvSpPr>
+          <p:nvPr>
+            <p:ph type="sldImg"/>
+          </p:nvPr>
+        </p:nvSpPr>
+        <p:spPr/>
+      </p:sp>
+      <p:sp>
+        <p:nvSpPr>
+          <p:cNvPr id="3" name="Notes Placeholder 2"/>
+          <p:cNvSpPr>
+            <a:spLocks noGrp="1"/>
+          </p:cNvSpPr>
+          <p:nvPr>
+            <p:ph type="body" idx="1"/>
+          </p:nvPr>
+        </p:nvSpPr>
+        <p:spPr/>
+        <p:txBody>
+          <a:bodyPr/>
+          <a:lstStyle/>
+          <a:p>
+            <a:endParaRPr lang="en-US"/>
+          </a:p>
+        </p:txBody>
+      </p:sp>
+      <p:sp>
+        <p:nvSpPr>
+          <p:cNvPr id="4" name="Slide Number Placeholder 3"/>
+          <p:cNvSpPr>
+            <a:spLocks noGrp="1"/>
+          </p:cNvSpPr>
+          <p:nvPr>
+            <p:ph type="sldNum" sz="quarter" idx="10"/>
+          </p:nvPr>
+        </p:nvSpPr>
+        <p:spPr/>
+        <p:txBody>
+          <a:bodyPr/>
+          <a:lstStyle/>
+          <a:p>
+            <a:fld id="{81CAA18E-E9D7-469D-80A4-9C5CC3C3775A}" type="slidenum">
+              <a:rPr lang="en-US" smtClean="0"/>
+              <a:t>6</a:t>
+            </a:fld>
+            <a:endParaRPr lang="en-US"/>
+          </a:p>
+        </p:txBody>
+      </p:sp>
+    </p:spTree>
+    <p:extLst>
+      <p:ext uri="{BB962C8B-B14F-4D97-AF65-F5344CB8AC3E}">
+        <p14:creationId xmlns:p14="http://schemas.microsoft.com/office/powerpoint/2010/main" val="24296469"/>
+      </p:ext>
+    </p:extLst>
+  </p:cSld>
+  <p:clrMapOvr>
+    <a:masterClrMapping/>
+  </p:clrMapOvr>
+</p:notes>
+</file>
+
+<file path=ppt/notesSlides/notesSlide7.xml><?xml version="1.0" encoding="utf-8"?>
+<p:notes xmlns:a="http://schemas.openxmlformats.org/drawingml/2006/main" xmlns:r="http://schemas.openxmlformats.org/officeDocument/2006/relationships" xmlns:p="http://schemas.openxmlformats.org/presentationml/2006/main">
+  <p:cSld>
+    <p:spTree>
+      <p:nvGrpSpPr>
+        <p:cNvPr id="1" name=""/>
+        <p:cNvGrpSpPr/>
+        <p:nvPr/>
+      </p:nvGrpSpPr>
+      <p:grpSpPr>
+        <a:xfrm>
+          <a:off x="0" y="0"/>
+          <a:ext cx="0" cy="0"/>
+          <a:chOff x="0" y="0"/>
+          <a:chExt cx="0" cy="0"/>
+        </a:xfrm>
+      </p:grpSpPr>
+      <p:sp>
+        <p:nvSpPr>
+          <p:cNvPr id="2" name="Slide Image Placeholder 1"/>
+          <p:cNvSpPr>
+            <a:spLocks noGrp="1" noRot="1" noChangeAspect="1"/>
+          </p:cNvSpPr>
+          <p:nvPr>
+            <p:ph type="sldImg"/>
+          </p:nvPr>
+        </p:nvSpPr>
+        <p:spPr/>
+      </p:sp>
+      <p:sp>
+        <p:nvSpPr>
+          <p:cNvPr id="3" name="Notes Placeholder 2"/>
+          <p:cNvSpPr>
+            <a:spLocks noGrp="1"/>
+          </p:cNvSpPr>
+          <p:nvPr>
+            <p:ph type="body" idx="1"/>
+          </p:nvPr>
+        </p:nvSpPr>
+        <p:spPr/>
+        <p:txBody>
+          <a:bodyPr/>
+          <a:lstStyle/>
+          <a:p>
+            <a:endParaRPr lang="en-US"/>
+          </a:p>
+        </p:txBody>
+      </p:sp>
+      <p:sp>
+        <p:nvSpPr>
+          <p:cNvPr id="4" name="Slide Number Placeholder 3"/>
+          <p:cNvSpPr>
+            <a:spLocks noGrp="1"/>
+          </p:cNvSpPr>
+          <p:nvPr>
+            <p:ph type="sldNum" sz="quarter" idx="10"/>
+          </p:nvPr>
+        </p:nvSpPr>
+        <p:spPr/>
+        <p:txBody>
+          <a:bodyPr/>
+          <a:lstStyle/>
+          <a:p>
+            <a:fld id="{81CAA18E-E9D7-469D-80A4-9C5CC3C3775A}" type="slidenum">
+              <a:rPr lang="en-US" smtClean="0"/>
+              <a:t>7</a:t>
+            </a:fld>
+            <a:endParaRPr lang="en-US"/>
+          </a:p>
+        </p:txBody>
+      </p:sp>
+    </p:spTree>
+    <p:extLst>
+      <p:ext uri="{BB962C8B-B14F-4D97-AF65-F5344CB8AC3E}">
         <p14:creationId xmlns:p14="http://schemas.microsoft.com/office/powerpoint/2010/main" val="1543304680"/>
+      </p:ext>
+    </p:extLst>
+  </p:cSld>
+  <p:clrMapOvr>
+    <a:masterClrMapping/>
+  </p:clrMapOvr>
+</p:notes>
+</file>
+
+<file path=ppt/notesSlides/notesSlide8.xml><?xml version="1.0" encoding="utf-8"?>
+<p:notes xmlns:a="http://schemas.openxmlformats.org/drawingml/2006/main" xmlns:r="http://schemas.openxmlformats.org/officeDocument/2006/relationships" xmlns:p="http://schemas.openxmlformats.org/presentationml/2006/main">
+  <p:cSld>
+    <p:spTree>
+      <p:nvGrpSpPr>
+        <p:cNvPr id="1" name=""/>
+        <p:cNvGrpSpPr/>
+        <p:nvPr/>
+      </p:nvGrpSpPr>
+      <p:grpSpPr>
+        <a:xfrm>
+          <a:off x="0" y="0"/>
+          <a:ext cx="0" cy="0"/>
+          <a:chOff x="0" y="0"/>
+          <a:chExt cx="0" cy="0"/>
+        </a:xfrm>
+      </p:grpSpPr>
+      <p:sp>
+        <p:nvSpPr>
+          <p:cNvPr id="2" name="Slide Image Placeholder 1"/>
+          <p:cNvSpPr>
+            <a:spLocks noGrp="1" noRot="1" noChangeAspect="1"/>
+          </p:cNvSpPr>
+          <p:nvPr>
+            <p:ph type="sldImg"/>
+          </p:nvPr>
+        </p:nvSpPr>
+        <p:spPr/>
+      </p:sp>
+      <p:sp>
+        <p:nvSpPr>
+          <p:cNvPr id="3" name="Notes Placeholder 2"/>
+          <p:cNvSpPr>
+            <a:spLocks noGrp="1"/>
+          </p:cNvSpPr>
+          <p:nvPr>
+            <p:ph type="body" idx="1"/>
+          </p:nvPr>
+        </p:nvSpPr>
+        <p:spPr/>
+        <p:txBody>
+          <a:bodyPr/>
+          <a:lstStyle/>
+          <a:p>
+            <a:endParaRPr lang="en-US"/>
+          </a:p>
+        </p:txBody>
+      </p:sp>
+      <p:sp>
+        <p:nvSpPr>
+          <p:cNvPr id="4" name="Slide Number Placeholder 3"/>
+          <p:cNvSpPr>
+            <a:spLocks noGrp="1"/>
+          </p:cNvSpPr>
+          <p:nvPr>
+            <p:ph type="sldNum" sz="quarter" idx="10"/>
+          </p:nvPr>
+        </p:nvSpPr>
+        <p:spPr/>
+        <p:txBody>
+          <a:bodyPr/>
+          <a:lstStyle/>
+          <a:p>
+            <a:fld id="{81CAA18E-E9D7-469D-80A4-9C5CC3C3775A}" type="slidenum">
+              <a:rPr lang="en-US" smtClean="0"/>
+              <a:t>8</a:t>
+            </a:fld>
+            <a:endParaRPr lang="en-US"/>
+          </a:p>
+        </p:txBody>
+      </p:sp>
+    </p:spTree>
+    <p:extLst>
+      <p:ext uri="{BB962C8B-B14F-4D97-AF65-F5344CB8AC3E}">
+        <p14:creationId xmlns:p14="http://schemas.microsoft.com/office/powerpoint/2010/main" val="3489136822"/>
+      </p:ext>
+    </p:extLst>
+  </p:cSld>
+  <p:clrMapOvr>
+    <a:masterClrMapping/>
+  </p:clrMapOvr>
+</p:notes>
+</file>
+
+<file path=ppt/notesSlides/notesSlide9.xml><?xml version="1.0" encoding="utf-8"?>
+<p:notes xmlns:a="http://schemas.openxmlformats.org/drawingml/2006/main" xmlns:r="http://schemas.openxmlformats.org/officeDocument/2006/relationships" xmlns:p="http://schemas.openxmlformats.org/presentationml/2006/main">
+  <p:cSld>
+    <p:spTree>
+      <p:nvGrpSpPr>
+        <p:cNvPr id="1" name=""/>
+        <p:cNvGrpSpPr/>
+        <p:nvPr/>
+      </p:nvGrpSpPr>
+      <p:grpSpPr>
+        <a:xfrm>
+          <a:off x="0" y="0"/>
+          <a:ext cx="0" cy="0"/>
+          <a:chOff x="0" y="0"/>
+          <a:chExt cx="0" cy="0"/>
+        </a:xfrm>
+      </p:grpSpPr>
+      <p:sp>
+        <p:nvSpPr>
+          <p:cNvPr id="2" name="Slide Image Placeholder 1"/>
+          <p:cNvSpPr>
+            <a:spLocks noGrp="1" noRot="1" noChangeAspect="1"/>
+          </p:cNvSpPr>
+          <p:nvPr>
+            <p:ph type="sldImg"/>
+          </p:nvPr>
+        </p:nvSpPr>
+        <p:spPr/>
+      </p:sp>
+      <p:sp>
+        <p:nvSpPr>
+          <p:cNvPr id="3" name="Notes Placeholder 2"/>
+          <p:cNvSpPr>
+            <a:spLocks noGrp="1"/>
+          </p:cNvSpPr>
+          <p:nvPr>
+            <p:ph type="body" idx="1"/>
+          </p:nvPr>
+        </p:nvSpPr>
+        <p:spPr/>
+        <p:txBody>
+          <a:bodyPr/>
+          <a:lstStyle/>
+          <a:p>
+            <a:endParaRPr lang="en-US"/>
+          </a:p>
+        </p:txBody>
+      </p:sp>
+      <p:sp>
+        <p:nvSpPr>
+          <p:cNvPr id="4" name="Slide Number Placeholder 3"/>
+          <p:cNvSpPr>
+            <a:spLocks noGrp="1"/>
+          </p:cNvSpPr>
+          <p:nvPr>
+            <p:ph type="sldNum" sz="quarter" idx="10"/>
+          </p:nvPr>
+        </p:nvSpPr>
+        <p:spPr/>
+        <p:txBody>
+          <a:bodyPr/>
+          <a:lstStyle/>
+          <a:p>
+            <a:fld id="{81CAA18E-E9D7-469D-80A4-9C5CC3C3775A}" type="slidenum">
+              <a:rPr lang="en-US" smtClean="0"/>
+              <a:t>9</a:t>
+            </a:fld>
+            <a:endParaRPr lang="en-US"/>
+          </a:p>
+        </p:txBody>
+      </p:sp>
+    </p:spTree>
+    <p:extLst>
+      <p:ext uri="{BB962C8B-B14F-4D97-AF65-F5344CB8AC3E}">
+        <p14:creationId xmlns:p14="http://schemas.microsoft.com/office/powerpoint/2010/main" val="1510818962"/>
       </p:ext>
     </p:extLst>
   </p:cSld>
@@ -2490,10 +2835,10 @@
       </p:grpSpPr>
       <p:sp>
         <p:nvSpPr>
-          <p:cNvPr id="2" name="Title 1">
-            <a:extLst>
-              <a:ext uri="{FF2B5EF4-FFF2-40B4-BE49-F238E27FC236}">
-                <a16:creationId xmlns:a16="http://schemas.microsoft.com/office/drawing/2014/main" id="{C27A62A0-E3E3-4DCB-BBC5-63FDB474798C}"/>
+          <p:cNvPr id="7" name="Title 6">
+            <a:extLst>
+              <a:ext uri="{FF2B5EF4-FFF2-40B4-BE49-F238E27FC236}">
+                <a16:creationId xmlns:a16="http://schemas.microsoft.com/office/drawing/2014/main" id="{AE43EF91-22DE-411A-9144-FE2862CE8159}"/>
               </a:ext>
             </a:extLst>
           </p:cNvPr>
@@ -2511,17 +2856,17 @@
           <a:p>
             <a:r>
               <a:rPr lang="en-US" dirty="0"/>
-              <a:t>Workshop Scenario</a:t>
-            </a:r>
-          </a:p>
-        </p:txBody>
-      </p:sp>
-      <p:sp>
-        <p:nvSpPr>
-          <p:cNvPr id="3" name="Content Placeholder 2">
-            <a:extLst>
-              <a:ext uri="{FF2B5EF4-FFF2-40B4-BE49-F238E27FC236}">
-                <a16:creationId xmlns:a16="http://schemas.microsoft.com/office/drawing/2014/main" id="{5C351E07-3D78-4561-8477-B8F12B98225E}"/>
+              <a:t>Download contents and online document for lab</a:t>
+            </a:r>
+          </a:p>
+        </p:txBody>
+      </p:sp>
+      <p:sp>
+        <p:nvSpPr>
+          <p:cNvPr id="8" name="Content Placeholder 7">
+            <a:extLst>
+              <a:ext uri="{FF2B5EF4-FFF2-40B4-BE49-F238E27FC236}">
+                <a16:creationId xmlns:a16="http://schemas.microsoft.com/office/drawing/2014/main" id="{1C05F7DD-ABBD-4A01-B2FF-BBBCDA3AD85B}"/>
               </a:ext>
             </a:extLst>
           </p:cNvPr>
@@ -2533,44 +2878,44 @@
           </p:nvPr>
         </p:nvSpPr>
         <p:spPr/>
-        <p:txBody>
-          <a:bodyPr/>
-          <a:lstStyle/>
-          <a:p>
-            <a:r>
-              <a:rPr lang="en-US" dirty="0"/>
-              <a:t>Create web app dev/test VM</a:t>
-            </a:r>
-          </a:p>
-          <a:p>
-            <a:r>
-              <a:rPr lang="en-US" dirty="0"/>
-              <a:t>Capture customized VM images</a:t>
-            </a:r>
-          </a:p>
-          <a:p>
-            <a:r>
-              <a:rPr lang="en-US" dirty="0"/>
-              <a:t>Create web servers from custom VM image</a:t>
-            </a:r>
-          </a:p>
-          <a:p>
-            <a:r>
-              <a:rPr lang="en-US" dirty="0"/>
-              <a:t>(Optional) Create load balancer</a:t>
-            </a:r>
-          </a:p>
-          <a:p>
-            <a:endParaRPr lang="en-US" dirty="0"/>
-          </a:p>
-        </p:txBody>
-      </p:sp>
-      <p:sp>
-        <p:nvSpPr>
-          <p:cNvPr id="4" name="Text Placeholder 3">
-            <a:extLst>
-              <a:ext uri="{FF2B5EF4-FFF2-40B4-BE49-F238E27FC236}">
-                <a16:creationId xmlns:a16="http://schemas.microsoft.com/office/drawing/2014/main" id="{09E79592-AC01-4B52-8C3A-216E9F84829F}"/>
+        <p:style>
+          <a:lnRef idx="2">
+            <a:schemeClr val="dk1">
+              <a:shade val="50000"/>
+            </a:schemeClr>
+          </a:lnRef>
+          <a:fillRef idx="1">
+            <a:schemeClr val="dk1"/>
+          </a:fillRef>
+          <a:effectRef idx="0">
+            <a:schemeClr val="dk1"/>
+          </a:effectRef>
+          <a:fontRef idx="minor">
+            <a:schemeClr val="lt1"/>
+          </a:fontRef>
+        </p:style>
+        <p:txBody>
+          <a:bodyPr anchor="ctr">
+            <a:normAutofit/>
+          </a:bodyPr>
+          <a:lstStyle/>
+          <a:p>
+            <a:pPr marL="0" indent="0" algn="ctr">
+              <a:buNone/>
+            </a:pPr>
+            <a:r>
+              <a:rPr lang="en-US" sz="6600" b="1" dirty="0"/>
+              <a:t>https://aka.ms/mtcseattle</a:t>
+            </a:r>
+          </a:p>
+        </p:txBody>
+      </p:sp>
+      <p:sp>
+        <p:nvSpPr>
+          <p:cNvPr id="10" name="Text Placeholder 9">
+            <a:extLst>
+              <a:ext uri="{FF2B5EF4-FFF2-40B4-BE49-F238E27FC236}">
+                <a16:creationId xmlns:a16="http://schemas.microsoft.com/office/drawing/2014/main" id="{CB877C7E-4F01-41E9-915B-5BD1FEAE94B2}"/>
               </a:ext>
             </a:extLst>
           </p:cNvPr>
@@ -2593,7 +2938,7 @@
     </p:spTree>
     <p:extLst>
       <p:ext uri="{BB962C8B-B14F-4D97-AF65-F5344CB8AC3E}">
-        <p14:creationId xmlns:p14="http://schemas.microsoft.com/office/powerpoint/2010/main" val="3532399292"/>
+        <p14:creationId xmlns:p14="http://schemas.microsoft.com/office/powerpoint/2010/main" val="2877445864"/>
       </p:ext>
     </p:extLst>
   </p:cSld>
@@ -2643,7 +2988,7 @@
           <a:p>
             <a:r>
               <a:rPr lang="en-US" dirty="0"/>
-              <a:t>Workshop Scenario</a:t>
+              <a:t>Hands on lab scenarios</a:t>
             </a:r>
           </a:p>
         </p:txBody>
@@ -2671,8 +3016,35 @@
           <a:p>
             <a:r>
               <a:rPr lang="en-US" dirty="0"/>
-              <a:t>Architecture </a:t>
-            </a:r>
+              <a:t>Create Virtual Network</a:t>
+            </a:r>
+          </a:p>
+          <a:p>
+            <a:r>
+              <a:rPr lang="en-US" dirty="0"/>
+              <a:t>Create web app dev/test VM</a:t>
+            </a:r>
+          </a:p>
+          <a:p>
+            <a:r>
+              <a:rPr lang="en-US" dirty="0"/>
+              <a:t>Capture customized VM images</a:t>
+            </a:r>
+          </a:p>
+          <a:p>
+            <a:r>
+              <a:rPr lang="en-US" dirty="0"/>
+              <a:t>Create web servers from custom VM image</a:t>
+            </a:r>
+          </a:p>
+          <a:p>
+            <a:r>
+              <a:rPr lang="en-US" dirty="0"/>
+              <a:t>(Optional) Create load balancer</a:t>
+            </a:r>
+          </a:p>
+          <a:p>
+            <a:endParaRPr lang="en-US" dirty="0"/>
           </a:p>
         </p:txBody>
       </p:sp>
@@ -2697,17 +3069,14 @@
           <a:bodyPr/>
           <a:lstStyle/>
           <a:p>
-            <a:r>
-              <a:rPr lang="en-US" dirty="0"/>
-              <a:t>Create web app dev/test VM</a:t>
-            </a:r>
+            <a:endParaRPr lang="en-US" dirty="0"/>
           </a:p>
         </p:txBody>
       </p:sp>
     </p:spTree>
     <p:extLst>
       <p:ext uri="{BB962C8B-B14F-4D97-AF65-F5344CB8AC3E}">
-        <p14:creationId xmlns:p14="http://schemas.microsoft.com/office/powerpoint/2010/main" val="912138101"/>
+        <p14:creationId xmlns:p14="http://schemas.microsoft.com/office/powerpoint/2010/main" val="3532399292"/>
       </p:ext>
     </p:extLst>
   </p:cSld>
@@ -2778,12 +3147,23 @@
             <p:ph idx="1"/>
           </p:nvPr>
         </p:nvSpPr>
-        <p:spPr/>
+        <p:spPr>
+          <a:ln>
+            <a:solidFill>
+              <a:schemeClr val="bg1">
+                <a:lumMod val="50000"/>
+              </a:schemeClr>
+            </a:solidFill>
+          </a:ln>
+        </p:spPr>
         <p:txBody>
           <a:bodyPr/>
           <a:lstStyle/>
           <a:p>
-            <a:endParaRPr lang="en-US" dirty="0"/>
+            <a:r>
+              <a:rPr lang="en-US" dirty="0"/>
+              <a:t>Architecture </a:t>
+            </a:r>
           </a:p>
         </p:txBody>
       </p:sp>
@@ -2810,7 +3190,528 @@
           <a:p>
             <a:r>
               <a:rPr lang="en-US" dirty="0"/>
-              <a:t>Capture customized VM images</a:t>
+              <a:t>i. Create Virtual Network</a:t>
+            </a:r>
+          </a:p>
+        </p:txBody>
+      </p:sp>
+      <p:sp>
+        <p:nvSpPr>
+          <p:cNvPr id="6" name="Rectangle: Rounded Corners 5">
+            <a:extLst>
+              <a:ext uri="{FF2B5EF4-FFF2-40B4-BE49-F238E27FC236}">
+                <a16:creationId xmlns:a16="http://schemas.microsoft.com/office/drawing/2014/main" id="{CD041368-1E30-4AB4-A266-7055F86A716C}"/>
+              </a:ext>
+            </a:extLst>
+          </p:cNvPr>
+          <p:cNvSpPr/>
+          <p:nvPr/>
+        </p:nvSpPr>
+        <p:spPr>
+          <a:xfrm>
+            <a:off x="4865052" y="2848456"/>
+            <a:ext cx="2451807" cy="3288616"/>
+          </a:xfrm>
+          <a:prstGeom prst="roundRect">
+            <a:avLst>
+              <a:gd name="adj" fmla="val 0"/>
+            </a:avLst>
+          </a:prstGeom>
+          <a:solidFill>
+            <a:schemeClr val="tx2">
+              <a:lumMod val="20000"/>
+              <a:lumOff val="80000"/>
+            </a:schemeClr>
+          </a:solidFill>
+          <a:ln w="12700">
+            <a:noFill/>
+            <a:prstDash val="solid"/>
+          </a:ln>
+        </p:spPr>
+        <p:style>
+          <a:lnRef idx="2">
+            <a:schemeClr val="accent1">
+              <a:shade val="50000"/>
+            </a:schemeClr>
+          </a:lnRef>
+          <a:fillRef idx="1">
+            <a:schemeClr val="accent1"/>
+          </a:fillRef>
+          <a:effectRef idx="0">
+            <a:schemeClr val="accent1"/>
+          </a:effectRef>
+          <a:fontRef idx="minor">
+            <a:schemeClr val="lt1"/>
+          </a:fontRef>
+        </p:style>
+        <p:txBody>
+          <a:bodyPr rtlCol="0" anchor="ctr"/>
+          <a:lstStyle/>
+          <a:p>
+            <a:pPr algn="ctr"/>
+            <a:endParaRPr lang="en-US"/>
+          </a:p>
+        </p:txBody>
+      </p:sp>
+      <p:sp>
+        <p:nvSpPr>
+          <p:cNvPr id="8" name="Rectangle: Rounded Corners 7">
+            <a:extLst>
+              <a:ext uri="{FF2B5EF4-FFF2-40B4-BE49-F238E27FC236}">
+                <a16:creationId xmlns:a16="http://schemas.microsoft.com/office/drawing/2014/main" id="{2B55DF17-F642-4888-B14D-063A5B77283B}"/>
+              </a:ext>
+            </a:extLst>
+          </p:cNvPr>
+          <p:cNvSpPr/>
+          <p:nvPr/>
+        </p:nvSpPr>
+        <p:spPr>
+          <a:xfrm>
+            <a:off x="5712879" y="4162176"/>
+            <a:ext cx="1426119" cy="1819539"/>
+          </a:xfrm>
+          <a:prstGeom prst="roundRect">
+            <a:avLst>
+              <a:gd name="adj" fmla="val 8127"/>
+            </a:avLst>
+          </a:prstGeom>
+          <a:solidFill>
+            <a:schemeClr val="accent1">
+              <a:lumMod val="40000"/>
+              <a:lumOff val="60000"/>
+            </a:schemeClr>
+          </a:solidFill>
+          <a:ln w="12700">
+            <a:noFill/>
+            <a:prstDash val="solid"/>
+          </a:ln>
+        </p:spPr>
+        <p:style>
+          <a:lnRef idx="2">
+            <a:schemeClr val="accent1">
+              <a:shade val="50000"/>
+            </a:schemeClr>
+          </a:lnRef>
+          <a:fillRef idx="1">
+            <a:schemeClr val="accent1"/>
+          </a:fillRef>
+          <a:effectRef idx="0">
+            <a:schemeClr val="accent1"/>
+          </a:effectRef>
+          <a:fontRef idx="minor">
+            <a:schemeClr val="lt1"/>
+          </a:fontRef>
+        </p:style>
+        <p:txBody>
+          <a:bodyPr rtlCol="0" anchor="ctr"/>
+          <a:lstStyle/>
+          <a:p>
+            <a:pPr algn="ctr"/>
+            <a:endParaRPr lang="en-US"/>
+          </a:p>
+        </p:txBody>
+      </p:sp>
+      <p:pic>
+        <p:nvPicPr>
+          <p:cNvPr id="10" name="Picture 9">
+            <a:extLst>
+              <a:ext uri="{FF2B5EF4-FFF2-40B4-BE49-F238E27FC236}">
+                <a16:creationId xmlns:a16="http://schemas.microsoft.com/office/drawing/2014/main" id="{CF07DEDD-8599-4DA7-B5C9-57C95D34F9F9}"/>
+              </a:ext>
+            </a:extLst>
+          </p:cNvPr>
+          <p:cNvPicPr>
+            <a:picLocks noChangeAspect="1"/>
+          </p:cNvPicPr>
+          <p:nvPr/>
+        </p:nvPicPr>
+        <p:blipFill>
+          <a:blip r:embed="rId3">
+            <a:extLst>
+              <a:ext uri="{28A0092B-C50C-407E-A947-70E740481C1C}">
+                <a14:useLocalDpi xmlns:a14="http://schemas.microsoft.com/office/drawing/2010/main" val="0"/>
+              </a:ext>
+            </a:extLst>
+          </a:blip>
+          <a:stretch>
+            <a:fillRect/>
+          </a:stretch>
+        </p:blipFill>
+        <p:spPr>
+          <a:xfrm>
+            <a:off x="3497936" y="1996689"/>
+            <a:ext cx="780290" cy="780290"/>
+          </a:xfrm>
+          <a:prstGeom prst="rect">
+            <a:avLst/>
+          </a:prstGeom>
+        </p:spPr>
+      </p:pic>
+      <p:pic>
+        <p:nvPicPr>
+          <p:cNvPr id="11" name="Picture 10">
+            <a:extLst>
+              <a:ext uri="{FF2B5EF4-FFF2-40B4-BE49-F238E27FC236}">
+                <a16:creationId xmlns:a16="http://schemas.microsoft.com/office/drawing/2014/main" id="{C77AE365-1300-4901-92C2-13A7D0E22051}"/>
+              </a:ext>
+            </a:extLst>
+          </p:cNvPr>
+          <p:cNvPicPr>
+            <a:picLocks noChangeAspect="1"/>
+          </p:cNvPicPr>
+          <p:nvPr/>
+        </p:nvPicPr>
+        <p:blipFill>
+          <a:blip r:embed="rId4">
+            <a:extLst>
+              <a:ext uri="{28A0092B-C50C-407E-A947-70E740481C1C}">
+                <a14:useLocalDpi xmlns:a14="http://schemas.microsoft.com/office/drawing/2010/main" val="0"/>
+              </a:ext>
+            </a:extLst>
+          </a:blip>
+          <a:stretch>
+            <a:fillRect/>
+          </a:stretch>
+        </p:blipFill>
+        <p:spPr>
+          <a:xfrm>
+            <a:off x="1872818" y="1182767"/>
+            <a:ext cx="780290" cy="780290"/>
+          </a:xfrm>
+          <a:prstGeom prst="rect">
+            <a:avLst/>
+          </a:prstGeom>
+        </p:spPr>
+      </p:pic>
+      <p:pic>
+        <p:nvPicPr>
+          <p:cNvPr id="14" name="Picture 13">
+            <a:extLst>
+              <a:ext uri="{FF2B5EF4-FFF2-40B4-BE49-F238E27FC236}">
+                <a16:creationId xmlns:a16="http://schemas.microsoft.com/office/drawing/2014/main" id="{0B5C05E6-25C6-479C-ABED-594D70F28CF0}"/>
+              </a:ext>
+            </a:extLst>
+          </p:cNvPr>
+          <p:cNvPicPr>
+            <a:picLocks noChangeAspect="1"/>
+          </p:cNvPicPr>
+          <p:nvPr/>
+        </p:nvPicPr>
+        <p:blipFill>
+          <a:blip r:embed="rId5">
+            <a:extLst>
+              <a:ext uri="{28A0092B-C50C-407E-A947-70E740481C1C}">
+                <a14:useLocalDpi xmlns:a14="http://schemas.microsoft.com/office/drawing/2010/main" val="0"/>
+              </a:ext>
+            </a:extLst>
+          </a:blip>
+          <a:stretch>
+            <a:fillRect/>
+          </a:stretch>
+        </p:blipFill>
+        <p:spPr>
+          <a:xfrm>
+            <a:off x="4947926" y="5206100"/>
+            <a:ext cx="780290" cy="780290"/>
+          </a:xfrm>
+          <a:prstGeom prst="rect">
+            <a:avLst/>
+          </a:prstGeom>
+        </p:spPr>
+      </p:pic>
+      <p:sp>
+        <p:nvSpPr>
+          <p:cNvPr id="17" name="Rectangle 16">
+            <a:extLst>
+              <a:ext uri="{FF2B5EF4-FFF2-40B4-BE49-F238E27FC236}">
+                <a16:creationId xmlns:a16="http://schemas.microsoft.com/office/drawing/2014/main" id="{5B86A53F-5974-4BD6-8D9C-EC8A539BED44}"/>
+              </a:ext>
+            </a:extLst>
+          </p:cNvPr>
+          <p:cNvSpPr/>
+          <p:nvPr/>
+        </p:nvSpPr>
+        <p:spPr>
+          <a:xfrm>
+            <a:off x="2242521" y="1894585"/>
+            <a:ext cx="9414433" cy="4428834"/>
+          </a:xfrm>
+          <a:prstGeom prst="rect">
+            <a:avLst/>
+          </a:prstGeom>
+          <a:noFill/>
+          <a:ln>
+            <a:solidFill>
+              <a:schemeClr val="bg1">
+                <a:lumMod val="65000"/>
+              </a:schemeClr>
+            </a:solidFill>
+          </a:ln>
+        </p:spPr>
+        <p:style>
+          <a:lnRef idx="2">
+            <a:schemeClr val="accent1">
+              <a:shade val="50000"/>
+            </a:schemeClr>
+          </a:lnRef>
+          <a:fillRef idx="1">
+            <a:schemeClr val="accent1"/>
+          </a:fillRef>
+          <a:effectRef idx="0">
+            <a:schemeClr val="accent1"/>
+          </a:effectRef>
+          <a:fontRef idx="minor">
+            <a:schemeClr val="lt1"/>
+          </a:fontRef>
+        </p:style>
+        <p:txBody>
+          <a:bodyPr rtlCol="0" anchor="ctr"/>
+          <a:lstStyle/>
+          <a:p>
+            <a:pPr algn="ctr"/>
+            <a:endParaRPr lang="en-US"/>
+          </a:p>
+        </p:txBody>
+      </p:sp>
+      <p:sp>
+        <p:nvSpPr>
+          <p:cNvPr id="18" name="TextBox 17">
+            <a:extLst>
+              <a:ext uri="{FF2B5EF4-FFF2-40B4-BE49-F238E27FC236}">
+                <a16:creationId xmlns:a16="http://schemas.microsoft.com/office/drawing/2014/main" id="{3BCBDA14-8853-4AAA-B547-9EF9676AC77E}"/>
+              </a:ext>
+            </a:extLst>
+          </p:cNvPr>
+          <p:cNvSpPr txBox="1"/>
+          <p:nvPr/>
+        </p:nvSpPr>
+        <p:spPr>
+          <a:xfrm>
+            <a:off x="2658920" y="1578939"/>
+            <a:ext cx="1292790" cy="276999"/>
+          </a:xfrm>
+          <a:prstGeom prst="rect">
+            <a:avLst/>
+          </a:prstGeom>
+          <a:noFill/>
+        </p:spPr>
+        <p:txBody>
+          <a:bodyPr wrap="none" rtlCol="0">
+            <a:spAutoFit/>
+          </a:bodyPr>
+          <a:lstStyle/>
+          <a:p>
+            <a:r>
+              <a:rPr lang="en-US" sz="1200" dirty="0"/>
+              <a:t>Microsoft Azure</a:t>
+            </a:r>
+          </a:p>
+        </p:txBody>
+      </p:sp>
+      <p:sp>
+        <p:nvSpPr>
+          <p:cNvPr id="19" name="Rectangle 18">
+            <a:extLst>
+              <a:ext uri="{FF2B5EF4-FFF2-40B4-BE49-F238E27FC236}">
+                <a16:creationId xmlns:a16="http://schemas.microsoft.com/office/drawing/2014/main" id="{7DEF5A3E-6A64-4D7E-A0C0-E3E567F917CE}"/>
+              </a:ext>
+            </a:extLst>
+          </p:cNvPr>
+          <p:cNvSpPr/>
+          <p:nvPr/>
+        </p:nvSpPr>
+        <p:spPr>
+          <a:xfrm>
+            <a:off x="3647358" y="2776979"/>
+            <a:ext cx="7809749" cy="3430092"/>
+          </a:xfrm>
+          <a:prstGeom prst="rect">
+            <a:avLst/>
+          </a:prstGeom>
+          <a:noFill/>
+          <a:ln>
+            <a:solidFill>
+              <a:schemeClr val="bg1">
+                <a:lumMod val="65000"/>
+              </a:schemeClr>
+            </a:solidFill>
+          </a:ln>
+        </p:spPr>
+        <p:style>
+          <a:lnRef idx="2">
+            <a:schemeClr val="accent1">
+              <a:shade val="50000"/>
+            </a:schemeClr>
+          </a:lnRef>
+          <a:fillRef idx="1">
+            <a:schemeClr val="accent1"/>
+          </a:fillRef>
+          <a:effectRef idx="0">
+            <a:schemeClr val="accent1"/>
+          </a:effectRef>
+          <a:fontRef idx="minor">
+            <a:schemeClr val="lt1"/>
+          </a:fontRef>
+        </p:style>
+        <p:txBody>
+          <a:bodyPr rtlCol="0" anchor="ctr"/>
+          <a:lstStyle/>
+          <a:p>
+            <a:pPr algn="ctr"/>
+            <a:endParaRPr lang="en-US"/>
+          </a:p>
+        </p:txBody>
+      </p:sp>
+      <p:sp>
+        <p:nvSpPr>
+          <p:cNvPr id="21" name="TextBox 20">
+            <a:extLst>
+              <a:ext uri="{FF2B5EF4-FFF2-40B4-BE49-F238E27FC236}">
+                <a16:creationId xmlns:a16="http://schemas.microsoft.com/office/drawing/2014/main" id="{FC948A9B-2200-4550-B39B-7EA6FA6EBA40}"/>
+              </a:ext>
+            </a:extLst>
+          </p:cNvPr>
+          <p:cNvSpPr txBox="1"/>
+          <p:nvPr/>
+        </p:nvSpPr>
+        <p:spPr>
+          <a:xfrm>
+            <a:off x="4389917" y="2427959"/>
+            <a:ext cx="1302536" cy="276999"/>
+          </a:xfrm>
+          <a:prstGeom prst="rect">
+            <a:avLst/>
+          </a:prstGeom>
+          <a:noFill/>
+        </p:spPr>
+        <p:txBody>
+          <a:bodyPr wrap="none" rtlCol="0">
+            <a:spAutoFit/>
+          </a:bodyPr>
+          <a:lstStyle/>
+          <a:p>
+            <a:r>
+              <a:rPr lang="en-US" sz="1200" dirty="0"/>
+              <a:t>Resource Group</a:t>
+            </a:r>
+          </a:p>
+        </p:txBody>
+      </p:sp>
+      <p:cxnSp>
+        <p:nvCxnSpPr>
+          <p:cNvPr id="25" name="Straight Connector 24">
+            <a:extLst>
+              <a:ext uri="{FF2B5EF4-FFF2-40B4-BE49-F238E27FC236}">
+                <a16:creationId xmlns:a16="http://schemas.microsoft.com/office/drawing/2014/main" id="{06E32801-4908-4950-B7D3-362B88353AD7}"/>
+              </a:ext>
+            </a:extLst>
+          </p:cNvPr>
+          <p:cNvCxnSpPr>
+            <a:cxnSpLocks/>
+            <a:stCxn id="14" idx="3"/>
+          </p:cNvCxnSpPr>
+          <p:nvPr/>
+        </p:nvCxnSpPr>
+        <p:spPr>
+          <a:xfrm>
+            <a:off x="5728216" y="5596245"/>
+            <a:ext cx="1346653" cy="0"/>
+          </a:xfrm>
+          <a:prstGeom prst="line">
+            <a:avLst/>
+          </a:prstGeom>
+          <a:ln w="38100">
+            <a:solidFill>
+              <a:schemeClr val="accent1"/>
+            </a:solidFill>
+          </a:ln>
+        </p:spPr>
+        <p:style>
+          <a:lnRef idx="1">
+            <a:schemeClr val="accent1"/>
+          </a:lnRef>
+          <a:fillRef idx="0">
+            <a:schemeClr val="accent1"/>
+          </a:fillRef>
+          <a:effectRef idx="0">
+            <a:schemeClr val="accent1"/>
+          </a:effectRef>
+          <a:fontRef idx="minor">
+            <a:schemeClr val="tx1"/>
+          </a:fontRef>
+        </p:style>
+      </p:cxnSp>
+      <p:sp>
+        <p:nvSpPr>
+          <p:cNvPr id="31" name="TextBox 30">
+            <a:extLst>
+              <a:ext uri="{FF2B5EF4-FFF2-40B4-BE49-F238E27FC236}">
+                <a16:creationId xmlns:a16="http://schemas.microsoft.com/office/drawing/2014/main" id="{593C1ED8-CDAB-4561-A9B2-A2D3C990EABD}"/>
+              </a:ext>
+            </a:extLst>
+          </p:cNvPr>
+          <p:cNvSpPr txBox="1"/>
+          <p:nvPr/>
+        </p:nvSpPr>
+        <p:spPr>
+          <a:xfrm>
+            <a:off x="4919695" y="5821925"/>
+            <a:ext cx="830933" cy="276999"/>
+          </a:xfrm>
+          <a:prstGeom prst="rect">
+            <a:avLst/>
+          </a:prstGeom>
+          <a:noFill/>
+        </p:spPr>
+        <p:txBody>
+          <a:bodyPr wrap="none" rtlCol="0">
+            <a:spAutoFit/>
+          </a:bodyPr>
+          <a:lstStyle/>
+          <a:p>
+            <a:r>
+              <a:rPr lang="en-US" sz="1200" dirty="0"/>
+              <a:t>Dev-</a:t>
+            </a:r>
+            <a:r>
+              <a:rPr lang="en-US" sz="1200" dirty="0" err="1"/>
+              <a:t>Vnet</a:t>
+            </a:r>
+            <a:endParaRPr lang="en-US" sz="1200" dirty="0"/>
+          </a:p>
+        </p:txBody>
+      </p:sp>
+      <p:sp>
+        <p:nvSpPr>
+          <p:cNvPr id="36" name="TextBox 35">
+            <a:extLst>
+              <a:ext uri="{FF2B5EF4-FFF2-40B4-BE49-F238E27FC236}">
+                <a16:creationId xmlns:a16="http://schemas.microsoft.com/office/drawing/2014/main" id="{1E30010F-FF3C-4BC7-81C7-2C8AFFD55E77}"/>
+              </a:ext>
+            </a:extLst>
+          </p:cNvPr>
+          <p:cNvSpPr txBox="1"/>
+          <p:nvPr/>
+        </p:nvSpPr>
+        <p:spPr>
+          <a:xfrm>
+            <a:off x="5865393" y="5677845"/>
+            <a:ext cx="1124860" cy="276999"/>
+          </a:xfrm>
+          <a:prstGeom prst="rect">
+            <a:avLst/>
+          </a:prstGeom>
+          <a:noFill/>
+        </p:spPr>
+        <p:txBody>
+          <a:bodyPr wrap="none" rtlCol="0">
+            <a:spAutoFit/>
+          </a:bodyPr>
+          <a:lstStyle/>
+          <a:p>
+            <a:r>
+              <a:rPr lang="en-US" sz="1200" dirty="0"/>
+              <a:t>Web (subnet)</a:t>
             </a:r>
           </a:p>
         </p:txBody>
@@ -2818,7 +3719,7 @@
     </p:spTree>
     <p:extLst>
       <p:ext uri="{BB962C8B-B14F-4D97-AF65-F5344CB8AC3E}">
-        <p14:creationId xmlns:p14="http://schemas.microsoft.com/office/powerpoint/2010/main" val="2435558602"/>
+        <p14:creationId xmlns:p14="http://schemas.microsoft.com/office/powerpoint/2010/main" val="912138101"/>
       </p:ext>
     </p:extLst>
   </p:cSld>
@@ -2889,12 +3790,23 @@
             <p:ph idx="1"/>
           </p:nvPr>
         </p:nvSpPr>
-        <p:spPr/>
+        <p:spPr>
+          <a:ln>
+            <a:solidFill>
+              <a:schemeClr val="bg1">
+                <a:lumMod val="50000"/>
+              </a:schemeClr>
+            </a:solidFill>
+          </a:ln>
+        </p:spPr>
         <p:txBody>
           <a:bodyPr/>
           <a:lstStyle/>
           <a:p>
-            <a:endParaRPr lang="en-US" dirty="0"/>
+            <a:r>
+              <a:rPr lang="en-US" dirty="0"/>
+              <a:t>Architecture </a:t>
+            </a:r>
           </a:p>
         </p:txBody>
       </p:sp>
@@ -2921,7 +3833,3129 @@
           <a:p>
             <a:r>
               <a:rPr lang="en-US" dirty="0"/>
-              <a:t>Create web servers from custom VM image</a:t>
+              <a:t>ii. Manage NSG</a:t>
+            </a:r>
+          </a:p>
+        </p:txBody>
+      </p:sp>
+      <p:sp>
+        <p:nvSpPr>
+          <p:cNvPr id="6" name="Rectangle: Rounded Corners 5">
+            <a:extLst>
+              <a:ext uri="{FF2B5EF4-FFF2-40B4-BE49-F238E27FC236}">
+                <a16:creationId xmlns:a16="http://schemas.microsoft.com/office/drawing/2014/main" id="{ACBB9332-8A5D-4600-8A89-465E6AC8A45D}"/>
+              </a:ext>
+            </a:extLst>
+          </p:cNvPr>
+          <p:cNvSpPr/>
+          <p:nvPr/>
+        </p:nvSpPr>
+        <p:spPr>
+          <a:xfrm>
+            <a:off x="4865052" y="2848456"/>
+            <a:ext cx="2451807" cy="3288616"/>
+          </a:xfrm>
+          <a:prstGeom prst="roundRect">
+            <a:avLst>
+              <a:gd name="adj" fmla="val 0"/>
+            </a:avLst>
+          </a:prstGeom>
+          <a:solidFill>
+            <a:schemeClr val="tx2">
+              <a:lumMod val="20000"/>
+              <a:lumOff val="80000"/>
+            </a:schemeClr>
+          </a:solidFill>
+          <a:ln w="12700">
+            <a:noFill/>
+            <a:prstDash val="solid"/>
+          </a:ln>
+        </p:spPr>
+        <p:style>
+          <a:lnRef idx="2">
+            <a:schemeClr val="accent1">
+              <a:shade val="50000"/>
+            </a:schemeClr>
+          </a:lnRef>
+          <a:fillRef idx="1">
+            <a:schemeClr val="accent1"/>
+          </a:fillRef>
+          <a:effectRef idx="0">
+            <a:schemeClr val="accent1"/>
+          </a:effectRef>
+          <a:fontRef idx="minor">
+            <a:schemeClr val="lt1"/>
+          </a:fontRef>
+        </p:style>
+        <p:txBody>
+          <a:bodyPr rtlCol="0" anchor="ctr"/>
+          <a:lstStyle/>
+          <a:p>
+            <a:pPr algn="ctr"/>
+            <a:endParaRPr lang="en-US"/>
+          </a:p>
+        </p:txBody>
+      </p:sp>
+      <p:sp>
+        <p:nvSpPr>
+          <p:cNvPr id="8" name="Rectangle: Rounded Corners 7">
+            <a:extLst>
+              <a:ext uri="{FF2B5EF4-FFF2-40B4-BE49-F238E27FC236}">
+                <a16:creationId xmlns:a16="http://schemas.microsoft.com/office/drawing/2014/main" id="{34A39BAB-B802-41AA-ADF2-E53F1D522903}"/>
+              </a:ext>
+            </a:extLst>
+          </p:cNvPr>
+          <p:cNvSpPr/>
+          <p:nvPr/>
+        </p:nvSpPr>
+        <p:spPr>
+          <a:xfrm>
+            <a:off x="5712879" y="4162176"/>
+            <a:ext cx="1426119" cy="1819539"/>
+          </a:xfrm>
+          <a:prstGeom prst="roundRect">
+            <a:avLst>
+              <a:gd name="adj" fmla="val 8127"/>
+            </a:avLst>
+          </a:prstGeom>
+          <a:solidFill>
+            <a:schemeClr val="accent1">
+              <a:lumMod val="40000"/>
+              <a:lumOff val="60000"/>
+            </a:schemeClr>
+          </a:solidFill>
+          <a:ln w="12700">
+            <a:noFill/>
+            <a:prstDash val="solid"/>
+          </a:ln>
+        </p:spPr>
+        <p:style>
+          <a:lnRef idx="2">
+            <a:schemeClr val="accent1">
+              <a:shade val="50000"/>
+            </a:schemeClr>
+          </a:lnRef>
+          <a:fillRef idx="1">
+            <a:schemeClr val="accent1"/>
+          </a:fillRef>
+          <a:effectRef idx="0">
+            <a:schemeClr val="accent1"/>
+          </a:effectRef>
+          <a:fontRef idx="minor">
+            <a:schemeClr val="lt1"/>
+          </a:fontRef>
+        </p:style>
+        <p:txBody>
+          <a:bodyPr rtlCol="0" anchor="ctr"/>
+          <a:lstStyle/>
+          <a:p>
+            <a:pPr algn="ctr"/>
+            <a:endParaRPr lang="en-US"/>
+          </a:p>
+        </p:txBody>
+      </p:sp>
+      <p:pic>
+        <p:nvPicPr>
+          <p:cNvPr id="10" name="Picture 9">
+            <a:extLst>
+              <a:ext uri="{FF2B5EF4-FFF2-40B4-BE49-F238E27FC236}">
+                <a16:creationId xmlns:a16="http://schemas.microsoft.com/office/drawing/2014/main" id="{945FF9B1-08AB-4D75-B5C9-72C927ABDC4C}"/>
+              </a:ext>
+            </a:extLst>
+          </p:cNvPr>
+          <p:cNvPicPr>
+            <a:picLocks noChangeAspect="1"/>
+          </p:cNvPicPr>
+          <p:nvPr/>
+        </p:nvPicPr>
+        <p:blipFill>
+          <a:blip r:embed="rId3">
+            <a:extLst>
+              <a:ext uri="{28A0092B-C50C-407E-A947-70E740481C1C}">
+                <a14:useLocalDpi xmlns:a14="http://schemas.microsoft.com/office/drawing/2010/main" val="0"/>
+              </a:ext>
+            </a:extLst>
+          </a:blip>
+          <a:stretch>
+            <a:fillRect/>
+          </a:stretch>
+        </p:blipFill>
+        <p:spPr>
+          <a:xfrm>
+            <a:off x="3497936" y="1996689"/>
+            <a:ext cx="780290" cy="780290"/>
+          </a:xfrm>
+          <a:prstGeom prst="rect">
+            <a:avLst/>
+          </a:prstGeom>
+        </p:spPr>
+      </p:pic>
+      <p:pic>
+        <p:nvPicPr>
+          <p:cNvPr id="11" name="Picture 10">
+            <a:extLst>
+              <a:ext uri="{FF2B5EF4-FFF2-40B4-BE49-F238E27FC236}">
+                <a16:creationId xmlns:a16="http://schemas.microsoft.com/office/drawing/2014/main" id="{46BF554D-6C3E-4083-A2CF-6F96C1B63D08}"/>
+              </a:ext>
+            </a:extLst>
+          </p:cNvPr>
+          <p:cNvPicPr>
+            <a:picLocks noChangeAspect="1"/>
+          </p:cNvPicPr>
+          <p:nvPr/>
+        </p:nvPicPr>
+        <p:blipFill>
+          <a:blip r:embed="rId4">
+            <a:extLst>
+              <a:ext uri="{28A0092B-C50C-407E-A947-70E740481C1C}">
+                <a14:useLocalDpi xmlns:a14="http://schemas.microsoft.com/office/drawing/2010/main" val="0"/>
+              </a:ext>
+            </a:extLst>
+          </a:blip>
+          <a:stretch>
+            <a:fillRect/>
+          </a:stretch>
+        </p:blipFill>
+        <p:spPr>
+          <a:xfrm>
+            <a:off x="1872818" y="1182767"/>
+            <a:ext cx="780290" cy="780290"/>
+          </a:xfrm>
+          <a:prstGeom prst="rect">
+            <a:avLst/>
+          </a:prstGeom>
+        </p:spPr>
+      </p:pic>
+      <p:pic>
+        <p:nvPicPr>
+          <p:cNvPr id="13" name="Picture 12">
+            <a:extLst>
+              <a:ext uri="{FF2B5EF4-FFF2-40B4-BE49-F238E27FC236}">
+                <a16:creationId xmlns:a16="http://schemas.microsoft.com/office/drawing/2014/main" id="{9F32245D-D2F3-495B-BC13-758EC8C528DC}"/>
+              </a:ext>
+            </a:extLst>
+          </p:cNvPr>
+          <p:cNvPicPr>
+            <a:picLocks noChangeAspect="1"/>
+          </p:cNvPicPr>
+          <p:nvPr/>
+        </p:nvPicPr>
+        <p:blipFill>
+          <a:blip r:embed="rId5">
+            <a:extLst>
+              <a:ext uri="{28A0092B-C50C-407E-A947-70E740481C1C}">
+                <a14:useLocalDpi xmlns:a14="http://schemas.microsoft.com/office/drawing/2010/main" val="0"/>
+              </a:ext>
+            </a:extLst>
+          </a:blip>
+          <a:stretch>
+            <a:fillRect/>
+          </a:stretch>
+        </p:blipFill>
+        <p:spPr>
+          <a:xfrm>
+            <a:off x="5344023" y="3496240"/>
+            <a:ext cx="780290" cy="780290"/>
+          </a:xfrm>
+          <a:prstGeom prst="rect">
+            <a:avLst/>
+          </a:prstGeom>
+        </p:spPr>
+      </p:pic>
+      <p:pic>
+        <p:nvPicPr>
+          <p:cNvPr id="14" name="Picture 13">
+            <a:extLst>
+              <a:ext uri="{FF2B5EF4-FFF2-40B4-BE49-F238E27FC236}">
+                <a16:creationId xmlns:a16="http://schemas.microsoft.com/office/drawing/2014/main" id="{3275132E-41FB-4BCA-B310-8517A4FECD92}"/>
+              </a:ext>
+            </a:extLst>
+          </p:cNvPr>
+          <p:cNvPicPr>
+            <a:picLocks noChangeAspect="1"/>
+          </p:cNvPicPr>
+          <p:nvPr/>
+        </p:nvPicPr>
+        <p:blipFill>
+          <a:blip r:embed="rId6">
+            <a:extLst>
+              <a:ext uri="{28A0092B-C50C-407E-A947-70E740481C1C}">
+                <a14:useLocalDpi xmlns:a14="http://schemas.microsoft.com/office/drawing/2010/main" val="0"/>
+              </a:ext>
+            </a:extLst>
+          </a:blip>
+          <a:stretch>
+            <a:fillRect/>
+          </a:stretch>
+        </p:blipFill>
+        <p:spPr>
+          <a:xfrm>
+            <a:off x="4947926" y="5206100"/>
+            <a:ext cx="780290" cy="780290"/>
+          </a:xfrm>
+          <a:prstGeom prst="rect">
+            <a:avLst/>
+          </a:prstGeom>
+        </p:spPr>
+      </p:pic>
+      <p:sp>
+        <p:nvSpPr>
+          <p:cNvPr id="17" name="Rectangle 16">
+            <a:extLst>
+              <a:ext uri="{FF2B5EF4-FFF2-40B4-BE49-F238E27FC236}">
+                <a16:creationId xmlns:a16="http://schemas.microsoft.com/office/drawing/2014/main" id="{8392609A-FBEF-4331-B97A-1532CFBDD69A}"/>
+              </a:ext>
+            </a:extLst>
+          </p:cNvPr>
+          <p:cNvSpPr/>
+          <p:nvPr/>
+        </p:nvSpPr>
+        <p:spPr>
+          <a:xfrm>
+            <a:off x="2242521" y="1894585"/>
+            <a:ext cx="9414433" cy="4428834"/>
+          </a:xfrm>
+          <a:prstGeom prst="rect">
+            <a:avLst/>
+          </a:prstGeom>
+          <a:noFill/>
+          <a:ln>
+            <a:solidFill>
+              <a:schemeClr val="bg1">
+                <a:lumMod val="65000"/>
+              </a:schemeClr>
+            </a:solidFill>
+          </a:ln>
+        </p:spPr>
+        <p:style>
+          <a:lnRef idx="2">
+            <a:schemeClr val="accent1">
+              <a:shade val="50000"/>
+            </a:schemeClr>
+          </a:lnRef>
+          <a:fillRef idx="1">
+            <a:schemeClr val="accent1"/>
+          </a:fillRef>
+          <a:effectRef idx="0">
+            <a:schemeClr val="accent1"/>
+          </a:effectRef>
+          <a:fontRef idx="minor">
+            <a:schemeClr val="lt1"/>
+          </a:fontRef>
+        </p:style>
+        <p:txBody>
+          <a:bodyPr rtlCol="0" anchor="ctr"/>
+          <a:lstStyle/>
+          <a:p>
+            <a:pPr algn="ctr"/>
+            <a:endParaRPr lang="en-US"/>
+          </a:p>
+        </p:txBody>
+      </p:sp>
+      <p:sp>
+        <p:nvSpPr>
+          <p:cNvPr id="18" name="TextBox 17">
+            <a:extLst>
+              <a:ext uri="{FF2B5EF4-FFF2-40B4-BE49-F238E27FC236}">
+                <a16:creationId xmlns:a16="http://schemas.microsoft.com/office/drawing/2014/main" id="{706B404D-5443-4372-8A22-03F1C723F2E7}"/>
+              </a:ext>
+            </a:extLst>
+          </p:cNvPr>
+          <p:cNvSpPr txBox="1"/>
+          <p:nvPr/>
+        </p:nvSpPr>
+        <p:spPr>
+          <a:xfrm>
+            <a:off x="2658920" y="1578939"/>
+            <a:ext cx="1292790" cy="276999"/>
+          </a:xfrm>
+          <a:prstGeom prst="rect">
+            <a:avLst/>
+          </a:prstGeom>
+          <a:noFill/>
+        </p:spPr>
+        <p:txBody>
+          <a:bodyPr wrap="none" rtlCol="0">
+            <a:spAutoFit/>
+          </a:bodyPr>
+          <a:lstStyle/>
+          <a:p>
+            <a:r>
+              <a:rPr lang="en-US" sz="1200" dirty="0"/>
+              <a:t>Microsoft Azure</a:t>
+            </a:r>
+          </a:p>
+        </p:txBody>
+      </p:sp>
+      <p:sp>
+        <p:nvSpPr>
+          <p:cNvPr id="19" name="Rectangle 18">
+            <a:extLst>
+              <a:ext uri="{FF2B5EF4-FFF2-40B4-BE49-F238E27FC236}">
+                <a16:creationId xmlns:a16="http://schemas.microsoft.com/office/drawing/2014/main" id="{F435FE5F-B925-465A-B627-A3DB6409DCF4}"/>
+              </a:ext>
+            </a:extLst>
+          </p:cNvPr>
+          <p:cNvSpPr/>
+          <p:nvPr/>
+        </p:nvSpPr>
+        <p:spPr>
+          <a:xfrm>
+            <a:off x="3647358" y="2776979"/>
+            <a:ext cx="7809749" cy="3430092"/>
+          </a:xfrm>
+          <a:prstGeom prst="rect">
+            <a:avLst/>
+          </a:prstGeom>
+          <a:noFill/>
+          <a:ln>
+            <a:solidFill>
+              <a:schemeClr val="bg1">
+                <a:lumMod val="65000"/>
+              </a:schemeClr>
+            </a:solidFill>
+          </a:ln>
+        </p:spPr>
+        <p:style>
+          <a:lnRef idx="2">
+            <a:schemeClr val="accent1">
+              <a:shade val="50000"/>
+            </a:schemeClr>
+          </a:lnRef>
+          <a:fillRef idx="1">
+            <a:schemeClr val="accent1"/>
+          </a:fillRef>
+          <a:effectRef idx="0">
+            <a:schemeClr val="accent1"/>
+          </a:effectRef>
+          <a:fontRef idx="minor">
+            <a:schemeClr val="lt1"/>
+          </a:fontRef>
+        </p:style>
+        <p:txBody>
+          <a:bodyPr rtlCol="0" anchor="ctr"/>
+          <a:lstStyle/>
+          <a:p>
+            <a:pPr algn="ctr"/>
+            <a:endParaRPr lang="en-US"/>
+          </a:p>
+        </p:txBody>
+      </p:sp>
+      <p:sp>
+        <p:nvSpPr>
+          <p:cNvPr id="21" name="TextBox 20">
+            <a:extLst>
+              <a:ext uri="{FF2B5EF4-FFF2-40B4-BE49-F238E27FC236}">
+                <a16:creationId xmlns:a16="http://schemas.microsoft.com/office/drawing/2014/main" id="{F02999B5-60D4-4E89-B5F2-5D214314E8AC}"/>
+              </a:ext>
+            </a:extLst>
+          </p:cNvPr>
+          <p:cNvSpPr txBox="1"/>
+          <p:nvPr/>
+        </p:nvSpPr>
+        <p:spPr>
+          <a:xfrm>
+            <a:off x="4389917" y="2427959"/>
+            <a:ext cx="1302536" cy="276999"/>
+          </a:xfrm>
+          <a:prstGeom prst="rect">
+            <a:avLst/>
+          </a:prstGeom>
+          <a:noFill/>
+        </p:spPr>
+        <p:txBody>
+          <a:bodyPr wrap="none" rtlCol="0">
+            <a:spAutoFit/>
+          </a:bodyPr>
+          <a:lstStyle/>
+          <a:p>
+            <a:r>
+              <a:rPr lang="en-US" sz="1200" dirty="0"/>
+              <a:t>Resource Group</a:t>
+            </a:r>
+          </a:p>
+        </p:txBody>
+      </p:sp>
+      <p:cxnSp>
+        <p:nvCxnSpPr>
+          <p:cNvPr id="25" name="Straight Connector 24">
+            <a:extLst>
+              <a:ext uri="{FF2B5EF4-FFF2-40B4-BE49-F238E27FC236}">
+                <a16:creationId xmlns:a16="http://schemas.microsoft.com/office/drawing/2014/main" id="{99297A41-FFB5-4B05-A895-D54310A3FC5F}"/>
+              </a:ext>
+            </a:extLst>
+          </p:cNvPr>
+          <p:cNvCxnSpPr>
+            <a:cxnSpLocks/>
+            <a:stCxn id="14" idx="3"/>
+          </p:cNvCxnSpPr>
+          <p:nvPr/>
+        </p:nvCxnSpPr>
+        <p:spPr>
+          <a:xfrm>
+            <a:off x="5728216" y="5596245"/>
+            <a:ext cx="1346653" cy="0"/>
+          </a:xfrm>
+          <a:prstGeom prst="line">
+            <a:avLst/>
+          </a:prstGeom>
+          <a:ln w="38100">
+            <a:solidFill>
+              <a:schemeClr val="accent1"/>
+            </a:solidFill>
+          </a:ln>
+        </p:spPr>
+        <p:style>
+          <a:lnRef idx="1">
+            <a:schemeClr val="accent1"/>
+          </a:lnRef>
+          <a:fillRef idx="0">
+            <a:schemeClr val="accent1"/>
+          </a:fillRef>
+          <a:effectRef idx="0">
+            <a:schemeClr val="accent1"/>
+          </a:effectRef>
+          <a:fontRef idx="minor">
+            <a:schemeClr val="tx1"/>
+          </a:fontRef>
+        </p:style>
+      </p:cxnSp>
+      <p:sp>
+        <p:nvSpPr>
+          <p:cNvPr id="31" name="TextBox 30">
+            <a:extLst>
+              <a:ext uri="{FF2B5EF4-FFF2-40B4-BE49-F238E27FC236}">
+                <a16:creationId xmlns:a16="http://schemas.microsoft.com/office/drawing/2014/main" id="{BB201E8C-8D23-450F-A74F-6F1DFCF8A163}"/>
+              </a:ext>
+            </a:extLst>
+          </p:cNvPr>
+          <p:cNvSpPr txBox="1"/>
+          <p:nvPr/>
+        </p:nvSpPr>
+        <p:spPr>
+          <a:xfrm>
+            <a:off x="4919695" y="5821925"/>
+            <a:ext cx="830933" cy="276999"/>
+          </a:xfrm>
+          <a:prstGeom prst="rect">
+            <a:avLst/>
+          </a:prstGeom>
+          <a:noFill/>
+        </p:spPr>
+        <p:txBody>
+          <a:bodyPr wrap="none" rtlCol="0">
+            <a:spAutoFit/>
+          </a:bodyPr>
+          <a:lstStyle/>
+          <a:p>
+            <a:r>
+              <a:rPr lang="en-US" sz="1200" dirty="0"/>
+              <a:t>Dev-</a:t>
+            </a:r>
+            <a:r>
+              <a:rPr lang="en-US" sz="1200" dirty="0" err="1"/>
+              <a:t>Vnet</a:t>
+            </a:r>
+            <a:endParaRPr lang="en-US" sz="1200" dirty="0"/>
+          </a:p>
+        </p:txBody>
+      </p:sp>
+      <p:sp>
+        <p:nvSpPr>
+          <p:cNvPr id="35" name="TextBox 34">
+            <a:extLst>
+              <a:ext uri="{FF2B5EF4-FFF2-40B4-BE49-F238E27FC236}">
+                <a16:creationId xmlns:a16="http://schemas.microsoft.com/office/drawing/2014/main" id="{1D3935AE-614F-49F1-9F18-A7983B50D047}"/>
+              </a:ext>
+            </a:extLst>
+          </p:cNvPr>
+          <p:cNvSpPr txBox="1"/>
+          <p:nvPr/>
+        </p:nvSpPr>
+        <p:spPr>
+          <a:xfrm>
+            <a:off x="5695392" y="3323499"/>
+            <a:ext cx="764953" cy="276999"/>
+          </a:xfrm>
+          <a:prstGeom prst="rect">
+            <a:avLst/>
+          </a:prstGeom>
+          <a:noFill/>
+        </p:spPr>
+        <p:txBody>
+          <a:bodyPr wrap="none" rtlCol="0">
+            <a:spAutoFit/>
+          </a:bodyPr>
+          <a:lstStyle/>
+          <a:p>
+            <a:r>
+              <a:rPr lang="en-US" sz="1200" dirty="0"/>
+              <a:t>Dev-</a:t>
+            </a:r>
+            <a:r>
+              <a:rPr lang="en-US" sz="1200" dirty="0" err="1"/>
+              <a:t>nsg</a:t>
+            </a:r>
+            <a:endParaRPr lang="en-US" sz="1200" dirty="0"/>
+          </a:p>
+        </p:txBody>
+      </p:sp>
+      <p:sp>
+        <p:nvSpPr>
+          <p:cNvPr id="36" name="TextBox 35">
+            <a:extLst>
+              <a:ext uri="{FF2B5EF4-FFF2-40B4-BE49-F238E27FC236}">
+                <a16:creationId xmlns:a16="http://schemas.microsoft.com/office/drawing/2014/main" id="{4755FB3A-2CDD-4979-A0FC-4BDE99ABA9D3}"/>
+              </a:ext>
+            </a:extLst>
+          </p:cNvPr>
+          <p:cNvSpPr txBox="1"/>
+          <p:nvPr/>
+        </p:nvSpPr>
+        <p:spPr>
+          <a:xfrm>
+            <a:off x="5865393" y="5677845"/>
+            <a:ext cx="1124860" cy="276999"/>
+          </a:xfrm>
+          <a:prstGeom prst="rect">
+            <a:avLst/>
+          </a:prstGeom>
+          <a:noFill/>
+        </p:spPr>
+        <p:txBody>
+          <a:bodyPr wrap="none" rtlCol="0">
+            <a:spAutoFit/>
+          </a:bodyPr>
+          <a:lstStyle/>
+          <a:p>
+            <a:r>
+              <a:rPr lang="en-US" sz="1200" dirty="0"/>
+              <a:t>Web (subnet)</a:t>
+            </a:r>
+          </a:p>
+        </p:txBody>
+      </p:sp>
+    </p:spTree>
+    <p:extLst>
+      <p:ext uri="{BB962C8B-B14F-4D97-AF65-F5344CB8AC3E}">
+        <p14:creationId xmlns:p14="http://schemas.microsoft.com/office/powerpoint/2010/main" val="3148073728"/>
+      </p:ext>
+    </p:extLst>
+  </p:cSld>
+  <p:clrMapOvr>
+    <a:masterClrMapping/>
+  </p:clrMapOvr>
+</p:sld>
+</file>
+
+<file path=ppt/slides/slide6.xml><?xml version="1.0" encoding="utf-8"?>
+<p:sld xmlns:a="http://schemas.openxmlformats.org/drawingml/2006/main" xmlns:r="http://schemas.openxmlformats.org/officeDocument/2006/relationships" xmlns:p="http://schemas.openxmlformats.org/presentationml/2006/main">
+  <p:cSld>
+    <p:spTree>
+      <p:nvGrpSpPr>
+        <p:cNvPr id="1" name=""/>
+        <p:cNvGrpSpPr/>
+        <p:nvPr/>
+      </p:nvGrpSpPr>
+      <p:grpSpPr>
+        <a:xfrm>
+          <a:off x="0" y="0"/>
+          <a:ext cx="0" cy="0"/>
+          <a:chOff x="0" y="0"/>
+          <a:chExt cx="0" cy="0"/>
+        </a:xfrm>
+      </p:grpSpPr>
+      <p:sp>
+        <p:nvSpPr>
+          <p:cNvPr id="2" name="Title 1">
+            <a:extLst>
+              <a:ext uri="{FF2B5EF4-FFF2-40B4-BE49-F238E27FC236}">
+                <a16:creationId xmlns:a16="http://schemas.microsoft.com/office/drawing/2014/main" id="{C27A62A0-E3E3-4DCB-BBC5-63FDB474798C}"/>
+              </a:ext>
+            </a:extLst>
+          </p:cNvPr>
+          <p:cNvSpPr>
+            <a:spLocks noGrp="1"/>
+          </p:cNvSpPr>
+          <p:nvPr>
+            <p:ph type="title"/>
+          </p:nvPr>
+        </p:nvSpPr>
+        <p:spPr/>
+        <p:txBody>
+          <a:bodyPr/>
+          <a:lstStyle/>
+          <a:p>
+            <a:r>
+              <a:rPr lang="en-US" dirty="0"/>
+              <a:t>Workshop Scenario</a:t>
+            </a:r>
+          </a:p>
+        </p:txBody>
+      </p:sp>
+      <p:sp>
+        <p:nvSpPr>
+          <p:cNvPr id="3" name="Content Placeholder 2">
+            <a:extLst>
+              <a:ext uri="{FF2B5EF4-FFF2-40B4-BE49-F238E27FC236}">
+                <a16:creationId xmlns:a16="http://schemas.microsoft.com/office/drawing/2014/main" id="{5C351E07-3D78-4561-8477-B8F12B98225E}"/>
+              </a:ext>
+            </a:extLst>
+          </p:cNvPr>
+          <p:cNvSpPr>
+            <a:spLocks noGrp="1"/>
+          </p:cNvSpPr>
+          <p:nvPr>
+            <p:ph idx="1"/>
+          </p:nvPr>
+        </p:nvSpPr>
+        <p:spPr>
+          <a:ln>
+            <a:solidFill>
+              <a:schemeClr val="bg1">
+                <a:lumMod val="50000"/>
+              </a:schemeClr>
+            </a:solidFill>
+          </a:ln>
+        </p:spPr>
+        <p:txBody>
+          <a:bodyPr/>
+          <a:lstStyle/>
+          <a:p>
+            <a:r>
+              <a:rPr lang="en-US" dirty="0"/>
+              <a:t>Architecture</a:t>
+            </a:r>
+          </a:p>
+        </p:txBody>
+      </p:sp>
+      <p:sp>
+        <p:nvSpPr>
+          <p:cNvPr id="4" name="Text Placeholder 3">
+            <a:extLst>
+              <a:ext uri="{FF2B5EF4-FFF2-40B4-BE49-F238E27FC236}">
+                <a16:creationId xmlns:a16="http://schemas.microsoft.com/office/drawing/2014/main" id="{09E79592-AC01-4B52-8C3A-216E9F84829F}"/>
+              </a:ext>
+            </a:extLst>
+          </p:cNvPr>
+          <p:cNvSpPr>
+            <a:spLocks noGrp="1"/>
+          </p:cNvSpPr>
+          <p:nvPr>
+            <p:ph type="body" sz="quarter" idx="10"/>
+          </p:nvPr>
+        </p:nvSpPr>
+        <p:spPr/>
+        <p:txBody>
+          <a:bodyPr/>
+          <a:lstStyle/>
+          <a:p>
+            <a:r>
+              <a:rPr lang="en-US" dirty="0"/>
+              <a:t>iii. Create custom VM image</a:t>
+            </a:r>
+          </a:p>
+        </p:txBody>
+      </p:sp>
+      <p:sp>
+        <p:nvSpPr>
+          <p:cNvPr id="6" name="Rectangle: Rounded Corners 5">
+            <a:extLst>
+              <a:ext uri="{FF2B5EF4-FFF2-40B4-BE49-F238E27FC236}">
+                <a16:creationId xmlns:a16="http://schemas.microsoft.com/office/drawing/2014/main" id="{362515B6-4992-4F2A-96AE-D475DCE2D3BC}"/>
+              </a:ext>
+            </a:extLst>
+          </p:cNvPr>
+          <p:cNvSpPr/>
+          <p:nvPr/>
+        </p:nvSpPr>
+        <p:spPr>
+          <a:xfrm>
+            <a:off x="4865052" y="2848456"/>
+            <a:ext cx="2451807" cy="3288616"/>
+          </a:xfrm>
+          <a:prstGeom prst="roundRect">
+            <a:avLst>
+              <a:gd name="adj" fmla="val 0"/>
+            </a:avLst>
+          </a:prstGeom>
+          <a:solidFill>
+            <a:schemeClr val="tx2">
+              <a:lumMod val="20000"/>
+              <a:lumOff val="80000"/>
+            </a:schemeClr>
+          </a:solidFill>
+          <a:ln w="12700">
+            <a:noFill/>
+            <a:prstDash val="solid"/>
+          </a:ln>
+        </p:spPr>
+        <p:style>
+          <a:lnRef idx="2">
+            <a:schemeClr val="accent1">
+              <a:shade val="50000"/>
+            </a:schemeClr>
+          </a:lnRef>
+          <a:fillRef idx="1">
+            <a:schemeClr val="accent1"/>
+          </a:fillRef>
+          <a:effectRef idx="0">
+            <a:schemeClr val="accent1"/>
+          </a:effectRef>
+          <a:fontRef idx="minor">
+            <a:schemeClr val="lt1"/>
+          </a:fontRef>
+        </p:style>
+        <p:txBody>
+          <a:bodyPr rtlCol="0" anchor="ctr"/>
+          <a:lstStyle/>
+          <a:p>
+            <a:pPr algn="ctr"/>
+            <a:endParaRPr lang="en-US"/>
+          </a:p>
+        </p:txBody>
+      </p:sp>
+      <p:sp>
+        <p:nvSpPr>
+          <p:cNvPr id="8" name="Rectangle: Rounded Corners 7">
+            <a:extLst>
+              <a:ext uri="{FF2B5EF4-FFF2-40B4-BE49-F238E27FC236}">
+                <a16:creationId xmlns:a16="http://schemas.microsoft.com/office/drawing/2014/main" id="{24ED2B86-312F-4D11-82F4-7EA24EB47584}"/>
+              </a:ext>
+            </a:extLst>
+          </p:cNvPr>
+          <p:cNvSpPr/>
+          <p:nvPr/>
+        </p:nvSpPr>
+        <p:spPr>
+          <a:xfrm>
+            <a:off x="5712879" y="4162176"/>
+            <a:ext cx="1426119" cy="1819539"/>
+          </a:xfrm>
+          <a:prstGeom prst="roundRect">
+            <a:avLst>
+              <a:gd name="adj" fmla="val 8127"/>
+            </a:avLst>
+          </a:prstGeom>
+          <a:solidFill>
+            <a:schemeClr val="accent1">
+              <a:lumMod val="40000"/>
+              <a:lumOff val="60000"/>
+            </a:schemeClr>
+          </a:solidFill>
+          <a:ln w="12700">
+            <a:noFill/>
+            <a:prstDash val="solid"/>
+          </a:ln>
+        </p:spPr>
+        <p:style>
+          <a:lnRef idx="2">
+            <a:schemeClr val="accent1">
+              <a:shade val="50000"/>
+            </a:schemeClr>
+          </a:lnRef>
+          <a:fillRef idx="1">
+            <a:schemeClr val="accent1"/>
+          </a:fillRef>
+          <a:effectRef idx="0">
+            <a:schemeClr val="accent1"/>
+          </a:effectRef>
+          <a:fontRef idx="minor">
+            <a:schemeClr val="lt1"/>
+          </a:fontRef>
+        </p:style>
+        <p:txBody>
+          <a:bodyPr rtlCol="0" anchor="ctr"/>
+          <a:lstStyle/>
+          <a:p>
+            <a:pPr algn="ctr"/>
+            <a:endParaRPr lang="en-US"/>
+          </a:p>
+        </p:txBody>
+      </p:sp>
+      <p:pic>
+        <p:nvPicPr>
+          <p:cNvPr id="10" name="Picture 9">
+            <a:extLst>
+              <a:ext uri="{FF2B5EF4-FFF2-40B4-BE49-F238E27FC236}">
+                <a16:creationId xmlns:a16="http://schemas.microsoft.com/office/drawing/2014/main" id="{CBCD5F54-2D15-4A5A-83D2-9EAAAF45437F}"/>
+              </a:ext>
+            </a:extLst>
+          </p:cNvPr>
+          <p:cNvPicPr>
+            <a:picLocks noChangeAspect="1"/>
+          </p:cNvPicPr>
+          <p:nvPr/>
+        </p:nvPicPr>
+        <p:blipFill>
+          <a:blip r:embed="rId3">
+            <a:extLst>
+              <a:ext uri="{28A0092B-C50C-407E-A947-70E740481C1C}">
+                <a14:useLocalDpi xmlns:a14="http://schemas.microsoft.com/office/drawing/2010/main" val="0"/>
+              </a:ext>
+            </a:extLst>
+          </a:blip>
+          <a:stretch>
+            <a:fillRect/>
+          </a:stretch>
+        </p:blipFill>
+        <p:spPr>
+          <a:xfrm>
+            <a:off x="3497936" y="1996689"/>
+            <a:ext cx="780290" cy="780290"/>
+          </a:xfrm>
+          <a:prstGeom prst="rect">
+            <a:avLst/>
+          </a:prstGeom>
+        </p:spPr>
+      </p:pic>
+      <p:pic>
+        <p:nvPicPr>
+          <p:cNvPr id="11" name="Picture 10">
+            <a:extLst>
+              <a:ext uri="{FF2B5EF4-FFF2-40B4-BE49-F238E27FC236}">
+                <a16:creationId xmlns:a16="http://schemas.microsoft.com/office/drawing/2014/main" id="{45254174-2045-417F-92E3-EE04B80629D1}"/>
+              </a:ext>
+            </a:extLst>
+          </p:cNvPr>
+          <p:cNvPicPr>
+            <a:picLocks noChangeAspect="1"/>
+          </p:cNvPicPr>
+          <p:nvPr/>
+        </p:nvPicPr>
+        <p:blipFill>
+          <a:blip r:embed="rId4">
+            <a:extLst>
+              <a:ext uri="{28A0092B-C50C-407E-A947-70E740481C1C}">
+                <a14:useLocalDpi xmlns:a14="http://schemas.microsoft.com/office/drawing/2010/main" val="0"/>
+              </a:ext>
+            </a:extLst>
+          </a:blip>
+          <a:stretch>
+            <a:fillRect/>
+          </a:stretch>
+        </p:blipFill>
+        <p:spPr>
+          <a:xfrm>
+            <a:off x="1872818" y="1182767"/>
+            <a:ext cx="780290" cy="780290"/>
+          </a:xfrm>
+          <a:prstGeom prst="rect">
+            <a:avLst/>
+          </a:prstGeom>
+        </p:spPr>
+      </p:pic>
+      <p:pic>
+        <p:nvPicPr>
+          <p:cNvPr id="12" name="Picture 11">
+            <a:extLst>
+              <a:ext uri="{FF2B5EF4-FFF2-40B4-BE49-F238E27FC236}">
+                <a16:creationId xmlns:a16="http://schemas.microsoft.com/office/drawing/2014/main" id="{57867641-6FE9-47BD-A334-082490CE6619}"/>
+              </a:ext>
+            </a:extLst>
+          </p:cNvPr>
+          <p:cNvPicPr>
+            <a:picLocks noChangeAspect="1"/>
+          </p:cNvPicPr>
+          <p:nvPr/>
+        </p:nvPicPr>
+        <p:blipFill>
+          <a:blip r:embed="rId5">
+            <a:extLst>
+              <a:ext uri="{28A0092B-C50C-407E-A947-70E740481C1C}">
+                <a14:useLocalDpi xmlns:a14="http://schemas.microsoft.com/office/drawing/2010/main" val="0"/>
+              </a:ext>
+            </a:extLst>
+          </a:blip>
+          <a:stretch>
+            <a:fillRect/>
+          </a:stretch>
+        </p:blipFill>
+        <p:spPr>
+          <a:xfrm>
+            <a:off x="6035793" y="4556987"/>
+            <a:ext cx="780290" cy="780290"/>
+          </a:xfrm>
+          <a:prstGeom prst="rect">
+            <a:avLst/>
+          </a:prstGeom>
+        </p:spPr>
+      </p:pic>
+      <p:pic>
+        <p:nvPicPr>
+          <p:cNvPr id="13" name="Picture 12">
+            <a:extLst>
+              <a:ext uri="{FF2B5EF4-FFF2-40B4-BE49-F238E27FC236}">
+                <a16:creationId xmlns:a16="http://schemas.microsoft.com/office/drawing/2014/main" id="{D992751E-857C-4416-92EF-775B04E3209D}"/>
+              </a:ext>
+            </a:extLst>
+          </p:cNvPr>
+          <p:cNvPicPr>
+            <a:picLocks noChangeAspect="1"/>
+          </p:cNvPicPr>
+          <p:nvPr/>
+        </p:nvPicPr>
+        <p:blipFill>
+          <a:blip r:embed="rId6">
+            <a:extLst>
+              <a:ext uri="{28A0092B-C50C-407E-A947-70E740481C1C}">
+                <a14:useLocalDpi xmlns:a14="http://schemas.microsoft.com/office/drawing/2010/main" val="0"/>
+              </a:ext>
+            </a:extLst>
+          </a:blip>
+          <a:stretch>
+            <a:fillRect/>
+          </a:stretch>
+        </p:blipFill>
+        <p:spPr>
+          <a:xfrm>
+            <a:off x="5344023" y="3496240"/>
+            <a:ext cx="780290" cy="780290"/>
+          </a:xfrm>
+          <a:prstGeom prst="rect">
+            <a:avLst/>
+          </a:prstGeom>
+        </p:spPr>
+      </p:pic>
+      <p:pic>
+        <p:nvPicPr>
+          <p:cNvPr id="14" name="Picture 13">
+            <a:extLst>
+              <a:ext uri="{FF2B5EF4-FFF2-40B4-BE49-F238E27FC236}">
+                <a16:creationId xmlns:a16="http://schemas.microsoft.com/office/drawing/2014/main" id="{65B0AC4F-1E09-427F-B2D6-862917B9294E}"/>
+              </a:ext>
+            </a:extLst>
+          </p:cNvPr>
+          <p:cNvPicPr>
+            <a:picLocks noChangeAspect="1"/>
+          </p:cNvPicPr>
+          <p:nvPr/>
+        </p:nvPicPr>
+        <p:blipFill>
+          <a:blip r:embed="rId7">
+            <a:extLst>
+              <a:ext uri="{28A0092B-C50C-407E-A947-70E740481C1C}">
+                <a14:useLocalDpi xmlns:a14="http://schemas.microsoft.com/office/drawing/2010/main" val="0"/>
+              </a:ext>
+            </a:extLst>
+          </a:blip>
+          <a:stretch>
+            <a:fillRect/>
+          </a:stretch>
+        </p:blipFill>
+        <p:spPr>
+          <a:xfrm>
+            <a:off x="4947926" y="5206100"/>
+            <a:ext cx="780290" cy="780290"/>
+          </a:xfrm>
+          <a:prstGeom prst="rect">
+            <a:avLst/>
+          </a:prstGeom>
+        </p:spPr>
+      </p:pic>
+      <p:sp>
+        <p:nvSpPr>
+          <p:cNvPr id="17" name="Rectangle 16">
+            <a:extLst>
+              <a:ext uri="{FF2B5EF4-FFF2-40B4-BE49-F238E27FC236}">
+                <a16:creationId xmlns:a16="http://schemas.microsoft.com/office/drawing/2014/main" id="{15071EE3-6F99-49C9-A29D-AA794E56358C}"/>
+              </a:ext>
+            </a:extLst>
+          </p:cNvPr>
+          <p:cNvSpPr/>
+          <p:nvPr/>
+        </p:nvSpPr>
+        <p:spPr>
+          <a:xfrm>
+            <a:off x="2242521" y="1894585"/>
+            <a:ext cx="9414433" cy="4428834"/>
+          </a:xfrm>
+          <a:prstGeom prst="rect">
+            <a:avLst/>
+          </a:prstGeom>
+          <a:noFill/>
+          <a:ln>
+            <a:solidFill>
+              <a:schemeClr val="bg1">
+                <a:lumMod val="65000"/>
+              </a:schemeClr>
+            </a:solidFill>
+          </a:ln>
+        </p:spPr>
+        <p:style>
+          <a:lnRef idx="2">
+            <a:schemeClr val="accent1">
+              <a:shade val="50000"/>
+            </a:schemeClr>
+          </a:lnRef>
+          <a:fillRef idx="1">
+            <a:schemeClr val="accent1"/>
+          </a:fillRef>
+          <a:effectRef idx="0">
+            <a:schemeClr val="accent1"/>
+          </a:effectRef>
+          <a:fontRef idx="minor">
+            <a:schemeClr val="lt1"/>
+          </a:fontRef>
+        </p:style>
+        <p:txBody>
+          <a:bodyPr rtlCol="0" anchor="ctr"/>
+          <a:lstStyle/>
+          <a:p>
+            <a:pPr algn="ctr"/>
+            <a:endParaRPr lang="en-US"/>
+          </a:p>
+        </p:txBody>
+      </p:sp>
+      <p:sp>
+        <p:nvSpPr>
+          <p:cNvPr id="18" name="TextBox 17">
+            <a:extLst>
+              <a:ext uri="{FF2B5EF4-FFF2-40B4-BE49-F238E27FC236}">
+                <a16:creationId xmlns:a16="http://schemas.microsoft.com/office/drawing/2014/main" id="{E77E4554-64DA-4F78-95C7-045C958812B0}"/>
+              </a:ext>
+            </a:extLst>
+          </p:cNvPr>
+          <p:cNvSpPr txBox="1"/>
+          <p:nvPr/>
+        </p:nvSpPr>
+        <p:spPr>
+          <a:xfrm>
+            <a:off x="2658920" y="1578939"/>
+            <a:ext cx="1292790" cy="276999"/>
+          </a:xfrm>
+          <a:prstGeom prst="rect">
+            <a:avLst/>
+          </a:prstGeom>
+          <a:noFill/>
+        </p:spPr>
+        <p:txBody>
+          <a:bodyPr wrap="none" rtlCol="0">
+            <a:spAutoFit/>
+          </a:bodyPr>
+          <a:lstStyle/>
+          <a:p>
+            <a:r>
+              <a:rPr lang="en-US" sz="1200" dirty="0"/>
+              <a:t>Microsoft Azure</a:t>
+            </a:r>
+          </a:p>
+        </p:txBody>
+      </p:sp>
+      <p:sp>
+        <p:nvSpPr>
+          <p:cNvPr id="19" name="Rectangle 18">
+            <a:extLst>
+              <a:ext uri="{FF2B5EF4-FFF2-40B4-BE49-F238E27FC236}">
+                <a16:creationId xmlns:a16="http://schemas.microsoft.com/office/drawing/2014/main" id="{0323C5D1-AD1C-4A8C-8F06-4C6AF3B74991}"/>
+              </a:ext>
+            </a:extLst>
+          </p:cNvPr>
+          <p:cNvSpPr/>
+          <p:nvPr/>
+        </p:nvSpPr>
+        <p:spPr>
+          <a:xfrm>
+            <a:off x="3647358" y="2776979"/>
+            <a:ext cx="7809749" cy="3430092"/>
+          </a:xfrm>
+          <a:prstGeom prst="rect">
+            <a:avLst/>
+          </a:prstGeom>
+          <a:noFill/>
+          <a:ln>
+            <a:solidFill>
+              <a:schemeClr val="bg1">
+                <a:lumMod val="65000"/>
+              </a:schemeClr>
+            </a:solidFill>
+          </a:ln>
+        </p:spPr>
+        <p:style>
+          <a:lnRef idx="2">
+            <a:schemeClr val="accent1">
+              <a:shade val="50000"/>
+            </a:schemeClr>
+          </a:lnRef>
+          <a:fillRef idx="1">
+            <a:schemeClr val="accent1"/>
+          </a:fillRef>
+          <a:effectRef idx="0">
+            <a:schemeClr val="accent1"/>
+          </a:effectRef>
+          <a:fontRef idx="minor">
+            <a:schemeClr val="lt1"/>
+          </a:fontRef>
+        </p:style>
+        <p:txBody>
+          <a:bodyPr rtlCol="0" anchor="ctr"/>
+          <a:lstStyle/>
+          <a:p>
+            <a:pPr algn="ctr"/>
+            <a:endParaRPr lang="en-US"/>
+          </a:p>
+        </p:txBody>
+      </p:sp>
+      <p:sp>
+        <p:nvSpPr>
+          <p:cNvPr id="21" name="TextBox 20">
+            <a:extLst>
+              <a:ext uri="{FF2B5EF4-FFF2-40B4-BE49-F238E27FC236}">
+                <a16:creationId xmlns:a16="http://schemas.microsoft.com/office/drawing/2014/main" id="{AFD640A9-2263-4EF7-AEE8-57FE3FC9B9EF}"/>
+              </a:ext>
+            </a:extLst>
+          </p:cNvPr>
+          <p:cNvSpPr txBox="1"/>
+          <p:nvPr/>
+        </p:nvSpPr>
+        <p:spPr>
+          <a:xfrm>
+            <a:off x="4389917" y="2427959"/>
+            <a:ext cx="1302536" cy="276999"/>
+          </a:xfrm>
+          <a:prstGeom prst="rect">
+            <a:avLst/>
+          </a:prstGeom>
+          <a:noFill/>
+        </p:spPr>
+        <p:txBody>
+          <a:bodyPr wrap="none" rtlCol="0">
+            <a:spAutoFit/>
+          </a:bodyPr>
+          <a:lstStyle/>
+          <a:p>
+            <a:r>
+              <a:rPr lang="en-US" sz="1200" dirty="0"/>
+              <a:t>Resource Group</a:t>
+            </a:r>
+          </a:p>
+        </p:txBody>
+      </p:sp>
+      <p:grpSp>
+        <p:nvGrpSpPr>
+          <p:cNvPr id="22" name="Group 21">
+            <a:extLst>
+              <a:ext uri="{FF2B5EF4-FFF2-40B4-BE49-F238E27FC236}">
+                <a16:creationId xmlns:a16="http://schemas.microsoft.com/office/drawing/2014/main" id="{865ECADD-5104-46BE-8666-7CEA0397F228}"/>
+              </a:ext>
+            </a:extLst>
+          </p:cNvPr>
+          <p:cNvGrpSpPr/>
+          <p:nvPr/>
+        </p:nvGrpSpPr>
+        <p:grpSpPr>
+          <a:xfrm>
+            <a:off x="2390078" y="2719437"/>
+            <a:ext cx="1035733" cy="1087503"/>
+            <a:chOff x="2390078" y="2961947"/>
+            <a:chExt cx="1035733" cy="1087503"/>
+          </a:xfrm>
+        </p:grpSpPr>
+        <p:pic>
+          <p:nvPicPr>
+            <p:cNvPr id="56" name="Picture 55">
+              <a:extLst>
+                <a:ext uri="{FF2B5EF4-FFF2-40B4-BE49-F238E27FC236}">
+                  <a16:creationId xmlns:a16="http://schemas.microsoft.com/office/drawing/2014/main" id="{C85707AF-E2BE-4328-A1A2-301BFE335FA9}"/>
+                </a:ext>
+              </a:extLst>
+            </p:cNvPr>
+            <p:cNvPicPr>
+              <a:picLocks noChangeAspect="1"/>
+            </p:cNvPicPr>
+            <p:nvPr/>
+          </p:nvPicPr>
+          <p:blipFill>
+            <a:blip r:embed="rId8">
+              <a:extLst>
+                <a:ext uri="{28A0092B-C50C-407E-A947-70E740481C1C}">
+                  <a14:useLocalDpi xmlns:a14="http://schemas.microsoft.com/office/drawing/2010/main" val="0"/>
+                </a:ext>
+              </a:extLst>
+            </a:blip>
+            <a:stretch>
+              <a:fillRect/>
+            </a:stretch>
+          </p:blipFill>
+          <p:spPr>
+            <a:xfrm>
+              <a:off x="2517799" y="2961947"/>
+              <a:ext cx="780290" cy="780290"/>
+            </a:xfrm>
+            <a:prstGeom prst="rect">
+              <a:avLst/>
+            </a:prstGeom>
+          </p:spPr>
+        </p:pic>
+        <p:sp>
+          <p:nvSpPr>
+            <p:cNvPr id="57" name="TextBox 56">
+              <a:extLst>
+                <a:ext uri="{FF2B5EF4-FFF2-40B4-BE49-F238E27FC236}">
+                  <a16:creationId xmlns:a16="http://schemas.microsoft.com/office/drawing/2014/main" id="{D173AFD1-E344-4C3B-BC72-285BDE6135FD}"/>
+                </a:ext>
+              </a:extLst>
+            </p:cNvPr>
+            <p:cNvSpPr txBox="1"/>
+            <p:nvPr/>
+          </p:nvSpPr>
+          <p:spPr>
+            <a:xfrm>
+              <a:off x="2390078" y="3772451"/>
+              <a:ext cx="1035733" cy="276999"/>
+            </a:xfrm>
+            <a:prstGeom prst="rect">
+              <a:avLst/>
+            </a:prstGeom>
+            <a:noFill/>
+          </p:spPr>
+          <p:txBody>
+            <a:bodyPr wrap="none" rtlCol="0">
+              <a:spAutoFit/>
+            </a:bodyPr>
+            <a:lstStyle/>
+            <a:p>
+              <a:r>
+                <a:rPr lang="en-US" sz="1200" dirty="0"/>
+                <a:t>Marketplace</a:t>
+              </a:r>
+            </a:p>
+          </p:txBody>
+        </p:sp>
+      </p:grpSp>
+      <p:cxnSp>
+        <p:nvCxnSpPr>
+          <p:cNvPr id="25" name="Straight Connector 24">
+            <a:extLst>
+              <a:ext uri="{FF2B5EF4-FFF2-40B4-BE49-F238E27FC236}">
+                <a16:creationId xmlns:a16="http://schemas.microsoft.com/office/drawing/2014/main" id="{57EDD641-57A7-4CF7-85CA-5702E242F4C9}"/>
+              </a:ext>
+            </a:extLst>
+          </p:cNvPr>
+          <p:cNvCxnSpPr>
+            <a:cxnSpLocks/>
+            <a:stCxn id="14" idx="3"/>
+          </p:cNvCxnSpPr>
+          <p:nvPr/>
+        </p:nvCxnSpPr>
+        <p:spPr>
+          <a:xfrm>
+            <a:off x="5728216" y="5596245"/>
+            <a:ext cx="1346653" cy="0"/>
+          </a:xfrm>
+          <a:prstGeom prst="line">
+            <a:avLst/>
+          </a:prstGeom>
+          <a:ln w="38100">
+            <a:solidFill>
+              <a:schemeClr val="accent1"/>
+            </a:solidFill>
+          </a:ln>
+        </p:spPr>
+        <p:style>
+          <a:lnRef idx="1">
+            <a:schemeClr val="accent1"/>
+          </a:lnRef>
+          <a:fillRef idx="0">
+            <a:schemeClr val="accent1"/>
+          </a:fillRef>
+          <a:effectRef idx="0">
+            <a:schemeClr val="accent1"/>
+          </a:effectRef>
+          <a:fontRef idx="minor">
+            <a:schemeClr val="tx1"/>
+          </a:fontRef>
+        </p:style>
+      </p:cxnSp>
+      <p:cxnSp>
+        <p:nvCxnSpPr>
+          <p:cNvPr id="29" name="Straight Connector 28">
+            <a:extLst>
+              <a:ext uri="{FF2B5EF4-FFF2-40B4-BE49-F238E27FC236}">
+                <a16:creationId xmlns:a16="http://schemas.microsoft.com/office/drawing/2014/main" id="{05A335F0-A406-41C3-9586-41D8A92EB439}"/>
+              </a:ext>
+            </a:extLst>
+          </p:cNvPr>
+          <p:cNvCxnSpPr>
+            <a:cxnSpLocks/>
+          </p:cNvCxnSpPr>
+          <p:nvPr/>
+        </p:nvCxnSpPr>
+        <p:spPr>
+          <a:xfrm>
+            <a:off x="6425938" y="5286032"/>
+            <a:ext cx="0" cy="320040"/>
+          </a:xfrm>
+          <a:prstGeom prst="line">
+            <a:avLst/>
+          </a:prstGeom>
+          <a:ln w="38100">
+            <a:solidFill>
+              <a:schemeClr val="accent1"/>
+            </a:solidFill>
+          </a:ln>
+        </p:spPr>
+        <p:style>
+          <a:lnRef idx="1">
+            <a:schemeClr val="accent1"/>
+          </a:lnRef>
+          <a:fillRef idx="0">
+            <a:schemeClr val="accent1"/>
+          </a:fillRef>
+          <a:effectRef idx="0">
+            <a:schemeClr val="accent1"/>
+          </a:effectRef>
+          <a:fontRef idx="minor">
+            <a:schemeClr val="tx1"/>
+          </a:fontRef>
+        </p:style>
+      </p:cxnSp>
+      <p:sp>
+        <p:nvSpPr>
+          <p:cNvPr id="30" name="TextBox 29">
+            <a:extLst>
+              <a:ext uri="{FF2B5EF4-FFF2-40B4-BE49-F238E27FC236}">
+                <a16:creationId xmlns:a16="http://schemas.microsoft.com/office/drawing/2014/main" id="{362B8735-27C0-48FE-BFE6-A35805AA5D57}"/>
+              </a:ext>
+            </a:extLst>
+          </p:cNvPr>
+          <p:cNvSpPr txBox="1"/>
+          <p:nvPr/>
+        </p:nvSpPr>
+        <p:spPr>
+          <a:xfrm>
+            <a:off x="6053080" y="5063939"/>
+            <a:ext cx="745717" cy="276999"/>
+          </a:xfrm>
+          <a:prstGeom prst="rect">
+            <a:avLst/>
+          </a:prstGeom>
+          <a:noFill/>
+        </p:spPr>
+        <p:txBody>
+          <a:bodyPr wrap="none" rtlCol="0">
+            <a:spAutoFit/>
+          </a:bodyPr>
+          <a:lstStyle/>
+          <a:p>
+            <a:r>
+              <a:rPr lang="en-US" sz="1200" dirty="0"/>
+              <a:t>Dev VM</a:t>
+            </a:r>
+          </a:p>
+        </p:txBody>
+      </p:sp>
+      <p:sp>
+        <p:nvSpPr>
+          <p:cNvPr id="31" name="TextBox 30">
+            <a:extLst>
+              <a:ext uri="{FF2B5EF4-FFF2-40B4-BE49-F238E27FC236}">
+                <a16:creationId xmlns:a16="http://schemas.microsoft.com/office/drawing/2014/main" id="{70A24615-D09D-48CF-9A05-5F6ED57F5816}"/>
+              </a:ext>
+            </a:extLst>
+          </p:cNvPr>
+          <p:cNvSpPr txBox="1"/>
+          <p:nvPr/>
+        </p:nvSpPr>
+        <p:spPr>
+          <a:xfrm>
+            <a:off x="4919695" y="5821925"/>
+            <a:ext cx="830933" cy="276999"/>
+          </a:xfrm>
+          <a:prstGeom prst="rect">
+            <a:avLst/>
+          </a:prstGeom>
+          <a:noFill/>
+        </p:spPr>
+        <p:txBody>
+          <a:bodyPr wrap="none" rtlCol="0">
+            <a:spAutoFit/>
+          </a:bodyPr>
+          <a:lstStyle/>
+          <a:p>
+            <a:r>
+              <a:rPr lang="en-US" sz="1200" dirty="0"/>
+              <a:t>Dev-</a:t>
+            </a:r>
+            <a:r>
+              <a:rPr lang="en-US" sz="1200" dirty="0" err="1"/>
+              <a:t>Vnet</a:t>
+            </a:r>
+            <a:endParaRPr lang="en-US" sz="1200" dirty="0"/>
+          </a:p>
+        </p:txBody>
+      </p:sp>
+      <p:sp>
+        <p:nvSpPr>
+          <p:cNvPr id="35" name="TextBox 34">
+            <a:extLst>
+              <a:ext uri="{FF2B5EF4-FFF2-40B4-BE49-F238E27FC236}">
+                <a16:creationId xmlns:a16="http://schemas.microsoft.com/office/drawing/2014/main" id="{6B064BC3-28CC-4BF4-891A-43395D30C0FD}"/>
+              </a:ext>
+            </a:extLst>
+          </p:cNvPr>
+          <p:cNvSpPr txBox="1"/>
+          <p:nvPr/>
+        </p:nvSpPr>
+        <p:spPr>
+          <a:xfrm>
+            <a:off x="5695392" y="3323499"/>
+            <a:ext cx="764953" cy="276999"/>
+          </a:xfrm>
+          <a:prstGeom prst="rect">
+            <a:avLst/>
+          </a:prstGeom>
+          <a:noFill/>
+        </p:spPr>
+        <p:txBody>
+          <a:bodyPr wrap="none" rtlCol="0">
+            <a:spAutoFit/>
+          </a:bodyPr>
+          <a:lstStyle/>
+          <a:p>
+            <a:r>
+              <a:rPr lang="en-US" sz="1200" dirty="0"/>
+              <a:t>Dev-</a:t>
+            </a:r>
+            <a:r>
+              <a:rPr lang="en-US" sz="1200" dirty="0" err="1"/>
+              <a:t>nsg</a:t>
+            </a:r>
+            <a:endParaRPr lang="en-US" sz="1200" dirty="0"/>
+          </a:p>
+        </p:txBody>
+      </p:sp>
+      <p:sp>
+        <p:nvSpPr>
+          <p:cNvPr id="36" name="TextBox 35">
+            <a:extLst>
+              <a:ext uri="{FF2B5EF4-FFF2-40B4-BE49-F238E27FC236}">
+                <a16:creationId xmlns:a16="http://schemas.microsoft.com/office/drawing/2014/main" id="{1F259F8C-3632-4F9B-A578-23CAB22DBCF6}"/>
+              </a:ext>
+            </a:extLst>
+          </p:cNvPr>
+          <p:cNvSpPr txBox="1"/>
+          <p:nvPr/>
+        </p:nvSpPr>
+        <p:spPr>
+          <a:xfrm>
+            <a:off x="5865393" y="5677845"/>
+            <a:ext cx="1124860" cy="276999"/>
+          </a:xfrm>
+          <a:prstGeom prst="rect">
+            <a:avLst/>
+          </a:prstGeom>
+          <a:noFill/>
+        </p:spPr>
+        <p:txBody>
+          <a:bodyPr wrap="none" rtlCol="0">
+            <a:spAutoFit/>
+          </a:bodyPr>
+          <a:lstStyle/>
+          <a:p>
+            <a:r>
+              <a:rPr lang="en-US" sz="1200" dirty="0"/>
+              <a:t>Web (subnet)</a:t>
+            </a:r>
+          </a:p>
+        </p:txBody>
+      </p:sp>
+      <p:grpSp>
+        <p:nvGrpSpPr>
+          <p:cNvPr id="37" name="Group 36">
+            <a:extLst>
+              <a:ext uri="{FF2B5EF4-FFF2-40B4-BE49-F238E27FC236}">
+                <a16:creationId xmlns:a16="http://schemas.microsoft.com/office/drawing/2014/main" id="{5A3DF16D-B2E4-414E-AED2-F0F1C6AABAF1}"/>
+              </a:ext>
+            </a:extLst>
+          </p:cNvPr>
+          <p:cNvGrpSpPr/>
+          <p:nvPr/>
+        </p:nvGrpSpPr>
+        <p:grpSpPr>
+          <a:xfrm>
+            <a:off x="3702687" y="3095103"/>
+            <a:ext cx="1158009" cy="1080327"/>
+            <a:chOff x="3728999" y="3095103"/>
+            <a:chExt cx="1158009" cy="1080327"/>
+          </a:xfrm>
+        </p:grpSpPr>
+        <p:pic>
+          <p:nvPicPr>
+            <p:cNvPr id="48" name="Picture 47">
+              <a:extLst>
+                <a:ext uri="{FF2B5EF4-FFF2-40B4-BE49-F238E27FC236}">
+                  <a16:creationId xmlns:a16="http://schemas.microsoft.com/office/drawing/2014/main" id="{FF7AF7C7-08CB-4294-A1BC-1A1C3F25AD96}"/>
+                </a:ext>
+              </a:extLst>
+            </p:cNvPr>
+            <p:cNvPicPr>
+              <a:picLocks noChangeAspect="1"/>
+            </p:cNvPicPr>
+            <p:nvPr/>
+          </p:nvPicPr>
+          <p:blipFill>
+            <a:blip r:embed="rId9">
+              <a:extLst>
+                <a:ext uri="{28A0092B-C50C-407E-A947-70E740481C1C}">
+                  <a14:useLocalDpi xmlns:a14="http://schemas.microsoft.com/office/drawing/2010/main" val="0"/>
+                </a:ext>
+              </a:extLst>
+            </a:blip>
+            <a:stretch>
+              <a:fillRect/>
+            </a:stretch>
+          </p:blipFill>
+          <p:spPr>
+            <a:xfrm>
+              <a:off x="3917858" y="3095103"/>
+              <a:ext cx="780290" cy="780290"/>
+            </a:xfrm>
+            <a:prstGeom prst="rect">
+              <a:avLst/>
+            </a:prstGeom>
+          </p:spPr>
+        </p:pic>
+        <p:sp>
+          <p:nvSpPr>
+            <p:cNvPr id="50" name="TextBox 49">
+              <a:extLst>
+                <a:ext uri="{FF2B5EF4-FFF2-40B4-BE49-F238E27FC236}">
+                  <a16:creationId xmlns:a16="http://schemas.microsoft.com/office/drawing/2014/main" id="{07CA5DC7-C0E7-4947-ABEF-DFFCCE78AD88}"/>
+                </a:ext>
+              </a:extLst>
+            </p:cNvPr>
+            <p:cNvSpPr txBox="1"/>
+            <p:nvPr/>
+          </p:nvSpPr>
+          <p:spPr>
+            <a:xfrm>
+              <a:off x="3728999" y="3898431"/>
+              <a:ext cx="1158009" cy="276999"/>
+            </a:xfrm>
+            <a:prstGeom prst="rect">
+              <a:avLst/>
+            </a:prstGeom>
+            <a:noFill/>
+          </p:spPr>
+          <p:txBody>
+            <a:bodyPr wrap="none" rtlCol="0">
+              <a:spAutoFit/>
+            </a:bodyPr>
+            <a:lstStyle/>
+            <a:p>
+              <a:r>
+                <a:rPr lang="en-US" sz="1200" dirty="0"/>
+                <a:t>Custom img.1</a:t>
+              </a:r>
+            </a:p>
+          </p:txBody>
+        </p:sp>
+      </p:grpSp>
+    </p:spTree>
+    <p:extLst>
+      <p:ext uri="{BB962C8B-B14F-4D97-AF65-F5344CB8AC3E}">
+        <p14:creationId xmlns:p14="http://schemas.microsoft.com/office/powerpoint/2010/main" val="2435558602"/>
+      </p:ext>
+    </p:extLst>
+  </p:cSld>
+  <p:clrMapOvr>
+    <a:masterClrMapping/>
+  </p:clrMapOvr>
+</p:sld>
+</file>
+
+<file path=ppt/slides/slide7.xml><?xml version="1.0" encoding="utf-8"?>
+<p:sld xmlns:a="http://schemas.openxmlformats.org/drawingml/2006/main" xmlns:r="http://schemas.openxmlformats.org/officeDocument/2006/relationships" xmlns:p="http://schemas.openxmlformats.org/presentationml/2006/main">
+  <p:cSld>
+    <p:spTree>
+      <p:nvGrpSpPr>
+        <p:cNvPr id="1" name=""/>
+        <p:cNvGrpSpPr/>
+        <p:nvPr/>
+      </p:nvGrpSpPr>
+      <p:grpSpPr>
+        <a:xfrm>
+          <a:off x="0" y="0"/>
+          <a:ext cx="0" cy="0"/>
+          <a:chOff x="0" y="0"/>
+          <a:chExt cx="0" cy="0"/>
+        </a:xfrm>
+      </p:grpSpPr>
+      <p:sp>
+        <p:nvSpPr>
+          <p:cNvPr id="2" name="Title 1">
+            <a:extLst>
+              <a:ext uri="{FF2B5EF4-FFF2-40B4-BE49-F238E27FC236}">
+                <a16:creationId xmlns:a16="http://schemas.microsoft.com/office/drawing/2014/main" id="{C27A62A0-E3E3-4DCB-BBC5-63FDB474798C}"/>
+              </a:ext>
+            </a:extLst>
+          </p:cNvPr>
+          <p:cNvSpPr>
+            <a:spLocks noGrp="1"/>
+          </p:cNvSpPr>
+          <p:nvPr>
+            <p:ph type="title"/>
+          </p:nvPr>
+        </p:nvSpPr>
+        <p:spPr/>
+        <p:txBody>
+          <a:bodyPr/>
+          <a:lstStyle/>
+          <a:p>
+            <a:r>
+              <a:rPr lang="en-US" dirty="0"/>
+              <a:t>Workshop Scenario</a:t>
+            </a:r>
+          </a:p>
+        </p:txBody>
+      </p:sp>
+      <p:sp>
+        <p:nvSpPr>
+          <p:cNvPr id="3" name="Content Placeholder 2">
+            <a:extLst>
+              <a:ext uri="{FF2B5EF4-FFF2-40B4-BE49-F238E27FC236}">
+                <a16:creationId xmlns:a16="http://schemas.microsoft.com/office/drawing/2014/main" id="{5C351E07-3D78-4561-8477-B8F12B98225E}"/>
+              </a:ext>
+            </a:extLst>
+          </p:cNvPr>
+          <p:cNvSpPr>
+            <a:spLocks noGrp="1"/>
+          </p:cNvSpPr>
+          <p:nvPr>
+            <p:ph idx="1"/>
+          </p:nvPr>
+        </p:nvSpPr>
+        <p:spPr>
+          <a:ln>
+            <a:solidFill>
+              <a:schemeClr val="bg1">
+                <a:lumMod val="50000"/>
+              </a:schemeClr>
+            </a:solidFill>
+          </a:ln>
+        </p:spPr>
+        <p:txBody>
+          <a:bodyPr/>
+          <a:lstStyle/>
+          <a:p>
+            <a:r>
+              <a:rPr lang="en-US" dirty="0"/>
+              <a:t>Architecture</a:t>
+            </a:r>
+          </a:p>
+        </p:txBody>
+      </p:sp>
+      <p:sp>
+        <p:nvSpPr>
+          <p:cNvPr id="4" name="Text Placeholder 3">
+            <a:extLst>
+              <a:ext uri="{FF2B5EF4-FFF2-40B4-BE49-F238E27FC236}">
+                <a16:creationId xmlns:a16="http://schemas.microsoft.com/office/drawing/2014/main" id="{09E79592-AC01-4B52-8C3A-216E9F84829F}"/>
+              </a:ext>
+            </a:extLst>
+          </p:cNvPr>
+          <p:cNvSpPr>
+            <a:spLocks noGrp="1"/>
+          </p:cNvSpPr>
+          <p:nvPr>
+            <p:ph type="body" sz="quarter" idx="10"/>
+          </p:nvPr>
+        </p:nvSpPr>
+        <p:spPr/>
+        <p:txBody>
+          <a:bodyPr/>
+          <a:lstStyle/>
+          <a:p>
+            <a:r>
+              <a:rPr lang="en-US" dirty="0"/>
+              <a:t>iv. Create web servers from custom VM image</a:t>
+            </a:r>
+          </a:p>
+        </p:txBody>
+      </p:sp>
+      <p:sp>
+        <p:nvSpPr>
+          <p:cNvPr id="6" name="Rectangle: Rounded Corners 5">
+            <a:extLst>
+              <a:ext uri="{FF2B5EF4-FFF2-40B4-BE49-F238E27FC236}">
+                <a16:creationId xmlns:a16="http://schemas.microsoft.com/office/drawing/2014/main" id="{CD1CF92A-21C2-4E80-9E64-BDFD23A4037C}"/>
+              </a:ext>
+            </a:extLst>
+          </p:cNvPr>
+          <p:cNvSpPr/>
+          <p:nvPr/>
+        </p:nvSpPr>
+        <p:spPr>
+          <a:xfrm>
+            <a:off x="4865052" y="2848456"/>
+            <a:ext cx="2451807" cy="3288616"/>
+          </a:xfrm>
+          <a:prstGeom prst="roundRect">
+            <a:avLst>
+              <a:gd name="adj" fmla="val 0"/>
+            </a:avLst>
+          </a:prstGeom>
+          <a:solidFill>
+            <a:schemeClr val="tx2">
+              <a:lumMod val="20000"/>
+              <a:lumOff val="80000"/>
+            </a:schemeClr>
+          </a:solidFill>
+          <a:ln w="12700">
+            <a:noFill/>
+            <a:prstDash val="solid"/>
+          </a:ln>
+        </p:spPr>
+        <p:style>
+          <a:lnRef idx="2">
+            <a:schemeClr val="accent1">
+              <a:shade val="50000"/>
+            </a:schemeClr>
+          </a:lnRef>
+          <a:fillRef idx="1">
+            <a:schemeClr val="accent1"/>
+          </a:fillRef>
+          <a:effectRef idx="0">
+            <a:schemeClr val="accent1"/>
+          </a:effectRef>
+          <a:fontRef idx="minor">
+            <a:schemeClr val="lt1"/>
+          </a:fontRef>
+        </p:style>
+        <p:txBody>
+          <a:bodyPr rtlCol="0" anchor="ctr"/>
+          <a:lstStyle/>
+          <a:p>
+            <a:pPr algn="ctr"/>
+            <a:endParaRPr lang="en-US"/>
+          </a:p>
+        </p:txBody>
+      </p:sp>
+      <p:sp>
+        <p:nvSpPr>
+          <p:cNvPr id="7" name="Rectangle: Rounded Corners 6">
+            <a:extLst>
+              <a:ext uri="{FF2B5EF4-FFF2-40B4-BE49-F238E27FC236}">
+                <a16:creationId xmlns:a16="http://schemas.microsoft.com/office/drawing/2014/main" id="{31F7AC4D-935F-4160-AF82-00E07CDF6C22}"/>
+              </a:ext>
+            </a:extLst>
+          </p:cNvPr>
+          <p:cNvSpPr/>
+          <p:nvPr/>
+        </p:nvSpPr>
+        <p:spPr>
+          <a:xfrm>
+            <a:off x="7455203" y="2848456"/>
+            <a:ext cx="3899145" cy="3288616"/>
+          </a:xfrm>
+          <a:prstGeom prst="roundRect">
+            <a:avLst>
+              <a:gd name="adj" fmla="val 0"/>
+            </a:avLst>
+          </a:prstGeom>
+          <a:solidFill>
+            <a:schemeClr val="tx2">
+              <a:lumMod val="20000"/>
+              <a:lumOff val="80000"/>
+            </a:schemeClr>
+          </a:solidFill>
+          <a:ln w="12700">
+            <a:noFill/>
+            <a:prstDash val="solid"/>
+          </a:ln>
+        </p:spPr>
+        <p:style>
+          <a:lnRef idx="2">
+            <a:schemeClr val="accent1">
+              <a:shade val="50000"/>
+            </a:schemeClr>
+          </a:lnRef>
+          <a:fillRef idx="1">
+            <a:schemeClr val="accent1"/>
+          </a:fillRef>
+          <a:effectRef idx="0">
+            <a:schemeClr val="accent1"/>
+          </a:effectRef>
+          <a:fontRef idx="minor">
+            <a:schemeClr val="lt1"/>
+          </a:fontRef>
+        </p:style>
+        <p:txBody>
+          <a:bodyPr rtlCol="0" anchor="ctr"/>
+          <a:lstStyle/>
+          <a:p>
+            <a:pPr algn="ctr"/>
+            <a:endParaRPr lang="en-US"/>
+          </a:p>
+        </p:txBody>
+      </p:sp>
+      <p:sp>
+        <p:nvSpPr>
+          <p:cNvPr id="8" name="Rectangle: Rounded Corners 7">
+            <a:extLst>
+              <a:ext uri="{FF2B5EF4-FFF2-40B4-BE49-F238E27FC236}">
+                <a16:creationId xmlns:a16="http://schemas.microsoft.com/office/drawing/2014/main" id="{BE873175-092E-4905-BBEC-09833468E8C8}"/>
+              </a:ext>
+            </a:extLst>
+          </p:cNvPr>
+          <p:cNvSpPr/>
+          <p:nvPr/>
+        </p:nvSpPr>
+        <p:spPr>
+          <a:xfrm>
+            <a:off x="5712879" y="4162176"/>
+            <a:ext cx="1426119" cy="1819539"/>
+          </a:xfrm>
+          <a:prstGeom prst="roundRect">
+            <a:avLst>
+              <a:gd name="adj" fmla="val 8127"/>
+            </a:avLst>
+          </a:prstGeom>
+          <a:solidFill>
+            <a:schemeClr val="accent1">
+              <a:lumMod val="40000"/>
+              <a:lumOff val="60000"/>
+            </a:schemeClr>
+          </a:solidFill>
+          <a:ln w="12700">
+            <a:noFill/>
+            <a:prstDash val="solid"/>
+          </a:ln>
+        </p:spPr>
+        <p:style>
+          <a:lnRef idx="2">
+            <a:schemeClr val="accent1">
+              <a:shade val="50000"/>
+            </a:schemeClr>
+          </a:lnRef>
+          <a:fillRef idx="1">
+            <a:schemeClr val="accent1"/>
+          </a:fillRef>
+          <a:effectRef idx="0">
+            <a:schemeClr val="accent1"/>
+          </a:effectRef>
+          <a:fontRef idx="minor">
+            <a:schemeClr val="lt1"/>
+          </a:fontRef>
+        </p:style>
+        <p:txBody>
+          <a:bodyPr rtlCol="0" anchor="ctr"/>
+          <a:lstStyle/>
+          <a:p>
+            <a:pPr algn="ctr"/>
+            <a:endParaRPr lang="en-US"/>
+          </a:p>
+        </p:txBody>
+      </p:sp>
+      <p:sp>
+        <p:nvSpPr>
+          <p:cNvPr id="9" name="Rectangle: Rounded Corners 8">
+            <a:extLst>
+              <a:ext uri="{FF2B5EF4-FFF2-40B4-BE49-F238E27FC236}">
+                <a16:creationId xmlns:a16="http://schemas.microsoft.com/office/drawing/2014/main" id="{2830BD71-46A4-4C52-963A-5ED262F16F65}"/>
+              </a:ext>
+            </a:extLst>
+          </p:cNvPr>
+          <p:cNvSpPr/>
+          <p:nvPr/>
+        </p:nvSpPr>
+        <p:spPr>
+          <a:xfrm>
+            <a:off x="8292445" y="4162176"/>
+            <a:ext cx="2867621" cy="1819539"/>
+          </a:xfrm>
+          <a:prstGeom prst="roundRect">
+            <a:avLst>
+              <a:gd name="adj" fmla="val 8127"/>
+            </a:avLst>
+          </a:prstGeom>
+          <a:solidFill>
+            <a:schemeClr val="accent1">
+              <a:lumMod val="40000"/>
+              <a:lumOff val="60000"/>
+            </a:schemeClr>
+          </a:solidFill>
+          <a:ln w="12700">
+            <a:noFill/>
+            <a:prstDash val="solid"/>
+          </a:ln>
+        </p:spPr>
+        <p:style>
+          <a:lnRef idx="2">
+            <a:schemeClr val="accent1">
+              <a:shade val="50000"/>
+            </a:schemeClr>
+          </a:lnRef>
+          <a:fillRef idx="1">
+            <a:schemeClr val="accent1"/>
+          </a:fillRef>
+          <a:effectRef idx="0">
+            <a:schemeClr val="accent1"/>
+          </a:effectRef>
+          <a:fontRef idx="minor">
+            <a:schemeClr val="lt1"/>
+          </a:fontRef>
+        </p:style>
+        <p:txBody>
+          <a:bodyPr rtlCol="0" anchor="ctr"/>
+          <a:lstStyle/>
+          <a:p>
+            <a:pPr algn="ctr"/>
+            <a:endParaRPr lang="en-US"/>
+          </a:p>
+        </p:txBody>
+      </p:sp>
+      <p:pic>
+        <p:nvPicPr>
+          <p:cNvPr id="10" name="Picture 9">
+            <a:extLst>
+              <a:ext uri="{FF2B5EF4-FFF2-40B4-BE49-F238E27FC236}">
+                <a16:creationId xmlns:a16="http://schemas.microsoft.com/office/drawing/2014/main" id="{B764981B-0C22-42E0-A6BD-CC2C06C4C57C}"/>
+              </a:ext>
+            </a:extLst>
+          </p:cNvPr>
+          <p:cNvPicPr>
+            <a:picLocks noChangeAspect="1"/>
+          </p:cNvPicPr>
+          <p:nvPr/>
+        </p:nvPicPr>
+        <p:blipFill>
+          <a:blip r:embed="rId3">
+            <a:extLst>
+              <a:ext uri="{28A0092B-C50C-407E-A947-70E740481C1C}">
+                <a14:useLocalDpi xmlns:a14="http://schemas.microsoft.com/office/drawing/2010/main" val="0"/>
+              </a:ext>
+            </a:extLst>
+          </a:blip>
+          <a:stretch>
+            <a:fillRect/>
+          </a:stretch>
+        </p:blipFill>
+        <p:spPr>
+          <a:xfrm>
+            <a:off x="3497936" y="1996689"/>
+            <a:ext cx="780290" cy="780290"/>
+          </a:xfrm>
+          <a:prstGeom prst="rect">
+            <a:avLst/>
+          </a:prstGeom>
+        </p:spPr>
+      </p:pic>
+      <p:pic>
+        <p:nvPicPr>
+          <p:cNvPr id="11" name="Picture 10">
+            <a:extLst>
+              <a:ext uri="{FF2B5EF4-FFF2-40B4-BE49-F238E27FC236}">
+                <a16:creationId xmlns:a16="http://schemas.microsoft.com/office/drawing/2014/main" id="{172B2DA5-F1C1-4FC6-BA4D-3B6AC5A52E8B}"/>
+              </a:ext>
+            </a:extLst>
+          </p:cNvPr>
+          <p:cNvPicPr>
+            <a:picLocks noChangeAspect="1"/>
+          </p:cNvPicPr>
+          <p:nvPr/>
+        </p:nvPicPr>
+        <p:blipFill>
+          <a:blip r:embed="rId4">
+            <a:extLst>
+              <a:ext uri="{28A0092B-C50C-407E-A947-70E740481C1C}">
+                <a14:useLocalDpi xmlns:a14="http://schemas.microsoft.com/office/drawing/2010/main" val="0"/>
+              </a:ext>
+            </a:extLst>
+          </a:blip>
+          <a:stretch>
+            <a:fillRect/>
+          </a:stretch>
+        </p:blipFill>
+        <p:spPr>
+          <a:xfrm>
+            <a:off x="1872818" y="1182767"/>
+            <a:ext cx="780290" cy="780290"/>
+          </a:xfrm>
+          <a:prstGeom prst="rect">
+            <a:avLst/>
+          </a:prstGeom>
+        </p:spPr>
+      </p:pic>
+      <p:pic>
+        <p:nvPicPr>
+          <p:cNvPr id="13" name="Picture 12">
+            <a:extLst>
+              <a:ext uri="{FF2B5EF4-FFF2-40B4-BE49-F238E27FC236}">
+                <a16:creationId xmlns:a16="http://schemas.microsoft.com/office/drawing/2014/main" id="{E03E2CAE-7665-4CAF-9969-A4942D02FE8C}"/>
+              </a:ext>
+            </a:extLst>
+          </p:cNvPr>
+          <p:cNvPicPr>
+            <a:picLocks noChangeAspect="1"/>
+          </p:cNvPicPr>
+          <p:nvPr/>
+        </p:nvPicPr>
+        <p:blipFill>
+          <a:blip r:embed="rId5">
+            <a:extLst>
+              <a:ext uri="{28A0092B-C50C-407E-A947-70E740481C1C}">
+                <a14:useLocalDpi xmlns:a14="http://schemas.microsoft.com/office/drawing/2010/main" val="0"/>
+              </a:ext>
+            </a:extLst>
+          </a:blip>
+          <a:stretch>
+            <a:fillRect/>
+          </a:stretch>
+        </p:blipFill>
+        <p:spPr>
+          <a:xfrm>
+            <a:off x="5344023" y="3496240"/>
+            <a:ext cx="780290" cy="780290"/>
+          </a:xfrm>
+          <a:prstGeom prst="rect">
+            <a:avLst/>
+          </a:prstGeom>
+        </p:spPr>
+      </p:pic>
+      <p:pic>
+        <p:nvPicPr>
+          <p:cNvPr id="14" name="Picture 13">
+            <a:extLst>
+              <a:ext uri="{FF2B5EF4-FFF2-40B4-BE49-F238E27FC236}">
+                <a16:creationId xmlns:a16="http://schemas.microsoft.com/office/drawing/2014/main" id="{3564506D-68E1-4093-B9FD-AF6934607011}"/>
+              </a:ext>
+            </a:extLst>
+          </p:cNvPr>
+          <p:cNvPicPr>
+            <a:picLocks noChangeAspect="1"/>
+          </p:cNvPicPr>
+          <p:nvPr/>
+        </p:nvPicPr>
+        <p:blipFill>
+          <a:blip r:embed="rId6">
+            <a:extLst>
+              <a:ext uri="{28A0092B-C50C-407E-A947-70E740481C1C}">
+                <a14:useLocalDpi xmlns:a14="http://schemas.microsoft.com/office/drawing/2010/main" val="0"/>
+              </a:ext>
+            </a:extLst>
+          </a:blip>
+          <a:stretch>
+            <a:fillRect/>
+          </a:stretch>
+        </p:blipFill>
+        <p:spPr>
+          <a:xfrm>
+            <a:off x="4947926" y="5206100"/>
+            <a:ext cx="780290" cy="780290"/>
+          </a:xfrm>
+          <a:prstGeom prst="rect">
+            <a:avLst/>
+          </a:prstGeom>
+        </p:spPr>
+      </p:pic>
+      <p:pic>
+        <p:nvPicPr>
+          <p:cNvPr id="15" name="Picture 14">
+            <a:extLst>
+              <a:ext uri="{FF2B5EF4-FFF2-40B4-BE49-F238E27FC236}">
+                <a16:creationId xmlns:a16="http://schemas.microsoft.com/office/drawing/2014/main" id="{88CAA98F-F56A-4E5A-B9B2-0A4D98CF70CA}"/>
+              </a:ext>
+            </a:extLst>
+          </p:cNvPr>
+          <p:cNvPicPr>
+            <a:picLocks noChangeAspect="1"/>
+          </p:cNvPicPr>
+          <p:nvPr/>
+        </p:nvPicPr>
+        <p:blipFill>
+          <a:blip r:embed="rId6">
+            <a:extLst>
+              <a:ext uri="{28A0092B-C50C-407E-A947-70E740481C1C}">
+                <a14:useLocalDpi xmlns:a14="http://schemas.microsoft.com/office/drawing/2010/main" val="0"/>
+              </a:ext>
+            </a:extLst>
+          </a:blip>
+          <a:stretch>
+            <a:fillRect/>
+          </a:stretch>
+        </p:blipFill>
+        <p:spPr>
+          <a:xfrm>
+            <a:off x="7495752" y="5206100"/>
+            <a:ext cx="780290" cy="780290"/>
+          </a:xfrm>
+          <a:prstGeom prst="rect">
+            <a:avLst/>
+          </a:prstGeom>
+        </p:spPr>
+      </p:pic>
+      <p:sp>
+        <p:nvSpPr>
+          <p:cNvPr id="17" name="Rectangle 16">
+            <a:extLst>
+              <a:ext uri="{FF2B5EF4-FFF2-40B4-BE49-F238E27FC236}">
+                <a16:creationId xmlns:a16="http://schemas.microsoft.com/office/drawing/2014/main" id="{17EC2194-D096-4F47-9600-9513623EDD2D}"/>
+              </a:ext>
+            </a:extLst>
+          </p:cNvPr>
+          <p:cNvSpPr/>
+          <p:nvPr/>
+        </p:nvSpPr>
+        <p:spPr>
+          <a:xfrm>
+            <a:off x="2242521" y="1894585"/>
+            <a:ext cx="9414433" cy="4428834"/>
+          </a:xfrm>
+          <a:prstGeom prst="rect">
+            <a:avLst/>
+          </a:prstGeom>
+          <a:noFill/>
+          <a:ln>
+            <a:solidFill>
+              <a:schemeClr val="bg1">
+                <a:lumMod val="65000"/>
+              </a:schemeClr>
+            </a:solidFill>
+          </a:ln>
+        </p:spPr>
+        <p:style>
+          <a:lnRef idx="2">
+            <a:schemeClr val="accent1">
+              <a:shade val="50000"/>
+            </a:schemeClr>
+          </a:lnRef>
+          <a:fillRef idx="1">
+            <a:schemeClr val="accent1"/>
+          </a:fillRef>
+          <a:effectRef idx="0">
+            <a:schemeClr val="accent1"/>
+          </a:effectRef>
+          <a:fontRef idx="minor">
+            <a:schemeClr val="lt1"/>
+          </a:fontRef>
+        </p:style>
+        <p:txBody>
+          <a:bodyPr rtlCol="0" anchor="ctr"/>
+          <a:lstStyle/>
+          <a:p>
+            <a:pPr algn="ctr"/>
+            <a:endParaRPr lang="en-US"/>
+          </a:p>
+        </p:txBody>
+      </p:sp>
+      <p:sp>
+        <p:nvSpPr>
+          <p:cNvPr id="18" name="TextBox 17">
+            <a:extLst>
+              <a:ext uri="{FF2B5EF4-FFF2-40B4-BE49-F238E27FC236}">
+                <a16:creationId xmlns:a16="http://schemas.microsoft.com/office/drawing/2014/main" id="{90EB4C86-32B7-4932-B646-5CC4FA78EEB7}"/>
+              </a:ext>
+            </a:extLst>
+          </p:cNvPr>
+          <p:cNvSpPr txBox="1"/>
+          <p:nvPr/>
+        </p:nvSpPr>
+        <p:spPr>
+          <a:xfrm>
+            <a:off x="2658920" y="1578939"/>
+            <a:ext cx="1292790" cy="276999"/>
+          </a:xfrm>
+          <a:prstGeom prst="rect">
+            <a:avLst/>
+          </a:prstGeom>
+          <a:noFill/>
+        </p:spPr>
+        <p:txBody>
+          <a:bodyPr wrap="none" rtlCol="0">
+            <a:spAutoFit/>
+          </a:bodyPr>
+          <a:lstStyle/>
+          <a:p>
+            <a:r>
+              <a:rPr lang="en-US" sz="1200" dirty="0"/>
+              <a:t>Microsoft Azure</a:t>
+            </a:r>
+          </a:p>
+        </p:txBody>
+      </p:sp>
+      <p:sp>
+        <p:nvSpPr>
+          <p:cNvPr id="19" name="Rectangle 18">
+            <a:extLst>
+              <a:ext uri="{FF2B5EF4-FFF2-40B4-BE49-F238E27FC236}">
+                <a16:creationId xmlns:a16="http://schemas.microsoft.com/office/drawing/2014/main" id="{0034689C-A17C-48A7-80E4-28ADCAB8AD41}"/>
+              </a:ext>
+            </a:extLst>
+          </p:cNvPr>
+          <p:cNvSpPr/>
+          <p:nvPr/>
+        </p:nvSpPr>
+        <p:spPr>
+          <a:xfrm>
+            <a:off x="3647358" y="2776979"/>
+            <a:ext cx="7809749" cy="3430092"/>
+          </a:xfrm>
+          <a:prstGeom prst="rect">
+            <a:avLst/>
+          </a:prstGeom>
+          <a:noFill/>
+          <a:ln>
+            <a:solidFill>
+              <a:schemeClr val="bg1">
+                <a:lumMod val="65000"/>
+              </a:schemeClr>
+            </a:solidFill>
+          </a:ln>
+        </p:spPr>
+        <p:style>
+          <a:lnRef idx="2">
+            <a:schemeClr val="accent1">
+              <a:shade val="50000"/>
+            </a:schemeClr>
+          </a:lnRef>
+          <a:fillRef idx="1">
+            <a:schemeClr val="accent1"/>
+          </a:fillRef>
+          <a:effectRef idx="0">
+            <a:schemeClr val="accent1"/>
+          </a:effectRef>
+          <a:fontRef idx="minor">
+            <a:schemeClr val="lt1"/>
+          </a:fontRef>
+        </p:style>
+        <p:txBody>
+          <a:bodyPr rtlCol="0" anchor="ctr"/>
+          <a:lstStyle/>
+          <a:p>
+            <a:pPr algn="ctr"/>
+            <a:endParaRPr lang="en-US"/>
+          </a:p>
+        </p:txBody>
+      </p:sp>
+      <p:grpSp>
+        <p:nvGrpSpPr>
+          <p:cNvPr id="20" name="Group 19">
+            <a:extLst>
+              <a:ext uri="{FF2B5EF4-FFF2-40B4-BE49-F238E27FC236}">
+                <a16:creationId xmlns:a16="http://schemas.microsoft.com/office/drawing/2014/main" id="{9AC16B10-2BB1-4B9D-A796-7D14440B5C13}"/>
+              </a:ext>
+            </a:extLst>
+          </p:cNvPr>
+          <p:cNvGrpSpPr/>
+          <p:nvPr/>
+        </p:nvGrpSpPr>
+        <p:grpSpPr>
+          <a:xfrm>
+            <a:off x="8640485" y="4430952"/>
+            <a:ext cx="2171540" cy="1032361"/>
+            <a:chOff x="8189467" y="4461123"/>
+            <a:chExt cx="2171540" cy="1032361"/>
+          </a:xfrm>
+        </p:grpSpPr>
+        <p:pic>
+          <p:nvPicPr>
+            <p:cNvPr id="58" name="Picture 57">
+              <a:extLst>
+                <a:ext uri="{FF2B5EF4-FFF2-40B4-BE49-F238E27FC236}">
+                  <a16:creationId xmlns:a16="http://schemas.microsoft.com/office/drawing/2014/main" id="{1680DAC1-69C2-4B26-9DF1-4A7D473DBB3D}"/>
+                </a:ext>
+              </a:extLst>
+            </p:cNvPr>
+            <p:cNvPicPr>
+              <a:picLocks noChangeAspect="1"/>
+            </p:cNvPicPr>
+            <p:nvPr/>
+          </p:nvPicPr>
+          <p:blipFill>
+            <a:blip r:embed="rId7">
+              <a:extLst>
+                <a:ext uri="{28A0092B-C50C-407E-A947-70E740481C1C}">
+                  <a14:useLocalDpi xmlns:a14="http://schemas.microsoft.com/office/drawing/2010/main" val="0"/>
+                </a:ext>
+              </a:extLst>
+            </a:blip>
+            <a:stretch>
+              <a:fillRect/>
+            </a:stretch>
+          </p:blipFill>
+          <p:spPr>
+            <a:xfrm>
+              <a:off x="8320332" y="4597957"/>
+              <a:ext cx="780290" cy="780290"/>
+            </a:xfrm>
+            <a:prstGeom prst="rect">
+              <a:avLst/>
+            </a:prstGeom>
+          </p:spPr>
+        </p:pic>
+        <p:sp>
+          <p:nvSpPr>
+            <p:cNvPr id="60" name="Rectangle: Rounded Corners 59">
+              <a:extLst>
+                <a:ext uri="{FF2B5EF4-FFF2-40B4-BE49-F238E27FC236}">
+                  <a16:creationId xmlns:a16="http://schemas.microsoft.com/office/drawing/2014/main" id="{80653861-0F1C-4419-B33B-D272FEF2E4D4}"/>
+                </a:ext>
+              </a:extLst>
+            </p:cNvPr>
+            <p:cNvSpPr/>
+            <p:nvPr/>
+          </p:nvSpPr>
+          <p:spPr>
+            <a:xfrm>
+              <a:off x="8189467" y="4461123"/>
+              <a:ext cx="2171540" cy="1032361"/>
+            </a:xfrm>
+            <a:prstGeom prst="roundRect">
+              <a:avLst/>
+            </a:prstGeom>
+            <a:noFill/>
+            <a:ln w="76200">
+              <a:solidFill>
+                <a:schemeClr val="accent1"/>
+              </a:solidFill>
+              <a:prstDash val="sysDash"/>
+            </a:ln>
+          </p:spPr>
+          <p:style>
+            <a:lnRef idx="2">
+              <a:schemeClr val="accent1">
+                <a:shade val="50000"/>
+              </a:schemeClr>
+            </a:lnRef>
+            <a:fillRef idx="1">
+              <a:schemeClr val="accent1"/>
+            </a:fillRef>
+            <a:effectRef idx="0">
+              <a:schemeClr val="accent1"/>
+            </a:effectRef>
+            <a:fontRef idx="minor">
+              <a:schemeClr val="lt1"/>
+            </a:fontRef>
+          </p:style>
+          <p:txBody>
+            <a:bodyPr rtlCol="0" anchor="ctr"/>
+            <a:lstStyle/>
+            <a:p>
+              <a:pPr algn="ctr"/>
+              <a:endParaRPr lang="en-US"/>
+            </a:p>
+          </p:txBody>
+        </p:sp>
+      </p:grpSp>
+      <p:sp>
+        <p:nvSpPr>
+          <p:cNvPr id="21" name="TextBox 20">
+            <a:extLst>
+              <a:ext uri="{FF2B5EF4-FFF2-40B4-BE49-F238E27FC236}">
+                <a16:creationId xmlns:a16="http://schemas.microsoft.com/office/drawing/2014/main" id="{408FA6E2-C9CA-4448-9919-5552713FA5E4}"/>
+              </a:ext>
+            </a:extLst>
+          </p:cNvPr>
+          <p:cNvSpPr txBox="1"/>
+          <p:nvPr/>
+        </p:nvSpPr>
+        <p:spPr>
+          <a:xfrm>
+            <a:off x="4389917" y="2427959"/>
+            <a:ext cx="1302536" cy="276999"/>
+          </a:xfrm>
+          <a:prstGeom prst="rect">
+            <a:avLst/>
+          </a:prstGeom>
+          <a:noFill/>
+        </p:spPr>
+        <p:txBody>
+          <a:bodyPr wrap="none" rtlCol="0">
+            <a:spAutoFit/>
+          </a:bodyPr>
+          <a:lstStyle/>
+          <a:p>
+            <a:r>
+              <a:rPr lang="en-US" sz="1200" dirty="0"/>
+              <a:t>Resource Group</a:t>
+            </a:r>
+          </a:p>
+        </p:txBody>
+      </p:sp>
+      <p:grpSp>
+        <p:nvGrpSpPr>
+          <p:cNvPr id="22" name="Group 21">
+            <a:extLst>
+              <a:ext uri="{FF2B5EF4-FFF2-40B4-BE49-F238E27FC236}">
+                <a16:creationId xmlns:a16="http://schemas.microsoft.com/office/drawing/2014/main" id="{16C2D2C2-6BAF-4685-A1A2-12A7F66F9CA6}"/>
+              </a:ext>
+            </a:extLst>
+          </p:cNvPr>
+          <p:cNvGrpSpPr/>
+          <p:nvPr/>
+        </p:nvGrpSpPr>
+        <p:grpSpPr>
+          <a:xfrm>
+            <a:off x="2390078" y="2719437"/>
+            <a:ext cx="1035733" cy="1087503"/>
+            <a:chOff x="2390078" y="2961947"/>
+            <a:chExt cx="1035733" cy="1087503"/>
+          </a:xfrm>
+        </p:grpSpPr>
+        <p:pic>
+          <p:nvPicPr>
+            <p:cNvPr id="56" name="Picture 55">
+              <a:extLst>
+                <a:ext uri="{FF2B5EF4-FFF2-40B4-BE49-F238E27FC236}">
+                  <a16:creationId xmlns:a16="http://schemas.microsoft.com/office/drawing/2014/main" id="{B48DABBD-E7AC-4584-89E0-6900CE33D8DD}"/>
+                </a:ext>
+              </a:extLst>
+            </p:cNvPr>
+            <p:cNvPicPr>
+              <a:picLocks noChangeAspect="1"/>
+            </p:cNvPicPr>
+            <p:nvPr/>
+          </p:nvPicPr>
+          <p:blipFill>
+            <a:blip r:embed="rId8">
+              <a:extLst>
+                <a:ext uri="{28A0092B-C50C-407E-A947-70E740481C1C}">
+                  <a14:useLocalDpi xmlns:a14="http://schemas.microsoft.com/office/drawing/2010/main" val="0"/>
+                </a:ext>
+              </a:extLst>
+            </a:blip>
+            <a:stretch>
+              <a:fillRect/>
+            </a:stretch>
+          </p:blipFill>
+          <p:spPr>
+            <a:xfrm>
+              <a:off x="2517799" y="2961947"/>
+              <a:ext cx="780290" cy="780290"/>
+            </a:xfrm>
+            <a:prstGeom prst="rect">
+              <a:avLst/>
+            </a:prstGeom>
+          </p:spPr>
+        </p:pic>
+        <p:sp>
+          <p:nvSpPr>
+            <p:cNvPr id="57" name="TextBox 56">
+              <a:extLst>
+                <a:ext uri="{FF2B5EF4-FFF2-40B4-BE49-F238E27FC236}">
+                  <a16:creationId xmlns:a16="http://schemas.microsoft.com/office/drawing/2014/main" id="{CCE46746-ECAD-4F08-BF96-909AF4DFE843}"/>
+                </a:ext>
+              </a:extLst>
+            </p:cNvPr>
+            <p:cNvSpPr txBox="1"/>
+            <p:nvPr/>
+          </p:nvSpPr>
+          <p:spPr>
+            <a:xfrm>
+              <a:off x="2390078" y="3772451"/>
+              <a:ext cx="1035733" cy="276999"/>
+            </a:xfrm>
+            <a:prstGeom prst="rect">
+              <a:avLst/>
+            </a:prstGeom>
+            <a:noFill/>
+          </p:spPr>
+          <p:txBody>
+            <a:bodyPr wrap="none" rtlCol="0">
+              <a:spAutoFit/>
+            </a:bodyPr>
+            <a:lstStyle/>
+            <a:p>
+              <a:r>
+                <a:rPr lang="en-US" sz="1200" dirty="0"/>
+                <a:t>Marketplace</a:t>
+              </a:r>
+            </a:p>
+          </p:txBody>
+        </p:sp>
+      </p:grpSp>
+      <p:cxnSp>
+        <p:nvCxnSpPr>
+          <p:cNvPr id="25" name="Straight Connector 24">
+            <a:extLst>
+              <a:ext uri="{FF2B5EF4-FFF2-40B4-BE49-F238E27FC236}">
+                <a16:creationId xmlns:a16="http://schemas.microsoft.com/office/drawing/2014/main" id="{C5D55ECC-2C95-45E3-8960-53980C2C8F9A}"/>
+              </a:ext>
+            </a:extLst>
+          </p:cNvPr>
+          <p:cNvCxnSpPr>
+            <a:cxnSpLocks/>
+            <a:stCxn id="14" idx="3"/>
+          </p:cNvCxnSpPr>
+          <p:nvPr/>
+        </p:nvCxnSpPr>
+        <p:spPr>
+          <a:xfrm>
+            <a:off x="5728216" y="5596245"/>
+            <a:ext cx="1346653" cy="0"/>
+          </a:xfrm>
+          <a:prstGeom prst="line">
+            <a:avLst/>
+          </a:prstGeom>
+          <a:ln w="38100">
+            <a:solidFill>
+              <a:schemeClr val="accent1"/>
+            </a:solidFill>
+          </a:ln>
+        </p:spPr>
+        <p:style>
+          <a:lnRef idx="1">
+            <a:schemeClr val="accent1"/>
+          </a:lnRef>
+          <a:fillRef idx="0">
+            <a:schemeClr val="accent1"/>
+          </a:fillRef>
+          <a:effectRef idx="0">
+            <a:schemeClr val="accent1"/>
+          </a:effectRef>
+          <a:fontRef idx="minor">
+            <a:schemeClr val="tx1"/>
+          </a:fontRef>
+        </p:style>
+      </p:cxnSp>
+      <p:cxnSp>
+        <p:nvCxnSpPr>
+          <p:cNvPr id="26" name="Straight Connector 25">
+            <a:extLst>
+              <a:ext uri="{FF2B5EF4-FFF2-40B4-BE49-F238E27FC236}">
+                <a16:creationId xmlns:a16="http://schemas.microsoft.com/office/drawing/2014/main" id="{A1DD2B03-B074-4B8C-8996-1C8859DB1E8A}"/>
+              </a:ext>
+            </a:extLst>
+          </p:cNvPr>
+          <p:cNvCxnSpPr>
+            <a:cxnSpLocks/>
+            <a:stCxn id="15" idx="3"/>
+          </p:cNvCxnSpPr>
+          <p:nvPr/>
+        </p:nvCxnSpPr>
+        <p:spPr>
+          <a:xfrm>
+            <a:off x="8276042" y="5596245"/>
+            <a:ext cx="2778770" cy="0"/>
+          </a:xfrm>
+          <a:prstGeom prst="line">
+            <a:avLst/>
+          </a:prstGeom>
+          <a:ln w="38100">
+            <a:solidFill>
+              <a:schemeClr val="accent1"/>
+            </a:solidFill>
+          </a:ln>
+        </p:spPr>
+        <p:style>
+          <a:lnRef idx="1">
+            <a:schemeClr val="accent1"/>
+          </a:lnRef>
+          <a:fillRef idx="0">
+            <a:schemeClr val="accent1"/>
+          </a:fillRef>
+          <a:effectRef idx="0">
+            <a:schemeClr val="accent1"/>
+          </a:effectRef>
+          <a:fontRef idx="minor">
+            <a:schemeClr val="tx1"/>
+          </a:fontRef>
+        </p:style>
+      </p:cxnSp>
+      <p:cxnSp>
+        <p:nvCxnSpPr>
+          <p:cNvPr id="27" name="Straight Connector 26">
+            <a:extLst>
+              <a:ext uri="{FF2B5EF4-FFF2-40B4-BE49-F238E27FC236}">
+                <a16:creationId xmlns:a16="http://schemas.microsoft.com/office/drawing/2014/main" id="{37A94C14-EF36-4EED-81C7-4EC21430D60A}"/>
+              </a:ext>
+            </a:extLst>
+          </p:cNvPr>
+          <p:cNvCxnSpPr>
+            <a:cxnSpLocks/>
+          </p:cNvCxnSpPr>
+          <p:nvPr/>
+        </p:nvCxnSpPr>
+        <p:spPr>
+          <a:xfrm>
+            <a:off x="9161495" y="5286032"/>
+            <a:ext cx="0" cy="320040"/>
+          </a:xfrm>
+          <a:prstGeom prst="line">
+            <a:avLst/>
+          </a:prstGeom>
+          <a:ln w="38100">
+            <a:solidFill>
+              <a:schemeClr val="accent1"/>
+            </a:solidFill>
+          </a:ln>
+        </p:spPr>
+        <p:style>
+          <a:lnRef idx="1">
+            <a:schemeClr val="accent1"/>
+          </a:lnRef>
+          <a:fillRef idx="0">
+            <a:schemeClr val="accent1"/>
+          </a:fillRef>
+          <a:effectRef idx="0">
+            <a:schemeClr val="accent1"/>
+          </a:effectRef>
+          <a:fontRef idx="minor">
+            <a:schemeClr val="tx1"/>
+          </a:fontRef>
+        </p:style>
+      </p:cxnSp>
+      <p:cxnSp>
+        <p:nvCxnSpPr>
+          <p:cNvPr id="28" name="Straight Connector 27">
+            <a:extLst>
+              <a:ext uri="{FF2B5EF4-FFF2-40B4-BE49-F238E27FC236}">
+                <a16:creationId xmlns:a16="http://schemas.microsoft.com/office/drawing/2014/main" id="{B5535A0D-BA9A-4DFB-B3D1-5123CB9A9F34}"/>
+              </a:ext>
+            </a:extLst>
+          </p:cNvPr>
+          <p:cNvCxnSpPr>
+            <a:cxnSpLocks/>
+          </p:cNvCxnSpPr>
+          <p:nvPr/>
+        </p:nvCxnSpPr>
+        <p:spPr>
+          <a:xfrm>
+            <a:off x="10200883" y="5286032"/>
+            <a:ext cx="0" cy="320040"/>
+          </a:xfrm>
+          <a:prstGeom prst="line">
+            <a:avLst/>
+          </a:prstGeom>
+          <a:ln w="38100">
+            <a:solidFill>
+              <a:schemeClr val="accent1"/>
+            </a:solidFill>
+          </a:ln>
+        </p:spPr>
+        <p:style>
+          <a:lnRef idx="1">
+            <a:schemeClr val="accent1"/>
+          </a:lnRef>
+          <a:fillRef idx="0">
+            <a:schemeClr val="accent1"/>
+          </a:fillRef>
+          <a:effectRef idx="0">
+            <a:schemeClr val="accent1"/>
+          </a:effectRef>
+          <a:fontRef idx="minor">
+            <a:schemeClr val="tx1"/>
+          </a:fontRef>
+        </p:style>
+      </p:cxnSp>
+      <p:sp>
+        <p:nvSpPr>
+          <p:cNvPr id="31" name="TextBox 30">
+            <a:extLst>
+              <a:ext uri="{FF2B5EF4-FFF2-40B4-BE49-F238E27FC236}">
+                <a16:creationId xmlns:a16="http://schemas.microsoft.com/office/drawing/2014/main" id="{00D41994-6D48-4013-8DDF-76EF38A46BEE}"/>
+              </a:ext>
+            </a:extLst>
+          </p:cNvPr>
+          <p:cNvSpPr txBox="1"/>
+          <p:nvPr/>
+        </p:nvSpPr>
+        <p:spPr>
+          <a:xfrm>
+            <a:off x="4919695" y="5821925"/>
+            <a:ext cx="830933" cy="276999"/>
+          </a:xfrm>
+          <a:prstGeom prst="rect">
+            <a:avLst/>
+          </a:prstGeom>
+          <a:noFill/>
+        </p:spPr>
+        <p:txBody>
+          <a:bodyPr wrap="none" rtlCol="0">
+            <a:spAutoFit/>
+          </a:bodyPr>
+          <a:lstStyle/>
+          <a:p>
+            <a:r>
+              <a:rPr lang="en-US" sz="1200" dirty="0"/>
+              <a:t>Dev-</a:t>
+            </a:r>
+            <a:r>
+              <a:rPr lang="en-US" sz="1200" dirty="0" err="1"/>
+              <a:t>Vnet</a:t>
+            </a:r>
+            <a:endParaRPr lang="en-US" sz="1200" dirty="0"/>
+          </a:p>
+        </p:txBody>
+      </p:sp>
+      <p:sp>
+        <p:nvSpPr>
+          <p:cNvPr id="32" name="TextBox 31">
+            <a:extLst>
+              <a:ext uri="{FF2B5EF4-FFF2-40B4-BE49-F238E27FC236}">
+                <a16:creationId xmlns:a16="http://schemas.microsoft.com/office/drawing/2014/main" id="{5DAFE9AD-C50D-4B94-87BC-018F1C34362F}"/>
+              </a:ext>
+            </a:extLst>
+          </p:cNvPr>
+          <p:cNvSpPr txBox="1"/>
+          <p:nvPr/>
+        </p:nvSpPr>
+        <p:spPr>
+          <a:xfrm>
+            <a:off x="7462832" y="5821925"/>
+            <a:ext cx="796693" cy="276999"/>
+          </a:xfrm>
+          <a:prstGeom prst="rect">
+            <a:avLst/>
+          </a:prstGeom>
+          <a:noFill/>
+        </p:spPr>
+        <p:txBody>
+          <a:bodyPr wrap="none" rtlCol="0">
+            <a:spAutoFit/>
+          </a:bodyPr>
+          <a:lstStyle/>
+          <a:p>
+            <a:r>
+              <a:rPr lang="en-US" sz="1200" dirty="0" err="1"/>
+              <a:t>Prd-Vnet</a:t>
+            </a:r>
+            <a:endParaRPr lang="en-US" sz="1200" dirty="0"/>
+          </a:p>
+        </p:txBody>
+      </p:sp>
+      <p:sp>
+        <p:nvSpPr>
+          <p:cNvPr id="33" name="TextBox 32">
+            <a:extLst>
+              <a:ext uri="{FF2B5EF4-FFF2-40B4-BE49-F238E27FC236}">
+                <a16:creationId xmlns:a16="http://schemas.microsoft.com/office/drawing/2014/main" id="{C92B9D98-5F8E-44D7-ADB1-D23713ACA599}"/>
+              </a:ext>
+            </a:extLst>
+          </p:cNvPr>
+          <p:cNvSpPr txBox="1"/>
+          <p:nvPr/>
+        </p:nvSpPr>
+        <p:spPr>
+          <a:xfrm>
+            <a:off x="8807389" y="5063939"/>
+            <a:ext cx="727315" cy="276999"/>
+          </a:xfrm>
+          <a:prstGeom prst="rect">
+            <a:avLst/>
+          </a:prstGeom>
+          <a:noFill/>
+        </p:spPr>
+        <p:txBody>
+          <a:bodyPr wrap="none" rtlCol="0">
+            <a:spAutoFit/>
+          </a:bodyPr>
+          <a:lstStyle/>
+          <a:p>
+            <a:r>
+              <a:rPr lang="en-US" sz="1200" dirty="0"/>
+              <a:t>Web 01</a:t>
+            </a:r>
+          </a:p>
+        </p:txBody>
+      </p:sp>
+      <p:sp>
+        <p:nvSpPr>
+          <p:cNvPr id="35" name="TextBox 34">
+            <a:extLst>
+              <a:ext uri="{FF2B5EF4-FFF2-40B4-BE49-F238E27FC236}">
+                <a16:creationId xmlns:a16="http://schemas.microsoft.com/office/drawing/2014/main" id="{CBB59810-83DD-4210-8567-3057D44EC135}"/>
+              </a:ext>
+            </a:extLst>
+          </p:cNvPr>
+          <p:cNvSpPr txBox="1"/>
+          <p:nvPr/>
+        </p:nvSpPr>
+        <p:spPr>
+          <a:xfrm>
+            <a:off x="5695392" y="3323499"/>
+            <a:ext cx="764953" cy="276999"/>
+          </a:xfrm>
+          <a:prstGeom prst="rect">
+            <a:avLst/>
+          </a:prstGeom>
+          <a:noFill/>
+        </p:spPr>
+        <p:txBody>
+          <a:bodyPr wrap="none" rtlCol="0">
+            <a:spAutoFit/>
+          </a:bodyPr>
+          <a:lstStyle/>
+          <a:p>
+            <a:r>
+              <a:rPr lang="en-US" sz="1200" dirty="0"/>
+              <a:t>Dev-</a:t>
+            </a:r>
+            <a:r>
+              <a:rPr lang="en-US" sz="1200" dirty="0" err="1"/>
+              <a:t>nsg</a:t>
+            </a:r>
+            <a:endParaRPr lang="en-US" sz="1200" dirty="0"/>
+          </a:p>
+        </p:txBody>
+      </p:sp>
+      <p:sp>
+        <p:nvSpPr>
+          <p:cNvPr id="36" name="TextBox 35">
+            <a:extLst>
+              <a:ext uri="{FF2B5EF4-FFF2-40B4-BE49-F238E27FC236}">
+                <a16:creationId xmlns:a16="http://schemas.microsoft.com/office/drawing/2014/main" id="{401DB9B0-0CF3-40AE-AB1E-24B8F82FCC07}"/>
+              </a:ext>
+            </a:extLst>
+          </p:cNvPr>
+          <p:cNvSpPr txBox="1"/>
+          <p:nvPr/>
+        </p:nvSpPr>
+        <p:spPr>
+          <a:xfrm>
+            <a:off x="5865393" y="5677845"/>
+            <a:ext cx="1124860" cy="276999"/>
+          </a:xfrm>
+          <a:prstGeom prst="rect">
+            <a:avLst/>
+          </a:prstGeom>
+          <a:noFill/>
+        </p:spPr>
+        <p:txBody>
+          <a:bodyPr wrap="none" rtlCol="0">
+            <a:spAutoFit/>
+          </a:bodyPr>
+          <a:lstStyle/>
+          <a:p>
+            <a:r>
+              <a:rPr lang="en-US" sz="1200" dirty="0"/>
+              <a:t>Web (subnet)</a:t>
+            </a:r>
+          </a:p>
+        </p:txBody>
+      </p:sp>
+      <p:grpSp>
+        <p:nvGrpSpPr>
+          <p:cNvPr id="37" name="Group 36">
+            <a:extLst>
+              <a:ext uri="{FF2B5EF4-FFF2-40B4-BE49-F238E27FC236}">
+                <a16:creationId xmlns:a16="http://schemas.microsoft.com/office/drawing/2014/main" id="{7A8DA571-9686-4CE0-91BE-BA8FD531C43B}"/>
+              </a:ext>
+            </a:extLst>
+          </p:cNvPr>
+          <p:cNvGrpSpPr/>
+          <p:nvPr/>
+        </p:nvGrpSpPr>
+        <p:grpSpPr>
+          <a:xfrm>
+            <a:off x="3702687" y="3095103"/>
+            <a:ext cx="1158009" cy="1080327"/>
+            <a:chOff x="3728999" y="3095103"/>
+            <a:chExt cx="1158009" cy="1080327"/>
+          </a:xfrm>
+        </p:grpSpPr>
+        <p:pic>
+          <p:nvPicPr>
+            <p:cNvPr id="48" name="Picture 47">
+              <a:extLst>
+                <a:ext uri="{FF2B5EF4-FFF2-40B4-BE49-F238E27FC236}">
+                  <a16:creationId xmlns:a16="http://schemas.microsoft.com/office/drawing/2014/main" id="{B5E6CDA5-E295-49D0-B8E7-F83C906B0F78}"/>
+                </a:ext>
+              </a:extLst>
+            </p:cNvPr>
+            <p:cNvPicPr>
+              <a:picLocks noChangeAspect="1"/>
+            </p:cNvPicPr>
+            <p:nvPr/>
+          </p:nvPicPr>
+          <p:blipFill>
+            <a:blip r:embed="rId9">
+              <a:extLst>
+                <a:ext uri="{28A0092B-C50C-407E-A947-70E740481C1C}">
+                  <a14:useLocalDpi xmlns:a14="http://schemas.microsoft.com/office/drawing/2010/main" val="0"/>
+                </a:ext>
+              </a:extLst>
+            </a:blip>
+            <a:stretch>
+              <a:fillRect/>
+            </a:stretch>
+          </p:blipFill>
+          <p:spPr>
+            <a:xfrm>
+              <a:off x="3917858" y="3095103"/>
+              <a:ext cx="780290" cy="780290"/>
+            </a:xfrm>
+            <a:prstGeom prst="rect">
+              <a:avLst/>
+            </a:prstGeom>
+          </p:spPr>
+        </p:pic>
+        <p:sp>
+          <p:nvSpPr>
+            <p:cNvPr id="50" name="TextBox 49">
+              <a:extLst>
+                <a:ext uri="{FF2B5EF4-FFF2-40B4-BE49-F238E27FC236}">
+                  <a16:creationId xmlns:a16="http://schemas.microsoft.com/office/drawing/2014/main" id="{D08C64B1-E542-4DDA-BAEC-E4BE398F9871}"/>
+                </a:ext>
+              </a:extLst>
+            </p:cNvPr>
+            <p:cNvSpPr txBox="1"/>
+            <p:nvPr/>
+          </p:nvSpPr>
+          <p:spPr>
+            <a:xfrm>
+              <a:off x="3728999" y="3898431"/>
+              <a:ext cx="1158009" cy="276999"/>
+            </a:xfrm>
+            <a:prstGeom prst="rect">
+              <a:avLst/>
+            </a:prstGeom>
+            <a:noFill/>
+          </p:spPr>
+          <p:txBody>
+            <a:bodyPr wrap="none" rtlCol="0">
+              <a:spAutoFit/>
+            </a:bodyPr>
+            <a:lstStyle/>
+            <a:p>
+              <a:r>
+                <a:rPr lang="en-US" sz="1200" dirty="0"/>
+                <a:t>Custom img.1</a:t>
+              </a:r>
+            </a:p>
+          </p:txBody>
+        </p:sp>
+      </p:grpSp>
+      <p:pic>
+        <p:nvPicPr>
+          <p:cNvPr id="40" name="Picture 39">
+            <a:extLst>
+              <a:ext uri="{FF2B5EF4-FFF2-40B4-BE49-F238E27FC236}">
+                <a16:creationId xmlns:a16="http://schemas.microsoft.com/office/drawing/2014/main" id="{2E0EDBA7-3C36-433B-8704-935C75F30946}"/>
+              </a:ext>
+            </a:extLst>
+          </p:cNvPr>
+          <p:cNvPicPr>
+            <a:picLocks noChangeAspect="1"/>
+          </p:cNvPicPr>
+          <p:nvPr/>
+        </p:nvPicPr>
+        <p:blipFill>
+          <a:blip r:embed="rId5">
+            <a:extLst>
+              <a:ext uri="{28A0092B-C50C-407E-A947-70E740481C1C}">
+                <a14:useLocalDpi xmlns:a14="http://schemas.microsoft.com/office/drawing/2010/main" val="0"/>
+              </a:ext>
+            </a:extLst>
+          </a:blip>
+          <a:stretch>
+            <a:fillRect/>
+          </a:stretch>
+        </p:blipFill>
+        <p:spPr>
+          <a:xfrm>
+            <a:off x="7898881" y="3486994"/>
+            <a:ext cx="780290" cy="780290"/>
+          </a:xfrm>
+          <a:prstGeom prst="rect">
+            <a:avLst/>
+          </a:prstGeom>
+        </p:spPr>
+      </p:pic>
+      <p:sp>
+        <p:nvSpPr>
+          <p:cNvPr id="41" name="TextBox 40">
+            <a:extLst>
+              <a:ext uri="{FF2B5EF4-FFF2-40B4-BE49-F238E27FC236}">
+                <a16:creationId xmlns:a16="http://schemas.microsoft.com/office/drawing/2014/main" id="{CD924B14-B8E3-4758-9735-13834041362A}"/>
+              </a:ext>
+            </a:extLst>
+          </p:cNvPr>
+          <p:cNvSpPr txBox="1"/>
+          <p:nvPr/>
+        </p:nvSpPr>
+        <p:spPr>
+          <a:xfrm>
+            <a:off x="8267370" y="3314253"/>
+            <a:ext cx="730713" cy="276999"/>
+          </a:xfrm>
+          <a:prstGeom prst="rect">
+            <a:avLst/>
+          </a:prstGeom>
+          <a:noFill/>
+        </p:spPr>
+        <p:txBody>
+          <a:bodyPr wrap="none" rtlCol="0">
+            <a:spAutoFit/>
+          </a:bodyPr>
+          <a:lstStyle/>
+          <a:p>
+            <a:r>
+              <a:rPr lang="en-US" sz="1200" dirty="0" err="1"/>
+              <a:t>Prd-nsg</a:t>
+            </a:r>
+            <a:endParaRPr lang="en-US" sz="1200" dirty="0"/>
+          </a:p>
+        </p:txBody>
+      </p:sp>
+      <p:sp>
+        <p:nvSpPr>
+          <p:cNvPr id="45" name="TextBox 44">
+            <a:extLst>
+              <a:ext uri="{FF2B5EF4-FFF2-40B4-BE49-F238E27FC236}">
+                <a16:creationId xmlns:a16="http://schemas.microsoft.com/office/drawing/2014/main" id="{4622B087-0100-4C94-82A9-B7760E7FCCA0}"/>
+              </a:ext>
+            </a:extLst>
+          </p:cNvPr>
+          <p:cNvSpPr txBox="1"/>
+          <p:nvPr/>
+        </p:nvSpPr>
+        <p:spPr>
+          <a:xfrm>
+            <a:off x="9944526" y="4275595"/>
+            <a:ext cx="1200906" cy="276999"/>
+          </a:xfrm>
+          <a:prstGeom prst="rect">
+            <a:avLst/>
+          </a:prstGeom>
+          <a:noFill/>
+        </p:spPr>
+        <p:txBody>
+          <a:bodyPr wrap="none" rtlCol="0">
+            <a:spAutoFit/>
+          </a:bodyPr>
+          <a:lstStyle/>
+          <a:p>
+            <a:r>
+              <a:rPr lang="en-US" sz="1200" dirty="0"/>
+              <a:t>Availability Set</a:t>
+            </a:r>
+          </a:p>
+        </p:txBody>
+      </p:sp>
+      <p:sp>
+        <p:nvSpPr>
+          <p:cNvPr id="46" name="TextBox 45">
+            <a:extLst>
+              <a:ext uri="{FF2B5EF4-FFF2-40B4-BE49-F238E27FC236}">
+                <a16:creationId xmlns:a16="http://schemas.microsoft.com/office/drawing/2014/main" id="{15914D66-0A97-44CD-8113-9A8E875C0F32}"/>
+              </a:ext>
+            </a:extLst>
+          </p:cNvPr>
+          <p:cNvSpPr txBox="1"/>
+          <p:nvPr/>
+        </p:nvSpPr>
+        <p:spPr>
+          <a:xfrm>
+            <a:off x="10043166" y="5677845"/>
+            <a:ext cx="1124860" cy="276999"/>
+          </a:xfrm>
+          <a:prstGeom prst="rect">
+            <a:avLst/>
+          </a:prstGeom>
+          <a:noFill/>
+        </p:spPr>
+        <p:txBody>
+          <a:bodyPr wrap="none" rtlCol="0">
+            <a:spAutoFit/>
+          </a:bodyPr>
+          <a:lstStyle/>
+          <a:p>
+            <a:r>
+              <a:rPr lang="en-US" sz="1200" dirty="0"/>
+              <a:t>Web (subnet)</a:t>
             </a:r>
           </a:p>
         </p:txBody>
@@ -2930,6 +6964,4102 @@
     <p:extLst>
       <p:ext uri="{BB962C8B-B14F-4D97-AF65-F5344CB8AC3E}">
         <p14:creationId xmlns:p14="http://schemas.microsoft.com/office/powerpoint/2010/main" val="4150019125"/>
+      </p:ext>
+    </p:extLst>
+  </p:cSld>
+  <p:clrMapOvr>
+    <a:masterClrMapping/>
+  </p:clrMapOvr>
+</p:sld>
+</file>
+
+<file path=ppt/slides/slide8.xml><?xml version="1.0" encoding="utf-8"?>
+<p:sld xmlns:a="http://schemas.openxmlformats.org/drawingml/2006/main" xmlns:r="http://schemas.openxmlformats.org/officeDocument/2006/relationships" xmlns:p="http://schemas.openxmlformats.org/presentationml/2006/main">
+  <p:cSld>
+    <p:spTree>
+      <p:nvGrpSpPr>
+        <p:cNvPr id="1" name=""/>
+        <p:cNvGrpSpPr/>
+        <p:nvPr/>
+      </p:nvGrpSpPr>
+      <p:grpSpPr>
+        <a:xfrm>
+          <a:off x="0" y="0"/>
+          <a:ext cx="0" cy="0"/>
+          <a:chOff x="0" y="0"/>
+          <a:chExt cx="0" cy="0"/>
+        </a:xfrm>
+      </p:grpSpPr>
+      <p:sp>
+        <p:nvSpPr>
+          <p:cNvPr id="2" name="Title 1">
+            <a:extLst>
+              <a:ext uri="{FF2B5EF4-FFF2-40B4-BE49-F238E27FC236}">
+                <a16:creationId xmlns:a16="http://schemas.microsoft.com/office/drawing/2014/main" id="{C27A62A0-E3E3-4DCB-BBC5-63FDB474798C}"/>
+              </a:ext>
+            </a:extLst>
+          </p:cNvPr>
+          <p:cNvSpPr>
+            <a:spLocks noGrp="1"/>
+          </p:cNvSpPr>
+          <p:nvPr>
+            <p:ph type="title"/>
+          </p:nvPr>
+        </p:nvSpPr>
+        <p:spPr/>
+        <p:txBody>
+          <a:bodyPr/>
+          <a:lstStyle/>
+          <a:p>
+            <a:r>
+              <a:rPr lang="en-US" dirty="0"/>
+              <a:t>Workshop Scenario</a:t>
+            </a:r>
+          </a:p>
+        </p:txBody>
+      </p:sp>
+      <p:sp>
+        <p:nvSpPr>
+          <p:cNvPr id="3" name="Content Placeholder 2">
+            <a:extLst>
+              <a:ext uri="{FF2B5EF4-FFF2-40B4-BE49-F238E27FC236}">
+                <a16:creationId xmlns:a16="http://schemas.microsoft.com/office/drawing/2014/main" id="{5C351E07-3D78-4561-8477-B8F12B98225E}"/>
+              </a:ext>
+            </a:extLst>
+          </p:cNvPr>
+          <p:cNvSpPr>
+            <a:spLocks noGrp="1"/>
+          </p:cNvSpPr>
+          <p:nvPr>
+            <p:ph idx="1"/>
+          </p:nvPr>
+        </p:nvSpPr>
+        <p:spPr>
+          <a:ln>
+            <a:solidFill>
+              <a:schemeClr val="bg1">
+                <a:lumMod val="50000"/>
+              </a:schemeClr>
+            </a:solidFill>
+          </a:ln>
+        </p:spPr>
+        <p:txBody>
+          <a:bodyPr/>
+          <a:lstStyle/>
+          <a:p>
+            <a:r>
+              <a:rPr lang="en-US" dirty="0"/>
+              <a:t>Architecture</a:t>
+            </a:r>
+          </a:p>
+        </p:txBody>
+      </p:sp>
+      <p:sp>
+        <p:nvSpPr>
+          <p:cNvPr id="4" name="Text Placeholder 3">
+            <a:extLst>
+              <a:ext uri="{FF2B5EF4-FFF2-40B4-BE49-F238E27FC236}">
+                <a16:creationId xmlns:a16="http://schemas.microsoft.com/office/drawing/2014/main" id="{09E79592-AC01-4B52-8C3A-216E9F84829F}"/>
+              </a:ext>
+            </a:extLst>
+          </p:cNvPr>
+          <p:cNvSpPr>
+            <a:spLocks noGrp="1"/>
+          </p:cNvSpPr>
+          <p:nvPr>
+            <p:ph type="body" sz="quarter" idx="10"/>
+          </p:nvPr>
+        </p:nvSpPr>
+        <p:spPr/>
+        <p:txBody>
+          <a:bodyPr/>
+          <a:lstStyle/>
+          <a:p>
+            <a:r>
+              <a:rPr lang="en-US" dirty="0"/>
+              <a:t>v. </a:t>
+            </a:r>
+            <a:r>
+              <a:rPr lang="en-US" altLang="en-US" dirty="0"/>
+              <a:t>Move VM using Azure cli</a:t>
+            </a:r>
+          </a:p>
+        </p:txBody>
+      </p:sp>
+      <p:sp>
+        <p:nvSpPr>
+          <p:cNvPr id="6" name="Rectangle: Rounded Corners 5">
+            <a:extLst>
+              <a:ext uri="{FF2B5EF4-FFF2-40B4-BE49-F238E27FC236}">
+                <a16:creationId xmlns:a16="http://schemas.microsoft.com/office/drawing/2014/main" id="{34E48EE7-2615-4F96-9B45-DFE43F76D005}"/>
+              </a:ext>
+            </a:extLst>
+          </p:cNvPr>
+          <p:cNvSpPr/>
+          <p:nvPr/>
+        </p:nvSpPr>
+        <p:spPr>
+          <a:xfrm>
+            <a:off x="4865052" y="2848456"/>
+            <a:ext cx="2451807" cy="3288616"/>
+          </a:xfrm>
+          <a:prstGeom prst="roundRect">
+            <a:avLst>
+              <a:gd name="adj" fmla="val 0"/>
+            </a:avLst>
+          </a:prstGeom>
+          <a:solidFill>
+            <a:schemeClr val="tx2">
+              <a:lumMod val="20000"/>
+              <a:lumOff val="80000"/>
+            </a:schemeClr>
+          </a:solidFill>
+          <a:ln w="12700">
+            <a:noFill/>
+            <a:prstDash val="solid"/>
+          </a:ln>
+        </p:spPr>
+        <p:style>
+          <a:lnRef idx="2">
+            <a:schemeClr val="accent1">
+              <a:shade val="50000"/>
+            </a:schemeClr>
+          </a:lnRef>
+          <a:fillRef idx="1">
+            <a:schemeClr val="accent1"/>
+          </a:fillRef>
+          <a:effectRef idx="0">
+            <a:schemeClr val="accent1"/>
+          </a:effectRef>
+          <a:fontRef idx="minor">
+            <a:schemeClr val="lt1"/>
+          </a:fontRef>
+        </p:style>
+        <p:txBody>
+          <a:bodyPr rtlCol="0" anchor="ctr"/>
+          <a:lstStyle/>
+          <a:p>
+            <a:pPr algn="ctr"/>
+            <a:endParaRPr lang="en-US"/>
+          </a:p>
+        </p:txBody>
+      </p:sp>
+      <p:sp>
+        <p:nvSpPr>
+          <p:cNvPr id="7" name="Rectangle: Rounded Corners 6">
+            <a:extLst>
+              <a:ext uri="{FF2B5EF4-FFF2-40B4-BE49-F238E27FC236}">
+                <a16:creationId xmlns:a16="http://schemas.microsoft.com/office/drawing/2014/main" id="{EF6C0BAF-95A7-4197-A14B-C89CD3427119}"/>
+              </a:ext>
+            </a:extLst>
+          </p:cNvPr>
+          <p:cNvSpPr/>
+          <p:nvPr/>
+        </p:nvSpPr>
+        <p:spPr>
+          <a:xfrm>
+            <a:off x="7455203" y="2848456"/>
+            <a:ext cx="3899145" cy="3288616"/>
+          </a:xfrm>
+          <a:prstGeom prst="roundRect">
+            <a:avLst>
+              <a:gd name="adj" fmla="val 0"/>
+            </a:avLst>
+          </a:prstGeom>
+          <a:solidFill>
+            <a:schemeClr val="tx2">
+              <a:lumMod val="20000"/>
+              <a:lumOff val="80000"/>
+            </a:schemeClr>
+          </a:solidFill>
+          <a:ln w="12700">
+            <a:noFill/>
+            <a:prstDash val="solid"/>
+          </a:ln>
+        </p:spPr>
+        <p:style>
+          <a:lnRef idx="2">
+            <a:schemeClr val="accent1">
+              <a:shade val="50000"/>
+            </a:schemeClr>
+          </a:lnRef>
+          <a:fillRef idx="1">
+            <a:schemeClr val="accent1"/>
+          </a:fillRef>
+          <a:effectRef idx="0">
+            <a:schemeClr val="accent1"/>
+          </a:effectRef>
+          <a:fontRef idx="minor">
+            <a:schemeClr val="lt1"/>
+          </a:fontRef>
+        </p:style>
+        <p:txBody>
+          <a:bodyPr rtlCol="0" anchor="ctr"/>
+          <a:lstStyle/>
+          <a:p>
+            <a:pPr algn="ctr"/>
+            <a:endParaRPr lang="en-US"/>
+          </a:p>
+        </p:txBody>
+      </p:sp>
+      <p:sp>
+        <p:nvSpPr>
+          <p:cNvPr id="8" name="Rectangle: Rounded Corners 7">
+            <a:extLst>
+              <a:ext uri="{FF2B5EF4-FFF2-40B4-BE49-F238E27FC236}">
+                <a16:creationId xmlns:a16="http://schemas.microsoft.com/office/drawing/2014/main" id="{96FB0C00-96D8-4022-A1A5-F2010FC757EC}"/>
+              </a:ext>
+            </a:extLst>
+          </p:cNvPr>
+          <p:cNvSpPr/>
+          <p:nvPr/>
+        </p:nvSpPr>
+        <p:spPr>
+          <a:xfrm>
+            <a:off x="5712879" y="4162176"/>
+            <a:ext cx="1426119" cy="1819539"/>
+          </a:xfrm>
+          <a:prstGeom prst="roundRect">
+            <a:avLst>
+              <a:gd name="adj" fmla="val 8127"/>
+            </a:avLst>
+          </a:prstGeom>
+          <a:solidFill>
+            <a:schemeClr val="accent1">
+              <a:lumMod val="40000"/>
+              <a:lumOff val="60000"/>
+            </a:schemeClr>
+          </a:solidFill>
+          <a:ln w="12700">
+            <a:noFill/>
+            <a:prstDash val="solid"/>
+          </a:ln>
+        </p:spPr>
+        <p:style>
+          <a:lnRef idx="2">
+            <a:schemeClr val="accent1">
+              <a:shade val="50000"/>
+            </a:schemeClr>
+          </a:lnRef>
+          <a:fillRef idx="1">
+            <a:schemeClr val="accent1"/>
+          </a:fillRef>
+          <a:effectRef idx="0">
+            <a:schemeClr val="accent1"/>
+          </a:effectRef>
+          <a:fontRef idx="minor">
+            <a:schemeClr val="lt1"/>
+          </a:fontRef>
+        </p:style>
+        <p:txBody>
+          <a:bodyPr rtlCol="0" anchor="ctr"/>
+          <a:lstStyle/>
+          <a:p>
+            <a:pPr algn="ctr"/>
+            <a:endParaRPr lang="en-US"/>
+          </a:p>
+        </p:txBody>
+      </p:sp>
+      <p:sp>
+        <p:nvSpPr>
+          <p:cNvPr id="9" name="Rectangle: Rounded Corners 8">
+            <a:extLst>
+              <a:ext uri="{FF2B5EF4-FFF2-40B4-BE49-F238E27FC236}">
+                <a16:creationId xmlns:a16="http://schemas.microsoft.com/office/drawing/2014/main" id="{8EF0626E-1895-4877-9E40-66579DDB22D0}"/>
+              </a:ext>
+            </a:extLst>
+          </p:cNvPr>
+          <p:cNvSpPr/>
+          <p:nvPr/>
+        </p:nvSpPr>
+        <p:spPr>
+          <a:xfrm>
+            <a:off x="8292445" y="4162176"/>
+            <a:ext cx="2867621" cy="1819539"/>
+          </a:xfrm>
+          <a:prstGeom prst="roundRect">
+            <a:avLst>
+              <a:gd name="adj" fmla="val 8127"/>
+            </a:avLst>
+          </a:prstGeom>
+          <a:solidFill>
+            <a:schemeClr val="accent1">
+              <a:lumMod val="40000"/>
+              <a:lumOff val="60000"/>
+            </a:schemeClr>
+          </a:solidFill>
+          <a:ln w="12700">
+            <a:noFill/>
+            <a:prstDash val="solid"/>
+          </a:ln>
+        </p:spPr>
+        <p:style>
+          <a:lnRef idx="2">
+            <a:schemeClr val="accent1">
+              <a:shade val="50000"/>
+            </a:schemeClr>
+          </a:lnRef>
+          <a:fillRef idx="1">
+            <a:schemeClr val="accent1"/>
+          </a:fillRef>
+          <a:effectRef idx="0">
+            <a:schemeClr val="accent1"/>
+          </a:effectRef>
+          <a:fontRef idx="minor">
+            <a:schemeClr val="lt1"/>
+          </a:fontRef>
+        </p:style>
+        <p:txBody>
+          <a:bodyPr rtlCol="0" anchor="ctr"/>
+          <a:lstStyle/>
+          <a:p>
+            <a:pPr algn="ctr"/>
+            <a:endParaRPr lang="en-US"/>
+          </a:p>
+        </p:txBody>
+      </p:sp>
+      <p:pic>
+        <p:nvPicPr>
+          <p:cNvPr id="10" name="Picture 9">
+            <a:extLst>
+              <a:ext uri="{FF2B5EF4-FFF2-40B4-BE49-F238E27FC236}">
+                <a16:creationId xmlns:a16="http://schemas.microsoft.com/office/drawing/2014/main" id="{8B65CB71-37F1-498A-A917-F2FC30658ACF}"/>
+              </a:ext>
+            </a:extLst>
+          </p:cNvPr>
+          <p:cNvPicPr>
+            <a:picLocks noChangeAspect="1"/>
+          </p:cNvPicPr>
+          <p:nvPr/>
+        </p:nvPicPr>
+        <p:blipFill>
+          <a:blip r:embed="rId3">
+            <a:extLst>
+              <a:ext uri="{28A0092B-C50C-407E-A947-70E740481C1C}">
+                <a14:useLocalDpi xmlns:a14="http://schemas.microsoft.com/office/drawing/2010/main" val="0"/>
+              </a:ext>
+            </a:extLst>
+          </a:blip>
+          <a:stretch>
+            <a:fillRect/>
+          </a:stretch>
+        </p:blipFill>
+        <p:spPr>
+          <a:xfrm>
+            <a:off x="3497936" y="1996689"/>
+            <a:ext cx="780290" cy="780290"/>
+          </a:xfrm>
+          <a:prstGeom prst="rect">
+            <a:avLst/>
+          </a:prstGeom>
+        </p:spPr>
+      </p:pic>
+      <p:pic>
+        <p:nvPicPr>
+          <p:cNvPr id="11" name="Picture 10">
+            <a:extLst>
+              <a:ext uri="{FF2B5EF4-FFF2-40B4-BE49-F238E27FC236}">
+                <a16:creationId xmlns:a16="http://schemas.microsoft.com/office/drawing/2014/main" id="{6F6D0E04-BEC5-4807-9765-712909216BF6}"/>
+              </a:ext>
+            </a:extLst>
+          </p:cNvPr>
+          <p:cNvPicPr>
+            <a:picLocks noChangeAspect="1"/>
+          </p:cNvPicPr>
+          <p:nvPr/>
+        </p:nvPicPr>
+        <p:blipFill>
+          <a:blip r:embed="rId4">
+            <a:extLst>
+              <a:ext uri="{28A0092B-C50C-407E-A947-70E740481C1C}">
+                <a14:useLocalDpi xmlns:a14="http://schemas.microsoft.com/office/drawing/2010/main" val="0"/>
+              </a:ext>
+            </a:extLst>
+          </a:blip>
+          <a:stretch>
+            <a:fillRect/>
+          </a:stretch>
+        </p:blipFill>
+        <p:spPr>
+          <a:xfrm>
+            <a:off x="1872818" y="1182767"/>
+            <a:ext cx="780290" cy="780290"/>
+          </a:xfrm>
+          <a:prstGeom prst="rect">
+            <a:avLst/>
+          </a:prstGeom>
+        </p:spPr>
+      </p:pic>
+      <p:pic>
+        <p:nvPicPr>
+          <p:cNvPr id="13" name="Picture 12">
+            <a:extLst>
+              <a:ext uri="{FF2B5EF4-FFF2-40B4-BE49-F238E27FC236}">
+                <a16:creationId xmlns:a16="http://schemas.microsoft.com/office/drawing/2014/main" id="{42CDA50A-741A-4AE5-989E-C3CE072DC778}"/>
+              </a:ext>
+            </a:extLst>
+          </p:cNvPr>
+          <p:cNvPicPr>
+            <a:picLocks noChangeAspect="1"/>
+          </p:cNvPicPr>
+          <p:nvPr/>
+        </p:nvPicPr>
+        <p:blipFill>
+          <a:blip r:embed="rId5">
+            <a:extLst>
+              <a:ext uri="{28A0092B-C50C-407E-A947-70E740481C1C}">
+                <a14:useLocalDpi xmlns:a14="http://schemas.microsoft.com/office/drawing/2010/main" val="0"/>
+              </a:ext>
+            </a:extLst>
+          </a:blip>
+          <a:stretch>
+            <a:fillRect/>
+          </a:stretch>
+        </p:blipFill>
+        <p:spPr>
+          <a:xfrm>
+            <a:off x="5344023" y="3496240"/>
+            <a:ext cx="780290" cy="780290"/>
+          </a:xfrm>
+          <a:prstGeom prst="rect">
+            <a:avLst/>
+          </a:prstGeom>
+        </p:spPr>
+      </p:pic>
+      <p:pic>
+        <p:nvPicPr>
+          <p:cNvPr id="14" name="Picture 13">
+            <a:extLst>
+              <a:ext uri="{FF2B5EF4-FFF2-40B4-BE49-F238E27FC236}">
+                <a16:creationId xmlns:a16="http://schemas.microsoft.com/office/drawing/2014/main" id="{CCF14CD3-97B8-4353-9E05-DF4550502307}"/>
+              </a:ext>
+            </a:extLst>
+          </p:cNvPr>
+          <p:cNvPicPr>
+            <a:picLocks noChangeAspect="1"/>
+          </p:cNvPicPr>
+          <p:nvPr/>
+        </p:nvPicPr>
+        <p:blipFill>
+          <a:blip r:embed="rId6">
+            <a:extLst>
+              <a:ext uri="{28A0092B-C50C-407E-A947-70E740481C1C}">
+                <a14:useLocalDpi xmlns:a14="http://schemas.microsoft.com/office/drawing/2010/main" val="0"/>
+              </a:ext>
+            </a:extLst>
+          </a:blip>
+          <a:stretch>
+            <a:fillRect/>
+          </a:stretch>
+        </p:blipFill>
+        <p:spPr>
+          <a:xfrm>
+            <a:off x="4947926" y="5206100"/>
+            <a:ext cx="780290" cy="780290"/>
+          </a:xfrm>
+          <a:prstGeom prst="rect">
+            <a:avLst/>
+          </a:prstGeom>
+        </p:spPr>
+      </p:pic>
+      <p:pic>
+        <p:nvPicPr>
+          <p:cNvPr id="15" name="Picture 14">
+            <a:extLst>
+              <a:ext uri="{FF2B5EF4-FFF2-40B4-BE49-F238E27FC236}">
+                <a16:creationId xmlns:a16="http://schemas.microsoft.com/office/drawing/2014/main" id="{1CFC1AE8-12EE-4836-8203-312FAB34A069}"/>
+              </a:ext>
+            </a:extLst>
+          </p:cNvPr>
+          <p:cNvPicPr>
+            <a:picLocks noChangeAspect="1"/>
+          </p:cNvPicPr>
+          <p:nvPr/>
+        </p:nvPicPr>
+        <p:blipFill>
+          <a:blip r:embed="rId6">
+            <a:extLst>
+              <a:ext uri="{28A0092B-C50C-407E-A947-70E740481C1C}">
+                <a14:useLocalDpi xmlns:a14="http://schemas.microsoft.com/office/drawing/2010/main" val="0"/>
+              </a:ext>
+            </a:extLst>
+          </a:blip>
+          <a:stretch>
+            <a:fillRect/>
+          </a:stretch>
+        </p:blipFill>
+        <p:spPr>
+          <a:xfrm>
+            <a:off x="7495752" y="5206100"/>
+            <a:ext cx="780290" cy="780290"/>
+          </a:xfrm>
+          <a:prstGeom prst="rect">
+            <a:avLst/>
+          </a:prstGeom>
+        </p:spPr>
+      </p:pic>
+      <p:grpSp>
+        <p:nvGrpSpPr>
+          <p:cNvPr id="16" name="Group 15">
+            <a:extLst>
+              <a:ext uri="{FF2B5EF4-FFF2-40B4-BE49-F238E27FC236}">
+                <a16:creationId xmlns:a16="http://schemas.microsoft.com/office/drawing/2014/main" id="{DA510F78-3051-4BFB-85CD-BD710CCA2BBB}"/>
+              </a:ext>
+            </a:extLst>
+          </p:cNvPr>
+          <p:cNvGrpSpPr/>
+          <p:nvPr/>
+        </p:nvGrpSpPr>
+        <p:grpSpPr>
+          <a:xfrm>
+            <a:off x="385160" y="4157396"/>
+            <a:ext cx="1784622" cy="2184198"/>
+            <a:chOff x="385160" y="4157396"/>
+            <a:chExt cx="1784622" cy="2184198"/>
+          </a:xfrm>
+        </p:grpSpPr>
+        <p:grpSp>
+          <p:nvGrpSpPr>
+            <p:cNvPr id="61" name="Group 60">
+              <a:extLst>
+                <a:ext uri="{FF2B5EF4-FFF2-40B4-BE49-F238E27FC236}">
+                  <a16:creationId xmlns:a16="http://schemas.microsoft.com/office/drawing/2014/main" id="{9B3B3095-C262-442B-A08E-BFF05CEDC30C}"/>
+                </a:ext>
+              </a:extLst>
+            </p:cNvPr>
+            <p:cNvGrpSpPr/>
+            <p:nvPr/>
+          </p:nvGrpSpPr>
+          <p:grpSpPr>
+            <a:xfrm>
+              <a:off x="682124" y="4998313"/>
+              <a:ext cx="1190694" cy="1343281"/>
+              <a:chOff x="717047" y="4998313"/>
+              <a:chExt cx="1190694" cy="1343281"/>
+            </a:xfrm>
+          </p:grpSpPr>
+          <p:pic>
+            <p:nvPicPr>
+              <p:cNvPr id="65" name="Picture 64">
+                <a:extLst>
+                  <a:ext uri="{FF2B5EF4-FFF2-40B4-BE49-F238E27FC236}">
+                    <a16:creationId xmlns:a16="http://schemas.microsoft.com/office/drawing/2014/main" id="{268B0C83-18E9-430B-AB42-DE79E32ADF07}"/>
+                  </a:ext>
+                </a:extLst>
+              </p:cNvPr>
+              <p:cNvPicPr>
+                <a:picLocks noChangeAspect="1"/>
+              </p:cNvPicPr>
+              <p:nvPr/>
+            </p:nvPicPr>
+            <p:blipFill>
+              <a:blip r:embed="rId7">
+                <a:duotone>
+                  <a:prstClr val="black"/>
+                  <a:schemeClr val="tx2">
+                    <a:tint val="45000"/>
+                    <a:satMod val="400000"/>
+                  </a:schemeClr>
+                </a:duotone>
+                <a:extLst>
+                  <a:ext uri="{28A0092B-C50C-407E-A947-70E740481C1C}">
+                    <a14:useLocalDpi xmlns:a14="http://schemas.microsoft.com/office/drawing/2010/main" val="0"/>
+                  </a:ext>
+                </a:extLst>
+              </a:blip>
+              <a:stretch>
+                <a:fillRect/>
+              </a:stretch>
+            </p:blipFill>
+            <p:spPr>
+              <a:xfrm>
+                <a:off x="922249" y="5119568"/>
+                <a:ext cx="780290" cy="780290"/>
+              </a:xfrm>
+              <a:prstGeom prst="rect">
+                <a:avLst/>
+              </a:prstGeom>
+            </p:spPr>
+          </p:pic>
+          <p:sp>
+            <p:nvSpPr>
+              <p:cNvPr id="66" name="Rectangle 65">
+                <a:extLst>
+                  <a:ext uri="{FF2B5EF4-FFF2-40B4-BE49-F238E27FC236}">
+                    <a16:creationId xmlns:a16="http://schemas.microsoft.com/office/drawing/2014/main" id="{64D788A6-202C-449E-9999-AFC4AA6A5A0C}"/>
+                  </a:ext>
+                </a:extLst>
+              </p:cNvPr>
+              <p:cNvSpPr/>
+              <p:nvPr/>
+            </p:nvSpPr>
+            <p:spPr>
+              <a:xfrm>
+                <a:off x="717047" y="4998313"/>
+                <a:ext cx="1190694" cy="1343281"/>
+              </a:xfrm>
+              <a:prstGeom prst="rect">
+                <a:avLst/>
+              </a:prstGeom>
+              <a:noFill/>
+              <a:ln>
+                <a:solidFill>
+                  <a:schemeClr val="bg1">
+                    <a:lumMod val="65000"/>
+                  </a:schemeClr>
+                </a:solidFill>
+              </a:ln>
+            </p:spPr>
+            <p:style>
+              <a:lnRef idx="2">
+                <a:schemeClr val="accent1">
+                  <a:shade val="50000"/>
+                </a:schemeClr>
+              </a:lnRef>
+              <a:fillRef idx="1">
+                <a:schemeClr val="accent1"/>
+              </a:fillRef>
+              <a:effectRef idx="0">
+                <a:schemeClr val="accent1"/>
+              </a:effectRef>
+              <a:fontRef idx="minor">
+                <a:schemeClr val="lt1"/>
+              </a:fontRef>
+            </p:style>
+            <p:txBody>
+              <a:bodyPr rtlCol="0" anchor="ctr"/>
+              <a:lstStyle/>
+              <a:p>
+                <a:pPr algn="ctr"/>
+                <a:endParaRPr lang="en-US"/>
+              </a:p>
+            </p:txBody>
+          </p:sp>
+          <p:sp>
+            <p:nvSpPr>
+              <p:cNvPr id="67" name="TextBox 66">
+                <a:extLst>
+                  <a:ext uri="{FF2B5EF4-FFF2-40B4-BE49-F238E27FC236}">
+                    <a16:creationId xmlns:a16="http://schemas.microsoft.com/office/drawing/2014/main" id="{6AE44E19-4933-442C-88F3-D4E439ECC0E8}"/>
+                  </a:ext>
+                </a:extLst>
+              </p:cNvPr>
+              <p:cNvSpPr txBox="1"/>
+              <p:nvPr/>
+            </p:nvSpPr>
+            <p:spPr>
+              <a:xfrm>
+                <a:off x="1059761" y="5930072"/>
+                <a:ext cx="505267" cy="276999"/>
+              </a:xfrm>
+              <a:prstGeom prst="rect">
+                <a:avLst/>
+              </a:prstGeom>
+              <a:noFill/>
+            </p:spPr>
+            <p:txBody>
+              <a:bodyPr wrap="none" rtlCol="0">
+                <a:spAutoFit/>
+              </a:bodyPr>
+              <a:lstStyle/>
+              <a:p>
+                <a:r>
+                  <a:rPr lang="en-US" sz="1200" dirty="0"/>
+                  <a:t>VHD</a:t>
+                </a:r>
+              </a:p>
+            </p:txBody>
+          </p:sp>
+        </p:grpSp>
+        <p:grpSp>
+          <p:nvGrpSpPr>
+            <p:cNvPr id="62" name="Group 61">
+              <a:extLst>
+                <a:ext uri="{FF2B5EF4-FFF2-40B4-BE49-F238E27FC236}">
+                  <a16:creationId xmlns:a16="http://schemas.microsoft.com/office/drawing/2014/main" id="{18042B00-8EDE-4DFB-990E-5429E0C4D8BC}"/>
+                </a:ext>
+              </a:extLst>
+            </p:cNvPr>
+            <p:cNvGrpSpPr/>
+            <p:nvPr/>
+          </p:nvGrpSpPr>
+          <p:grpSpPr>
+            <a:xfrm>
+              <a:off x="385160" y="4157396"/>
+              <a:ext cx="1784622" cy="780290"/>
+              <a:chOff x="385160" y="4157396"/>
+              <a:chExt cx="1784622" cy="780290"/>
+            </a:xfrm>
+          </p:grpSpPr>
+          <p:pic>
+            <p:nvPicPr>
+              <p:cNvPr id="63" name="Picture 62">
+                <a:extLst>
+                  <a:ext uri="{FF2B5EF4-FFF2-40B4-BE49-F238E27FC236}">
+                    <a16:creationId xmlns:a16="http://schemas.microsoft.com/office/drawing/2014/main" id="{D75C36CF-346D-41F3-AFF3-F53E7D24BF2D}"/>
+                  </a:ext>
+                </a:extLst>
+              </p:cNvPr>
+              <p:cNvPicPr>
+                <a:picLocks noChangeAspect="1"/>
+              </p:cNvPicPr>
+              <p:nvPr/>
+            </p:nvPicPr>
+            <p:blipFill>
+              <a:blip r:embed="rId8">
+                <a:extLst>
+                  <a:ext uri="{28A0092B-C50C-407E-A947-70E740481C1C}">
+                    <a14:useLocalDpi xmlns:a14="http://schemas.microsoft.com/office/drawing/2010/main" val="0"/>
+                  </a:ext>
+                </a:extLst>
+              </a:blip>
+              <a:stretch>
+                <a:fillRect/>
+              </a:stretch>
+            </p:blipFill>
+            <p:spPr>
+              <a:xfrm>
+                <a:off x="385160" y="4157396"/>
+                <a:ext cx="780290" cy="780290"/>
+              </a:xfrm>
+              <a:prstGeom prst="rect">
+                <a:avLst/>
+              </a:prstGeom>
+            </p:spPr>
+          </p:pic>
+          <p:sp>
+            <p:nvSpPr>
+              <p:cNvPr id="64" name="TextBox 63">
+                <a:extLst>
+                  <a:ext uri="{FF2B5EF4-FFF2-40B4-BE49-F238E27FC236}">
+                    <a16:creationId xmlns:a16="http://schemas.microsoft.com/office/drawing/2014/main" id="{7F95B059-15CB-4FF2-B851-D6D1D8FC1999}"/>
+                  </a:ext>
+                </a:extLst>
+              </p:cNvPr>
+              <p:cNvSpPr txBox="1"/>
+              <p:nvPr/>
+            </p:nvSpPr>
+            <p:spPr>
+              <a:xfrm>
+                <a:off x="1164955" y="4643442"/>
+                <a:ext cx="1004827" cy="276999"/>
+              </a:xfrm>
+              <a:prstGeom prst="rect">
+                <a:avLst/>
+              </a:prstGeom>
+              <a:noFill/>
+            </p:spPr>
+            <p:txBody>
+              <a:bodyPr wrap="none" rtlCol="0">
+                <a:spAutoFit/>
+              </a:bodyPr>
+              <a:lstStyle/>
+              <a:p>
+                <a:r>
+                  <a:rPr lang="en-US" sz="1200" dirty="0"/>
+                  <a:t>On-premise</a:t>
+                </a:r>
+              </a:p>
+            </p:txBody>
+          </p:sp>
+        </p:grpSp>
+      </p:grpSp>
+      <p:sp>
+        <p:nvSpPr>
+          <p:cNvPr id="17" name="Rectangle 16">
+            <a:extLst>
+              <a:ext uri="{FF2B5EF4-FFF2-40B4-BE49-F238E27FC236}">
+                <a16:creationId xmlns:a16="http://schemas.microsoft.com/office/drawing/2014/main" id="{37C4DD61-B2EC-4BD4-9623-C27A21A789E4}"/>
+              </a:ext>
+            </a:extLst>
+          </p:cNvPr>
+          <p:cNvSpPr/>
+          <p:nvPr/>
+        </p:nvSpPr>
+        <p:spPr>
+          <a:xfrm>
+            <a:off x="2242521" y="1894585"/>
+            <a:ext cx="9414433" cy="4428834"/>
+          </a:xfrm>
+          <a:prstGeom prst="rect">
+            <a:avLst/>
+          </a:prstGeom>
+          <a:noFill/>
+          <a:ln>
+            <a:solidFill>
+              <a:schemeClr val="bg1">
+                <a:lumMod val="65000"/>
+              </a:schemeClr>
+            </a:solidFill>
+          </a:ln>
+        </p:spPr>
+        <p:style>
+          <a:lnRef idx="2">
+            <a:schemeClr val="accent1">
+              <a:shade val="50000"/>
+            </a:schemeClr>
+          </a:lnRef>
+          <a:fillRef idx="1">
+            <a:schemeClr val="accent1"/>
+          </a:fillRef>
+          <a:effectRef idx="0">
+            <a:schemeClr val="accent1"/>
+          </a:effectRef>
+          <a:fontRef idx="minor">
+            <a:schemeClr val="lt1"/>
+          </a:fontRef>
+        </p:style>
+        <p:txBody>
+          <a:bodyPr rtlCol="0" anchor="ctr"/>
+          <a:lstStyle/>
+          <a:p>
+            <a:pPr algn="ctr"/>
+            <a:endParaRPr lang="en-US"/>
+          </a:p>
+        </p:txBody>
+      </p:sp>
+      <p:sp>
+        <p:nvSpPr>
+          <p:cNvPr id="18" name="TextBox 17">
+            <a:extLst>
+              <a:ext uri="{FF2B5EF4-FFF2-40B4-BE49-F238E27FC236}">
+                <a16:creationId xmlns:a16="http://schemas.microsoft.com/office/drawing/2014/main" id="{991E2578-53C7-4CE1-AC02-A44A588B3199}"/>
+              </a:ext>
+            </a:extLst>
+          </p:cNvPr>
+          <p:cNvSpPr txBox="1"/>
+          <p:nvPr/>
+        </p:nvSpPr>
+        <p:spPr>
+          <a:xfrm>
+            <a:off x="2658920" y="1578939"/>
+            <a:ext cx="1292790" cy="276999"/>
+          </a:xfrm>
+          <a:prstGeom prst="rect">
+            <a:avLst/>
+          </a:prstGeom>
+          <a:noFill/>
+        </p:spPr>
+        <p:txBody>
+          <a:bodyPr wrap="none" rtlCol="0">
+            <a:spAutoFit/>
+          </a:bodyPr>
+          <a:lstStyle/>
+          <a:p>
+            <a:r>
+              <a:rPr lang="en-US" sz="1200" dirty="0"/>
+              <a:t>Microsoft Azure</a:t>
+            </a:r>
+          </a:p>
+        </p:txBody>
+      </p:sp>
+      <p:sp>
+        <p:nvSpPr>
+          <p:cNvPr id="19" name="Rectangle 18">
+            <a:extLst>
+              <a:ext uri="{FF2B5EF4-FFF2-40B4-BE49-F238E27FC236}">
+                <a16:creationId xmlns:a16="http://schemas.microsoft.com/office/drawing/2014/main" id="{5A2D4C78-BD92-44CF-BEBC-5D1C5463F1DE}"/>
+              </a:ext>
+            </a:extLst>
+          </p:cNvPr>
+          <p:cNvSpPr/>
+          <p:nvPr/>
+        </p:nvSpPr>
+        <p:spPr>
+          <a:xfrm>
+            <a:off x="3647358" y="2776979"/>
+            <a:ext cx="7809749" cy="3430092"/>
+          </a:xfrm>
+          <a:prstGeom prst="rect">
+            <a:avLst/>
+          </a:prstGeom>
+          <a:noFill/>
+          <a:ln>
+            <a:solidFill>
+              <a:schemeClr val="bg1">
+                <a:lumMod val="65000"/>
+              </a:schemeClr>
+            </a:solidFill>
+          </a:ln>
+        </p:spPr>
+        <p:style>
+          <a:lnRef idx="2">
+            <a:schemeClr val="accent1">
+              <a:shade val="50000"/>
+            </a:schemeClr>
+          </a:lnRef>
+          <a:fillRef idx="1">
+            <a:schemeClr val="accent1"/>
+          </a:fillRef>
+          <a:effectRef idx="0">
+            <a:schemeClr val="accent1"/>
+          </a:effectRef>
+          <a:fontRef idx="minor">
+            <a:schemeClr val="lt1"/>
+          </a:fontRef>
+        </p:style>
+        <p:txBody>
+          <a:bodyPr rtlCol="0" anchor="ctr"/>
+          <a:lstStyle/>
+          <a:p>
+            <a:pPr algn="ctr"/>
+            <a:endParaRPr lang="en-US"/>
+          </a:p>
+        </p:txBody>
+      </p:sp>
+      <p:grpSp>
+        <p:nvGrpSpPr>
+          <p:cNvPr id="20" name="Group 19">
+            <a:extLst>
+              <a:ext uri="{FF2B5EF4-FFF2-40B4-BE49-F238E27FC236}">
+                <a16:creationId xmlns:a16="http://schemas.microsoft.com/office/drawing/2014/main" id="{09016537-B412-45B8-A1C4-F98E2AD023AE}"/>
+              </a:ext>
+            </a:extLst>
+          </p:cNvPr>
+          <p:cNvGrpSpPr/>
+          <p:nvPr/>
+        </p:nvGrpSpPr>
+        <p:grpSpPr>
+          <a:xfrm>
+            <a:off x="8640485" y="4430952"/>
+            <a:ext cx="2171540" cy="1032361"/>
+            <a:chOff x="8189467" y="4461123"/>
+            <a:chExt cx="2171540" cy="1032361"/>
+          </a:xfrm>
+        </p:grpSpPr>
+        <p:pic>
+          <p:nvPicPr>
+            <p:cNvPr id="58" name="Picture 57">
+              <a:extLst>
+                <a:ext uri="{FF2B5EF4-FFF2-40B4-BE49-F238E27FC236}">
+                  <a16:creationId xmlns:a16="http://schemas.microsoft.com/office/drawing/2014/main" id="{895DFD26-E04E-48CF-B027-0B28E40BADB3}"/>
+                </a:ext>
+              </a:extLst>
+            </p:cNvPr>
+            <p:cNvPicPr>
+              <a:picLocks noChangeAspect="1"/>
+            </p:cNvPicPr>
+            <p:nvPr/>
+          </p:nvPicPr>
+          <p:blipFill>
+            <a:blip r:embed="rId9">
+              <a:extLst>
+                <a:ext uri="{28A0092B-C50C-407E-A947-70E740481C1C}">
+                  <a14:useLocalDpi xmlns:a14="http://schemas.microsoft.com/office/drawing/2010/main" val="0"/>
+                </a:ext>
+              </a:extLst>
+            </a:blip>
+            <a:stretch>
+              <a:fillRect/>
+            </a:stretch>
+          </p:blipFill>
+          <p:spPr>
+            <a:xfrm>
+              <a:off x="8320332" y="4597957"/>
+              <a:ext cx="780290" cy="780290"/>
+            </a:xfrm>
+            <a:prstGeom prst="rect">
+              <a:avLst/>
+            </a:prstGeom>
+          </p:spPr>
+        </p:pic>
+        <p:pic>
+          <p:nvPicPr>
+            <p:cNvPr id="59" name="Picture 58">
+              <a:extLst>
+                <a:ext uri="{FF2B5EF4-FFF2-40B4-BE49-F238E27FC236}">
+                  <a16:creationId xmlns:a16="http://schemas.microsoft.com/office/drawing/2014/main" id="{EA81E014-01CB-41BA-9DE0-D1426CF8B68F}"/>
+                </a:ext>
+              </a:extLst>
+            </p:cNvPr>
+            <p:cNvPicPr>
+              <a:picLocks noChangeAspect="1"/>
+            </p:cNvPicPr>
+            <p:nvPr/>
+          </p:nvPicPr>
+          <p:blipFill>
+            <a:blip r:embed="rId9">
+              <a:extLst>
+                <a:ext uri="{28A0092B-C50C-407E-A947-70E740481C1C}">
+                  <a14:useLocalDpi xmlns:a14="http://schemas.microsoft.com/office/drawing/2010/main" val="0"/>
+                </a:ext>
+              </a:extLst>
+            </a:blip>
+            <a:stretch>
+              <a:fillRect/>
+            </a:stretch>
+          </p:blipFill>
+          <p:spPr>
+            <a:xfrm>
+              <a:off x="9359720" y="4597957"/>
+              <a:ext cx="780290" cy="780290"/>
+            </a:xfrm>
+            <a:prstGeom prst="rect">
+              <a:avLst/>
+            </a:prstGeom>
+          </p:spPr>
+        </p:pic>
+        <p:sp>
+          <p:nvSpPr>
+            <p:cNvPr id="60" name="Rectangle: Rounded Corners 59">
+              <a:extLst>
+                <a:ext uri="{FF2B5EF4-FFF2-40B4-BE49-F238E27FC236}">
+                  <a16:creationId xmlns:a16="http://schemas.microsoft.com/office/drawing/2014/main" id="{1055E6D5-F563-432A-A1B2-D185A98754E6}"/>
+                </a:ext>
+              </a:extLst>
+            </p:cNvPr>
+            <p:cNvSpPr/>
+            <p:nvPr/>
+          </p:nvSpPr>
+          <p:spPr>
+            <a:xfrm>
+              <a:off x="8189467" y="4461123"/>
+              <a:ext cx="2171540" cy="1032361"/>
+            </a:xfrm>
+            <a:prstGeom prst="roundRect">
+              <a:avLst/>
+            </a:prstGeom>
+            <a:noFill/>
+            <a:ln w="76200">
+              <a:solidFill>
+                <a:schemeClr val="accent1"/>
+              </a:solidFill>
+              <a:prstDash val="sysDash"/>
+            </a:ln>
+          </p:spPr>
+          <p:style>
+            <a:lnRef idx="2">
+              <a:schemeClr val="accent1">
+                <a:shade val="50000"/>
+              </a:schemeClr>
+            </a:lnRef>
+            <a:fillRef idx="1">
+              <a:schemeClr val="accent1"/>
+            </a:fillRef>
+            <a:effectRef idx="0">
+              <a:schemeClr val="accent1"/>
+            </a:effectRef>
+            <a:fontRef idx="minor">
+              <a:schemeClr val="lt1"/>
+            </a:fontRef>
+          </p:style>
+          <p:txBody>
+            <a:bodyPr rtlCol="0" anchor="ctr"/>
+            <a:lstStyle/>
+            <a:p>
+              <a:pPr algn="ctr"/>
+              <a:endParaRPr lang="en-US"/>
+            </a:p>
+          </p:txBody>
+        </p:sp>
+      </p:grpSp>
+      <p:sp>
+        <p:nvSpPr>
+          <p:cNvPr id="21" name="TextBox 20">
+            <a:extLst>
+              <a:ext uri="{FF2B5EF4-FFF2-40B4-BE49-F238E27FC236}">
+                <a16:creationId xmlns:a16="http://schemas.microsoft.com/office/drawing/2014/main" id="{29F1E9DE-4F72-47C1-B5F8-4F4B405C5A2A}"/>
+              </a:ext>
+            </a:extLst>
+          </p:cNvPr>
+          <p:cNvSpPr txBox="1"/>
+          <p:nvPr/>
+        </p:nvSpPr>
+        <p:spPr>
+          <a:xfrm>
+            <a:off x="4389917" y="2427959"/>
+            <a:ext cx="1302536" cy="276999"/>
+          </a:xfrm>
+          <a:prstGeom prst="rect">
+            <a:avLst/>
+          </a:prstGeom>
+          <a:noFill/>
+        </p:spPr>
+        <p:txBody>
+          <a:bodyPr wrap="none" rtlCol="0">
+            <a:spAutoFit/>
+          </a:bodyPr>
+          <a:lstStyle/>
+          <a:p>
+            <a:r>
+              <a:rPr lang="en-US" sz="1200" dirty="0"/>
+              <a:t>Resource Group</a:t>
+            </a:r>
+          </a:p>
+        </p:txBody>
+      </p:sp>
+      <p:grpSp>
+        <p:nvGrpSpPr>
+          <p:cNvPr id="22" name="Group 21">
+            <a:extLst>
+              <a:ext uri="{FF2B5EF4-FFF2-40B4-BE49-F238E27FC236}">
+                <a16:creationId xmlns:a16="http://schemas.microsoft.com/office/drawing/2014/main" id="{B43ADDD1-51C0-4AD7-B1F5-C07495296A45}"/>
+              </a:ext>
+            </a:extLst>
+          </p:cNvPr>
+          <p:cNvGrpSpPr/>
+          <p:nvPr/>
+        </p:nvGrpSpPr>
+        <p:grpSpPr>
+          <a:xfrm>
+            <a:off x="2390078" y="2719437"/>
+            <a:ext cx="1035733" cy="1087503"/>
+            <a:chOff x="2390078" y="2961947"/>
+            <a:chExt cx="1035733" cy="1087503"/>
+          </a:xfrm>
+        </p:grpSpPr>
+        <p:pic>
+          <p:nvPicPr>
+            <p:cNvPr id="56" name="Picture 55">
+              <a:extLst>
+                <a:ext uri="{FF2B5EF4-FFF2-40B4-BE49-F238E27FC236}">
+                  <a16:creationId xmlns:a16="http://schemas.microsoft.com/office/drawing/2014/main" id="{2FCD1AB7-1498-4A6E-A114-B92CBB64DC55}"/>
+                </a:ext>
+              </a:extLst>
+            </p:cNvPr>
+            <p:cNvPicPr>
+              <a:picLocks noChangeAspect="1"/>
+            </p:cNvPicPr>
+            <p:nvPr/>
+          </p:nvPicPr>
+          <p:blipFill>
+            <a:blip r:embed="rId10">
+              <a:extLst>
+                <a:ext uri="{28A0092B-C50C-407E-A947-70E740481C1C}">
+                  <a14:useLocalDpi xmlns:a14="http://schemas.microsoft.com/office/drawing/2010/main" val="0"/>
+                </a:ext>
+              </a:extLst>
+            </a:blip>
+            <a:stretch>
+              <a:fillRect/>
+            </a:stretch>
+          </p:blipFill>
+          <p:spPr>
+            <a:xfrm>
+              <a:off x="2517799" y="2961947"/>
+              <a:ext cx="780290" cy="780290"/>
+            </a:xfrm>
+            <a:prstGeom prst="rect">
+              <a:avLst/>
+            </a:prstGeom>
+          </p:spPr>
+        </p:pic>
+        <p:sp>
+          <p:nvSpPr>
+            <p:cNvPr id="57" name="TextBox 56">
+              <a:extLst>
+                <a:ext uri="{FF2B5EF4-FFF2-40B4-BE49-F238E27FC236}">
+                  <a16:creationId xmlns:a16="http://schemas.microsoft.com/office/drawing/2014/main" id="{07B68CAA-FC51-4175-9C93-742F3E56B0EF}"/>
+                </a:ext>
+              </a:extLst>
+            </p:cNvPr>
+            <p:cNvSpPr txBox="1"/>
+            <p:nvPr/>
+          </p:nvSpPr>
+          <p:spPr>
+            <a:xfrm>
+              <a:off x="2390078" y="3772451"/>
+              <a:ext cx="1035733" cy="276999"/>
+            </a:xfrm>
+            <a:prstGeom prst="rect">
+              <a:avLst/>
+            </a:prstGeom>
+            <a:noFill/>
+          </p:spPr>
+          <p:txBody>
+            <a:bodyPr wrap="none" rtlCol="0">
+              <a:spAutoFit/>
+            </a:bodyPr>
+            <a:lstStyle/>
+            <a:p>
+              <a:r>
+                <a:rPr lang="en-US" sz="1200" dirty="0"/>
+                <a:t>Marketplace</a:t>
+              </a:r>
+            </a:p>
+          </p:txBody>
+        </p:sp>
+      </p:grpSp>
+      <p:cxnSp>
+        <p:nvCxnSpPr>
+          <p:cNvPr id="25" name="Straight Connector 24">
+            <a:extLst>
+              <a:ext uri="{FF2B5EF4-FFF2-40B4-BE49-F238E27FC236}">
+                <a16:creationId xmlns:a16="http://schemas.microsoft.com/office/drawing/2014/main" id="{9ABBF8AA-C883-4699-855F-2FD0005226F4}"/>
+              </a:ext>
+            </a:extLst>
+          </p:cNvPr>
+          <p:cNvCxnSpPr>
+            <a:cxnSpLocks/>
+            <a:stCxn id="14" idx="3"/>
+          </p:cNvCxnSpPr>
+          <p:nvPr/>
+        </p:nvCxnSpPr>
+        <p:spPr>
+          <a:xfrm>
+            <a:off x="5728216" y="5596245"/>
+            <a:ext cx="1346653" cy="0"/>
+          </a:xfrm>
+          <a:prstGeom prst="line">
+            <a:avLst/>
+          </a:prstGeom>
+          <a:ln w="38100">
+            <a:solidFill>
+              <a:schemeClr val="accent1"/>
+            </a:solidFill>
+          </a:ln>
+        </p:spPr>
+        <p:style>
+          <a:lnRef idx="1">
+            <a:schemeClr val="accent1"/>
+          </a:lnRef>
+          <a:fillRef idx="0">
+            <a:schemeClr val="accent1"/>
+          </a:fillRef>
+          <a:effectRef idx="0">
+            <a:schemeClr val="accent1"/>
+          </a:effectRef>
+          <a:fontRef idx="minor">
+            <a:schemeClr val="tx1"/>
+          </a:fontRef>
+        </p:style>
+      </p:cxnSp>
+      <p:cxnSp>
+        <p:nvCxnSpPr>
+          <p:cNvPr id="26" name="Straight Connector 25">
+            <a:extLst>
+              <a:ext uri="{FF2B5EF4-FFF2-40B4-BE49-F238E27FC236}">
+                <a16:creationId xmlns:a16="http://schemas.microsoft.com/office/drawing/2014/main" id="{BE2165C7-3D42-4EF5-B806-558930167DF8}"/>
+              </a:ext>
+            </a:extLst>
+          </p:cNvPr>
+          <p:cNvCxnSpPr>
+            <a:cxnSpLocks/>
+            <a:stCxn id="15" idx="3"/>
+          </p:cNvCxnSpPr>
+          <p:nvPr/>
+        </p:nvCxnSpPr>
+        <p:spPr>
+          <a:xfrm>
+            <a:off x="8276042" y="5596245"/>
+            <a:ext cx="2778770" cy="0"/>
+          </a:xfrm>
+          <a:prstGeom prst="line">
+            <a:avLst/>
+          </a:prstGeom>
+          <a:ln w="38100">
+            <a:solidFill>
+              <a:schemeClr val="accent1"/>
+            </a:solidFill>
+          </a:ln>
+        </p:spPr>
+        <p:style>
+          <a:lnRef idx="1">
+            <a:schemeClr val="accent1"/>
+          </a:lnRef>
+          <a:fillRef idx="0">
+            <a:schemeClr val="accent1"/>
+          </a:fillRef>
+          <a:effectRef idx="0">
+            <a:schemeClr val="accent1"/>
+          </a:effectRef>
+          <a:fontRef idx="minor">
+            <a:schemeClr val="tx1"/>
+          </a:fontRef>
+        </p:style>
+      </p:cxnSp>
+      <p:cxnSp>
+        <p:nvCxnSpPr>
+          <p:cNvPr id="27" name="Straight Connector 26">
+            <a:extLst>
+              <a:ext uri="{FF2B5EF4-FFF2-40B4-BE49-F238E27FC236}">
+                <a16:creationId xmlns:a16="http://schemas.microsoft.com/office/drawing/2014/main" id="{31B01F49-C908-4A0D-A3ED-8FDA5FB1AABA}"/>
+              </a:ext>
+            </a:extLst>
+          </p:cNvPr>
+          <p:cNvCxnSpPr>
+            <a:cxnSpLocks/>
+          </p:cNvCxnSpPr>
+          <p:nvPr/>
+        </p:nvCxnSpPr>
+        <p:spPr>
+          <a:xfrm>
+            <a:off x="9161495" y="5286032"/>
+            <a:ext cx="0" cy="320040"/>
+          </a:xfrm>
+          <a:prstGeom prst="line">
+            <a:avLst/>
+          </a:prstGeom>
+          <a:ln w="38100">
+            <a:solidFill>
+              <a:schemeClr val="accent1"/>
+            </a:solidFill>
+          </a:ln>
+        </p:spPr>
+        <p:style>
+          <a:lnRef idx="1">
+            <a:schemeClr val="accent1"/>
+          </a:lnRef>
+          <a:fillRef idx="0">
+            <a:schemeClr val="accent1"/>
+          </a:fillRef>
+          <a:effectRef idx="0">
+            <a:schemeClr val="accent1"/>
+          </a:effectRef>
+          <a:fontRef idx="minor">
+            <a:schemeClr val="tx1"/>
+          </a:fontRef>
+        </p:style>
+      </p:cxnSp>
+      <p:cxnSp>
+        <p:nvCxnSpPr>
+          <p:cNvPr id="28" name="Straight Connector 27">
+            <a:extLst>
+              <a:ext uri="{FF2B5EF4-FFF2-40B4-BE49-F238E27FC236}">
+                <a16:creationId xmlns:a16="http://schemas.microsoft.com/office/drawing/2014/main" id="{981A57B7-0025-42C5-B85A-00580CB631D8}"/>
+              </a:ext>
+            </a:extLst>
+          </p:cNvPr>
+          <p:cNvCxnSpPr>
+            <a:cxnSpLocks/>
+          </p:cNvCxnSpPr>
+          <p:nvPr/>
+        </p:nvCxnSpPr>
+        <p:spPr>
+          <a:xfrm>
+            <a:off x="10200883" y="5286032"/>
+            <a:ext cx="0" cy="320040"/>
+          </a:xfrm>
+          <a:prstGeom prst="line">
+            <a:avLst/>
+          </a:prstGeom>
+          <a:ln w="38100">
+            <a:solidFill>
+              <a:schemeClr val="accent1"/>
+            </a:solidFill>
+          </a:ln>
+        </p:spPr>
+        <p:style>
+          <a:lnRef idx="1">
+            <a:schemeClr val="accent1"/>
+          </a:lnRef>
+          <a:fillRef idx="0">
+            <a:schemeClr val="accent1"/>
+          </a:fillRef>
+          <a:effectRef idx="0">
+            <a:schemeClr val="accent1"/>
+          </a:effectRef>
+          <a:fontRef idx="minor">
+            <a:schemeClr val="tx1"/>
+          </a:fontRef>
+        </p:style>
+      </p:cxnSp>
+      <p:sp>
+        <p:nvSpPr>
+          <p:cNvPr id="31" name="TextBox 30">
+            <a:extLst>
+              <a:ext uri="{FF2B5EF4-FFF2-40B4-BE49-F238E27FC236}">
+                <a16:creationId xmlns:a16="http://schemas.microsoft.com/office/drawing/2014/main" id="{3B44748E-8F49-43F8-9C37-AB3DEA95A6B4}"/>
+              </a:ext>
+            </a:extLst>
+          </p:cNvPr>
+          <p:cNvSpPr txBox="1"/>
+          <p:nvPr/>
+        </p:nvSpPr>
+        <p:spPr>
+          <a:xfrm>
+            <a:off x="4919695" y="5821925"/>
+            <a:ext cx="830933" cy="276999"/>
+          </a:xfrm>
+          <a:prstGeom prst="rect">
+            <a:avLst/>
+          </a:prstGeom>
+          <a:noFill/>
+        </p:spPr>
+        <p:txBody>
+          <a:bodyPr wrap="none" rtlCol="0">
+            <a:spAutoFit/>
+          </a:bodyPr>
+          <a:lstStyle/>
+          <a:p>
+            <a:r>
+              <a:rPr lang="en-US" sz="1200" dirty="0"/>
+              <a:t>Dev-</a:t>
+            </a:r>
+            <a:r>
+              <a:rPr lang="en-US" sz="1200" dirty="0" err="1"/>
+              <a:t>Vnet</a:t>
+            </a:r>
+            <a:endParaRPr lang="en-US" sz="1200" dirty="0"/>
+          </a:p>
+        </p:txBody>
+      </p:sp>
+      <p:sp>
+        <p:nvSpPr>
+          <p:cNvPr id="32" name="TextBox 31">
+            <a:extLst>
+              <a:ext uri="{FF2B5EF4-FFF2-40B4-BE49-F238E27FC236}">
+                <a16:creationId xmlns:a16="http://schemas.microsoft.com/office/drawing/2014/main" id="{B984C81D-073B-44D8-9063-79DE0EA8029F}"/>
+              </a:ext>
+            </a:extLst>
+          </p:cNvPr>
+          <p:cNvSpPr txBox="1"/>
+          <p:nvPr/>
+        </p:nvSpPr>
+        <p:spPr>
+          <a:xfrm>
+            <a:off x="7462832" y="5821925"/>
+            <a:ext cx="796693" cy="276999"/>
+          </a:xfrm>
+          <a:prstGeom prst="rect">
+            <a:avLst/>
+          </a:prstGeom>
+          <a:noFill/>
+        </p:spPr>
+        <p:txBody>
+          <a:bodyPr wrap="none" rtlCol="0">
+            <a:spAutoFit/>
+          </a:bodyPr>
+          <a:lstStyle/>
+          <a:p>
+            <a:r>
+              <a:rPr lang="en-US" sz="1200" dirty="0" err="1"/>
+              <a:t>Prd-Vnet</a:t>
+            </a:r>
+            <a:endParaRPr lang="en-US" sz="1200" dirty="0"/>
+          </a:p>
+        </p:txBody>
+      </p:sp>
+      <p:sp>
+        <p:nvSpPr>
+          <p:cNvPr id="33" name="TextBox 32">
+            <a:extLst>
+              <a:ext uri="{FF2B5EF4-FFF2-40B4-BE49-F238E27FC236}">
+                <a16:creationId xmlns:a16="http://schemas.microsoft.com/office/drawing/2014/main" id="{5F95ED90-4AA1-47A8-BE72-3EAAF8AC77C5}"/>
+              </a:ext>
+            </a:extLst>
+          </p:cNvPr>
+          <p:cNvSpPr txBox="1"/>
+          <p:nvPr/>
+        </p:nvSpPr>
+        <p:spPr>
+          <a:xfrm>
+            <a:off x="8807389" y="5063939"/>
+            <a:ext cx="727315" cy="276999"/>
+          </a:xfrm>
+          <a:prstGeom prst="rect">
+            <a:avLst/>
+          </a:prstGeom>
+          <a:noFill/>
+        </p:spPr>
+        <p:txBody>
+          <a:bodyPr wrap="none" rtlCol="0">
+            <a:spAutoFit/>
+          </a:bodyPr>
+          <a:lstStyle/>
+          <a:p>
+            <a:r>
+              <a:rPr lang="en-US" sz="1200" dirty="0"/>
+              <a:t>Web 01</a:t>
+            </a:r>
+          </a:p>
+        </p:txBody>
+      </p:sp>
+      <p:sp>
+        <p:nvSpPr>
+          <p:cNvPr id="34" name="TextBox 33">
+            <a:extLst>
+              <a:ext uri="{FF2B5EF4-FFF2-40B4-BE49-F238E27FC236}">
+                <a16:creationId xmlns:a16="http://schemas.microsoft.com/office/drawing/2014/main" id="{50D66FE8-86E1-4C50-9E4F-FC7F31EC56C9}"/>
+              </a:ext>
+            </a:extLst>
+          </p:cNvPr>
+          <p:cNvSpPr txBox="1"/>
+          <p:nvPr/>
+        </p:nvSpPr>
+        <p:spPr>
+          <a:xfrm>
+            <a:off x="9791032" y="5063939"/>
+            <a:ext cx="727315" cy="276999"/>
+          </a:xfrm>
+          <a:prstGeom prst="rect">
+            <a:avLst/>
+          </a:prstGeom>
+          <a:noFill/>
+        </p:spPr>
+        <p:txBody>
+          <a:bodyPr wrap="none" rtlCol="0">
+            <a:spAutoFit/>
+          </a:bodyPr>
+          <a:lstStyle/>
+          <a:p>
+            <a:r>
+              <a:rPr lang="en-US" sz="1200" dirty="0"/>
+              <a:t>Web 02</a:t>
+            </a:r>
+          </a:p>
+        </p:txBody>
+      </p:sp>
+      <p:sp>
+        <p:nvSpPr>
+          <p:cNvPr id="35" name="TextBox 34">
+            <a:extLst>
+              <a:ext uri="{FF2B5EF4-FFF2-40B4-BE49-F238E27FC236}">
+                <a16:creationId xmlns:a16="http://schemas.microsoft.com/office/drawing/2014/main" id="{6063CEFB-1A8A-43CF-8F77-31BE69DF6A8D}"/>
+              </a:ext>
+            </a:extLst>
+          </p:cNvPr>
+          <p:cNvSpPr txBox="1"/>
+          <p:nvPr/>
+        </p:nvSpPr>
+        <p:spPr>
+          <a:xfrm>
+            <a:off x="5695392" y="3323499"/>
+            <a:ext cx="764953" cy="276999"/>
+          </a:xfrm>
+          <a:prstGeom prst="rect">
+            <a:avLst/>
+          </a:prstGeom>
+          <a:noFill/>
+        </p:spPr>
+        <p:txBody>
+          <a:bodyPr wrap="none" rtlCol="0">
+            <a:spAutoFit/>
+          </a:bodyPr>
+          <a:lstStyle/>
+          <a:p>
+            <a:r>
+              <a:rPr lang="en-US" sz="1200" dirty="0"/>
+              <a:t>Dev-</a:t>
+            </a:r>
+            <a:r>
+              <a:rPr lang="en-US" sz="1200" dirty="0" err="1"/>
+              <a:t>nsg</a:t>
+            </a:r>
+            <a:endParaRPr lang="en-US" sz="1200" dirty="0"/>
+          </a:p>
+        </p:txBody>
+      </p:sp>
+      <p:sp>
+        <p:nvSpPr>
+          <p:cNvPr id="36" name="TextBox 35">
+            <a:extLst>
+              <a:ext uri="{FF2B5EF4-FFF2-40B4-BE49-F238E27FC236}">
+                <a16:creationId xmlns:a16="http://schemas.microsoft.com/office/drawing/2014/main" id="{4F4BB57D-57C6-4D57-A4D4-7E1597BE950F}"/>
+              </a:ext>
+            </a:extLst>
+          </p:cNvPr>
+          <p:cNvSpPr txBox="1"/>
+          <p:nvPr/>
+        </p:nvSpPr>
+        <p:spPr>
+          <a:xfrm>
+            <a:off x="5865393" y="5677845"/>
+            <a:ext cx="1124860" cy="276999"/>
+          </a:xfrm>
+          <a:prstGeom prst="rect">
+            <a:avLst/>
+          </a:prstGeom>
+          <a:noFill/>
+        </p:spPr>
+        <p:txBody>
+          <a:bodyPr wrap="none" rtlCol="0">
+            <a:spAutoFit/>
+          </a:bodyPr>
+          <a:lstStyle/>
+          <a:p>
+            <a:r>
+              <a:rPr lang="en-US" sz="1200" dirty="0"/>
+              <a:t>Web (subnet)</a:t>
+            </a:r>
+          </a:p>
+        </p:txBody>
+      </p:sp>
+      <p:grpSp>
+        <p:nvGrpSpPr>
+          <p:cNvPr id="37" name="Group 36">
+            <a:extLst>
+              <a:ext uri="{FF2B5EF4-FFF2-40B4-BE49-F238E27FC236}">
+                <a16:creationId xmlns:a16="http://schemas.microsoft.com/office/drawing/2014/main" id="{E1C161A6-04EF-4960-B871-2CB2D85FAE89}"/>
+              </a:ext>
+            </a:extLst>
+          </p:cNvPr>
+          <p:cNvGrpSpPr/>
+          <p:nvPr/>
+        </p:nvGrpSpPr>
+        <p:grpSpPr>
+          <a:xfrm>
+            <a:off x="3702687" y="3095103"/>
+            <a:ext cx="1158009" cy="2513639"/>
+            <a:chOff x="3728999" y="3095103"/>
+            <a:chExt cx="1158009" cy="2513639"/>
+          </a:xfrm>
+        </p:grpSpPr>
+        <p:pic>
+          <p:nvPicPr>
+            <p:cNvPr id="48" name="Picture 47">
+              <a:extLst>
+                <a:ext uri="{FF2B5EF4-FFF2-40B4-BE49-F238E27FC236}">
+                  <a16:creationId xmlns:a16="http://schemas.microsoft.com/office/drawing/2014/main" id="{256BB3DC-BB1D-44F8-AEE1-BA2062B91A50}"/>
+                </a:ext>
+              </a:extLst>
+            </p:cNvPr>
+            <p:cNvPicPr>
+              <a:picLocks noChangeAspect="1"/>
+            </p:cNvPicPr>
+            <p:nvPr/>
+          </p:nvPicPr>
+          <p:blipFill>
+            <a:blip r:embed="rId7">
+              <a:extLst>
+                <a:ext uri="{28A0092B-C50C-407E-A947-70E740481C1C}">
+                  <a14:useLocalDpi xmlns:a14="http://schemas.microsoft.com/office/drawing/2010/main" val="0"/>
+                </a:ext>
+              </a:extLst>
+            </a:blip>
+            <a:stretch>
+              <a:fillRect/>
+            </a:stretch>
+          </p:blipFill>
+          <p:spPr>
+            <a:xfrm>
+              <a:off x="3917858" y="3095103"/>
+              <a:ext cx="780290" cy="780290"/>
+            </a:xfrm>
+            <a:prstGeom prst="rect">
+              <a:avLst/>
+            </a:prstGeom>
+          </p:spPr>
+        </p:pic>
+        <p:pic>
+          <p:nvPicPr>
+            <p:cNvPr id="49" name="Picture 48">
+              <a:extLst>
+                <a:ext uri="{FF2B5EF4-FFF2-40B4-BE49-F238E27FC236}">
+                  <a16:creationId xmlns:a16="http://schemas.microsoft.com/office/drawing/2014/main" id="{9133ECD4-3E09-496A-A7EA-3AE217F0C778}"/>
+                </a:ext>
+              </a:extLst>
+            </p:cNvPr>
+            <p:cNvPicPr>
+              <a:picLocks noChangeAspect="1"/>
+            </p:cNvPicPr>
+            <p:nvPr/>
+          </p:nvPicPr>
+          <p:blipFill>
+            <a:blip r:embed="rId7">
+              <a:extLst>
+                <a:ext uri="{28A0092B-C50C-407E-A947-70E740481C1C}">
+                  <a14:useLocalDpi xmlns:a14="http://schemas.microsoft.com/office/drawing/2010/main" val="0"/>
+                </a:ext>
+              </a:extLst>
+            </a:blip>
+            <a:stretch>
+              <a:fillRect/>
+            </a:stretch>
+          </p:blipFill>
+          <p:spPr>
+            <a:xfrm>
+              <a:off x="3917858" y="4547541"/>
+              <a:ext cx="780290" cy="780290"/>
+            </a:xfrm>
+            <a:prstGeom prst="rect">
+              <a:avLst/>
+            </a:prstGeom>
+          </p:spPr>
+        </p:pic>
+        <p:sp>
+          <p:nvSpPr>
+            <p:cNvPr id="50" name="TextBox 49">
+              <a:extLst>
+                <a:ext uri="{FF2B5EF4-FFF2-40B4-BE49-F238E27FC236}">
+                  <a16:creationId xmlns:a16="http://schemas.microsoft.com/office/drawing/2014/main" id="{DE0565F8-D4BE-421D-9B72-66E85760C36E}"/>
+                </a:ext>
+              </a:extLst>
+            </p:cNvPr>
+            <p:cNvSpPr txBox="1"/>
+            <p:nvPr/>
+          </p:nvSpPr>
+          <p:spPr>
+            <a:xfrm>
+              <a:off x="3728999" y="3898431"/>
+              <a:ext cx="1158009" cy="276999"/>
+            </a:xfrm>
+            <a:prstGeom prst="rect">
+              <a:avLst/>
+            </a:prstGeom>
+            <a:noFill/>
+          </p:spPr>
+          <p:txBody>
+            <a:bodyPr wrap="none" rtlCol="0">
+              <a:spAutoFit/>
+            </a:bodyPr>
+            <a:lstStyle/>
+            <a:p>
+              <a:r>
+                <a:rPr lang="en-US" sz="1200" dirty="0"/>
+                <a:t>Custom img.1</a:t>
+              </a:r>
+            </a:p>
+          </p:txBody>
+        </p:sp>
+        <p:sp>
+          <p:nvSpPr>
+            <p:cNvPr id="51" name="TextBox 50">
+              <a:extLst>
+                <a:ext uri="{FF2B5EF4-FFF2-40B4-BE49-F238E27FC236}">
+                  <a16:creationId xmlns:a16="http://schemas.microsoft.com/office/drawing/2014/main" id="{B8B17067-B6A9-4157-985E-6A4ECCB876CE}"/>
+                </a:ext>
+              </a:extLst>
+            </p:cNvPr>
+            <p:cNvSpPr txBox="1"/>
+            <p:nvPr/>
+          </p:nvSpPr>
+          <p:spPr>
+            <a:xfrm>
+              <a:off x="3728999" y="5331743"/>
+              <a:ext cx="1158009" cy="276999"/>
+            </a:xfrm>
+            <a:prstGeom prst="rect">
+              <a:avLst/>
+            </a:prstGeom>
+            <a:noFill/>
+          </p:spPr>
+          <p:txBody>
+            <a:bodyPr wrap="none" rtlCol="0">
+              <a:spAutoFit/>
+            </a:bodyPr>
+            <a:lstStyle/>
+            <a:p>
+              <a:r>
+                <a:rPr lang="en-US" sz="1200" dirty="0"/>
+                <a:t>Custom img.2</a:t>
+              </a:r>
+            </a:p>
+          </p:txBody>
+        </p:sp>
+      </p:grpSp>
+      <p:pic>
+        <p:nvPicPr>
+          <p:cNvPr id="40" name="Picture 39">
+            <a:extLst>
+              <a:ext uri="{FF2B5EF4-FFF2-40B4-BE49-F238E27FC236}">
+                <a16:creationId xmlns:a16="http://schemas.microsoft.com/office/drawing/2014/main" id="{ED048184-055B-458F-A6A1-09ED2A18F135}"/>
+              </a:ext>
+            </a:extLst>
+          </p:cNvPr>
+          <p:cNvPicPr>
+            <a:picLocks noChangeAspect="1"/>
+          </p:cNvPicPr>
+          <p:nvPr/>
+        </p:nvPicPr>
+        <p:blipFill>
+          <a:blip r:embed="rId5">
+            <a:extLst>
+              <a:ext uri="{28A0092B-C50C-407E-A947-70E740481C1C}">
+                <a14:useLocalDpi xmlns:a14="http://schemas.microsoft.com/office/drawing/2010/main" val="0"/>
+              </a:ext>
+            </a:extLst>
+          </a:blip>
+          <a:stretch>
+            <a:fillRect/>
+          </a:stretch>
+        </p:blipFill>
+        <p:spPr>
+          <a:xfrm>
+            <a:off x="7898881" y="3486994"/>
+            <a:ext cx="780290" cy="780290"/>
+          </a:xfrm>
+          <a:prstGeom prst="rect">
+            <a:avLst/>
+          </a:prstGeom>
+        </p:spPr>
+      </p:pic>
+      <p:sp>
+        <p:nvSpPr>
+          <p:cNvPr id="41" name="TextBox 40">
+            <a:extLst>
+              <a:ext uri="{FF2B5EF4-FFF2-40B4-BE49-F238E27FC236}">
+                <a16:creationId xmlns:a16="http://schemas.microsoft.com/office/drawing/2014/main" id="{47D05887-7389-4207-B965-87C95CF7F1E4}"/>
+              </a:ext>
+            </a:extLst>
+          </p:cNvPr>
+          <p:cNvSpPr txBox="1"/>
+          <p:nvPr/>
+        </p:nvSpPr>
+        <p:spPr>
+          <a:xfrm>
+            <a:off x="8267370" y="3314253"/>
+            <a:ext cx="730713" cy="276999"/>
+          </a:xfrm>
+          <a:prstGeom prst="rect">
+            <a:avLst/>
+          </a:prstGeom>
+          <a:noFill/>
+        </p:spPr>
+        <p:txBody>
+          <a:bodyPr wrap="none" rtlCol="0">
+            <a:spAutoFit/>
+          </a:bodyPr>
+          <a:lstStyle/>
+          <a:p>
+            <a:r>
+              <a:rPr lang="en-US" sz="1200" dirty="0" err="1"/>
+              <a:t>Prd-nsg</a:t>
+            </a:r>
+            <a:endParaRPr lang="en-US" sz="1200" dirty="0"/>
+          </a:p>
+        </p:txBody>
+      </p:sp>
+      <p:sp>
+        <p:nvSpPr>
+          <p:cNvPr id="45" name="TextBox 44">
+            <a:extLst>
+              <a:ext uri="{FF2B5EF4-FFF2-40B4-BE49-F238E27FC236}">
+                <a16:creationId xmlns:a16="http://schemas.microsoft.com/office/drawing/2014/main" id="{983F9E0C-F593-451F-843A-AB3602E726CA}"/>
+              </a:ext>
+            </a:extLst>
+          </p:cNvPr>
+          <p:cNvSpPr txBox="1"/>
+          <p:nvPr/>
+        </p:nvSpPr>
+        <p:spPr>
+          <a:xfrm>
+            <a:off x="9944526" y="4275595"/>
+            <a:ext cx="1200906" cy="276999"/>
+          </a:xfrm>
+          <a:prstGeom prst="rect">
+            <a:avLst/>
+          </a:prstGeom>
+          <a:noFill/>
+        </p:spPr>
+        <p:txBody>
+          <a:bodyPr wrap="none" rtlCol="0">
+            <a:spAutoFit/>
+          </a:bodyPr>
+          <a:lstStyle/>
+          <a:p>
+            <a:r>
+              <a:rPr lang="en-US" sz="1200" dirty="0"/>
+              <a:t>Availability Set</a:t>
+            </a:r>
+          </a:p>
+        </p:txBody>
+      </p:sp>
+      <p:sp>
+        <p:nvSpPr>
+          <p:cNvPr id="46" name="TextBox 45">
+            <a:extLst>
+              <a:ext uri="{FF2B5EF4-FFF2-40B4-BE49-F238E27FC236}">
+                <a16:creationId xmlns:a16="http://schemas.microsoft.com/office/drawing/2014/main" id="{CDDA8D0D-BF57-4246-9466-14885094149A}"/>
+              </a:ext>
+            </a:extLst>
+          </p:cNvPr>
+          <p:cNvSpPr txBox="1"/>
+          <p:nvPr/>
+        </p:nvSpPr>
+        <p:spPr>
+          <a:xfrm>
+            <a:off x="10043166" y="5677845"/>
+            <a:ext cx="1124860" cy="276999"/>
+          </a:xfrm>
+          <a:prstGeom prst="rect">
+            <a:avLst/>
+          </a:prstGeom>
+          <a:noFill/>
+        </p:spPr>
+        <p:txBody>
+          <a:bodyPr wrap="none" rtlCol="0">
+            <a:spAutoFit/>
+          </a:bodyPr>
+          <a:lstStyle/>
+          <a:p>
+            <a:r>
+              <a:rPr lang="en-US" sz="1200" dirty="0"/>
+              <a:t>Web (subnet)</a:t>
+            </a:r>
+          </a:p>
+        </p:txBody>
+      </p:sp>
+    </p:spTree>
+    <p:extLst>
+      <p:ext uri="{BB962C8B-B14F-4D97-AF65-F5344CB8AC3E}">
+        <p14:creationId xmlns:p14="http://schemas.microsoft.com/office/powerpoint/2010/main" val="1083389527"/>
+      </p:ext>
+    </p:extLst>
+  </p:cSld>
+  <p:clrMapOvr>
+    <a:masterClrMapping/>
+  </p:clrMapOvr>
+</p:sld>
+</file>
+
+<file path=ppt/slides/slide9.xml><?xml version="1.0" encoding="utf-8"?>
+<p:sld xmlns:a="http://schemas.openxmlformats.org/drawingml/2006/main" xmlns:r="http://schemas.openxmlformats.org/officeDocument/2006/relationships" xmlns:p="http://schemas.openxmlformats.org/presentationml/2006/main">
+  <p:cSld>
+    <p:spTree>
+      <p:nvGrpSpPr>
+        <p:cNvPr id="1" name=""/>
+        <p:cNvGrpSpPr/>
+        <p:nvPr/>
+      </p:nvGrpSpPr>
+      <p:grpSpPr>
+        <a:xfrm>
+          <a:off x="0" y="0"/>
+          <a:ext cx="0" cy="0"/>
+          <a:chOff x="0" y="0"/>
+          <a:chExt cx="0" cy="0"/>
+        </a:xfrm>
+      </p:grpSpPr>
+      <p:sp>
+        <p:nvSpPr>
+          <p:cNvPr id="2" name="Title 1">
+            <a:extLst>
+              <a:ext uri="{FF2B5EF4-FFF2-40B4-BE49-F238E27FC236}">
+                <a16:creationId xmlns:a16="http://schemas.microsoft.com/office/drawing/2014/main" id="{C27A62A0-E3E3-4DCB-BBC5-63FDB474798C}"/>
+              </a:ext>
+            </a:extLst>
+          </p:cNvPr>
+          <p:cNvSpPr>
+            <a:spLocks noGrp="1"/>
+          </p:cNvSpPr>
+          <p:nvPr>
+            <p:ph type="title"/>
+          </p:nvPr>
+        </p:nvSpPr>
+        <p:spPr/>
+        <p:txBody>
+          <a:bodyPr/>
+          <a:lstStyle/>
+          <a:p>
+            <a:r>
+              <a:rPr lang="en-US" dirty="0"/>
+              <a:t>Workshop Scenario</a:t>
+            </a:r>
+          </a:p>
+        </p:txBody>
+      </p:sp>
+      <p:sp>
+        <p:nvSpPr>
+          <p:cNvPr id="3" name="Content Placeholder 2">
+            <a:extLst>
+              <a:ext uri="{FF2B5EF4-FFF2-40B4-BE49-F238E27FC236}">
+                <a16:creationId xmlns:a16="http://schemas.microsoft.com/office/drawing/2014/main" id="{5C351E07-3D78-4561-8477-B8F12B98225E}"/>
+              </a:ext>
+            </a:extLst>
+          </p:cNvPr>
+          <p:cNvSpPr>
+            <a:spLocks noGrp="1"/>
+          </p:cNvSpPr>
+          <p:nvPr>
+            <p:ph idx="1"/>
+          </p:nvPr>
+        </p:nvSpPr>
+        <p:spPr>
+          <a:ln>
+            <a:solidFill>
+              <a:schemeClr val="bg1">
+                <a:lumMod val="50000"/>
+              </a:schemeClr>
+            </a:solidFill>
+          </a:ln>
+        </p:spPr>
+        <p:txBody>
+          <a:bodyPr/>
+          <a:lstStyle/>
+          <a:p>
+            <a:r>
+              <a:rPr lang="en-US" dirty="0"/>
+              <a:t>Architecture</a:t>
+            </a:r>
+          </a:p>
+        </p:txBody>
+      </p:sp>
+      <p:sp>
+        <p:nvSpPr>
+          <p:cNvPr id="4" name="Text Placeholder 3">
+            <a:extLst>
+              <a:ext uri="{FF2B5EF4-FFF2-40B4-BE49-F238E27FC236}">
+                <a16:creationId xmlns:a16="http://schemas.microsoft.com/office/drawing/2014/main" id="{09E79592-AC01-4B52-8C3A-216E9F84829F}"/>
+              </a:ext>
+            </a:extLst>
+          </p:cNvPr>
+          <p:cNvSpPr>
+            <a:spLocks noGrp="1"/>
+          </p:cNvSpPr>
+          <p:nvPr>
+            <p:ph type="body" sz="quarter" idx="10"/>
+          </p:nvPr>
+        </p:nvSpPr>
+        <p:spPr/>
+        <p:txBody>
+          <a:bodyPr/>
+          <a:lstStyle/>
+          <a:p>
+            <a:r>
+              <a:rPr lang="en-US" dirty="0"/>
+              <a:t>(Optional) vi. </a:t>
+            </a:r>
+            <a:r>
+              <a:rPr lang="en-US" altLang="en-US" dirty="0"/>
+              <a:t>Create Application Gateway</a:t>
+            </a:r>
+          </a:p>
+        </p:txBody>
+      </p:sp>
+      <p:sp>
+        <p:nvSpPr>
+          <p:cNvPr id="97" name="Rectangle: Rounded Corners 96">
+            <a:extLst>
+              <a:ext uri="{FF2B5EF4-FFF2-40B4-BE49-F238E27FC236}">
+                <a16:creationId xmlns:a16="http://schemas.microsoft.com/office/drawing/2014/main" id="{ED85FD87-D151-46EF-A781-D50DDB5BD8D3}"/>
+              </a:ext>
+            </a:extLst>
+          </p:cNvPr>
+          <p:cNvSpPr/>
+          <p:nvPr/>
+        </p:nvSpPr>
+        <p:spPr>
+          <a:xfrm>
+            <a:off x="4865052" y="2848456"/>
+            <a:ext cx="2451807" cy="3288616"/>
+          </a:xfrm>
+          <a:prstGeom prst="roundRect">
+            <a:avLst>
+              <a:gd name="adj" fmla="val 0"/>
+            </a:avLst>
+          </a:prstGeom>
+          <a:solidFill>
+            <a:schemeClr val="tx2">
+              <a:lumMod val="20000"/>
+              <a:lumOff val="80000"/>
+            </a:schemeClr>
+          </a:solidFill>
+          <a:ln w="12700">
+            <a:noFill/>
+            <a:prstDash val="solid"/>
+          </a:ln>
+        </p:spPr>
+        <p:style>
+          <a:lnRef idx="2">
+            <a:schemeClr val="accent1">
+              <a:shade val="50000"/>
+            </a:schemeClr>
+          </a:lnRef>
+          <a:fillRef idx="1">
+            <a:schemeClr val="accent1"/>
+          </a:fillRef>
+          <a:effectRef idx="0">
+            <a:schemeClr val="accent1"/>
+          </a:effectRef>
+          <a:fontRef idx="minor">
+            <a:schemeClr val="lt1"/>
+          </a:fontRef>
+        </p:style>
+        <p:txBody>
+          <a:bodyPr rtlCol="0" anchor="ctr"/>
+          <a:lstStyle/>
+          <a:p>
+            <a:pPr algn="ctr"/>
+            <a:endParaRPr lang="en-US"/>
+          </a:p>
+        </p:txBody>
+      </p:sp>
+      <p:sp>
+        <p:nvSpPr>
+          <p:cNvPr id="98" name="Rectangle: Rounded Corners 97">
+            <a:extLst>
+              <a:ext uri="{FF2B5EF4-FFF2-40B4-BE49-F238E27FC236}">
+                <a16:creationId xmlns:a16="http://schemas.microsoft.com/office/drawing/2014/main" id="{E9AC3F41-DCB6-4508-A78C-ED9D244455AC}"/>
+              </a:ext>
+            </a:extLst>
+          </p:cNvPr>
+          <p:cNvSpPr/>
+          <p:nvPr/>
+        </p:nvSpPr>
+        <p:spPr>
+          <a:xfrm>
+            <a:off x="7455203" y="2848456"/>
+            <a:ext cx="3899145" cy="3288616"/>
+          </a:xfrm>
+          <a:prstGeom prst="roundRect">
+            <a:avLst>
+              <a:gd name="adj" fmla="val 0"/>
+            </a:avLst>
+          </a:prstGeom>
+          <a:solidFill>
+            <a:schemeClr val="tx2">
+              <a:lumMod val="20000"/>
+              <a:lumOff val="80000"/>
+            </a:schemeClr>
+          </a:solidFill>
+          <a:ln w="12700">
+            <a:noFill/>
+            <a:prstDash val="solid"/>
+          </a:ln>
+        </p:spPr>
+        <p:style>
+          <a:lnRef idx="2">
+            <a:schemeClr val="accent1">
+              <a:shade val="50000"/>
+            </a:schemeClr>
+          </a:lnRef>
+          <a:fillRef idx="1">
+            <a:schemeClr val="accent1"/>
+          </a:fillRef>
+          <a:effectRef idx="0">
+            <a:schemeClr val="accent1"/>
+          </a:effectRef>
+          <a:fontRef idx="minor">
+            <a:schemeClr val="lt1"/>
+          </a:fontRef>
+        </p:style>
+        <p:txBody>
+          <a:bodyPr rtlCol="0" anchor="ctr"/>
+          <a:lstStyle/>
+          <a:p>
+            <a:pPr algn="ctr"/>
+            <a:endParaRPr lang="en-US"/>
+          </a:p>
+        </p:txBody>
+      </p:sp>
+      <p:sp>
+        <p:nvSpPr>
+          <p:cNvPr id="82" name="Rectangle: Rounded Corners 81">
+            <a:extLst>
+              <a:ext uri="{FF2B5EF4-FFF2-40B4-BE49-F238E27FC236}">
+                <a16:creationId xmlns:a16="http://schemas.microsoft.com/office/drawing/2014/main" id="{C8E89083-D2CE-4050-8588-843879319843}"/>
+              </a:ext>
+            </a:extLst>
+          </p:cNvPr>
+          <p:cNvSpPr/>
+          <p:nvPr/>
+        </p:nvSpPr>
+        <p:spPr>
+          <a:xfrm>
+            <a:off x="5712879" y="4162176"/>
+            <a:ext cx="1426119" cy="1819539"/>
+          </a:xfrm>
+          <a:prstGeom prst="roundRect">
+            <a:avLst>
+              <a:gd name="adj" fmla="val 8127"/>
+            </a:avLst>
+          </a:prstGeom>
+          <a:solidFill>
+            <a:schemeClr val="accent1">
+              <a:lumMod val="40000"/>
+              <a:lumOff val="60000"/>
+            </a:schemeClr>
+          </a:solidFill>
+          <a:ln w="12700">
+            <a:noFill/>
+            <a:prstDash val="solid"/>
+          </a:ln>
+        </p:spPr>
+        <p:style>
+          <a:lnRef idx="2">
+            <a:schemeClr val="accent1">
+              <a:shade val="50000"/>
+            </a:schemeClr>
+          </a:lnRef>
+          <a:fillRef idx="1">
+            <a:schemeClr val="accent1"/>
+          </a:fillRef>
+          <a:effectRef idx="0">
+            <a:schemeClr val="accent1"/>
+          </a:effectRef>
+          <a:fontRef idx="minor">
+            <a:schemeClr val="lt1"/>
+          </a:fontRef>
+        </p:style>
+        <p:txBody>
+          <a:bodyPr rtlCol="0" anchor="ctr"/>
+          <a:lstStyle/>
+          <a:p>
+            <a:pPr algn="ctr"/>
+            <a:endParaRPr lang="en-US"/>
+          </a:p>
+        </p:txBody>
+      </p:sp>
+      <p:sp>
+        <p:nvSpPr>
+          <p:cNvPr id="83" name="Rectangle: Rounded Corners 82">
+            <a:extLst>
+              <a:ext uri="{FF2B5EF4-FFF2-40B4-BE49-F238E27FC236}">
+                <a16:creationId xmlns:a16="http://schemas.microsoft.com/office/drawing/2014/main" id="{85EC6102-3078-484B-8847-B0AC5ED8C2DE}"/>
+              </a:ext>
+            </a:extLst>
+          </p:cNvPr>
+          <p:cNvSpPr/>
+          <p:nvPr/>
+        </p:nvSpPr>
+        <p:spPr>
+          <a:xfrm>
+            <a:off x="8292445" y="4162176"/>
+            <a:ext cx="2867621" cy="1819539"/>
+          </a:xfrm>
+          <a:prstGeom prst="roundRect">
+            <a:avLst>
+              <a:gd name="adj" fmla="val 8127"/>
+            </a:avLst>
+          </a:prstGeom>
+          <a:solidFill>
+            <a:schemeClr val="accent1">
+              <a:lumMod val="40000"/>
+              <a:lumOff val="60000"/>
+            </a:schemeClr>
+          </a:solidFill>
+          <a:ln w="12700">
+            <a:noFill/>
+            <a:prstDash val="solid"/>
+          </a:ln>
+        </p:spPr>
+        <p:style>
+          <a:lnRef idx="2">
+            <a:schemeClr val="accent1">
+              <a:shade val="50000"/>
+            </a:schemeClr>
+          </a:lnRef>
+          <a:fillRef idx="1">
+            <a:schemeClr val="accent1"/>
+          </a:fillRef>
+          <a:effectRef idx="0">
+            <a:schemeClr val="accent1"/>
+          </a:effectRef>
+          <a:fontRef idx="minor">
+            <a:schemeClr val="lt1"/>
+          </a:fontRef>
+        </p:style>
+        <p:txBody>
+          <a:bodyPr rtlCol="0" anchor="ctr"/>
+          <a:lstStyle/>
+          <a:p>
+            <a:pPr algn="ctr"/>
+            <a:endParaRPr lang="en-US"/>
+          </a:p>
+        </p:txBody>
+      </p:sp>
+      <p:pic>
+        <p:nvPicPr>
+          <p:cNvPr id="12" name="Picture 11">
+            <a:extLst>
+              <a:ext uri="{FF2B5EF4-FFF2-40B4-BE49-F238E27FC236}">
+                <a16:creationId xmlns:a16="http://schemas.microsoft.com/office/drawing/2014/main" id="{8743CDAF-BB06-46A1-A3C7-792541C30887}"/>
+              </a:ext>
+            </a:extLst>
+          </p:cNvPr>
+          <p:cNvPicPr>
+            <a:picLocks noChangeAspect="1"/>
+          </p:cNvPicPr>
+          <p:nvPr/>
+        </p:nvPicPr>
+        <p:blipFill>
+          <a:blip r:embed="rId3">
+            <a:extLst>
+              <a:ext uri="{28A0092B-C50C-407E-A947-70E740481C1C}">
+                <a14:useLocalDpi xmlns:a14="http://schemas.microsoft.com/office/drawing/2010/main" val="0"/>
+              </a:ext>
+            </a:extLst>
+          </a:blip>
+          <a:stretch>
+            <a:fillRect/>
+          </a:stretch>
+        </p:blipFill>
+        <p:spPr>
+          <a:xfrm>
+            <a:off x="3497936" y="1996689"/>
+            <a:ext cx="780290" cy="780290"/>
+          </a:xfrm>
+          <a:prstGeom prst="rect">
+            <a:avLst/>
+          </a:prstGeom>
+        </p:spPr>
+      </p:pic>
+      <p:pic>
+        <p:nvPicPr>
+          <p:cNvPr id="16" name="Picture 15">
+            <a:extLst>
+              <a:ext uri="{FF2B5EF4-FFF2-40B4-BE49-F238E27FC236}">
+                <a16:creationId xmlns:a16="http://schemas.microsoft.com/office/drawing/2014/main" id="{617A789B-F9CA-4FC7-8516-DD887B7FEDF8}"/>
+              </a:ext>
+            </a:extLst>
+          </p:cNvPr>
+          <p:cNvPicPr>
+            <a:picLocks noChangeAspect="1"/>
+          </p:cNvPicPr>
+          <p:nvPr/>
+        </p:nvPicPr>
+        <p:blipFill>
+          <a:blip r:embed="rId4">
+            <a:extLst>
+              <a:ext uri="{28A0092B-C50C-407E-A947-70E740481C1C}">
+                <a14:useLocalDpi xmlns:a14="http://schemas.microsoft.com/office/drawing/2010/main" val="0"/>
+              </a:ext>
+            </a:extLst>
+          </a:blip>
+          <a:stretch>
+            <a:fillRect/>
+          </a:stretch>
+        </p:blipFill>
+        <p:spPr>
+          <a:xfrm>
+            <a:off x="1872818" y="1182767"/>
+            <a:ext cx="780290" cy="780290"/>
+          </a:xfrm>
+          <a:prstGeom prst="rect">
+            <a:avLst/>
+          </a:prstGeom>
+        </p:spPr>
+      </p:pic>
+      <p:pic>
+        <p:nvPicPr>
+          <p:cNvPr id="32" name="Picture 31">
+            <a:extLst>
+              <a:ext uri="{FF2B5EF4-FFF2-40B4-BE49-F238E27FC236}">
+                <a16:creationId xmlns:a16="http://schemas.microsoft.com/office/drawing/2014/main" id="{442DEA8E-4FE2-47E4-8B5D-72F82C586242}"/>
+              </a:ext>
+            </a:extLst>
+          </p:cNvPr>
+          <p:cNvPicPr>
+            <a:picLocks noChangeAspect="1"/>
+          </p:cNvPicPr>
+          <p:nvPr/>
+        </p:nvPicPr>
+        <p:blipFill>
+          <a:blip r:embed="rId5">
+            <a:extLst>
+              <a:ext uri="{28A0092B-C50C-407E-A947-70E740481C1C}">
+                <a14:useLocalDpi xmlns:a14="http://schemas.microsoft.com/office/drawing/2010/main" val="0"/>
+              </a:ext>
+            </a:extLst>
+          </a:blip>
+          <a:stretch>
+            <a:fillRect/>
+          </a:stretch>
+        </p:blipFill>
+        <p:spPr>
+          <a:xfrm>
+            <a:off x="5344023" y="3496240"/>
+            <a:ext cx="780290" cy="780290"/>
+          </a:xfrm>
+          <a:prstGeom prst="rect">
+            <a:avLst/>
+          </a:prstGeom>
+        </p:spPr>
+      </p:pic>
+      <p:pic>
+        <p:nvPicPr>
+          <p:cNvPr id="34" name="Picture 33">
+            <a:extLst>
+              <a:ext uri="{FF2B5EF4-FFF2-40B4-BE49-F238E27FC236}">
+                <a16:creationId xmlns:a16="http://schemas.microsoft.com/office/drawing/2014/main" id="{AFA11ABD-E0EB-4CF0-A4CE-4B631DA5DAE9}"/>
+              </a:ext>
+            </a:extLst>
+          </p:cNvPr>
+          <p:cNvPicPr>
+            <a:picLocks noChangeAspect="1"/>
+          </p:cNvPicPr>
+          <p:nvPr/>
+        </p:nvPicPr>
+        <p:blipFill>
+          <a:blip r:embed="rId6">
+            <a:extLst>
+              <a:ext uri="{28A0092B-C50C-407E-A947-70E740481C1C}">
+                <a14:useLocalDpi xmlns:a14="http://schemas.microsoft.com/office/drawing/2010/main" val="0"/>
+              </a:ext>
+            </a:extLst>
+          </a:blip>
+          <a:stretch>
+            <a:fillRect/>
+          </a:stretch>
+        </p:blipFill>
+        <p:spPr>
+          <a:xfrm>
+            <a:off x="4947926" y="5206100"/>
+            <a:ext cx="780290" cy="780290"/>
+          </a:xfrm>
+          <a:prstGeom prst="rect">
+            <a:avLst/>
+          </a:prstGeom>
+        </p:spPr>
+      </p:pic>
+      <p:pic>
+        <p:nvPicPr>
+          <p:cNvPr id="35" name="Picture 34">
+            <a:extLst>
+              <a:ext uri="{FF2B5EF4-FFF2-40B4-BE49-F238E27FC236}">
+                <a16:creationId xmlns:a16="http://schemas.microsoft.com/office/drawing/2014/main" id="{9A05EDAA-59CC-44B7-A710-541B981C8753}"/>
+              </a:ext>
+            </a:extLst>
+          </p:cNvPr>
+          <p:cNvPicPr>
+            <a:picLocks noChangeAspect="1"/>
+          </p:cNvPicPr>
+          <p:nvPr/>
+        </p:nvPicPr>
+        <p:blipFill>
+          <a:blip r:embed="rId6">
+            <a:extLst>
+              <a:ext uri="{28A0092B-C50C-407E-A947-70E740481C1C}">
+                <a14:useLocalDpi xmlns:a14="http://schemas.microsoft.com/office/drawing/2010/main" val="0"/>
+              </a:ext>
+            </a:extLst>
+          </a:blip>
+          <a:stretch>
+            <a:fillRect/>
+          </a:stretch>
+        </p:blipFill>
+        <p:spPr>
+          <a:xfrm>
+            <a:off x="7495752" y="5206100"/>
+            <a:ext cx="780290" cy="780290"/>
+          </a:xfrm>
+          <a:prstGeom prst="rect">
+            <a:avLst/>
+          </a:prstGeom>
+        </p:spPr>
+      </p:pic>
+      <p:grpSp>
+        <p:nvGrpSpPr>
+          <p:cNvPr id="42" name="Group 41">
+            <a:extLst>
+              <a:ext uri="{FF2B5EF4-FFF2-40B4-BE49-F238E27FC236}">
+                <a16:creationId xmlns:a16="http://schemas.microsoft.com/office/drawing/2014/main" id="{3406DA3B-1524-4E6F-AA0B-FBEB7887B9E0}"/>
+              </a:ext>
+            </a:extLst>
+          </p:cNvPr>
+          <p:cNvGrpSpPr/>
+          <p:nvPr/>
+        </p:nvGrpSpPr>
+        <p:grpSpPr>
+          <a:xfrm>
+            <a:off x="385160" y="4157396"/>
+            <a:ext cx="1784622" cy="2184198"/>
+            <a:chOff x="385160" y="4157396"/>
+            <a:chExt cx="1784622" cy="2184198"/>
+          </a:xfrm>
+        </p:grpSpPr>
+        <p:grpSp>
+          <p:nvGrpSpPr>
+            <p:cNvPr id="39" name="Group 38">
+              <a:extLst>
+                <a:ext uri="{FF2B5EF4-FFF2-40B4-BE49-F238E27FC236}">
+                  <a16:creationId xmlns:a16="http://schemas.microsoft.com/office/drawing/2014/main" id="{9C38D145-FB8D-448F-9F62-4C1E4F716D13}"/>
+                </a:ext>
+              </a:extLst>
+            </p:cNvPr>
+            <p:cNvGrpSpPr/>
+            <p:nvPr/>
+          </p:nvGrpSpPr>
+          <p:grpSpPr>
+            <a:xfrm>
+              <a:off x="682124" y="4998313"/>
+              <a:ext cx="1190694" cy="1343281"/>
+              <a:chOff x="717047" y="4998313"/>
+              <a:chExt cx="1190694" cy="1343281"/>
+            </a:xfrm>
+          </p:grpSpPr>
+          <p:pic>
+            <p:nvPicPr>
+              <p:cNvPr id="6" name="Picture 5">
+                <a:extLst>
+                  <a:ext uri="{FF2B5EF4-FFF2-40B4-BE49-F238E27FC236}">
+                    <a16:creationId xmlns:a16="http://schemas.microsoft.com/office/drawing/2014/main" id="{9CBF79C3-0BCB-4557-8E03-93C4A16D1A4E}"/>
+                  </a:ext>
+                </a:extLst>
+              </p:cNvPr>
+              <p:cNvPicPr>
+                <a:picLocks noChangeAspect="1"/>
+              </p:cNvPicPr>
+              <p:nvPr/>
+            </p:nvPicPr>
+            <p:blipFill>
+              <a:blip r:embed="rId7">
+                <a:duotone>
+                  <a:prstClr val="black"/>
+                  <a:schemeClr val="tx2">
+                    <a:tint val="45000"/>
+                    <a:satMod val="400000"/>
+                  </a:schemeClr>
+                </a:duotone>
+                <a:extLst>
+                  <a:ext uri="{28A0092B-C50C-407E-A947-70E740481C1C}">
+                    <a14:useLocalDpi xmlns:a14="http://schemas.microsoft.com/office/drawing/2010/main" val="0"/>
+                  </a:ext>
+                </a:extLst>
+              </a:blip>
+              <a:stretch>
+                <a:fillRect/>
+              </a:stretch>
+            </p:blipFill>
+            <p:spPr>
+              <a:xfrm>
+                <a:off x="922249" y="5119568"/>
+                <a:ext cx="780290" cy="780290"/>
+              </a:xfrm>
+              <a:prstGeom prst="rect">
+                <a:avLst/>
+              </a:prstGeom>
+            </p:spPr>
+          </p:pic>
+          <p:sp>
+            <p:nvSpPr>
+              <p:cNvPr id="37" name="Rectangle 36">
+                <a:extLst>
+                  <a:ext uri="{FF2B5EF4-FFF2-40B4-BE49-F238E27FC236}">
+                    <a16:creationId xmlns:a16="http://schemas.microsoft.com/office/drawing/2014/main" id="{04A54999-2CE2-412B-9649-966BBF6C4514}"/>
+                  </a:ext>
+                </a:extLst>
+              </p:cNvPr>
+              <p:cNvSpPr/>
+              <p:nvPr/>
+            </p:nvSpPr>
+            <p:spPr>
+              <a:xfrm>
+                <a:off x="717047" y="4998313"/>
+                <a:ext cx="1190694" cy="1343281"/>
+              </a:xfrm>
+              <a:prstGeom prst="rect">
+                <a:avLst/>
+              </a:prstGeom>
+              <a:noFill/>
+              <a:ln>
+                <a:solidFill>
+                  <a:schemeClr val="bg1">
+                    <a:lumMod val="65000"/>
+                  </a:schemeClr>
+                </a:solidFill>
+              </a:ln>
+            </p:spPr>
+            <p:style>
+              <a:lnRef idx="2">
+                <a:schemeClr val="accent1">
+                  <a:shade val="50000"/>
+                </a:schemeClr>
+              </a:lnRef>
+              <a:fillRef idx="1">
+                <a:schemeClr val="accent1"/>
+              </a:fillRef>
+              <a:effectRef idx="0">
+                <a:schemeClr val="accent1"/>
+              </a:effectRef>
+              <a:fontRef idx="minor">
+                <a:schemeClr val="lt1"/>
+              </a:fontRef>
+            </p:style>
+            <p:txBody>
+              <a:bodyPr rtlCol="0" anchor="ctr"/>
+              <a:lstStyle/>
+              <a:p>
+                <a:pPr algn="ctr"/>
+                <a:endParaRPr lang="en-US"/>
+              </a:p>
+            </p:txBody>
+          </p:sp>
+          <p:sp>
+            <p:nvSpPr>
+              <p:cNvPr id="38" name="TextBox 37">
+                <a:extLst>
+                  <a:ext uri="{FF2B5EF4-FFF2-40B4-BE49-F238E27FC236}">
+                    <a16:creationId xmlns:a16="http://schemas.microsoft.com/office/drawing/2014/main" id="{50CBBD9B-22F9-4EBF-A646-022677E8ABE2}"/>
+                  </a:ext>
+                </a:extLst>
+              </p:cNvPr>
+              <p:cNvSpPr txBox="1"/>
+              <p:nvPr/>
+            </p:nvSpPr>
+            <p:spPr>
+              <a:xfrm>
+                <a:off x="1059761" y="5930072"/>
+                <a:ext cx="505267" cy="276999"/>
+              </a:xfrm>
+              <a:prstGeom prst="rect">
+                <a:avLst/>
+              </a:prstGeom>
+              <a:noFill/>
+            </p:spPr>
+            <p:txBody>
+              <a:bodyPr wrap="none" rtlCol="0">
+                <a:spAutoFit/>
+              </a:bodyPr>
+              <a:lstStyle/>
+              <a:p>
+                <a:r>
+                  <a:rPr lang="en-US" sz="1200" dirty="0"/>
+                  <a:t>VHD</a:t>
+                </a:r>
+              </a:p>
+            </p:txBody>
+          </p:sp>
+        </p:grpSp>
+        <p:grpSp>
+          <p:nvGrpSpPr>
+            <p:cNvPr id="41" name="Group 40">
+              <a:extLst>
+                <a:ext uri="{FF2B5EF4-FFF2-40B4-BE49-F238E27FC236}">
+                  <a16:creationId xmlns:a16="http://schemas.microsoft.com/office/drawing/2014/main" id="{2103F77F-C7D8-4972-8E2E-5E05A866591E}"/>
+                </a:ext>
+              </a:extLst>
+            </p:cNvPr>
+            <p:cNvGrpSpPr/>
+            <p:nvPr/>
+          </p:nvGrpSpPr>
+          <p:grpSpPr>
+            <a:xfrm>
+              <a:off x="385160" y="4157396"/>
+              <a:ext cx="1784622" cy="780290"/>
+              <a:chOff x="385160" y="4157396"/>
+              <a:chExt cx="1784622" cy="780290"/>
+            </a:xfrm>
+          </p:grpSpPr>
+          <p:pic>
+            <p:nvPicPr>
+              <p:cNvPr id="24" name="Picture 23">
+                <a:extLst>
+                  <a:ext uri="{FF2B5EF4-FFF2-40B4-BE49-F238E27FC236}">
+                    <a16:creationId xmlns:a16="http://schemas.microsoft.com/office/drawing/2014/main" id="{6579A773-3975-40EB-B6D1-8F36CA1CCDD1}"/>
+                  </a:ext>
+                </a:extLst>
+              </p:cNvPr>
+              <p:cNvPicPr>
+                <a:picLocks noChangeAspect="1"/>
+              </p:cNvPicPr>
+              <p:nvPr/>
+            </p:nvPicPr>
+            <p:blipFill>
+              <a:blip r:embed="rId8">
+                <a:extLst>
+                  <a:ext uri="{28A0092B-C50C-407E-A947-70E740481C1C}">
+                    <a14:useLocalDpi xmlns:a14="http://schemas.microsoft.com/office/drawing/2010/main" val="0"/>
+                  </a:ext>
+                </a:extLst>
+              </a:blip>
+              <a:stretch>
+                <a:fillRect/>
+              </a:stretch>
+            </p:blipFill>
+            <p:spPr>
+              <a:xfrm>
+                <a:off x="385160" y="4157396"/>
+                <a:ext cx="780290" cy="780290"/>
+              </a:xfrm>
+              <a:prstGeom prst="rect">
+                <a:avLst/>
+              </a:prstGeom>
+            </p:spPr>
+          </p:pic>
+          <p:sp>
+            <p:nvSpPr>
+              <p:cNvPr id="40" name="TextBox 39">
+                <a:extLst>
+                  <a:ext uri="{FF2B5EF4-FFF2-40B4-BE49-F238E27FC236}">
+                    <a16:creationId xmlns:a16="http://schemas.microsoft.com/office/drawing/2014/main" id="{D3CC5B31-4405-4686-AADF-EF689B00A7BC}"/>
+                  </a:ext>
+                </a:extLst>
+              </p:cNvPr>
+              <p:cNvSpPr txBox="1"/>
+              <p:nvPr/>
+            </p:nvSpPr>
+            <p:spPr>
+              <a:xfrm>
+                <a:off x="1164955" y="4643442"/>
+                <a:ext cx="1004827" cy="276999"/>
+              </a:xfrm>
+              <a:prstGeom prst="rect">
+                <a:avLst/>
+              </a:prstGeom>
+              <a:noFill/>
+            </p:spPr>
+            <p:txBody>
+              <a:bodyPr wrap="none" rtlCol="0">
+                <a:spAutoFit/>
+              </a:bodyPr>
+              <a:lstStyle/>
+              <a:p>
+                <a:r>
+                  <a:rPr lang="en-US" sz="1200" dirty="0"/>
+                  <a:t>On-premise</a:t>
+                </a:r>
+              </a:p>
+            </p:txBody>
+          </p:sp>
+        </p:grpSp>
+      </p:grpSp>
+      <p:sp>
+        <p:nvSpPr>
+          <p:cNvPr id="43" name="Rectangle 42">
+            <a:extLst>
+              <a:ext uri="{FF2B5EF4-FFF2-40B4-BE49-F238E27FC236}">
+                <a16:creationId xmlns:a16="http://schemas.microsoft.com/office/drawing/2014/main" id="{91DA5635-0AFF-47D4-9757-165B9F84C803}"/>
+              </a:ext>
+            </a:extLst>
+          </p:cNvPr>
+          <p:cNvSpPr/>
+          <p:nvPr/>
+        </p:nvSpPr>
+        <p:spPr>
+          <a:xfrm>
+            <a:off x="2242521" y="1894585"/>
+            <a:ext cx="9414433" cy="4428834"/>
+          </a:xfrm>
+          <a:prstGeom prst="rect">
+            <a:avLst/>
+          </a:prstGeom>
+          <a:noFill/>
+          <a:ln>
+            <a:solidFill>
+              <a:schemeClr val="bg1">
+                <a:lumMod val="65000"/>
+              </a:schemeClr>
+            </a:solidFill>
+          </a:ln>
+        </p:spPr>
+        <p:style>
+          <a:lnRef idx="2">
+            <a:schemeClr val="accent1">
+              <a:shade val="50000"/>
+            </a:schemeClr>
+          </a:lnRef>
+          <a:fillRef idx="1">
+            <a:schemeClr val="accent1"/>
+          </a:fillRef>
+          <a:effectRef idx="0">
+            <a:schemeClr val="accent1"/>
+          </a:effectRef>
+          <a:fontRef idx="minor">
+            <a:schemeClr val="lt1"/>
+          </a:fontRef>
+        </p:style>
+        <p:txBody>
+          <a:bodyPr rtlCol="0" anchor="ctr"/>
+          <a:lstStyle/>
+          <a:p>
+            <a:pPr algn="ctr"/>
+            <a:endParaRPr lang="en-US"/>
+          </a:p>
+        </p:txBody>
+      </p:sp>
+      <p:sp>
+        <p:nvSpPr>
+          <p:cNvPr id="44" name="TextBox 43">
+            <a:extLst>
+              <a:ext uri="{FF2B5EF4-FFF2-40B4-BE49-F238E27FC236}">
+                <a16:creationId xmlns:a16="http://schemas.microsoft.com/office/drawing/2014/main" id="{6126D8C2-A6DE-47A9-9204-84D890BE9876}"/>
+              </a:ext>
+            </a:extLst>
+          </p:cNvPr>
+          <p:cNvSpPr txBox="1"/>
+          <p:nvPr/>
+        </p:nvSpPr>
+        <p:spPr>
+          <a:xfrm>
+            <a:off x="2658920" y="1578939"/>
+            <a:ext cx="1292790" cy="276999"/>
+          </a:xfrm>
+          <a:prstGeom prst="rect">
+            <a:avLst/>
+          </a:prstGeom>
+          <a:noFill/>
+        </p:spPr>
+        <p:txBody>
+          <a:bodyPr wrap="none" rtlCol="0">
+            <a:spAutoFit/>
+          </a:bodyPr>
+          <a:lstStyle/>
+          <a:p>
+            <a:r>
+              <a:rPr lang="en-US" sz="1200" dirty="0"/>
+              <a:t>Microsoft Azure</a:t>
+            </a:r>
+          </a:p>
+        </p:txBody>
+      </p:sp>
+      <p:sp>
+        <p:nvSpPr>
+          <p:cNvPr id="45" name="Rectangle 44">
+            <a:extLst>
+              <a:ext uri="{FF2B5EF4-FFF2-40B4-BE49-F238E27FC236}">
+                <a16:creationId xmlns:a16="http://schemas.microsoft.com/office/drawing/2014/main" id="{49C440DE-2E22-4460-A7E6-A4AF25B77596}"/>
+              </a:ext>
+            </a:extLst>
+          </p:cNvPr>
+          <p:cNvSpPr/>
+          <p:nvPr/>
+        </p:nvSpPr>
+        <p:spPr>
+          <a:xfrm>
+            <a:off x="3647358" y="2776979"/>
+            <a:ext cx="7809749" cy="3430092"/>
+          </a:xfrm>
+          <a:prstGeom prst="rect">
+            <a:avLst/>
+          </a:prstGeom>
+          <a:noFill/>
+          <a:ln>
+            <a:solidFill>
+              <a:schemeClr val="bg1">
+                <a:lumMod val="65000"/>
+              </a:schemeClr>
+            </a:solidFill>
+          </a:ln>
+        </p:spPr>
+        <p:style>
+          <a:lnRef idx="2">
+            <a:schemeClr val="accent1">
+              <a:shade val="50000"/>
+            </a:schemeClr>
+          </a:lnRef>
+          <a:fillRef idx="1">
+            <a:schemeClr val="accent1"/>
+          </a:fillRef>
+          <a:effectRef idx="0">
+            <a:schemeClr val="accent1"/>
+          </a:effectRef>
+          <a:fontRef idx="minor">
+            <a:schemeClr val="lt1"/>
+          </a:fontRef>
+        </p:style>
+        <p:txBody>
+          <a:bodyPr rtlCol="0" anchor="ctr"/>
+          <a:lstStyle/>
+          <a:p>
+            <a:pPr algn="ctr"/>
+            <a:endParaRPr lang="en-US"/>
+          </a:p>
+        </p:txBody>
+      </p:sp>
+      <p:grpSp>
+        <p:nvGrpSpPr>
+          <p:cNvPr id="56" name="Group 55">
+            <a:extLst>
+              <a:ext uri="{FF2B5EF4-FFF2-40B4-BE49-F238E27FC236}">
+                <a16:creationId xmlns:a16="http://schemas.microsoft.com/office/drawing/2014/main" id="{38CFEFDA-CEEB-40F6-9E08-D084745B869D}"/>
+              </a:ext>
+            </a:extLst>
+          </p:cNvPr>
+          <p:cNvGrpSpPr/>
+          <p:nvPr/>
+        </p:nvGrpSpPr>
+        <p:grpSpPr>
+          <a:xfrm>
+            <a:off x="8640485" y="4430952"/>
+            <a:ext cx="2171540" cy="1032361"/>
+            <a:chOff x="8189467" y="4461123"/>
+            <a:chExt cx="2171540" cy="1032361"/>
+          </a:xfrm>
+        </p:grpSpPr>
+        <p:pic>
+          <p:nvPicPr>
+            <p:cNvPr id="47" name="Picture 46">
+              <a:extLst>
+                <a:ext uri="{FF2B5EF4-FFF2-40B4-BE49-F238E27FC236}">
+                  <a16:creationId xmlns:a16="http://schemas.microsoft.com/office/drawing/2014/main" id="{C659953C-05D8-4FC3-92FB-759322AABAE7}"/>
+                </a:ext>
+              </a:extLst>
+            </p:cNvPr>
+            <p:cNvPicPr>
+              <a:picLocks noChangeAspect="1"/>
+            </p:cNvPicPr>
+            <p:nvPr/>
+          </p:nvPicPr>
+          <p:blipFill>
+            <a:blip r:embed="rId9">
+              <a:extLst>
+                <a:ext uri="{28A0092B-C50C-407E-A947-70E740481C1C}">
+                  <a14:useLocalDpi xmlns:a14="http://schemas.microsoft.com/office/drawing/2010/main" val="0"/>
+                </a:ext>
+              </a:extLst>
+            </a:blip>
+            <a:stretch>
+              <a:fillRect/>
+            </a:stretch>
+          </p:blipFill>
+          <p:spPr>
+            <a:xfrm>
+              <a:off x="8320332" y="4597957"/>
+              <a:ext cx="780290" cy="780290"/>
+            </a:xfrm>
+            <a:prstGeom prst="rect">
+              <a:avLst/>
+            </a:prstGeom>
+          </p:spPr>
+        </p:pic>
+        <p:pic>
+          <p:nvPicPr>
+            <p:cNvPr id="48" name="Picture 47">
+              <a:extLst>
+                <a:ext uri="{FF2B5EF4-FFF2-40B4-BE49-F238E27FC236}">
+                  <a16:creationId xmlns:a16="http://schemas.microsoft.com/office/drawing/2014/main" id="{5F16F5E5-C07D-4A85-9267-1349FD45B522}"/>
+                </a:ext>
+              </a:extLst>
+            </p:cNvPr>
+            <p:cNvPicPr>
+              <a:picLocks noChangeAspect="1"/>
+            </p:cNvPicPr>
+            <p:nvPr/>
+          </p:nvPicPr>
+          <p:blipFill>
+            <a:blip r:embed="rId9">
+              <a:extLst>
+                <a:ext uri="{28A0092B-C50C-407E-A947-70E740481C1C}">
+                  <a14:useLocalDpi xmlns:a14="http://schemas.microsoft.com/office/drawing/2010/main" val="0"/>
+                </a:ext>
+              </a:extLst>
+            </a:blip>
+            <a:stretch>
+              <a:fillRect/>
+            </a:stretch>
+          </p:blipFill>
+          <p:spPr>
+            <a:xfrm>
+              <a:off x="9359720" y="4597957"/>
+              <a:ext cx="780290" cy="780290"/>
+            </a:xfrm>
+            <a:prstGeom prst="rect">
+              <a:avLst/>
+            </a:prstGeom>
+          </p:spPr>
+        </p:pic>
+        <p:sp>
+          <p:nvSpPr>
+            <p:cNvPr id="49" name="Rectangle: Rounded Corners 48">
+              <a:extLst>
+                <a:ext uri="{FF2B5EF4-FFF2-40B4-BE49-F238E27FC236}">
+                  <a16:creationId xmlns:a16="http://schemas.microsoft.com/office/drawing/2014/main" id="{CD7650B5-B4A3-43B1-A279-607BB46D25F2}"/>
+                </a:ext>
+              </a:extLst>
+            </p:cNvPr>
+            <p:cNvSpPr/>
+            <p:nvPr/>
+          </p:nvSpPr>
+          <p:spPr>
+            <a:xfrm>
+              <a:off x="8189467" y="4461123"/>
+              <a:ext cx="2171540" cy="1032361"/>
+            </a:xfrm>
+            <a:prstGeom prst="roundRect">
+              <a:avLst/>
+            </a:prstGeom>
+            <a:noFill/>
+            <a:ln w="76200">
+              <a:solidFill>
+                <a:schemeClr val="accent1"/>
+              </a:solidFill>
+              <a:prstDash val="sysDash"/>
+            </a:ln>
+          </p:spPr>
+          <p:style>
+            <a:lnRef idx="2">
+              <a:schemeClr val="accent1">
+                <a:shade val="50000"/>
+              </a:schemeClr>
+            </a:lnRef>
+            <a:fillRef idx="1">
+              <a:schemeClr val="accent1"/>
+            </a:fillRef>
+            <a:effectRef idx="0">
+              <a:schemeClr val="accent1"/>
+            </a:effectRef>
+            <a:fontRef idx="minor">
+              <a:schemeClr val="lt1"/>
+            </a:fontRef>
+          </p:style>
+          <p:txBody>
+            <a:bodyPr rtlCol="0" anchor="ctr"/>
+            <a:lstStyle/>
+            <a:p>
+              <a:pPr algn="ctr"/>
+              <a:endParaRPr lang="en-US"/>
+            </a:p>
+          </p:txBody>
+        </p:sp>
+      </p:grpSp>
+      <p:sp>
+        <p:nvSpPr>
+          <p:cNvPr id="52" name="TextBox 51">
+            <a:extLst>
+              <a:ext uri="{FF2B5EF4-FFF2-40B4-BE49-F238E27FC236}">
+                <a16:creationId xmlns:a16="http://schemas.microsoft.com/office/drawing/2014/main" id="{5E9227DD-032E-48DD-8CB7-ECF1D6C7AFA0}"/>
+              </a:ext>
+            </a:extLst>
+          </p:cNvPr>
+          <p:cNvSpPr txBox="1"/>
+          <p:nvPr/>
+        </p:nvSpPr>
+        <p:spPr>
+          <a:xfrm>
+            <a:off x="4389917" y="2427959"/>
+            <a:ext cx="1302536" cy="276999"/>
+          </a:xfrm>
+          <a:prstGeom prst="rect">
+            <a:avLst/>
+          </a:prstGeom>
+          <a:noFill/>
+        </p:spPr>
+        <p:txBody>
+          <a:bodyPr wrap="none" rtlCol="0">
+            <a:spAutoFit/>
+          </a:bodyPr>
+          <a:lstStyle/>
+          <a:p>
+            <a:r>
+              <a:rPr lang="en-US" sz="1200" dirty="0"/>
+              <a:t>Resource Group</a:t>
+            </a:r>
+          </a:p>
+        </p:txBody>
+      </p:sp>
+      <p:grpSp>
+        <p:nvGrpSpPr>
+          <p:cNvPr id="108" name="Group 107">
+            <a:extLst>
+              <a:ext uri="{FF2B5EF4-FFF2-40B4-BE49-F238E27FC236}">
+                <a16:creationId xmlns:a16="http://schemas.microsoft.com/office/drawing/2014/main" id="{C5C8F91F-A41A-4E95-AD53-F7424E536D2B}"/>
+              </a:ext>
+            </a:extLst>
+          </p:cNvPr>
+          <p:cNvGrpSpPr/>
+          <p:nvPr/>
+        </p:nvGrpSpPr>
+        <p:grpSpPr>
+          <a:xfrm>
+            <a:off x="2390078" y="2719437"/>
+            <a:ext cx="1035733" cy="1087503"/>
+            <a:chOff x="2390078" y="2961947"/>
+            <a:chExt cx="1035733" cy="1087503"/>
+          </a:xfrm>
+        </p:grpSpPr>
+        <p:pic>
+          <p:nvPicPr>
+            <p:cNvPr id="22" name="Picture 21">
+              <a:extLst>
+                <a:ext uri="{FF2B5EF4-FFF2-40B4-BE49-F238E27FC236}">
+                  <a16:creationId xmlns:a16="http://schemas.microsoft.com/office/drawing/2014/main" id="{027D4D5B-A243-46E0-9376-DC933A170414}"/>
+                </a:ext>
+              </a:extLst>
+            </p:cNvPr>
+            <p:cNvPicPr>
+              <a:picLocks noChangeAspect="1"/>
+            </p:cNvPicPr>
+            <p:nvPr/>
+          </p:nvPicPr>
+          <p:blipFill>
+            <a:blip r:embed="rId10">
+              <a:extLst>
+                <a:ext uri="{28A0092B-C50C-407E-A947-70E740481C1C}">
+                  <a14:useLocalDpi xmlns:a14="http://schemas.microsoft.com/office/drawing/2010/main" val="0"/>
+                </a:ext>
+              </a:extLst>
+            </a:blip>
+            <a:stretch>
+              <a:fillRect/>
+            </a:stretch>
+          </p:blipFill>
+          <p:spPr>
+            <a:xfrm>
+              <a:off x="2517799" y="2961947"/>
+              <a:ext cx="780290" cy="780290"/>
+            </a:xfrm>
+            <a:prstGeom prst="rect">
+              <a:avLst/>
+            </a:prstGeom>
+          </p:spPr>
+        </p:pic>
+        <p:sp>
+          <p:nvSpPr>
+            <p:cNvPr id="53" name="TextBox 52">
+              <a:extLst>
+                <a:ext uri="{FF2B5EF4-FFF2-40B4-BE49-F238E27FC236}">
+                  <a16:creationId xmlns:a16="http://schemas.microsoft.com/office/drawing/2014/main" id="{51620548-6DB0-44AA-9A24-264C7D5FEB40}"/>
+                </a:ext>
+              </a:extLst>
+            </p:cNvPr>
+            <p:cNvSpPr txBox="1"/>
+            <p:nvPr/>
+          </p:nvSpPr>
+          <p:spPr>
+            <a:xfrm>
+              <a:off x="2390078" y="3772451"/>
+              <a:ext cx="1035733" cy="276999"/>
+            </a:xfrm>
+            <a:prstGeom prst="rect">
+              <a:avLst/>
+            </a:prstGeom>
+            <a:noFill/>
+          </p:spPr>
+          <p:txBody>
+            <a:bodyPr wrap="none" rtlCol="0">
+              <a:spAutoFit/>
+            </a:bodyPr>
+            <a:lstStyle/>
+            <a:p>
+              <a:r>
+                <a:rPr lang="en-US" sz="1200" dirty="0"/>
+                <a:t>Marketplace</a:t>
+              </a:r>
+            </a:p>
+          </p:txBody>
+        </p:sp>
+      </p:grpSp>
+      <p:cxnSp>
+        <p:nvCxnSpPr>
+          <p:cNvPr id="63" name="Straight Connector 62">
+            <a:extLst>
+              <a:ext uri="{FF2B5EF4-FFF2-40B4-BE49-F238E27FC236}">
+                <a16:creationId xmlns:a16="http://schemas.microsoft.com/office/drawing/2014/main" id="{C6943A4B-784E-42A6-A50E-6B7F70F8B173}"/>
+              </a:ext>
+            </a:extLst>
+          </p:cNvPr>
+          <p:cNvCxnSpPr>
+            <a:cxnSpLocks/>
+            <a:stCxn id="34" idx="3"/>
+          </p:cNvCxnSpPr>
+          <p:nvPr/>
+        </p:nvCxnSpPr>
+        <p:spPr>
+          <a:xfrm>
+            <a:off x="5728216" y="5596245"/>
+            <a:ext cx="1346653" cy="0"/>
+          </a:xfrm>
+          <a:prstGeom prst="line">
+            <a:avLst/>
+          </a:prstGeom>
+          <a:ln w="38100">
+            <a:solidFill>
+              <a:schemeClr val="accent1"/>
+            </a:solidFill>
+          </a:ln>
+        </p:spPr>
+        <p:style>
+          <a:lnRef idx="1">
+            <a:schemeClr val="accent1"/>
+          </a:lnRef>
+          <a:fillRef idx="0">
+            <a:schemeClr val="accent1"/>
+          </a:fillRef>
+          <a:effectRef idx="0">
+            <a:schemeClr val="accent1"/>
+          </a:effectRef>
+          <a:fontRef idx="minor">
+            <a:schemeClr val="tx1"/>
+          </a:fontRef>
+        </p:style>
+      </p:cxnSp>
+      <p:cxnSp>
+        <p:nvCxnSpPr>
+          <p:cNvPr id="64" name="Straight Connector 63">
+            <a:extLst>
+              <a:ext uri="{FF2B5EF4-FFF2-40B4-BE49-F238E27FC236}">
+                <a16:creationId xmlns:a16="http://schemas.microsoft.com/office/drawing/2014/main" id="{83620A53-731E-4E75-A319-ECD4DB1974D9}"/>
+              </a:ext>
+            </a:extLst>
+          </p:cNvPr>
+          <p:cNvCxnSpPr>
+            <a:cxnSpLocks/>
+            <a:stCxn id="35" idx="3"/>
+          </p:cNvCxnSpPr>
+          <p:nvPr/>
+        </p:nvCxnSpPr>
+        <p:spPr>
+          <a:xfrm>
+            <a:off x="8276042" y="5596245"/>
+            <a:ext cx="2778770" cy="0"/>
+          </a:xfrm>
+          <a:prstGeom prst="line">
+            <a:avLst/>
+          </a:prstGeom>
+          <a:ln w="38100">
+            <a:solidFill>
+              <a:schemeClr val="accent1"/>
+            </a:solidFill>
+          </a:ln>
+        </p:spPr>
+        <p:style>
+          <a:lnRef idx="1">
+            <a:schemeClr val="accent1"/>
+          </a:lnRef>
+          <a:fillRef idx="0">
+            <a:schemeClr val="accent1"/>
+          </a:fillRef>
+          <a:effectRef idx="0">
+            <a:schemeClr val="accent1"/>
+          </a:effectRef>
+          <a:fontRef idx="minor">
+            <a:schemeClr val="tx1"/>
+          </a:fontRef>
+        </p:style>
+      </p:cxnSp>
+      <p:cxnSp>
+        <p:nvCxnSpPr>
+          <p:cNvPr id="70" name="Straight Connector 69">
+            <a:extLst>
+              <a:ext uri="{FF2B5EF4-FFF2-40B4-BE49-F238E27FC236}">
+                <a16:creationId xmlns:a16="http://schemas.microsoft.com/office/drawing/2014/main" id="{637F16C6-681D-4147-9DD2-6C47BBE9AFD2}"/>
+              </a:ext>
+            </a:extLst>
+          </p:cNvPr>
+          <p:cNvCxnSpPr>
+            <a:cxnSpLocks/>
+          </p:cNvCxnSpPr>
+          <p:nvPr/>
+        </p:nvCxnSpPr>
+        <p:spPr>
+          <a:xfrm>
+            <a:off x="9161495" y="5286032"/>
+            <a:ext cx="0" cy="320040"/>
+          </a:xfrm>
+          <a:prstGeom prst="line">
+            <a:avLst/>
+          </a:prstGeom>
+          <a:ln w="38100">
+            <a:solidFill>
+              <a:schemeClr val="accent1"/>
+            </a:solidFill>
+          </a:ln>
+        </p:spPr>
+        <p:style>
+          <a:lnRef idx="1">
+            <a:schemeClr val="accent1"/>
+          </a:lnRef>
+          <a:fillRef idx="0">
+            <a:schemeClr val="accent1"/>
+          </a:fillRef>
+          <a:effectRef idx="0">
+            <a:schemeClr val="accent1"/>
+          </a:effectRef>
+          <a:fontRef idx="minor">
+            <a:schemeClr val="tx1"/>
+          </a:fontRef>
+        </p:style>
+      </p:cxnSp>
+      <p:cxnSp>
+        <p:nvCxnSpPr>
+          <p:cNvPr id="73" name="Straight Connector 72">
+            <a:extLst>
+              <a:ext uri="{FF2B5EF4-FFF2-40B4-BE49-F238E27FC236}">
+                <a16:creationId xmlns:a16="http://schemas.microsoft.com/office/drawing/2014/main" id="{B7C2186D-40F3-44E4-9B1E-55C947401590}"/>
+              </a:ext>
+            </a:extLst>
+          </p:cNvPr>
+          <p:cNvCxnSpPr>
+            <a:cxnSpLocks/>
+          </p:cNvCxnSpPr>
+          <p:nvPr/>
+        </p:nvCxnSpPr>
+        <p:spPr>
+          <a:xfrm>
+            <a:off x="10200883" y="5286032"/>
+            <a:ext cx="0" cy="320040"/>
+          </a:xfrm>
+          <a:prstGeom prst="line">
+            <a:avLst/>
+          </a:prstGeom>
+          <a:ln w="38100">
+            <a:solidFill>
+              <a:schemeClr val="accent1"/>
+            </a:solidFill>
+          </a:ln>
+        </p:spPr>
+        <p:style>
+          <a:lnRef idx="1">
+            <a:schemeClr val="accent1"/>
+          </a:lnRef>
+          <a:fillRef idx="0">
+            <a:schemeClr val="accent1"/>
+          </a:fillRef>
+          <a:effectRef idx="0">
+            <a:schemeClr val="accent1"/>
+          </a:effectRef>
+          <a:fontRef idx="minor">
+            <a:schemeClr val="tx1"/>
+          </a:fontRef>
+        </p:style>
+      </p:cxnSp>
+      <p:sp>
+        <p:nvSpPr>
+          <p:cNvPr id="76" name="TextBox 75">
+            <a:extLst>
+              <a:ext uri="{FF2B5EF4-FFF2-40B4-BE49-F238E27FC236}">
+                <a16:creationId xmlns:a16="http://schemas.microsoft.com/office/drawing/2014/main" id="{03E4FBB4-BFA8-4ECA-837F-AC8A4E718BEB}"/>
+              </a:ext>
+            </a:extLst>
+          </p:cNvPr>
+          <p:cNvSpPr txBox="1"/>
+          <p:nvPr/>
+        </p:nvSpPr>
+        <p:spPr>
+          <a:xfrm>
+            <a:off x="4919695" y="5821925"/>
+            <a:ext cx="830933" cy="276999"/>
+          </a:xfrm>
+          <a:prstGeom prst="rect">
+            <a:avLst/>
+          </a:prstGeom>
+          <a:noFill/>
+        </p:spPr>
+        <p:txBody>
+          <a:bodyPr wrap="none" rtlCol="0">
+            <a:spAutoFit/>
+          </a:bodyPr>
+          <a:lstStyle/>
+          <a:p>
+            <a:r>
+              <a:rPr lang="en-US" sz="1200" dirty="0"/>
+              <a:t>Dev-</a:t>
+            </a:r>
+            <a:r>
+              <a:rPr lang="en-US" sz="1200" dirty="0" err="1"/>
+              <a:t>Vnet</a:t>
+            </a:r>
+            <a:endParaRPr lang="en-US" sz="1200" dirty="0"/>
+          </a:p>
+        </p:txBody>
+      </p:sp>
+      <p:sp>
+        <p:nvSpPr>
+          <p:cNvPr id="77" name="TextBox 76">
+            <a:extLst>
+              <a:ext uri="{FF2B5EF4-FFF2-40B4-BE49-F238E27FC236}">
+                <a16:creationId xmlns:a16="http://schemas.microsoft.com/office/drawing/2014/main" id="{C9967EB5-35A1-40AA-B7AC-657E33CB6F6A}"/>
+              </a:ext>
+            </a:extLst>
+          </p:cNvPr>
+          <p:cNvSpPr txBox="1"/>
+          <p:nvPr/>
+        </p:nvSpPr>
+        <p:spPr>
+          <a:xfrm>
+            <a:off x="7462832" y="5821925"/>
+            <a:ext cx="796693" cy="276999"/>
+          </a:xfrm>
+          <a:prstGeom prst="rect">
+            <a:avLst/>
+          </a:prstGeom>
+          <a:noFill/>
+        </p:spPr>
+        <p:txBody>
+          <a:bodyPr wrap="none" rtlCol="0">
+            <a:spAutoFit/>
+          </a:bodyPr>
+          <a:lstStyle/>
+          <a:p>
+            <a:r>
+              <a:rPr lang="en-US" sz="1200" dirty="0" err="1"/>
+              <a:t>Prd-Vnet</a:t>
+            </a:r>
+            <a:endParaRPr lang="en-US" sz="1200" dirty="0"/>
+          </a:p>
+        </p:txBody>
+      </p:sp>
+      <p:sp>
+        <p:nvSpPr>
+          <p:cNvPr id="87" name="TextBox 86">
+            <a:extLst>
+              <a:ext uri="{FF2B5EF4-FFF2-40B4-BE49-F238E27FC236}">
+                <a16:creationId xmlns:a16="http://schemas.microsoft.com/office/drawing/2014/main" id="{54523087-7556-4119-AE0B-0CC2D839807B}"/>
+              </a:ext>
+            </a:extLst>
+          </p:cNvPr>
+          <p:cNvSpPr txBox="1"/>
+          <p:nvPr/>
+        </p:nvSpPr>
+        <p:spPr>
+          <a:xfrm>
+            <a:off x="8807389" y="5063939"/>
+            <a:ext cx="727315" cy="276999"/>
+          </a:xfrm>
+          <a:prstGeom prst="rect">
+            <a:avLst/>
+          </a:prstGeom>
+          <a:noFill/>
+        </p:spPr>
+        <p:txBody>
+          <a:bodyPr wrap="none" rtlCol="0">
+            <a:spAutoFit/>
+          </a:bodyPr>
+          <a:lstStyle/>
+          <a:p>
+            <a:r>
+              <a:rPr lang="en-US" sz="1200" dirty="0"/>
+              <a:t>Web 01</a:t>
+            </a:r>
+          </a:p>
+        </p:txBody>
+      </p:sp>
+      <p:sp>
+        <p:nvSpPr>
+          <p:cNvPr id="88" name="TextBox 87">
+            <a:extLst>
+              <a:ext uri="{FF2B5EF4-FFF2-40B4-BE49-F238E27FC236}">
+                <a16:creationId xmlns:a16="http://schemas.microsoft.com/office/drawing/2014/main" id="{78E85B10-324E-4729-93D2-73D8B061AC89}"/>
+              </a:ext>
+            </a:extLst>
+          </p:cNvPr>
+          <p:cNvSpPr txBox="1"/>
+          <p:nvPr/>
+        </p:nvSpPr>
+        <p:spPr>
+          <a:xfrm>
+            <a:off x="9791032" y="5063939"/>
+            <a:ext cx="727315" cy="276999"/>
+          </a:xfrm>
+          <a:prstGeom prst="rect">
+            <a:avLst/>
+          </a:prstGeom>
+          <a:noFill/>
+        </p:spPr>
+        <p:txBody>
+          <a:bodyPr wrap="none" rtlCol="0">
+            <a:spAutoFit/>
+          </a:bodyPr>
+          <a:lstStyle/>
+          <a:p>
+            <a:r>
+              <a:rPr lang="en-US" sz="1200" dirty="0"/>
+              <a:t>Web 02</a:t>
+            </a:r>
+          </a:p>
+        </p:txBody>
+      </p:sp>
+      <p:sp>
+        <p:nvSpPr>
+          <p:cNvPr id="89" name="TextBox 88">
+            <a:extLst>
+              <a:ext uri="{FF2B5EF4-FFF2-40B4-BE49-F238E27FC236}">
+                <a16:creationId xmlns:a16="http://schemas.microsoft.com/office/drawing/2014/main" id="{F06BCBBB-1992-4087-B73E-0794839FF1EA}"/>
+              </a:ext>
+            </a:extLst>
+          </p:cNvPr>
+          <p:cNvSpPr txBox="1"/>
+          <p:nvPr/>
+        </p:nvSpPr>
+        <p:spPr>
+          <a:xfrm>
+            <a:off x="5695392" y="3323499"/>
+            <a:ext cx="764953" cy="276999"/>
+          </a:xfrm>
+          <a:prstGeom prst="rect">
+            <a:avLst/>
+          </a:prstGeom>
+          <a:noFill/>
+        </p:spPr>
+        <p:txBody>
+          <a:bodyPr wrap="none" rtlCol="0">
+            <a:spAutoFit/>
+          </a:bodyPr>
+          <a:lstStyle/>
+          <a:p>
+            <a:r>
+              <a:rPr lang="en-US" sz="1200" dirty="0"/>
+              <a:t>Dev-</a:t>
+            </a:r>
+            <a:r>
+              <a:rPr lang="en-US" sz="1200" dirty="0" err="1"/>
+              <a:t>nsg</a:t>
+            </a:r>
+            <a:endParaRPr lang="en-US" sz="1200" dirty="0"/>
+          </a:p>
+        </p:txBody>
+      </p:sp>
+      <p:sp>
+        <p:nvSpPr>
+          <p:cNvPr id="92" name="TextBox 91">
+            <a:extLst>
+              <a:ext uri="{FF2B5EF4-FFF2-40B4-BE49-F238E27FC236}">
+                <a16:creationId xmlns:a16="http://schemas.microsoft.com/office/drawing/2014/main" id="{261AFDF7-8651-4300-9547-C3C9B2352831}"/>
+              </a:ext>
+            </a:extLst>
+          </p:cNvPr>
+          <p:cNvSpPr txBox="1"/>
+          <p:nvPr/>
+        </p:nvSpPr>
+        <p:spPr>
+          <a:xfrm>
+            <a:off x="5865393" y="5677845"/>
+            <a:ext cx="1124860" cy="276999"/>
+          </a:xfrm>
+          <a:prstGeom prst="rect">
+            <a:avLst/>
+          </a:prstGeom>
+          <a:noFill/>
+        </p:spPr>
+        <p:txBody>
+          <a:bodyPr wrap="none" rtlCol="0">
+            <a:spAutoFit/>
+          </a:bodyPr>
+          <a:lstStyle/>
+          <a:p>
+            <a:r>
+              <a:rPr lang="en-US" sz="1200" dirty="0"/>
+              <a:t>Web (subnet)</a:t>
+            </a:r>
+          </a:p>
+        </p:txBody>
+      </p:sp>
+      <p:grpSp>
+        <p:nvGrpSpPr>
+          <p:cNvPr id="107" name="Group 106">
+            <a:extLst>
+              <a:ext uri="{FF2B5EF4-FFF2-40B4-BE49-F238E27FC236}">
+                <a16:creationId xmlns:a16="http://schemas.microsoft.com/office/drawing/2014/main" id="{227E0241-B560-43F9-89CE-B44EE0AA3955}"/>
+              </a:ext>
+            </a:extLst>
+          </p:cNvPr>
+          <p:cNvGrpSpPr/>
+          <p:nvPr/>
+        </p:nvGrpSpPr>
+        <p:grpSpPr>
+          <a:xfrm>
+            <a:off x="3702687" y="3095103"/>
+            <a:ext cx="1158009" cy="2513639"/>
+            <a:chOff x="3728999" y="3095103"/>
+            <a:chExt cx="1158009" cy="2513639"/>
+          </a:xfrm>
+        </p:grpSpPr>
+        <p:pic>
+          <p:nvPicPr>
+            <p:cNvPr id="8" name="Picture 7">
+              <a:extLst>
+                <a:ext uri="{FF2B5EF4-FFF2-40B4-BE49-F238E27FC236}">
+                  <a16:creationId xmlns:a16="http://schemas.microsoft.com/office/drawing/2014/main" id="{F6982C8A-BF7F-4742-B1C1-38AF243C3280}"/>
+                </a:ext>
+              </a:extLst>
+            </p:cNvPr>
+            <p:cNvPicPr>
+              <a:picLocks noChangeAspect="1"/>
+            </p:cNvPicPr>
+            <p:nvPr/>
+          </p:nvPicPr>
+          <p:blipFill>
+            <a:blip r:embed="rId7">
+              <a:extLst>
+                <a:ext uri="{28A0092B-C50C-407E-A947-70E740481C1C}">
+                  <a14:useLocalDpi xmlns:a14="http://schemas.microsoft.com/office/drawing/2010/main" val="0"/>
+                </a:ext>
+              </a:extLst>
+            </a:blip>
+            <a:stretch>
+              <a:fillRect/>
+            </a:stretch>
+          </p:blipFill>
+          <p:spPr>
+            <a:xfrm>
+              <a:off x="3917858" y="3095103"/>
+              <a:ext cx="780290" cy="780290"/>
+            </a:xfrm>
+            <a:prstGeom prst="rect">
+              <a:avLst/>
+            </a:prstGeom>
+          </p:spPr>
+        </p:pic>
+        <p:pic>
+          <p:nvPicPr>
+            <p:cNvPr id="36" name="Picture 35">
+              <a:extLst>
+                <a:ext uri="{FF2B5EF4-FFF2-40B4-BE49-F238E27FC236}">
+                  <a16:creationId xmlns:a16="http://schemas.microsoft.com/office/drawing/2014/main" id="{8458B589-CE13-4C07-B8A0-E8C474A5BE80}"/>
+                </a:ext>
+              </a:extLst>
+            </p:cNvPr>
+            <p:cNvPicPr>
+              <a:picLocks noChangeAspect="1"/>
+            </p:cNvPicPr>
+            <p:nvPr/>
+          </p:nvPicPr>
+          <p:blipFill>
+            <a:blip r:embed="rId7">
+              <a:extLst>
+                <a:ext uri="{28A0092B-C50C-407E-A947-70E740481C1C}">
+                  <a14:useLocalDpi xmlns:a14="http://schemas.microsoft.com/office/drawing/2010/main" val="0"/>
+                </a:ext>
+              </a:extLst>
+            </a:blip>
+            <a:stretch>
+              <a:fillRect/>
+            </a:stretch>
+          </p:blipFill>
+          <p:spPr>
+            <a:xfrm>
+              <a:off x="3917858" y="4547541"/>
+              <a:ext cx="780290" cy="780290"/>
+            </a:xfrm>
+            <a:prstGeom prst="rect">
+              <a:avLst/>
+            </a:prstGeom>
+          </p:spPr>
+        </p:pic>
+        <p:sp>
+          <p:nvSpPr>
+            <p:cNvPr id="95" name="TextBox 94">
+              <a:extLst>
+                <a:ext uri="{FF2B5EF4-FFF2-40B4-BE49-F238E27FC236}">
+                  <a16:creationId xmlns:a16="http://schemas.microsoft.com/office/drawing/2014/main" id="{641ACAB7-7EEF-42D8-A450-FEA10D7D7597}"/>
+                </a:ext>
+              </a:extLst>
+            </p:cNvPr>
+            <p:cNvSpPr txBox="1"/>
+            <p:nvPr/>
+          </p:nvSpPr>
+          <p:spPr>
+            <a:xfrm>
+              <a:off x="3728999" y="3898431"/>
+              <a:ext cx="1158009" cy="276999"/>
+            </a:xfrm>
+            <a:prstGeom prst="rect">
+              <a:avLst/>
+            </a:prstGeom>
+            <a:noFill/>
+          </p:spPr>
+          <p:txBody>
+            <a:bodyPr wrap="none" rtlCol="0">
+              <a:spAutoFit/>
+            </a:bodyPr>
+            <a:lstStyle/>
+            <a:p>
+              <a:r>
+                <a:rPr lang="en-US" sz="1200" dirty="0"/>
+                <a:t>Custom img.1</a:t>
+              </a:r>
+            </a:p>
+          </p:txBody>
+        </p:sp>
+        <p:sp>
+          <p:nvSpPr>
+            <p:cNvPr id="96" name="TextBox 95">
+              <a:extLst>
+                <a:ext uri="{FF2B5EF4-FFF2-40B4-BE49-F238E27FC236}">
+                  <a16:creationId xmlns:a16="http://schemas.microsoft.com/office/drawing/2014/main" id="{4D263501-FCF0-47D0-B34E-E1D73440A261}"/>
+                </a:ext>
+              </a:extLst>
+            </p:cNvPr>
+            <p:cNvSpPr txBox="1"/>
+            <p:nvPr/>
+          </p:nvSpPr>
+          <p:spPr>
+            <a:xfrm>
+              <a:off x="3728999" y="5331743"/>
+              <a:ext cx="1158009" cy="276999"/>
+            </a:xfrm>
+            <a:prstGeom prst="rect">
+              <a:avLst/>
+            </a:prstGeom>
+            <a:noFill/>
+          </p:spPr>
+          <p:txBody>
+            <a:bodyPr wrap="none" rtlCol="0">
+              <a:spAutoFit/>
+            </a:bodyPr>
+            <a:lstStyle/>
+            <a:p>
+              <a:r>
+                <a:rPr lang="en-US" sz="1200" dirty="0"/>
+                <a:t>Custom img.2</a:t>
+              </a:r>
+            </a:p>
+          </p:txBody>
+        </p:sp>
+      </p:grpSp>
+      <p:sp>
+        <p:nvSpPr>
+          <p:cNvPr id="99" name="Rectangle: Rounded Corners 98">
+            <a:extLst>
+              <a:ext uri="{FF2B5EF4-FFF2-40B4-BE49-F238E27FC236}">
+                <a16:creationId xmlns:a16="http://schemas.microsoft.com/office/drawing/2014/main" id="{2F3FBB27-8600-4F92-883B-0A20B7907668}"/>
+              </a:ext>
+            </a:extLst>
+          </p:cNvPr>
+          <p:cNvSpPr/>
+          <p:nvPr/>
+        </p:nvSpPr>
+        <p:spPr>
+          <a:xfrm>
+            <a:off x="8292445" y="2923105"/>
+            <a:ext cx="2867621" cy="1125862"/>
+          </a:xfrm>
+          <a:prstGeom prst="roundRect">
+            <a:avLst>
+              <a:gd name="adj" fmla="val 8127"/>
+            </a:avLst>
+          </a:prstGeom>
+          <a:solidFill>
+            <a:schemeClr val="accent1">
+              <a:lumMod val="40000"/>
+              <a:lumOff val="60000"/>
+            </a:schemeClr>
+          </a:solidFill>
+          <a:ln w="12700">
+            <a:noFill/>
+            <a:prstDash val="solid"/>
+          </a:ln>
+        </p:spPr>
+        <p:style>
+          <a:lnRef idx="2">
+            <a:schemeClr val="accent1">
+              <a:shade val="50000"/>
+            </a:schemeClr>
+          </a:lnRef>
+          <a:fillRef idx="1">
+            <a:schemeClr val="accent1"/>
+          </a:fillRef>
+          <a:effectRef idx="0">
+            <a:schemeClr val="accent1"/>
+          </a:effectRef>
+          <a:fontRef idx="minor">
+            <a:schemeClr val="lt1"/>
+          </a:fontRef>
+        </p:style>
+        <p:txBody>
+          <a:bodyPr rtlCol="0" anchor="ctr"/>
+          <a:lstStyle/>
+          <a:p>
+            <a:pPr algn="ctr"/>
+            <a:endParaRPr lang="en-US"/>
+          </a:p>
+        </p:txBody>
+      </p:sp>
+      <p:pic>
+        <p:nvPicPr>
+          <p:cNvPr id="30" name="Picture 29">
+            <a:extLst>
+              <a:ext uri="{FF2B5EF4-FFF2-40B4-BE49-F238E27FC236}">
+                <a16:creationId xmlns:a16="http://schemas.microsoft.com/office/drawing/2014/main" id="{4DF938B9-0E91-4669-B257-931243D076FB}"/>
+              </a:ext>
+            </a:extLst>
+          </p:cNvPr>
+          <p:cNvPicPr>
+            <a:picLocks noChangeAspect="1"/>
+          </p:cNvPicPr>
+          <p:nvPr/>
+        </p:nvPicPr>
+        <p:blipFill>
+          <a:blip r:embed="rId11">
+            <a:extLst>
+              <a:ext uri="{28A0092B-C50C-407E-A947-70E740481C1C}">
+                <a14:useLocalDpi xmlns:a14="http://schemas.microsoft.com/office/drawing/2010/main" val="0"/>
+              </a:ext>
+            </a:extLst>
+          </a:blip>
+          <a:stretch>
+            <a:fillRect/>
+          </a:stretch>
+        </p:blipFill>
+        <p:spPr>
+          <a:xfrm>
+            <a:off x="9336110" y="3045949"/>
+            <a:ext cx="780290" cy="780290"/>
+          </a:xfrm>
+          <a:prstGeom prst="rect">
+            <a:avLst/>
+          </a:prstGeom>
+        </p:spPr>
+      </p:pic>
+      <p:pic>
+        <p:nvPicPr>
+          <p:cNvPr id="46" name="Picture 45">
+            <a:extLst>
+              <a:ext uri="{FF2B5EF4-FFF2-40B4-BE49-F238E27FC236}">
+                <a16:creationId xmlns:a16="http://schemas.microsoft.com/office/drawing/2014/main" id="{FC4903CF-4637-4CDD-AF3B-A0CC034E6172}"/>
+              </a:ext>
+            </a:extLst>
+          </p:cNvPr>
+          <p:cNvPicPr>
+            <a:picLocks noChangeAspect="1"/>
+          </p:cNvPicPr>
+          <p:nvPr/>
+        </p:nvPicPr>
+        <p:blipFill>
+          <a:blip r:embed="rId5">
+            <a:extLst>
+              <a:ext uri="{28A0092B-C50C-407E-A947-70E740481C1C}">
+                <a14:useLocalDpi xmlns:a14="http://schemas.microsoft.com/office/drawing/2010/main" val="0"/>
+              </a:ext>
+            </a:extLst>
+          </a:blip>
+          <a:stretch>
+            <a:fillRect/>
+          </a:stretch>
+        </p:blipFill>
+        <p:spPr>
+          <a:xfrm>
+            <a:off x="7898881" y="3486994"/>
+            <a:ext cx="780290" cy="780290"/>
+          </a:xfrm>
+          <a:prstGeom prst="rect">
+            <a:avLst/>
+          </a:prstGeom>
+        </p:spPr>
+      </p:pic>
+      <p:sp>
+        <p:nvSpPr>
+          <p:cNvPr id="90" name="TextBox 89">
+            <a:extLst>
+              <a:ext uri="{FF2B5EF4-FFF2-40B4-BE49-F238E27FC236}">
+                <a16:creationId xmlns:a16="http://schemas.microsoft.com/office/drawing/2014/main" id="{79EED785-CB6A-4872-86E8-FC37AEAEF194}"/>
+              </a:ext>
+            </a:extLst>
+          </p:cNvPr>
+          <p:cNvSpPr txBox="1"/>
+          <p:nvPr/>
+        </p:nvSpPr>
+        <p:spPr>
+          <a:xfrm>
+            <a:off x="8267370" y="3314253"/>
+            <a:ext cx="730713" cy="276999"/>
+          </a:xfrm>
+          <a:prstGeom prst="rect">
+            <a:avLst/>
+          </a:prstGeom>
+          <a:noFill/>
+        </p:spPr>
+        <p:txBody>
+          <a:bodyPr wrap="none" rtlCol="0">
+            <a:spAutoFit/>
+          </a:bodyPr>
+          <a:lstStyle/>
+          <a:p>
+            <a:r>
+              <a:rPr lang="en-US" sz="1200" dirty="0" err="1"/>
+              <a:t>Prd-nsg</a:t>
+            </a:r>
+            <a:endParaRPr lang="en-US" sz="1200" dirty="0"/>
+          </a:p>
+        </p:txBody>
+      </p:sp>
+      <p:sp>
+        <p:nvSpPr>
+          <p:cNvPr id="91" name="TextBox 90">
+            <a:extLst>
+              <a:ext uri="{FF2B5EF4-FFF2-40B4-BE49-F238E27FC236}">
+                <a16:creationId xmlns:a16="http://schemas.microsoft.com/office/drawing/2014/main" id="{E3D8333F-5216-4E45-B62A-EA19DFB6A96D}"/>
+              </a:ext>
+            </a:extLst>
+          </p:cNvPr>
+          <p:cNvSpPr txBox="1"/>
+          <p:nvPr/>
+        </p:nvSpPr>
+        <p:spPr>
+          <a:xfrm>
+            <a:off x="9976077" y="3070738"/>
+            <a:ext cx="1251514" cy="276999"/>
+          </a:xfrm>
+          <a:prstGeom prst="rect">
+            <a:avLst/>
+          </a:prstGeom>
+          <a:noFill/>
+        </p:spPr>
+        <p:txBody>
+          <a:bodyPr wrap="square" rtlCol="0">
+            <a:spAutoFit/>
+          </a:bodyPr>
+          <a:lstStyle/>
+          <a:p>
+            <a:pPr algn="ctr"/>
+            <a:r>
+              <a:rPr lang="en-US" sz="1200"/>
+              <a:t>Load Balancer</a:t>
+            </a:r>
+            <a:endParaRPr lang="en-US" sz="1200" dirty="0"/>
+          </a:p>
+        </p:txBody>
+      </p:sp>
+      <p:cxnSp>
+        <p:nvCxnSpPr>
+          <p:cNvPr id="58" name="Connector: Elbow 57">
+            <a:extLst>
+              <a:ext uri="{FF2B5EF4-FFF2-40B4-BE49-F238E27FC236}">
+                <a16:creationId xmlns:a16="http://schemas.microsoft.com/office/drawing/2014/main" id="{C3DD8596-0792-42C2-A7C6-10F3F07F476D}"/>
+              </a:ext>
+            </a:extLst>
+          </p:cNvPr>
+          <p:cNvCxnSpPr>
+            <a:cxnSpLocks/>
+            <a:stCxn id="30" idx="2"/>
+            <a:endCxn id="47" idx="0"/>
+          </p:cNvCxnSpPr>
+          <p:nvPr/>
+        </p:nvCxnSpPr>
+        <p:spPr>
+          <a:xfrm rot="5400000">
+            <a:off x="9073102" y="3914632"/>
+            <a:ext cx="741547" cy="564760"/>
+          </a:xfrm>
+          <a:prstGeom prst="bentConnector3">
+            <a:avLst/>
+          </a:prstGeom>
+          <a:ln>
+            <a:tailEnd type="triangle"/>
+          </a:ln>
+        </p:spPr>
+        <p:style>
+          <a:lnRef idx="1">
+            <a:schemeClr val="accent1"/>
+          </a:lnRef>
+          <a:fillRef idx="0">
+            <a:schemeClr val="accent1"/>
+          </a:fillRef>
+          <a:effectRef idx="0">
+            <a:schemeClr val="accent1"/>
+          </a:effectRef>
+          <a:fontRef idx="minor">
+            <a:schemeClr val="tx1"/>
+          </a:fontRef>
+        </p:style>
+      </p:cxnSp>
+      <p:cxnSp>
+        <p:nvCxnSpPr>
+          <p:cNvPr id="59" name="Connector: Elbow 58">
+            <a:extLst>
+              <a:ext uri="{FF2B5EF4-FFF2-40B4-BE49-F238E27FC236}">
+                <a16:creationId xmlns:a16="http://schemas.microsoft.com/office/drawing/2014/main" id="{F370DF2A-4CF2-49CF-BF81-94712387B18F}"/>
+              </a:ext>
+            </a:extLst>
+          </p:cNvPr>
+          <p:cNvCxnSpPr>
+            <a:cxnSpLocks/>
+            <a:stCxn id="30" idx="2"/>
+            <a:endCxn id="48" idx="0"/>
+          </p:cNvCxnSpPr>
+          <p:nvPr/>
+        </p:nvCxnSpPr>
+        <p:spPr>
+          <a:xfrm rot="16200000" flipH="1">
+            <a:off x="9592796" y="3959698"/>
+            <a:ext cx="741547" cy="474628"/>
+          </a:xfrm>
+          <a:prstGeom prst="bentConnector3">
+            <a:avLst/>
+          </a:prstGeom>
+          <a:ln>
+            <a:tailEnd type="triangle"/>
+          </a:ln>
+        </p:spPr>
+        <p:style>
+          <a:lnRef idx="1">
+            <a:schemeClr val="accent1"/>
+          </a:lnRef>
+          <a:fillRef idx="0">
+            <a:schemeClr val="accent1"/>
+          </a:fillRef>
+          <a:effectRef idx="0">
+            <a:schemeClr val="accent1"/>
+          </a:effectRef>
+          <a:fontRef idx="minor">
+            <a:schemeClr val="tx1"/>
+          </a:fontRef>
+        </p:style>
+      </p:cxnSp>
+      <p:sp>
+        <p:nvSpPr>
+          <p:cNvPr id="104" name="TextBox 103">
+            <a:extLst>
+              <a:ext uri="{FF2B5EF4-FFF2-40B4-BE49-F238E27FC236}">
+                <a16:creationId xmlns:a16="http://schemas.microsoft.com/office/drawing/2014/main" id="{B218C87F-8A0B-4A5D-9BA4-10387D29DCE2}"/>
+              </a:ext>
+            </a:extLst>
+          </p:cNvPr>
+          <p:cNvSpPr txBox="1"/>
+          <p:nvPr/>
+        </p:nvSpPr>
+        <p:spPr>
+          <a:xfrm>
+            <a:off x="9944526" y="4275595"/>
+            <a:ext cx="1200906" cy="276999"/>
+          </a:xfrm>
+          <a:prstGeom prst="rect">
+            <a:avLst/>
+          </a:prstGeom>
+          <a:noFill/>
+        </p:spPr>
+        <p:txBody>
+          <a:bodyPr wrap="none" rtlCol="0">
+            <a:spAutoFit/>
+          </a:bodyPr>
+          <a:lstStyle/>
+          <a:p>
+            <a:r>
+              <a:rPr lang="en-US" sz="1200" dirty="0"/>
+              <a:t>Availability Set</a:t>
+            </a:r>
+          </a:p>
+        </p:txBody>
+      </p:sp>
+      <p:sp>
+        <p:nvSpPr>
+          <p:cNvPr id="105" name="TextBox 104">
+            <a:extLst>
+              <a:ext uri="{FF2B5EF4-FFF2-40B4-BE49-F238E27FC236}">
+                <a16:creationId xmlns:a16="http://schemas.microsoft.com/office/drawing/2014/main" id="{F4200348-9D33-4B39-9629-14695D66D17C}"/>
+              </a:ext>
+            </a:extLst>
+          </p:cNvPr>
+          <p:cNvSpPr txBox="1"/>
+          <p:nvPr/>
+        </p:nvSpPr>
+        <p:spPr>
+          <a:xfrm>
+            <a:off x="10043166" y="5677845"/>
+            <a:ext cx="1124860" cy="276999"/>
+          </a:xfrm>
+          <a:prstGeom prst="rect">
+            <a:avLst/>
+          </a:prstGeom>
+          <a:noFill/>
+        </p:spPr>
+        <p:txBody>
+          <a:bodyPr wrap="none" rtlCol="0">
+            <a:spAutoFit/>
+          </a:bodyPr>
+          <a:lstStyle/>
+          <a:p>
+            <a:r>
+              <a:rPr lang="en-US" sz="1200" dirty="0"/>
+              <a:t>Web (subnet)</a:t>
+            </a:r>
+          </a:p>
+        </p:txBody>
+      </p:sp>
+      <p:sp>
+        <p:nvSpPr>
+          <p:cNvPr id="106" name="TextBox 105">
+            <a:extLst>
+              <a:ext uri="{FF2B5EF4-FFF2-40B4-BE49-F238E27FC236}">
+                <a16:creationId xmlns:a16="http://schemas.microsoft.com/office/drawing/2014/main" id="{4C548086-ACE4-4F6F-9FAE-36F88DD0FC74}"/>
+              </a:ext>
+            </a:extLst>
+          </p:cNvPr>
+          <p:cNvSpPr txBox="1"/>
+          <p:nvPr/>
+        </p:nvSpPr>
+        <p:spPr>
+          <a:xfrm>
+            <a:off x="9798995" y="3729827"/>
+            <a:ext cx="1428596" cy="276999"/>
+          </a:xfrm>
+          <a:prstGeom prst="rect">
+            <a:avLst/>
+          </a:prstGeom>
+          <a:noFill/>
+        </p:spPr>
+        <p:txBody>
+          <a:bodyPr wrap="none" rtlCol="0">
+            <a:spAutoFit/>
+          </a:bodyPr>
+          <a:lstStyle/>
+          <a:p>
+            <a:r>
+              <a:rPr lang="en-US" sz="1200" dirty="0" err="1"/>
+              <a:t>Appgtwy</a:t>
+            </a:r>
+            <a:r>
+              <a:rPr lang="en-US" sz="1200" dirty="0"/>
+              <a:t> (subnet)</a:t>
+            </a:r>
+          </a:p>
+        </p:txBody>
+      </p:sp>
+    </p:spTree>
+    <p:extLst>
+      <p:ext uri="{BB962C8B-B14F-4D97-AF65-F5344CB8AC3E}">
+        <p14:creationId xmlns:p14="http://schemas.microsoft.com/office/powerpoint/2010/main" val="3218416211"/>
       </p:ext>
     </p:extLst>
   </p:cSld>

--- a/2. Workshop Scenario/Workshop Scenario.pptx
+++ b/2. Workshop Scenario/Workshop Scenario.pptx
@@ -5,7 +5,7 @@
     <p:sldMasterId id="2147483660" r:id="rId1"/>
   </p:sldMasterIdLst>
   <p:notesMasterIdLst>
-    <p:notesMasterId r:id="rId11"/>
+    <p:notesMasterId r:id="rId12"/>
   </p:notesMasterIdLst>
   <p:sldIdLst>
     <p:sldId id="256" r:id="rId2"/>
@@ -14,9 +14,10 @@
     <p:sldId id="258" r:id="rId5"/>
     <p:sldId id="262" r:id="rId6"/>
     <p:sldId id="259" r:id="rId7"/>
-    <p:sldId id="260" r:id="rId8"/>
-    <p:sldId id="263" r:id="rId9"/>
-    <p:sldId id="264" r:id="rId10"/>
+    <p:sldId id="265" r:id="rId8"/>
+    <p:sldId id="260" r:id="rId9"/>
+    <p:sldId id="263" r:id="rId10"/>
+    <p:sldId id="264" r:id="rId11"/>
   </p:sldIdLst>
   <p:sldSz cx="12192000" cy="6858000"/>
   <p:notesSz cx="6858000" cy="9144000"/>
@@ -556,6 +557,90 @@
 </p:notes>
 </file>
 
+<file path=ppt/notesSlides/notesSlide10.xml><?xml version="1.0" encoding="utf-8"?>
+<p:notes xmlns:a="http://schemas.openxmlformats.org/drawingml/2006/main" xmlns:r="http://schemas.openxmlformats.org/officeDocument/2006/relationships" xmlns:p="http://schemas.openxmlformats.org/presentationml/2006/main">
+  <p:cSld>
+    <p:spTree>
+      <p:nvGrpSpPr>
+        <p:cNvPr id="1" name=""/>
+        <p:cNvGrpSpPr/>
+        <p:nvPr/>
+      </p:nvGrpSpPr>
+      <p:grpSpPr>
+        <a:xfrm>
+          <a:off x="0" y="0"/>
+          <a:ext cx="0" cy="0"/>
+          <a:chOff x="0" y="0"/>
+          <a:chExt cx="0" cy="0"/>
+        </a:xfrm>
+      </p:grpSpPr>
+      <p:sp>
+        <p:nvSpPr>
+          <p:cNvPr id="2" name="Slide Image Placeholder 1"/>
+          <p:cNvSpPr>
+            <a:spLocks noGrp="1" noRot="1" noChangeAspect="1"/>
+          </p:cNvSpPr>
+          <p:nvPr>
+            <p:ph type="sldImg"/>
+          </p:nvPr>
+        </p:nvSpPr>
+        <p:spPr/>
+      </p:sp>
+      <p:sp>
+        <p:nvSpPr>
+          <p:cNvPr id="3" name="Notes Placeholder 2"/>
+          <p:cNvSpPr>
+            <a:spLocks noGrp="1"/>
+          </p:cNvSpPr>
+          <p:nvPr>
+            <p:ph type="body" idx="1"/>
+          </p:nvPr>
+        </p:nvSpPr>
+        <p:spPr/>
+        <p:txBody>
+          <a:bodyPr/>
+          <a:lstStyle/>
+          <a:p>
+            <a:endParaRPr lang="en-US"/>
+          </a:p>
+        </p:txBody>
+      </p:sp>
+      <p:sp>
+        <p:nvSpPr>
+          <p:cNvPr id="4" name="Slide Number Placeholder 3"/>
+          <p:cNvSpPr>
+            <a:spLocks noGrp="1"/>
+          </p:cNvSpPr>
+          <p:nvPr>
+            <p:ph type="sldNum" sz="quarter" idx="10"/>
+          </p:nvPr>
+        </p:nvSpPr>
+        <p:spPr/>
+        <p:txBody>
+          <a:bodyPr/>
+          <a:lstStyle/>
+          <a:p>
+            <a:fld id="{81CAA18E-E9D7-469D-80A4-9C5CC3C3775A}" type="slidenum">
+              <a:rPr lang="en-US" smtClean="0"/>
+              <a:t>10</a:t>
+            </a:fld>
+            <a:endParaRPr lang="en-US"/>
+          </a:p>
+        </p:txBody>
+      </p:sp>
+    </p:spTree>
+    <p:extLst>
+      <p:ext uri="{BB962C8B-B14F-4D97-AF65-F5344CB8AC3E}">
+        <p14:creationId xmlns:p14="http://schemas.microsoft.com/office/powerpoint/2010/main" val="1510818962"/>
+      </p:ext>
+    </p:extLst>
+  </p:cSld>
+  <p:clrMapOvr>
+    <a:masterClrMapping/>
+  </p:clrMapOvr>
+</p:notes>
+</file>
+
 <file path=ppt/notesSlides/notesSlide2.xml><?xml version="1.0" encoding="utf-8"?>
 <p:notes xmlns:a="http://schemas.openxmlformats.org/drawingml/2006/main" xmlns:r="http://schemas.openxmlformats.org/officeDocument/2006/relationships" xmlns:p="http://schemas.openxmlformats.org/presentationml/2006/main">
   <p:cSld>
@@ -1050,7 +1135,7 @@
     </p:spTree>
     <p:extLst>
       <p:ext uri="{BB962C8B-B14F-4D97-AF65-F5344CB8AC3E}">
-        <p14:creationId xmlns:p14="http://schemas.microsoft.com/office/powerpoint/2010/main" val="1543304680"/>
+        <p14:creationId xmlns:p14="http://schemas.microsoft.com/office/powerpoint/2010/main" val="3847496053"/>
       </p:ext>
     </p:extLst>
   </p:cSld>
@@ -1134,7 +1219,7 @@
     </p:spTree>
     <p:extLst>
       <p:ext uri="{BB962C8B-B14F-4D97-AF65-F5344CB8AC3E}">
-        <p14:creationId xmlns:p14="http://schemas.microsoft.com/office/powerpoint/2010/main" val="3489136822"/>
+        <p14:creationId xmlns:p14="http://schemas.microsoft.com/office/powerpoint/2010/main" val="1543304680"/>
       </p:ext>
     </p:extLst>
   </p:cSld>
@@ -1218,7 +1303,7 @@
     </p:spTree>
     <p:extLst>
       <p:ext uri="{BB962C8B-B14F-4D97-AF65-F5344CB8AC3E}">
-        <p14:creationId xmlns:p14="http://schemas.microsoft.com/office/powerpoint/2010/main" val="1510818962"/>
+        <p14:creationId xmlns:p14="http://schemas.microsoft.com/office/powerpoint/2010/main" val="3489136822"/>
       </p:ext>
     </p:extLst>
   </p:cSld>
@@ -2816,6 +2901,2186 @@
 </p:sld>
 </file>
 
+<file path=ppt/slides/slide10.xml><?xml version="1.0" encoding="utf-8"?>
+<p:sld xmlns:a="http://schemas.openxmlformats.org/drawingml/2006/main" xmlns:r="http://schemas.openxmlformats.org/officeDocument/2006/relationships" xmlns:p="http://schemas.openxmlformats.org/presentationml/2006/main">
+  <p:cSld>
+    <p:spTree>
+      <p:nvGrpSpPr>
+        <p:cNvPr id="1" name=""/>
+        <p:cNvGrpSpPr/>
+        <p:nvPr/>
+      </p:nvGrpSpPr>
+      <p:grpSpPr>
+        <a:xfrm>
+          <a:off x="0" y="0"/>
+          <a:ext cx="0" cy="0"/>
+          <a:chOff x="0" y="0"/>
+          <a:chExt cx="0" cy="0"/>
+        </a:xfrm>
+      </p:grpSpPr>
+      <p:sp>
+        <p:nvSpPr>
+          <p:cNvPr id="2" name="Title 1">
+            <a:extLst>
+              <a:ext uri="{FF2B5EF4-FFF2-40B4-BE49-F238E27FC236}">
+                <a16:creationId xmlns:a16="http://schemas.microsoft.com/office/drawing/2014/main" id="{C27A62A0-E3E3-4DCB-BBC5-63FDB474798C}"/>
+              </a:ext>
+            </a:extLst>
+          </p:cNvPr>
+          <p:cNvSpPr>
+            <a:spLocks noGrp="1"/>
+          </p:cNvSpPr>
+          <p:nvPr>
+            <p:ph type="title"/>
+          </p:nvPr>
+        </p:nvSpPr>
+        <p:spPr/>
+        <p:txBody>
+          <a:bodyPr/>
+          <a:lstStyle/>
+          <a:p>
+            <a:r>
+              <a:rPr lang="en-US" dirty="0"/>
+              <a:t>Workshop Scenario</a:t>
+            </a:r>
+          </a:p>
+        </p:txBody>
+      </p:sp>
+      <p:sp>
+        <p:nvSpPr>
+          <p:cNvPr id="3" name="Content Placeholder 2">
+            <a:extLst>
+              <a:ext uri="{FF2B5EF4-FFF2-40B4-BE49-F238E27FC236}">
+                <a16:creationId xmlns:a16="http://schemas.microsoft.com/office/drawing/2014/main" id="{5C351E07-3D78-4561-8477-B8F12B98225E}"/>
+              </a:ext>
+            </a:extLst>
+          </p:cNvPr>
+          <p:cNvSpPr>
+            <a:spLocks noGrp="1"/>
+          </p:cNvSpPr>
+          <p:nvPr>
+            <p:ph idx="1"/>
+          </p:nvPr>
+        </p:nvSpPr>
+        <p:spPr>
+          <a:ln>
+            <a:solidFill>
+              <a:schemeClr val="bg1">
+                <a:lumMod val="50000"/>
+              </a:schemeClr>
+            </a:solidFill>
+          </a:ln>
+        </p:spPr>
+        <p:txBody>
+          <a:bodyPr/>
+          <a:lstStyle/>
+          <a:p>
+            <a:pPr marL="0" indent="0">
+              <a:buNone/>
+            </a:pPr>
+            <a:r>
+              <a:rPr lang="en-US"/>
+              <a:t> </a:t>
+            </a:r>
+            <a:endParaRPr lang="en-US" dirty="0"/>
+          </a:p>
+        </p:txBody>
+      </p:sp>
+      <p:sp>
+        <p:nvSpPr>
+          <p:cNvPr id="4" name="Text Placeholder 3">
+            <a:extLst>
+              <a:ext uri="{FF2B5EF4-FFF2-40B4-BE49-F238E27FC236}">
+                <a16:creationId xmlns:a16="http://schemas.microsoft.com/office/drawing/2014/main" id="{09E79592-AC01-4B52-8C3A-216E9F84829F}"/>
+              </a:ext>
+            </a:extLst>
+          </p:cNvPr>
+          <p:cNvSpPr>
+            <a:spLocks noGrp="1"/>
+          </p:cNvSpPr>
+          <p:nvPr>
+            <p:ph type="body" sz="quarter" idx="10"/>
+          </p:nvPr>
+        </p:nvSpPr>
+        <p:spPr/>
+        <p:txBody>
+          <a:bodyPr/>
+          <a:lstStyle/>
+          <a:p>
+            <a:r>
+              <a:rPr lang="en-US" dirty="0"/>
+              <a:t>(Optional) vi. </a:t>
+            </a:r>
+            <a:r>
+              <a:rPr lang="en-US" altLang="en-US" dirty="0"/>
+              <a:t>Create Application Gateway</a:t>
+            </a:r>
+          </a:p>
+        </p:txBody>
+      </p:sp>
+      <p:sp>
+        <p:nvSpPr>
+          <p:cNvPr id="97" name="Rectangle: Rounded Corners 96">
+            <a:extLst>
+              <a:ext uri="{FF2B5EF4-FFF2-40B4-BE49-F238E27FC236}">
+                <a16:creationId xmlns:a16="http://schemas.microsoft.com/office/drawing/2014/main" id="{ED85FD87-D151-46EF-A781-D50DDB5BD8D3}"/>
+              </a:ext>
+            </a:extLst>
+          </p:cNvPr>
+          <p:cNvSpPr/>
+          <p:nvPr/>
+        </p:nvSpPr>
+        <p:spPr>
+          <a:xfrm>
+            <a:off x="4865052" y="2848456"/>
+            <a:ext cx="2451807" cy="3288616"/>
+          </a:xfrm>
+          <a:prstGeom prst="roundRect">
+            <a:avLst>
+              <a:gd name="adj" fmla="val 0"/>
+            </a:avLst>
+          </a:prstGeom>
+          <a:solidFill>
+            <a:schemeClr val="tx2">
+              <a:lumMod val="20000"/>
+              <a:lumOff val="80000"/>
+            </a:schemeClr>
+          </a:solidFill>
+          <a:ln w="12700">
+            <a:noFill/>
+            <a:prstDash val="solid"/>
+          </a:ln>
+        </p:spPr>
+        <p:style>
+          <a:lnRef idx="2">
+            <a:schemeClr val="accent1">
+              <a:shade val="50000"/>
+            </a:schemeClr>
+          </a:lnRef>
+          <a:fillRef idx="1">
+            <a:schemeClr val="accent1"/>
+          </a:fillRef>
+          <a:effectRef idx="0">
+            <a:schemeClr val="accent1"/>
+          </a:effectRef>
+          <a:fontRef idx="minor">
+            <a:schemeClr val="lt1"/>
+          </a:fontRef>
+        </p:style>
+        <p:txBody>
+          <a:bodyPr rtlCol="0" anchor="ctr"/>
+          <a:lstStyle/>
+          <a:p>
+            <a:pPr algn="ctr"/>
+            <a:endParaRPr lang="en-US"/>
+          </a:p>
+        </p:txBody>
+      </p:sp>
+      <p:sp>
+        <p:nvSpPr>
+          <p:cNvPr id="98" name="Rectangle: Rounded Corners 97">
+            <a:extLst>
+              <a:ext uri="{FF2B5EF4-FFF2-40B4-BE49-F238E27FC236}">
+                <a16:creationId xmlns:a16="http://schemas.microsoft.com/office/drawing/2014/main" id="{E9AC3F41-DCB6-4508-A78C-ED9D244455AC}"/>
+              </a:ext>
+            </a:extLst>
+          </p:cNvPr>
+          <p:cNvSpPr/>
+          <p:nvPr/>
+        </p:nvSpPr>
+        <p:spPr>
+          <a:xfrm>
+            <a:off x="7455203" y="2848456"/>
+            <a:ext cx="3899145" cy="3288616"/>
+          </a:xfrm>
+          <a:prstGeom prst="roundRect">
+            <a:avLst>
+              <a:gd name="adj" fmla="val 0"/>
+            </a:avLst>
+          </a:prstGeom>
+          <a:solidFill>
+            <a:schemeClr val="tx2">
+              <a:lumMod val="20000"/>
+              <a:lumOff val="80000"/>
+            </a:schemeClr>
+          </a:solidFill>
+          <a:ln w="12700">
+            <a:noFill/>
+            <a:prstDash val="solid"/>
+          </a:ln>
+        </p:spPr>
+        <p:style>
+          <a:lnRef idx="2">
+            <a:schemeClr val="accent1">
+              <a:shade val="50000"/>
+            </a:schemeClr>
+          </a:lnRef>
+          <a:fillRef idx="1">
+            <a:schemeClr val="accent1"/>
+          </a:fillRef>
+          <a:effectRef idx="0">
+            <a:schemeClr val="accent1"/>
+          </a:effectRef>
+          <a:fontRef idx="minor">
+            <a:schemeClr val="lt1"/>
+          </a:fontRef>
+        </p:style>
+        <p:txBody>
+          <a:bodyPr rtlCol="0" anchor="ctr"/>
+          <a:lstStyle/>
+          <a:p>
+            <a:pPr algn="ctr"/>
+            <a:endParaRPr lang="en-US"/>
+          </a:p>
+        </p:txBody>
+      </p:sp>
+      <p:sp>
+        <p:nvSpPr>
+          <p:cNvPr id="82" name="Rectangle: Rounded Corners 81">
+            <a:extLst>
+              <a:ext uri="{FF2B5EF4-FFF2-40B4-BE49-F238E27FC236}">
+                <a16:creationId xmlns:a16="http://schemas.microsoft.com/office/drawing/2014/main" id="{C8E89083-D2CE-4050-8588-843879319843}"/>
+              </a:ext>
+            </a:extLst>
+          </p:cNvPr>
+          <p:cNvSpPr/>
+          <p:nvPr/>
+        </p:nvSpPr>
+        <p:spPr>
+          <a:xfrm>
+            <a:off x="5712879" y="4162176"/>
+            <a:ext cx="1426119" cy="1819539"/>
+          </a:xfrm>
+          <a:prstGeom prst="roundRect">
+            <a:avLst>
+              <a:gd name="adj" fmla="val 8127"/>
+            </a:avLst>
+          </a:prstGeom>
+          <a:solidFill>
+            <a:schemeClr val="accent1">
+              <a:lumMod val="40000"/>
+              <a:lumOff val="60000"/>
+            </a:schemeClr>
+          </a:solidFill>
+          <a:ln w="12700">
+            <a:noFill/>
+            <a:prstDash val="solid"/>
+          </a:ln>
+        </p:spPr>
+        <p:style>
+          <a:lnRef idx="2">
+            <a:schemeClr val="accent1">
+              <a:shade val="50000"/>
+            </a:schemeClr>
+          </a:lnRef>
+          <a:fillRef idx="1">
+            <a:schemeClr val="accent1"/>
+          </a:fillRef>
+          <a:effectRef idx="0">
+            <a:schemeClr val="accent1"/>
+          </a:effectRef>
+          <a:fontRef idx="minor">
+            <a:schemeClr val="lt1"/>
+          </a:fontRef>
+        </p:style>
+        <p:txBody>
+          <a:bodyPr rtlCol="0" anchor="ctr"/>
+          <a:lstStyle/>
+          <a:p>
+            <a:pPr algn="ctr"/>
+            <a:endParaRPr lang="en-US"/>
+          </a:p>
+        </p:txBody>
+      </p:sp>
+      <p:sp>
+        <p:nvSpPr>
+          <p:cNvPr id="83" name="Rectangle: Rounded Corners 82">
+            <a:extLst>
+              <a:ext uri="{FF2B5EF4-FFF2-40B4-BE49-F238E27FC236}">
+                <a16:creationId xmlns:a16="http://schemas.microsoft.com/office/drawing/2014/main" id="{85EC6102-3078-484B-8847-B0AC5ED8C2DE}"/>
+              </a:ext>
+            </a:extLst>
+          </p:cNvPr>
+          <p:cNvSpPr/>
+          <p:nvPr/>
+        </p:nvSpPr>
+        <p:spPr>
+          <a:xfrm>
+            <a:off x="8292445" y="4162176"/>
+            <a:ext cx="2867621" cy="1819539"/>
+          </a:xfrm>
+          <a:prstGeom prst="roundRect">
+            <a:avLst>
+              <a:gd name="adj" fmla="val 8127"/>
+            </a:avLst>
+          </a:prstGeom>
+          <a:solidFill>
+            <a:schemeClr val="accent1">
+              <a:lumMod val="40000"/>
+              <a:lumOff val="60000"/>
+            </a:schemeClr>
+          </a:solidFill>
+          <a:ln w="12700">
+            <a:noFill/>
+            <a:prstDash val="solid"/>
+          </a:ln>
+        </p:spPr>
+        <p:style>
+          <a:lnRef idx="2">
+            <a:schemeClr val="accent1">
+              <a:shade val="50000"/>
+            </a:schemeClr>
+          </a:lnRef>
+          <a:fillRef idx="1">
+            <a:schemeClr val="accent1"/>
+          </a:fillRef>
+          <a:effectRef idx="0">
+            <a:schemeClr val="accent1"/>
+          </a:effectRef>
+          <a:fontRef idx="minor">
+            <a:schemeClr val="lt1"/>
+          </a:fontRef>
+        </p:style>
+        <p:txBody>
+          <a:bodyPr rtlCol="0" anchor="ctr"/>
+          <a:lstStyle/>
+          <a:p>
+            <a:pPr algn="ctr"/>
+            <a:endParaRPr lang="en-US"/>
+          </a:p>
+        </p:txBody>
+      </p:sp>
+      <p:pic>
+        <p:nvPicPr>
+          <p:cNvPr id="12" name="Picture 11">
+            <a:extLst>
+              <a:ext uri="{FF2B5EF4-FFF2-40B4-BE49-F238E27FC236}">
+                <a16:creationId xmlns:a16="http://schemas.microsoft.com/office/drawing/2014/main" id="{8743CDAF-BB06-46A1-A3C7-792541C30887}"/>
+              </a:ext>
+            </a:extLst>
+          </p:cNvPr>
+          <p:cNvPicPr>
+            <a:picLocks noChangeAspect="1"/>
+          </p:cNvPicPr>
+          <p:nvPr/>
+        </p:nvPicPr>
+        <p:blipFill>
+          <a:blip r:embed="rId3">
+            <a:extLst>
+              <a:ext uri="{28A0092B-C50C-407E-A947-70E740481C1C}">
+                <a14:useLocalDpi xmlns:a14="http://schemas.microsoft.com/office/drawing/2010/main" val="0"/>
+              </a:ext>
+            </a:extLst>
+          </a:blip>
+          <a:stretch>
+            <a:fillRect/>
+          </a:stretch>
+        </p:blipFill>
+        <p:spPr>
+          <a:xfrm>
+            <a:off x="3497936" y="1996689"/>
+            <a:ext cx="780290" cy="780290"/>
+          </a:xfrm>
+          <a:prstGeom prst="rect">
+            <a:avLst/>
+          </a:prstGeom>
+        </p:spPr>
+      </p:pic>
+      <p:pic>
+        <p:nvPicPr>
+          <p:cNvPr id="16" name="Picture 15">
+            <a:extLst>
+              <a:ext uri="{FF2B5EF4-FFF2-40B4-BE49-F238E27FC236}">
+                <a16:creationId xmlns:a16="http://schemas.microsoft.com/office/drawing/2014/main" id="{617A789B-F9CA-4FC7-8516-DD887B7FEDF8}"/>
+              </a:ext>
+            </a:extLst>
+          </p:cNvPr>
+          <p:cNvPicPr>
+            <a:picLocks noChangeAspect="1"/>
+          </p:cNvPicPr>
+          <p:nvPr/>
+        </p:nvPicPr>
+        <p:blipFill>
+          <a:blip r:embed="rId4">
+            <a:extLst>
+              <a:ext uri="{28A0092B-C50C-407E-A947-70E740481C1C}">
+                <a14:useLocalDpi xmlns:a14="http://schemas.microsoft.com/office/drawing/2010/main" val="0"/>
+              </a:ext>
+            </a:extLst>
+          </a:blip>
+          <a:stretch>
+            <a:fillRect/>
+          </a:stretch>
+        </p:blipFill>
+        <p:spPr>
+          <a:xfrm>
+            <a:off x="1872818" y="1182767"/>
+            <a:ext cx="780290" cy="780290"/>
+          </a:xfrm>
+          <a:prstGeom prst="rect">
+            <a:avLst/>
+          </a:prstGeom>
+        </p:spPr>
+      </p:pic>
+      <p:pic>
+        <p:nvPicPr>
+          <p:cNvPr id="32" name="Picture 31">
+            <a:extLst>
+              <a:ext uri="{FF2B5EF4-FFF2-40B4-BE49-F238E27FC236}">
+                <a16:creationId xmlns:a16="http://schemas.microsoft.com/office/drawing/2014/main" id="{442DEA8E-4FE2-47E4-8B5D-72F82C586242}"/>
+              </a:ext>
+            </a:extLst>
+          </p:cNvPr>
+          <p:cNvPicPr>
+            <a:picLocks noChangeAspect="1"/>
+          </p:cNvPicPr>
+          <p:nvPr/>
+        </p:nvPicPr>
+        <p:blipFill>
+          <a:blip r:embed="rId5">
+            <a:extLst>
+              <a:ext uri="{28A0092B-C50C-407E-A947-70E740481C1C}">
+                <a14:useLocalDpi xmlns:a14="http://schemas.microsoft.com/office/drawing/2010/main" val="0"/>
+              </a:ext>
+            </a:extLst>
+          </a:blip>
+          <a:stretch>
+            <a:fillRect/>
+          </a:stretch>
+        </p:blipFill>
+        <p:spPr>
+          <a:xfrm>
+            <a:off x="5344023" y="3496240"/>
+            <a:ext cx="780290" cy="780290"/>
+          </a:xfrm>
+          <a:prstGeom prst="rect">
+            <a:avLst/>
+          </a:prstGeom>
+        </p:spPr>
+      </p:pic>
+      <p:pic>
+        <p:nvPicPr>
+          <p:cNvPr id="34" name="Picture 33">
+            <a:extLst>
+              <a:ext uri="{FF2B5EF4-FFF2-40B4-BE49-F238E27FC236}">
+                <a16:creationId xmlns:a16="http://schemas.microsoft.com/office/drawing/2014/main" id="{AFA11ABD-E0EB-4CF0-A4CE-4B631DA5DAE9}"/>
+              </a:ext>
+            </a:extLst>
+          </p:cNvPr>
+          <p:cNvPicPr>
+            <a:picLocks noChangeAspect="1"/>
+          </p:cNvPicPr>
+          <p:nvPr/>
+        </p:nvPicPr>
+        <p:blipFill>
+          <a:blip r:embed="rId6">
+            <a:extLst>
+              <a:ext uri="{28A0092B-C50C-407E-A947-70E740481C1C}">
+                <a14:useLocalDpi xmlns:a14="http://schemas.microsoft.com/office/drawing/2010/main" val="0"/>
+              </a:ext>
+            </a:extLst>
+          </a:blip>
+          <a:stretch>
+            <a:fillRect/>
+          </a:stretch>
+        </p:blipFill>
+        <p:spPr>
+          <a:xfrm>
+            <a:off x="4947926" y="5206100"/>
+            <a:ext cx="780290" cy="780290"/>
+          </a:xfrm>
+          <a:prstGeom prst="rect">
+            <a:avLst/>
+          </a:prstGeom>
+        </p:spPr>
+      </p:pic>
+      <p:pic>
+        <p:nvPicPr>
+          <p:cNvPr id="35" name="Picture 34">
+            <a:extLst>
+              <a:ext uri="{FF2B5EF4-FFF2-40B4-BE49-F238E27FC236}">
+                <a16:creationId xmlns:a16="http://schemas.microsoft.com/office/drawing/2014/main" id="{9A05EDAA-59CC-44B7-A710-541B981C8753}"/>
+              </a:ext>
+            </a:extLst>
+          </p:cNvPr>
+          <p:cNvPicPr>
+            <a:picLocks noChangeAspect="1"/>
+          </p:cNvPicPr>
+          <p:nvPr/>
+        </p:nvPicPr>
+        <p:blipFill>
+          <a:blip r:embed="rId6">
+            <a:extLst>
+              <a:ext uri="{28A0092B-C50C-407E-A947-70E740481C1C}">
+                <a14:useLocalDpi xmlns:a14="http://schemas.microsoft.com/office/drawing/2010/main" val="0"/>
+              </a:ext>
+            </a:extLst>
+          </a:blip>
+          <a:stretch>
+            <a:fillRect/>
+          </a:stretch>
+        </p:blipFill>
+        <p:spPr>
+          <a:xfrm>
+            <a:off x="7495752" y="5206100"/>
+            <a:ext cx="780290" cy="780290"/>
+          </a:xfrm>
+          <a:prstGeom prst="rect">
+            <a:avLst/>
+          </a:prstGeom>
+        </p:spPr>
+      </p:pic>
+      <p:grpSp>
+        <p:nvGrpSpPr>
+          <p:cNvPr id="42" name="Group 41">
+            <a:extLst>
+              <a:ext uri="{FF2B5EF4-FFF2-40B4-BE49-F238E27FC236}">
+                <a16:creationId xmlns:a16="http://schemas.microsoft.com/office/drawing/2014/main" id="{3406DA3B-1524-4E6F-AA0B-FBEB7887B9E0}"/>
+              </a:ext>
+            </a:extLst>
+          </p:cNvPr>
+          <p:cNvGrpSpPr/>
+          <p:nvPr/>
+        </p:nvGrpSpPr>
+        <p:grpSpPr>
+          <a:xfrm>
+            <a:off x="385160" y="4157396"/>
+            <a:ext cx="1784622" cy="2184198"/>
+            <a:chOff x="385160" y="4157396"/>
+            <a:chExt cx="1784622" cy="2184198"/>
+          </a:xfrm>
+        </p:grpSpPr>
+        <p:grpSp>
+          <p:nvGrpSpPr>
+            <p:cNvPr id="39" name="Group 38">
+              <a:extLst>
+                <a:ext uri="{FF2B5EF4-FFF2-40B4-BE49-F238E27FC236}">
+                  <a16:creationId xmlns:a16="http://schemas.microsoft.com/office/drawing/2014/main" id="{9C38D145-FB8D-448F-9F62-4C1E4F716D13}"/>
+                </a:ext>
+              </a:extLst>
+            </p:cNvPr>
+            <p:cNvGrpSpPr/>
+            <p:nvPr/>
+          </p:nvGrpSpPr>
+          <p:grpSpPr>
+            <a:xfrm>
+              <a:off x="682124" y="4998313"/>
+              <a:ext cx="1190694" cy="1343281"/>
+              <a:chOff x="717047" y="4998313"/>
+              <a:chExt cx="1190694" cy="1343281"/>
+            </a:xfrm>
+          </p:grpSpPr>
+          <p:pic>
+            <p:nvPicPr>
+              <p:cNvPr id="6" name="Picture 5">
+                <a:extLst>
+                  <a:ext uri="{FF2B5EF4-FFF2-40B4-BE49-F238E27FC236}">
+                    <a16:creationId xmlns:a16="http://schemas.microsoft.com/office/drawing/2014/main" id="{9CBF79C3-0BCB-4557-8E03-93C4A16D1A4E}"/>
+                  </a:ext>
+                </a:extLst>
+              </p:cNvPr>
+              <p:cNvPicPr>
+                <a:picLocks noChangeAspect="1"/>
+              </p:cNvPicPr>
+              <p:nvPr/>
+            </p:nvPicPr>
+            <p:blipFill>
+              <a:blip r:embed="rId7">
+                <a:duotone>
+                  <a:prstClr val="black"/>
+                  <a:schemeClr val="tx2">
+                    <a:tint val="45000"/>
+                    <a:satMod val="400000"/>
+                  </a:schemeClr>
+                </a:duotone>
+                <a:extLst>
+                  <a:ext uri="{28A0092B-C50C-407E-A947-70E740481C1C}">
+                    <a14:useLocalDpi xmlns:a14="http://schemas.microsoft.com/office/drawing/2010/main" val="0"/>
+                  </a:ext>
+                </a:extLst>
+              </a:blip>
+              <a:stretch>
+                <a:fillRect/>
+              </a:stretch>
+            </p:blipFill>
+            <p:spPr>
+              <a:xfrm>
+                <a:off x="922249" y="5119568"/>
+                <a:ext cx="780290" cy="780290"/>
+              </a:xfrm>
+              <a:prstGeom prst="rect">
+                <a:avLst/>
+              </a:prstGeom>
+            </p:spPr>
+          </p:pic>
+          <p:sp>
+            <p:nvSpPr>
+              <p:cNvPr id="37" name="Rectangle 36">
+                <a:extLst>
+                  <a:ext uri="{FF2B5EF4-FFF2-40B4-BE49-F238E27FC236}">
+                    <a16:creationId xmlns:a16="http://schemas.microsoft.com/office/drawing/2014/main" id="{04A54999-2CE2-412B-9649-966BBF6C4514}"/>
+                  </a:ext>
+                </a:extLst>
+              </p:cNvPr>
+              <p:cNvSpPr/>
+              <p:nvPr/>
+            </p:nvSpPr>
+            <p:spPr>
+              <a:xfrm>
+                <a:off x="717047" y="4998313"/>
+                <a:ext cx="1190694" cy="1343281"/>
+              </a:xfrm>
+              <a:prstGeom prst="rect">
+                <a:avLst/>
+              </a:prstGeom>
+              <a:noFill/>
+              <a:ln>
+                <a:solidFill>
+                  <a:schemeClr val="bg1">
+                    <a:lumMod val="65000"/>
+                  </a:schemeClr>
+                </a:solidFill>
+              </a:ln>
+            </p:spPr>
+            <p:style>
+              <a:lnRef idx="2">
+                <a:schemeClr val="accent1">
+                  <a:shade val="50000"/>
+                </a:schemeClr>
+              </a:lnRef>
+              <a:fillRef idx="1">
+                <a:schemeClr val="accent1"/>
+              </a:fillRef>
+              <a:effectRef idx="0">
+                <a:schemeClr val="accent1"/>
+              </a:effectRef>
+              <a:fontRef idx="minor">
+                <a:schemeClr val="lt1"/>
+              </a:fontRef>
+            </p:style>
+            <p:txBody>
+              <a:bodyPr rtlCol="0" anchor="ctr"/>
+              <a:lstStyle/>
+              <a:p>
+                <a:pPr algn="ctr"/>
+                <a:endParaRPr lang="en-US"/>
+              </a:p>
+            </p:txBody>
+          </p:sp>
+          <p:sp>
+            <p:nvSpPr>
+              <p:cNvPr id="38" name="TextBox 37">
+                <a:extLst>
+                  <a:ext uri="{FF2B5EF4-FFF2-40B4-BE49-F238E27FC236}">
+                    <a16:creationId xmlns:a16="http://schemas.microsoft.com/office/drawing/2014/main" id="{50CBBD9B-22F9-4EBF-A646-022677E8ABE2}"/>
+                  </a:ext>
+                </a:extLst>
+              </p:cNvPr>
+              <p:cNvSpPr txBox="1"/>
+              <p:nvPr/>
+            </p:nvSpPr>
+            <p:spPr>
+              <a:xfrm>
+                <a:off x="1059761" y="5930072"/>
+                <a:ext cx="505267" cy="276999"/>
+              </a:xfrm>
+              <a:prstGeom prst="rect">
+                <a:avLst/>
+              </a:prstGeom>
+              <a:noFill/>
+            </p:spPr>
+            <p:txBody>
+              <a:bodyPr wrap="none" rtlCol="0">
+                <a:spAutoFit/>
+              </a:bodyPr>
+              <a:lstStyle/>
+              <a:p>
+                <a:r>
+                  <a:rPr lang="en-US" sz="1200" dirty="0"/>
+                  <a:t>VHD</a:t>
+                </a:r>
+              </a:p>
+            </p:txBody>
+          </p:sp>
+        </p:grpSp>
+        <p:grpSp>
+          <p:nvGrpSpPr>
+            <p:cNvPr id="41" name="Group 40">
+              <a:extLst>
+                <a:ext uri="{FF2B5EF4-FFF2-40B4-BE49-F238E27FC236}">
+                  <a16:creationId xmlns:a16="http://schemas.microsoft.com/office/drawing/2014/main" id="{2103F77F-C7D8-4972-8E2E-5E05A866591E}"/>
+                </a:ext>
+              </a:extLst>
+            </p:cNvPr>
+            <p:cNvGrpSpPr/>
+            <p:nvPr/>
+          </p:nvGrpSpPr>
+          <p:grpSpPr>
+            <a:xfrm>
+              <a:off x="385160" y="4157396"/>
+              <a:ext cx="1784622" cy="780290"/>
+              <a:chOff x="385160" y="4157396"/>
+              <a:chExt cx="1784622" cy="780290"/>
+            </a:xfrm>
+          </p:grpSpPr>
+          <p:pic>
+            <p:nvPicPr>
+              <p:cNvPr id="24" name="Picture 23">
+                <a:extLst>
+                  <a:ext uri="{FF2B5EF4-FFF2-40B4-BE49-F238E27FC236}">
+                    <a16:creationId xmlns:a16="http://schemas.microsoft.com/office/drawing/2014/main" id="{6579A773-3975-40EB-B6D1-8F36CA1CCDD1}"/>
+                  </a:ext>
+                </a:extLst>
+              </p:cNvPr>
+              <p:cNvPicPr>
+                <a:picLocks noChangeAspect="1"/>
+              </p:cNvPicPr>
+              <p:nvPr/>
+            </p:nvPicPr>
+            <p:blipFill>
+              <a:blip r:embed="rId8">
+                <a:extLst>
+                  <a:ext uri="{28A0092B-C50C-407E-A947-70E740481C1C}">
+                    <a14:useLocalDpi xmlns:a14="http://schemas.microsoft.com/office/drawing/2010/main" val="0"/>
+                  </a:ext>
+                </a:extLst>
+              </a:blip>
+              <a:stretch>
+                <a:fillRect/>
+              </a:stretch>
+            </p:blipFill>
+            <p:spPr>
+              <a:xfrm>
+                <a:off x="385160" y="4157396"/>
+                <a:ext cx="780290" cy="780290"/>
+              </a:xfrm>
+              <a:prstGeom prst="rect">
+                <a:avLst/>
+              </a:prstGeom>
+            </p:spPr>
+          </p:pic>
+          <p:sp>
+            <p:nvSpPr>
+              <p:cNvPr id="40" name="TextBox 39">
+                <a:extLst>
+                  <a:ext uri="{FF2B5EF4-FFF2-40B4-BE49-F238E27FC236}">
+                    <a16:creationId xmlns:a16="http://schemas.microsoft.com/office/drawing/2014/main" id="{D3CC5B31-4405-4686-AADF-EF689B00A7BC}"/>
+                  </a:ext>
+                </a:extLst>
+              </p:cNvPr>
+              <p:cNvSpPr txBox="1"/>
+              <p:nvPr/>
+            </p:nvSpPr>
+            <p:spPr>
+              <a:xfrm>
+                <a:off x="1164955" y="4643442"/>
+                <a:ext cx="1004827" cy="276999"/>
+              </a:xfrm>
+              <a:prstGeom prst="rect">
+                <a:avLst/>
+              </a:prstGeom>
+              <a:noFill/>
+            </p:spPr>
+            <p:txBody>
+              <a:bodyPr wrap="none" rtlCol="0">
+                <a:spAutoFit/>
+              </a:bodyPr>
+              <a:lstStyle/>
+              <a:p>
+                <a:r>
+                  <a:rPr lang="en-US" sz="1200" dirty="0"/>
+                  <a:t>On-premise</a:t>
+                </a:r>
+              </a:p>
+            </p:txBody>
+          </p:sp>
+        </p:grpSp>
+      </p:grpSp>
+      <p:sp>
+        <p:nvSpPr>
+          <p:cNvPr id="43" name="Rectangle 42">
+            <a:extLst>
+              <a:ext uri="{FF2B5EF4-FFF2-40B4-BE49-F238E27FC236}">
+                <a16:creationId xmlns:a16="http://schemas.microsoft.com/office/drawing/2014/main" id="{91DA5635-0AFF-47D4-9757-165B9F84C803}"/>
+              </a:ext>
+            </a:extLst>
+          </p:cNvPr>
+          <p:cNvSpPr/>
+          <p:nvPr/>
+        </p:nvSpPr>
+        <p:spPr>
+          <a:xfrm>
+            <a:off x="2242521" y="1894585"/>
+            <a:ext cx="9414433" cy="4428834"/>
+          </a:xfrm>
+          <a:prstGeom prst="rect">
+            <a:avLst/>
+          </a:prstGeom>
+          <a:noFill/>
+          <a:ln>
+            <a:solidFill>
+              <a:schemeClr val="bg1">
+                <a:lumMod val="65000"/>
+              </a:schemeClr>
+            </a:solidFill>
+          </a:ln>
+        </p:spPr>
+        <p:style>
+          <a:lnRef idx="2">
+            <a:schemeClr val="accent1">
+              <a:shade val="50000"/>
+            </a:schemeClr>
+          </a:lnRef>
+          <a:fillRef idx="1">
+            <a:schemeClr val="accent1"/>
+          </a:fillRef>
+          <a:effectRef idx="0">
+            <a:schemeClr val="accent1"/>
+          </a:effectRef>
+          <a:fontRef idx="minor">
+            <a:schemeClr val="lt1"/>
+          </a:fontRef>
+        </p:style>
+        <p:txBody>
+          <a:bodyPr rtlCol="0" anchor="ctr"/>
+          <a:lstStyle/>
+          <a:p>
+            <a:pPr algn="ctr"/>
+            <a:endParaRPr lang="en-US"/>
+          </a:p>
+        </p:txBody>
+      </p:sp>
+      <p:sp>
+        <p:nvSpPr>
+          <p:cNvPr id="44" name="TextBox 43">
+            <a:extLst>
+              <a:ext uri="{FF2B5EF4-FFF2-40B4-BE49-F238E27FC236}">
+                <a16:creationId xmlns:a16="http://schemas.microsoft.com/office/drawing/2014/main" id="{6126D8C2-A6DE-47A9-9204-84D890BE9876}"/>
+              </a:ext>
+            </a:extLst>
+          </p:cNvPr>
+          <p:cNvSpPr txBox="1"/>
+          <p:nvPr/>
+        </p:nvSpPr>
+        <p:spPr>
+          <a:xfrm>
+            <a:off x="2658920" y="1578939"/>
+            <a:ext cx="1292790" cy="276999"/>
+          </a:xfrm>
+          <a:prstGeom prst="rect">
+            <a:avLst/>
+          </a:prstGeom>
+          <a:noFill/>
+        </p:spPr>
+        <p:txBody>
+          <a:bodyPr wrap="none" rtlCol="0">
+            <a:spAutoFit/>
+          </a:bodyPr>
+          <a:lstStyle/>
+          <a:p>
+            <a:r>
+              <a:rPr lang="en-US" sz="1200" dirty="0"/>
+              <a:t>Microsoft Azure</a:t>
+            </a:r>
+          </a:p>
+        </p:txBody>
+      </p:sp>
+      <p:sp>
+        <p:nvSpPr>
+          <p:cNvPr id="45" name="Rectangle 44">
+            <a:extLst>
+              <a:ext uri="{FF2B5EF4-FFF2-40B4-BE49-F238E27FC236}">
+                <a16:creationId xmlns:a16="http://schemas.microsoft.com/office/drawing/2014/main" id="{49C440DE-2E22-4460-A7E6-A4AF25B77596}"/>
+              </a:ext>
+            </a:extLst>
+          </p:cNvPr>
+          <p:cNvSpPr/>
+          <p:nvPr/>
+        </p:nvSpPr>
+        <p:spPr>
+          <a:xfrm>
+            <a:off x="3647358" y="2776979"/>
+            <a:ext cx="7809749" cy="3430092"/>
+          </a:xfrm>
+          <a:prstGeom prst="rect">
+            <a:avLst/>
+          </a:prstGeom>
+          <a:noFill/>
+          <a:ln>
+            <a:solidFill>
+              <a:schemeClr val="bg1">
+                <a:lumMod val="65000"/>
+              </a:schemeClr>
+            </a:solidFill>
+          </a:ln>
+        </p:spPr>
+        <p:style>
+          <a:lnRef idx="2">
+            <a:schemeClr val="accent1">
+              <a:shade val="50000"/>
+            </a:schemeClr>
+          </a:lnRef>
+          <a:fillRef idx="1">
+            <a:schemeClr val="accent1"/>
+          </a:fillRef>
+          <a:effectRef idx="0">
+            <a:schemeClr val="accent1"/>
+          </a:effectRef>
+          <a:fontRef idx="minor">
+            <a:schemeClr val="lt1"/>
+          </a:fontRef>
+        </p:style>
+        <p:txBody>
+          <a:bodyPr rtlCol="0" anchor="ctr"/>
+          <a:lstStyle/>
+          <a:p>
+            <a:pPr algn="ctr"/>
+            <a:endParaRPr lang="en-US"/>
+          </a:p>
+        </p:txBody>
+      </p:sp>
+      <p:grpSp>
+        <p:nvGrpSpPr>
+          <p:cNvPr id="56" name="Group 55">
+            <a:extLst>
+              <a:ext uri="{FF2B5EF4-FFF2-40B4-BE49-F238E27FC236}">
+                <a16:creationId xmlns:a16="http://schemas.microsoft.com/office/drawing/2014/main" id="{38CFEFDA-CEEB-40F6-9E08-D084745B869D}"/>
+              </a:ext>
+            </a:extLst>
+          </p:cNvPr>
+          <p:cNvGrpSpPr/>
+          <p:nvPr/>
+        </p:nvGrpSpPr>
+        <p:grpSpPr>
+          <a:xfrm>
+            <a:off x="8640485" y="4430952"/>
+            <a:ext cx="2171540" cy="1032361"/>
+            <a:chOff x="8189467" y="4461123"/>
+            <a:chExt cx="2171540" cy="1032361"/>
+          </a:xfrm>
+        </p:grpSpPr>
+        <p:pic>
+          <p:nvPicPr>
+            <p:cNvPr id="47" name="Picture 46">
+              <a:extLst>
+                <a:ext uri="{FF2B5EF4-FFF2-40B4-BE49-F238E27FC236}">
+                  <a16:creationId xmlns:a16="http://schemas.microsoft.com/office/drawing/2014/main" id="{C659953C-05D8-4FC3-92FB-759322AABAE7}"/>
+                </a:ext>
+              </a:extLst>
+            </p:cNvPr>
+            <p:cNvPicPr>
+              <a:picLocks noChangeAspect="1"/>
+            </p:cNvPicPr>
+            <p:nvPr/>
+          </p:nvPicPr>
+          <p:blipFill>
+            <a:blip r:embed="rId9">
+              <a:extLst>
+                <a:ext uri="{28A0092B-C50C-407E-A947-70E740481C1C}">
+                  <a14:useLocalDpi xmlns:a14="http://schemas.microsoft.com/office/drawing/2010/main" val="0"/>
+                </a:ext>
+              </a:extLst>
+            </a:blip>
+            <a:stretch>
+              <a:fillRect/>
+            </a:stretch>
+          </p:blipFill>
+          <p:spPr>
+            <a:xfrm>
+              <a:off x="8320332" y="4597957"/>
+              <a:ext cx="780290" cy="780290"/>
+            </a:xfrm>
+            <a:prstGeom prst="rect">
+              <a:avLst/>
+            </a:prstGeom>
+          </p:spPr>
+        </p:pic>
+        <p:pic>
+          <p:nvPicPr>
+            <p:cNvPr id="48" name="Picture 47">
+              <a:extLst>
+                <a:ext uri="{FF2B5EF4-FFF2-40B4-BE49-F238E27FC236}">
+                  <a16:creationId xmlns:a16="http://schemas.microsoft.com/office/drawing/2014/main" id="{5F16F5E5-C07D-4A85-9267-1349FD45B522}"/>
+                </a:ext>
+              </a:extLst>
+            </p:cNvPr>
+            <p:cNvPicPr>
+              <a:picLocks noChangeAspect="1"/>
+            </p:cNvPicPr>
+            <p:nvPr/>
+          </p:nvPicPr>
+          <p:blipFill>
+            <a:blip r:embed="rId9">
+              <a:extLst>
+                <a:ext uri="{28A0092B-C50C-407E-A947-70E740481C1C}">
+                  <a14:useLocalDpi xmlns:a14="http://schemas.microsoft.com/office/drawing/2010/main" val="0"/>
+                </a:ext>
+              </a:extLst>
+            </a:blip>
+            <a:stretch>
+              <a:fillRect/>
+            </a:stretch>
+          </p:blipFill>
+          <p:spPr>
+            <a:xfrm>
+              <a:off x="9359720" y="4597957"/>
+              <a:ext cx="780290" cy="780290"/>
+            </a:xfrm>
+            <a:prstGeom prst="rect">
+              <a:avLst/>
+            </a:prstGeom>
+          </p:spPr>
+        </p:pic>
+        <p:sp>
+          <p:nvSpPr>
+            <p:cNvPr id="49" name="Rectangle: Rounded Corners 48">
+              <a:extLst>
+                <a:ext uri="{FF2B5EF4-FFF2-40B4-BE49-F238E27FC236}">
+                  <a16:creationId xmlns:a16="http://schemas.microsoft.com/office/drawing/2014/main" id="{CD7650B5-B4A3-43B1-A279-607BB46D25F2}"/>
+                </a:ext>
+              </a:extLst>
+            </p:cNvPr>
+            <p:cNvSpPr/>
+            <p:nvPr/>
+          </p:nvSpPr>
+          <p:spPr>
+            <a:xfrm>
+              <a:off x="8189467" y="4461123"/>
+              <a:ext cx="2171540" cy="1032361"/>
+            </a:xfrm>
+            <a:prstGeom prst="roundRect">
+              <a:avLst/>
+            </a:prstGeom>
+            <a:noFill/>
+            <a:ln w="76200">
+              <a:solidFill>
+                <a:schemeClr val="accent1"/>
+              </a:solidFill>
+              <a:prstDash val="sysDash"/>
+            </a:ln>
+          </p:spPr>
+          <p:style>
+            <a:lnRef idx="2">
+              <a:schemeClr val="accent1">
+                <a:shade val="50000"/>
+              </a:schemeClr>
+            </a:lnRef>
+            <a:fillRef idx="1">
+              <a:schemeClr val="accent1"/>
+            </a:fillRef>
+            <a:effectRef idx="0">
+              <a:schemeClr val="accent1"/>
+            </a:effectRef>
+            <a:fontRef idx="minor">
+              <a:schemeClr val="lt1"/>
+            </a:fontRef>
+          </p:style>
+          <p:txBody>
+            <a:bodyPr rtlCol="0" anchor="ctr"/>
+            <a:lstStyle/>
+            <a:p>
+              <a:pPr algn="ctr"/>
+              <a:endParaRPr lang="en-US"/>
+            </a:p>
+          </p:txBody>
+        </p:sp>
+      </p:grpSp>
+      <p:sp>
+        <p:nvSpPr>
+          <p:cNvPr id="52" name="TextBox 51">
+            <a:extLst>
+              <a:ext uri="{FF2B5EF4-FFF2-40B4-BE49-F238E27FC236}">
+                <a16:creationId xmlns:a16="http://schemas.microsoft.com/office/drawing/2014/main" id="{5E9227DD-032E-48DD-8CB7-ECF1D6C7AFA0}"/>
+              </a:ext>
+            </a:extLst>
+          </p:cNvPr>
+          <p:cNvSpPr txBox="1"/>
+          <p:nvPr/>
+        </p:nvSpPr>
+        <p:spPr>
+          <a:xfrm>
+            <a:off x="4389917" y="2427959"/>
+            <a:ext cx="1302536" cy="276999"/>
+          </a:xfrm>
+          <a:prstGeom prst="rect">
+            <a:avLst/>
+          </a:prstGeom>
+          <a:noFill/>
+        </p:spPr>
+        <p:txBody>
+          <a:bodyPr wrap="none" rtlCol="0">
+            <a:spAutoFit/>
+          </a:bodyPr>
+          <a:lstStyle/>
+          <a:p>
+            <a:r>
+              <a:rPr lang="en-US" sz="1200" dirty="0"/>
+              <a:t>Resource Group</a:t>
+            </a:r>
+          </a:p>
+        </p:txBody>
+      </p:sp>
+      <p:grpSp>
+        <p:nvGrpSpPr>
+          <p:cNvPr id="108" name="Group 107">
+            <a:extLst>
+              <a:ext uri="{FF2B5EF4-FFF2-40B4-BE49-F238E27FC236}">
+                <a16:creationId xmlns:a16="http://schemas.microsoft.com/office/drawing/2014/main" id="{C5C8F91F-A41A-4E95-AD53-F7424E536D2B}"/>
+              </a:ext>
+            </a:extLst>
+          </p:cNvPr>
+          <p:cNvGrpSpPr/>
+          <p:nvPr/>
+        </p:nvGrpSpPr>
+        <p:grpSpPr>
+          <a:xfrm>
+            <a:off x="2390078" y="2719437"/>
+            <a:ext cx="1035733" cy="1087503"/>
+            <a:chOff x="2390078" y="2961947"/>
+            <a:chExt cx="1035733" cy="1087503"/>
+          </a:xfrm>
+        </p:grpSpPr>
+        <p:pic>
+          <p:nvPicPr>
+            <p:cNvPr id="22" name="Picture 21">
+              <a:extLst>
+                <a:ext uri="{FF2B5EF4-FFF2-40B4-BE49-F238E27FC236}">
+                  <a16:creationId xmlns:a16="http://schemas.microsoft.com/office/drawing/2014/main" id="{027D4D5B-A243-46E0-9376-DC933A170414}"/>
+                </a:ext>
+              </a:extLst>
+            </p:cNvPr>
+            <p:cNvPicPr>
+              <a:picLocks noChangeAspect="1"/>
+            </p:cNvPicPr>
+            <p:nvPr/>
+          </p:nvPicPr>
+          <p:blipFill>
+            <a:blip r:embed="rId10">
+              <a:extLst>
+                <a:ext uri="{28A0092B-C50C-407E-A947-70E740481C1C}">
+                  <a14:useLocalDpi xmlns:a14="http://schemas.microsoft.com/office/drawing/2010/main" val="0"/>
+                </a:ext>
+              </a:extLst>
+            </a:blip>
+            <a:stretch>
+              <a:fillRect/>
+            </a:stretch>
+          </p:blipFill>
+          <p:spPr>
+            <a:xfrm>
+              <a:off x="2517799" y="2961947"/>
+              <a:ext cx="780290" cy="780290"/>
+            </a:xfrm>
+            <a:prstGeom prst="rect">
+              <a:avLst/>
+            </a:prstGeom>
+          </p:spPr>
+        </p:pic>
+        <p:sp>
+          <p:nvSpPr>
+            <p:cNvPr id="53" name="TextBox 52">
+              <a:extLst>
+                <a:ext uri="{FF2B5EF4-FFF2-40B4-BE49-F238E27FC236}">
+                  <a16:creationId xmlns:a16="http://schemas.microsoft.com/office/drawing/2014/main" id="{51620548-6DB0-44AA-9A24-264C7D5FEB40}"/>
+                </a:ext>
+              </a:extLst>
+            </p:cNvPr>
+            <p:cNvSpPr txBox="1"/>
+            <p:nvPr/>
+          </p:nvSpPr>
+          <p:spPr>
+            <a:xfrm>
+              <a:off x="2390078" y="3772451"/>
+              <a:ext cx="1035733" cy="276999"/>
+            </a:xfrm>
+            <a:prstGeom prst="rect">
+              <a:avLst/>
+            </a:prstGeom>
+            <a:noFill/>
+          </p:spPr>
+          <p:txBody>
+            <a:bodyPr wrap="none" rtlCol="0">
+              <a:spAutoFit/>
+            </a:bodyPr>
+            <a:lstStyle/>
+            <a:p>
+              <a:r>
+                <a:rPr lang="en-US" sz="1200" dirty="0"/>
+                <a:t>Marketplace</a:t>
+              </a:r>
+            </a:p>
+          </p:txBody>
+        </p:sp>
+      </p:grpSp>
+      <p:cxnSp>
+        <p:nvCxnSpPr>
+          <p:cNvPr id="63" name="Straight Connector 62">
+            <a:extLst>
+              <a:ext uri="{FF2B5EF4-FFF2-40B4-BE49-F238E27FC236}">
+                <a16:creationId xmlns:a16="http://schemas.microsoft.com/office/drawing/2014/main" id="{C6943A4B-784E-42A6-A50E-6B7F70F8B173}"/>
+              </a:ext>
+            </a:extLst>
+          </p:cNvPr>
+          <p:cNvCxnSpPr>
+            <a:cxnSpLocks/>
+            <a:stCxn id="34" idx="3"/>
+          </p:cNvCxnSpPr>
+          <p:nvPr/>
+        </p:nvCxnSpPr>
+        <p:spPr>
+          <a:xfrm>
+            <a:off x="5728216" y="5596245"/>
+            <a:ext cx="1346653" cy="0"/>
+          </a:xfrm>
+          <a:prstGeom prst="line">
+            <a:avLst/>
+          </a:prstGeom>
+          <a:ln w="38100">
+            <a:solidFill>
+              <a:schemeClr val="accent1"/>
+            </a:solidFill>
+          </a:ln>
+        </p:spPr>
+        <p:style>
+          <a:lnRef idx="1">
+            <a:schemeClr val="accent1"/>
+          </a:lnRef>
+          <a:fillRef idx="0">
+            <a:schemeClr val="accent1"/>
+          </a:fillRef>
+          <a:effectRef idx="0">
+            <a:schemeClr val="accent1"/>
+          </a:effectRef>
+          <a:fontRef idx="minor">
+            <a:schemeClr val="tx1"/>
+          </a:fontRef>
+        </p:style>
+      </p:cxnSp>
+      <p:cxnSp>
+        <p:nvCxnSpPr>
+          <p:cNvPr id="64" name="Straight Connector 63">
+            <a:extLst>
+              <a:ext uri="{FF2B5EF4-FFF2-40B4-BE49-F238E27FC236}">
+                <a16:creationId xmlns:a16="http://schemas.microsoft.com/office/drawing/2014/main" id="{83620A53-731E-4E75-A319-ECD4DB1974D9}"/>
+              </a:ext>
+            </a:extLst>
+          </p:cNvPr>
+          <p:cNvCxnSpPr>
+            <a:cxnSpLocks/>
+            <a:stCxn id="35" idx="3"/>
+          </p:cNvCxnSpPr>
+          <p:nvPr/>
+        </p:nvCxnSpPr>
+        <p:spPr>
+          <a:xfrm>
+            <a:off x="8276042" y="5596245"/>
+            <a:ext cx="2778770" cy="0"/>
+          </a:xfrm>
+          <a:prstGeom prst="line">
+            <a:avLst/>
+          </a:prstGeom>
+          <a:ln w="38100">
+            <a:solidFill>
+              <a:schemeClr val="accent1"/>
+            </a:solidFill>
+          </a:ln>
+        </p:spPr>
+        <p:style>
+          <a:lnRef idx="1">
+            <a:schemeClr val="accent1"/>
+          </a:lnRef>
+          <a:fillRef idx="0">
+            <a:schemeClr val="accent1"/>
+          </a:fillRef>
+          <a:effectRef idx="0">
+            <a:schemeClr val="accent1"/>
+          </a:effectRef>
+          <a:fontRef idx="minor">
+            <a:schemeClr val="tx1"/>
+          </a:fontRef>
+        </p:style>
+      </p:cxnSp>
+      <p:cxnSp>
+        <p:nvCxnSpPr>
+          <p:cNvPr id="70" name="Straight Connector 69">
+            <a:extLst>
+              <a:ext uri="{FF2B5EF4-FFF2-40B4-BE49-F238E27FC236}">
+                <a16:creationId xmlns:a16="http://schemas.microsoft.com/office/drawing/2014/main" id="{637F16C6-681D-4147-9DD2-6C47BBE9AFD2}"/>
+              </a:ext>
+            </a:extLst>
+          </p:cNvPr>
+          <p:cNvCxnSpPr>
+            <a:cxnSpLocks/>
+          </p:cNvCxnSpPr>
+          <p:nvPr/>
+        </p:nvCxnSpPr>
+        <p:spPr>
+          <a:xfrm>
+            <a:off x="9161495" y="5286032"/>
+            <a:ext cx="0" cy="320040"/>
+          </a:xfrm>
+          <a:prstGeom prst="line">
+            <a:avLst/>
+          </a:prstGeom>
+          <a:ln w="38100">
+            <a:solidFill>
+              <a:schemeClr val="accent1"/>
+            </a:solidFill>
+          </a:ln>
+        </p:spPr>
+        <p:style>
+          <a:lnRef idx="1">
+            <a:schemeClr val="accent1"/>
+          </a:lnRef>
+          <a:fillRef idx="0">
+            <a:schemeClr val="accent1"/>
+          </a:fillRef>
+          <a:effectRef idx="0">
+            <a:schemeClr val="accent1"/>
+          </a:effectRef>
+          <a:fontRef idx="minor">
+            <a:schemeClr val="tx1"/>
+          </a:fontRef>
+        </p:style>
+      </p:cxnSp>
+      <p:cxnSp>
+        <p:nvCxnSpPr>
+          <p:cNvPr id="73" name="Straight Connector 72">
+            <a:extLst>
+              <a:ext uri="{FF2B5EF4-FFF2-40B4-BE49-F238E27FC236}">
+                <a16:creationId xmlns:a16="http://schemas.microsoft.com/office/drawing/2014/main" id="{B7C2186D-40F3-44E4-9B1E-55C947401590}"/>
+              </a:ext>
+            </a:extLst>
+          </p:cNvPr>
+          <p:cNvCxnSpPr>
+            <a:cxnSpLocks/>
+          </p:cNvCxnSpPr>
+          <p:nvPr/>
+        </p:nvCxnSpPr>
+        <p:spPr>
+          <a:xfrm>
+            <a:off x="10200883" y="5286032"/>
+            <a:ext cx="0" cy="320040"/>
+          </a:xfrm>
+          <a:prstGeom prst="line">
+            <a:avLst/>
+          </a:prstGeom>
+          <a:ln w="38100">
+            <a:solidFill>
+              <a:schemeClr val="accent1"/>
+            </a:solidFill>
+          </a:ln>
+        </p:spPr>
+        <p:style>
+          <a:lnRef idx="1">
+            <a:schemeClr val="accent1"/>
+          </a:lnRef>
+          <a:fillRef idx="0">
+            <a:schemeClr val="accent1"/>
+          </a:fillRef>
+          <a:effectRef idx="0">
+            <a:schemeClr val="accent1"/>
+          </a:effectRef>
+          <a:fontRef idx="minor">
+            <a:schemeClr val="tx1"/>
+          </a:fontRef>
+        </p:style>
+      </p:cxnSp>
+      <p:sp>
+        <p:nvSpPr>
+          <p:cNvPr id="76" name="TextBox 75">
+            <a:extLst>
+              <a:ext uri="{FF2B5EF4-FFF2-40B4-BE49-F238E27FC236}">
+                <a16:creationId xmlns:a16="http://schemas.microsoft.com/office/drawing/2014/main" id="{03E4FBB4-BFA8-4ECA-837F-AC8A4E718BEB}"/>
+              </a:ext>
+            </a:extLst>
+          </p:cNvPr>
+          <p:cNvSpPr txBox="1"/>
+          <p:nvPr/>
+        </p:nvSpPr>
+        <p:spPr>
+          <a:xfrm>
+            <a:off x="4919695" y="5821925"/>
+            <a:ext cx="830933" cy="276999"/>
+          </a:xfrm>
+          <a:prstGeom prst="rect">
+            <a:avLst/>
+          </a:prstGeom>
+          <a:noFill/>
+        </p:spPr>
+        <p:txBody>
+          <a:bodyPr wrap="none" rtlCol="0">
+            <a:spAutoFit/>
+          </a:bodyPr>
+          <a:lstStyle/>
+          <a:p>
+            <a:r>
+              <a:rPr lang="en-US" sz="1200" dirty="0"/>
+              <a:t>Dev-</a:t>
+            </a:r>
+            <a:r>
+              <a:rPr lang="en-US" sz="1200" dirty="0" err="1"/>
+              <a:t>Vnet</a:t>
+            </a:r>
+            <a:endParaRPr lang="en-US" sz="1200" dirty="0"/>
+          </a:p>
+        </p:txBody>
+      </p:sp>
+      <p:sp>
+        <p:nvSpPr>
+          <p:cNvPr id="77" name="TextBox 76">
+            <a:extLst>
+              <a:ext uri="{FF2B5EF4-FFF2-40B4-BE49-F238E27FC236}">
+                <a16:creationId xmlns:a16="http://schemas.microsoft.com/office/drawing/2014/main" id="{C9967EB5-35A1-40AA-B7AC-657E33CB6F6A}"/>
+              </a:ext>
+            </a:extLst>
+          </p:cNvPr>
+          <p:cNvSpPr txBox="1"/>
+          <p:nvPr/>
+        </p:nvSpPr>
+        <p:spPr>
+          <a:xfrm>
+            <a:off x="7462832" y="5821925"/>
+            <a:ext cx="796693" cy="276999"/>
+          </a:xfrm>
+          <a:prstGeom prst="rect">
+            <a:avLst/>
+          </a:prstGeom>
+          <a:noFill/>
+        </p:spPr>
+        <p:txBody>
+          <a:bodyPr wrap="none" rtlCol="0">
+            <a:spAutoFit/>
+          </a:bodyPr>
+          <a:lstStyle/>
+          <a:p>
+            <a:r>
+              <a:rPr lang="en-US" sz="1200" dirty="0" err="1"/>
+              <a:t>Prd-Vnet</a:t>
+            </a:r>
+            <a:endParaRPr lang="en-US" sz="1200" dirty="0"/>
+          </a:p>
+        </p:txBody>
+      </p:sp>
+      <p:sp>
+        <p:nvSpPr>
+          <p:cNvPr id="87" name="TextBox 86">
+            <a:extLst>
+              <a:ext uri="{FF2B5EF4-FFF2-40B4-BE49-F238E27FC236}">
+                <a16:creationId xmlns:a16="http://schemas.microsoft.com/office/drawing/2014/main" id="{54523087-7556-4119-AE0B-0CC2D839807B}"/>
+              </a:ext>
+            </a:extLst>
+          </p:cNvPr>
+          <p:cNvSpPr txBox="1"/>
+          <p:nvPr/>
+        </p:nvSpPr>
+        <p:spPr>
+          <a:xfrm>
+            <a:off x="8807389" y="5063939"/>
+            <a:ext cx="727315" cy="276999"/>
+          </a:xfrm>
+          <a:prstGeom prst="rect">
+            <a:avLst/>
+          </a:prstGeom>
+          <a:noFill/>
+        </p:spPr>
+        <p:txBody>
+          <a:bodyPr wrap="none" rtlCol="0">
+            <a:spAutoFit/>
+          </a:bodyPr>
+          <a:lstStyle/>
+          <a:p>
+            <a:r>
+              <a:rPr lang="en-US" sz="1200" dirty="0"/>
+              <a:t>Web 01</a:t>
+            </a:r>
+          </a:p>
+        </p:txBody>
+      </p:sp>
+      <p:sp>
+        <p:nvSpPr>
+          <p:cNvPr id="88" name="TextBox 87">
+            <a:extLst>
+              <a:ext uri="{FF2B5EF4-FFF2-40B4-BE49-F238E27FC236}">
+                <a16:creationId xmlns:a16="http://schemas.microsoft.com/office/drawing/2014/main" id="{78E85B10-324E-4729-93D2-73D8B061AC89}"/>
+              </a:ext>
+            </a:extLst>
+          </p:cNvPr>
+          <p:cNvSpPr txBox="1"/>
+          <p:nvPr/>
+        </p:nvSpPr>
+        <p:spPr>
+          <a:xfrm>
+            <a:off x="9791032" y="5063939"/>
+            <a:ext cx="727315" cy="276999"/>
+          </a:xfrm>
+          <a:prstGeom prst="rect">
+            <a:avLst/>
+          </a:prstGeom>
+          <a:noFill/>
+        </p:spPr>
+        <p:txBody>
+          <a:bodyPr wrap="none" rtlCol="0">
+            <a:spAutoFit/>
+          </a:bodyPr>
+          <a:lstStyle/>
+          <a:p>
+            <a:r>
+              <a:rPr lang="en-US" sz="1200" dirty="0"/>
+              <a:t>Web 02</a:t>
+            </a:r>
+          </a:p>
+        </p:txBody>
+      </p:sp>
+      <p:sp>
+        <p:nvSpPr>
+          <p:cNvPr id="89" name="TextBox 88">
+            <a:extLst>
+              <a:ext uri="{FF2B5EF4-FFF2-40B4-BE49-F238E27FC236}">
+                <a16:creationId xmlns:a16="http://schemas.microsoft.com/office/drawing/2014/main" id="{F06BCBBB-1992-4087-B73E-0794839FF1EA}"/>
+              </a:ext>
+            </a:extLst>
+          </p:cNvPr>
+          <p:cNvSpPr txBox="1"/>
+          <p:nvPr/>
+        </p:nvSpPr>
+        <p:spPr>
+          <a:xfrm>
+            <a:off x="5695392" y="3323499"/>
+            <a:ext cx="764953" cy="276999"/>
+          </a:xfrm>
+          <a:prstGeom prst="rect">
+            <a:avLst/>
+          </a:prstGeom>
+          <a:noFill/>
+        </p:spPr>
+        <p:txBody>
+          <a:bodyPr wrap="none" rtlCol="0">
+            <a:spAutoFit/>
+          </a:bodyPr>
+          <a:lstStyle/>
+          <a:p>
+            <a:r>
+              <a:rPr lang="en-US" sz="1200" dirty="0"/>
+              <a:t>Dev-</a:t>
+            </a:r>
+            <a:r>
+              <a:rPr lang="en-US" sz="1200" dirty="0" err="1"/>
+              <a:t>nsg</a:t>
+            </a:r>
+            <a:endParaRPr lang="en-US" sz="1200" dirty="0"/>
+          </a:p>
+        </p:txBody>
+      </p:sp>
+      <p:sp>
+        <p:nvSpPr>
+          <p:cNvPr id="92" name="TextBox 91">
+            <a:extLst>
+              <a:ext uri="{FF2B5EF4-FFF2-40B4-BE49-F238E27FC236}">
+                <a16:creationId xmlns:a16="http://schemas.microsoft.com/office/drawing/2014/main" id="{261AFDF7-8651-4300-9547-C3C9B2352831}"/>
+              </a:ext>
+            </a:extLst>
+          </p:cNvPr>
+          <p:cNvSpPr txBox="1"/>
+          <p:nvPr/>
+        </p:nvSpPr>
+        <p:spPr>
+          <a:xfrm>
+            <a:off x="5865393" y="5677845"/>
+            <a:ext cx="1124860" cy="276999"/>
+          </a:xfrm>
+          <a:prstGeom prst="rect">
+            <a:avLst/>
+          </a:prstGeom>
+          <a:noFill/>
+        </p:spPr>
+        <p:txBody>
+          <a:bodyPr wrap="none" rtlCol="0">
+            <a:spAutoFit/>
+          </a:bodyPr>
+          <a:lstStyle/>
+          <a:p>
+            <a:r>
+              <a:rPr lang="en-US" sz="1200" dirty="0"/>
+              <a:t>Web (subnet)</a:t>
+            </a:r>
+          </a:p>
+        </p:txBody>
+      </p:sp>
+      <p:grpSp>
+        <p:nvGrpSpPr>
+          <p:cNvPr id="107" name="Group 106">
+            <a:extLst>
+              <a:ext uri="{FF2B5EF4-FFF2-40B4-BE49-F238E27FC236}">
+                <a16:creationId xmlns:a16="http://schemas.microsoft.com/office/drawing/2014/main" id="{227E0241-B560-43F9-89CE-B44EE0AA3955}"/>
+              </a:ext>
+            </a:extLst>
+          </p:cNvPr>
+          <p:cNvGrpSpPr/>
+          <p:nvPr/>
+        </p:nvGrpSpPr>
+        <p:grpSpPr>
+          <a:xfrm>
+            <a:off x="3702687" y="3095103"/>
+            <a:ext cx="1158009" cy="2513639"/>
+            <a:chOff x="3728999" y="3095103"/>
+            <a:chExt cx="1158009" cy="2513639"/>
+          </a:xfrm>
+        </p:grpSpPr>
+        <p:pic>
+          <p:nvPicPr>
+            <p:cNvPr id="8" name="Picture 7">
+              <a:extLst>
+                <a:ext uri="{FF2B5EF4-FFF2-40B4-BE49-F238E27FC236}">
+                  <a16:creationId xmlns:a16="http://schemas.microsoft.com/office/drawing/2014/main" id="{F6982C8A-BF7F-4742-B1C1-38AF243C3280}"/>
+                </a:ext>
+              </a:extLst>
+            </p:cNvPr>
+            <p:cNvPicPr>
+              <a:picLocks noChangeAspect="1"/>
+            </p:cNvPicPr>
+            <p:nvPr/>
+          </p:nvPicPr>
+          <p:blipFill>
+            <a:blip r:embed="rId7">
+              <a:extLst>
+                <a:ext uri="{28A0092B-C50C-407E-A947-70E740481C1C}">
+                  <a14:useLocalDpi xmlns:a14="http://schemas.microsoft.com/office/drawing/2010/main" val="0"/>
+                </a:ext>
+              </a:extLst>
+            </a:blip>
+            <a:stretch>
+              <a:fillRect/>
+            </a:stretch>
+          </p:blipFill>
+          <p:spPr>
+            <a:xfrm>
+              <a:off x="3917858" y="3095103"/>
+              <a:ext cx="780290" cy="780290"/>
+            </a:xfrm>
+            <a:prstGeom prst="rect">
+              <a:avLst/>
+            </a:prstGeom>
+          </p:spPr>
+        </p:pic>
+        <p:pic>
+          <p:nvPicPr>
+            <p:cNvPr id="36" name="Picture 35">
+              <a:extLst>
+                <a:ext uri="{FF2B5EF4-FFF2-40B4-BE49-F238E27FC236}">
+                  <a16:creationId xmlns:a16="http://schemas.microsoft.com/office/drawing/2014/main" id="{8458B589-CE13-4C07-B8A0-E8C474A5BE80}"/>
+                </a:ext>
+              </a:extLst>
+            </p:cNvPr>
+            <p:cNvPicPr>
+              <a:picLocks noChangeAspect="1"/>
+            </p:cNvPicPr>
+            <p:nvPr/>
+          </p:nvPicPr>
+          <p:blipFill>
+            <a:blip r:embed="rId7">
+              <a:extLst>
+                <a:ext uri="{28A0092B-C50C-407E-A947-70E740481C1C}">
+                  <a14:useLocalDpi xmlns:a14="http://schemas.microsoft.com/office/drawing/2010/main" val="0"/>
+                </a:ext>
+              </a:extLst>
+            </a:blip>
+            <a:stretch>
+              <a:fillRect/>
+            </a:stretch>
+          </p:blipFill>
+          <p:spPr>
+            <a:xfrm>
+              <a:off x="3917858" y="4547541"/>
+              <a:ext cx="780290" cy="780290"/>
+            </a:xfrm>
+            <a:prstGeom prst="rect">
+              <a:avLst/>
+            </a:prstGeom>
+          </p:spPr>
+        </p:pic>
+        <p:sp>
+          <p:nvSpPr>
+            <p:cNvPr id="95" name="TextBox 94">
+              <a:extLst>
+                <a:ext uri="{FF2B5EF4-FFF2-40B4-BE49-F238E27FC236}">
+                  <a16:creationId xmlns:a16="http://schemas.microsoft.com/office/drawing/2014/main" id="{641ACAB7-7EEF-42D8-A450-FEA10D7D7597}"/>
+                </a:ext>
+              </a:extLst>
+            </p:cNvPr>
+            <p:cNvSpPr txBox="1"/>
+            <p:nvPr/>
+          </p:nvSpPr>
+          <p:spPr>
+            <a:xfrm>
+              <a:off x="3728999" y="3898431"/>
+              <a:ext cx="1158009" cy="276999"/>
+            </a:xfrm>
+            <a:prstGeom prst="rect">
+              <a:avLst/>
+            </a:prstGeom>
+            <a:noFill/>
+          </p:spPr>
+          <p:txBody>
+            <a:bodyPr wrap="none" rtlCol="0">
+              <a:spAutoFit/>
+            </a:bodyPr>
+            <a:lstStyle/>
+            <a:p>
+              <a:r>
+                <a:rPr lang="en-US" sz="1200" dirty="0"/>
+                <a:t>Custom img.1</a:t>
+              </a:r>
+            </a:p>
+          </p:txBody>
+        </p:sp>
+        <p:sp>
+          <p:nvSpPr>
+            <p:cNvPr id="96" name="TextBox 95">
+              <a:extLst>
+                <a:ext uri="{FF2B5EF4-FFF2-40B4-BE49-F238E27FC236}">
+                  <a16:creationId xmlns:a16="http://schemas.microsoft.com/office/drawing/2014/main" id="{4D263501-FCF0-47D0-B34E-E1D73440A261}"/>
+                </a:ext>
+              </a:extLst>
+            </p:cNvPr>
+            <p:cNvSpPr txBox="1"/>
+            <p:nvPr/>
+          </p:nvSpPr>
+          <p:spPr>
+            <a:xfrm>
+              <a:off x="3728999" y="5331743"/>
+              <a:ext cx="1158009" cy="276999"/>
+            </a:xfrm>
+            <a:prstGeom prst="rect">
+              <a:avLst/>
+            </a:prstGeom>
+            <a:noFill/>
+          </p:spPr>
+          <p:txBody>
+            <a:bodyPr wrap="none" rtlCol="0">
+              <a:spAutoFit/>
+            </a:bodyPr>
+            <a:lstStyle/>
+            <a:p>
+              <a:r>
+                <a:rPr lang="en-US" sz="1200" dirty="0"/>
+                <a:t>Custom img.2</a:t>
+              </a:r>
+            </a:p>
+          </p:txBody>
+        </p:sp>
+      </p:grpSp>
+      <p:sp>
+        <p:nvSpPr>
+          <p:cNvPr id="99" name="Rectangle: Rounded Corners 98">
+            <a:extLst>
+              <a:ext uri="{FF2B5EF4-FFF2-40B4-BE49-F238E27FC236}">
+                <a16:creationId xmlns:a16="http://schemas.microsoft.com/office/drawing/2014/main" id="{2F3FBB27-8600-4F92-883B-0A20B7907668}"/>
+              </a:ext>
+            </a:extLst>
+          </p:cNvPr>
+          <p:cNvSpPr/>
+          <p:nvPr/>
+        </p:nvSpPr>
+        <p:spPr>
+          <a:xfrm>
+            <a:off x="8292445" y="2923105"/>
+            <a:ext cx="2867621" cy="1125862"/>
+          </a:xfrm>
+          <a:prstGeom prst="roundRect">
+            <a:avLst>
+              <a:gd name="adj" fmla="val 8127"/>
+            </a:avLst>
+          </a:prstGeom>
+          <a:solidFill>
+            <a:schemeClr val="accent1">
+              <a:lumMod val="40000"/>
+              <a:lumOff val="60000"/>
+            </a:schemeClr>
+          </a:solidFill>
+          <a:ln w="12700">
+            <a:noFill/>
+            <a:prstDash val="solid"/>
+          </a:ln>
+        </p:spPr>
+        <p:style>
+          <a:lnRef idx="2">
+            <a:schemeClr val="accent1">
+              <a:shade val="50000"/>
+            </a:schemeClr>
+          </a:lnRef>
+          <a:fillRef idx="1">
+            <a:schemeClr val="accent1"/>
+          </a:fillRef>
+          <a:effectRef idx="0">
+            <a:schemeClr val="accent1"/>
+          </a:effectRef>
+          <a:fontRef idx="minor">
+            <a:schemeClr val="lt1"/>
+          </a:fontRef>
+        </p:style>
+        <p:txBody>
+          <a:bodyPr rtlCol="0" anchor="ctr"/>
+          <a:lstStyle/>
+          <a:p>
+            <a:pPr algn="ctr"/>
+            <a:endParaRPr lang="en-US"/>
+          </a:p>
+        </p:txBody>
+      </p:sp>
+      <p:pic>
+        <p:nvPicPr>
+          <p:cNvPr id="30" name="Picture 29">
+            <a:extLst>
+              <a:ext uri="{FF2B5EF4-FFF2-40B4-BE49-F238E27FC236}">
+                <a16:creationId xmlns:a16="http://schemas.microsoft.com/office/drawing/2014/main" id="{4DF938B9-0E91-4669-B257-931243D076FB}"/>
+              </a:ext>
+            </a:extLst>
+          </p:cNvPr>
+          <p:cNvPicPr>
+            <a:picLocks noChangeAspect="1"/>
+          </p:cNvPicPr>
+          <p:nvPr/>
+        </p:nvPicPr>
+        <p:blipFill>
+          <a:blip r:embed="rId11">
+            <a:extLst>
+              <a:ext uri="{28A0092B-C50C-407E-A947-70E740481C1C}">
+                <a14:useLocalDpi xmlns:a14="http://schemas.microsoft.com/office/drawing/2010/main" val="0"/>
+              </a:ext>
+            </a:extLst>
+          </a:blip>
+          <a:stretch>
+            <a:fillRect/>
+          </a:stretch>
+        </p:blipFill>
+        <p:spPr>
+          <a:xfrm>
+            <a:off x="9336110" y="3045949"/>
+            <a:ext cx="780290" cy="780290"/>
+          </a:xfrm>
+          <a:prstGeom prst="rect">
+            <a:avLst/>
+          </a:prstGeom>
+        </p:spPr>
+      </p:pic>
+      <p:pic>
+        <p:nvPicPr>
+          <p:cNvPr id="46" name="Picture 45">
+            <a:extLst>
+              <a:ext uri="{FF2B5EF4-FFF2-40B4-BE49-F238E27FC236}">
+                <a16:creationId xmlns:a16="http://schemas.microsoft.com/office/drawing/2014/main" id="{FC4903CF-4637-4CDD-AF3B-A0CC034E6172}"/>
+              </a:ext>
+            </a:extLst>
+          </p:cNvPr>
+          <p:cNvPicPr>
+            <a:picLocks noChangeAspect="1"/>
+          </p:cNvPicPr>
+          <p:nvPr/>
+        </p:nvPicPr>
+        <p:blipFill>
+          <a:blip r:embed="rId5">
+            <a:extLst>
+              <a:ext uri="{28A0092B-C50C-407E-A947-70E740481C1C}">
+                <a14:useLocalDpi xmlns:a14="http://schemas.microsoft.com/office/drawing/2010/main" val="0"/>
+              </a:ext>
+            </a:extLst>
+          </a:blip>
+          <a:stretch>
+            <a:fillRect/>
+          </a:stretch>
+        </p:blipFill>
+        <p:spPr>
+          <a:xfrm>
+            <a:off x="7898881" y="3486994"/>
+            <a:ext cx="780290" cy="780290"/>
+          </a:xfrm>
+          <a:prstGeom prst="rect">
+            <a:avLst/>
+          </a:prstGeom>
+        </p:spPr>
+      </p:pic>
+      <p:sp>
+        <p:nvSpPr>
+          <p:cNvPr id="90" name="TextBox 89">
+            <a:extLst>
+              <a:ext uri="{FF2B5EF4-FFF2-40B4-BE49-F238E27FC236}">
+                <a16:creationId xmlns:a16="http://schemas.microsoft.com/office/drawing/2014/main" id="{79EED785-CB6A-4872-86E8-FC37AEAEF194}"/>
+              </a:ext>
+            </a:extLst>
+          </p:cNvPr>
+          <p:cNvSpPr txBox="1"/>
+          <p:nvPr/>
+        </p:nvSpPr>
+        <p:spPr>
+          <a:xfrm>
+            <a:off x="8267370" y="3314253"/>
+            <a:ext cx="730713" cy="276999"/>
+          </a:xfrm>
+          <a:prstGeom prst="rect">
+            <a:avLst/>
+          </a:prstGeom>
+          <a:noFill/>
+        </p:spPr>
+        <p:txBody>
+          <a:bodyPr wrap="none" rtlCol="0">
+            <a:spAutoFit/>
+          </a:bodyPr>
+          <a:lstStyle/>
+          <a:p>
+            <a:r>
+              <a:rPr lang="en-US" sz="1200" dirty="0" err="1"/>
+              <a:t>Prd-nsg</a:t>
+            </a:r>
+            <a:endParaRPr lang="en-US" sz="1200" dirty="0"/>
+          </a:p>
+        </p:txBody>
+      </p:sp>
+      <p:sp>
+        <p:nvSpPr>
+          <p:cNvPr id="91" name="TextBox 90">
+            <a:extLst>
+              <a:ext uri="{FF2B5EF4-FFF2-40B4-BE49-F238E27FC236}">
+                <a16:creationId xmlns:a16="http://schemas.microsoft.com/office/drawing/2014/main" id="{E3D8333F-5216-4E45-B62A-EA19DFB6A96D}"/>
+              </a:ext>
+            </a:extLst>
+          </p:cNvPr>
+          <p:cNvSpPr txBox="1"/>
+          <p:nvPr/>
+        </p:nvSpPr>
+        <p:spPr>
+          <a:xfrm>
+            <a:off x="9976077" y="3070738"/>
+            <a:ext cx="1251514" cy="276999"/>
+          </a:xfrm>
+          <a:prstGeom prst="rect">
+            <a:avLst/>
+          </a:prstGeom>
+          <a:noFill/>
+        </p:spPr>
+        <p:txBody>
+          <a:bodyPr wrap="square" rtlCol="0">
+            <a:spAutoFit/>
+          </a:bodyPr>
+          <a:lstStyle/>
+          <a:p>
+            <a:pPr algn="ctr"/>
+            <a:r>
+              <a:rPr lang="en-US" sz="1200"/>
+              <a:t>Load Balancer</a:t>
+            </a:r>
+            <a:endParaRPr lang="en-US" sz="1200" dirty="0"/>
+          </a:p>
+        </p:txBody>
+      </p:sp>
+      <p:cxnSp>
+        <p:nvCxnSpPr>
+          <p:cNvPr id="58" name="Connector: Elbow 57">
+            <a:extLst>
+              <a:ext uri="{FF2B5EF4-FFF2-40B4-BE49-F238E27FC236}">
+                <a16:creationId xmlns:a16="http://schemas.microsoft.com/office/drawing/2014/main" id="{C3DD8596-0792-42C2-A7C6-10F3F07F476D}"/>
+              </a:ext>
+            </a:extLst>
+          </p:cNvPr>
+          <p:cNvCxnSpPr>
+            <a:cxnSpLocks/>
+            <a:stCxn id="30" idx="2"/>
+            <a:endCxn id="47" idx="0"/>
+          </p:cNvCxnSpPr>
+          <p:nvPr/>
+        </p:nvCxnSpPr>
+        <p:spPr>
+          <a:xfrm rot="5400000">
+            <a:off x="9073102" y="3914632"/>
+            <a:ext cx="741547" cy="564760"/>
+          </a:xfrm>
+          <a:prstGeom prst="bentConnector3">
+            <a:avLst/>
+          </a:prstGeom>
+          <a:ln>
+            <a:tailEnd type="triangle"/>
+          </a:ln>
+        </p:spPr>
+        <p:style>
+          <a:lnRef idx="1">
+            <a:schemeClr val="accent1"/>
+          </a:lnRef>
+          <a:fillRef idx="0">
+            <a:schemeClr val="accent1"/>
+          </a:fillRef>
+          <a:effectRef idx="0">
+            <a:schemeClr val="accent1"/>
+          </a:effectRef>
+          <a:fontRef idx="minor">
+            <a:schemeClr val="tx1"/>
+          </a:fontRef>
+        </p:style>
+      </p:cxnSp>
+      <p:cxnSp>
+        <p:nvCxnSpPr>
+          <p:cNvPr id="59" name="Connector: Elbow 58">
+            <a:extLst>
+              <a:ext uri="{FF2B5EF4-FFF2-40B4-BE49-F238E27FC236}">
+                <a16:creationId xmlns:a16="http://schemas.microsoft.com/office/drawing/2014/main" id="{F370DF2A-4CF2-49CF-BF81-94712387B18F}"/>
+              </a:ext>
+            </a:extLst>
+          </p:cNvPr>
+          <p:cNvCxnSpPr>
+            <a:cxnSpLocks/>
+            <a:stCxn id="30" idx="2"/>
+            <a:endCxn id="48" idx="0"/>
+          </p:cNvCxnSpPr>
+          <p:nvPr/>
+        </p:nvCxnSpPr>
+        <p:spPr>
+          <a:xfrm rot="16200000" flipH="1">
+            <a:off x="9592796" y="3959698"/>
+            <a:ext cx="741547" cy="474628"/>
+          </a:xfrm>
+          <a:prstGeom prst="bentConnector3">
+            <a:avLst/>
+          </a:prstGeom>
+          <a:ln>
+            <a:tailEnd type="triangle"/>
+          </a:ln>
+        </p:spPr>
+        <p:style>
+          <a:lnRef idx="1">
+            <a:schemeClr val="accent1"/>
+          </a:lnRef>
+          <a:fillRef idx="0">
+            <a:schemeClr val="accent1"/>
+          </a:fillRef>
+          <a:effectRef idx="0">
+            <a:schemeClr val="accent1"/>
+          </a:effectRef>
+          <a:fontRef idx="minor">
+            <a:schemeClr val="tx1"/>
+          </a:fontRef>
+        </p:style>
+      </p:cxnSp>
+      <p:sp>
+        <p:nvSpPr>
+          <p:cNvPr id="104" name="TextBox 103">
+            <a:extLst>
+              <a:ext uri="{FF2B5EF4-FFF2-40B4-BE49-F238E27FC236}">
+                <a16:creationId xmlns:a16="http://schemas.microsoft.com/office/drawing/2014/main" id="{B218C87F-8A0B-4A5D-9BA4-10387D29DCE2}"/>
+              </a:ext>
+            </a:extLst>
+          </p:cNvPr>
+          <p:cNvSpPr txBox="1"/>
+          <p:nvPr/>
+        </p:nvSpPr>
+        <p:spPr>
+          <a:xfrm>
+            <a:off x="9944526" y="4275595"/>
+            <a:ext cx="1200906" cy="276999"/>
+          </a:xfrm>
+          <a:prstGeom prst="rect">
+            <a:avLst/>
+          </a:prstGeom>
+          <a:noFill/>
+        </p:spPr>
+        <p:txBody>
+          <a:bodyPr wrap="none" rtlCol="0">
+            <a:spAutoFit/>
+          </a:bodyPr>
+          <a:lstStyle/>
+          <a:p>
+            <a:r>
+              <a:rPr lang="en-US" sz="1200" dirty="0"/>
+              <a:t>Availability Set</a:t>
+            </a:r>
+          </a:p>
+        </p:txBody>
+      </p:sp>
+      <p:sp>
+        <p:nvSpPr>
+          <p:cNvPr id="105" name="TextBox 104">
+            <a:extLst>
+              <a:ext uri="{FF2B5EF4-FFF2-40B4-BE49-F238E27FC236}">
+                <a16:creationId xmlns:a16="http://schemas.microsoft.com/office/drawing/2014/main" id="{F4200348-9D33-4B39-9629-14695D66D17C}"/>
+              </a:ext>
+            </a:extLst>
+          </p:cNvPr>
+          <p:cNvSpPr txBox="1"/>
+          <p:nvPr/>
+        </p:nvSpPr>
+        <p:spPr>
+          <a:xfrm>
+            <a:off x="10043166" y="5677845"/>
+            <a:ext cx="1124860" cy="276999"/>
+          </a:xfrm>
+          <a:prstGeom prst="rect">
+            <a:avLst/>
+          </a:prstGeom>
+          <a:noFill/>
+        </p:spPr>
+        <p:txBody>
+          <a:bodyPr wrap="none" rtlCol="0">
+            <a:spAutoFit/>
+          </a:bodyPr>
+          <a:lstStyle/>
+          <a:p>
+            <a:r>
+              <a:rPr lang="en-US" sz="1200" dirty="0"/>
+              <a:t>Web (subnet)</a:t>
+            </a:r>
+          </a:p>
+        </p:txBody>
+      </p:sp>
+      <p:sp>
+        <p:nvSpPr>
+          <p:cNvPr id="106" name="TextBox 105">
+            <a:extLst>
+              <a:ext uri="{FF2B5EF4-FFF2-40B4-BE49-F238E27FC236}">
+                <a16:creationId xmlns:a16="http://schemas.microsoft.com/office/drawing/2014/main" id="{4C548086-ACE4-4F6F-9FAE-36F88DD0FC74}"/>
+              </a:ext>
+            </a:extLst>
+          </p:cNvPr>
+          <p:cNvSpPr txBox="1"/>
+          <p:nvPr/>
+        </p:nvSpPr>
+        <p:spPr>
+          <a:xfrm>
+            <a:off x="9798995" y="3729827"/>
+            <a:ext cx="1428596" cy="276999"/>
+          </a:xfrm>
+          <a:prstGeom prst="rect">
+            <a:avLst/>
+          </a:prstGeom>
+          <a:noFill/>
+        </p:spPr>
+        <p:txBody>
+          <a:bodyPr wrap="none" rtlCol="0">
+            <a:spAutoFit/>
+          </a:bodyPr>
+          <a:lstStyle/>
+          <a:p>
+            <a:r>
+              <a:rPr lang="en-US" sz="1200" dirty="0" err="1"/>
+              <a:t>Appgtwy</a:t>
+            </a:r>
+            <a:r>
+              <a:rPr lang="en-US" sz="1200" dirty="0"/>
+              <a:t> (subnet)</a:t>
+            </a:r>
+          </a:p>
+        </p:txBody>
+      </p:sp>
+    </p:spTree>
+    <p:extLst>
+      <p:ext uri="{BB962C8B-B14F-4D97-AF65-F5344CB8AC3E}">
+        <p14:creationId xmlns:p14="http://schemas.microsoft.com/office/powerpoint/2010/main" val="3218416211"/>
+      </p:ext>
+    </p:extLst>
+  </p:cSld>
+  <p:clrMapOvr>
+    <a:masterClrMapping/>
+  </p:clrMapOvr>
+</p:sld>
+</file>
+
 <file path=ppt/slides/slide2.xml><?xml version="1.0" encoding="utf-8"?>
 <p:sld xmlns:a="http://schemas.openxmlformats.org/drawingml/2006/main" xmlns:r="http://schemas.openxmlformats.org/officeDocument/2006/relationships" xmlns:p="http://schemas.openxmlformats.org/presentationml/2006/main">
   <p:cSld>
@@ -2931,7 +5196,7 @@
           <a:bodyPr/>
           <a:lstStyle/>
           <a:p>
-            <a:endParaRPr lang="en-US"/>
+            <a:endParaRPr lang="en-US" dirty="0"/>
           </a:p>
         </p:txBody>
       </p:sp>
@@ -3160,9 +5425,12 @@
           <a:bodyPr/>
           <a:lstStyle/>
           <a:p>
+            <a:pPr marL="0" indent="0">
+              <a:buNone/>
+            </a:pPr>
             <a:r>
               <a:rPr lang="en-US" dirty="0"/>
-              <a:t>Architecture </a:t>
+              <a:t> </a:t>
             </a:r>
           </a:p>
         </p:txBody>
@@ -3803,9 +6071,12 @@
           <a:bodyPr/>
           <a:lstStyle/>
           <a:p>
+            <a:pPr marL="0" indent="0">
+              <a:buNone/>
+            </a:pPr>
             <a:r>
               <a:rPr lang="en-US" dirty="0"/>
-              <a:t>Architecture </a:t>
+              <a:t> </a:t>
             </a:r>
           </a:p>
         </p:txBody>
@@ -4522,9 +6793,12 @@
           <a:bodyPr/>
           <a:lstStyle/>
           <a:p>
+            <a:pPr marL="0" indent="0">
+              <a:buNone/>
+            </a:pPr>
             <a:r>
               <a:rPr lang="en-US" dirty="0"/>
-              <a:t>Architecture</a:t>
+              <a:t> </a:t>
             </a:r>
           </a:p>
         </p:txBody>
@@ -5360,6 +7634,820 @@
           </a:p>
         </p:txBody>
       </p:sp>
+    </p:spTree>
+    <p:extLst>
+      <p:ext uri="{BB962C8B-B14F-4D97-AF65-F5344CB8AC3E}">
+        <p14:creationId xmlns:p14="http://schemas.microsoft.com/office/powerpoint/2010/main" val="2435558602"/>
+      </p:ext>
+    </p:extLst>
+  </p:cSld>
+  <p:clrMapOvr>
+    <a:masterClrMapping/>
+  </p:clrMapOvr>
+</p:sld>
+</file>
+
+<file path=ppt/slides/slide7.xml><?xml version="1.0" encoding="utf-8"?>
+<p:sld xmlns:a="http://schemas.openxmlformats.org/drawingml/2006/main" xmlns:r="http://schemas.openxmlformats.org/officeDocument/2006/relationships" xmlns:p="http://schemas.openxmlformats.org/presentationml/2006/main">
+  <p:cSld>
+    <p:spTree>
+      <p:nvGrpSpPr>
+        <p:cNvPr id="1" name=""/>
+        <p:cNvGrpSpPr/>
+        <p:nvPr/>
+      </p:nvGrpSpPr>
+      <p:grpSpPr>
+        <a:xfrm>
+          <a:off x="0" y="0"/>
+          <a:ext cx="0" cy="0"/>
+          <a:chOff x="0" y="0"/>
+          <a:chExt cx="0" cy="0"/>
+        </a:xfrm>
+      </p:grpSpPr>
+      <p:sp>
+        <p:nvSpPr>
+          <p:cNvPr id="2" name="Title 1">
+            <a:extLst>
+              <a:ext uri="{FF2B5EF4-FFF2-40B4-BE49-F238E27FC236}">
+                <a16:creationId xmlns:a16="http://schemas.microsoft.com/office/drawing/2014/main" id="{C27A62A0-E3E3-4DCB-BBC5-63FDB474798C}"/>
+              </a:ext>
+            </a:extLst>
+          </p:cNvPr>
+          <p:cNvSpPr>
+            <a:spLocks noGrp="1"/>
+          </p:cNvSpPr>
+          <p:nvPr>
+            <p:ph type="title"/>
+          </p:nvPr>
+        </p:nvSpPr>
+        <p:spPr/>
+        <p:txBody>
+          <a:bodyPr/>
+          <a:lstStyle/>
+          <a:p>
+            <a:r>
+              <a:rPr lang="en-US" dirty="0"/>
+              <a:t>Workshop Scenario</a:t>
+            </a:r>
+          </a:p>
+        </p:txBody>
+      </p:sp>
+      <p:sp>
+        <p:nvSpPr>
+          <p:cNvPr id="3" name="Content Placeholder 2">
+            <a:extLst>
+              <a:ext uri="{FF2B5EF4-FFF2-40B4-BE49-F238E27FC236}">
+                <a16:creationId xmlns:a16="http://schemas.microsoft.com/office/drawing/2014/main" id="{5C351E07-3D78-4561-8477-B8F12B98225E}"/>
+              </a:ext>
+            </a:extLst>
+          </p:cNvPr>
+          <p:cNvSpPr>
+            <a:spLocks noGrp="1"/>
+          </p:cNvSpPr>
+          <p:nvPr>
+            <p:ph idx="1"/>
+          </p:nvPr>
+        </p:nvSpPr>
+        <p:spPr>
+          <a:ln>
+            <a:solidFill>
+              <a:schemeClr val="bg1">
+                <a:lumMod val="50000"/>
+              </a:schemeClr>
+            </a:solidFill>
+          </a:ln>
+        </p:spPr>
+        <p:txBody>
+          <a:bodyPr/>
+          <a:lstStyle/>
+          <a:p>
+            <a:pPr marL="0" indent="0">
+              <a:buNone/>
+            </a:pPr>
+            <a:r>
+              <a:rPr lang="en-US" dirty="0"/>
+              <a:t> </a:t>
+            </a:r>
+          </a:p>
+        </p:txBody>
+      </p:sp>
+      <p:sp>
+        <p:nvSpPr>
+          <p:cNvPr id="4" name="Text Placeholder 3">
+            <a:extLst>
+              <a:ext uri="{FF2B5EF4-FFF2-40B4-BE49-F238E27FC236}">
+                <a16:creationId xmlns:a16="http://schemas.microsoft.com/office/drawing/2014/main" id="{09E79592-AC01-4B52-8C3A-216E9F84829F}"/>
+              </a:ext>
+            </a:extLst>
+          </p:cNvPr>
+          <p:cNvSpPr>
+            <a:spLocks noGrp="1"/>
+          </p:cNvSpPr>
+          <p:nvPr>
+            <p:ph type="body" sz="quarter" idx="10"/>
+          </p:nvPr>
+        </p:nvSpPr>
+        <p:spPr/>
+        <p:txBody>
+          <a:bodyPr/>
+          <a:lstStyle/>
+          <a:p>
+            <a:r>
+              <a:rPr lang="en-US" dirty="0"/>
+              <a:t>iii. Create custom VM image</a:t>
+            </a:r>
+          </a:p>
+        </p:txBody>
+      </p:sp>
+      <p:sp>
+        <p:nvSpPr>
+          <p:cNvPr id="6" name="Rectangle: Rounded Corners 5">
+            <a:extLst>
+              <a:ext uri="{FF2B5EF4-FFF2-40B4-BE49-F238E27FC236}">
+                <a16:creationId xmlns:a16="http://schemas.microsoft.com/office/drawing/2014/main" id="{362515B6-4992-4F2A-96AE-D475DCE2D3BC}"/>
+              </a:ext>
+            </a:extLst>
+          </p:cNvPr>
+          <p:cNvSpPr/>
+          <p:nvPr/>
+        </p:nvSpPr>
+        <p:spPr>
+          <a:xfrm>
+            <a:off x="4865052" y="2848456"/>
+            <a:ext cx="2451807" cy="3288616"/>
+          </a:xfrm>
+          <a:prstGeom prst="roundRect">
+            <a:avLst>
+              <a:gd name="adj" fmla="val 0"/>
+            </a:avLst>
+          </a:prstGeom>
+          <a:solidFill>
+            <a:schemeClr val="tx2">
+              <a:lumMod val="20000"/>
+              <a:lumOff val="80000"/>
+            </a:schemeClr>
+          </a:solidFill>
+          <a:ln w="12700">
+            <a:noFill/>
+            <a:prstDash val="solid"/>
+          </a:ln>
+        </p:spPr>
+        <p:style>
+          <a:lnRef idx="2">
+            <a:schemeClr val="accent1">
+              <a:shade val="50000"/>
+            </a:schemeClr>
+          </a:lnRef>
+          <a:fillRef idx="1">
+            <a:schemeClr val="accent1"/>
+          </a:fillRef>
+          <a:effectRef idx="0">
+            <a:schemeClr val="accent1"/>
+          </a:effectRef>
+          <a:fontRef idx="minor">
+            <a:schemeClr val="lt1"/>
+          </a:fontRef>
+        </p:style>
+        <p:txBody>
+          <a:bodyPr rtlCol="0" anchor="ctr"/>
+          <a:lstStyle/>
+          <a:p>
+            <a:pPr algn="ctr"/>
+            <a:endParaRPr lang="en-US"/>
+          </a:p>
+        </p:txBody>
+      </p:sp>
+      <p:sp>
+        <p:nvSpPr>
+          <p:cNvPr id="8" name="Rectangle: Rounded Corners 7">
+            <a:extLst>
+              <a:ext uri="{FF2B5EF4-FFF2-40B4-BE49-F238E27FC236}">
+                <a16:creationId xmlns:a16="http://schemas.microsoft.com/office/drawing/2014/main" id="{24ED2B86-312F-4D11-82F4-7EA24EB47584}"/>
+              </a:ext>
+            </a:extLst>
+          </p:cNvPr>
+          <p:cNvSpPr/>
+          <p:nvPr/>
+        </p:nvSpPr>
+        <p:spPr>
+          <a:xfrm>
+            <a:off x="5712879" y="4162176"/>
+            <a:ext cx="1426119" cy="1819539"/>
+          </a:xfrm>
+          <a:prstGeom prst="roundRect">
+            <a:avLst>
+              <a:gd name="adj" fmla="val 8127"/>
+            </a:avLst>
+          </a:prstGeom>
+          <a:solidFill>
+            <a:schemeClr val="accent1">
+              <a:lumMod val="40000"/>
+              <a:lumOff val="60000"/>
+            </a:schemeClr>
+          </a:solidFill>
+          <a:ln w="12700">
+            <a:noFill/>
+            <a:prstDash val="solid"/>
+          </a:ln>
+        </p:spPr>
+        <p:style>
+          <a:lnRef idx="2">
+            <a:schemeClr val="accent1">
+              <a:shade val="50000"/>
+            </a:schemeClr>
+          </a:lnRef>
+          <a:fillRef idx="1">
+            <a:schemeClr val="accent1"/>
+          </a:fillRef>
+          <a:effectRef idx="0">
+            <a:schemeClr val="accent1"/>
+          </a:effectRef>
+          <a:fontRef idx="minor">
+            <a:schemeClr val="lt1"/>
+          </a:fontRef>
+        </p:style>
+        <p:txBody>
+          <a:bodyPr rtlCol="0" anchor="ctr"/>
+          <a:lstStyle/>
+          <a:p>
+            <a:pPr algn="ctr"/>
+            <a:endParaRPr lang="en-US"/>
+          </a:p>
+        </p:txBody>
+      </p:sp>
+      <p:pic>
+        <p:nvPicPr>
+          <p:cNvPr id="10" name="Picture 9">
+            <a:extLst>
+              <a:ext uri="{FF2B5EF4-FFF2-40B4-BE49-F238E27FC236}">
+                <a16:creationId xmlns:a16="http://schemas.microsoft.com/office/drawing/2014/main" id="{CBCD5F54-2D15-4A5A-83D2-9EAAAF45437F}"/>
+              </a:ext>
+            </a:extLst>
+          </p:cNvPr>
+          <p:cNvPicPr>
+            <a:picLocks noChangeAspect="1"/>
+          </p:cNvPicPr>
+          <p:nvPr/>
+        </p:nvPicPr>
+        <p:blipFill>
+          <a:blip r:embed="rId3">
+            <a:extLst>
+              <a:ext uri="{28A0092B-C50C-407E-A947-70E740481C1C}">
+                <a14:useLocalDpi xmlns:a14="http://schemas.microsoft.com/office/drawing/2010/main" val="0"/>
+              </a:ext>
+            </a:extLst>
+          </a:blip>
+          <a:stretch>
+            <a:fillRect/>
+          </a:stretch>
+        </p:blipFill>
+        <p:spPr>
+          <a:xfrm>
+            <a:off x="3497936" y="1996689"/>
+            <a:ext cx="780290" cy="780290"/>
+          </a:xfrm>
+          <a:prstGeom prst="rect">
+            <a:avLst/>
+          </a:prstGeom>
+        </p:spPr>
+      </p:pic>
+      <p:pic>
+        <p:nvPicPr>
+          <p:cNvPr id="11" name="Picture 10">
+            <a:extLst>
+              <a:ext uri="{FF2B5EF4-FFF2-40B4-BE49-F238E27FC236}">
+                <a16:creationId xmlns:a16="http://schemas.microsoft.com/office/drawing/2014/main" id="{45254174-2045-417F-92E3-EE04B80629D1}"/>
+              </a:ext>
+            </a:extLst>
+          </p:cNvPr>
+          <p:cNvPicPr>
+            <a:picLocks noChangeAspect="1"/>
+          </p:cNvPicPr>
+          <p:nvPr/>
+        </p:nvPicPr>
+        <p:blipFill>
+          <a:blip r:embed="rId4">
+            <a:extLst>
+              <a:ext uri="{28A0092B-C50C-407E-A947-70E740481C1C}">
+                <a14:useLocalDpi xmlns:a14="http://schemas.microsoft.com/office/drawing/2010/main" val="0"/>
+              </a:ext>
+            </a:extLst>
+          </a:blip>
+          <a:stretch>
+            <a:fillRect/>
+          </a:stretch>
+        </p:blipFill>
+        <p:spPr>
+          <a:xfrm>
+            <a:off x="1872818" y="1182767"/>
+            <a:ext cx="780290" cy="780290"/>
+          </a:xfrm>
+          <a:prstGeom prst="rect">
+            <a:avLst/>
+          </a:prstGeom>
+        </p:spPr>
+      </p:pic>
+      <p:pic>
+        <p:nvPicPr>
+          <p:cNvPr id="13" name="Picture 12">
+            <a:extLst>
+              <a:ext uri="{FF2B5EF4-FFF2-40B4-BE49-F238E27FC236}">
+                <a16:creationId xmlns:a16="http://schemas.microsoft.com/office/drawing/2014/main" id="{D992751E-857C-4416-92EF-775B04E3209D}"/>
+              </a:ext>
+            </a:extLst>
+          </p:cNvPr>
+          <p:cNvPicPr>
+            <a:picLocks noChangeAspect="1"/>
+          </p:cNvPicPr>
+          <p:nvPr/>
+        </p:nvPicPr>
+        <p:blipFill>
+          <a:blip r:embed="rId5">
+            <a:extLst>
+              <a:ext uri="{28A0092B-C50C-407E-A947-70E740481C1C}">
+                <a14:useLocalDpi xmlns:a14="http://schemas.microsoft.com/office/drawing/2010/main" val="0"/>
+              </a:ext>
+            </a:extLst>
+          </a:blip>
+          <a:stretch>
+            <a:fillRect/>
+          </a:stretch>
+        </p:blipFill>
+        <p:spPr>
+          <a:xfrm>
+            <a:off x="5344023" y="3496240"/>
+            <a:ext cx="780290" cy="780290"/>
+          </a:xfrm>
+          <a:prstGeom prst="rect">
+            <a:avLst/>
+          </a:prstGeom>
+        </p:spPr>
+      </p:pic>
+      <p:pic>
+        <p:nvPicPr>
+          <p:cNvPr id="14" name="Picture 13">
+            <a:extLst>
+              <a:ext uri="{FF2B5EF4-FFF2-40B4-BE49-F238E27FC236}">
+                <a16:creationId xmlns:a16="http://schemas.microsoft.com/office/drawing/2014/main" id="{65B0AC4F-1E09-427F-B2D6-862917B9294E}"/>
+              </a:ext>
+            </a:extLst>
+          </p:cNvPr>
+          <p:cNvPicPr>
+            <a:picLocks noChangeAspect="1"/>
+          </p:cNvPicPr>
+          <p:nvPr/>
+        </p:nvPicPr>
+        <p:blipFill>
+          <a:blip r:embed="rId6">
+            <a:extLst>
+              <a:ext uri="{28A0092B-C50C-407E-A947-70E740481C1C}">
+                <a14:useLocalDpi xmlns:a14="http://schemas.microsoft.com/office/drawing/2010/main" val="0"/>
+              </a:ext>
+            </a:extLst>
+          </a:blip>
+          <a:stretch>
+            <a:fillRect/>
+          </a:stretch>
+        </p:blipFill>
+        <p:spPr>
+          <a:xfrm>
+            <a:off x="4947926" y="5206100"/>
+            <a:ext cx="780290" cy="780290"/>
+          </a:xfrm>
+          <a:prstGeom prst="rect">
+            <a:avLst/>
+          </a:prstGeom>
+        </p:spPr>
+      </p:pic>
+      <p:sp>
+        <p:nvSpPr>
+          <p:cNvPr id="17" name="Rectangle 16">
+            <a:extLst>
+              <a:ext uri="{FF2B5EF4-FFF2-40B4-BE49-F238E27FC236}">
+                <a16:creationId xmlns:a16="http://schemas.microsoft.com/office/drawing/2014/main" id="{15071EE3-6F99-49C9-A29D-AA794E56358C}"/>
+              </a:ext>
+            </a:extLst>
+          </p:cNvPr>
+          <p:cNvSpPr/>
+          <p:nvPr/>
+        </p:nvSpPr>
+        <p:spPr>
+          <a:xfrm>
+            <a:off x="2242521" y="1894585"/>
+            <a:ext cx="9414433" cy="4428834"/>
+          </a:xfrm>
+          <a:prstGeom prst="rect">
+            <a:avLst/>
+          </a:prstGeom>
+          <a:noFill/>
+          <a:ln>
+            <a:solidFill>
+              <a:schemeClr val="bg1">
+                <a:lumMod val="65000"/>
+              </a:schemeClr>
+            </a:solidFill>
+          </a:ln>
+        </p:spPr>
+        <p:style>
+          <a:lnRef idx="2">
+            <a:schemeClr val="accent1">
+              <a:shade val="50000"/>
+            </a:schemeClr>
+          </a:lnRef>
+          <a:fillRef idx="1">
+            <a:schemeClr val="accent1"/>
+          </a:fillRef>
+          <a:effectRef idx="0">
+            <a:schemeClr val="accent1"/>
+          </a:effectRef>
+          <a:fontRef idx="minor">
+            <a:schemeClr val="lt1"/>
+          </a:fontRef>
+        </p:style>
+        <p:txBody>
+          <a:bodyPr rtlCol="0" anchor="ctr"/>
+          <a:lstStyle/>
+          <a:p>
+            <a:pPr algn="ctr"/>
+            <a:endParaRPr lang="en-US"/>
+          </a:p>
+        </p:txBody>
+      </p:sp>
+      <p:sp>
+        <p:nvSpPr>
+          <p:cNvPr id="18" name="TextBox 17">
+            <a:extLst>
+              <a:ext uri="{FF2B5EF4-FFF2-40B4-BE49-F238E27FC236}">
+                <a16:creationId xmlns:a16="http://schemas.microsoft.com/office/drawing/2014/main" id="{E77E4554-64DA-4F78-95C7-045C958812B0}"/>
+              </a:ext>
+            </a:extLst>
+          </p:cNvPr>
+          <p:cNvSpPr txBox="1"/>
+          <p:nvPr/>
+        </p:nvSpPr>
+        <p:spPr>
+          <a:xfrm>
+            <a:off x="2658920" y="1578939"/>
+            <a:ext cx="1292790" cy="276999"/>
+          </a:xfrm>
+          <a:prstGeom prst="rect">
+            <a:avLst/>
+          </a:prstGeom>
+          <a:noFill/>
+        </p:spPr>
+        <p:txBody>
+          <a:bodyPr wrap="none" rtlCol="0">
+            <a:spAutoFit/>
+          </a:bodyPr>
+          <a:lstStyle/>
+          <a:p>
+            <a:r>
+              <a:rPr lang="en-US" sz="1200" dirty="0"/>
+              <a:t>Microsoft Azure</a:t>
+            </a:r>
+          </a:p>
+        </p:txBody>
+      </p:sp>
+      <p:sp>
+        <p:nvSpPr>
+          <p:cNvPr id="19" name="Rectangle 18">
+            <a:extLst>
+              <a:ext uri="{FF2B5EF4-FFF2-40B4-BE49-F238E27FC236}">
+                <a16:creationId xmlns:a16="http://schemas.microsoft.com/office/drawing/2014/main" id="{0323C5D1-AD1C-4A8C-8F06-4C6AF3B74991}"/>
+              </a:ext>
+            </a:extLst>
+          </p:cNvPr>
+          <p:cNvSpPr/>
+          <p:nvPr/>
+        </p:nvSpPr>
+        <p:spPr>
+          <a:xfrm>
+            <a:off x="3647358" y="2776979"/>
+            <a:ext cx="7809749" cy="3430092"/>
+          </a:xfrm>
+          <a:prstGeom prst="rect">
+            <a:avLst/>
+          </a:prstGeom>
+          <a:noFill/>
+          <a:ln>
+            <a:solidFill>
+              <a:schemeClr val="bg1">
+                <a:lumMod val="65000"/>
+              </a:schemeClr>
+            </a:solidFill>
+          </a:ln>
+        </p:spPr>
+        <p:style>
+          <a:lnRef idx="2">
+            <a:schemeClr val="accent1">
+              <a:shade val="50000"/>
+            </a:schemeClr>
+          </a:lnRef>
+          <a:fillRef idx="1">
+            <a:schemeClr val="accent1"/>
+          </a:fillRef>
+          <a:effectRef idx="0">
+            <a:schemeClr val="accent1"/>
+          </a:effectRef>
+          <a:fontRef idx="minor">
+            <a:schemeClr val="lt1"/>
+          </a:fontRef>
+        </p:style>
+        <p:txBody>
+          <a:bodyPr rtlCol="0" anchor="ctr"/>
+          <a:lstStyle/>
+          <a:p>
+            <a:pPr algn="ctr"/>
+            <a:endParaRPr lang="en-US"/>
+          </a:p>
+        </p:txBody>
+      </p:sp>
+      <p:sp>
+        <p:nvSpPr>
+          <p:cNvPr id="21" name="TextBox 20">
+            <a:extLst>
+              <a:ext uri="{FF2B5EF4-FFF2-40B4-BE49-F238E27FC236}">
+                <a16:creationId xmlns:a16="http://schemas.microsoft.com/office/drawing/2014/main" id="{AFD640A9-2263-4EF7-AEE8-57FE3FC9B9EF}"/>
+              </a:ext>
+            </a:extLst>
+          </p:cNvPr>
+          <p:cNvSpPr txBox="1"/>
+          <p:nvPr/>
+        </p:nvSpPr>
+        <p:spPr>
+          <a:xfrm>
+            <a:off x="4389917" y="2427959"/>
+            <a:ext cx="1302536" cy="276999"/>
+          </a:xfrm>
+          <a:prstGeom prst="rect">
+            <a:avLst/>
+          </a:prstGeom>
+          <a:noFill/>
+        </p:spPr>
+        <p:txBody>
+          <a:bodyPr wrap="none" rtlCol="0">
+            <a:spAutoFit/>
+          </a:bodyPr>
+          <a:lstStyle/>
+          <a:p>
+            <a:r>
+              <a:rPr lang="en-US" sz="1200" dirty="0"/>
+              <a:t>Resource Group</a:t>
+            </a:r>
+          </a:p>
+        </p:txBody>
+      </p:sp>
+      <p:grpSp>
+        <p:nvGrpSpPr>
+          <p:cNvPr id="22" name="Group 21">
+            <a:extLst>
+              <a:ext uri="{FF2B5EF4-FFF2-40B4-BE49-F238E27FC236}">
+                <a16:creationId xmlns:a16="http://schemas.microsoft.com/office/drawing/2014/main" id="{865ECADD-5104-46BE-8666-7CEA0397F228}"/>
+              </a:ext>
+            </a:extLst>
+          </p:cNvPr>
+          <p:cNvGrpSpPr/>
+          <p:nvPr/>
+        </p:nvGrpSpPr>
+        <p:grpSpPr>
+          <a:xfrm>
+            <a:off x="2390078" y="2719437"/>
+            <a:ext cx="1035733" cy="1087503"/>
+            <a:chOff x="2390078" y="2961947"/>
+            <a:chExt cx="1035733" cy="1087503"/>
+          </a:xfrm>
+        </p:grpSpPr>
+        <p:pic>
+          <p:nvPicPr>
+            <p:cNvPr id="56" name="Picture 55">
+              <a:extLst>
+                <a:ext uri="{FF2B5EF4-FFF2-40B4-BE49-F238E27FC236}">
+                  <a16:creationId xmlns:a16="http://schemas.microsoft.com/office/drawing/2014/main" id="{C85707AF-E2BE-4328-A1A2-301BFE335FA9}"/>
+                </a:ext>
+              </a:extLst>
+            </p:cNvPr>
+            <p:cNvPicPr>
+              <a:picLocks noChangeAspect="1"/>
+            </p:cNvPicPr>
+            <p:nvPr/>
+          </p:nvPicPr>
+          <p:blipFill>
+            <a:blip r:embed="rId7">
+              <a:extLst>
+                <a:ext uri="{28A0092B-C50C-407E-A947-70E740481C1C}">
+                  <a14:useLocalDpi xmlns:a14="http://schemas.microsoft.com/office/drawing/2010/main" val="0"/>
+                </a:ext>
+              </a:extLst>
+            </a:blip>
+            <a:stretch>
+              <a:fillRect/>
+            </a:stretch>
+          </p:blipFill>
+          <p:spPr>
+            <a:xfrm>
+              <a:off x="2517799" y="2961947"/>
+              <a:ext cx="780290" cy="780290"/>
+            </a:xfrm>
+            <a:prstGeom prst="rect">
+              <a:avLst/>
+            </a:prstGeom>
+          </p:spPr>
+        </p:pic>
+        <p:sp>
+          <p:nvSpPr>
+            <p:cNvPr id="57" name="TextBox 56">
+              <a:extLst>
+                <a:ext uri="{FF2B5EF4-FFF2-40B4-BE49-F238E27FC236}">
+                  <a16:creationId xmlns:a16="http://schemas.microsoft.com/office/drawing/2014/main" id="{D173AFD1-E344-4C3B-BC72-285BDE6135FD}"/>
+                </a:ext>
+              </a:extLst>
+            </p:cNvPr>
+            <p:cNvSpPr txBox="1"/>
+            <p:nvPr/>
+          </p:nvSpPr>
+          <p:spPr>
+            <a:xfrm>
+              <a:off x="2390078" y="3772451"/>
+              <a:ext cx="1035733" cy="276999"/>
+            </a:xfrm>
+            <a:prstGeom prst="rect">
+              <a:avLst/>
+            </a:prstGeom>
+            <a:noFill/>
+          </p:spPr>
+          <p:txBody>
+            <a:bodyPr wrap="none" rtlCol="0">
+              <a:spAutoFit/>
+            </a:bodyPr>
+            <a:lstStyle/>
+            <a:p>
+              <a:r>
+                <a:rPr lang="en-US" sz="1200" dirty="0"/>
+                <a:t>Marketplace</a:t>
+              </a:r>
+            </a:p>
+          </p:txBody>
+        </p:sp>
+      </p:grpSp>
+      <p:cxnSp>
+        <p:nvCxnSpPr>
+          <p:cNvPr id="25" name="Straight Connector 24">
+            <a:extLst>
+              <a:ext uri="{FF2B5EF4-FFF2-40B4-BE49-F238E27FC236}">
+                <a16:creationId xmlns:a16="http://schemas.microsoft.com/office/drawing/2014/main" id="{57EDD641-57A7-4CF7-85CA-5702E242F4C9}"/>
+              </a:ext>
+            </a:extLst>
+          </p:cNvPr>
+          <p:cNvCxnSpPr>
+            <a:cxnSpLocks/>
+            <a:stCxn id="14" idx="3"/>
+          </p:cNvCxnSpPr>
+          <p:nvPr/>
+        </p:nvCxnSpPr>
+        <p:spPr>
+          <a:xfrm>
+            <a:off x="5728216" y="5596245"/>
+            <a:ext cx="1346653" cy="0"/>
+          </a:xfrm>
+          <a:prstGeom prst="line">
+            <a:avLst/>
+          </a:prstGeom>
+          <a:ln w="38100">
+            <a:solidFill>
+              <a:schemeClr val="accent1"/>
+            </a:solidFill>
+          </a:ln>
+        </p:spPr>
+        <p:style>
+          <a:lnRef idx="1">
+            <a:schemeClr val="accent1"/>
+          </a:lnRef>
+          <a:fillRef idx="0">
+            <a:schemeClr val="accent1"/>
+          </a:fillRef>
+          <a:effectRef idx="0">
+            <a:schemeClr val="accent1"/>
+          </a:effectRef>
+          <a:fontRef idx="minor">
+            <a:schemeClr val="tx1"/>
+          </a:fontRef>
+        </p:style>
+      </p:cxnSp>
+      <p:sp>
+        <p:nvSpPr>
+          <p:cNvPr id="31" name="TextBox 30">
+            <a:extLst>
+              <a:ext uri="{FF2B5EF4-FFF2-40B4-BE49-F238E27FC236}">
+                <a16:creationId xmlns:a16="http://schemas.microsoft.com/office/drawing/2014/main" id="{70A24615-D09D-48CF-9A05-5F6ED57F5816}"/>
+              </a:ext>
+            </a:extLst>
+          </p:cNvPr>
+          <p:cNvSpPr txBox="1"/>
+          <p:nvPr/>
+        </p:nvSpPr>
+        <p:spPr>
+          <a:xfrm>
+            <a:off x="4919695" y="5821925"/>
+            <a:ext cx="830933" cy="276999"/>
+          </a:xfrm>
+          <a:prstGeom prst="rect">
+            <a:avLst/>
+          </a:prstGeom>
+          <a:noFill/>
+        </p:spPr>
+        <p:txBody>
+          <a:bodyPr wrap="none" rtlCol="0">
+            <a:spAutoFit/>
+          </a:bodyPr>
+          <a:lstStyle/>
+          <a:p>
+            <a:r>
+              <a:rPr lang="en-US" sz="1200" dirty="0"/>
+              <a:t>Dev-</a:t>
+            </a:r>
+            <a:r>
+              <a:rPr lang="en-US" sz="1200" dirty="0" err="1"/>
+              <a:t>Vnet</a:t>
+            </a:r>
+            <a:endParaRPr lang="en-US" sz="1200" dirty="0"/>
+          </a:p>
+        </p:txBody>
+      </p:sp>
+      <p:sp>
+        <p:nvSpPr>
+          <p:cNvPr id="35" name="TextBox 34">
+            <a:extLst>
+              <a:ext uri="{FF2B5EF4-FFF2-40B4-BE49-F238E27FC236}">
+                <a16:creationId xmlns:a16="http://schemas.microsoft.com/office/drawing/2014/main" id="{6B064BC3-28CC-4BF4-891A-43395D30C0FD}"/>
+              </a:ext>
+            </a:extLst>
+          </p:cNvPr>
+          <p:cNvSpPr txBox="1"/>
+          <p:nvPr/>
+        </p:nvSpPr>
+        <p:spPr>
+          <a:xfrm>
+            <a:off x="5695392" y="3323499"/>
+            <a:ext cx="764953" cy="276999"/>
+          </a:xfrm>
+          <a:prstGeom prst="rect">
+            <a:avLst/>
+          </a:prstGeom>
+          <a:noFill/>
+        </p:spPr>
+        <p:txBody>
+          <a:bodyPr wrap="none" rtlCol="0">
+            <a:spAutoFit/>
+          </a:bodyPr>
+          <a:lstStyle/>
+          <a:p>
+            <a:r>
+              <a:rPr lang="en-US" sz="1200" dirty="0"/>
+              <a:t>Dev-</a:t>
+            </a:r>
+            <a:r>
+              <a:rPr lang="en-US" sz="1200" dirty="0" err="1"/>
+              <a:t>nsg</a:t>
+            </a:r>
+            <a:endParaRPr lang="en-US" sz="1200" dirty="0"/>
+          </a:p>
+        </p:txBody>
+      </p:sp>
+      <p:sp>
+        <p:nvSpPr>
+          <p:cNvPr id="36" name="TextBox 35">
+            <a:extLst>
+              <a:ext uri="{FF2B5EF4-FFF2-40B4-BE49-F238E27FC236}">
+                <a16:creationId xmlns:a16="http://schemas.microsoft.com/office/drawing/2014/main" id="{1F259F8C-3632-4F9B-A578-23CAB22DBCF6}"/>
+              </a:ext>
+            </a:extLst>
+          </p:cNvPr>
+          <p:cNvSpPr txBox="1"/>
+          <p:nvPr/>
+        </p:nvSpPr>
+        <p:spPr>
+          <a:xfrm>
+            <a:off x="5865393" y="5677845"/>
+            <a:ext cx="1124860" cy="276999"/>
+          </a:xfrm>
+          <a:prstGeom prst="rect">
+            <a:avLst/>
+          </a:prstGeom>
+          <a:noFill/>
+        </p:spPr>
+        <p:txBody>
+          <a:bodyPr wrap="none" rtlCol="0">
+            <a:spAutoFit/>
+          </a:bodyPr>
+          <a:lstStyle/>
+          <a:p>
+            <a:r>
+              <a:rPr lang="en-US" sz="1200" dirty="0"/>
+              <a:t>Web (subnet)</a:t>
+            </a:r>
+          </a:p>
+        </p:txBody>
+      </p:sp>
       <p:grpSp>
         <p:nvGrpSpPr>
           <p:cNvPr id="37" name="Group 36">
@@ -5395,7 +8483,7 @@
             <p:nvPr/>
           </p:nvPicPr>
           <p:blipFill>
-            <a:blip r:embed="rId9">
+            <a:blip r:embed="rId8">
               <a:extLst>
                 <a:ext uri="{28A0092B-C50C-407E-A947-70E740481C1C}">
                   <a14:useLocalDpi xmlns:a14="http://schemas.microsoft.com/office/drawing/2010/main" val="0"/>
@@ -5455,7 +8543,7 @@
     </p:spTree>
     <p:extLst>
       <p:ext uri="{BB962C8B-B14F-4D97-AF65-F5344CB8AC3E}">
-        <p14:creationId xmlns:p14="http://schemas.microsoft.com/office/powerpoint/2010/main" val="2435558602"/>
+        <p14:creationId xmlns:p14="http://schemas.microsoft.com/office/powerpoint/2010/main" val="1562831939"/>
       </p:ext>
     </p:extLst>
   </p:cSld>
@@ -5465,7 +8553,7 @@
 </p:sld>
 </file>
 
-<file path=ppt/slides/slide7.xml><?xml version="1.0" encoding="utf-8"?>
+<file path=ppt/slides/slide8.xml><?xml version="1.0" encoding="utf-8"?>
 <p:sld xmlns:a="http://schemas.openxmlformats.org/drawingml/2006/main" xmlns:r="http://schemas.openxmlformats.org/officeDocument/2006/relationships" xmlns:p="http://schemas.openxmlformats.org/presentationml/2006/main">
   <p:cSld>
     <p:spTree>
@@ -5539,9 +8627,12 @@
           <a:bodyPr/>
           <a:lstStyle/>
           <a:p>
+            <a:pPr marL="0" indent="0">
+              <a:buNone/>
+            </a:pPr>
             <a:r>
               <a:rPr lang="en-US" dirty="0"/>
-              <a:t>Architecture</a:t>
+              <a:t> </a:t>
             </a:r>
           </a:p>
         </p:txBody>
@@ -6973,7 +10064,7 @@
 </p:sld>
 </file>
 
-<file path=ppt/slides/slide8.xml><?xml version="1.0" encoding="utf-8"?>
+<file path=ppt/slides/slide9.xml><?xml version="1.0" encoding="utf-8"?>
 <p:sld xmlns:a="http://schemas.openxmlformats.org/drawingml/2006/main" xmlns:r="http://schemas.openxmlformats.org/officeDocument/2006/relationships" xmlns:p="http://schemas.openxmlformats.org/presentationml/2006/main">
   <p:cSld>
     <p:spTree>
@@ -7047,9 +10138,12 @@
           <a:bodyPr/>
           <a:lstStyle/>
           <a:p>
+            <a:pPr marL="0" indent="0">
+              <a:buNone/>
+            </a:pPr>
             <a:r>
               <a:rPr lang="en-US" dirty="0"/>
-              <a:t>Architecture</a:t>
+              <a:t> </a:t>
             </a:r>
           </a:p>
         </p:txBody>
@@ -8884,2182 +11978,6 @@
     <p:extLst>
       <p:ext uri="{BB962C8B-B14F-4D97-AF65-F5344CB8AC3E}">
         <p14:creationId xmlns:p14="http://schemas.microsoft.com/office/powerpoint/2010/main" val="1083389527"/>
-      </p:ext>
-    </p:extLst>
-  </p:cSld>
-  <p:clrMapOvr>
-    <a:masterClrMapping/>
-  </p:clrMapOvr>
-</p:sld>
-</file>
-
-<file path=ppt/slides/slide9.xml><?xml version="1.0" encoding="utf-8"?>
-<p:sld xmlns:a="http://schemas.openxmlformats.org/drawingml/2006/main" xmlns:r="http://schemas.openxmlformats.org/officeDocument/2006/relationships" xmlns:p="http://schemas.openxmlformats.org/presentationml/2006/main">
-  <p:cSld>
-    <p:spTree>
-      <p:nvGrpSpPr>
-        <p:cNvPr id="1" name=""/>
-        <p:cNvGrpSpPr/>
-        <p:nvPr/>
-      </p:nvGrpSpPr>
-      <p:grpSpPr>
-        <a:xfrm>
-          <a:off x="0" y="0"/>
-          <a:ext cx="0" cy="0"/>
-          <a:chOff x="0" y="0"/>
-          <a:chExt cx="0" cy="0"/>
-        </a:xfrm>
-      </p:grpSpPr>
-      <p:sp>
-        <p:nvSpPr>
-          <p:cNvPr id="2" name="Title 1">
-            <a:extLst>
-              <a:ext uri="{FF2B5EF4-FFF2-40B4-BE49-F238E27FC236}">
-                <a16:creationId xmlns:a16="http://schemas.microsoft.com/office/drawing/2014/main" id="{C27A62A0-E3E3-4DCB-BBC5-63FDB474798C}"/>
-              </a:ext>
-            </a:extLst>
-          </p:cNvPr>
-          <p:cNvSpPr>
-            <a:spLocks noGrp="1"/>
-          </p:cNvSpPr>
-          <p:nvPr>
-            <p:ph type="title"/>
-          </p:nvPr>
-        </p:nvSpPr>
-        <p:spPr/>
-        <p:txBody>
-          <a:bodyPr/>
-          <a:lstStyle/>
-          <a:p>
-            <a:r>
-              <a:rPr lang="en-US" dirty="0"/>
-              <a:t>Workshop Scenario</a:t>
-            </a:r>
-          </a:p>
-        </p:txBody>
-      </p:sp>
-      <p:sp>
-        <p:nvSpPr>
-          <p:cNvPr id="3" name="Content Placeholder 2">
-            <a:extLst>
-              <a:ext uri="{FF2B5EF4-FFF2-40B4-BE49-F238E27FC236}">
-                <a16:creationId xmlns:a16="http://schemas.microsoft.com/office/drawing/2014/main" id="{5C351E07-3D78-4561-8477-B8F12B98225E}"/>
-              </a:ext>
-            </a:extLst>
-          </p:cNvPr>
-          <p:cNvSpPr>
-            <a:spLocks noGrp="1"/>
-          </p:cNvSpPr>
-          <p:nvPr>
-            <p:ph idx="1"/>
-          </p:nvPr>
-        </p:nvSpPr>
-        <p:spPr>
-          <a:ln>
-            <a:solidFill>
-              <a:schemeClr val="bg1">
-                <a:lumMod val="50000"/>
-              </a:schemeClr>
-            </a:solidFill>
-          </a:ln>
-        </p:spPr>
-        <p:txBody>
-          <a:bodyPr/>
-          <a:lstStyle/>
-          <a:p>
-            <a:r>
-              <a:rPr lang="en-US" dirty="0"/>
-              <a:t>Architecture</a:t>
-            </a:r>
-          </a:p>
-        </p:txBody>
-      </p:sp>
-      <p:sp>
-        <p:nvSpPr>
-          <p:cNvPr id="4" name="Text Placeholder 3">
-            <a:extLst>
-              <a:ext uri="{FF2B5EF4-FFF2-40B4-BE49-F238E27FC236}">
-                <a16:creationId xmlns:a16="http://schemas.microsoft.com/office/drawing/2014/main" id="{09E79592-AC01-4B52-8C3A-216E9F84829F}"/>
-              </a:ext>
-            </a:extLst>
-          </p:cNvPr>
-          <p:cNvSpPr>
-            <a:spLocks noGrp="1"/>
-          </p:cNvSpPr>
-          <p:nvPr>
-            <p:ph type="body" sz="quarter" idx="10"/>
-          </p:nvPr>
-        </p:nvSpPr>
-        <p:spPr/>
-        <p:txBody>
-          <a:bodyPr/>
-          <a:lstStyle/>
-          <a:p>
-            <a:r>
-              <a:rPr lang="en-US" dirty="0"/>
-              <a:t>(Optional) vi. </a:t>
-            </a:r>
-            <a:r>
-              <a:rPr lang="en-US" altLang="en-US" dirty="0"/>
-              <a:t>Create Application Gateway</a:t>
-            </a:r>
-          </a:p>
-        </p:txBody>
-      </p:sp>
-      <p:sp>
-        <p:nvSpPr>
-          <p:cNvPr id="97" name="Rectangle: Rounded Corners 96">
-            <a:extLst>
-              <a:ext uri="{FF2B5EF4-FFF2-40B4-BE49-F238E27FC236}">
-                <a16:creationId xmlns:a16="http://schemas.microsoft.com/office/drawing/2014/main" id="{ED85FD87-D151-46EF-A781-D50DDB5BD8D3}"/>
-              </a:ext>
-            </a:extLst>
-          </p:cNvPr>
-          <p:cNvSpPr/>
-          <p:nvPr/>
-        </p:nvSpPr>
-        <p:spPr>
-          <a:xfrm>
-            <a:off x="4865052" y="2848456"/>
-            <a:ext cx="2451807" cy="3288616"/>
-          </a:xfrm>
-          <a:prstGeom prst="roundRect">
-            <a:avLst>
-              <a:gd name="adj" fmla="val 0"/>
-            </a:avLst>
-          </a:prstGeom>
-          <a:solidFill>
-            <a:schemeClr val="tx2">
-              <a:lumMod val="20000"/>
-              <a:lumOff val="80000"/>
-            </a:schemeClr>
-          </a:solidFill>
-          <a:ln w="12700">
-            <a:noFill/>
-            <a:prstDash val="solid"/>
-          </a:ln>
-        </p:spPr>
-        <p:style>
-          <a:lnRef idx="2">
-            <a:schemeClr val="accent1">
-              <a:shade val="50000"/>
-            </a:schemeClr>
-          </a:lnRef>
-          <a:fillRef idx="1">
-            <a:schemeClr val="accent1"/>
-          </a:fillRef>
-          <a:effectRef idx="0">
-            <a:schemeClr val="accent1"/>
-          </a:effectRef>
-          <a:fontRef idx="minor">
-            <a:schemeClr val="lt1"/>
-          </a:fontRef>
-        </p:style>
-        <p:txBody>
-          <a:bodyPr rtlCol="0" anchor="ctr"/>
-          <a:lstStyle/>
-          <a:p>
-            <a:pPr algn="ctr"/>
-            <a:endParaRPr lang="en-US"/>
-          </a:p>
-        </p:txBody>
-      </p:sp>
-      <p:sp>
-        <p:nvSpPr>
-          <p:cNvPr id="98" name="Rectangle: Rounded Corners 97">
-            <a:extLst>
-              <a:ext uri="{FF2B5EF4-FFF2-40B4-BE49-F238E27FC236}">
-                <a16:creationId xmlns:a16="http://schemas.microsoft.com/office/drawing/2014/main" id="{E9AC3F41-DCB6-4508-A78C-ED9D244455AC}"/>
-              </a:ext>
-            </a:extLst>
-          </p:cNvPr>
-          <p:cNvSpPr/>
-          <p:nvPr/>
-        </p:nvSpPr>
-        <p:spPr>
-          <a:xfrm>
-            <a:off x="7455203" y="2848456"/>
-            <a:ext cx="3899145" cy="3288616"/>
-          </a:xfrm>
-          <a:prstGeom prst="roundRect">
-            <a:avLst>
-              <a:gd name="adj" fmla="val 0"/>
-            </a:avLst>
-          </a:prstGeom>
-          <a:solidFill>
-            <a:schemeClr val="tx2">
-              <a:lumMod val="20000"/>
-              <a:lumOff val="80000"/>
-            </a:schemeClr>
-          </a:solidFill>
-          <a:ln w="12700">
-            <a:noFill/>
-            <a:prstDash val="solid"/>
-          </a:ln>
-        </p:spPr>
-        <p:style>
-          <a:lnRef idx="2">
-            <a:schemeClr val="accent1">
-              <a:shade val="50000"/>
-            </a:schemeClr>
-          </a:lnRef>
-          <a:fillRef idx="1">
-            <a:schemeClr val="accent1"/>
-          </a:fillRef>
-          <a:effectRef idx="0">
-            <a:schemeClr val="accent1"/>
-          </a:effectRef>
-          <a:fontRef idx="minor">
-            <a:schemeClr val="lt1"/>
-          </a:fontRef>
-        </p:style>
-        <p:txBody>
-          <a:bodyPr rtlCol="0" anchor="ctr"/>
-          <a:lstStyle/>
-          <a:p>
-            <a:pPr algn="ctr"/>
-            <a:endParaRPr lang="en-US"/>
-          </a:p>
-        </p:txBody>
-      </p:sp>
-      <p:sp>
-        <p:nvSpPr>
-          <p:cNvPr id="82" name="Rectangle: Rounded Corners 81">
-            <a:extLst>
-              <a:ext uri="{FF2B5EF4-FFF2-40B4-BE49-F238E27FC236}">
-                <a16:creationId xmlns:a16="http://schemas.microsoft.com/office/drawing/2014/main" id="{C8E89083-D2CE-4050-8588-843879319843}"/>
-              </a:ext>
-            </a:extLst>
-          </p:cNvPr>
-          <p:cNvSpPr/>
-          <p:nvPr/>
-        </p:nvSpPr>
-        <p:spPr>
-          <a:xfrm>
-            <a:off x="5712879" y="4162176"/>
-            <a:ext cx="1426119" cy="1819539"/>
-          </a:xfrm>
-          <a:prstGeom prst="roundRect">
-            <a:avLst>
-              <a:gd name="adj" fmla="val 8127"/>
-            </a:avLst>
-          </a:prstGeom>
-          <a:solidFill>
-            <a:schemeClr val="accent1">
-              <a:lumMod val="40000"/>
-              <a:lumOff val="60000"/>
-            </a:schemeClr>
-          </a:solidFill>
-          <a:ln w="12700">
-            <a:noFill/>
-            <a:prstDash val="solid"/>
-          </a:ln>
-        </p:spPr>
-        <p:style>
-          <a:lnRef idx="2">
-            <a:schemeClr val="accent1">
-              <a:shade val="50000"/>
-            </a:schemeClr>
-          </a:lnRef>
-          <a:fillRef idx="1">
-            <a:schemeClr val="accent1"/>
-          </a:fillRef>
-          <a:effectRef idx="0">
-            <a:schemeClr val="accent1"/>
-          </a:effectRef>
-          <a:fontRef idx="minor">
-            <a:schemeClr val="lt1"/>
-          </a:fontRef>
-        </p:style>
-        <p:txBody>
-          <a:bodyPr rtlCol="0" anchor="ctr"/>
-          <a:lstStyle/>
-          <a:p>
-            <a:pPr algn="ctr"/>
-            <a:endParaRPr lang="en-US"/>
-          </a:p>
-        </p:txBody>
-      </p:sp>
-      <p:sp>
-        <p:nvSpPr>
-          <p:cNvPr id="83" name="Rectangle: Rounded Corners 82">
-            <a:extLst>
-              <a:ext uri="{FF2B5EF4-FFF2-40B4-BE49-F238E27FC236}">
-                <a16:creationId xmlns:a16="http://schemas.microsoft.com/office/drawing/2014/main" id="{85EC6102-3078-484B-8847-B0AC5ED8C2DE}"/>
-              </a:ext>
-            </a:extLst>
-          </p:cNvPr>
-          <p:cNvSpPr/>
-          <p:nvPr/>
-        </p:nvSpPr>
-        <p:spPr>
-          <a:xfrm>
-            <a:off x="8292445" y="4162176"/>
-            <a:ext cx="2867621" cy="1819539"/>
-          </a:xfrm>
-          <a:prstGeom prst="roundRect">
-            <a:avLst>
-              <a:gd name="adj" fmla="val 8127"/>
-            </a:avLst>
-          </a:prstGeom>
-          <a:solidFill>
-            <a:schemeClr val="accent1">
-              <a:lumMod val="40000"/>
-              <a:lumOff val="60000"/>
-            </a:schemeClr>
-          </a:solidFill>
-          <a:ln w="12700">
-            <a:noFill/>
-            <a:prstDash val="solid"/>
-          </a:ln>
-        </p:spPr>
-        <p:style>
-          <a:lnRef idx="2">
-            <a:schemeClr val="accent1">
-              <a:shade val="50000"/>
-            </a:schemeClr>
-          </a:lnRef>
-          <a:fillRef idx="1">
-            <a:schemeClr val="accent1"/>
-          </a:fillRef>
-          <a:effectRef idx="0">
-            <a:schemeClr val="accent1"/>
-          </a:effectRef>
-          <a:fontRef idx="minor">
-            <a:schemeClr val="lt1"/>
-          </a:fontRef>
-        </p:style>
-        <p:txBody>
-          <a:bodyPr rtlCol="0" anchor="ctr"/>
-          <a:lstStyle/>
-          <a:p>
-            <a:pPr algn="ctr"/>
-            <a:endParaRPr lang="en-US"/>
-          </a:p>
-        </p:txBody>
-      </p:sp>
-      <p:pic>
-        <p:nvPicPr>
-          <p:cNvPr id="12" name="Picture 11">
-            <a:extLst>
-              <a:ext uri="{FF2B5EF4-FFF2-40B4-BE49-F238E27FC236}">
-                <a16:creationId xmlns:a16="http://schemas.microsoft.com/office/drawing/2014/main" id="{8743CDAF-BB06-46A1-A3C7-792541C30887}"/>
-              </a:ext>
-            </a:extLst>
-          </p:cNvPr>
-          <p:cNvPicPr>
-            <a:picLocks noChangeAspect="1"/>
-          </p:cNvPicPr>
-          <p:nvPr/>
-        </p:nvPicPr>
-        <p:blipFill>
-          <a:blip r:embed="rId3">
-            <a:extLst>
-              <a:ext uri="{28A0092B-C50C-407E-A947-70E740481C1C}">
-                <a14:useLocalDpi xmlns:a14="http://schemas.microsoft.com/office/drawing/2010/main" val="0"/>
-              </a:ext>
-            </a:extLst>
-          </a:blip>
-          <a:stretch>
-            <a:fillRect/>
-          </a:stretch>
-        </p:blipFill>
-        <p:spPr>
-          <a:xfrm>
-            <a:off x="3497936" y="1996689"/>
-            <a:ext cx="780290" cy="780290"/>
-          </a:xfrm>
-          <a:prstGeom prst="rect">
-            <a:avLst/>
-          </a:prstGeom>
-        </p:spPr>
-      </p:pic>
-      <p:pic>
-        <p:nvPicPr>
-          <p:cNvPr id="16" name="Picture 15">
-            <a:extLst>
-              <a:ext uri="{FF2B5EF4-FFF2-40B4-BE49-F238E27FC236}">
-                <a16:creationId xmlns:a16="http://schemas.microsoft.com/office/drawing/2014/main" id="{617A789B-F9CA-4FC7-8516-DD887B7FEDF8}"/>
-              </a:ext>
-            </a:extLst>
-          </p:cNvPr>
-          <p:cNvPicPr>
-            <a:picLocks noChangeAspect="1"/>
-          </p:cNvPicPr>
-          <p:nvPr/>
-        </p:nvPicPr>
-        <p:blipFill>
-          <a:blip r:embed="rId4">
-            <a:extLst>
-              <a:ext uri="{28A0092B-C50C-407E-A947-70E740481C1C}">
-                <a14:useLocalDpi xmlns:a14="http://schemas.microsoft.com/office/drawing/2010/main" val="0"/>
-              </a:ext>
-            </a:extLst>
-          </a:blip>
-          <a:stretch>
-            <a:fillRect/>
-          </a:stretch>
-        </p:blipFill>
-        <p:spPr>
-          <a:xfrm>
-            <a:off x="1872818" y="1182767"/>
-            <a:ext cx="780290" cy="780290"/>
-          </a:xfrm>
-          <a:prstGeom prst="rect">
-            <a:avLst/>
-          </a:prstGeom>
-        </p:spPr>
-      </p:pic>
-      <p:pic>
-        <p:nvPicPr>
-          <p:cNvPr id="32" name="Picture 31">
-            <a:extLst>
-              <a:ext uri="{FF2B5EF4-FFF2-40B4-BE49-F238E27FC236}">
-                <a16:creationId xmlns:a16="http://schemas.microsoft.com/office/drawing/2014/main" id="{442DEA8E-4FE2-47E4-8B5D-72F82C586242}"/>
-              </a:ext>
-            </a:extLst>
-          </p:cNvPr>
-          <p:cNvPicPr>
-            <a:picLocks noChangeAspect="1"/>
-          </p:cNvPicPr>
-          <p:nvPr/>
-        </p:nvPicPr>
-        <p:blipFill>
-          <a:blip r:embed="rId5">
-            <a:extLst>
-              <a:ext uri="{28A0092B-C50C-407E-A947-70E740481C1C}">
-                <a14:useLocalDpi xmlns:a14="http://schemas.microsoft.com/office/drawing/2010/main" val="0"/>
-              </a:ext>
-            </a:extLst>
-          </a:blip>
-          <a:stretch>
-            <a:fillRect/>
-          </a:stretch>
-        </p:blipFill>
-        <p:spPr>
-          <a:xfrm>
-            <a:off x="5344023" y="3496240"/>
-            <a:ext cx="780290" cy="780290"/>
-          </a:xfrm>
-          <a:prstGeom prst="rect">
-            <a:avLst/>
-          </a:prstGeom>
-        </p:spPr>
-      </p:pic>
-      <p:pic>
-        <p:nvPicPr>
-          <p:cNvPr id="34" name="Picture 33">
-            <a:extLst>
-              <a:ext uri="{FF2B5EF4-FFF2-40B4-BE49-F238E27FC236}">
-                <a16:creationId xmlns:a16="http://schemas.microsoft.com/office/drawing/2014/main" id="{AFA11ABD-E0EB-4CF0-A4CE-4B631DA5DAE9}"/>
-              </a:ext>
-            </a:extLst>
-          </p:cNvPr>
-          <p:cNvPicPr>
-            <a:picLocks noChangeAspect="1"/>
-          </p:cNvPicPr>
-          <p:nvPr/>
-        </p:nvPicPr>
-        <p:blipFill>
-          <a:blip r:embed="rId6">
-            <a:extLst>
-              <a:ext uri="{28A0092B-C50C-407E-A947-70E740481C1C}">
-                <a14:useLocalDpi xmlns:a14="http://schemas.microsoft.com/office/drawing/2010/main" val="0"/>
-              </a:ext>
-            </a:extLst>
-          </a:blip>
-          <a:stretch>
-            <a:fillRect/>
-          </a:stretch>
-        </p:blipFill>
-        <p:spPr>
-          <a:xfrm>
-            <a:off x="4947926" y="5206100"/>
-            <a:ext cx="780290" cy="780290"/>
-          </a:xfrm>
-          <a:prstGeom prst="rect">
-            <a:avLst/>
-          </a:prstGeom>
-        </p:spPr>
-      </p:pic>
-      <p:pic>
-        <p:nvPicPr>
-          <p:cNvPr id="35" name="Picture 34">
-            <a:extLst>
-              <a:ext uri="{FF2B5EF4-FFF2-40B4-BE49-F238E27FC236}">
-                <a16:creationId xmlns:a16="http://schemas.microsoft.com/office/drawing/2014/main" id="{9A05EDAA-59CC-44B7-A710-541B981C8753}"/>
-              </a:ext>
-            </a:extLst>
-          </p:cNvPr>
-          <p:cNvPicPr>
-            <a:picLocks noChangeAspect="1"/>
-          </p:cNvPicPr>
-          <p:nvPr/>
-        </p:nvPicPr>
-        <p:blipFill>
-          <a:blip r:embed="rId6">
-            <a:extLst>
-              <a:ext uri="{28A0092B-C50C-407E-A947-70E740481C1C}">
-                <a14:useLocalDpi xmlns:a14="http://schemas.microsoft.com/office/drawing/2010/main" val="0"/>
-              </a:ext>
-            </a:extLst>
-          </a:blip>
-          <a:stretch>
-            <a:fillRect/>
-          </a:stretch>
-        </p:blipFill>
-        <p:spPr>
-          <a:xfrm>
-            <a:off x="7495752" y="5206100"/>
-            <a:ext cx="780290" cy="780290"/>
-          </a:xfrm>
-          <a:prstGeom prst="rect">
-            <a:avLst/>
-          </a:prstGeom>
-        </p:spPr>
-      </p:pic>
-      <p:grpSp>
-        <p:nvGrpSpPr>
-          <p:cNvPr id="42" name="Group 41">
-            <a:extLst>
-              <a:ext uri="{FF2B5EF4-FFF2-40B4-BE49-F238E27FC236}">
-                <a16:creationId xmlns:a16="http://schemas.microsoft.com/office/drawing/2014/main" id="{3406DA3B-1524-4E6F-AA0B-FBEB7887B9E0}"/>
-              </a:ext>
-            </a:extLst>
-          </p:cNvPr>
-          <p:cNvGrpSpPr/>
-          <p:nvPr/>
-        </p:nvGrpSpPr>
-        <p:grpSpPr>
-          <a:xfrm>
-            <a:off x="385160" y="4157396"/>
-            <a:ext cx="1784622" cy="2184198"/>
-            <a:chOff x="385160" y="4157396"/>
-            <a:chExt cx="1784622" cy="2184198"/>
-          </a:xfrm>
-        </p:grpSpPr>
-        <p:grpSp>
-          <p:nvGrpSpPr>
-            <p:cNvPr id="39" name="Group 38">
-              <a:extLst>
-                <a:ext uri="{FF2B5EF4-FFF2-40B4-BE49-F238E27FC236}">
-                  <a16:creationId xmlns:a16="http://schemas.microsoft.com/office/drawing/2014/main" id="{9C38D145-FB8D-448F-9F62-4C1E4F716D13}"/>
-                </a:ext>
-              </a:extLst>
-            </p:cNvPr>
-            <p:cNvGrpSpPr/>
-            <p:nvPr/>
-          </p:nvGrpSpPr>
-          <p:grpSpPr>
-            <a:xfrm>
-              <a:off x="682124" y="4998313"/>
-              <a:ext cx="1190694" cy="1343281"/>
-              <a:chOff x="717047" y="4998313"/>
-              <a:chExt cx="1190694" cy="1343281"/>
-            </a:xfrm>
-          </p:grpSpPr>
-          <p:pic>
-            <p:nvPicPr>
-              <p:cNvPr id="6" name="Picture 5">
-                <a:extLst>
-                  <a:ext uri="{FF2B5EF4-FFF2-40B4-BE49-F238E27FC236}">
-                    <a16:creationId xmlns:a16="http://schemas.microsoft.com/office/drawing/2014/main" id="{9CBF79C3-0BCB-4557-8E03-93C4A16D1A4E}"/>
-                  </a:ext>
-                </a:extLst>
-              </p:cNvPr>
-              <p:cNvPicPr>
-                <a:picLocks noChangeAspect="1"/>
-              </p:cNvPicPr>
-              <p:nvPr/>
-            </p:nvPicPr>
-            <p:blipFill>
-              <a:blip r:embed="rId7">
-                <a:duotone>
-                  <a:prstClr val="black"/>
-                  <a:schemeClr val="tx2">
-                    <a:tint val="45000"/>
-                    <a:satMod val="400000"/>
-                  </a:schemeClr>
-                </a:duotone>
-                <a:extLst>
-                  <a:ext uri="{28A0092B-C50C-407E-A947-70E740481C1C}">
-                    <a14:useLocalDpi xmlns:a14="http://schemas.microsoft.com/office/drawing/2010/main" val="0"/>
-                  </a:ext>
-                </a:extLst>
-              </a:blip>
-              <a:stretch>
-                <a:fillRect/>
-              </a:stretch>
-            </p:blipFill>
-            <p:spPr>
-              <a:xfrm>
-                <a:off x="922249" y="5119568"/>
-                <a:ext cx="780290" cy="780290"/>
-              </a:xfrm>
-              <a:prstGeom prst="rect">
-                <a:avLst/>
-              </a:prstGeom>
-            </p:spPr>
-          </p:pic>
-          <p:sp>
-            <p:nvSpPr>
-              <p:cNvPr id="37" name="Rectangle 36">
-                <a:extLst>
-                  <a:ext uri="{FF2B5EF4-FFF2-40B4-BE49-F238E27FC236}">
-                    <a16:creationId xmlns:a16="http://schemas.microsoft.com/office/drawing/2014/main" id="{04A54999-2CE2-412B-9649-966BBF6C4514}"/>
-                  </a:ext>
-                </a:extLst>
-              </p:cNvPr>
-              <p:cNvSpPr/>
-              <p:nvPr/>
-            </p:nvSpPr>
-            <p:spPr>
-              <a:xfrm>
-                <a:off x="717047" y="4998313"/>
-                <a:ext cx="1190694" cy="1343281"/>
-              </a:xfrm>
-              <a:prstGeom prst="rect">
-                <a:avLst/>
-              </a:prstGeom>
-              <a:noFill/>
-              <a:ln>
-                <a:solidFill>
-                  <a:schemeClr val="bg1">
-                    <a:lumMod val="65000"/>
-                  </a:schemeClr>
-                </a:solidFill>
-              </a:ln>
-            </p:spPr>
-            <p:style>
-              <a:lnRef idx="2">
-                <a:schemeClr val="accent1">
-                  <a:shade val="50000"/>
-                </a:schemeClr>
-              </a:lnRef>
-              <a:fillRef idx="1">
-                <a:schemeClr val="accent1"/>
-              </a:fillRef>
-              <a:effectRef idx="0">
-                <a:schemeClr val="accent1"/>
-              </a:effectRef>
-              <a:fontRef idx="minor">
-                <a:schemeClr val="lt1"/>
-              </a:fontRef>
-            </p:style>
-            <p:txBody>
-              <a:bodyPr rtlCol="0" anchor="ctr"/>
-              <a:lstStyle/>
-              <a:p>
-                <a:pPr algn="ctr"/>
-                <a:endParaRPr lang="en-US"/>
-              </a:p>
-            </p:txBody>
-          </p:sp>
-          <p:sp>
-            <p:nvSpPr>
-              <p:cNvPr id="38" name="TextBox 37">
-                <a:extLst>
-                  <a:ext uri="{FF2B5EF4-FFF2-40B4-BE49-F238E27FC236}">
-                    <a16:creationId xmlns:a16="http://schemas.microsoft.com/office/drawing/2014/main" id="{50CBBD9B-22F9-4EBF-A646-022677E8ABE2}"/>
-                  </a:ext>
-                </a:extLst>
-              </p:cNvPr>
-              <p:cNvSpPr txBox="1"/>
-              <p:nvPr/>
-            </p:nvSpPr>
-            <p:spPr>
-              <a:xfrm>
-                <a:off x="1059761" y="5930072"/>
-                <a:ext cx="505267" cy="276999"/>
-              </a:xfrm>
-              <a:prstGeom prst="rect">
-                <a:avLst/>
-              </a:prstGeom>
-              <a:noFill/>
-            </p:spPr>
-            <p:txBody>
-              <a:bodyPr wrap="none" rtlCol="0">
-                <a:spAutoFit/>
-              </a:bodyPr>
-              <a:lstStyle/>
-              <a:p>
-                <a:r>
-                  <a:rPr lang="en-US" sz="1200" dirty="0"/>
-                  <a:t>VHD</a:t>
-                </a:r>
-              </a:p>
-            </p:txBody>
-          </p:sp>
-        </p:grpSp>
-        <p:grpSp>
-          <p:nvGrpSpPr>
-            <p:cNvPr id="41" name="Group 40">
-              <a:extLst>
-                <a:ext uri="{FF2B5EF4-FFF2-40B4-BE49-F238E27FC236}">
-                  <a16:creationId xmlns:a16="http://schemas.microsoft.com/office/drawing/2014/main" id="{2103F77F-C7D8-4972-8E2E-5E05A866591E}"/>
-                </a:ext>
-              </a:extLst>
-            </p:cNvPr>
-            <p:cNvGrpSpPr/>
-            <p:nvPr/>
-          </p:nvGrpSpPr>
-          <p:grpSpPr>
-            <a:xfrm>
-              <a:off x="385160" y="4157396"/>
-              <a:ext cx="1784622" cy="780290"/>
-              <a:chOff x="385160" y="4157396"/>
-              <a:chExt cx="1784622" cy="780290"/>
-            </a:xfrm>
-          </p:grpSpPr>
-          <p:pic>
-            <p:nvPicPr>
-              <p:cNvPr id="24" name="Picture 23">
-                <a:extLst>
-                  <a:ext uri="{FF2B5EF4-FFF2-40B4-BE49-F238E27FC236}">
-                    <a16:creationId xmlns:a16="http://schemas.microsoft.com/office/drawing/2014/main" id="{6579A773-3975-40EB-B6D1-8F36CA1CCDD1}"/>
-                  </a:ext>
-                </a:extLst>
-              </p:cNvPr>
-              <p:cNvPicPr>
-                <a:picLocks noChangeAspect="1"/>
-              </p:cNvPicPr>
-              <p:nvPr/>
-            </p:nvPicPr>
-            <p:blipFill>
-              <a:blip r:embed="rId8">
-                <a:extLst>
-                  <a:ext uri="{28A0092B-C50C-407E-A947-70E740481C1C}">
-                    <a14:useLocalDpi xmlns:a14="http://schemas.microsoft.com/office/drawing/2010/main" val="0"/>
-                  </a:ext>
-                </a:extLst>
-              </a:blip>
-              <a:stretch>
-                <a:fillRect/>
-              </a:stretch>
-            </p:blipFill>
-            <p:spPr>
-              <a:xfrm>
-                <a:off x="385160" y="4157396"/>
-                <a:ext cx="780290" cy="780290"/>
-              </a:xfrm>
-              <a:prstGeom prst="rect">
-                <a:avLst/>
-              </a:prstGeom>
-            </p:spPr>
-          </p:pic>
-          <p:sp>
-            <p:nvSpPr>
-              <p:cNvPr id="40" name="TextBox 39">
-                <a:extLst>
-                  <a:ext uri="{FF2B5EF4-FFF2-40B4-BE49-F238E27FC236}">
-                    <a16:creationId xmlns:a16="http://schemas.microsoft.com/office/drawing/2014/main" id="{D3CC5B31-4405-4686-AADF-EF689B00A7BC}"/>
-                  </a:ext>
-                </a:extLst>
-              </p:cNvPr>
-              <p:cNvSpPr txBox="1"/>
-              <p:nvPr/>
-            </p:nvSpPr>
-            <p:spPr>
-              <a:xfrm>
-                <a:off x="1164955" y="4643442"/>
-                <a:ext cx="1004827" cy="276999"/>
-              </a:xfrm>
-              <a:prstGeom prst="rect">
-                <a:avLst/>
-              </a:prstGeom>
-              <a:noFill/>
-            </p:spPr>
-            <p:txBody>
-              <a:bodyPr wrap="none" rtlCol="0">
-                <a:spAutoFit/>
-              </a:bodyPr>
-              <a:lstStyle/>
-              <a:p>
-                <a:r>
-                  <a:rPr lang="en-US" sz="1200" dirty="0"/>
-                  <a:t>On-premise</a:t>
-                </a:r>
-              </a:p>
-            </p:txBody>
-          </p:sp>
-        </p:grpSp>
-      </p:grpSp>
-      <p:sp>
-        <p:nvSpPr>
-          <p:cNvPr id="43" name="Rectangle 42">
-            <a:extLst>
-              <a:ext uri="{FF2B5EF4-FFF2-40B4-BE49-F238E27FC236}">
-                <a16:creationId xmlns:a16="http://schemas.microsoft.com/office/drawing/2014/main" id="{91DA5635-0AFF-47D4-9757-165B9F84C803}"/>
-              </a:ext>
-            </a:extLst>
-          </p:cNvPr>
-          <p:cNvSpPr/>
-          <p:nvPr/>
-        </p:nvSpPr>
-        <p:spPr>
-          <a:xfrm>
-            <a:off x="2242521" y="1894585"/>
-            <a:ext cx="9414433" cy="4428834"/>
-          </a:xfrm>
-          <a:prstGeom prst="rect">
-            <a:avLst/>
-          </a:prstGeom>
-          <a:noFill/>
-          <a:ln>
-            <a:solidFill>
-              <a:schemeClr val="bg1">
-                <a:lumMod val="65000"/>
-              </a:schemeClr>
-            </a:solidFill>
-          </a:ln>
-        </p:spPr>
-        <p:style>
-          <a:lnRef idx="2">
-            <a:schemeClr val="accent1">
-              <a:shade val="50000"/>
-            </a:schemeClr>
-          </a:lnRef>
-          <a:fillRef idx="1">
-            <a:schemeClr val="accent1"/>
-          </a:fillRef>
-          <a:effectRef idx="0">
-            <a:schemeClr val="accent1"/>
-          </a:effectRef>
-          <a:fontRef idx="minor">
-            <a:schemeClr val="lt1"/>
-          </a:fontRef>
-        </p:style>
-        <p:txBody>
-          <a:bodyPr rtlCol="0" anchor="ctr"/>
-          <a:lstStyle/>
-          <a:p>
-            <a:pPr algn="ctr"/>
-            <a:endParaRPr lang="en-US"/>
-          </a:p>
-        </p:txBody>
-      </p:sp>
-      <p:sp>
-        <p:nvSpPr>
-          <p:cNvPr id="44" name="TextBox 43">
-            <a:extLst>
-              <a:ext uri="{FF2B5EF4-FFF2-40B4-BE49-F238E27FC236}">
-                <a16:creationId xmlns:a16="http://schemas.microsoft.com/office/drawing/2014/main" id="{6126D8C2-A6DE-47A9-9204-84D890BE9876}"/>
-              </a:ext>
-            </a:extLst>
-          </p:cNvPr>
-          <p:cNvSpPr txBox="1"/>
-          <p:nvPr/>
-        </p:nvSpPr>
-        <p:spPr>
-          <a:xfrm>
-            <a:off x="2658920" y="1578939"/>
-            <a:ext cx="1292790" cy="276999"/>
-          </a:xfrm>
-          <a:prstGeom prst="rect">
-            <a:avLst/>
-          </a:prstGeom>
-          <a:noFill/>
-        </p:spPr>
-        <p:txBody>
-          <a:bodyPr wrap="none" rtlCol="0">
-            <a:spAutoFit/>
-          </a:bodyPr>
-          <a:lstStyle/>
-          <a:p>
-            <a:r>
-              <a:rPr lang="en-US" sz="1200" dirty="0"/>
-              <a:t>Microsoft Azure</a:t>
-            </a:r>
-          </a:p>
-        </p:txBody>
-      </p:sp>
-      <p:sp>
-        <p:nvSpPr>
-          <p:cNvPr id="45" name="Rectangle 44">
-            <a:extLst>
-              <a:ext uri="{FF2B5EF4-FFF2-40B4-BE49-F238E27FC236}">
-                <a16:creationId xmlns:a16="http://schemas.microsoft.com/office/drawing/2014/main" id="{49C440DE-2E22-4460-A7E6-A4AF25B77596}"/>
-              </a:ext>
-            </a:extLst>
-          </p:cNvPr>
-          <p:cNvSpPr/>
-          <p:nvPr/>
-        </p:nvSpPr>
-        <p:spPr>
-          <a:xfrm>
-            <a:off x="3647358" y="2776979"/>
-            <a:ext cx="7809749" cy="3430092"/>
-          </a:xfrm>
-          <a:prstGeom prst="rect">
-            <a:avLst/>
-          </a:prstGeom>
-          <a:noFill/>
-          <a:ln>
-            <a:solidFill>
-              <a:schemeClr val="bg1">
-                <a:lumMod val="65000"/>
-              </a:schemeClr>
-            </a:solidFill>
-          </a:ln>
-        </p:spPr>
-        <p:style>
-          <a:lnRef idx="2">
-            <a:schemeClr val="accent1">
-              <a:shade val="50000"/>
-            </a:schemeClr>
-          </a:lnRef>
-          <a:fillRef idx="1">
-            <a:schemeClr val="accent1"/>
-          </a:fillRef>
-          <a:effectRef idx="0">
-            <a:schemeClr val="accent1"/>
-          </a:effectRef>
-          <a:fontRef idx="minor">
-            <a:schemeClr val="lt1"/>
-          </a:fontRef>
-        </p:style>
-        <p:txBody>
-          <a:bodyPr rtlCol="0" anchor="ctr"/>
-          <a:lstStyle/>
-          <a:p>
-            <a:pPr algn="ctr"/>
-            <a:endParaRPr lang="en-US"/>
-          </a:p>
-        </p:txBody>
-      </p:sp>
-      <p:grpSp>
-        <p:nvGrpSpPr>
-          <p:cNvPr id="56" name="Group 55">
-            <a:extLst>
-              <a:ext uri="{FF2B5EF4-FFF2-40B4-BE49-F238E27FC236}">
-                <a16:creationId xmlns:a16="http://schemas.microsoft.com/office/drawing/2014/main" id="{38CFEFDA-CEEB-40F6-9E08-D084745B869D}"/>
-              </a:ext>
-            </a:extLst>
-          </p:cNvPr>
-          <p:cNvGrpSpPr/>
-          <p:nvPr/>
-        </p:nvGrpSpPr>
-        <p:grpSpPr>
-          <a:xfrm>
-            <a:off x="8640485" y="4430952"/>
-            <a:ext cx="2171540" cy="1032361"/>
-            <a:chOff x="8189467" y="4461123"/>
-            <a:chExt cx="2171540" cy="1032361"/>
-          </a:xfrm>
-        </p:grpSpPr>
-        <p:pic>
-          <p:nvPicPr>
-            <p:cNvPr id="47" name="Picture 46">
-              <a:extLst>
-                <a:ext uri="{FF2B5EF4-FFF2-40B4-BE49-F238E27FC236}">
-                  <a16:creationId xmlns:a16="http://schemas.microsoft.com/office/drawing/2014/main" id="{C659953C-05D8-4FC3-92FB-759322AABAE7}"/>
-                </a:ext>
-              </a:extLst>
-            </p:cNvPr>
-            <p:cNvPicPr>
-              <a:picLocks noChangeAspect="1"/>
-            </p:cNvPicPr>
-            <p:nvPr/>
-          </p:nvPicPr>
-          <p:blipFill>
-            <a:blip r:embed="rId9">
-              <a:extLst>
-                <a:ext uri="{28A0092B-C50C-407E-A947-70E740481C1C}">
-                  <a14:useLocalDpi xmlns:a14="http://schemas.microsoft.com/office/drawing/2010/main" val="0"/>
-                </a:ext>
-              </a:extLst>
-            </a:blip>
-            <a:stretch>
-              <a:fillRect/>
-            </a:stretch>
-          </p:blipFill>
-          <p:spPr>
-            <a:xfrm>
-              <a:off x="8320332" y="4597957"/>
-              <a:ext cx="780290" cy="780290"/>
-            </a:xfrm>
-            <a:prstGeom prst="rect">
-              <a:avLst/>
-            </a:prstGeom>
-          </p:spPr>
-        </p:pic>
-        <p:pic>
-          <p:nvPicPr>
-            <p:cNvPr id="48" name="Picture 47">
-              <a:extLst>
-                <a:ext uri="{FF2B5EF4-FFF2-40B4-BE49-F238E27FC236}">
-                  <a16:creationId xmlns:a16="http://schemas.microsoft.com/office/drawing/2014/main" id="{5F16F5E5-C07D-4A85-9267-1349FD45B522}"/>
-                </a:ext>
-              </a:extLst>
-            </p:cNvPr>
-            <p:cNvPicPr>
-              <a:picLocks noChangeAspect="1"/>
-            </p:cNvPicPr>
-            <p:nvPr/>
-          </p:nvPicPr>
-          <p:blipFill>
-            <a:blip r:embed="rId9">
-              <a:extLst>
-                <a:ext uri="{28A0092B-C50C-407E-A947-70E740481C1C}">
-                  <a14:useLocalDpi xmlns:a14="http://schemas.microsoft.com/office/drawing/2010/main" val="0"/>
-                </a:ext>
-              </a:extLst>
-            </a:blip>
-            <a:stretch>
-              <a:fillRect/>
-            </a:stretch>
-          </p:blipFill>
-          <p:spPr>
-            <a:xfrm>
-              <a:off x="9359720" y="4597957"/>
-              <a:ext cx="780290" cy="780290"/>
-            </a:xfrm>
-            <a:prstGeom prst="rect">
-              <a:avLst/>
-            </a:prstGeom>
-          </p:spPr>
-        </p:pic>
-        <p:sp>
-          <p:nvSpPr>
-            <p:cNvPr id="49" name="Rectangle: Rounded Corners 48">
-              <a:extLst>
-                <a:ext uri="{FF2B5EF4-FFF2-40B4-BE49-F238E27FC236}">
-                  <a16:creationId xmlns:a16="http://schemas.microsoft.com/office/drawing/2014/main" id="{CD7650B5-B4A3-43B1-A279-607BB46D25F2}"/>
-                </a:ext>
-              </a:extLst>
-            </p:cNvPr>
-            <p:cNvSpPr/>
-            <p:nvPr/>
-          </p:nvSpPr>
-          <p:spPr>
-            <a:xfrm>
-              <a:off x="8189467" y="4461123"/>
-              <a:ext cx="2171540" cy="1032361"/>
-            </a:xfrm>
-            <a:prstGeom prst="roundRect">
-              <a:avLst/>
-            </a:prstGeom>
-            <a:noFill/>
-            <a:ln w="76200">
-              <a:solidFill>
-                <a:schemeClr val="accent1"/>
-              </a:solidFill>
-              <a:prstDash val="sysDash"/>
-            </a:ln>
-          </p:spPr>
-          <p:style>
-            <a:lnRef idx="2">
-              <a:schemeClr val="accent1">
-                <a:shade val="50000"/>
-              </a:schemeClr>
-            </a:lnRef>
-            <a:fillRef idx="1">
-              <a:schemeClr val="accent1"/>
-            </a:fillRef>
-            <a:effectRef idx="0">
-              <a:schemeClr val="accent1"/>
-            </a:effectRef>
-            <a:fontRef idx="minor">
-              <a:schemeClr val="lt1"/>
-            </a:fontRef>
-          </p:style>
-          <p:txBody>
-            <a:bodyPr rtlCol="0" anchor="ctr"/>
-            <a:lstStyle/>
-            <a:p>
-              <a:pPr algn="ctr"/>
-              <a:endParaRPr lang="en-US"/>
-            </a:p>
-          </p:txBody>
-        </p:sp>
-      </p:grpSp>
-      <p:sp>
-        <p:nvSpPr>
-          <p:cNvPr id="52" name="TextBox 51">
-            <a:extLst>
-              <a:ext uri="{FF2B5EF4-FFF2-40B4-BE49-F238E27FC236}">
-                <a16:creationId xmlns:a16="http://schemas.microsoft.com/office/drawing/2014/main" id="{5E9227DD-032E-48DD-8CB7-ECF1D6C7AFA0}"/>
-              </a:ext>
-            </a:extLst>
-          </p:cNvPr>
-          <p:cNvSpPr txBox="1"/>
-          <p:nvPr/>
-        </p:nvSpPr>
-        <p:spPr>
-          <a:xfrm>
-            <a:off x="4389917" y="2427959"/>
-            <a:ext cx="1302536" cy="276999"/>
-          </a:xfrm>
-          <a:prstGeom prst="rect">
-            <a:avLst/>
-          </a:prstGeom>
-          <a:noFill/>
-        </p:spPr>
-        <p:txBody>
-          <a:bodyPr wrap="none" rtlCol="0">
-            <a:spAutoFit/>
-          </a:bodyPr>
-          <a:lstStyle/>
-          <a:p>
-            <a:r>
-              <a:rPr lang="en-US" sz="1200" dirty="0"/>
-              <a:t>Resource Group</a:t>
-            </a:r>
-          </a:p>
-        </p:txBody>
-      </p:sp>
-      <p:grpSp>
-        <p:nvGrpSpPr>
-          <p:cNvPr id="108" name="Group 107">
-            <a:extLst>
-              <a:ext uri="{FF2B5EF4-FFF2-40B4-BE49-F238E27FC236}">
-                <a16:creationId xmlns:a16="http://schemas.microsoft.com/office/drawing/2014/main" id="{C5C8F91F-A41A-4E95-AD53-F7424E536D2B}"/>
-              </a:ext>
-            </a:extLst>
-          </p:cNvPr>
-          <p:cNvGrpSpPr/>
-          <p:nvPr/>
-        </p:nvGrpSpPr>
-        <p:grpSpPr>
-          <a:xfrm>
-            <a:off x="2390078" y="2719437"/>
-            <a:ext cx="1035733" cy="1087503"/>
-            <a:chOff x="2390078" y="2961947"/>
-            <a:chExt cx="1035733" cy="1087503"/>
-          </a:xfrm>
-        </p:grpSpPr>
-        <p:pic>
-          <p:nvPicPr>
-            <p:cNvPr id="22" name="Picture 21">
-              <a:extLst>
-                <a:ext uri="{FF2B5EF4-FFF2-40B4-BE49-F238E27FC236}">
-                  <a16:creationId xmlns:a16="http://schemas.microsoft.com/office/drawing/2014/main" id="{027D4D5B-A243-46E0-9376-DC933A170414}"/>
-                </a:ext>
-              </a:extLst>
-            </p:cNvPr>
-            <p:cNvPicPr>
-              <a:picLocks noChangeAspect="1"/>
-            </p:cNvPicPr>
-            <p:nvPr/>
-          </p:nvPicPr>
-          <p:blipFill>
-            <a:blip r:embed="rId10">
-              <a:extLst>
-                <a:ext uri="{28A0092B-C50C-407E-A947-70E740481C1C}">
-                  <a14:useLocalDpi xmlns:a14="http://schemas.microsoft.com/office/drawing/2010/main" val="0"/>
-                </a:ext>
-              </a:extLst>
-            </a:blip>
-            <a:stretch>
-              <a:fillRect/>
-            </a:stretch>
-          </p:blipFill>
-          <p:spPr>
-            <a:xfrm>
-              <a:off x="2517799" y="2961947"/>
-              <a:ext cx="780290" cy="780290"/>
-            </a:xfrm>
-            <a:prstGeom prst="rect">
-              <a:avLst/>
-            </a:prstGeom>
-          </p:spPr>
-        </p:pic>
-        <p:sp>
-          <p:nvSpPr>
-            <p:cNvPr id="53" name="TextBox 52">
-              <a:extLst>
-                <a:ext uri="{FF2B5EF4-FFF2-40B4-BE49-F238E27FC236}">
-                  <a16:creationId xmlns:a16="http://schemas.microsoft.com/office/drawing/2014/main" id="{51620548-6DB0-44AA-9A24-264C7D5FEB40}"/>
-                </a:ext>
-              </a:extLst>
-            </p:cNvPr>
-            <p:cNvSpPr txBox="1"/>
-            <p:nvPr/>
-          </p:nvSpPr>
-          <p:spPr>
-            <a:xfrm>
-              <a:off x="2390078" y="3772451"/>
-              <a:ext cx="1035733" cy="276999"/>
-            </a:xfrm>
-            <a:prstGeom prst="rect">
-              <a:avLst/>
-            </a:prstGeom>
-            <a:noFill/>
-          </p:spPr>
-          <p:txBody>
-            <a:bodyPr wrap="none" rtlCol="0">
-              <a:spAutoFit/>
-            </a:bodyPr>
-            <a:lstStyle/>
-            <a:p>
-              <a:r>
-                <a:rPr lang="en-US" sz="1200" dirty="0"/>
-                <a:t>Marketplace</a:t>
-              </a:r>
-            </a:p>
-          </p:txBody>
-        </p:sp>
-      </p:grpSp>
-      <p:cxnSp>
-        <p:nvCxnSpPr>
-          <p:cNvPr id="63" name="Straight Connector 62">
-            <a:extLst>
-              <a:ext uri="{FF2B5EF4-FFF2-40B4-BE49-F238E27FC236}">
-                <a16:creationId xmlns:a16="http://schemas.microsoft.com/office/drawing/2014/main" id="{C6943A4B-784E-42A6-A50E-6B7F70F8B173}"/>
-              </a:ext>
-            </a:extLst>
-          </p:cNvPr>
-          <p:cNvCxnSpPr>
-            <a:cxnSpLocks/>
-            <a:stCxn id="34" idx="3"/>
-          </p:cNvCxnSpPr>
-          <p:nvPr/>
-        </p:nvCxnSpPr>
-        <p:spPr>
-          <a:xfrm>
-            <a:off x="5728216" y="5596245"/>
-            <a:ext cx="1346653" cy="0"/>
-          </a:xfrm>
-          <a:prstGeom prst="line">
-            <a:avLst/>
-          </a:prstGeom>
-          <a:ln w="38100">
-            <a:solidFill>
-              <a:schemeClr val="accent1"/>
-            </a:solidFill>
-          </a:ln>
-        </p:spPr>
-        <p:style>
-          <a:lnRef idx="1">
-            <a:schemeClr val="accent1"/>
-          </a:lnRef>
-          <a:fillRef idx="0">
-            <a:schemeClr val="accent1"/>
-          </a:fillRef>
-          <a:effectRef idx="0">
-            <a:schemeClr val="accent1"/>
-          </a:effectRef>
-          <a:fontRef idx="minor">
-            <a:schemeClr val="tx1"/>
-          </a:fontRef>
-        </p:style>
-      </p:cxnSp>
-      <p:cxnSp>
-        <p:nvCxnSpPr>
-          <p:cNvPr id="64" name="Straight Connector 63">
-            <a:extLst>
-              <a:ext uri="{FF2B5EF4-FFF2-40B4-BE49-F238E27FC236}">
-                <a16:creationId xmlns:a16="http://schemas.microsoft.com/office/drawing/2014/main" id="{83620A53-731E-4E75-A319-ECD4DB1974D9}"/>
-              </a:ext>
-            </a:extLst>
-          </p:cNvPr>
-          <p:cNvCxnSpPr>
-            <a:cxnSpLocks/>
-            <a:stCxn id="35" idx="3"/>
-          </p:cNvCxnSpPr>
-          <p:nvPr/>
-        </p:nvCxnSpPr>
-        <p:spPr>
-          <a:xfrm>
-            <a:off x="8276042" y="5596245"/>
-            <a:ext cx="2778770" cy="0"/>
-          </a:xfrm>
-          <a:prstGeom prst="line">
-            <a:avLst/>
-          </a:prstGeom>
-          <a:ln w="38100">
-            <a:solidFill>
-              <a:schemeClr val="accent1"/>
-            </a:solidFill>
-          </a:ln>
-        </p:spPr>
-        <p:style>
-          <a:lnRef idx="1">
-            <a:schemeClr val="accent1"/>
-          </a:lnRef>
-          <a:fillRef idx="0">
-            <a:schemeClr val="accent1"/>
-          </a:fillRef>
-          <a:effectRef idx="0">
-            <a:schemeClr val="accent1"/>
-          </a:effectRef>
-          <a:fontRef idx="minor">
-            <a:schemeClr val="tx1"/>
-          </a:fontRef>
-        </p:style>
-      </p:cxnSp>
-      <p:cxnSp>
-        <p:nvCxnSpPr>
-          <p:cNvPr id="70" name="Straight Connector 69">
-            <a:extLst>
-              <a:ext uri="{FF2B5EF4-FFF2-40B4-BE49-F238E27FC236}">
-                <a16:creationId xmlns:a16="http://schemas.microsoft.com/office/drawing/2014/main" id="{637F16C6-681D-4147-9DD2-6C47BBE9AFD2}"/>
-              </a:ext>
-            </a:extLst>
-          </p:cNvPr>
-          <p:cNvCxnSpPr>
-            <a:cxnSpLocks/>
-          </p:cNvCxnSpPr>
-          <p:nvPr/>
-        </p:nvCxnSpPr>
-        <p:spPr>
-          <a:xfrm>
-            <a:off x="9161495" y="5286032"/>
-            <a:ext cx="0" cy="320040"/>
-          </a:xfrm>
-          <a:prstGeom prst="line">
-            <a:avLst/>
-          </a:prstGeom>
-          <a:ln w="38100">
-            <a:solidFill>
-              <a:schemeClr val="accent1"/>
-            </a:solidFill>
-          </a:ln>
-        </p:spPr>
-        <p:style>
-          <a:lnRef idx="1">
-            <a:schemeClr val="accent1"/>
-          </a:lnRef>
-          <a:fillRef idx="0">
-            <a:schemeClr val="accent1"/>
-          </a:fillRef>
-          <a:effectRef idx="0">
-            <a:schemeClr val="accent1"/>
-          </a:effectRef>
-          <a:fontRef idx="minor">
-            <a:schemeClr val="tx1"/>
-          </a:fontRef>
-        </p:style>
-      </p:cxnSp>
-      <p:cxnSp>
-        <p:nvCxnSpPr>
-          <p:cNvPr id="73" name="Straight Connector 72">
-            <a:extLst>
-              <a:ext uri="{FF2B5EF4-FFF2-40B4-BE49-F238E27FC236}">
-                <a16:creationId xmlns:a16="http://schemas.microsoft.com/office/drawing/2014/main" id="{B7C2186D-40F3-44E4-9B1E-55C947401590}"/>
-              </a:ext>
-            </a:extLst>
-          </p:cNvPr>
-          <p:cNvCxnSpPr>
-            <a:cxnSpLocks/>
-          </p:cNvCxnSpPr>
-          <p:nvPr/>
-        </p:nvCxnSpPr>
-        <p:spPr>
-          <a:xfrm>
-            <a:off x="10200883" y="5286032"/>
-            <a:ext cx="0" cy="320040"/>
-          </a:xfrm>
-          <a:prstGeom prst="line">
-            <a:avLst/>
-          </a:prstGeom>
-          <a:ln w="38100">
-            <a:solidFill>
-              <a:schemeClr val="accent1"/>
-            </a:solidFill>
-          </a:ln>
-        </p:spPr>
-        <p:style>
-          <a:lnRef idx="1">
-            <a:schemeClr val="accent1"/>
-          </a:lnRef>
-          <a:fillRef idx="0">
-            <a:schemeClr val="accent1"/>
-          </a:fillRef>
-          <a:effectRef idx="0">
-            <a:schemeClr val="accent1"/>
-          </a:effectRef>
-          <a:fontRef idx="minor">
-            <a:schemeClr val="tx1"/>
-          </a:fontRef>
-        </p:style>
-      </p:cxnSp>
-      <p:sp>
-        <p:nvSpPr>
-          <p:cNvPr id="76" name="TextBox 75">
-            <a:extLst>
-              <a:ext uri="{FF2B5EF4-FFF2-40B4-BE49-F238E27FC236}">
-                <a16:creationId xmlns:a16="http://schemas.microsoft.com/office/drawing/2014/main" id="{03E4FBB4-BFA8-4ECA-837F-AC8A4E718BEB}"/>
-              </a:ext>
-            </a:extLst>
-          </p:cNvPr>
-          <p:cNvSpPr txBox="1"/>
-          <p:nvPr/>
-        </p:nvSpPr>
-        <p:spPr>
-          <a:xfrm>
-            <a:off x="4919695" y="5821925"/>
-            <a:ext cx="830933" cy="276999"/>
-          </a:xfrm>
-          <a:prstGeom prst="rect">
-            <a:avLst/>
-          </a:prstGeom>
-          <a:noFill/>
-        </p:spPr>
-        <p:txBody>
-          <a:bodyPr wrap="none" rtlCol="0">
-            <a:spAutoFit/>
-          </a:bodyPr>
-          <a:lstStyle/>
-          <a:p>
-            <a:r>
-              <a:rPr lang="en-US" sz="1200" dirty="0"/>
-              <a:t>Dev-</a:t>
-            </a:r>
-            <a:r>
-              <a:rPr lang="en-US" sz="1200" dirty="0" err="1"/>
-              <a:t>Vnet</a:t>
-            </a:r>
-            <a:endParaRPr lang="en-US" sz="1200" dirty="0"/>
-          </a:p>
-        </p:txBody>
-      </p:sp>
-      <p:sp>
-        <p:nvSpPr>
-          <p:cNvPr id="77" name="TextBox 76">
-            <a:extLst>
-              <a:ext uri="{FF2B5EF4-FFF2-40B4-BE49-F238E27FC236}">
-                <a16:creationId xmlns:a16="http://schemas.microsoft.com/office/drawing/2014/main" id="{C9967EB5-35A1-40AA-B7AC-657E33CB6F6A}"/>
-              </a:ext>
-            </a:extLst>
-          </p:cNvPr>
-          <p:cNvSpPr txBox="1"/>
-          <p:nvPr/>
-        </p:nvSpPr>
-        <p:spPr>
-          <a:xfrm>
-            <a:off x="7462832" y="5821925"/>
-            <a:ext cx="796693" cy="276999"/>
-          </a:xfrm>
-          <a:prstGeom prst="rect">
-            <a:avLst/>
-          </a:prstGeom>
-          <a:noFill/>
-        </p:spPr>
-        <p:txBody>
-          <a:bodyPr wrap="none" rtlCol="0">
-            <a:spAutoFit/>
-          </a:bodyPr>
-          <a:lstStyle/>
-          <a:p>
-            <a:r>
-              <a:rPr lang="en-US" sz="1200" dirty="0" err="1"/>
-              <a:t>Prd-Vnet</a:t>
-            </a:r>
-            <a:endParaRPr lang="en-US" sz="1200" dirty="0"/>
-          </a:p>
-        </p:txBody>
-      </p:sp>
-      <p:sp>
-        <p:nvSpPr>
-          <p:cNvPr id="87" name="TextBox 86">
-            <a:extLst>
-              <a:ext uri="{FF2B5EF4-FFF2-40B4-BE49-F238E27FC236}">
-                <a16:creationId xmlns:a16="http://schemas.microsoft.com/office/drawing/2014/main" id="{54523087-7556-4119-AE0B-0CC2D839807B}"/>
-              </a:ext>
-            </a:extLst>
-          </p:cNvPr>
-          <p:cNvSpPr txBox="1"/>
-          <p:nvPr/>
-        </p:nvSpPr>
-        <p:spPr>
-          <a:xfrm>
-            <a:off x="8807389" y="5063939"/>
-            <a:ext cx="727315" cy="276999"/>
-          </a:xfrm>
-          <a:prstGeom prst="rect">
-            <a:avLst/>
-          </a:prstGeom>
-          <a:noFill/>
-        </p:spPr>
-        <p:txBody>
-          <a:bodyPr wrap="none" rtlCol="0">
-            <a:spAutoFit/>
-          </a:bodyPr>
-          <a:lstStyle/>
-          <a:p>
-            <a:r>
-              <a:rPr lang="en-US" sz="1200" dirty="0"/>
-              <a:t>Web 01</a:t>
-            </a:r>
-          </a:p>
-        </p:txBody>
-      </p:sp>
-      <p:sp>
-        <p:nvSpPr>
-          <p:cNvPr id="88" name="TextBox 87">
-            <a:extLst>
-              <a:ext uri="{FF2B5EF4-FFF2-40B4-BE49-F238E27FC236}">
-                <a16:creationId xmlns:a16="http://schemas.microsoft.com/office/drawing/2014/main" id="{78E85B10-324E-4729-93D2-73D8B061AC89}"/>
-              </a:ext>
-            </a:extLst>
-          </p:cNvPr>
-          <p:cNvSpPr txBox="1"/>
-          <p:nvPr/>
-        </p:nvSpPr>
-        <p:spPr>
-          <a:xfrm>
-            <a:off x="9791032" y="5063939"/>
-            <a:ext cx="727315" cy="276999"/>
-          </a:xfrm>
-          <a:prstGeom prst="rect">
-            <a:avLst/>
-          </a:prstGeom>
-          <a:noFill/>
-        </p:spPr>
-        <p:txBody>
-          <a:bodyPr wrap="none" rtlCol="0">
-            <a:spAutoFit/>
-          </a:bodyPr>
-          <a:lstStyle/>
-          <a:p>
-            <a:r>
-              <a:rPr lang="en-US" sz="1200" dirty="0"/>
-              <a:t>Web 02</a:t>
-            </a:r>
-          </a:p>
-        </p:txBody>
-      </p:sp>
-      <p:sp>
-        <p:nvSpPr>
-          <p:cNvPr id="89" name="TextBox 88">
-            <a:extLst>
-              <a:ext uri="{FF2B5EF4-FFF2-40B4-BE49-F238E27FC236}">
-                <a16:creationId xmlns:a16="http://schemas.microsoft.com/office/drawing/2014/main" id="{F06BCBBB-1992-4087-B73E-0794839FF1EA}"/>
-              </a:ext>
-            </a:extLst>
-          </p:cNvPr>
-          <p:cNvSpPr txBox="1"/>
-          <p:nvPr/>
-        </p:nvSpPr>
-        <p:spPr>
-          <a:xfrm>
-            <a:off x="5695392" y="3323499"/>
-            <a:ext cx="764953" cy="276999"/>
-          </a:xfrm>
-          <a:prstGeom prst="rect">
-            <a:avLst/>
-          </a:prstGeom>
-          <a:noFill/>
-        </p:spPr>
-        <p:txBody>
-          <a:bodyPr wrap="none" rtlCol="0">
-            <a:spAutoFit/>
-          </a:bodyPr>
-          <a:lstStyle/>
-          <a:p>
-            <a:r>
-              <a:rPr lang="en-US" sz="1200" dirty="0"/>
-              <a:t>Dev-</a:t>
-            </a:r>
-            <a:r>
-              <a:rPr lang="en-US" sz="1200" dirty="0" err="1"/>
-              <a:t>nsg</a:t>
-            </a:r>
-            <a:endParaRPr lang="en-US" sz="1200" dirty="0"/>
-          </a:p>
-        </p:txBody>
-      </p:sp>
-      <p:sp>
-        <p:nvSpPr>
-          <p:cNvPr id="92" name="TextBox 91">
-            <a:extLst>
-              <a:ext uri="{FF2B5EF4-FFF2-40B4-BE49-F238E27FC236}">
-                <a16:creationId xmlns:a16="http://schemas.microsoft.com/office/drawing/2014/main" id="{261AFDF7-8651-4300-9547-C3C9B2352831}"/>
-              </a:ext>
-            </a:extLst>
-          </p:cNvPr>
-          <p:cNvSpPr txBox="1"/>
-          <p:nvPr/>
-        </p:nvSpPr>
-        <p:spPr>
-          <a:xfrm>
-            <a:off x="5865393" y="5677845"/>
-            <a:ext cx="1124860" cy="276999"/>
-          </a:xfrm>
-          <a:prstGeom prst="rect">
-            <a:avLst/>
-          </a:prstGeom>
-          <a:noFill/>
-        </p:spPr>
-        <p:txBody>
-          <a:bodyPr wrap="none" rtlCol="0">
-            <a:spAutoFit/>
-          </a:bodyPr>
-          <a:lstStyle/>
-          <a:p>
-            <a:r>
-              <a:rPr lang="en-US" sz="1200" dirty="0"/>
-              <a:t>Web (subnet)</a:t>
-            </a:r>
-          </a:p>
-        </p:txBody>
-      </p:sp>
-      <p:grpSp>
-        <p:nvGrpSpPr>
-          <p:cNvPr id="107" name="Group 106">
-            <a:extLst>
-              <a:ext uri="{FF2B5EF4-FFF2-40B4-BE49-F238E27FC236}">
-                <a16:creationId xmlns:a16="http://schemas.microsoft.com/office/drawing/2014/main" id="{227E0241-B560-43F9-89CE-B44EE0AA3955}"/>
-              </a:ext>
-            </a:extLst>
-          </p:cNvPr>
-          <p:cNvGrpSpPr/>
-          <p:nvPr/>
-        </p:nvGrpSpPr>
-        <p:grpSpPr>
-          <a:xfrm>
-            <a:off x="3702687" y="3095103"/>
-            <a:ext cx="1158009" cy="2513639"/>
-            <a:chOff x="3728999" y="3095103"/>
-            <a:chExt cx="1158009" cy="2513639"/>
-          </a:xfrm>
-        </p:grpSpPr>
-        <p:pic>
-          <p:nvPicPr>
-            <p:cNvPr id="8" name="Picture 7">
-              <a:extLst>
-                <a:ext uri="{FF2B5EF4-FFF2-40B4-BE49-F238E27FC236}">
-                  <a16:creationId xmlns:a16="http://schemas.microsoft.com/office/drawing/2014/main" id="{F6982C8A-BF7F-4742-B1C1-38AF243C3280}"/>
-                </a:ext>
-              </a:extLst>
-            </p:cNvPr>
-            <p:cNvPicPr>
-              <a:picLocks noChangeAspect="1"/>
-            </p:cNvPicPr>
-            <p:nvPr/>
-          </p:nvPicPr>
-          <p:blipFill>
-            <a:blip r:embed="rId7">
-              <a:extLst>
-                <a:ext uri="{28A0092B-C50C-407E-A947-70E740481C1C}">
-                  <a14:useLocalDpi xmlns:a14="http://schemas.microsoft.com/office/drawing/2010/main" val="0"/>
-                </a:ext>
-              </a:extLst>
-            </a:blip>
-            <a:stretch>
-              <a:fillRect/>
-            </a:stretch>
-          </p:blipFill>
-          <p:spPr>
-            <a:xfrm>
-              <a:off x="3917858" y="3095103"/>
-              <a:ext cx="780290" cy="780290"/>
-            </a:xfrm>
-            <a:prstGeom prst="rect">
-              <a:avLst/>
-            </a:prstGeom>
-          </p:spPr>
-        </p:pic>
-        <p:pic>
-          <p:nvPicPr>
-            <p:cNvPr id="36" name="Picture 35">
-              <a:extLst>
-                <a:ext uri="{FF2B5EF4-FFF2-40B4-BE49-F238E27FC236}">
-                  <a16:creationId xmlns:a16="http://schemas.microsoft.com/office/drawing/2014/main" id="{8458B589-CE13-4C07-B8A0-E8C474A5BE80}"/>
-                </a:ext>
-              </a:extLst>
-            </p:cNvPr>
-            <p:cNvPicPr>
-              <a:picLocks noChangeAspect="1"/>
-            </p:cNvPicPr>
-            <p:nvPr/>
-          </p:nvPicPr>
-          <p:blipFill>
-            <a:blip r:embed="rId7">
-              <a:extLst>
-                <a:ext uri="{28A0092B-C50C-407E-A947-70E740481C1C}">
-                  <a14:useLocalDpi xmlns:a14="http://schemas.microsoft.com/office/drawing/2010/main" val="0"/>
-                </a:ext>
-              </a:extLst>
-            </a:blip>
-            <a:stretch>
-              <a:fillRect/>
-            </a:stretch>
-          </p:blipFill>
-          <p:spPr>
-            <a:xfrm>
-              <a:off x="3917858" y="4547541"/>
-              <a:ext cx="780290" cy="780290"/>
-            </a:xfrm>
-            <a:prstGeom prst="rect">
-              <a:avLst/>
-            </a:prstGeom>
-          </p:spPr>
-        </p:pic>
-        <p:sp>
-          <p:nvSpPr>
-            <p:cNvPr id="95" name="TextBox 94">
-              <a:extLst>
-                <a:ext uri="{FF2B5EF4-FFF2-40B4-BE49-F238E27FC236}">
-                  <a16:creationId xmlns:a16="http://schemas.microsoft.com/office/drawing/2014/main" id="{641ACAB7-7EEF-42D8-A450-FEA10D7D7597}"/>
-                </a:ext>
-              </a:extLst>
-            </p:cNvPr>
-            <p:cNvSpPr txBox="1"/>
-            <p:nvPr/>
-          </p:nvSpPr>
-          <p:spPr>
-            <a:xfrm>
-              <a:off x="3728999" y="3898431"/>
-              <a:ext cx="1158009" cy="276999"/>
-            </a:xfrm>
-            <a:prstGeom prst="rect">
-              <a:avLst/>
-            </a:prstGeom>
-            <a:noFill/>
-          </p:spPr>
-          <p:txBody>
-            <a:bodyPr wrap="none" rtlCol="0">
-              <a:spAutoFit/>
-            </a:bodyPr>
-            <a:lstStyle/>
-            <a:p>
-              <a:r>
-                <a:rPr lang="en-US" sz="1200" dirty="0"/>
-                <a:t>Custom img.1</a:t>
-              </a:r>
-            </a:p>
-          </p:txBody>
-        </p:sp>
-        <p:sp>
-          <p:nvSpPr>
-            <p:cNvPr id="96" name="TextBox 95">
-              <a:extLst>
-                <a:ext uri="{FF2B5EF4-FFF2-40B4-BE49-F238E27FC236}">
-                  <a16:creationId xmlns:a16="http://schemas.microsoft.com/office/drawing/2014/main" id="{4D263501-FCF0-47D0-B34E-E1D73440A261}"/>
-                </a:ext>
-              </a:extLst>
-            </p:cNvPr>
-            <p:cNvSpPr txBox="1"/>
-            <p:nvPr/>
-          </p:nvSpPr>
-          <p:spPr>
-            <a:xfrm>
-              <a:off x="3728999" y="5331743"/>
-              <a:ext cx="1158009" cy="276999"/>
-            </a:xfrm>
-            <a:prstGeom prst="rect">
-              <a:avLst/>
-            </a:prstGeom>
-            <a:noFill/>
-          </p:spPr>
-          <p:txBody>
-            <a:bodyPr wrap="none" rtlCol="0">
-              <a:spAutoFit/>
-            </a:bodyPr>
-            <a:lstStyle/>
-            <a:p>
-              <a:r>
-                <a:rPr lang="en-US" sz="1200" dirty="0"/>
-                <a:t>Custom img.2</a:t>
-              </a:r>
-            </a:p>
-          </p:txBody>
-        </p:sp>
-      </p:grpSp>
-      <p:sp>
-        <p:nvSpPr>
-          <p:cNvPr id="99" name="Rectangle: Rounded Corners 98">
-            <a:extLst>
-              <a:ext uri="{FF2B5EF4-FFF2-40B4-BE49-F238E27FC236}">
-                <a16:creationId xmlns:a16="http://schemas.microsoft.com/office/drawing/2014/main" id="{2F3FBB27-8600-4F92-883B-0A20B7907668}"/>
-              </a:ext>
-            </a:extLst>
-          </p:cNvPr>
-          <p:cNvSpPr/>
-          <p:nvPr/>
-        </p:nvSpPr>
-        <p:spPr>
-          <a:xfrm>
-            <a:off x="8292445" y="2923105"/>
-            <a:ext cx="2867621" cy="1125862"/>
-          </a:xfrm>
-          <a:prstGeom prst="roundRect">
-            <a:avLst>
-              <a:gd name="adj" fmla="val 8127"/>
-            </a:avLst>
-          </a:prstGeom>
-          <a:solidFill>
-            <a:schemeClr val="accent1">
-              <a:lumMod val="40000"/>
-              <a:lumOff val="60000"/>
-            </a:schemeClr>
-          </a:solidFill>
-          <a:ln w="12700">
-            <a:noFill/>
-            <a:prstDash val="solid"/>
-          </a:ln>
-        </p:spPr>
-        <p:style>
-          <a:lnRef idx="2">
-            <a:schemeClr val="accent1">
-              <a:shade val="50000"/>
-            </a:schemeClr>
-          </a:lnRef>
-          <a:fillRef idx="1">
-            <a:schemeClr val="accent1"/>
-          </a:fillRef>
-          <a:effectRef idx="0">
-            <a:schemeClr val="accent1"/>
-          </a:effectRef>
-          <a:fontRef idx="minor">
-            <a:schemeClr val="lt1"/>
-          </a:fontRef>
-        </p:style>
-        <p:txBody>
-          <a:bodyPr rtlCol="0" anchor="ctr"/>
-          <a:lstStyle/>
-          <a:p>
-            <a:pPr algn="ctr"/>
-            <a:endParaRPr lang="en-US"/>
-          </a:p>
-        </p:txBody>
-      </p:sp>
-      <p:pic>
-        <p:nvPicPr>
-          <p:cNvPr id="30" name="Picture 29">
-            <a:extLst>
-              <a:ext uri="{FF2B5EF4-FFF2-40B4-BE49-F238E27FC236}">
-                <a16:creationId xmlns:a16="http://schemas.microsoft.com/office/drawing/2014/main" id="{4DF938B9-0E91-4669-B257-931243D076FB}"/>
-              </a:ext>
-            </a:extLst>
-          </p:cNvPr>
-          <p:cNvPicPr>
-            <a:picLocks noChangeAspect="1"/>
-          </p:cNvPicPr>
-          <p:nvPr/>
-        </p:nvPicPr>
-        <p:blipFill>
-          <a:blip r:embed="rId11">
-            <a:extLst>
-              <a:ext uri="{28A0092B-C50C-407E-A947-70E740481C1C}">
-                <a14:useLocalDpi xmlns:a14="http://schemas.microsoft.com/office/drawing/2010/main" val="0"/>
-              </a:ext>
-            </a:extLst>
-          </a:blip>
-          <a:stretch>
-            <a:fillRect/>
-          </a:stretch>
-        </p:blipFill>
-        <p:spPr>
-          <a:xfrm>
-            <a:off x="9336110" y="3045949"/>
-            <a:ext cx="780290" cy="780290"/>
-          </a:xfrm>
-          <a:prstGeom prst="rect">
-            <a:avLst/>
-          </a:prstGeom>
-        </p:spPr>
-      </p:pic>
-      <p:pic>
-        <p:nvPicPr>
-          <p:cNvPr id="46" name="Picture 45">
-            <a:extLst>
-              <a:ext uri="{FF2B5EF4-FFF2-40B4-BE49-F238E27FC236}">
-                <a16:creationId xmlns:a16="http://schemas.microsoft.com/office/drawing/2014/main" id="{FC4903CF-4637-4CDD-AF3B-A0CC034E6172}"/>
-              </a:ext>
-            </a:extLst>
-          </p:cNvPr>
-          <p:cNvPicPr>
-            <a:picLocks noChangeAspect="1"/>
-          </p:cNvPicPr>
-          <p:nvPr/>
-        </p:nvPicPr>
-        <p:blipFill>
-          <a:blip r:embed="rId5">
-            <a:extLst>
-              <a:ext uri="{28A0092B-C50C-407E-A947-70E740481C1C}">
-                <a14:useLocalDpi xmlns:a14="http://schemas.microsoft.com/office/drawing/2010/main" val="0"/>
-              </a:ext>
-            </a:extLst>
-          </a:blip>
-          <a:stretch>
-            <a:fillRect/>
-          </a:stretch>
-        </p:blipFill>
-        <p:spPr>
-          <a:xfrm>
-            <a:off x="7898881" y="3486994"/>
-            <a:ext cx="780290" cy="780290"/>
-          </a:xfrm>
-          <a:prstGeom prst="rect">
-            <a:avLst/>
-          </a:prstGeom>
-        </p:spPr>
-      </p:pic>
-      <p:sp>
-        <p:nvSpPr>
-          <p:cNvPr id="90" name="TextBox 89">
-            <a:extLst>
-              <a:ext uri="{FF2B5EF4-FFF2-40B4-BE49-F238E27FC236}">
-                <a16:creationId xmlns:a16="http://schemas.microsoft.com/office/drawing/2014/main" id="{79EED785-CB6A-4872-86E8-FC37AEAEF194}"/>
-              </a:ext>
-            </a:extLst>
-          </p:cNvPr>
-          <p:cNvSpPr txBox="1"/>
-          <p:nvPr/>
-        </p:nvSpPr>
-        <p:spPr>
-          <a:xfrm>
-            <a:off x="8267370" y="3314253"/>
-            <a:ext cx="730713" cy="276999"/>
-          </a:xfrm>
-          <a:prstGeom prst="rect">
-            <a:avLst/>
-          </a:prstGeom>
-          <a:noFill/>
-        </p:spPr>
-        <p:txBody>
-          <a:bodyPr wrap="none" rtlCol="0">
-            <a:spAutoFit/>
-          </a:bodyPr>
-          <a:lstStyle/>
-          <a:p>
-            <a:r>
-              <a:rPr lang="en-US" sz="1200" dirty="0" err="1"/>
-              <a:t>Prd-nsg</a:t>
-            </a:r>
-            <a:endParaRPr lang="en-US" sz="1200" dirty="0"/>
-          </a:p>
-        </p:txBody>
-      </p:sp>
-      <p:sp>
-        <p:nvSpPr>
-          <p:cNvPr id="91" name="TextBox 90">
-            <a:extLst>
-              <a:ext uri="{FF2B5EF4-FFF2-40B4-BE49-F238E27FC236}">
-                <a16:creationId xmlns:a16="http://schemas.microsoft.com/office/drawing/2014/main" id="{E3D8333F-5216-4E45-B62A-EA19DFB6A96D}"/>
-              </a:ext>
-            </a:extLst>
-          </p:cNvPr>
-          <p:cNvSpPr txBox="1"/>
-          <p:nvPr/>
-        </p:nvSpPr>
-        <p:spPr>
-          <a:xfrm>
-            <a:off x="9976077" y="3070738"/>
-            <a:ext cx="1251514" cy="276999"/>
-          </a:xfrm>
-          <a:prstGeom prst="rect">
-            <a:avLst/>
-          </a:prstGeom>
-          <a:noFill/>
-        </p:spPr>
-        <p:txBody>
-          <a:bodyPr wrap="square" rtlCol="0">
-            <a:spAutoFit/>
-          </a:bodyPr>
-          <a:lstStyle/>
-          <a:p>
-            <a:pPr algn="ctr"/>
-            <a:r>
-              <a:rPr lang="en-US" sz="1200"/>
-              <a:t>Load Balancer</a:t>
-            </a:r>
-            <a:endParaRPr lang="en-US" sz="1200" dirty="0"/>
-          </a:p>
-        </p:txBody>
-      </p:sp>
-      <p:cxnSp>
-        <p:nvCxnSpPr>
-          <p:cNvPr id="58" name="Connector: Elbow 57">
-            <a:extLst>
-              <a:ext uri="{FF2B5EF4-FFF2-40B4-BE49-F238E27FC236}">
-                <a16:creationId xmlns:a16="http://schemas.microsoft.com/office/drawing/2014/main" id="{C3DD8596-0792-42C2-A7C6-10F3F07F476D}"/>
-              </a:ext>
-            </a:extLst>
-          </p:cNvPr>
-          <p:cNvCxnSpPr>
-            <a:cxnSpLocks/>
-            <a:stCxn id="30" idx="2"/>
-            <a:endCxn id="47" idx="0"/>
-          </p:cNvCxnSpPr>
-          <p:nvPr/>
-        </p:nvCxnSpPr>
-        <p:spPr>
-          <a:xfrm rot="5400000">
-            <a:off x="9073102" y="3914632"/>
-            <a:ext cx="741547" cy="564760"/>
-          </a:xfrm>
-          <a:prstGeom prst="bentConnector3">
-            <a:avLst/>
-          </a:prstGeom>
-          <a:ln>
-            <a:tailEnd type="triangle"/>
-          </a:ln>
-        </p:spPr>
-        <p:style>
-          <a:lnRef idx="1">
-            <a:schemeClr val="accent1"/>
-          </a:lnRef>
-          <a:fillRef idx="0">
-            <a:schemeClr val="accent1"/>
-          </a:fillRef>
-          <a:effectRef idx="0">
-            <a:schemeClr val="accent1"/>
-          </a:effectRef>
-          <a:fontRef idx="minor">
-            <a:schemeClr val="tx1"/>
-          </a:fontRef>
-        </p:style>
-      </p:cxnSp>
-      <p:cxnSp>
-        <p:nvCxnSpPr>
-          <p:cNvPr id="59" name="Connector: Elbow 58">
-            <a:extLst>
-              <a:ext uri="{FF2B5EF4-FFF2-40B4-BE49-F238E27FC236}">
-                <a16:creationId xmlns:a16="http://schemas.microsoft.com/office/drawing/2014/main" id="{F370DF2A-4CF2-49CF-BF81-94712387B18F}"/>
-              </a:ext>
-            </a:extLst>
-          </p:cNvPr>
-          <p:cNvCxnSpPr>
-            <a:cxnSpLocks/>
-            <a:stCxn id="30" idx="2"/>
-            <a:endCxn id="48" idx="0"/>
-          </p:cNvCxnSpPr>
-          <p:nvPr/>
-        </p:nvCxnSpPr>
-        <p:spPr>
-          <a:xfrm rot="16200000" flipH="1">
-            <a:off x="9592796" y="3959698"/>
-            <a:ext cx="741547" cy="474628"/>
-          </a:xfrm>
-          <a:prstGeom prst="bentConnector3">
-            <a:avLst/>
-          </a:prstGeom>
-          <a:ln>
-            <a:tailEnd type="triangle"/>
-          </a:ln>
-        </p:spPr>
-        <p:style>
-          <a:lnRef idx="1">
-            <a:schemeClr val="accent1"/>
-          </a:lnRef>
-          <a:fillRef idx="0">
-            <a:schemeClr val="accent1"/>
-          </a:fillRef>
-          <a:effectRef idx="0">
-            <a:schemeClr val="accent1"/>
-          </a:effectRef>
-          <a:fontRef idx="minor">
-            <a:schemeClr val="tx1"/>
-          </a:fontRef>
-        </p:style>
-      </p:cxnSp>
-      <p:sp>
-        <p:nvSpPr>
-          <p:cNvPr id="104" name="TextBox 103">
-            <a:extLst>
-              <a:ext uri="{FF2B5EF4-FFF2-40B4-BE49-F238E27FC236}">
-                <a16:creationId xmlns:a16="http://schemas.microsoft.com/office/drawing/2014/main" id="{B218C87F-8A0B-4A5D-9BA4-10387D29DCE2}"/>
-              </a:ext>
-            </a:extLst>
-          </p:cNvPr>
-          <p:cNvSpPr txBox="1"/>
-          <p:nvPr/>
-        </p:nvSpPr>
-        <p:spPr>
-          <a:xfrm>
-            <a:off x="9944526" y="4275595"/>
-            <a:ext cx="1200906" cy="276999"/>
-          </a:xfrm>
-          <a:prstGeom prst="rect">
-            <a:avLst/>
-          </a:prstGeom>
-          <a:noFill/>
-        </p:spPr>
-        <p:txBody>
-          <a:bodyPr wrap="none" rtlCol="0">
-            <a:spAutoFit/>
-          </a:bodyPr>
-          <a:lstStyle/>
-          <a:p>
-            <a:r>
-              <a:rPr lang="en-US" sz="1200" dirty="0"/>
-              <a:t>Availability Set</a:t>
-            </a:r>
-          </a:p>
-        </p:txBody>
-      </p:sp>
-      <p:sp>
-        <p:nvSpPr>
-          <p:cNvPr id="105" name="TextBox 104">
-            <a:extLst>
-              <a:ext uri="{FF2B5EF4-FFF2-40B4-BE49-F238E27FC236}">
-                <a16:creationId xmlns:a16="http://schemas.microsoft.com/office/drawing/2014/main" id="{F4200348-9D33-4B39-9629-14695D66D17C}"/>
-              </a:ext>
-            </a:extLst>
-          </p:cNvPr>
-          <p:cNvSpPr txBox="1"/>
-          <p:nvPr/>
-        </p:nvSpPr>
-        <p:spPr>
-          <a:xfrm>
-            <a:off x="10043166" y="5677845"/>
-            <a:ext cx="1124860" cy="276999"/>
-          </a:xfrm>
-          <a:prstGeom prst="rect">
-            <a:avLst/>
-          </a:prstGeom>
-          <a:noFill/>
-        </p:spPr>
-        <p:txBody>
-          <a:bodyPr wrap="none" rtlCol="0">
-            <a:spAutoFit/>
-          </a:bodyPr>
-          <a:lstStyle/>
-          <a:p>
-            <a:r>
-              <a:rPr lang="en-US" sz="1200" dirty="0"/>
-              <a:t>Web (subnet)</a:t>
-            </a:r>
-          </a:p>
-        </p:txBody>
-      </p:sp>
-      <p:sp>
-        <p:nvSpPr>
-          <p:cNvPr id="106" name="TextBox 105">
-            <a:extLst>
-              <a:ext uri="{FF2B5EF4-FFF2-40B4-BE49-F238E27FC236}">
-                <a16:creationId xmlns:a16="http://schemas.microsoft.com/office/drawing/2014/main" id="{4C548086-ACE4-4F6F-9FAE-36F88DD0FC74}"/>
-              </a:ext>
-            </a:extLst>
-          </p:cNvPr>
-          <p:cNvSpPr txBox="1"/>
-          <p:nvPr/>
-        </p:nvSpPr>
-        <p:spPr>
-          <a:xfrm>
-            <a:off x="9798995" y="3729827"/>
-            <a:ext cx="1428596" cy="276999"/>
-          </a:xfrm>
-          <a:prstGeom prst="rect">
-            <a:avLst/>
-          </a:prstGeom>
-          <a:noFill/>
-        </p:spPr>
-        <p:txBody>
-          <a:bodyPr wrap="none" rtlCol="0">
-            <a:spAutoFit/>
-          </a:bodyPr>
-          <a:lstStyle/>
-          <a:p>
-            <a:r>
-              <a:rPr lang="en-US" sz="1200" dirty="0" err="1"/>
-              <a:t>Appgtwy</a:t>
-            </a:r>
-            <a:r>
-              <a:rPr lang="en-US" sz="1200" dirty="0"/>
-              <a:t> (subnet)</a:t>
-            </a:r>
-          </a:p>
-        </p:txBody>
-      </p:sp>
-    </p:spTree>
-    <p:extLst>
-      <p:ext uri="{BB962C8B-B14F-4D97-AF65-F5344CB8AC3E}">
-        <p14:creationId xmlns:p14="http://schemas.microsoft.com/office/powerpoint/2010/main" val="3218416211"/>
       </p:ext>
     </p:extLst>
   </p:cSld>

--- a/2. Workshop Scenario/Workshop Scenario.pptx
+++ b/2. Workshop Scenario/Workshop Scenario.pptx
@@ -5,7 +5,7 @@
     <p:sldMasterId id="2147483660" r:id="rId1"/>
   </p:sldMasterIdLst>
   <p:notesMasterIdLst>
-    <p:notesMasterId r:id="rId12"/>
+    <p:notesMasterId r:id="rId13"/>
   </p:notesMasterIdLst>
   <p:sldIdLst>
     <p:sldId id="256" r:id="rId2"/>
@@ -13,11 +13,12 @@
     <p:sldId id="257" r:id="rId4"/>
     <p:sldId id="258" r:id="rId5"/>
     <p:sldId id="262" r:id="rId6"/>
-    <p:sldId id="259" r:id="rId7"/>
-    <p:sldId id="265" r:id="rId8"/>
-    <p:sldId id="260" r:id="rId9"/>
-    <p:sldId id="263" r:id="rId10"/>
-    <p:sldId id="264" r:id="rId11"/>
+    <p:sldId id="266" r:id="rId7"/>
+    <p:sldId id="259" r:id="rId8"/>
+    <p:sldId id="265" r:id="rId9"/>
+    <p:sldId id="260" r:id="rId10"/>
+    <p:sldId id="263" r:id="rId11"/>
+    <p:sldId id="264" r:id="rId12"/>
   </p:sldIdLst>
   <p:sldSz cx="12192000" cy="6858000"/>
   <p:notesSz cx="6858000" cy="9144000"/>
@@ -631,6 +632,90 @@
     </p:spTree>
     <p:extLst>
       <p:ext uri="{BB962C8B-B14F-4D97-AF65-F5344CB8AC3E}">
+        <p14:creationId xmlns:p14="http://schemas.microsoft.com/office/powerpoint/2010/main" val="3489136822"/>
+      </p:ext>
+    </p:extLst>
+  </p:cSld>
+  <p:clrMapOvr>
+    <a:masterClrMapping/>
+  </p:clrMapOvr>
+</p:notes>
+</file>
+
+<file path=ppt/notesSlides/notesSlide11.xml><?xml version="1.0" encoding="utf-8"?>
+<p:notes xmlns:a="http://schemas.openxmlformats.org/drawingml/2006/main" xmlns:r="http://schemas.openxmlformats.org/officeDocument/2006/relationships" xmlns:p="http://schemas.openxmlformats.org/presentationml/2006/main">
+  <p:cSld>
+    <p:spTree>
+      <p:nvGrpSpPr>
+        <p:cNvPr id="1" name=""/>
+        <p:cNvGrpSpPr/>
+        <p:nvPr/>
+      </p:nvGrpSpPr>
+      <p:grpSpPr>
+        <a:xfrm>
+          <a:off x="0" y="0"/>
+          <a:ext cx="0" cy="0"/>
+          <a:chOff x="0" y="0"/>
+          <a:chExt cx="0" cy="0"/>
+        </a:xfrm>
+      </p:grpSpPr>
+      <p:sp>
+        <p:nvSpPr>
+          <p:cNvPr id="2" name="Slide Image Placeholder 1"/>
+          <p:cNvSpPr>
+            <a:spLocks noGrp="1" noRot="1" noChangeAspect="1"/>
+          </p:cNvSpPr>
+          <p:nvPr>
+            <p:ph type="sldImg"/>
+          </p:nvPr>
+        </p:nvSpPr>
+        <p:spPr/>
+      </p:sp>
+      <p:sp>
+        <p:nvSpPr>
+          <p:cNvPr id="3" name="Notes Placeholder 2"/>
+          <p:cNvSpPr>
+            <a:spLocks noGrp="1"/>
+          </p:cNvSpPr>
+          <p:nvPr>
+            <p:ph type="body" idx="1"/>
+          </p:nvPr>
+        </p:nvSpPr>
+        <p:spPr/>
+        <p:txBody>
+          <a:bodyPr/>
+          <a:lstStyle/>
+          <a:p>
+            <a:endParaRPr lang="en-US"/>
+          </a:p>
+        </p:txBody>
+      </p:sp>
+      <p:sp>
+        <p:nvSpPr>
+          <p:cNvPr id="4" name="Slide Number Placeholder 3"/>
+          <p:cNvSpPr>
+            <a:spLocks noGrp="1"/>
+          </p:cNvSpPr>
+          <p:nvPr>
+            <p:ph type="sldNum" sz="quarter" idx="10"/>
+          </p:nvPr>
+        </p:nvSpPr>
+        <p:spPr/>
+        <p:txBody>
+          <a:bodyPr/>
+          <a:lstStyle/>
+          <a:p>
+            <a:fld id="{81CAA18E-E9D7-469D-80A4-9C5CC3C3775A}" type="slidenum">
+              <a:rPr lang="en-US" smtClean="0"/>
+              <a:t>11</a:t>
+            </a:fld>
+            <a:endParaRPr lang="en-US"/>
+          </a:p>
+        </p:txBody>
+      </p:sp>
+    </p:spTree>
+    <p:extLst>
+      <p:ext uri="{BB962C8B-B14F-4D97-AF65-F5344CB8AC3E}">
         <p14:creationId xmlns:p14="http://schemas.microsoft.com/office/powerpoint/2010/main" val="1510818962"/>
       </p:ext>
     </p:extLst>
@@ -1051,7 +1136,7 @@
     </p:spTree>
     <p:extLst>
       <p:ext uri="{BB962C8B-B14F-4D97-AF65-F5344CB8AC3E}">
-        <p14:creationId xmlns:p14="http://schemas.microsoft.com/office/powerpoint/2010/main" val="24296469"/>
+        <p14:creationId xmlns:p14="http://schemas.microsoft.com/office/powerpoint/2010/main" val="2324778822"/>
       </p:ext>
     </p:extLst>
   </p:cSld>
@@ -1135,7 +1220,7 @@
     </p:spTree>
     <p:extLst>
       <p:ext uri="{BB962C8B-B14F-4D97-AF65-F5344CB8AC3E}">
-        <p14:creationId xmlns:p14="http://schemas.microsoft.com/office/powerpoint/2010/main" val="3847496053"/>
+        <p14:creationId xmlns:p14="http://schemas.microsoft.com/office/powerpoint/2010/main" val="24296469"/>
       </p:ext>
     </p:extLst>
   </p:cSld>
@@ -1219,7 +1304,7 @@
     </p:spTree>
     <p:extLst>
       <p:ext uri="{BB962C8B-B14F-4D97-AF65-F5344CB8AC3E}">
-        <p14:creationId xmlns:p14="http://schemas.microsoft.com/office/powerpoint/2010/main" val="1543304680"/>
+        <p14:creationId xmlns:p14="http://schemas.microsoft.com/office/powerpoint/2010/main" val="3847496053"/>
       </p:ext>
     </p:extLst>
   </p:cSld>
@@ -1303,7 +1388,7 @@
     </p:spTree>
     <p:extLst>
       <p:ext uri="{BB962C8B-B14F-4D97-AF65-F5344CB8AC3E}">
-        <p14:creationId xmlns:p14="http://schemas.microsoft.com/office/powerpoint/2010/main" val="3489136822"/>
+        <p14:creationId xmlns:p14="http://schemas.microsoft.com/office/powerpoint/2010/main" val="1543304680"/>
       </p:ext>
     </p:extLst>
   </p:cSld>
@@ -2979,6 +3064,1929 @@
               <a:buNone/>
             </a:pPr>
             <a:r>
+              <a:rPr lang="en-US" dirty="0"/>
+              <a:t> </a:t>
+            </a:r>
+          </a:p>
+        </p:txBody>
+      </p:sp>
+      <p:sp>
+        <p:nvSpPr>
+          <p:cNvPr id="4" name="Text Placeholder 3">
+            <a:extLst>
+              <a:ext uri="{FF2B5EF4-FFF2-40B4-BE49-F238E27FC236}">
+                <a16:creationId xmlns:a16="http://schemas.microsoft.com/office/drawing/2014/main" id="{09E79592-AC01-4B52-8C3A-216E9F84829F}"/>
+              </a:ext>
+            </a:extLst>
+          </p:cNvPr>
+          <p:cNvSpPr>
+            <a:spLocks noGrp="1"/>
+          </p:cNvSpPr>
+          <p:nvPr>
+            <p:ph type="body" sz="quarter" idx="10"/>
+          </p:nvPr>
+        </p:nvSpPr>
+        <p:spPr/>
+        <p:txBody>
+          <a:bodyPr/>
+          <a:lstStyle/>
+          <a:p>
+            <a:r>
+              <a:rPr lang="en-US" dirty="0"/>
+              <a:t>v. </a:t>
+            </a:r>
+            <a:r>
+              <a:rPr lang="en-US" altLang="en-US" dirty="0"/>
+              <a:t>Move VM using Azure cli</a:t>
+            </a:r>
+          </a:p>
+        </p:txBody>
+      </p:sp>
+      <p:sp>
+        <p:nvSpPr>
+          <p:cNvPr id="6" name="Rectangle: Rounded Corners 5">
+            <a:extLst>
+              <a:ext uri="{FF2B5EF4-FFF2-40B4-BE49-F238E27FC236}">
+                <a16:creationId xmlns:a16="http://schemas.microsoft.com/office/drawing/2014/main" id="{34E48EE7-2615-4F96-9B45-DFE43F76D005}"/>
+              </a:ext>
+            </a:extLst>
+          </p:cNvPr>
+          <p:cNvSpPr/>
+          <p:nvPr/>
+        </p:nvSpPr>
+        <p:spPr>
+          <a:xfrm>
+            <a:off x="4865052" y="2848456"/>
+            <a:ext cx="2451807" cy="3288616"/>
+          </a:xfrm>
+          <a:prstGeom prst="roundRect">
+            <a:avLst>
+              <a:gd name="adj" fmla="val 0"/>
+            </a:avLst>
+          </a:prstGeom>
+          <a:solidFill>
+            <a:schemeClr val="tx2">
+              <a:lumMod val="20000"/>
+              <a:lumOff val="80000"/>
+            </a:schemeClr>
+          </a:solidFill>
+          <a:ln w="12700">
+            <a:noFill/>
+            <a:prstDash val="solid"/>
+          </a:ln>
+        </p:spPr>
+        <p:style>
+          <a:lnRef idx="2">
+            <a:schemeClr val="accent1">
+              <a:shade val="50000"/>
+            </a:schemeClr>
+          </a:lnRef>
+          <a:fillRef idx="1">
+            <a:schemeClr val="accent1"/>
+          </a:fillRef>
+          <a:effectRef idx="0">
+            <a:schemeClr val="accent1"/>
+          </a:effectRef>
+          <a:fontRef idx="minor">
+            <a:schemeClr val="lt1"/>
+          </a:fontRef>
+        </p:style>
+        <p:txBody>
+          <a:bodyPr rtlCol="0" anchor="ctr"/>
+          <a:lstStyle/>
+          <a:p>
+            <a:pPr algn="ctr"/>
+            <a:endParaRPr lang="en-US"/>
+          </a:p>
+        </p:txBody>
+      </p:sp>
+      <p:sp>
+        <p:nvSpPr>
+          <p:cNvPr id="7" name="Rectangle: Rounded Corners 6">
+            <a:extLst>
+              <a:ext uri="{FF2B5EF4-FFF2-40B4-BE49-F238E27FC236}">
+                <a16:creationId xmlns:a16="http://schemas.microsoft.com/office/drawing/2014/main" id="{EF6C0BAF-95A7-4197-A14B-C89CD3427119}"/>
+              </a:ext>
+            </a:extLst>
+          </p:cNvPr>
+          <p:cNvSpPr/>
+          <p:nvPr/>
+        </p:nvSpPr>
+        <p:spPr>
+          <a:xfrm>
+            <a:off x="7455203" y="2848456"/>
+            <a:ext cx="3899145" cy="3288616"/>
+          </a:xfrm>
+          <a:prstGeom prst="roundRect">
+            <a:avLst>
+              <a:gd name="adj" fmla="val 0"/>
+            </a:avLst>
+          </a:prstGeom>
+          <a:solidFill>
+            <a:schemeClr val="tx2">
+              <a:lumMod val="20000"/>
+              <a:lumOff val="80000"/>
+            </a:schemeClr>
+          </a:solidFill>
+          <a:ln w="12700">
+            <a:noFill/>
+            <a:prstDash val="solid"/>
+          </a:ln>
+        </p:spPr>
+        <p:style>
+          <a:lnRef idx="2">
+            <a:schemeClr val="accent1">
+              <a:shade val="50000"/>
+            </a:schemeClr>
+          </a:lnRef>
+          <a:fillRef idx="1">
+            <a:schemeClr val="accent1"/>
+          </a:fillRef>
+          <a:effectRef idx="0">
+            <a:schemeClr val="accent1"/>
+          </a:effectRef>
+          <a:fontRef idx="minor">
+            <a:schemeClr val="lt1"/>
+          </a:fontRef>
+        </p:style>
+        <p:txBody>
+          <a:bodyPr rtlCol="0" anchor="ctr"/>
+          <a:lstStyle/>
+          <a:p>
+            <a:pPr algn="ctr"/>
+            <a:endParaRPr lang="en-US"/>
+          </a:p>
+        </p:txBody>
+      </p:sp>
+      <p:sp>
+        <p:nvSpPr>
+          <p:cNvPr id="8" name="Rectangle: Rounded Corners 7">
+            <a:extLst>
+              <a:ext uri="{FF2B5EF4-FFF2-40B4-BE49-F238E27FC236}">
+                <a16:creationId xmlns:a16="http://schemas.microsoft.com/office/drawing/2014/main" id="{96FB0C00-96D8-4022-A1A5-F2010FC757EC}"/>
+              </a:ext>
+            </a:extLst>
+          </p:cNvPr>
+          <p:cNvSpPr/>
+          <p:nvPr/>
+        </p:nvSpPr>
+        <p:spPr>
+          <a:xfrm>
+            <a:off x="5712879" y="4162176"/>
+            <a:ext cx="1426119" cy="1819539"/>
+          </a:xfrm>
+          <a:prstGeom prst="roundRect">
+            <a:avLst>
+              <a:gd name="adj" fmla="val 8127"/>
+            </a:avLst>
+          </a:prstGeom>
+          <a:solidFill>
+            <a:schemeClr val="accent1">
+              <a:lumMod val="40000"/>
+              <a:lumOff val="60000"/>
+            </a:schemeClr>
+          </a:solidFill>
+          <a:ln w="12700">
+            <a:noFill/>
+            <a:prstDash val="solid"/>
+          </a:ln>
+        </p:spPr>
+        <p:style>
+          <a:lnRef idx="2">
+            <a:schemeClr val="accent1">
+              <a:shade val="50000"/>
+            </a:schemeClr>
+          </a:lnRef>
+          <a:fillRef idx="1">
+            <a:schemeClr val="accent1"/>
+          </a:fillRef>
+          <a:effectRef idx="0">
+            <a:schemeClr val="accent1"/>
+          </a:effectRef>
+          <a:fontRef idx="minor">
+            <a:schemeClr val="lt1"/>
+          </a:fontRef>
+        </p:style>
+        <p:txBody>
+          <a:bodyPr rtlCol="0" anchor="ctr"/>
+          <a:lstStyle/>
+          <a:p>
+            <a:pPr algn="ctr"/>
+            <a:endParaRPr lang="en-US"/>
+          </a:p>
+        </p:txBody>
+      </p:sp>
+      <p:sp>
+        <p:nvSpPr>
+          <p:cNvPr id="9" name="Rectangle: Rounded Corners 8">
+            <a:extLst>
+              <a:ext uri="{FF2B5EF4-FFF2-40B4-BE49-F238E27FC236}">
+                <a16:creationId xmlns:a16="http://schemas.microsoft.com/office/drawing/2014/main" id="{8EF0626E-1895-4877-9E40-66579DDB22D0}"/>
+              </a:ext>
+            </a:extLst>
+          </p:cNvPr>
+          <p:cNvSpPr/>
+          <p:nvPr/>
+        </p:nvSpPr>
+        <p:spPr>
+          <a:xfrm>
+            <a:off x="8292445" y="4162176"/>
+            <a:ext cx="2867621" cy="1819539"/>
+          </a:xfrm>
+          <a:prstGeom prst="roundRect">
+            <a:avLst>
+              <a:gd name="adj" fmla="val 8127"/>
+            </a:avLst>
+          </a:prstGeom>
+          <a:solidFill>
+            <a:schemeClr val="accent1">
+              <a:lumMod val="40000"/>
+              <a:lumOff val="60000"/>
+            </a:schemeClr>
+          </a:solidFill>
+          <a:ln w="12700">
+            <a:noFill/>
+            <a:prstDash val="solid"/>
+          </a:ln>
+        </p:spPr>
+        <p:style>
+          <a:lnRef idx="2">
+            <a:schemeClr val="accent1">
+              <a:shade val="50000"/>
+            </a:schemeClr>
+          </a:lnRef>
+          <a:fillRef idx="1">
+            <a:schemeClr val="accent1"/>
+          </a:fillRef>
+          <a:effectRef idx="0">
+            <a:schemeClr val="accent1"/>
+          </a:effectRef>
+          <a:fontRef idx="minor">
+            <a:schemeClr val="lt1"/>
+          </a:fontRef>
+        </p:style>
+        <p:txBody>
+          <a:bodyPr rtlCol="0" anchor="ctr"/>
+          <a:lstStyle/>
+          <a:p>
+            <a:pPr algn="ctr"/>
+            <a:endParaRPr lang="en-US"/>
+          </a:p>
+        </p:txBody>
+      </p:sp>
+      <p:pic>
+        <p:nvPicPr>
+          <p:cNvPr id="10" name="Picture 9">
+            <a:extLst>
+              <a:ext uri="{FF2B5EF4-FFF2-40B4-BE49-F238E27FC236}">
+                <a16:creationId xmlns:a16="http://schemas.microsoft.com/office/drawing/2014/main" id="{8B65CB71-37F1-498A-A917-F2FC30658ACF}"/>
+              </a:ext>
+            </a:extLst>
+          </p:cNvPr>
+          <p:cNvPicPr>
+            <a:picLocks noChangeAspect="1"/>
+          </p:cNvPicPr>
+          <p:nvPr/>
+        </p:nvPicPr>
+        <p:blipFill>
+          <a:blip r:embed="rId3">
+            <a:extLst>
+              <a:ext uri="{28A0092B-C50C-407E-A947-70E740481C1C}">
+                <a14:useLocalDpi xmlns:a14="http://schemas.microsoft.com/office/drawing/2010/main" val="0"/>
+              </a:ext>
+            </a:extLst>
+          </a:blip>
+          <a:stretch>
+            <a:fillRect/>
+          </a:stretch>
+        </p:blipFill>
+        <p:spPr>
+          <a:xfrm>
+            <a:off x="3497936" y="1996689"/>
+            <a:ext cx="780290" cy="780290"/>
+          </a:xfrm>
+          <a:prstGeom prst="rect">
+            <a:avLst/>
+          </a:prstGeom>
+        </p:spPr>
+      </p:pic>
+      <p:pic>
+        <p:nvPicPr>
+          <p:cNvPr id="11" name="Picture 10">
+            <a:extLst>
+              <a:ext uri="{FF2B5EF4-FFF2-40B4-BE49-F238E27FC236}">
+                <a16:creationId xmlns:a16="http://schemas.microsoft.com/office/drawing/2014/main" id="{6F6D0E04-BEC5-4807-9765-712909216BF6}"/>
+              </a:ext>
+            </a:extLst>
+          </p:cNvPr>
+          <p:cNvPicPr>
+            <a:picLocks noChangeAspect="1"/>
+          </p:cNvPicPr>
+          <p:nvPr/>
+        </p:nvPicPr>
+        <p:blipFill>
+          <a:blip r:embed="rId4">
+            <a:extLst>
+              <a:ext uri="{28A0092B-C50C-407E-A947-70E740481C1C}">
+                <a14:useLocalDpi xmlns:a14="http://schemas.microsoft.com/office/drawing/2010/main" val="0"/>
+              </a:ext>
+            </a:extLst>
+          </a:blip>
+          <a:stretch>
+            <a:fillRect/>
+          </a:stretch>
+        </p:blipFill>
+        <p:spPr>
+          <a:xfrm>
+            <a:off x="1872818" y="1182767"/>
+            <a:ext cx="780290" cy="780290"/>
+          </a:xfrm>
+          <a:prstGeom prst="rect">
+            <a:avLst/>
+          </a:prstGeom>
+        </p:spPr>
+      </p:pic>
+      <p:pic>
+        <p:nvPicPr>
+          <p:cNvPr id="13" name="Picture 12">
+            <a:extLst>
+              <a:ext uri="{FF2B5EF4-FFF2-40B4-BE49-F238E27FC236}">
+                <a16:creationId xmlns:a16="http://schemas.microsoft.com/office/drawing/2014/main" id="{42CDA50A-741A-4AE5-989E-C3CE072DC778}"/>
+              </a:ext>
+            </a:extLst>
+          </p:cNvPr>
+          <p:cNvPicPr>
+            <a:picLocks noChangeAspect="1"/>
+          </p:cNvPicPr>
+          <p:nvPr/>
+        </p:nvPicPr>
+        <p:blipFill>
+          <a:blip r:embed="rId5">
+            <a:extLst>
+              <a:ext uri="{28A0092B-C50C-407E-A947-70E740481C1C}">
+                <a14:useLocalDpi xmlns:a14="http://schemas.microsoft.com/office/drawing/2010/main" val="0"/>
+              </a:ext>
+            </a:extLst>
+          </a:blip>
+          <a:stretch>
+            <a:fillRect/>
+          </a:stretch>
+        </p:blipFill>
+        <p:spPr>
+          <a:xfrm>
+            <a:off x="5344023" y="3496240"/>
+            <a:ext cx="780290" cy="780290"/>
+          </a:xfrm>
+          <a:prstGeom prst="rect">
+            <a:avLst/>
+          </a:prstGeom>
+        </p:spPr>
+      </p:pic>
+      <p:pic>
+        <p:nvPicPr>
+          <p:cNvPr id="14" name="Picture 13">
+            <a:extLst>
+              <a:ext uri="{FF2B5EF4-FFF2-40B4-BE49-F238E27FC236}">
+                <a16:creationId xmlns:a16="http://schemas.microsoft.com/office/drawing/2014/main" id="{CCF14CD3-97B8-4353-9E05-DF4550502307}"/>
+              </a:ext>
+            </a:extLst>
+          </p:cNvPr>
+          <p:cNvPicPr>
+            <a:picLocks noChangeAspect="1"/>
+          </p:cNvPicPr>
+          <p:nvPr/>
+        </p:nvPicPr>
+        <p:blipFill>
+          <a:blip r:embed="rId6">
+            <a:extLst>
+              <a:ext uri="{28A0092B-C50C-407E-A947-70E740481C1C}">
+                <a14:useLocalDpi xmlns:a14="http://schemas.microsoft.com/office/drawing/2010/main" val="0"/>
+              </a:ext>
+            </a:extLst>
+          </a:blip>
+          <a:stretch>
+            <a:fillRect/>
+          </a:stretch>
+        </p:blipFill>
+        <p:spPr>
+          <a:xfrm>
+            <a:off x="4947926" y="5206100"/>
+            <a:ext cx="780290" cy="780290"/>
+          </a:xfrm>
+          <a:prstGeom prst="rect">
+            <a:avLst/>
+          </a:prstGeom>
+        </p:spPr>
+      </p:pic>
+      <p:pic>
+        <p:nvPicPr>
+          <p:cNvPr id="15" name="Picture 14">
+            <a:extLst>
+              <a:ext uri="{FF2B5EF4-FFF2-40B4-BE49-F238E27FC236}">
+                <a16:creationId xmlns:a16="http://schemas.microsoft.com/office/drawing/2014/main" id="{1CFC1AE8-12EE-4836-8203-312FAB34A069}"/>
+              </a:ext>
+            </a:extLst>
+          </p:cNvPr>
+          <p:cNvPicPr>
+            <a:picLocks noChangeAspect="1"/>
+          </p:cNvPicPr>
+          <p:nvPr/>
+        </p:nvPicPr>
+        <p:blipFill>
+          <a:blip r:embed="rId6">
+            <a:extLst>
+              <a:ext uri="{28A0092B-C50C-407E-A947-70E740481C1C}">
+                <a14:useLocalDpi xmlns:a14="http://schemas.microsoft.com/office/drawing/2010/main" val="0"/>
+              </a:ext>
+            </a:extLst>
+          </a:blip>
+          <a:stretch>
+            <a:fillRect/>
+          </a:stretch>
+        </p:blipFill>
+        <p:spPr>
+          <a:xfrm>
+            <a:off x="7495752" y="5206100"/>
+            <a:ext cx="780290" cy="780290"/>
+          </a:xfrm>
+          <a:prstGeom prst="rect">
+            <a:avLst/>
+          </a:prstGeom>
+        </p:spPr>
+      </p:pic>
+      <p:grpSp>
+        <p:nvGrpSpPr>
+          <p:cNvPr id="16" name="Group 15">
+            <a:extLst>
+              <a:ext uri="{FF2B5EF4-FFF2-40B4-BE49-F238E27FC236}">
+                <a16:creationId xmlns:a16="http://schemas.microsoft.com/office/drawing/2014/main" id="{DA510F78-3051-4BFB-85CD-BD710CCA2BBB}"/>
+              </a:ext>
+            </a:extLst>
+          </p:cNvPr>
+          <p:cNvGrpSpPr/>
+          <p:nvPr/>
+        </p:nvGrpSpPr>
+        <p:grpSpPr>
+          <a:xfrm>
+            <a:off x="385160" y="4157396"/>
+            <a:ext cx="1784622" cy="2184198"/>
+            <a:chOff x="385160" y="4157396"/>
+            <a:chExt cx="1784622" cy="2184198"/>
+          </a:xfrm>
+        </p:grpSpPr>
+        <p:grpSp>
+          <p:nvGrpSpPr>
+            <p:cNvPr id="61" name="Group 60">
+              <a:extLst>
+                <a:ext uri="{FF2B5EF4-FFF2-40B4-BE49-F238E27FC236}">
+                  <a16:creationId xmlns:a16="http://schemas.microsoft.com/office/drawing/2014/main" id="{9B3B3095-C262-442B-A08E-BFF05CEDC30C}"/>
+                </a:ext>
+              </a:extLst>
+            </p:cNvPr>
+            <p:cNvGrpSpPr/>
+            <p:nvPr/>
+          </p:nvGrpSpPr>
+          <p:grpSpPr>
+            <a:xfrm>
+              <a:off x="682124" y="4998313"/>
+              <a:ext cx="1190694" cy="1343281"/>
+              <a:chOff x="717047" y="4998313"/>
+              <a:chExt cx="1190694" cy="1343281"/>
+            </a:xfrm>
+          </p:grpSpPr>
+          <p:pic>
+            <p:nvPicPr>
+              <p:cNvPr id="65" name="Picture 64">
+                <a:extLst>
+                  <a:ext uri="{FF2B5EF4-FFF2-40B4-BE49-F238E27FC236}">
+                    <a16:creationId xmlns:a16="http://schemas.microsoft.com/office/drawing/2014/main" id="{268B0C83-18E9-430B-AB42-DE79E32ADF07}"/>
+                  </a:ext>
+                </a:extLst>
+              </p:cNvPr>
+              <p:cNvPicPr>
+                <a:picLocks noChangeAspect="1"/>
+              </p:cNvPicPr>
+              <p:nvPr/>
+            </p:nvPicPr>
+            <p:blipFill>
+              <a:blip r:embed="rId7">
+                <a:duotone>
+                  <a:prstClr val="black"/>
+                  <a:schemeClr val="tx2">
+                    <a:tint val="45000"/>
+                    <a:satMod val="400000"/>
+                  </a:schemeClr>
+                </a:duotone>
+                <a:extLst>
+                  <a:ext uri="{28A0092B-C50C-407E-A947-70E740481C1C}">
+                    <a14:useLocalDpi xmlns:a14="http://schemas.microsoft.com/office/drawing/2010/main" val="0"/>
+                  </a:ext>
+                </a:extLst>
+              </a:blip>
+              <a:stretch>
+                <a:fillRect/>
+              </a:stretch>
+            </p:blipFill>
+            <p:spPr>
+              <a:xfrm>
+                <a:off x="922249" y="5119568"/>
+                <a:ext cx="780290" cy="780290"/>
+              </a:xfrm>
+              <a:prstGeom prst="rect">
+                <a:avLst/>
+              </a:prstGeom>
+            </p:spPr>
+          </p:pic>
+          <p:sp>
+            <p:nvSpPr>
+              <p:cNvPr id="66" name="Rectangle 65">
+                <a:extLst>
+                  <a:ext uri="{FF2B5EF4-FFF2-40B4-BE49-F238E27FC236}">
+                    <a16:creationId xmlns:a16="http://schemas.microsoft.com/office/drawing/2014/main" id="{64D788A6-202C-449E-9999-AFC4AA6A5A0C}"/>
+                  </a:ext>
+                </a:extLst>
+              </p:cNvPr>
+              <p:cNvSpPr/>
+              <p:nvPr/>
+            </p:nvSpPr>
+            <p:spPr>
+              <a:xfrm>
+                <a:off x="717047" y="4998313"/>
+                <a:ext cx="1190694" cy="1343281"/>
+              </a:xfrm>
+              <a:prstGeom prst="rect">
+                <a:avLst/>
+              </a:prstGeom>
+              <a:noFill/>
+              <a:ln>
+                <a:solidFill>
+                  <a:schemeClr val="bg1">
+                    <a:lumMod val="65000"/>
+                  </a:schemeClr>
+                </a:solidFill>
+              </a:ln>
+            </p:spPr>
+            <p:style>
+              <a:lnRef idx="2">
+                <a:schemeClr val="accent1">
+                  <a:shade val="50000"/>
+                </a:schemeClr>
+              </a:lnRef>
+              <a:fillRef idx="1">
+                <a:schemeClr val="accent1"/>
+              </a:fillRef>
+              <a:effectRef idx="0">
+                <a:schemeClr val="accent1"/>
+              </a:effectRef>
+              <a:fontRef idx="minor">
+                <a:schemeClr val="lt1"/>
+              </a:fontRef>
+            </p:style>
+            <p:txBody>
+              <a:bodyPr rtlCol="0" anchor="ctr"/>
+              <a:lstStyle/>
+              <a:p>
+                <a:pPr algn="ctr"/>
+                <a:endParaRPr lang="en-US"/>
+              </a:p>
+            </p:txBody>
+          </p:sp>
+          <p:sp>
+            <p:nvSpPr>
+              <p:cNvPr id="67" name="TextBox 66">
+                <a:extLst>
+                  <a:ext uri="{FF2B5EF4-FFF2-40B4-BE49-F238E27FC236}">
+                    <a16:creationId xmlns:a16="http://schemas.microsoft.com/office/drawing/2014/main" id="{6AE44E19-4933-442C-88F3-D4E439ECC0E8}"/>
+                  </a:ext>
+                </a:extLst>
+              </p:cNvPr>
+              <p:cNvSpPr txBox="1"/>
+              <p:nvPr/>
+            </p:nvSpPr>
+            <p:spPr>
+              <a:xfrm>
+                <a:off x="1059761" y="5930072"/>
+                <a:ext cx="505267" cy="276999"/>
+              </a:xfrm>
+              <a:prstGeom prst="rect">
+                <a:avLst/>
+              </a:prstGeom>
+              <a:noFill/>
+            </p:spPr>
+            <p:txBody>
+              <a:bodyPr wrap="none" rtlCol="0">
+                <a:spAutoFit/>
+              </a:bodyPr>
+              <a:lstStyle/>
+              <a:p>
+                <a:r>
+                  <a:rPr lang="en-US" sz="1200" dirty="0"/>
+                  <a:t>VHD</a:t>
+                </a:r>
+              </a:p>
+            </p:txBody>
+          </p:sp>
+        </p:grpSp>
+        <p:grpSp>
+          <p:nvGrpSpPr>
+            <p:cNvPr id="62" name="Group 61">
+              <a:extLst>
+                <a:ext uri="{FF2B5EF4-FFF2-40B4-BE49-F238E27FC236}">
+                  <a16:creationId xmlns:a16="http://schemas.microsoft.com/office/drawing/2014/main" id="{18042B00-8EDE-4DFB-990E-5429E0C4D8BC}"/>
+                </a:ext>
+              </a:extLst>
+            </p:cNvPr>
+            <p:cNvGrpSpPr/>
+            <p:nvPr/>
+          </p:nvGrpSpPr>
+          <p:grpSpPr>
+            <a:xfrm>
+              <a:off x="385160" y="4157396"/>
+              <a:ext cx="1784622" cy="780290"/>
+              <a:chOff x="385160" y="4157396"/>
+              <a:chExt cx="1784622" cy="780290"/>
+            </a:xfrm>
+          </p:grpSpPr>
+          <p:pic>
+            <p:nvPicPr>
+              <p:cNvPr id="63" name="Picture 62">
+                <a:extLst>
+                  <a:ext uri="{FF2B5EF4-FFF2-40B4-BE49-F238E27FC236}">
+                    <a16:creationId xmlns:a16="http://schemas.microsoft.com/office/drawing/2014/main" id="{D75C36CF-346D-41F3-AFF3-F53E7D24BF2D}"/>
+                  </a:ext>
+                </a:extLst>
+              </p:cNvPr>
+              <p:cNvPicPr>
+                <a:picLocks noChangeAspect="1"/>
+              </p:cNvPicPr>
+              <p:nvPr/>
+            </p:nvPicPr>
+            <p:blipFill>
+              <a:blip r:embed="rId8">
+                <a:extLst>
+                  <a:ext uri="{28A0092B-C50C-407E-A947-70E740481C1C}">
+                    <a14:useLocalDpi xmlns:a14="http://schemas.microsoft.com/office/drawing/2010/main" val="0"/>
+                  </a:ext>
+                </a:extLst>
+              </a:blip>
+              <a:stretch>
+                <a:fillRect/>
+              </a:stretch>
+            </p:blipFill>
+            <p:spPr>
+              <a:xfrm>
+                <a:off x="385160" y="4157396"/>
+                <a:ext cx="780290" cy="780290"/>
+              </a:xfrm>
+              <a:prstGeom prst="rect">
+                <a:avLst/>
+              </a:prstGeom>
+            </p:spPr>
+          </p:pic>
+          <p:sp>
+            <p:nvSpPr>
+              <p:cNvPr id="64" name="TextBox 63">
+                <a:extLst>
+                  <a:ext uri="{FF2B5EF4-FFF2-40B4-BE49-F238E27FC236}">
+                    <a16:creationId xmlns:a16="http://schemas.microsoft.com/office/drawing/2014/main" id="{7F95B059-15CB-4FF2-B851-D6D1D8FC1999}"/>
+                  </a:ext>
+                </a:extLst>
+              </p:cNvPr>
+              <p:cNvSpPr txBox="1"/>
+              <p:nvPr/>
+            </p:nvSpPr>
+            <p:spPr>
+              <a:xfrm>
+                <a:off x="1164955" y="4643442"/>
+                <a:ext cx="1004827" cy="276999"/>
+              </a:xfrm>
+              <a:prstGeom prst="rect">
+                <a:avLst/>
+              </a:prstGeom>
+              <a:noFill/>
+            </p:spPr>
+            <p:txBody>
+              <a:bodyPr wrap="none" rtlCol="0">
+                <a:spAutoFit/>
+              </a:bodyPr>
+              <a:lstStyle/>
+              <a:p>
+                <a:r>
+                  <a:rPr lang="en-US" sz="1200" dirty="0"/>
+                  <a:t>On-premise</a:t>
+                </a:r>
+              </a:p>
+            </p:txBody>
+          </p:sp>
+        </p:grpSp>
+      </p:grpSp>
+      <p:sp>
+        <p:nvSpPr>
+          <p:cNvPr id="17" name="Rectangle 16">
+            <a:extLst>
+              <a:ext uri="{FF2B5EF4-FFF2-40B4-BE49-F238E27FC236}">
+                <a16:creationId xmlns:a16="http://schemas.microsoft.com/office/drawing/2014/main" id="{37C4DD61-B2EC-4BD4-9623-C27A21A789E4}"/>
+              </a:ext>
+            </a:extLst>
+          </p:cNvPr>
+          <p:cNvSpPr/>
+          <p:nvPr/>
+        </p:nvSpPr>
+        <p:spPr>
+          <a:xfrm>
+            <a:off x="2242521" y="1894585"/>
+            <a:ext cx="9414433" cy="4428834"/>
+          </a:xfrm>
+          <a:prstGeom prst="rect">
+            <a:avLst/>
+          </a:prstGeom>
+          <a:noFill/>
+          <a:ln>
+            <a:solidFill>
+              <a:schemeClr val="bg1">
+                <a:lumMod val="65000"/>
+              </a:schemeClr>
+            </a:solidFill>
+          </a:ln>
+        </p:spPr>
+        <p:style>
+          <a:lnRef idx="2">
+            <a:schemeClr val="accent1">
+              <a:shade val="50000"/>
+            </a:schemeClr>
+          </a:lnRef>
+          <a:fillRef idx="1">
+            <a:schemeClr val="accent1"/>
+          </a:fillRef>
+          <a:effectRef idx="0">
+            <a:schemeClr val="accent1"/>
+          </a:effectRef>
+          <a:fontRef idx="minor">
+            <a:schemeClr val="lt1"/>
+          </a:fontRef>
+        </p:style>
+        <p:txBody>
+          <a:bodyPr rtlCol="0" anchor="ctr"/>
+          <a:lstStyle/>
+          <a:p>
+            <a:pPr algn="ctr"/>
+            <a:endParaRPr lang="en-US"/>
+          </a:p>
+        </p:txBody>
+      </p:sp>
+      <p:sp>
+        <p:nvSpPr>
+          <p:cNvPr id="18" name="TextBox 17">
+            <a:extLst>
+              <a:ext uri="{FF2B5EF4-FFF2-40B4-BE49-F238E27FC236}">
+                <a16:creationId xmlns:a16="http://schemas.microsoft.com/office/drawing/2014/main" id="{991E2578-53C7-4CE1-AC02-A44A588B3199}"/>
+              </a:ext>
+            </a:extLst>
+          </p:cNvPr>
+          <p:cNvSpPr txBox="1"/>
+          <p:nvPr/>
+        </p:nvSpPr>
+        <p:spPr>
+          <a:xfrm>
+            <a:off x="2658920" y="1578939"/>
+            <a:ext cx="1292790" cy="276999"/>
+          </a:xfrm>
+          <a:prstGeom prst="rect">
+            <a:avLst/>
+          </a:prstGeom>
+          <a:noFill/>
+        </p:spPr>
+        <p:txBody>
+          <a:bodyPr wrap="none" rtlCol="0">
+            <a:spAutoFit/>
+          </a:bodyPr>
+          <a:lstStyle/>
+          <a:p>
+            <a:r>
+              <a:rPr lang="en-US" sz="1200" dirty="0"/>
+              <a:t>Microsoft Azure</a:t>
+            </a:r>
+          </a:p>
+        </p:txBody>
+      </p:sp>
+      <p:sp>
+        <p:nvSpPr>
+          <p:cNvPr id="19" name="Rectangle 18">
+            <a:extLst>
+              <a:ext uri="{FF2B5EF4-FFF2-40B4-BE49-F238E27FC236}">
+                <a16:creationId xmlns:a16="http://schemas.microsoft.com/office/drawing/2014/main" id="{5A2D4C78-BD92-44CF-BEBC-5D1C5463F1DE}"/>
+              </a:ext>
+            </a:extLst>
+          </p:cNvPr>
+          <p:cNvSpPr/>
+          <p:nvPr/>
+        </p:nvSpPr>
+        <p:spPr>
+          <a:xfrm>
+            <a:off x="3647358" y="2776979"/>
+            <a:ext cx="7809749" cy="3430092"/>
+          </a:xfrm>
+          <a:prstGeom prst="rect">
+            <a:avLst/>
+          </a:prstGeom>
+          <a:noFill/>
+          <a:ln>
+            <a:solidFill>
+              <a:schemeClr val="bg1">
+                <a:lumMod val="65000"/>
+              </a:schemeClr>
+            </a:solidFill>
+          </a:ln>
+        </p:spPr>
+        <p:style>
+          <a:lnRef idx="2">
+            <a:schemeClr val="accent1">
+              <a:shade val="50000"/>
+            </a:schemeClr>
+          </a:lnRef>
+          <a:fillRef idx="1">
+            <a:schemeClr val="accent1"/>
+          </a:fillRef>
+          <a:effectRef idx="0">
+            <a:schemeClr val="accent1"/>
+          </a:effectRef>
+          <a:fontRef idx="minor">
+            <a:schemeClr val="lt1"/>
+          </a:fontRef>
+        </p:style>
+        <p:txBody>
+          <a:bodyPr rtlCol="0" anchor="ctr"/>
+          <a:lstStyle/>
+          <a:p>
+            <a:pPr algn="ctr"/>
+            <a:endParaRPr lang="en-US"/>
+          </a:p>
+        </p:txBody>
+      </p:sp>
+      <p:grpSp>
+        <p:nvGrpSpPr>
+          <p:cNvPr id="20" name="Group 19">
+            <a:extLst>
+              <a:ext uri="{FF2B5EF4-FFF2-40B4-BE49-F238E27FC236}">
+                <a16:creationId xmlns:a16="http://schemas.microsoft.com/office/drawing/2014/main" id="{09016537-B412-45B8-A1C4-F98E2AD023AE}"/>
+              </a:ext>
+            </a:extLst>
+          </p:cNvPr>
+          <p:cNvGrpSpPr/>
+          <p:nvPr/>
+        </p:nvGrpSpPr>
+        <p:grpSpPr>
+          <a:xfrm>
+            <a:off x="8640485" y="4430952"/>
+            <a:ext cx="2171540" cy="1032361"/>
+            <a:chOff x="8189467" y="4461123"/>
+            <a:chExt cx="2171540" cy="1032361"/>
+          </a:xfrm>
+        </p:grpSpPr>
+        <p:pic>
+          <p:nvPicPr>
+            <p:cNvPr id="58" name="Picture 57">
+              <a:extLst>
+                <a:ext uri="{FF2B5EF4-FFF2-40B4-BE49-F238E27FC236}">
+                  <a16:creationId xmlns:a16="http://schemas.microsoft.com/office/drawing/2014/main" id="{895DFD26-E04E-48CF-B027-0B28E40BADB3}"/>
+                </a:ext>
+              </a:extLst>
+            </p:cNvPr>
+            <p:cNvPicPr>
+              <a:picLocks noChangeAspect="1"/>
+            </p:cNvPicPr>
+            <p:nvPr/>
+          </p:nvPicPr>
+          <p:blipFill>
+            <a:blip r:embed="rId9">
+              <a:extLst>
+                <a:ext uri="{28A0092B-C50C-407E-A947-70E740481C1C}">
+                  <a14:useLocalDpi xmlns:a14="http://schemas.microsoft.com/office/drawing/2010/main" val="0"/>
+                </a:ext>
+              </a:extLst>
+            </a:blip>
+            <a:stretch>
+              <a:fillRect/>
+            </a:stretch>
+          </p:blipFill>
+          <p:spPr>
+            <a:xfrm>
+              <a:off x="8320332" y="4597957"/>
+              <a:ext cx="780290" cy="780290"/>
+            </a:xfrm>
+            <a:prstGeom prst="rect">
+              <a:avLst/>
+            </a:prstGeom>
+          </p:spPr>
+        </p:pic>
+        <p:pic>
+          <p:nvPicPr>
+            <p:cNvPr id="59" name="Picture 58">
+              <a:extLst>
+                <a:ext uri="{FF2B5EF4-FFF2-40B4-BE49-F238E27FC236}">
+                  <a16:creationId xmlns:a16="http://schemas.microsoft.com/office/drawing/2014/main" id="{EA81E014-01CB-41BA-9DE0-D1426CF8B68F}"/>
+                </a:ext>
+              </a:extLst>
+            </p:cNvPr>
+            <p:cNvPicPr>
+              <a:picLocks noChangeAspect="1"/>
+            </p:cNvPicPr>
+            <p:nvPr/>
+          </p:nvPicPr>
+          <p:blipFill>
+            <a:blip r:embed="rId9">
+              <a:extLst>
+                <a:ext uri="{28A0092B-C50C-407E-A947-70E740481C1C}">
+                  <a14:useLocalDpi xmlns:a14="http://schemas.microsoft.com/office/drawing/2010/main" val="0"/>
+                </a:ext>
+              </a:extLst>
+            </a:blip>
+            <a:stretch>
+              <a:fillRect/>
+            </a:stretch>
+          </p:blipFill>
+          <p:spPr>
+            <a:xfrm>
+              <a:off x="9359720" y="4597957"/>
+              <a:ext cx="780290" cy="780290"/>
+            </a:xfrm>
+            <a:prstGeom prst="rect">
+              <a:avLst/>
+            </a:prstGeom>
+          </p:spPr>
+        </p:pic>
+        <p:sp>
+          <p:nvSpPr>
+            <p:cNvPr id="60" name="Rectangle: Rounded Corners 59">
+              <a:extLst>
+                <a:ext uri="{FF2B5EF4-FFF2-40B4-BE49-F238E27FC236}">
+                  <a16:creationId xmlns:a16="http://schemas.microsoft.com/office/drawing/2014/main" id="{1055E6D5-F563-432A-A1B2-D185A98754E6}"/>
+                </a:ext>
+              </a:extLst>
+            </p:cNvPr>
+            <p:cNvSpPr/>
+            <p:nvPr/>
+          </p:nvSpPr>
+          <p:spPr>
+            <a:xfrm>
+              <a:off x="8189467" y="4461123"/>
+              <a:ext cx="2171540" cy="1032361"/>
+            </a:xfrm>
+            <a:prstGeom prst="roundRect">
+              <a:avLst/>
+            </a:prstGeom>
+            <a:noFill/>
+            <a:ln w="76200">
+              <a:solidFill>
+                <a:schemeClr val="accent1"/>
+              </a:solidFill>
+              <a:prstDash val="sysDash"/>
+            </a:ln>
+          </p:spPr>
+          <p:style>
+            <a:lnRef idx="2">
+              <a:schemeClr val="accent1">
+                <a:shade val="50000"/>
+              </a:schemeClr>
+            </a:lnRef>
+            <a:fillRef idx="1">
+              <a:schemeClr val="accent1"/>
+            </a:fillRef>
+            <a:effectRef idx="0">
+              <a:schemeClr val="accent1"/>
+            </a:effectRef>
+            <a:fontRef idx="minor">
+              <a:schemeClr val="lt1"/>
+            </a:fontRef>
+          </p:style>
+          <p:txBody>
+            <a:bodyPr rtlCol="0" anchor="ctr"/>
+            <a:lstStyle/>
+            <a:p>
+              <a:pPr algn="ctr"/>
+              <a:endParaRPr lang="en-US"/>
+            </a:p>
+          </p:txBody>
+        </p:sp>
+      </p:grpSp>
+      <p:sp>
+        <p:nvSpPr>
+          <p:cNvPr id="21" name="TextBox 20">
+            <a:extLst>
+              <a:ext uri="{FF2B5EF4-FFF2-40B4-BE49-F238E27FC236}">
+                <a16:creationId xmlns:a16="http://schemas.microsoft.com/office/drawing/2014/main" id="{29F1E9DE-4F72-47C1-B5F8-4F4B405C5A2A}"/>
+              </a:ext>
+            </a:extLst>
+          </p:cNvPr>
+          <p:cNvSpPr txBox="1"/>
+          <p:nvPr/>
+        </p:nvSpPr>
+        <p:spPr>
+          <a:xfrm>
+            <a:off x="4389917" y="2427959"/>
+            <a:ext cx="1302536" cy="276999"/>
+          </a:xfrm>
+          <a:prstGeom prst="rect">
+            <a:avLst/>
+          </a:prstGeom>
+          <a:noFill/>
+        </p:spPr>
+        <p:txBody>
+          <a:bodyPr wrap="none" rtlCol="0">
+            <a:spAutoFit/>
+          </a:bodyPr>
+          <a:lstStyle/>
+          <a:p>
+            <a:r>
+              <a:rPr lang="en-US" sz="1200" dirty="0"/>
+              <a:t>Resource Group</a:t>
+            </a:r>
+          </a:p>
+        </p:txBody>
+      </p:sp>
+      <p:grpSp>
+        <p:nvGrpSpPr>
+          <p:cNvPr id="22" name="Group 21">
+            <a:extLst>
+              <a:ext uri="{FF2B5EF4-FFF2-40B4-BE49-F238E27FC236}">
+                <a16:creationId xmlns:a16="http://schemas.microsoft.com/office/drawing/2014/main" id="{B43ADDD1-51C0-4AD7-B1F5-C07495296A45}"/>
+              </a:ext>
+            </a:extLst>
+          </p:cNvPr>
+          <p:cNvGrpSpPr/>
+          <p:nvPr/>
+        </p:nvGrpSpPr>
+        <p:grpSpPr>
+          <a:xfrm>
+            <a:off x="2390078" y="2719437"/>
+            <a:ext cx="1035733" cy="1087503"/>
+            <a:chOff x="2390078" y="2961947"/>
+            <a:chExt cx="1035733" cy="1087503"/>
+          </a:xfrm>
+        </p:grpSpPr>
+        <p:pic>
+          <p:nvPicPr>
+            <p:cNvPr id="56" name="Picture 55">
+              <a:extLst>
+                <a:ext uri="{FF2B5EF4-FFF2-40B4-BE49-F238E27FC236}">
+                  <a16:creationId xmlns:a16="http://schemas.microsoft.com/office/drawing/2014/main" id="{2FCD1AB7-1498-4A6E-A114-B92CBB64DC55}"/>
+                </a:ext>
+              </a:extLst>
+            </p:cNvPr>
+            <p:cNvPicPr>
+              <a:picLocks noChangeAspect="1"/>
+            </p:cNvPicPr>
+            <p:nvPr/>
+          </p:nvPicPr>
+          <p:blipFill>
+            <a:blip r:embed="rId10">
+              <a:extLst>
+                <a:ext uri="{28A0092B-C50C-407E-A947-70E740481C1C}">
+                  <a14:useLocalDpi xmlns:a14="http://schemas.microsoft.com/office/drawing/2010/main" val="0"/>
+                </a:ext>
+              </a:extLst>
+            </a:blip>
+            <a:stretch>
+              <a:fillRect/>
+            </a:stretch>
+          </p:blipFill>
+          <p:spPr>
+            <a:xfrm>
+              <a:off x="2517799" y="2961947"/>
+              <a:ext cx="780290" cy="780290"/>
+            </a:xfrm>
+            <a:prstGeom prst="rect">
+              <a:avLst/>
+            </a:prstGeom>
+          </p:spPr>
+        </p:pic>
+        <p:sp>
+          <p:nvSpPr>
+            <p:cNvPr id="57" name="TextBox 56">
+              <a:extLst>
+                <a:ext uri="{FF2B5EF4-FFF2-40B4-BE49-F238E27FC236}">
+                  <a16:creationId xmlns:a16="http://schemas.microsoft.com/office/drawing/2014/main" id="{07B68CAA-FC51-4175-9C93-742F3E56B0EF}"/>
+                </a:ext>
+              </a:extLst>
+            </p:cNvPr>
+            <p:cNvSpPr txBox="1"/>
+            <p:nvPr/>
+          </p:nvSpPr>
+          <p:spPr>
+            <a:xfrm>
+              <a:off x="2390078" y="3772451"/>
+              <a:ext cx="1035733" cy="276999"/>
+            </a:xfrm>
+            <a:prstGeom prst="rect">
+              <a:avLst/>
+            </a:prstGeom>
+            <a:noFill/>
+          </p:spPr>
+          <p:txBody>
+            <a:bodyPr wrap="none" rtlCol="0">
+              <a:spAutoFit/>
+            </a:bodyPr>
+            <a:lstStyle/>
+            <a:p>
+              <a:r>
+                <a:rPr lang="en-US" sz="1200" dirty="0"/>
+                <a:t>Marketplace</a:t>
+              </a:r>
+            </a:p>
+          </p:txBody>
+        </p:sp>
+      </p:grpSp>
+      <p:cxnSp>
+        <p:nvCxnSpPr>
+          <p:cNvPr id="25" name="Straight Connector 24">
+            <a:extLst>
+              <a:ext uri="{FF2B5EF4-FFF2-40B4-BE49-F238E27FC236}">
+                <a16:creationId xmlns:a16="http://schemas.microsoft.com/office/drawing/2014/main" id="{9ABBF8AA-C883-4699-855F-2FD0005226F4}"/>
+              </a:ext>
+            </a:extLst>
+          </p:cNvPr>
+          <p:cNvCxnSpPr>
+            <a:cxnSpLocks/>
+            <a:stCxn id="14" idx="3"/>
+          </p:cNvCxnSpPr>
+          <p:nvPr/>
+        </p:nvCxnSpPr>
+        <p:spPr>
+          <a:xfrm>
+            <a:off x="5728216" y="5596245"/>
+            <a:ext cx="1346653" cy="0"/>
+          </a:xfrm>
+          <a:prstGeom prst="line">
+            <a:avLst/>
+          </a:prstGeom>
+          <a:ln w="38100">
+            <a:solidFill>
+              <a:schemeClr val="accent1"/>
+            </a:solidFill>
+          </a:ln>
+        </p:spPr>
+        <p:style>
+          <a:lnRef idx="1">
+            <a:schemeClr val="accent1"/>
+          </a:lnRef>
+          <a:fillRef idx="0">
+            <a:schemeClr val="accent1"/>
+          </a:fillRef>
+          <a:effectRef idx="0">
+            <a:schemeClr val="accent1"/>
+          </a:effectRef>
+          <a:fontRef idx="minor">
+            <a:schemeClr val="tx1"/>
+          </a:fontRef>
+        </p:style>
+      </p:cxnSp>
+      <p:cxnSp>
+        <p:nvCxnSpPr>
+          <p:cNvPr id="26" name="Straight Connector 25">
+            <a:extLst>
+              <a:ext uri="{FF2B5EF4-FFF2-40B4-BE49-F238E27FC236}">
+                <a16:creationId xmlns:a16="http://schemas.microsoft.com/office/drawing/2014/main" id="{BE2165C7-3D42-4EF5-B806-558930167DF8}"/>
+              </a:ext>
+            </a:extLst>
+          </p:cNvPr>
+          <p:cNvCxnSpPr>
+            <a:cxnSpLocks/>
+            <a:stCxn id="15" idx="3"/>
+          </p:cNvCxnSpPr>
+          <p:nvPr/>
+        </p:nvCxnSpPr>
+        <p:spPr>
+          <a:xfrm>
+            <a:off x="8276042" y="5596245"/>
+            <a:ext cx="2778770" cy="0"/>
+          </a:xfrm>
+          <a:prstGeom prst="line">
+            <a:avLst/>
+          </a:prstGeom>
+          <a:ln w="38100">
+            <a:solidFill>
+              <a:schemeClr val="accent1"/>
+            </a:solidFill>
+          </a:ln>
+        </p:spPr>
+        <p:style>
+          <a:lnRef idx="1">
+            <a:schemeClr val="accent1"/>
+          </a:lnRef>
+          <a:fillRef idx="0">
+            <a:schemeClr val="accent1"/>
+          </a:fillRef>
+          <a:effectRef idx="0">
+            <a:schemeClr val="accent1"/>
+          </a:effectRef>
+          <a:fontRef idx="minor">
+            <a:schemeClr val="tx1"/>
+          </a:fontRef>
+        </p:style>
+      </p:cxnSp>
+      <p:cxnSp>
+        <p:nvCxnSpPr>
+          <p:cNvPr id="27" name="Straight Connector 26">
+            <a:extLst>
+              <a:ext uri="{FF2B5EF4-FFF2-40B4-BE49-F238E27FC236}">
+                <a16:creationId xmlns:a16="http://schemas.microsoft.com/office/drawing/2014/main" id="{31B01F49-C908-4A0D-A3ED-8FDA5FB1AABA}"/>
+              </a:ext>
+            </a:extLst>
+          </p:cNvPr>
+          <p:cNvCxnSpPr>
+            <a:cxnSpLocks/>
+          </p:cNvCxnSpPr>
+          <p:nvPr/>
+        </p:nvCxnSpPr>
+        <p:spPr>
+          <a:xfrm>
+            <a:off x="9161495" y="5286032"/>
+            <a:ext cx="0" cy="320040"/>
+          </a:xfrm>
+          <a:prstGeom prst="line">
+            <a:avLst/>
+          </a:prstGeom>
+          <a:ln w="38100">
+            <a:solidFill>
+              <a:schemeClr val="accent1"/>
+            </a:solidFill>
+          </a:ln>
+        </p:spPr>
+        <p:style>
+          <a:lnRef idx="1">
+            <a:schemeClr val="accent1"/>
+          </a:lnRef>
+          <a:fillRef idx="0">
+            <a:schemeClr val="accent1"/>
+          </a:fillRef>
+          <a:effectRef idx="0">
+            <a:schemeClr val="accent1"/>
+          </a:effectRef>
+          <a:fontRef idx="minor">
+            <a:schemeClr val="tx1"/>
+          </a:fontRef>
+        </p:style>
+      </p:cxnSp>
+      <p:cxnSp>
+        <p:nvCxnSpPr>
+          <p:cNvPr id="28" name="Straight Connector 27">
+            <a:extLst>
+              <a:ext uri="{FF2B5EF4-FFF2-40B4-BE49-F238E27FC236}">
+                <a16:creationId xmlns:a16="http://schemas.microsoft.com/office/drawing/2014/main" id="{981A57B7-0025-42C5-B85A-00580CB631D8}"/>
+              </a:ext>
+            </a:extLst>
+          </p:cNvPr>
+          <p:cNvCxnSpPr>
+            <a:cxnSpLocks/>
+          </p:cNvCxnSpPr>
+          <p:nvPr/>
+        </p:nvCxnSpPr>
+        <p:spPr>
+          <a:xfrm>
+            <a:off x="10200883" y="5286032"/>
+            <a:ext cx="0" cy="320040"/>
+          </a:xfrm>
+          <a:prstGeom prst="line">
+            <a:avLst/>
+          </a:prstGeom>
+          <a:ln w="38100">
+            <a:solidFill>
+              <a:schemeClr val="accent1"/>
+            </a:solidFill>
+          </a:ln>
+        </p:spPr>
+        <p:style>
+          <a:lnRef idx="1">
+            <a:schemeClr val="accent1"/>
+          </a:lnRef>
+          <a:fillRef idx="0">
+            <a:schemeClr val="accent1"/>
+          </a:fillRef>
+          <a:effectRef idx="0">
+            <a:schemeClr val="accent1"/>
+          </a:effectRef>
+          <a:fontRef idx="minor">
+            <a:schemeClr val="tx1"/>
+          </a:fontRef>
+        </p:style>
+      </p:cxnSp>
+      <p:sp>
+        <p:nvSpPr>
+          <p:cNvPr id="31" name="TextBox 30">
+            <a:extLst>
+              <a:ext uri="{FF2B5EF4-FFF2-40B4-BE49-F238E27FC236}">
+                <a16:creationId xmlns:a16="http://schemas.microsoft.com/office/drawing/2014/main" id="{3B44748E-8F49-43F8-9C37-AB3DEA95A6B4}"/>
+              </a:ext>
+            </a:extLst>
+          </p:cNvPr>
+          <p:cNvSpPr txBox="1"/>
+          <p:nvPr/>
+        </p:nvSpPr>
+        <p:spPr>
+          <a:xfrm>
+            <a:off x="4919695" y="5821925"/>
+            <a:ext cx="830933" cy="276999"/>
+          </a:xfrm>
+          <a:prstGeom prst="rect">
+            <a:avLst/>
+          </a:prstGeom>
+          <a:noFill/>
+        </p:spPr>
+        <p:txBody>
+          <a:bodyPr wrap="none" rtlCol="0">
+            <a:spAutoFit/>
+          </a:bodyPr>
+          <a:lstStyle/>
+          <a:p>
+            <a:r>
+              <a:rPr lang="en-US" sz="1200" dirty="0"/>
+              <a:t>Dev-</a:t>
+            </a:r>
+            <a:r>
+              <a:rPr lang="en-US" sz="1200" dirty="0" err="1"/>
+              <a:t>Vnet</a:t>
+            </a:r>
+            <a:endParaRPr lang="en-US" sz="1200" dirty="0"/>
+          </a:p>
+        </p:txBody>
+      </p:sp>
+      <p:sp>
+        <p:nvSpPr>
+          <p:cNvPr id="32" name="TextBox 31">
+            <a:extLst>
+              <a:ext uri="{FF2B5EF4-FFF2-40B4-BE49-F238E27FC236}">
+                <a16:creationId xmlns:a16="http://schemas.microsoft.com/office/drawing/2014/main" id="{B984C81D-073B-44D8-9063-79DE0EA8029F}"/>
+              </a:ext>
+            </a:extLst>
+          </p:cNvPr>
+          <p:cNvSpPr txBox="1"/>
+          <p:nvPr/>
+        </p:nvSpPr>
+        <p:spPr>
+          <a:xfrm>
+            <a:off x="7462832" y="5821925"/>
+            <a:ext cx="796693" cy="276999"/>
+          </a:xfrm>
+          <a:prstGeom prst="rect">
+            <a:avLst/>
+          </a:prstGeom>
+          <a:noFill/>
+        </p:spPr>
+        <p:txBody>
+          <a:bodyPr wrap="none" rtlCol="0">
+            <a:spAutoFit/>
+          </a:bodyPr>
+          <a:lstStyle/>
+          <a:p>
+            <a:r>
+              <a:rPr lang="en-US" sz="1200" dirty="0" err="1"/>
+              <a:t>Prd-Vnet</a:t>
+            </a:r>
+            <a:endParaRPr lang="en-US" sz="1200" dirty="0"/>
+          </a:p>
+        </p:txBody>
+      </p:sp>
+      <p:sp>
+        <p:nvSpPr>
+          <p:cNvPr id="33" name="TextBox 32">
+            <a:extLst>
+              <a:ext uri="{FF2B5EF4-FFF2-40B4-BE49-F238E27FC236}">
+                <a16:creationId xmlns:a16="http://schemas.microsoft.com/office/drawing/2014/main" id="{5F95ED90-4AA1-47A8-BE72-3EAAF8AC77C5}"/>
+              </a:ext>
+            </a:extLst>
+          </p:cNvPr>
+          <p:cNvSpPr txBox="1"/>
+          <p:nvPr/>
+        </p:nvSpPr>
+        <p:spPr>
+          <a:xfrm>
+            <a:off x="8807389" y="5063939"/>
+            <a:ext cx="727315" cy="276999"/>
+          </a:xfrm>
+          <a:prstGeom prst="rect">
+            <a:avLst/>
+          </a:prstGeom>
+          <a:noFill/>
+        </p:spPr>
+        <p:txBody>
+          <a:bodyPr wrap="none" rtlCol="0">
+            <a:spAutoFit/>
+          </a:bodyPr>
+          <a:lstStyle/>
+          <a:p>
+            <a:r>
+              <a:rPr lang="en-US" sz="1200" dirty="0"/>
+              <a:t>Web 01</a:t>
+            </a:r>
+          </a:p>
+        </p:txBody>
+      </p:sp>
+      <p:sp>
+        <p:nvSpPr>
+          <p:cNvPr id="34" name="TextBox 33">
+            <a:extLst>
+              <a:ext uri="{FF2B5EF4-FFF2-40B4-BE49-F238E27FC236}">
+                <a16:creationId xmlns:a16="http://schemas.microsoft.com/office/drawing/2014/main" id="{50D66FE8-86E1-4C50-9E4F-FC7F31EC56C9}"/>
+              </a:ext>
+            </a:extLst>
+          </p:cNvPr>
+          <p:cNvSpPr txBox="1"/>
+          <p:nvPr/>
+        </p:nvSpPr>
+        <p:spPr>
+          <a:xfrm>
+            <a:off x="9791032" y="5063939"/>
+            <a:ext cx="727315" cy="276999"/>
+          </a:xfrm>
+          <a:prstGeom prst="rect">
+            <a:avLst/>
+          </a:prstGeom>
+          <a:noFill/>
+        </p:spPr>
+        <p:txBody>
+          <a:bodyPr wrap="none" rtlCol="0">
+            <a:spAutoFit/>
+          </a:bodyPr>
+          <a:lstStyle/>
+          <a:p>
+            <a:r>
+              <a:rPr lang="en-US" sz="1200" dirty="0"/>
+              <a:t>Web 02</a:t>
+            </a:r>
+          </a:p>
+        </p:txBody>
+      </p:sp>
+      <p:sp>
+        <p:nvSpPr>
+          <p:cNvPr id="35" name="TextBox 34">
+            <a:extLst>
+              <a:ext uri="{FF2B5EF4-FFF2-40B4-BE49-F238E27FC236}">
+                <a16:creationId xmlns:a16="http://schemas.microsoft.com/office/drawing/2014/main" id="{6063CEFB-1A8A-43CF-8F77-31BE69DF6A8D}"/>
+              </a:ext>
+            </a:extLst>
+          </p:cNvPr>
+          <p:cNvSpPr txBox="1"/>
+          <p:nvPr/>
+        </p:nvSpPr>
+        <p:spPr>
+          <a:xfrm>
+            <a:off x="5695392" y="3323499"/>
+            <a:ext cx="764953" cy="276999"/>
+          </a:xfrm>
+          <a:prstGeom prst="rect">
+            <a:avLst/>
+          </a:prstGeom>
+          <a:noFill/>
+        </p:spPr>
+        <p:txBody>
+          <a:bodyPr wrap="none" rtlCol="0">
+            <a:spAutoFit/>
+          </a:bodyPr>
+          <a:lstStyle/>
+          <a:p>
+            <a:r>
+              <a:rPr lang="en-US" sz="1200" dirty="0"/>
+              <a:t>Dev-</a:t>
+            </a:r>
+            <a:r>
+              <a:rPr lang="en-US" sz="1200" dirty="0" err="1"/>
+              <a:t>nsg</a:t>
+            </a:r>
+            <a:endParaRPr lang="en-US" sz="1200" dirty="0"/>
+          </a:p>
+        </p:txBody>
+      </p:sp>
+      <p:sp>
+        <p:nvSpPr>
+          <p:cNvPr id="36" name="TextBox 35">
+            <a:extLst>
+              <a:ext uri="{FF2B5EF4-FFF2-40B4-BE49-F238E27FC236}">
+                <a16:creationId xmlns:a16="http://schemas.microsoft.com/office/drawing/2014/main" id="{4F4BB57D-57C6-4D57-A4D4-7E1597BE950F}"/>
+              </a:ext>
+            </a:extLst>
+          </p:cNvPr>
+          <p:cNvSpPr txBox="1"/>
+          <p:nvPr/>
+        </p:nvSpPr>
+        <p:spPr>
+          <a:xfrm>
+            <a:off x="5865393" y="5677845"/>
+            <a:ext cx="1124860" cy="276999"/>
+          </a:xfrm>
+          <a:prstGeom prst="rect">
+            <a:avLst/>
+          </a:prstGeom>
+          <a:noFill/>
+        </p:spPr>
+        <p:txBody>
+          <a:bodyPr wrap="none" rtlCol="0">
+            <a:spAutoFit/>
+          </a:bodyPr>
+          <a:lstStyle/>
+          <a:p>
+            <a:r>
+              <a:rPr lang="en-US" sz="1200" dirty="0"/>
+              <a:t>Web (subnet)</a:t>
+            </a:r>
+          </a:p>
+        </p:txBody>
+      </p:sp>
+      <p:grpSp>
+        <p:nvGrpSpPr>
+          <p:cNvPr id="37" name="Group 36">
+            <a:extLst>
+              <a:ext uri="{FF2B5EF4-FFF2-40B4-BE49-F238E27FC236}">
+                <a16:creationId xmlns:a16="http://schemas.microsoft.com/office/drawing/2014/main" id="{E1C161A6-04EF-4960-B871-2CB2D85FAE89}"/>
+              </a:ext>
+            </a:extLst>
+          </p:cNvPr>
+          <p:cNvGrpSpPr/>
+          <p:nvPr/>
+        </p:nvGrpSpPr>
+        <p:grpSpPr>
+          <a:xfrm>
+            <a:off x="3702687" y="3095103"/>
+            <a:ext cx="1158009" cy="2513639"/>
+            <a:chOff x="3728999" y="3095103"/>
+            <a:chExt cx="1158009" cy="2513639"/>
+          </a:xfrm>
+        </p:grpSpPr>
+        <p:pic>
+          <p:nvPicPr>
+            <p:cNvPr id="48" name="Picture 47">
+              <a:extLst>
+                <a:ext uri="{FF2B5EF4-FFF2-40B4-BE49-F238E27FC236}">
+                  <a16:creationId xmlns:a16="http://schemas.microsoft.com/office/drawing/2014/main" id="{256BB3DC-BB1D-44F8-AEE1-BA2062B91A50}"/>
+                </a:ext>
+              </a:extLst>
+            </p:cNvPr>
+            <p:cNvPicPr>
+              <a:picLocks noChangeAspect="1"/>
+            </p:cNvPicPr>
+            <p:nvPr/>
+          </p:nvPicPr>
+          <p:blipFill>
+            <a:blip r:embed="rId7">
+              <a:extLst>
+                <a:ext uri="{28A0092B-C50C-407E-A947-70E740481C1C}">
+                  <a14:useLocalDpi xmlns:a14="http://schemas.microsoft.com/office/drawing/2010/main" val="0"/>
+                </a:ext>
+              </a:extLst>
+            </a:blip>
+            <a:stretch>
+              <a:fillRect/>
+            </a:stretch>
+          </p:blipFill>
+          <p:spPr>
+            <a:xfrm>
+              <a:off x="3917858" y="3095103"/>
+              <a:ext cx="780290" cy="780290"/>
+            </a:xfrm>
+            <a:prstGeom prst="rect">
+              <a:avLst/>
+            </a:prstGeom>
+          </p:spPr>
+        </p:pic>
+        <p:pic>
+          <p:nvPicPr>
+            <p:cNvPr id="49" name="Picture 48">
+              <a:extLst>
+                <a:ext uri="{FF2B5EF4-FFF2-40B4-BE49-F238E27FC236}">
+                  <a16:creationId xmlns:a16="http://schemas.microsoft.com/office/drawing/2014/main" id="{9133ECD4-3E09-496A-A7EA-3AE217F0C778}"/>
+                </a:ext>
+              </a:extLst>
+            </p:cNvPr>
+            <p:cNvPicPr>
+              <a:picLocks noChangeAspect="1"/>
+            </p:cNvPicPr>
+            <p:nvPr/>
+          </p:nvPicPr>
+          <p:blipFill>
+            <a:blip r:embed="rId7">
+              <a:extLst>
+                <a:ext uri="{28A0092B-C50C-407E-A947-70E740481C1C}">
+                  <a14:useLocalDpi xmlns:a14="http://schemas.microsoft.com/office/drawing/2010/main" val="0"/>
+                </a:ext>
+              </a:extLst>
+            </a:blip>
+            <a:stretch>
+              <a:fillRect/>
+            </a:stretch>
+          </p:blipFill>
+          <p:spPr>
+            <a:xfrm>
+              <a:off x="3917858" y="4547541"/>
+              <a:ext cx="780290" cy="780290"/>
+            </a:xfrm>
+            <a:prstGeom prst="rect">
+              <a:avLst/>
+            </a:prstGeom>
+          </p:spPr>
+        </p:pic>
+        <p:sp>
+          <p:nvSpPr>
+            <p:cNvPr id="50" name="TextBox 49">
+              <a:extLst>
+                <a:ext uri="{FF2B5EF4-FFF2-40B4-BE49-F238E27FC236}">
+                  <a16:creationId xmlns:a16="http://schemas.microsoft.com/office/drawing/2014/main" id="{DE0565F8-D4BE-421D-9B72-66E85760C36E}"/>
+                </a:ext>
+              </a:extLst>
+            </p:cNvPr>
+            <p:cNvSpPr txBox="1"/>
+            <p:nvPr/>
+          </p:nvSpPr>
+          <p:spPr>
+            <a:xfrm>
+              <a:off x="3728999" y="3898431"/>
+              <a:ext cx="1158009" cy="276999"/>
+            </a:xfrm>
+            <a:prstGeom prst="rect">
+              <a:avLst/>
+            </a:prstGeom>
+            <a:noFill/>
+          </p:spPr>
+          <p:txBody>
+            <a:bodyPr wrap="none" rtlCol="0">
+              <a:spAutoFit/>
+            </a:bodyPr>
+            <a:lstStyle/>
+            <a:p>
+              <a:r>
+                <a:rPr lang="en-US" sz="1200" dirty="0"/>
+                <a:t>Custom img.1</a:t>
+              </a:r>
+            </a:p>
+          </p:txBody>
+        </p:sp>
+        <p:sp>
+          <p:nvSpPr>
+            <p:cNvPr id="51" name="TextBox 50">
+              <a:extLst>
+                <a:ext uri="{FF2B5EF4-FFF2-40B4-BE49-F238E27FC236}">
+                  <a16:creationId xmlns:a16="http://schemas.microsoft.com/office/drawing/2014/main" id="{B8B17067-B6A9-4157-985E-6A4ECCB876CE}"/>
+                </a:ext>
+              </a:extLst>
+            </p:cNvPr>
+            <p:cNvSpPr txBox="1"/>
+            <p:nvPr/>
+          </p:nvSpPr>
+          <p:spPr>
+            <a:xfrm>
+              <a:off x="3728999" y="5331743"/>
+              <a:ext cx="1158009" cy="276999"/>
+            </a:xfrm>
+            <a:prstGeom prst="rect">
+              <a:avLst/>
+            </a:prstGeom>
+            <a:noFill/>
+          </p:spPr>
+          <p:txBody>
+            <a:bodyPr wrap="none" rtlCol="0">
+              <a:spAutoFit/>
+            </a:bodyPr>
+            <a:lstStyle/>
+            <a:p>
+              <a:r>
+                <a:rPr lang="en-US" sz="1200" dirty="0"/>
+                <a:t>Custom img.2</a:t>
+              </a:r>
+            </a:p>
+          </p:txBody>
+        </p:sp>
+      </p:grpSp>
+      <p:pic>
+        <p:nvPicPr>
+          <p:cNvPr id="40" name="Picture 39">
+            <a:extLst>
+              <a:ext uri="{FF2B5EF4-FFF2-40B4-BE49-F238E27FC236}">
+                <a16:creationId xmlns:a16="http://schemas.microsoft.com/office/drawing/2014/main" id="{ED048184-055B-458F-A6A1-09ED2A18F135}"/>
+              </a:ext>
+            </a:extLst>
+          </p:cNvPr>
+          <p:cNvPicPr>
+            <a:picLocks noChangeAspect="1"/>
+          </p:cNvPicPr>
+          <p:nvPr/>
+        </p:nvPicPr>
+        <p:blipFill>
+          <a:blip r:embed="rId5">
+            <a:extLst>
+              <a:ext uri="{28A0092B-C50C-407E-A947-70E740481C1C}">
+                <a14:useLocalDpi xmlns:a14="http://schemas.microsoft.com/office/drawing/2010/main" val="0"/>
+              </a:ext>
+            </a:extLst>
+          </a:blip>
+          <a:stretch>
+            <a:fillRect/>
+          </a:stretch>
+        </p:blipFill>
+        <p:spPr>
+          <a:xfrm>
+            <a:off x="7898881" y="3486994"/>
+            <a:ext cx="780290" cy="780290"/>
+          </a:xfrm>
+          <a:prstGeom prst="rect">
+            <a:avLst/>
+          </a:prstGeom>
+        </p:spPr>
+      </p:pic>
+      <p:sp>
+        <p:nvSpPr>
+          <p:cNvPr id="41" name="TextBox 40">
+            <a:extLst>
+              <a:ext uri="{FF2B5EF4-FFF2-40B4-BE49-F238E27FC236}">
+                <a16:creationId xmlns:a16="http://schemas.microsoft.com/office/drawing/2014/main" id="{47D05887-7389-4207-B965-87C95CF7F1E4}"/>
+              </a:ext>
+            </a:extLst>
+          </p:cNvPr>
+          <p:cNvSpPr txBox="1"/>
+          <p:nvPr/>
+        </p:nvSpPr>
+        <p:spPr>
+          <a:xfrm>
+            <a:off x="8267370" y="3314253"/>
+            <a:ext cx="730713" cy="276999"/>
+          </a:xfrm>
+          <a:prstGeom prst="rect">
+            <a:avLst/>
+          </a:prstGeom>
+          <a:noFill/>
+        </p:spPr>
+        <p:txBody>
+          <a:bodyPr wrap="none" rtlCol="0">
+            <a:spAutoFit/>
+          </a:bodyPr>
+          <a:lstStyle/>
+          <a:p>
+            <a:r>
+              <a:rPr lang="en-US" sz="1200" dirty="0" err="1"/>
+              <a:t>Prd-nsg</a:t>
+            </a:r>
+            <a:endParaRPr lang="en-US" sz="1200" dirty="0"/>
+          </a:p>
+        </p:txBody>
+      </p:sp>
+      <p:sp>
+        <p:nvSpPr>
+          <p:cNvPr id="45" name="TextBox 44">
+            <a:extLst>
+              <a:ext uri="{FF2B5EF4-FFF2-40B4-BE49-F238E27FC236}">
+                <a16:creationId xmlns:a16="http://schemas.microsoft.com/office/drawing/2014/main" id="{983F9E0C-F593-451F-843A-AB3602E726CA}"/>
+              </a:ext>
+            </a:extLst>
+          </p:cNvPr>
+          <p:cNvSpPr txBox="1"/>
+          <p:nvPr/>
+        </p:nvSpPr>
+        <p:spPr>
+          <a:xfrm>
+            <a:off x="9944526" y="4275595"/>
+            <a:ext cx="1200906" cy="276999"/>
+          </a:xfrm>
+          <a:prstGeom prst="rect">
+            <a:avLst/>
+          </a:prstGeom>
+          <a:noFill/>
+        </p:spPr>
+        <p:txBody>
+          <a:bodyPr wrap="none" rtlCol="0">
+            <a:spAutoFit/>
+          </a:bodyPr>
+          <a:lstStyle/>
+          <a:p>
+            <a:r>
+              <a:rPr lang="en-US" sz="1200" dirty="0"/>
+              <a:t>Availability Set</a:t>
+            </a:r>
+          </a:p>
+        </p:txBody>
+      </p:sp>
+      <p:sp>
+        <p:nvSpPr>
+          <p:cNvPr id="46" name="TextBox 45">
+            <a:extLst>
+              <a:ext uri="{FF2B5EF4-FFF2-40B4-BE49-F238E27FC236}">
+                <a16:creationId xmlns:a16="http://schemas.microsoft.com/office/drawing/2014/main" id="{CDDA8D0D-BF57-4246-9466-14885094149A}"/>
+              </a:ext>
+            </a:extLst>
+          </p:cNvPr>
+          <p:cNvSpPr txBox="1"/>
+          <p:nvPr/>
+        </p:nvSpPr>
+        <p:spPr>
+          <a:xfrm>
+            <a:off x="10043166" y="5677845"/>
+            <a:ext cx="1124860" cy="276999"/>
+          </a:xfrm>
+          <a:prstGeom prst="rect">
+            <a:avLst/>
+          </a:prstGeom>
+          <a:noFill/>
+        </p:spPr>
+        <p:txBody>
+          <a:bodyPr wrap="none" rtlCol="0">
+            <a:spAutoFit/>
+          </a:bodyPr>
+          <a:lstStyle/>
+          <a:p>
+            <a:r>
+              <a:rPr lang="en-US" sz="1200" dirty="0"/>
+              <a:t>Web (subnet)</a:t>
+            </a:r>
+          </a:p>
+        </p:txBody>
+      </p:sp>
+    </p:spTree>
+    <p:extLst>
+      <p:ext uri="{BB962C8B-B14F-4D97-AF65-F5344CB8AC3E}">
+        <p14:creationId xmlns:p14="http://schemas.microsoft.com/office/powerpoint/2010/main" val="1083389527"/>
+      </p:ext>
+    </p:extLst>
+  </p:cSld>
+  <p:clrMapOvr>
+    <a:masterClrMapping/>
+  </p:clrMapOvr>
+</p:sld>
+</file>
+
+<file path=ppt/slides/slide11.xml><?xml version="1.0" encoding="utf-8"?>
+<p:sld xmlns:a="http://schemas.openxmlformats.org/drawingml/2006/main" xmlns:r="http://schemas.openxmlformats.org/officeDocument/2006/relationships" xmlns:p="http://schemas.openxmlformats.org/presentationml/2006/main">
+  <p:cSld>
+    <p:spTree>
+      <p:nvGrpSpPr>
+        <p:cNvPr id="1" name=""/>
+        <p:cNvGrpSpPr/>
+        <p:nvPr/>
+      </p:nvGrpSpPr>
+      <p:grpSpPr>
+        <a:xfrm>
+          <a:off x="0" y="0"/>
+          <a:ext cx="0" cy="0"/>
+          <a:chOff x="0" y="0"/>
+          <a:chExt cx="0" cy="0"/>
+        </a:xfrm>
+      </p:grpSpPr>
+      <p:sp>
+        <p:nvSpPr>
+          <p:cNvPr id="2" name="Title 1">
+            <a:extLst>
+              <a:ext uri="{FF2B5EF4-FFF2-40B4-BE49-F238E27FC236}">
+                <a16:creationId xmlns:a16="http://schemas.microsoft.com/office/drawing/2014/main" id="{C27A62A0-E3E3-4DCB-BBC5-63FDB474798C}"/>
+              </a:ext>
+            </a:extLst>
+          </p:cNvPr>
+          <p:cNvSpPr>
+            <a:spLocks noGrp="1"/>
+          </p:cNvSpPr>
+          <p:nvPr>
+            <p:ph type="title"/>
+          </p:nvPr>
+        </p:nvSpPr>
+        <p:spPr/>
+        <p:txBody>
+          <a:bodyPr/>
+          <a:lstStyle/>
+          <a:p>
+            <a:r>
+              <a:rPr lang="en-US" dirty="0"/>
+              <a:t>Workshop Scenario</a:t>
+            </a:r>
+          </a:p>
+        </p:txBody>
+      </p:sp>
+      <p:sp>
+        <p:nvSpPr>
+          <p:cNvPr id="3" name="Content Placeholder 2">
+            <a:extLst>
+              <a:ext uri="{FF2B5EF4-FFF2-40B4-BE49-F238E27FC236}">
+                <a16:creationId xmlns:a16="http://schemas.microsoft.com/office/drawing/2014/main" id="{5C351E07-3D78-4561-8477-B8F12B98225E}"/>
+              </a:ext>
+            </a:extLst>
+          </p:cNvPr>
+          <p:cNvSpPr>
+            <a:spLocks noGrp="1"/>
+          </p:cNvSpPr>
+          <p:nvPr>
+            <p:ph idx="1"/>
+          </p:nvPr>
+        </p:nvSpPr>
+        <p:spPr>
+          <a:ln>
+            <a:solidFill>
+              <a:schemeClr val="bg1">
+                <a:lumMod val="50000"/>
+              </a:schemeClr>
+            </a:solidFill>
+          </a:ln>
+        </p:spPr>
+        <p:txBody>
+          <a:bodyPr/>
+          <a:lstStyle/>
+          <a:p>
+            <a:pPr marL="0" indent="0">
+              <a:buNone/>
+            </a:pPr>
+            <a:r>
               <a:rPr lang="en-US"/>
               <a:t> </a:t>
             </a:r>
@@ -6738,6 +8746,1672 @@
       </p:grpSpPr>
       <p:sp>
         <p:nvSpPr>
+          <p:cNvPr id="5" name="Title 4">
+            <a:extLst>
+              <a:ext uri="{FF2B5EF4-FFF2-40B4-BE49-F238E27FC236}">
+                <a16:creationId xmlns:a16="http://schemas.microsoft.com/office/drawing/2014/main" id="{7F050C28-64C6-4699-932F-11A22814C7A0}"/>
+              </a:ext>
+            </a:extLst>
+          </p:cNvPr>
+          <p:cNvSpPr>
+            <a:spLocks noGrp="1"/>
+          </p:cNvSpPr>
+          <p:nvPr>
+            <p:ph type="title"/>
+          </p:nvPr>
+        </p:nvSpPr>
+        <p:spPr/>
+        <p:txBody>
+          <a:bodyPr/>
+          <a:lstStyle/>
+          <a:p>
+            <a:r>
+              <a:rPr lang="en-US" dirty="0"/>
+              <a:t>NSG</a:t>
+            </a:r>
+          </a:p>
+        </p:txBody>
+      </p:sp>
+      <p:sp>
+        <p:nvSpPr>
+          <p:cNvPr id="8" name="Text Placeholder 7">
+            <a:extLst>
+              <a:ext uri="{FF2B5EF4-FFF2-40B4-BE49-F238E27FC236}">
+                <a16:creationId xmlns:a16="http://schemas.microsoft.com/office/drawing/2014/main" id="{5721D8E4-35BD-4AAE-A4B5-F0C8E83682B6}"/>
+              </a:ext>
+            </a:extLst>
+          </p:cNvPr>
+          <p:cNvSpPr>
+            <a:spLocks noGrp="1"/>
+          </p:cNvSpPr>
+          <p:nvPr>
+            <p:ph type="body" sz="quarter" idx="12"/>
+          </p:nvPr>
+        </p:nvSpPr>
+        <p:spPr/>
+        <p:txBody>
+          <a:bodyPr/>
+          <a:lstStyle/>
+          <a:p>
+            <a:endParaRPr lang="en-US"/>
+          </a:p>
+        </p:txBody>
+      </p:sp>
+      <p:sp>
+        <p:nvSpPr>
+          <p:cNvPr id="6" name="Content Placeholder 5">
+            <a:extLst>
+              <a:ext uri="{FF2B5EF4-FFF2-40B4-BE49-F238E27FC236}">
+                <a16:creationId xmlns:a16="http://schemas.microsoft.com/office/drawing/2014/main" id="{374FBE52-4188-4323-ABCC-74103C41B554}"/>
+              </a:ext>
+            </a:extLst>
+          </p:cNvPr>
+          <p:cNvSpPr>
+            <a:spLocks noGrp="1"/>
+          </p:cNvSpPr>
+          <p:nvPr>
+            <p:ph idx="1"/>
+          </p:nvPr>
+        </p:nvSpPr>
+        <p:spPr/>
+        <p:txBody>
+          <a:bodyPr/>
+          <a:lstStyle/>
+          <a:p>
+            <a:endParaRPr lang="en-US"/>
+          </a:p>
+        </p:txBody>
+      </p:sp>
+      <p:sp>
+        <p:nvSpPr>
+          <p:cNvPr id="7" name="Text Placeholder 6">
+            <a:extLst>
+              <a:ext uri="{FF2B5EF4-FFF2-40B4-BE49-F238E27FC236}">
+                <a16:creationId xmlns:a16="http://schemas.microsoft.com/office/drawing/2014/main" id="{83EC278D-4E65-49A1-95C0-F9027224AB22}"/>
+              </a:ext>
+            </a:extLst>
+          </p:cNvPr>
+          <p:cNvSpPr>
+            <a:spLocks noGrp="1"/>
+          </p:cNvSpPr>
+          <p:nvPr>
+            <p:ph type="body" sz="quarter" idx="10"/>
+          </p:nvPr>
+        </p:nvSpPr>
+        <p:spPr/>
+        <p:txBody>
+          <a:bodyPr/>
+          <a:lstStyle/>
+          <a:p>
+            <a:r>
+              <a:rPr lang="en-US" dirty="0"/>
+              <a:t>Layered Security, Protection, and Isolation</a:t>
+            </a:r>
+          </a:p>
+        </p:txBody>
+      </p:sp>
+      <p:sp>
+        <p:nvSpPr>
+          <p:cNvPr id="26" name="Oval 25">
+            <a:extLst>
+              <a:ext uri="{FF2B5EF4-FFF2-40B4-BE49-F238E27FC236}">
+                <a16:creationId xmlns:a16="http://schemas.microsoft.com/office/drawing/2014/main" id="{EDCCD92B-9CD2-4050-9EF1-117FD4FC9979}"/>
+              </a:ext>
+            </a:extLst>
+          </p:cNvPr>
+          <p:cNvSpPr/>
+          <p:nvPr/>
+        </p:nvSpPr>
+        <p:spPr bwMode="auto">
+          <a:xfrm flipH="1">
+            <a:off x="122235" y="1363662"/>
+            <a:ext cx="9068539" cy="5257800"/>
+          </a:xfrm>
+          <a:prstGeom prst="ellipse">
+            <a:avLst/>
+          </a:prstGeom>
+          <a:noFill/>
+          <a:ln w="25400">
+            <a:solidFill>
+              <a:schemeClr val="tx1"/>
+            </a:solidFill>
+            <a:prstDash val="dash"/>
+            <a:headEnd type="none" w="med" len="med"/>
+            <a:tailEnd type="none" w="med" len="med"/>
+          </a:ln>
+        </p:spPr>
+        <p:style>
+          <a:lnRef idx="2">
+            <a:schemeClr val="accent1">
+              <a:shade val="50000"/>
+            </a:schemeClr>
+          </a:lnRef>
+          <a:fillRef idx="1">
+            <a:schemeClr val="accent1"/>
+          </a:fillRef>
+          <a:effectRef idx="0">
+            <a:schemeClr val="accent1"/>
+          </a:effectRef>
+          <a:fontRef idx="minor">
+            <a:schemeClr val="lt1"/>
+          </a:fontRef>
+        </p:style>
+        <p:txBody>
+          <a:bodyPr vert="horz" wrap="square" lIns="0" tIns="46631" rIns="0" bIns="46631" numCol="1" rtlCol="0" anchor="ctr" anchorCtr="0" compatLnSpc="1">
+            <a:prstTxWarp prst="textNoShape">
+              <a:avLst/>
+            </a:prstTxWarp>
+          </a:bodyPr>
+          <a:lstStyle/>
+          <a:p>
+            <a:pPr algn="ctr" defTabSz="932379" fontAlgn="base">
+              <a:spcBef>
+                <a:spcPct val="0"/>
+              </a:spcBef>
+              <a:spcAft>
+                <a:spcPct val="0"/>
+              </a:spcAft>
+            </a:pPr>
+            <a:endParaRPr lang="en-US" sz="2000" dirty="0">
+              <a:gradFill>
+                <a:gsLst>
+                  <a:gs pos="0">
+                    <a:srgbClr val="FFFFFF"/>
+                  </a:gs>
+                  <a:gs pos="100000">
+                    <a:srgbClr val="FFFFFF"/>
+                  </a:gs>
+                </a:gsLst>
+                <a:lin ang="5400000" scaled="0"/>
+              </a:gradFill>
+            </a:endParaRPr>
+          </a:p>
+        </p:txBody>
+      </p:sp>
+      <p:sp>
+        <p:nvSpPr>
+          <p:cNvPr id="27" name="Oval 26">
+            <a:extLst>
+              <a:ext uri="{FF2B5EF4-FFF2-40B4-BE49-F238E27FC236}">
+                <a16:creationId xmlns:a16="http://schemas.microsoft.com/office/drawing/2014/main" id="{9E4534F5-653D-4403-A6D5-2FACBED49D6A}"/>
+              </a:ext>
+            </a:extLst>
+          </p:cNvPr>
+          <p:cNvSpPr>
+            <a:spLocks noChangeAspect="1"/>
+          </p:cNvSpPr>
+          <p:nvPr/>
+        </p:nvSpPr>
+        <p:spPr bwMode="auto">
+          <a:xfrm flipH="1">
+            <a:off x="580914" y="2022512"/>
+            <a:ext cx="6380698" cy="3871740"/>
+          </a:xfrm>
+          <a:prstGeom prst="ellipse">
+            <a:avLst/>
+          </a:prstGeom>
+          <a:noFill/>
+          <a:ln w="25400">
+            <a:solidFill>
+              <a:schemeClr val="tx1"/>
+            </a:solidFill>
+            <a:prstDash val="dash"/>
+            <a:headEnd type="none" w="med" len="med"/>
+            <a:tailEnd type="none" w="med" len="med"/>
+          </a:ln>
+        </p:spPr>
+        <p:style>
+          <a:lnRef idx="2">
+            <a:schemeClr val="accent1">
+              <a:shade val="50000"/>
+            </a:schemeClr>
+          </a:lnRef>
+          <a:fillRef idx="1">
+            <a:schemeClr val="accent1"/>
+          </a:fillRef>
+          <a:effectRef idx="0">
+            <a:schemeClr val="accent1"/>
+          </a:effectRef>
+          <a:fontRef idx="minor">
+            <a:schemeClr val="lt1"/>
+          </a:fontRef>
+        </p:style>
+        <p:txBody>
+          <a:bodyPr vert="horz" wrap="square" lIns="0" tIns="46631" rIns="0" bIns="46631" numCol="1" rtlCol="0" anchor="ctr" anchorCtr="0" compatLnSpc="1">
+            <a:prstTxWarp prst="textNoShape">
+              <a:avLst/>
+            </a:prstTxWarp>
+          </a:bodyPr>
+          <a:lstStyle/>
+          <a:p>
+            <a:pPr algn="ctr" defTabSz="932379" fontAlgn="base">
+              <a:spcBef>
+                <a:spcPct val="0"/>
+              </a:spcBef>
+              <a:spcAft>
+                <a:spcPct val="0"/>
+              </a:spcAft>
+            </a:pPr>
+            <a:endParaRPr lang="en-US" sz="2000" dirty="0">
+              <a:gradFill>
+                <a:gsLst>
+                  <a:gs pos="0">
+                    <a:srgbClr val="FFFFFF"/>
+                  </a:gs>
+                  <a:gs pos="100000">
+                    <a:srgbClr val="FFFFFF"/>
+                  </a:gs>
+                </a:gsLst>
+                <a:lin ang="5400000" scaled="0"/>
+              </a:gradFill>
+            </a:endParaRPr>
+          </a:p>
+        </p:txBody>
+      </p:sp>
+      <p:sp>
+        <p:nvSpPr>
+          <p:cNvPr id="28" name="Oval 27">
+            <a:extLst>
+              <a:ext uri="{FF2B5EF4-FFF2-40B4-BE49-F238E27FC236}">
+                <a16:creationId xmlns:a16="http://schemas.microsoft.com/office/drawing/2014/main" id="{F8054DDD-6CD6-4FD8-A378-3F719A5BDFF6}"/>
+              </a:ext>
+            </a:extLst>
+          </p:cNvPr>
+          <p:cNvSpPr>
+            <a:spLocks noChangeAspect="1"/>
+          </p:cNvSpPr>
+          <p:nvPr/>
+        </p:nvSpPr>
+        <p:spPr bwMode="auto">
+          <a:xfrm flipH="1">
+            <a:off x="831110" y="2413009"/>
+            <a:ext cx="5006866" cy="3097392"/>
+          </a:xfrm>
+          <a:prstGeom prst="ellipse">
+            <a:avLst/>
+          </a:prstGeom>
+          <a:noFill/>
+          <a:ln w="25400">
+            <a:solidFill>
+              <a:schemeClr val="tx1"/>
+            </a:solidFill>
+            <a:prstDash val="dash"/>
+            <a:headEnd type="none" w="med" len="med"/>
+            <a:tailEnd type="none" w="med" len="med"/>
+          </a:ln>
+        </p:spPr>
+        <p:style>
+          <a:lnRef idx="2">
+            <a:schemeClr val="accent1">
+              <a:shade val="50000"/>
+            </a:schemeClr>
+          </a:lnRef>
+          <a:fillRef idx="1">
+            <a:schemeClr val="accent1"/>
+          </a:fillRef>
+          <a:effectRef idx="0">
+            <a:schemeClr val="accent1"/>
+          </a:effectRef>
+          <a:fontRef idx="minor">
+            <a:schemeClr val="lt1"/>
+          </a:fontRef>
+        </p:style>
+        <p:txBody>
+          <a:bodyPr vert="horz" wrap="square" lIns="0" tIns="46631" rIns="0" bIns="46631" numCol="1" rtlCol="0" anchor="ctr" anchorCtr="0" compatLnSpc="1">
+            <a:prstTxWarp prst="textNoShape">
+              <a:avLst/>
+            </a:prstTxWarp>
+          </a:bodyPr>
+          <a:lstStyle/>
+          <a:p>
+            <a:pPr algn="ctr" defTabSz="932379" fontAlgn="base">
+              <a:spcBef>
+                <a:spcPct val="0"/>
+              </a:spcBef>
+              <a:spcAft>
+                <a:spcPct val="0"/>
+              </a:spcAft>
+            </a:pPr>
+            <a:endParaRPr lang="en-US" sz="2000" dirty="0">
+              <a:gradFill>
+                <a:gsLst>
+                  <a:gs pos="0">
+                    <a:srgbClr val="FFFFFF"/>
+                  </a:gs>
+                  <a:gs pos="100000">
+                    <a:srgbClr val="FFFFFF"/>
+                  </a:gs>
+                </a:gsLst>
+                <a:lin ang="5400000" scaled="0"/>
+              </a:gradFill>
+            </a:endParaRPr>
+          </a:p>
+        </p:txBody>
+      </p:sp>
+      <p:sp>
+        <p:nvSpPr>
+          <p:cNvPr id="29" name="Oval 28">
+            <a:extLst>
+              <a:ext uri="{FF2B5EF4-FFF2-40B4-BE49-F238E27FC236}">
+                <a16:creationId xmlns:a16="http://schemas.microsoft.com/office/drawing/2014/main" id="{EB9AD9EC-E60B-4BDE-8B2E-653010358AE5}"/>
+              </a:ext>
+            </a:extLst>
+          </p:cNvPr>
+          <p:cNvSpPr>
+            <a:spLocks noChangeAspect="1"/>
+          </p:cNvSpPr>
+          <p:nvPr/>
+        </p:nvSpPr>
+        <p:spPr bwMode="auto">
+          <a:xfrm flipH="1">
+            <a:off x="1097180" y="2719425"/>
+            <a:ext cx="3580344" cy="2477914"/>
+          </a:xfrm>
+          <a:prstGeom prst="ellipse">
+            <a:avLst/>
+          </a:prstGeom>
+          <a:noFill/>
+          <a:ln w="25400">
+            <a:solidFill>
+              <a:schemeClr val="tx1"/>
+            </a:solidFill>
+            <a:prstDash val="dash"/>
+            <a:headEnd type="none" w="med" len="med"/>
+            <a:tailEnd type="none" w="med" len="med"/>
+          </a:ln>
+        </p:spPr>
+        <p:style>
+          <a:lnRef idx="2">
+            <a:schemeClr val="accent1">
+              <a:shade val="50000"/>
+            </a:schemeClr>
+          </a:lnRef>
+          <a:fillRef idx="1">
+            <a:schemeClr val="accent1"/>
+          </a:fillRef>
+          <a:effectRef idx="0">
+            <a:schemeClr val="accent1"/>
+          </a:effectRef>
+          <a:fontRef idx="minor">
+            <a:schemeClr val="lt1"/>
+          </a:fontRef>
+        </p:style>
+        <p:txBody>
+          <a:bodyPr vert="horz" wrap="square" lIns="0" tIns="46631" rIns="0" bIns="46631" numCol="1" rtlCol="0" anchor="ctr" anchorCtr="0" compatLnSpc="1">
+            <a:prstTxWarp prst="textNoShape">
+              <a:avLst/>
+            </a:prstTxWarp>
+          </a:bodyPr>
+          <a:lstStyle/>
+          <a:p>
+            <a:pPr algn="ctr" defTabSz="932379" fontAlgn="base">
+              <a:spcBef>
+                <a:spcPct val="0"/>
+              </a:spcBef>
+              <a:spcAft>
+                <a:spcPct val="0"/>
+              </a:spcAft>
+            </a:pPr>
+            <a:endParaRPr lang="en-US" sz="2000" dirty="0">
+              <a:gradFill>
+                <a:gsLst>
+                  <a:gs pos="0">
+                    <a:srgbClr val="FFFFFF"/>
+                  </a:gs>
+                  <a:gs pos="100000">
+                    <a:srgbClr val="FFFFFF"/>
+                  </a:gs>
+                </a:gsLst>
+                <a:lin ang="5400000" scaled="0"/>
+              </a:gradFill>
+            </a:endParaRPr>
+          </a:p>
+        </p:txBody>
+      </p:sp>
+      <p:sp>
+        <p:nvSpPr>
+          <p:cNvPr id="30" name="TextBox 29">
+            <a:extLst>
+              <a:ext uri="{FF2B5EF4-FFF2-40B4-BE49-F238E27FC236}">
+                <a16:creationId xmlns:a16="http://schemas.microsoft.com/office/drawing/2014/main" id="{2E3900CA-3132-4B01-A1A6-29DF53064DAA}"/>
+              </a:ext>
+            </a:extLst>
+          </p:cNvPr>
+          <p:cNvSpPr txBox="1"/>
+          <p:nvPr/>
+        </p:nvSpPr>
+        <p:spPr>
+          <a:xfrm flipH="1">
+            <a:off x="8417968" y="3536922"/>
+            <a:ext cx="1534091" cy="926369"/>
+          </a:xfrm>
+          <a:prstGeom prst="rect">
+            <a:avLst/>
+          </a:prstGeom>
+          <a:noFill/>
+        </p:spPr>
+        <p:txBody>
+          <a:bodyPr wrap="none" lIns="182857" tIns="146285" rIns="182857" bIns="146285" rtlCol="0">
+            <a:spAutoFit/>
+          </a:bodyPr>
+          <a:lstStyle/>
+          <a:p>
+            <a:pPr algn="ctr">
+              <a:lnSpc>
+                <a:spcPct val="90000"/>
+              </a:lnSpc>
+              <a:spcAft>
+                <a:spcPts val="600"/>
+              </a:spcAft>
+            </a:pPr>
+            <a:r>
+              <a:rPr lang="en-US" sz="2000" dirty="0" err="1">
+                <a:solidFill>
+                  <a:schemeClr val="tx2"/>
+                </a:solidFill>
+                <a:effectLst>
+                  <a:outerShdw blurRad="38100" dist="38100" dir="2700000" algn="tl">
+                    <a:srgbClr val="000000">
+                      <a:alpha val="43137"/>
+                    </a:srgbClr>
+                  </a:outerShdw>
+                </a:effectLst>
+              </a:rPr>
+              <a:t>DDoS</a:t>
+            </a:r>
+            <a:endParaRPr lang="en-US" sz="2000" dirty="0">
+              <a:solidFill>
+                <a:schemeClr val="tx2"/>
+              </a:solidFill>
+            </a:endParaRPr>
+          </a:p>
+          <a:p>
+            <a:pPr algn="ctr">
+              <a:lnSpc>
+                <a:spcPct val="90000"/>
+              </a:lnSpc>
+              <a:spcAft>
+                <a:spcPts val="600"/>
+              </a:spcAft>
+            </a:pPr>
+            <a:r>
+              <a:rPr lang="en-US" sz="2000" dirty="0">
+                <a:solidFill>
+                  <a:schemeClr val="tx2"/>
+                </a:solidFill>
+                <a:effectLst>
+                  <a:outerShdw blurRad="38100" dist="38100" dir="2700000" algn="tl">
+                    <a:srgbClr val="000000">
+                      <a:alpha val="43137"/>
+                    </a:srgbClr>
+                  </a:outerShdw>
+                </a:effectLst>
+              </a:rPr>
+              <a:t>Protection</a:t>
+            </a:r>
+            <a:endParaRPr lang="en-US" sz="2000" dirty="0">
+              <a:solidFill>
+                <a:schemeClr val="tx2"/>
+              </a:solidFill>
+            </a:endParaRPr>
+          </a:p>
+        </p:txBody>
+      </p:sp>
+      <p:sp>
+        <p:nvSpPr>
+          <p:cNvPr id="31" name="TextBox 30">
+            <a:extLst>
+              <a:ext uri="{FF2B5EF4-FFF2-40B4-BE49-F238E27FC236}">
+                <a16:creationId xmlns:a16="http://schemas.microsoft.com/office/drawing/2014/main" id="{AF90C260-6FA3-4588-A5F8-50270EBD3637}"/>
+              </a:ext>
+            </a:extLst>
+          </p:cNvPr>
+          <p:cNvSpPr txBox="1"/>
+          <p:nvPr/>
+        </p:nvSpPr>
+        <p:spPr>
+          <a:xfrm flipH="1">
+            <a:off x="6286200" y="3359950"/>
+            <a:ext cx="1336297" cy="1280312"/>
+          </a:xfrm>
+          <a:prstGeom prst="rect">
+            <a:avLst/>
+          </a:prstGeom>
+          <a:noFill/>
+        </p:spPr>
+        <p:txBody>
+          <a:bodyPr wrap="square" lIns="182857" tIns="146285" rIns="182857" bIns="146285" rtlCol="0">
+            <a:spAutoFit/>
+          </a:bodyPr>
+          <a:lstStyle/>
+          <a:p>
+            <a:pPr algn="ctr">
+              <a:lnSpc>
+                <a:spcPct val="90000"/>
+              </a:lnSpc>
+              <a:spcAft>
+                <a:spcPts val="600"/>
+              </a:spcAft>
+            </a:pPr>
+            <a:r>
+              <a:rPr lang="en-US" sz="2000" dirty="0">
+                <a:solidFill>
+                  <a:schemeClr val="tx2"/>
+                </a:solidFill>
+                <a:effectLst>
+                  <a:outerShdw blurRad="38100" dist="38100" dir="2700000" algn="tl">
+                    <a:srgbClr val="000000">
+                      <a:alpha val="43137"/>
+                    </a:srgbClr>
+                  </a:outerShdw>
+                </a:effectLst>
+              </a:rPr>
+              <a:t>Virtual </a:t>
+            </a:r>
+            <a:endParaRPr lang="en-US" sz="2000" dirty="0">
+              <a:solidFill>
+                <a:schemeClr val="tx2"/>
+              </a:solidFill>
+            </a:endParaRPr>
+          </a:p>
+          <a:p>
+            <a:pPr algn="ctr">
+              <a:lnSpc>
+                <a:spcPct val="90000"/>
+              </a:lnSpc>
+              <a:spcAft>
+                <a:spcPts val="600"/>
+              </a:spcAft>
+            </a:pPr>
+            <a:r>
+              <a:rPr lang="en-US" sz="2000" dirty="0">
+                <a:solidFill>
+                  <a:schemeClr val="tx2"/>
+                </a:solidFill>
+                <a:effectLst>
+                  <a:outerShdw blurRad="38100" dist="38100" dir="2700000" algn="tl">
+                    <a:srgbClr val="000000">
+                      <a:alpha val="43137"/>
+                    </a:srgbClr>
+                  </a:outerShdw>
+                </a:effectLst>
+              </a:rPr>
+              <a:t>Network</a:t>
+            </a:r>
+            <a:endParaRPr lang="en-US" sz="2000" dirty="0">
+              <a:solidFill>
+                <a:schemeClr val="tx2"/>
+              </a:solidFill>
+            </a:endParaRPr>
+          </a:p>
+          <a:p>
+            <a:pPr algn="ctr">
+              <a:lnSpc>
+                <a:spcPct val="90000"/>
+              </a:lnSpc>
+              <a:spcAft>
+                <a:spcPts val="600"/>
+              </a:spcAft>
+            </a:pPr>
+            <a:r>
+              <a:rPr lang="en-US" sz="2000" dirty="0">
+                <a:solidFill>
+                  <a:schemeClr val="tx2"/>
+                </a:solidFill>
+                <a:effectLst>
+                  <a:outerShdw blurRad="38100" dist="38100" dir="2700000" algn="tl">
+                    <a:srgbClr val="000000">
+                      <a:alpha val="43137"/>
+                    </a:srgbClr>
+                  </a:outerShdw>
+                </a:effectLst>
+              </a:rPr>
+              <a:t>Isolation</a:t>
+            </a:r>
+            <a:endParaRPr lang="en-US" sz="2000" dirty="0">
+              <a:solidFill>
+                <a:schemeClr val="tx2"/>
+              </a:solidFill>
+            </a:endParaRPr>
+          </a:p>
+        </p:txBody>
+      </p:sp>
+      <p:sp>
+        <p:nvSpPr>
+          <p:cNvPr id="32" name="TextBox 31">
+            <a:extLst>
+              <a:ext uri="{FF2B5EF4-FFF2-40B4-BE49-F238E27FC236}">
+                <a16:creationId xmlns:a16="http://schemas.microsoft.com/office/drawing/2014/main" id="{C05EC2CC-6543-4EA8-9F04-3D789D083189}"/>
+              </a:ext>
+            </a:extLst>
+          </p:cNvPr>
+          <p:cNvSpPr txBox="1"/>
+          <p:nvPr/>
+        </p:nvSpPr>
+        <p:spPr>
+          <a:xfrm flipH="1">
+            <a:off x="5410250" y="3713893"/>
+            <a:ext cx="898276" cy="572426"/>
+          </a:xfrm>
+          <a:prstGeom prst="rect">
+            <a:avLst/>
+          </a:prstGeom>
+          <a:noFill/>
+        </p:spPr>
+        <p:txBody>
+          <a:bodyPr wrap="none" lIns="182857" tIns="146285" rIns="182857" bIns="146285" rtlCol="0">
+            <a:spAutoFit/>
+          </a:bodyPr>
+          <a:lstStyle/>
+          <a:p>
+            <a:pPr algn="ctr">
+              <a:lnSpc>
+                <a:spcPct val="90000"/>
+              </a:lnSpc>
+              <a:spcAft>
+                <a:spcPts val="600"/>
+              </a:spcAft>
+            </a:pPr>
+            <a:r>
+              <a:rPr lang="en-US" sz="2000" dirty="0">
+                <a:solidFill>
+                  <a:schemeClr val="tx2"/>
+                </a:solidFill>
+                <a:effectLst>
+                  <a:outerShdw blurRad="38100" dist="38100" dir="2700000" algn="tl">
+                    <a:srgbClr val="000000">
+                      <a:alpha val="43137"/>
+                    </a:srgbClr>
+                  </a:outerShdw>
+                </a:effectLst>
+              </a:rPr>
+              <a:t>NSG</a:t>
+            </a:r>
+            <a:endParaRPr lang="en-US" sz="2000" dirty="0">
+              <a:solidFill>
+                <a:schemeClr val="tx2"/>
+              </a:solidFill>
+            </a:endParaRPr>
+          </a:p>
+        </p:txBody>
+      </p:sp>
+      <p:sp>
+        <p:nvSpPr>
+          <p:cNvPr id="33" name="TextBox 32">
+            <a:extLst>
+              <a:ext uri="{FF2B5EF4-FFF2-40B4-BE49-F238E27FC236}">
+                <a16:creationId xmlns:a16="http://schemas.microsoft.com/office/drawing/2014/main" id="{480DA8AF-3B90-4DEE-A724-F5A5CB8034AF}"/>
+              </a:ext>
+            </a:extLst>
+          </p:cNvPr>
+          <p:cNvSpPr txBox="1"/>
+          <p:nvPr/>
+        </p:nvSpPr>
+        <p:spPr>
+          <a:xfrm flipH="1">
+            <a:off x="4068182" y="3536922"/>
+            <a:ext cx="1218684" cy="926369"/>
+          </a:xfrm>
+          <a:prstGeom prst="rect">
+            <a:avLst/>
+          </a:prstGeom>
+          <a:noFill/>
+        </p:spPr>
+        <p:txBody>
+          <a:bodyPr wrap="none" lIns="182857" tIns="146285" rIns="182857" bIns="146285" rtlCol="0">
+            <a:spAutoFit/>
+          </a:bodyPr>
+          <a:lstStyle/>
+          <a:p>
+            <a:pPr algn="ctr">
+              <a:lnSpc>
+                <a:spcPct val="90000"/>
+              </a:lnSpc>
+              <a:spcAft>
+                <a:spcPts val="600"/>
+              </a:spcAft>
+            </a:pPr>
+            <a:r>
+              <a:rPr lang="en-US" sz="2000" dirty="0">
+                <a:solidFill>
+                  <a:schemeClr val="tx2"/>
+                </a:solidFill>
+                <a:effectLst>
+                  <a:outerShdw blurRad="38100" dist="38100" dir="2700000" algn="tl">
+                    <a:srgbClr val="000000">
+                      <a:alpha val="43137"/>
+                    </a:srgbClr>
+                  </a:outerShdw>
+                </a:effectLst>
+              </a:rPr>
+              <a:t>VM</a:t>
+            </a:r>
+            <a:endParaRPr lang="en-US" sz="2000" dirty="0">
+              <a:solidFill>
+                <a:schemeClr val="tx2"/>
+              </a:solidFill>
+            </a:endParaRPr>
+          </a:p>
+          <a:p>
+            <a:pPr algn="ctr">
+              <a:lnSpc>
+                <a:spcPct val="90000"/>
+              </a:lnSpc>
+              <a:spcAft>
+                <a:spcPts val="600"/>
+              </a:spcAft>
+            </a:pPr>
+            <a:r>
+              <a:rPr lang="en-US" sz="2000" dirty="0">
+                <a:solidFill>
+                  <a:schemeClr val="tx2"/>
+                </a:solidFill>
+                <a:effectLst>
+                  <a:outerShdw blurRad="38100" dist="38100" dir="2700000" algn="tl">
+                    <a:srgbClr val="000000">
+                      <a:alpha val="43137"/>
+                    </a:srgbClr>
+                  </a:outerShdw>
+                </a:effectLst>
+              </a:rPr>
+              <a:t>Firewall</a:t>
+            </a:r>
+            <a:endParaRPr lang="en-US" sz="2000" dirty="0">
+              <a:solidFill>
+                <a:schemeClr val="tx2"/>
+              </a:solidFill>
+            </a:endParaRPr>
+          </a:p>
+        </p:txBody>
+      </p:sp>
+      <p:sp>
+        <p:nvSpPr>
+          <p:cNvPr id="34" name="Oval 33">
+            <a:extLst>
+              <a:ext uri="{FF2B5EF4-FFF2-40B4-BE49-F238E27FC236}">
+                <a16:creationId xmlns:a16="http://schemas.microsoft.com/office/drawing/2014/main" id="{2318C8E7-7B86-40AF-80DF-02F066A25FCD}"/>
+              </a:ext>
+            </a:extLst>
+          </p:cNvPr>
+          <p:cNvSpPr>
+            <a:spLocks noChangeAspect="1"/>
+          </p:cNvSpPr>
+          <p:nvPr/>
+        </p:nvSpPr>
+        <p:spPr bwMode="auto">
+          <a:xfrm flipH="1">
+            <a:off x="1266628" y="3212011"/>
+            <a:ext cx="2387376" cy="1486748"/>
+          </a:xfrm>
+          <a:prstGeom prst="ellipse">
+            <a:avLst/>
+          </a:prstGeom>
+          <a:solidFill>
+            <a:schemeClr val="accent1"/>
+          </a:solidFill>
+          <a:ln>
+            <a:headEnd type="none" w="med" len="med"/>
+            <a:tailEnd type="none" w="med" len="med"/>
+          </a:ln>
+          <a:scene3d>
+            <a:camera prst="orthographicFront">
+              <a:rot lat="0" lon="0" rev="0"/>
+            </a:camera>
+            <a:lightRig rig="twoPt" dir="tl"/>
+          </a:scene3d>
+          <a:sp3d prstMaterial="flat">
+            <a:bevelT w="19050" h="31750"/>
+          </a:sp3d>
+        </p:spPr>
+        <p:style>
+          <a:lnRef idx="0">
+            <a:schemeClr val="accent6"/>
+          </a:lnRef>
+          <a:fillRef idx="3">
+            <a:schemeClr val="accent6"/>
+          </a:fillRef>
+          <a:effectRef idx="3">
+            <a:schemeClr val="accent6"/>
+          </a:effectRef>
+          <a:fontRef idx="minor">
+            <a:schemeClr val="lt1"/>
+          </a:fontRef>
+        </p:style>
+        <p:txBody>
+          <a:bodyPr vert="horz" wrap="square" lIns="0" tIns="46631" rIns="0" bIns="46631" numCol="1" rtlCol="0" anchor="ctr" anchorCtr="0" compatLnSpc="1">
+            <a:prstTxWarp prst="textNoShape">
+              <a:avLst/>
+            </a:prstTxWarp>
+          </a:bodyPr>
+          <a:lstStyle/>
+          <a:p>
+            <a:pPr algn="ctr" defTabSz="932379" fontAlgn="base">
+              <a:spcBef>
+                <a:spcPct val="0"/>
+              </a:spcBef>
+              <a:spcAft>
+                <a:spcPct val="0"/>
+              </a:spcAft>
+            </a:pPr>
+            <a:endParaRPr lang="en-US" sz="2000" dirty="0">
+              <a:gradFill>
+                <a:gsLst>
+                  <a:gs pos="0">
+                    <a:srgbClr val="FFFFFF"/>
+                  </a:gs>
+                  <a:gs pos="100000">
+                    <a:srgbClr val="FFFFFF"/>
+                  </a:gs>
+                </a:gsLst>
+                <a:lin ang="5400000" scaled="0"/>
+              </a:gradFill>
+            </a:endParaRPr>
+          </a:p>
+        </p:txBody>
+      </p:sp>
+      <p:sp>
+        <p:nvSpPr>
+          <p:cNvPr id="35" name="TextBox 34">
+            <a:extLst>
+              <a:ext uri="{FF2B5EF4-FFF2-40B4-BE49-F238E27FC236}">
+                <a16:creationId xmlns:a16="http://schemas.microsoft.com/office/drawing/2014/main" id="{A6197FF2-07C2-4250-9558-D01CC26BC1A3}"/>
+              </a:ext>
+            </a:extLst>
+          </p:cNvPr>
+          <p:cNvSpPr txBox="1"/>
+          <p:nvPr/>
+        </p:nvSpPr>
+        <p:spPr>
+          <a:xfrm flipH="1">
+            <a:off x="1295081" y="3344882"/>
+            <a:ext cx="2330468" cy="1203252"/>
+          </a:xfrm>
+          <a:prstGeom prst="rect">
+            <a:avLst/>
+          </a:prstGeom>
+          <a:noFill/>
+        </p:spPr>
+        <p:txBody>
+          <a:bodyPr wrap="none" lIns="182857" tIns="146285" rIns="182857" bIns="146285" rtlCol="0">
+            <a:spAutoFit/>
+          </a:bodyPr>
+          <a:lstStyle/>
+          <a:p>
+            <a:pPr algn="ctr">
+              <a:lnSpc>
+                <a:spcPct val="90000"/>
+              </a:lnSpc>
+              <a:spcAft>
+                <a:spcPts val="600"/>
+              </a:spcAft>
+            </a:pPr>
+            <a:r>
+              <a:rPr lang="en-US" sz="2000" dirty="0">
+                <a:effectLst>
+                  <a:outerShdw blurRad="38100" dist="38100" dir="2700000" algn="tl">
+                    <a:srgbClr val="000000">
+                      <a:alpha val="43137"/>
+                    </a:srgbClr>
+                  </a:outerShdw>
+                </a:effectLst>
+              </a:rPr>
+              <a:t>Cloud Services </a:t>
+            </a:r>
+            <a:endParaRPr lang="en-US" sz="2000" dirty="0"/>
+          </a:p>
+          <a:p>
+            <a:pPr algn="ctr">
+              <a:lnSpc>
+                <a:spcPct val="90000"/>
+              </a:lnSpc>
+              <a:spcAft>
+                <a:spcPts val="600"/>
+              </a:spcAft>
+            </a:pPr>
+            <a:r>
+              <a:rPr lang="en-US" sz="2000" dirty="0">
+                <a:effectLst>
+                  <a:outerShdw blurRad="38100" dist="38100" dir="2700000" algn="tl">
+                    <a:srgbClr val="000000">
+                      <a:alpha val="43137"/>
+                    </a:srgbClr>
+                  </a:outerShdw>
+                </a:effectLst>
+              </a:rPr>
+              <a:t>&amp;</a:t>
+            </a:r>
+            <a:br>
+              <a:rPr lang="en-US" sz="2000" dirty="0">
+                <a:effectLst>
+                  <a:outerShdw blurRad="38100" dist="38100" dir="2700000" algn="tl">
+                    <a:srgbClr val="000000">
+                      <a:alpha val="43137"/>
+                    </a:srgbClr>
+                  </a:outerShdw>
+                </a:effectLst>
+              </a:rPr>
+            </a:br>
+            <a:r>
+              <a:rPr lang="en-US" sz="2000" dirty="0">
+                <a:effectLst>
+                  <a:outerShdw blurRad="38100" dist="38100" dir="2700000" algn="tl">
+                    <a:srgbClr val="000000">
+                      <a:alpha val="43137"/>
+                    </a:srgbClr>
+                  </a:outerShdw>
+                </a:effectLst>
+              </a:rPr>
+              <a:t> Virtual Machines</a:t>
+            </a:r>
+            <a:endParaRPr lang="en-US" sz="2000" dirty="0"/>
+          </a:p>
+        </p:txBody>
+      </p:sp>
+      <p:grpSp>
+        <p:nvGrpSpPr>
+          <p:cNvPr id="36" name="Group 35">
+            <a:extLst>
+              <a:ext uri="{FF2B5EF4-FFF2-40B4-BE49-F238E27FC236}">
+                <a16:creationId xmlns:a16="http://schemas.microsoft.com/office/drawing/2014/main" id="{202A8730-74C3-4254-B9CE-4E366BF3720B}"/>
+              </a:ext>
+            </a:extLst>
+          </p:cNvPr>
+          <p:cNvGrpSpPr/>
+          <p:nvPr/>
+        </p:nvGrpSpPr>
+        <p:grpSpPr>
+          <a:xfrm>
+            <a:off x="10822859" y="3336893"/>
+            <a:ext cx="1338978" cy="1236985"/>
+            <a:chOff x="1441498" y="2335312"/>
+            <a:chExt cx="1209154" cy="1117050"/>
+          </a:xfrm>
+        </p:grpSpPr>
+        <p:sp>
+          <p:nvSpPr>
+            <p:cNvPr id="37" name="Oval 36">
+              <a:extLst>
+                <a:ext uri="{FF2B5EF4-FFF2-40B4-BE49-F238E27FC236}">
+                  <a16:creationId xmlns:a16="http://schemas.microsoft.com/office/drawing/2014/main" id="{E280CEF5-7BED-4E18-9CB6-5F539998C06E}"/>
+                </a:ext>
+              </a:extLst>
+            </p:cNvPr>
+            <p:cNvSpPr/>
+            <p:nvPr/>
+          </p:nvSpPr>
+          <p:spPr bwMode="auto">
+            <a:xfrm>
+              <a:off x="1487553" y="2335312"/>
+              <a:ext cx="1117050" cy="1117050"/>
+            </a:xfrm>
+            <a:prstGeom prst="ellipse">
+              <a:avLst/>
+            </a:prstGeom>
+            <a:pattFill prst="ltUpDiag">
+              <a:fgClr>
+                <a:srgbClr val="CDCDCD"/>
+              </a:fgClr>
+              <a:bgClr>
+                <a:srgbClr val="FFFFFF"/>
+              </a:bgClr>
+            </a:pattFill>
+            <a:ln w="57150" cap="flat" cmpd="sng" algn="ctr">
+              <a:solidFill>
+                <a:srgbClr val="4F81BD"/>
+              </a:solidFill>
+              <a:prstDash val="solid"/>
+              <a:headEnd type="none" w="med" len="med"/>
+              <a:tailEnd type="none" w="med" len="med"/>
+            </a:ln>
+            <a:effectLst/>
+          </p:spPr>
+          <p:txBody>
+            <a:bodyPr rot="0" spcFirstLastPara="0" vertOverflow="overflow" horzOverflow="overflow" vert="horz" wrap="square" lIns="182857" tIns="146285" rIns="182857" bIns="146285" numCol="1" spcCol="0" rtlCol="0" fromWordArt="0" anchor="t" anchorCtr="0" forceAA="0" compatLnSpc="1">
+              <a:prstTxWarp prst="textNoShape">
+                <a:avLst/>
+              </a:prstTxWarp>
+              <a:noAutofit/>
+            </a:bodyPr>
+            <a:lstStyle/>
+            <a:p>
+              <a:pPr defTabSz="914008" fontAlgn="base">
+                <a:lnSpc>
+                  <a:spcPct val="90000"/>
+                </a:lnSpc>
+                <a:spcBef>
+                  <a:spcPct val="0"/>
+                </a:spcBef>
+                <a:spcAft>
+                  <a:spcPct val="0"/>
+                </a:spcAft>
+                <a:defRPr/>
+              </a:pPr>
+              <a:endParaRPr lang="en-US" sz="3600" kern="0" spc="-50" dirty="0">
+                <a:gradFill>
+                  <a:gsLst>
+                    <a:gs pos="36283">
+                      <a:srgbClr val="505050"/>
+                    </a:gs>
+                    <a:gs pos="28000">
+                      <a:srgbClr val="505050"/>
+                    </a:gs>
+                  </a:gsLst>
+                  <a:lin ang="5400000" scaled="0"/>
+                </a:gradFill>
+                <a:latin typeface="Calibri"/>
+              </a:endParaRPr>
+            </a:p>
+          </p:txBody>
+        </p:sp>
+        <p:sp>
+          <p:nvSpPr>
+            <p:cNvPr id="38" name="Freeform 15">
+              <a:extLst>
+                <a:ext uri="{FF2B5EF4-FFF2-40B4-BE49-F238E27FC236}">
+                  <a16:creationId xmlns:a16="http://schemas.microsoft.com/office/drawing/2014/main" id="{541645FA-FC3D-4A0D-8207-2C2C6DB9C79E}"/>
+                </a:ext>
+              </a:extLst>
+            </p:cNvPr>
+            <p:cNvSpPr>
+              <a:spLocks noChangeAspect="1" noEditPoints="1"/>
+            </p:cNvSpPr>
+            <p:nvPr/>
+          </p:nvSpPr>
+          <p:spPr bwMode="auto">
+            <a:xfrm>
+              <a:off x="1794197" y="2563571"/>
+              <a:ext cx="514350" cy="386305"/>
+            </a:xfrm>
+            <a:custGeom>
+              <a:avLst/>
+              <a:gdLst>
+                <a:gd name="T0" fmla="*/ 224 w 400"/>
+                <a:gd name="T1" fmla="*/ 276 h 300"/>
+                <a:gd name="T2" fmla="*/ 200 w 400"/>
+                <a:gd name="T3" fmla="*/ 300 h 300"/>
+                <a:gd name="T4" fmla="*/ 176 w 400"/>
+                <a:gd name="T5" fmla="*/ 276 h 300"/>
+                <a:gd name="T6" fmla="*/ 200 w 400"/>
+                <a:gd name="T7" fmla="*/ 252 h 300"/>
+                <a:gd name="T8" fmla="*/ 224 w 400"/>
+                <a:gd name="T9" fmla="*/ 276 h 300"/>
+                <a:gd name="T10" fmla="*/ 122 w 400"/>
+                <a:gd name="T11" fmla="*/ 205 h 300"/>
+                <a:gd name="T12" fmla="*/ 156 w 400"/>
+                <a:gd name="T13" fmla="*/ 239 h 300"/>
+                <a:gd name="T14" fmla="*/ 200 w 400"/>
+                <a:gd name="T15" fmla="*/ 221 h 300"/>
+                <a:gd name="T16" fmla="*/ 244 w 400"/>
+                <a:gd name="T17" fmla="*/ 239 h 300"/>
+                <a:gd name="T18" fmla="*/ 278 w 400"/>
+                <a:gd name="T19" fmla="*/ 205 h 300"/>
+                <a:gd name="T20" fmla="*/ 200 w 400"/>
+                <a:gd name="T21" fmla="*/ 173 h 300"/>
+                <a:gd name="T22" fmla="*/ 122 w 400"/>
+                <a:gd name="T23" fmla="*/ 205 h 300"/>
+                <a:gd name="T24" fmla="*/ 61 w 400"/>
+                <a:gd name="T25" fmla="*/ 144 h 300"/>
+                <a:gd name="T26" fmla="*/ 95 w 400"/>
+                <a:gd name="T27" fmla="*/ 178 h 300"/>
+                <a:gd name="T28" fmla="*/ 200 w 400"/>
+                <a:gd name="T29" fmla="*/ 134 h 300"/>
+                <a:gd name="T30" fmla="*/ 305 w 400"/>
+                <a:gd name="T31" fmla="*/ 178 h 300"/>
+                <a:gd name="T32" fmla="*/ 339 w 400"/>
+                <a:gd name="T33" fmla="*/ 144 h 300"/>
+                <a:gd name="T34" fmla="*/ 200 w 400"/>
+                <a:gd name="T35" fmla="*/ 86 h 300"/>
+                <a:gd name="T36" fmla="*/ 61 w 400"/>
+                <a:gd name="T37" fmla="*/ 144 h 300"/>
+                <a:gd name="T38" fmla="*/ 200 w 400"/>
+                <a:gd name="T39" fmla="*/ 48 h 300"/>
+                <a:gd name="T40" fmla="*/ 366 w 400"/>
+                <a:gd name="T41" fmla="*/ 117 h 300"/>
+                <a:gd name="T42" fmla="*/ 400 w 400"/>
+                <a:gd name="T43" fmla="*/ 83 h 300"/>
+                <a:gd name="T44" fmla="*/ 200 w 400"/>
+                <a:gd name="T45" fmla="*/ 0 h 300"/>
+                <a:gd name="T46" fmla="*/ 0 w 400"/>
+                <a:gd name="T47" fmla="*/ 83 h 300"/>
+                <a:gd name="T48" fmla="*/ 34 w 400"/>
+                <a:gd name="T49" fmla="*/ 117 h 300"/>
+                <a:gd name="T50" fmla="*/ 200 w 400"/>
+                <a:gd name="T51" fmla="*/ 48 h 300"/>
+              </a:gdLst>
+              <a:ahLst/>
+              <a:cxnLst>
+                <a:cxn ang="0">
+                  <a:pos x="T0" y="T1"/>
+                </a:cxn>
+                <a:cxn ang="0">
+                  <a:pos x="T2" y="T3"/>
+                </a:cxn>
+                <a:cxn ang="0">
+                  <a:pos x="T4" y="T5"/>
+                </a:cxn>
+                <a:cxn ang="0">
+                  <a:pos x="T6" y="T7"/>
+                </a:cxn>
+                <a:cxn ang="0">
+                  <a:pos x="T8" y="T9"/>
+                </a:cxn>
+                <a:cxn ang="0">
+                  <a:pos x="T10" y="T11"/>
+                </a:cxn>
+                <a:cxn ang="0">
+                  <a:pos x="T12" y="T13"/>
+                </a:cxn>
+                <a:cxn ang="0">
+                  <a:pos x="T14" y="T15"/>
+                </a:cxn>
+                <a:cxn ang="0">
+                  <a:pos x="T16" y="T17"/>
+                </a:cxn>
+                <a:cxn ang="0">
+                  <a:pos x="T18" y="T19"/>
+                </a:cxn>
+                <a:cxn ang="0">
+                  <a:pos x="T20" y="T21"/>
+                </a:cxn>
+                <a:cxn ang="0">
+                  <a:pos x="T22" y="T23"/>
+                </a:cxn>
+                <a:cxn ang="0">
+                  <a:pos x="T24" y="T25"/>
+                </a:cxn>
+                <a:cxn ang="0">
+                  <a:pos x="T26" y="T27"/>
+                </a:cxn>
+                <a:cxn ang="0">
+                  <a:pos x="T28" y="T29"/>
+                </a:cxn>
+                <a:cxn ang="0">
+                  <a:pos x="T30" y="T31"/>
+                </a:cxn>
+                <a:cxn ang="0">
+                  <a:pos x="T32" y="T33"/>
+                </a:cxn>
+                <a:cxn ang="0">
+                  <a:pos x="T34" y="T35"/>
+                </a:cxn>
+                <a:cxn ang="0">
+                  <a:pos x="T36" y="T37"/>
+                </a:cxn>
+                <a:cxn ang="0">
+                  <a:pos x="T38" y="T39"/>
+                </a:cxn>
+                <a:cxn ang="0">
+                  <a:pos x="T40" y="T41"/>
+                </a:cxn>
+                <a:cxn ang="0">
+                  <a:pos x="T42" y="T43"/>
+                </a:cxn>
+                <a:cxn ang="0">
+                  <a:pos x="T44" y="T45"/>
+                </a:cxn>
+                <a:cxn ang="0">
+                  <a:pos x="T46" y="T47"/>
+                </a:cxn>
+                <a:cxn ang="0">
+                  <a:pos x="T48" y="T49"/>
+                </a:cxn>
+                <a:cxn ang="0">
+                  <a:pos x="T50" y="T51"/>
+                </a:cxn>
+              </a:cxnLst>
+              <a:rect l="0" t="0" r="r" b="b"/>
+              <a:pathLst>
+                <a:path w="400" h="300">
+                  <a:moveTo>
+                    <a:pt x="224" y="276"/>
+                  </a:moveTo>
+                  <a:cubicBezTo>
+                    <a:pt x="224" y="289"/>
+                    <a:pt x="213" y="300"/>
+                    <a:pt x="200" y="300"/>
+                  </a:cubicBezTo>
+                  <a:cubicBezTo>
+                    <a:pt x="187" y="300"/>
+                    <a:pt x="176" y="289"/>
+                    <a:pt x="176" y="276"/>
+                  </a:cubicBezTo>
+                  <a:cubicBezTo>
+                    <a:pt x="176" y="263"/>
+                    <a:pt x="187" y="252"/>
+                    <a:pt x="200" y="252"/>
+                  </a:cubicBezTo>
+                  <a:cubicBezTo>
+                    <a:pt x="213" y="252"/>
+                    <a:pt x="224" y="263"/>
+                    <a:pt x="224" y="276"/>
+                  </a:cubicBezTo>
+                  <a:close/>
+                  <a:moveTo>
+                    <a:pt x="122" y="205"/>
+                  </a:moveTo>
+                  <a:cubicBezTo>
+                    <a:pt x="156" y="239"/>
+                    <a:pt x="156" y="239"/>
+                    <a:pt x="156" y="239"/>
+                  </a:cubicBezTo>
+                  <a:cubicBezTo>
+                    <a:pt x="167" y="228"/>
+                    <a:pt x="183" y="221"/>
+                    <a:pt x="200" y="221"/>
+                  </a:cubicBezTo>
+                  <a:cubicBezTo>
+                    <a:pt x="217" y="221"/>
+                    <a:pt x="233" y="228"/>
+                    <a:pt x="244" y="239"/>
+                  </a:cubicBezTo>
+                  <a:cubicBezTo>
+                    <a:pt x="278" y="205"/>
+                    <a:pt x="278" y="205"/>
+                    <a:pt x="278" y="205"/>
+                  </a:cubicBezTo>
+                  <a:cubicBezTo>
+                    <a:pt x="258" y="185"/>
+                    <a:pt x="230" y="173"/>
+                    <a:pt x="200" y="173"/>
+                  </a:cubicBezTo>
+                  <a:cubicBezTo>
+                    <a:pt x="170" y="173"/>
+                    <a:pt x="142" y="185"/>
+                    <a:pt x="122" y="205"/>
+                  </a:cubicBezTo>
+                  <a:close/>
+                  <a:moveTo>
+                    <a:pt x="61" y="144"/>
+                  </a:moveTo>
+                  <a:cubicBezTo>
+                    <a:pt x="95" y="178"/>
+                    <a:pt x="95" y="178"/>
+                    <a:pt x="95" y="178"/>
+                  </a:cubicBezTo>
+                  <a:cubicBezTo>
+                    <a:pt x="122" y="151"/>
+                    <a:pt x="159" y="134"/>
+                    <a:pt x="200" y="134"/>
+                  </a:cubicBezTo>
+                  <a:cubicBezTo>
+                    <a:pt x="241" y="134"/>
+                    <a:pt x="278" y="151"/>
+                    <a:pt x="305" y="178"/>
+                  </a:cubicBezTo>
+                  <a:cubicBezTo>
+                    <a:pt x="339" y="144"/>
+                    <a:pt x="339" y="144"/>
+                    <a:pt x="339" y="144"/>
+                  </a:cubicBezTo>
+                  <a:cubicBezTo>
+                    <a:pt x="303" y="109"/>
+                    <a:pt x="254" y="86"/>
+                    <a:pt x="200" y="86"/>
+                  </a:cubicBezTo>
+                  <a:cubicBezTo>
+                    <a:pt x="146" y="86"/>
+                    <a:pt x="97" y="109"/>
+                    <a:pt x="61" y="144"/>
+                  </a:cubicBezTo>
+                  <a:close/>
+                  <a:moveTo>
+                    <a:pt x="200" y="48"/>
+                  </a:moveTo>
+                  <a:cubicBezTo>
+                    <a:pt x="265" y="48"/>
+                    <a:pt x="324" y="74"/>
+                    <a:pt x="366" y="117"/>
+                  </a:cubicBezTo>
+                  <a:cubicBezTo>
+                    <a:pt x="400" y="83"/>
+                    <a:pt x="400" y="83"/>
+                    <a:pt x="400" y="83"/>
+                  </a:cubicBezTo>
+                  <a:cubicBezTo>
+                    <a:pt x="349" y="32"/>
+                    <a:pt x="278" y="0"/>
+                    <a:pt x="200" y="0"/>
+                  </a:cubicBezTo>
+                  <a:cubicBezTo>
+                    <a:pt x="122" y="0"/>
+                    <a:pt x="51" y="32"/>
+                    <a:pt x="0" y="83"/>
+                  </a:cubicBezTo>
+                  <a:cubicBezTo>
+                    <a:pt x="34" y="117"/>
+                    <a:pt x="34" y="117"/>
+                    <a:pt x="34" y="117"/>
+                  </a:cubicBezTo>
+                  <a:cubicBezTo>
+                    <a:pt x="76" y="74"/>
+                    <a:pt x="135" y="48"/>
+                    <a:pt x="200" y="48"/>
+                  </a:cubicBezTo>
+                  <a:close/>
+                </a:path>
+              </a:pathLst>
+            </a:custGeom>
+            <a:solidFill>
+              <a:srgbClr val="1F497D"/>
+            </a:solidFill>
+            <a:ln>
+              <a:noFill/>
+            </a:ln>
+            <a:extLst/>
+          </p:spPr>
+          <p:txBody>
+            <a:bodyPr vert="horz" wrap="square" lIns="91428" tIns="45714" rIns="91428" bIns="45714" numCol="1" anchor="t" anchorCtr="0" compatLnSpc="1">
+              <a:prstTxWarp prst="textNoShape">
+                <a:avLst/>
+              </a:prstTxWarp>
+            </a:bodyPr>
+            <a:lstStyle/>
+            <a:p>
+              <a:pPr defTabSz="932410">
+                <a:defRPr/>
+              </a:pPr>
+              <a:endParaRPr lang="en-US" sz="2800" kern="0" dirty="0">
+                <a:solidFill>
+                  <a:srgbClr val="00188F"/>
+                </a:solidFill>
+                <a:latin typeface="Calibri"/>
+              </a:endParaRPr>
+            </a:p>
+          </p:txBody>
+        </p:sp>
+        <p:sp>
+          <p:nvSpPr>
+            <p:cNvPr id="39" name="TextBox 38">
+              <a:extLst>
+                <a:ext uri="{FF2B5EF4-FFF2-40B4-BE49-F238E27FC236}">
+                  <a16:creationId xmlns:a16="http://schemas.microsoft.com/office/drawing/2014/main" id="{4C2A685F-05D4-43B4-B806-6FB8218A5F8F}"/>
+                </a:ext>
+              </a:extLst>
+            </p:cNvPr>
+            <p:cNvSpPr txBox="1"/>
+            <p:nvPr/>
+          </p:nvSpPr>
+          <p:spPr>
+            <a:xfrm>
+              <a:off x="1441498" y="2804059"/>
+              <a:ext cx="1209154" cy="566915"/>
+            </a:xfrm>
+            <a:prstGeom prst="rect">
+              <a:avLst/>
+            </a:prstGeom>
+            <a:noFill/>
+          </p:spPr>
+          <p:txBody>
+            <a:bodyPr wrap="none" lIns="182857" tIns="146285" rIns="182857" bIns="146285" rtlCol="0" anchor="ctr">
+              <a:spAutoFit/>
+            </a:bodyPr>
+            <a:lstStyle/>
+            <a:p>
+              <a:pPr algn="ctr" defTabSz="932410">
+                <a:lnSpc>
+                  <a:spcPct val="90000"/>
+                </a:lnSpc>
+                <a:defRPr/>
+              </a:pPr>
+              <a:r>
+                <a:rPr lang="en-US" sz="2400" kern="0" spc="-50" dirty="0">
+                  <a:solidFill>
+                    <a:srgbClr val="00188F"/>
+                  </a:solidFill>
+                  <a:latin typeface="Calibri"/>
+                </a:rPr>
+                <a:t>Internet</a:t>
+              </a:r>
+            </a:p>
+          </p:txBody>
+        </p:sp>
+      </p:grpSp>
+      <p:sp>
+        <p:nvSpPr>
+          <p:cNvPr id="40" name="Left Arrow 5">
+            <a:extLst>
+              <a:ext uri="{FF2B5EF4-FFF2-40B4-BE49-F238E27FC236}">
+                <a16:creationId xmlns:a16="http://schemas.microsoft.com/office/drawing/2014/main" id="{DA39F548-F403-4C2D-BB8A-B3DFFFDA3353}"/>
+              </a:ext>
+            </a:extLst>
+          </p:cNvPr>
+          <p:cNvSpPr/>
+          <p:nvPr/>
+        </p:nvSpPr>
+        <p:spPr bwMode="auto">
+          <a:xfrm>
+            <a:off x="10028698" y="3773527"/>
+            <a:ext cx="743168" cy="380951"/>
+          </a:xfrm>
+          <a:prstGeom prst="leftArrow">
+            <a:avLst/>
+          </a:prstGeom>
+          <a:solidFill>
+            <a:schemeClr val="accent1"/>
+          </a:solidFill>
+          <a:ln w="3175">
+            <a:noFill/>
+            <a:headEnd type="none" w="med" len="med"/>
+            <a:tailEnd type="none" w="med" len="med"/>
+          </a:ln>
+        </p:spPr>
+        <p:style>
+          <a:lnRef idx="2">
+            <a:schemeClr val="accent1">
+              <a:shade val="50000"/>
+            </a:schemeClr>
+          </a:lnRef>
+          <a:fillRef idx="1">
+            <a:schemeClr val="accent1"/>
+          </a:fillRef>
+          <a:effectRef idx="0">
+            <a:schemeClr val="accent1"/>
+          </a:effectRef>
+          <a:fontRef idx="minor">
+            <a:schemeClr val="lt1"/>
+          </a:fontRef>
+        </p:style>
+        <p:txBody>
+          <a:bodyPr vert="horz" wrap="square" lIns="0" tIns="46631" rIns="0" bIns="46631" numCol="1" rtlCol="0" anchor="ctr" anchorCtr="0" compatLnSpc="1">
+            <a:prstTxWarp prst="textNoShape">
+              <a:avLst/>
+            </a:prstTxWarp>
+          </a:bodyPr>
+          <a:lstStyle/>
+          <a:p>
+            <a:pPr algn="ctr" defTabSz="932379" fontAlgn="base">
+              <a:spcBef>
+                <a:spcPct val="0"/>
+              </a:spcBef>
+              <a:spcAft>
+                <a:spcPct val="0"/>
+              </a:spcAft>
+            </a:pPr>
+            <a:endParaRPr lang="en-US" sz="2000" dirty="0">
+              <a:gradFill>
+                <a:gsLst>
+                  <a:gs pos="0">
+                    <a:srgbClr val="FFFFFF"/>
+                  </a:gs>
+                  <a:gs pos="100000">
+                    <a:srgbClr val="FFFFFF"/>
+                  </a:gs>
+                </a:gsLst>
+                <a:lin ang="5400000" scaled="0"/>
+              </a:gradFill>
+            </a:endParaRPr>
+          </a:p>
+        </p:txBody>
+      </p:sp>
+      <p:sp>
+        <p:nvSpPr>
+          <p:cNvPr id="41" name="Oval 40">
+            <a:extLst>
+              <a:ext uri="{FF2B5EF4-FFF2-40B4-BE49-F238E27FC236}">
+                <a16:creationId xmlns:a16="http://schemas.microsoft.com/office/drawing/2014/main" id="{E6AD4585-DC11-4493-9766-BE0488B59C4A}"/>
+              </a:ext>
+            </a:extLst>
+          </p:cNvPr>
+          <p:cNvSpPr/>
+          <p:nvPr/>
+        </p:nvSpPr>
+        <p:spPr bwMode="auto">
+          <a:xfrm flipH="1">
+            <a:off x="352344" y="1544164"/>
+            <a:ext cx="7695432" cy="4839675"/>
+          </a:xfrm>
+          <a:prstGeom prst="ellipse">
+            <a:avLst/>
+          </a:prstGeom>
+          <a:noFill/>
+          <a:ln w="25400">
+            <a:solidFill>
+              <a:schemeClr val="tx1"/>
+            </a:solidFill>
+            <a:prstDash val="dash"/>
+            <a:headEnd type="none" w="med" len="med"/>
+            <a:tailEnd type="none" w="med" len="med"/>
+          </a:ln>
+        </p:spPr>
+        <p:style>
+          <a:lnRef idx="2">
+            <a:schemeClr val="accent1">
+              <a:shade val="50000"/>
+            </a:schemeClr>
+          </a:lnRef>
+          <a:fillRef idx="1">
+            <a:schemeClr val="accent1"/>
+          </a:fillRef>
+          <a:effectRef idx="0">
+            <a:schemeClr val="accent1"/>
+          </a:effectRef>
+          <a:fontRef idx="minor">
+            <a:schemeClr val="lt1"/>
+          </a:fontRef>
+        </p:style>
+        <p:txBody>
+          <a:bodyPr vert="horz" wrap="square" lIns="0" tIns="46631" rIns="0" bIns="46631" numCol="1" rtlCol="0" anchor="ctr" anchorCtr="0" compatLnSpc="1">
+            <a:prstTxWarp prst="textNoShape">
+              <a:avLst/>
+            </a:prstTxWarp>
+          </a:bodyPr>
+          <a:lstStyle/>
+          <a:p>
+            <a:pPr algn="ctr" defTabSz="932379" fontAlgn="base">
+              <a:spcBef>
+                <a:spcPct val="0"/>
+              </a:spcBef>
+              <a:spcAft>
+                <a:spcPct val="0"/>
+              </a:spcAft>
+            </a:pPr>
+            <a:endParaRPr lang="en-US" sz="2000" dirty="0">
+              <a:gradFill>
+                <a:gsLst>
+                  <a:gs pos="0">
+                    <a:srgbClr val="FFFFFF"/>
+                  </a:gs>
+                  <a:gs pos="100000">
+                    <a:srgbClr val="FFFFFF"/>
+                  </a:gs>
+                </a:gsLst>
+                <a:lin ang="5400000" scaled="0"/>
+              </a:gradFill>
+            </a:endParaRPr>
+          </a:p>
+        </p:txBody>
+      </p:sp>
+      <p:sp>
+        <p:nvSpPr>
+          <p:cNvPr id="42" name="TextBox 41">
+            <a:extLst>
+              <a:ext uri="{FF2B5EF4-FFF2-40B4-BE49-F238E27FC236}">
+                <a16:creationId xmlns:a16="http://schemas.microsoft.com/office/drawing/2014/main" id="{4640653C-EE40-47DE-A630-BA11A0CF3EF7}"/>
+              </a:ext>
+            </a:extLst>
+          </p:cNvPr>
+          <p:cNvSpPr txBox="1"/>
+          <p:nvPr/>
+        </p:nvSpPr>
+        <p:spPr>
+          <a:xfrm flipH="1">
+            <a:off x="7561707" y="3713893"/>
+            <a:ext cx="918923" cy="572426"/>
+          </a:xfrm>
+          <a:prstGeom prst="rect">
+            <a:avLst/>
+          </a:prstGeom>
+          <a:noFill/>
+        </p:spPr>
+        <p:txBody>
+          <a:bodyPr wrap="none" lIns="182857" tIns="146285" rIns="182857" bIns="146285" rtlCol="0">
+            <a:spAutoFit/>
+          </a:bodyPr>
+          <a:lstStyle/>
+          <a:p>
+            <a:pPr algn="ctr">
+              <a:lnSpc>
+                <a:spcPct val="90000"/>
+              </a:lnSpc>
+              <a:spcAft>
+                <a:spcPts val="600"/>
+              </a:spcAft>
+            </a:pPr>
+            <a:r>
+              <a:rPr lang="en-US" sz="2000" dirty="0">
+                <a:solidFill>
+                  <a:schemeClr val="tx2"/>
+                </a:solidFill>
+                <a:effectLst>
+                  <a:outerShdw blurRad="38100" dist="38100" dir="2700000" algn="tl">
+                    <a:srgbClr val="000000">
+                      <a:alpha val="43137"/>
+                    </a:srgbClr>
+                  </a:outerShdw>
+                </a:effectLst>
+              </a:rPr>
+              <a:t>ACLs</a:t>
+            </a:r>
+            <a:endParaRPr lang="en-US" sz="2000" dirty="0">
+              <a:solidFill>
+                <a:schemeClr val="tx2"/>
+              </a:solidFill>
+            </a:endParaRPr>
+          </a:p>
+        </p:txBody>
+      </p:sp>
+    </p:spTree>
+    <p:extLst>
+      <p:ext uri="{BB962C8B-B14F-4D97-AF65-F5344CB8AC3E}">
+        <p14:creationId xmlns:p14="http://schemas.microsoft.com/office/powerpoint/2010/main" val="257471328"/>
+      </p:ext>
+    </p:extLst>
+  </p:cSld>
+  <p:clrMapOvr>
+    <a:masterClrMapping/>
+  </p:clrMapOvr>
+</p:sld>
+</file>
+
+<file path=ppt/slides/slide7.xml><?xml version="1.0" encoding="utf-8"?>
+<p:sld xmlns:a="http://schemas.openxmlformats.org/drawingml/2006/main" xmlns:r="http://schemas.openxmlformats.org/officeDocument/2006/relationships" xmlns:p="http://schemas.openxmlformats.org/presentationml/2006/main">
+  <p:cSld>
+    <p:spTree>
+      <p:nvGrpSpPr>
+        <p:cNvPr id="1" name=""/>
+        <p:cNvGrpSpPr/>
+        <p:nvPr/>
+      </p:nvGrpSpPr>
+      <p:grpSpPr>
+        <a:xfrm>
+          <a:off x="0" y="0"/>
+          <a:ext cx="0" cy="0"/>
+          <a:chOff x="0" y="0"/>
+          <a:chExt cx="0" cy="0"/>
+        </a:xfrm>
+      </p:grpSpPr>
+      <p:sp>
+        <p:nvSpPr>
           <p:cNvPr id="2" name="Title 1">
             <a:extLst>
               <a:ext uri="{FF2B5EF4-FFF2-40B4-BE49-F238E27FC236}">
@@ -7647,7 +11321,7 @@
 </p:sld>
 </file>
 
-<file path=ppt/slides/slide7.xml><?xml version="1.0" encoding="utf-8"?>
+<file path=ppt/slides/slide8.xml><?xml version="1.0" encoding="utf-8"?>
 <p:sld xmlns:a="http://schemas.openxmlformats.org/drawingml/2006/main" xmlns:r="http://schemas.openxmlformats.org/officeDocument/2006/relationships" xmlns:p="http://schemas.openxmlformats.org/presentationml/2006/main">
   <p:cSld>
     <p:spTree>
@@ -8553,7 +12227,7 @@
 </p:sld>
 </file>
 
-<file path=ppt/slides/slide8.xml><?xml version="1.0" encoding="utf-8"?>
+<file path=ppt/slides/slide9.xml><?xml version="1.0" encoding="utf-8"?>
 <p:sld xmlns:a="http://schemas.openxmlformats.org/drawingml/2006/main" xmlns:r="http://schemas.openxmlformats.org/officeDocument/2006/relationships" xmlns:p="http://schemas.openxmlformats.org/presentationml/2006/main">
   <p:cSld>
     <p:spTree>
@@ -10055,1929 +13729,6 @@
     <p:extLst>
       <p:ext uri="{BB962C8B-B14F-4D97-AF65-F5344CB8AC3E}">
         <p14:creationId xmlns:p14="http://schemas.microsoft.com/office/powerpoint/2010/main" val="4150019125"/>
-      </p:ext>
-    </p:extLst>
-  </p:cSld>
-  <p:clrMapOvr>
-    <a:masterClrMapping/>
-  </p:clrMapOvr>
-</p:sld>
-</file>
-
-<file path=ppt/slides/slide9.xml><?xml version="1.0" encoding="utf-8"?>
-<p:sld xmlns:a="http://schemas.openxmlformats.org/drawingml/2006/main" xmlns:r="http://schemas.openxmlformats.org/officeDocument/2006/relationships" xmlns:p="http://schemas.openxmlformats.org/presentationml/2006/main">
-  <p:cSld>
-    <p:spTree>
-      <p:nvGrpSpPr>
-        <p:cNvPr id="1" name=""/>
-        <p:cNvGrpSpPr/>
-        <p:nvPr/>
-      </p:nvGrpSpPr>
-      <p:grpSpPr>
-        <a:xfrm>
-          <a:off x="0" y="0"/>
-          <a:ext cx="0" cy="0"/>
-          <a:chOff x="0" y="0"/>
-          <a:chExt cx="0" cy="0"/>
-        </a:xfrm>
-      </p:grpSpPr>
-      <p:sp>
-        <p:nvSpPr>
-          <p:cNvPr id="2" name="Title 1">
-            <a:extLst>
-              <a:ext uri="{FF2B5EF4-FFF2-40B4-BE49-F238E27FC236}">
-                <a16:creationId xmlns:a16="http://schemas.microsoft.com/office/drawing/2014/main" id="{C27A62A0-E3E3-4DCB-BBC5-63FDB474798C}"/>
-              </a:ext>
-            </a:extLst>
-          </p:cNvPr>
-          <p:cNvSpPr>
-            <a:spLocks noGrp="1"/>
-          </p:cNvSpPr>
-          <p:nvPr>
-            <p:ph type="title"/>
-          </p:nvPr>
-        </p:nvSpPr>
-        <p:spPr/>
-        <p:txBody>
-          <a:bodyPr/>
-          <a:lstStyle/>
-          <a:p>
-            <a:r>
-              <a:rPr lang="en-US" dirty="0"/>
-              <a:t>Workshop Scenario</a:t>
-            </a:r>
-          </a:p>
-        </p:txBody>
-      </p:sp>
-      <p:sp>
-        <p:nvSpPr>
-          <p:cNvPr id="3" name="Content Placeholder 2">
-            <a:extLst>
-              <a:ext uri="{FF2B5EF4-FFF2-40B4-BE49-F238E27FC236}">
-                <a16:creationId xmlns:a16="http://schemas.microsoft.com/office/drawing/2014/main" id="{5C351E07-3D78-4561-8477-B8F12B98225E}"/>
-              </a:ext>
-            </a:extLst>
-          </p:cNvPr>
-          <p:cNvSpPr>
-            <a:spLocks noGrp="1"/>
-          </p:cNvSpPr>
-          <p:nvPr>
-            <p:ph idx="1"/>
-          </p:nvPr>
-        </p:nvSpPr>
-        <p:spPr>
-          <a:ln>
-            <a:solidFill>
-              <a:schemeClr val="bg1">
-                <a:lumMod val="50000"/>
-              </a:schemeClr>
-            </a:solidFill>
-          </a:ln>
-        </p:spPr>
-        <p:txBody>
-          <a:bodyPr/>
-          <a:lstStyle/>
-          <a:p>
-            <a:pPr marL="0" indent="0">
-              <a:buNone/>
-            </a:pPr>
-            <a:r>
-              <a:rPr lang="en-US" dirty="0"/>
-              <a:t> </a:t>
-            </a:r>
-          </a:p>
-        </p:txBody>
-      </p:sp>
-      <p:sp>
-        <p:nvSpPr>
-          <p:cNvPr id="4" name="Text Placeholder 3">
-            <a:extLst>
-              <a:ext uri="{FF2B5EF4-FFF2-40B4-BE49-F238E27FC236}">
-                <a16:creationId xmlns:a16="http://schemas.microsoft.com/office/drawing/2014/main" id="{09E79592-AC01-4B52-8C3A-216E9F84829F}"/>
-              </a:ext>
-            </a:extLst>
-          </p:cNvPr>
-          <p:cNvSpPr>
-            <a:spLocks noGrp="1"/>
-          </p:cNvSpPr>
-          <p:nvPr>
-            <p:ph type="body" sz="quarter" idx="10"/>
-          </p:nvPr>
-        </p:nvSpPr>
-        <p:spPr/>
-        <p:txBody>
-          <a:bodyPr/>
-          <a:lstStyle/>
-          <a:p>
-            <a:r>
-              <a:rPr lang="en-US" dirty="0"/>
-              <a:t>v. </a:t>
-            </a:r>
-            <a:r>
-              <a:rPr lang="en-US" altLang="en-US" dirty="0"/>
-              <a:t>Move VM using Azure cli</a:t>
-            </a:r>
-          </a:p>
-        </p:txBody>
-      </p:sp>
-      <p:sp>
-        <p:nvSpPr>
-          <p:cNvPr id="6" name="Rectangle: Rounded Corners 5">
-            <a:extLst>
-              <a:ext uri="{FF2B5EF4-FFF2-40B4-BE49-F238E27FC236}">
-                <a16:creationId xmlns:a16="http://schemas.microsoft.com/office/drawing/2014/main" id="{34E48EE7-2615-4F96-9B45-DFE43F76D005}"/>
-              </a:ext>
-            </a:extLst>
-          </p:cNvPr>
-          <p:cNvSpPr/>
-          <p:nvPr/>
-        </p:nvSpPr>
-        <p:spPr>
-          <a:xfrm>
-            <a:off x="4865052" y="2848456"/>
-            <a:ext cx="2451807" cy="3288616"/>
-          </a:xfrm>
-          <a:prstGeom prst="roundRect">
-            <a:avLst>
-              <a:gd name="adj" fmla="val 0"/>
-            </a:avLst>
-          </a:prstGeom>
-          <a:solidFill>
-            <a:schemeClr val="tx2">
-              <a:lumMod val="20000"/>
-              <a:lumOff val="80000"/>
-            </a:schemeClr>
-          </a:solidFill>
-          <a:ln w="12700">
-            <a:noFill/>
-            <a:prstDash val="solid"/>
-          </a:ln>
-        </p:spPr>
-        <p:style>
-          <a:lnRef idx="2">
-            <a:schemeClr val="accent1">
-              <a:shade val="50000"/>
-            </a:schemeClr>
-          </a:lnRef>
-          <a:fillRef idx="1">
-            <a:schemeClr val="accent1"/>
-          </a:fillRef>
-          <a:effectRef idx="0">
-            <a:schemeClr val="accent1"/>
-          </a:effectRef>
-          <a:fontRef idx="minor">
-            <a:schemeClr val="lt1"/>
-          </a:fontRef>
-        </p:style>
-        <p:txBody>
-          <a:bodyPr rtlCol="0" anchor="ctr"/>
-          <a:lstStyle/>
-          <a:p>
-            <a:pPr algn="ctr"/>
-            <a:endParaRPr lang="en-US"/>
-          </a:p>
-        </p:txBody>
-      </p:sp>
-      <p:sp>
-        <p:nvSpPr>
-          <p:cNvPr id="7" name="Rectangle: Rounded Corners 6">
-            <a:extLst>
-              <a:ext uri="{FF2B5EF4-FFF2-40B4-BE49-F238E27FC236}">
-                <a16:creationId xmlns:a16="http://schemas.microsoft.com/office/drawing/2014/main" id="{EF6C0BAF-95A7-4197-A14B-C89CD3427119}"/>
-              </a:ext>
-            </a:extLst>
-          </p:cNvPr>
-          <p:cNvSpPr/>
-          <p:nvPr/>
-        </p:nvSpPr>
-        <p:spPr>
-          <a:xfrm>
-            <a:off x="7455203" y="2848456"/>
-            <a:ext cx="3899145" cy="3288616"/>
-          </a:xfrm>
-          <a:prstGeom prst="roundRect">
-            <a:avLst>
-              <a:gd name="adj" fmla="val 0"/>
-            </a:avLst>
-          </a:prstGeom>
-          <a:solidFill>
-            <a:schemeClr val="tx2">
-              <a:lumMod val="20000"/>
-              <a:lumOff val="80000"/>
-            </a:schemeClr>
-          </a:solidFill>
-          <a:ln w="12700">
-            <a:noFill/>
-            <a:prstDash val="solid"/>
-          </a:ln>
-        </p:spPr>
-        <p:style>
-          <a:lnRef idx="2">
-            <a:schemeClr val="accent1">
-              <a:shade val="50000"/>
-            </a:schemeClr>
-          </a:lnRef>
-          <a:fillRef idx="1">
-            <a:schemeClr val="accent1"/>
-          </a:fillRef>
-          <a:effectRef idx="0">
-            <a:schemeClr val="accent1"/>
-          </a:effectRef>
-          <a:fontRef idx="minor">
-            <a:schemeClr val="lt1"/>
-          </a:fontRef>
-        </p:style>
-        <p:txBody>
-          <a:bodyPr rtlCol="0" anchor="ctr"/>
-          <a:lstStyle/>
-          <a:p>
-            <a:pPr algn="ctr"/>
-            <a:endParaRPr lang="en-US"/>
-          </a:p>
-        </p:txBody>
-      </p:sp>
-      <p:sp>
-        <p:nvSpPr>
-          <p:cNvPr id="8" name="Rectangle: Rounded Corners 7">
-            <a:extLst>
-              <a:ext uri="{FF2B5EF4-FFF2-40B4-BE49-F238E27FC236}">
-                <a16:creationId xmlns:a16="http://schemas.microsoft.com/office/drawing/2014/main" id="{96FB0C00-96D8-4022-A1A5-F2010FC757EC}"/>
-              </a:ext>
-            </a:extLst>
-          </p:cNvPr>
-          <p:cNvSpPr/>
-          <p:nvPr/>
-        </p:nvSpPr>
-        <p:spPr>
-          <a:xfrm>
-            <a:off x="5712879" y="4162176"/>
-            <a:ext cx="1426119" cy="1819539"/>
-          </a:xfrm>
-          <a:prstGeom prst="roundRect">
-            <a:avLst>
-              <a:gd name="adj" fmla="val 8127"/>
-            </a:avLst>
-          </a:prstGeom>
-          <a:solidFill>
-            <a:schemeClr val="accent1">
-              <a:lumMod val="40000"/>
-              <a:lumOff val="60000"/>
-            </a:schemeClr>
-          </a:solidFill>
-          <a:ln w="12700">
-            <a:noFill/>
-            <a:prstDash val="solid"/>
-          </a:ln>
-        </p:spPr>
-        <p:style>
-          <a:lnRef idx="2">
-            <a:schemeClr val="accent1">
-              <a:shade val="50000"/>
-            </a:schemeClr>
-          </a:lnRef>
-          <a:fillRef idx="1">
-            <a:schemeClr val="accent1"/>
-          </a:fillRef>
-          <a:effectRef idx="0">
-            <a:schemeClr val="accent1"/>
-          </a:effectRef>
-          <a:fontRef idx="minor">
-            <a:schemeClr val="lt1"/>
-          </a:fontRef>
-        </p:style>
-        <p:txBody>
-          <a:bodyPr rtlCol="0" anchor="ctr"/>
-          <a:lstStyle/>
-          <a:p>
-            <a:pPr algn="ctr"/>
-            <a:endParaRPr lang="en-US"/>
-          </a:p>
-        </p:txBody>
-      </p:sp>
-      <p:sp>
-        <p:nvSpPr>
-          <p:cNvPr id="9" name="Rectangle: Rounded Corners 8">
-            <a:extLst>
-              <a:ext uri="{FF2B5EF4-FFF2-40B4-BE49-F238E27FC236}">
-                <a16:creationId xmlns:a16="http://schemas.microsoft.com/office/drawing/2014/main" id="{8EF0626E-1895-4877-9E40-66579DDB22D0}"/>
-              </a:ext>
-            </a:extLst>
-          </p:cNvPr>
-          <p:cNvSpPr/>
-          <p:nvPr/>
-        </p:nvSpPr>
-        <p:spPr>
-          <a:xfrm>
-            <a:off x="8292445" y="4162176"/>
-            <a:ext cx="2867621" cy="1819539"/>
-          </a:xfrm>
-          <a:prstGeom prst="roundRect">
-            <a:avLst>
-              <a:gd name="adj" fmla="val 8127"/>
-            </a:avLst>
-          </a:prstGeom>
-          <a:solidFill>
-            <a:schemeClr val="accent1">
-              <a:lumMod val="40000"/>
-              <a:lumOff val="60000"/>
-            </a:schemeClr>
-          </a:solidFill>
-          <a:ln w="12700">
-            <a:noFill/>
-            <a:prstDash val="solid"/>
-          </a:ln>
-        </p:spPr>
-        <p:style>
-          <a:lnRef idx="2">
-            <a:schemeClr val="accent1">
-              <a:shade val="50000"/>
-            </a:schemeClr>
-          </a:lnRef>
-          <a:fillRef idx="1">
-            <a:schemeClr val="accent1"/>
-          </a:fillRef>
-          <a:effectRef idx="0">
-            <a:schemeClr val="accent1"/>
-          </a:effectRef>
-          <a:fontRef idx="minor">
-            <a:schemeClr val="lt1"/>
-          </a:fontRef>
-        </p:style>
-        <p:txBody>
-          <a:bodyPr rtlCol="0" anchor="ctr"/>
-          <a:lstStyle/>
-          <a:p>
-            <a:pPr algn="ctr"/>
-            <a:endParaRPr lang="en-US"/>
-          </a:p>
-        </p:txBody>
-      </p:sp>
-      <p:pic>
-        <p:nvPicPr>
-          <p:cNvPr id="10" name="Picture 9">
-            <a:extLst>
-              <a:ext uri="{FF2B5EF4-FFF2-40B4-BE49-F238E27FC236}">
-                <a16:creationId xmlns:a16="http://schemas.microsoft.com/office/drawing/2014/main" id="{8B65CB71-37F1-498A-A917-F2FC30658ACF}"/>
-              </a:ext>
-            </a:extLst>
-          </p:cNvPr>
-          <p:cNvPicPr>
-            <a:picLocks noChangeAspect="1"/>
-          </p:cNvPicPr>
-          <p:nvPr/>
-        </p:nvPicPr>
-        <p:blipFill>
-          <a:blip r:embed="rId3">
-            <a:extLst>
-              <a:ext uri="{28A0092B-C50C-407E-A947-70E740481C1C}">
-                <a14:useLocalDpi xmlns:a14="http://schemas.microsoft.com/office/drawing/2010/main" val="0"/>
-              </a:ext>
-            </a:extLst>
-          </a:blip>
-          <a:stretch>
-            <a:fillRect/>
-          </a:stretch>
-        </p:blipFill>
-        <p:spPr>
-          <a:xfrm>
-            <a:off x="3497936" y="1996689"/>
-            <a:ext cx="780290" cy="780290"/>
-          </a:xfrm>
-          <a:prstGeom prst="rect">
-            <a:avLst/>
-          </a:prstGeom>
-        </p:spPr>
-      </p:pic>
-      <p:pic>
-        <p:nvPicPr>
-          <p:cNvPr id="11" name="Picture 10">
-            <a:extLst>
-              <a:ext uri="{FF2B5EF4-FFF2-40B4-BE49-F238E27FC236}">
-                <a16:creationId xmlns:a16="http://schemas.microsoft.com/office/drawing/2014/main" id="{6F6D0E04-BEC5-4807-9765-712909216BF6}"/>
-              </a:ext>
-            </a:extLst>
-          </p:cNvPr>
-          <p:cNvPicPr>
-            <a:picLocks noChangeAspect="1"/>
-          </p:cNvPicPr>
-          <p:nvPr/>
-        </p:nvPicPr>
-        <p:blipFill>
-          <a:blip r:embed="rId4">
-            <a:extLst>
-              <a:ext uri="{28A0092B-C50C-407E-A947-70E740481C1C}">
-                <a14:useLocalDpi xmlns:a14="http://schemas.microsoft.com/office/drawing/2010/main" val="0"/>
-              </a:ext>
-            </a:extLst>
-          </a:blip>
-          <a:stretch>
-            <a:fillRect/>
-          </a:stretch>
-        </p:blipFill>
-        <p:spPr>
-          <a:xfrm>
-            <a:off x="1872818" y="1182767"/>
-            <a:ext cx="780290" cy="780290"/>
-          </a:xfrm>
-          <a:prstGeom prst="rect">
-            <a:avLst/>
-          </a:prstGeom>
-        </p:spPr>
-      </p:pic>
-      <p:pic>
-        <p:nvPicPr>
-          <p:cNvPr id="13" name="Picture 12">
-            <a:extLst>
-              <a:ext uri="{FF2B5EF4-FFF2-40B4-BE49-F238E27FC236}">
-                <a16:creationId xmlns:a16="http://schemas.microsoft.com/office/drawing/2014/main" id="{42CDA50A-741A-4AE5-989E-C3CE072DC778}"/>
-              </a:ext>
-            </a:extLst>
-          </p:cNvPr>
-          <p:cNvPicPr>
-            <a:picLocks noChangeAspect="1"/>
-          </p:cNvPicPr>
-          <p:nvPr/>
-        </p:nvPicPr>
-        <p:blipFill>
-          <a:blip r:embed="rId5">
-            <a:extLst>
-              <a:ext uri="{28A0092B-C50C-407E-A947-70E740481C1C}">
-                <a14:useLocalDpi xmlns:a14="http://schemas.microsoft.com/office/drawing/2010/main" val="0"/>
-              </a:ext>
-            </a:extLst>
-          </a:blip>
-          <a:stretch>
-            <a:fillRect/>
-          </a:stretch>
-        </p:blipFill>
-        <p:spPr>
-          <a:xfrm>
-            <a:off x="5344023" y="3496240"/>
-            <a:ext cx="780290" cy="780290"/>
-          </a:xfrm>
-          <a:prstGeom prst="rect">
-            <a:avLst/>
-          </a:prstGeom>
-        </p:spPr>
-      </p:pic>
-      <p:pic>
-        <p:nvPicPr>
-          <p:cNvPr id="14" name="Picture 13">
-            <a:extLst>
-              <a:ext uri="{FF2B5EF4-FFF2-40B4-BE49-F238E27FC236}">
-                <a16:creationId xmlns:a16="http://schemas.microsoft.com/office/drawing/2014/main" id="{CCF14CD3-97B8-4353-9E05-DF4550502307}"/>
-              </a:ext>
-            </a:extLst>
-          </p:cNvPr>
-          <p:cNvPicPr>
-            <a:picLocks noChangeAspect="1"/>
-          </p:cNvPicPr>
-          <p:nvPr/>
-        </p:nvPicPr>
-        <p:blipFill>
-          <a:blip r:embed="rId6">
-            <a:extLst>
-              <a:ext uri="{28A0092B-C50C-407E-A947-70E740481C1C}">
-                <a14:useLocalDpi xmlns:a14="http://schemas.microsoft.com/office/drawing/2010/main" val="0"/>
-              </a:ext>
-            </a:extLst>
-          </a:blip>
-          <a:stretch>
-            <a:fillRect/>
-          </a:stretch>
-        </p:blipFill>
-        <p:spPr>
-          <a:xfrm>
-            <a:off x="4947926" y="5206100"/>
-            <a:ext cx="780290" cy="780290"/>
-          </a:xfrm>
-          <a:prstGeom prst="rect">
-            <a:avLst/>
-          </a:prstGeom>
-        </p:spPr>
-      </p:pic>
-      <p:pic>
-        <p:nvPicPr>
-          <p:cNvPr id="15" name="Picture 14">
-            <a:extLst>
-              <a:ext uri="{FF2B5EF4-FFF2-40B4-BE49-F238E27FC236}">
-                <a16:creationId xmlns:a16="http://schemas.microsoft.com/office/drawing/2014/main" id="{1CFC1AE8-12EE-4836-8203-312FAB34A069}"/>
-              </a:ext>
-            </a:extLst>
-          </p:cNvPr>
-          <p:cNvPicPr>
-            <a:picLocks noChangeAspect="1"/>
-          </p:cNvPicPr>
-          <p:nvPr/>
-        </p:nvPicPr>
-        <p:blipFill>
-          <a:blip r:embed="rId6">
-            <a:extLst>
-              <a:ext uri="{28A0092B-C50C-407E-A947-70E740481C1C}">
-                <a14:useLocalDpi xmlns:a14="http://schemas.microsoft.com/office/drawing/2010/main" val="0"/>
-              </a:ext>
-            </a:extLst>
-          </a:blip>
-          <a:stretch>
-            <a:fillRect/>
-          </a:stretch>
-        </p:blipFill>
-        <p:spPr>
-          <a:xfrm>
-            <a:off x="7495752" y="5206100"/>
-            <a:ext cx="780290" cy="780290"/>
-          </a:xfrm>
-          <a:prstGeom prst="rect">
-            <a:avLst/>
-          </a:prstGeom>
-        </p:spPr>
-      </p:pic>
-      <p:grpSp>
-        <p:nvGrpSpPr>
-          <p:cNvPr id="16" name="Group 15">
-            <a:extLst>
-              <a:ext uri="{FF2B5EF4-FFF2-40B4-BE49-F238E27FC236}">
-                <a16:creationId xmlns:a16="http://schemas.microsoft.com/office/drawing/2014/main" id="{DA510F78-3051-4BFB-85CD-BD710CCA2BBB}"/>
-              </a:ext>
-            </a:extLst>
-          </p:cNvPr>
-          <p:cNvGrpSpPr/>
-          <p:nvPr/>
-        </p:nvGrpSpPr>
-        <p:grpSpPr>
-          <a:xfrm>
-            <a:off x="385160" y="4157396"/>
-            <a:ext cx="1784622" cy="2184198"/>
-            <a:chOff x="385160" y="4157396"/>
-            <a:chExt cx="1784622" cy="2184198"/>
-          </a:xfrm>
-        </p:grpSpPr>
-        <p:grpSp>
-          <p:nvGrpSpPr>
-            <p:cNvPr id="61" name="Group 60">
-              <a:extLst>
-                <a:ext uri="{FF2B5EF4-FFF2-40B4-BE49-F238E27FC236}">
-                  <a16:creationId xmlns:a16="http://schemas.microsoft.com/office/drawing/2014/main" id="{9B3B3095-C262-442B-A08E-BFF05CEDC30C}"/>
-                </a:ext>
-              </a:extLst>
-            </p:cNvPr>
-            <p:cNvGrpSpPr/>
-            <p:nvPr/>
-          </p:nvGrpSpPr>
-          <p:grpSpPr>
-            <a:xfrm>
-              <a:off x="682124" y="4998313"/>
-              <a:ext cx="1190694" cy="1343281"/>
-              <a:chOff x="717047" y="4998313"/>
-              <a:chExt cx="1190694" cy="1343281"/>
-            </a:xfrm>
-          </p:grpSpPr>
-          <p:pic>
-            <p:nvPicPr>
-              <p:cNvPr id="65" name="Picture 64">
-                <a:extLst>
-                  <a:ext uri="{FF2B5EF4-FFF2-40B4-BE49-F238E27FC236}">
-                    <a16:creationId xmlns:a16="http://schemas.microsoft.com/office/drawing/2014/main" id="{268B0C83-18E9-430B-AB42-DE79E32ADF07}"/>
-                  </a:ext>
-                </a:extLst>
-              </p:cNvPr>
-              <p:cNvPicPr>
-                <a:picLocks noChangeAspect="1"/>
-              </p:cNvPicPr>
-              <p:nvPr/>
-            </p:nvPicPr>
-            <p:blipFill>
-              <a:blip r:embed="rId7">
-                <a:duotone>
-                  <a:prstClr val="black"/>
-                  <a:schemeClr val="tx2">
-                    <a:tint val="45000"/>
-                    <a:satMod val="400000"/>
-                  </a:schemeClr>
-                </a:duotone>
-                <a:extLst>
-                  <a:ext uri="{28A0092B-C50C-407E-A947-70E740481C1C}">
-                    <a14:useLocalDpi xmlns:a14="http://schemas.microsoft.com/office/drawing/2010/main" val="0"/>
-                  </a:ext>
-                </a:extLst>
-              </a:blip>
-              <a:stretch>
-                <a:fillRect/>
-              </a:stretch>
-            </p:blipFill>
-            <p:spPr>
-              <a:xfrm>
-                <a:off x="922249" y="5119568"/>
-                <a:ext cx="780290" cy="780290"/>
-              </a:xfrm>
-              <a:prstGeom prst="rect">
-                <a:avLst/>
-              </a:prstGeom>
-            </p:spPr>
-          </p:pic>
-          <p:sp>
-            <p:nvSpPr>
-              <p:cNvPr id="66" name="Rectangle 65">
-                <a:extLst>
-                  <a:ext uri="{FF2B5EF4-FFF2-40B4-BE49-F238E27FC236}">
-                    <a16:creationId xmlns:a16="http://schemas.microsoft.com/office/drawing/2014/main" id="{64D788A6-202C-449E-9999-AFC4AA6A5A0C}"/>
-                  </a:ext>
-                </a:extLst>
-              </p:cNvPr>
-              <p:cNvSpPr/>
-              <p:nvPr/>
-            </p:nvSpPr>
-            <p:spPr>
-              <a:xfrm>
-                <a:off x="717047" y="4998313"/>
-                <a:ext cx="1190694" cy="1343281"/>
-              </a:xfrm>
-              <a:prstGeom prst="rect">
-                <a:avLst/>
-              </a:prstGeom>
-              <a:noFill/>
-              <a:ln>
-                <a:solidFill>
-                  <a:schemeClr val="bg1">
-                    <a:lumMod val="65000"/>
-                  </a:schemeClr>
-                </a:solidFill>
-              </a:ln>
-            </p:spPr>
-            <p:style>
-              <a:lnRef idx="2">
-                <a:schemeClr val="accent1">
-                  <a:shade val="50000"/>
-                </a:schemeClr>
-              </a:lnRef>
-              <a:fillRef idx="1">
-                <a:schemeClr val="accent1"/>
-              </a:fillRef>
-              <a:effectRef idx="0">
-                <a:schemeClr val="accent1"/>
-              </a:effectRef>
-              <a:fontRef idx="minor">
-                <a:schemeClr val="lt1"/>
-              </a:fontRef>
-            </p:style>
-            <p:txBody>
-              <a:bodyPr rtlCol="0" anchor="ctr"/>
-              <a:lstStyle/>
-              <a:p>
-                <a:pPr algn="ctr"/>
-                <a:endParaRPr lang="en-US"/>
-              </a:p>
-            </p:txBody>
-          </p:sp>
-          <p:sp>
-            <p:nvSpPr>
-              <p:cNvPr id="67" name="TextBox 66">
-                <a:extLst>
-                  <a:ext uri="{FF2B5EF4-FFF2-40B4-BE49-F238E27FC236}">
-                    <a16:creationId xmlns:a16="http://schemas.microsoft.com/office/drawing/2014/main" id="{6AE44E19-4933-442C-88F3-D4E439ECC0E8}"/>
-                  </a:ext>
-                </a:extLst>
-              </p:cNvPr>
-              <p:cNvSpPr txBox="1"/>
-              <p:nvPr/>
-            </p:nvSpPr>
-            <p:spPr>
-              <a:xfrm>
-                <a:off x="1059761" y="5930072"/>
-                <a:ext cx="505267" cy="276999"/>
-              </a:xfrm>
-              <a:prstGeom prst="rect">
-                <a:avLst/>
-              </a:prstGeom>
-              <a:noFill/>
-            </p:spPr>
-            <p:txBody>
-              <a:bodyPr wrap="none" rtlCol="0">
-                <a:spAutoFit/>
-              </a:bodyPr>
-              <a:lstStyle/>
-              <a:p>
-                <a:r>
-                  <a:rPr lang="en-US" sz="1200" dirty="0"/>
-                  <a:t>VHD</a:t>
-                </a:r>
-              </a:p>
-            </p:txBody>
-          </p:sp>
-        </p:grpSp>
-        <p:grpSp>
-          <p:nvGrpSpPr>
-            <p:cNvPr id="62" name="Group 61">
-              <a:extLst>
-                <a:ext uri="{FF2B5EF4-FFF2-40B4-BE49-F238E27FC236}">
-                  <a16:creationId xmlns:a16="http://schemas.microsoft.com/office/drawing/2014/main" id="{18042B00-8EDE-4DFB-990E-5429E0C4D8BC}"/>
-                </a:ext>
-              </a:extLst>
-            </p:cNvPr>
-            <p:cNvGrpSpPr/>
-            <p:nvPr/>
-          </p:nvGrpSpPr>
-          <p:grpSpPr>
-            <a:xfrm>
-              <a:off x="385160" y="4157396"/>
-              <a:ext cx="1784622" cy="780290"/>
-              <a:chOff x="385160" y="4157396"/>
-              <a:chExt cx="1784622" cy="780290"/>
-            </a:xfrm>
-          </p:grpSpPr>
-          <p:pic>
-            <p:nvPicPr>
-              <p:cNvPr id="63" name="Picture 62">
-                <a:extLst>
-                  <a:ext uri="{FF2B5EF4-FFF2-40B4-BE49-F238E27FC236}">
-                    <a16:creationId xmlns:a16="http://schemas.microsoft.com/office/drawing/2014/main" id="{D75C36CF-346D-41F3-AFF3-F53E7D24BF2D}"/>
-                  </a:ext>
-                </a:extLst>
-              </p:cNvPr>
-              <p:cNvPicPr>
-                <a:picLocks noChangeAspect="1"/>
-              </p:cNvPicPr>
-              <p:nvPr/>
-            </p:nvPicPr>
-            <p:blipFill>
-              <a:blip r:embed="rId8">
-                <a:extLst>
-                  <a:ext uri="{28A0092B-C50C-407E-A947-70E740481C1C}">
-                    <a14:useLocalDpi xmlns:a14="http://schemas.microsoft.com/office/drawing/2010/main" val="0"/>
-                  </a:ext>
-                </a:extLst>
-              </a:blip>
-              <a:stretch>
-                <a:fillRect/>
-              </a:stretch>
-            </p:blipFill>
-            <p:spPr>
-              <a:xfrm>
-                <a:off x="385160" y="4157396"/>
-                <a:ext cx="780290" cy="780290"/>
-              </a:xfrm>
-              <a:prstGeom prst="rect">
-                <a:avLst/>
-              </a:prstGeom>
-            </p:spPr>
-          </p:pic>
-          <p:sp>
-            <p:nvSpPr>
-              <p:cNvPr id="64" name="TextBox 63">
-                <a:extLst>
-                  <a:ext uri="{FF2B5EF4-FFF2-40B4-BE49-F238E27FC236}">
-                    <a16:creationId xmlns:a16="http://schemas.microsoft.com/office/drawing/2014/main" id="{7F95B059-15CB-4FF2-B851-D6D1D8FC1999}"/>
-                  </a:ext>
-                </a:extLst>
-              </p:cNvPr>
-              <p:cNvSpPr txBox="1"/>
-              <p:nvPr/>
-            </p:nvSpPr>
-            <p:spPr>
-              <a:xfrm>
-                <a:off x="1164955" y="4643442"/>
-                <a:ext cx="1004827" cy="276999"/>
-              </a:xfrm>
-              <a:prstGeom prst="rect">
-                <a:avLst/>
-              </a:prstGeom>
-              <a:noFill/>
-            </p:spPr>
-            <p:txBody>
-              <a:bodyPr wrap="none" rtlCol="0">
-                <a:spAutoFit/>
-              </a:bodyPr>
-              <a:lstStyle/>
-              <a:p>
-                <a:r>
-                  <a:rPr lang="en-US" sz="1200" dirty="0"/>
-                  <a:t>On-premise</a:t>
-                </a:r>
-              </a:p>
-            </p:txBody>
-          </p:sp>
-        </p:grpSp>
-      </p:grpSp>
-      <p:sp>
-        <p:nvSpPr>
-          <p:cNvPr id="17" name="Rectangle 16">
-            <a:extLst>
-              <a:ext uri="{FF2B5EF4-FFF2-40B4-BE49-F238E27FC236}">
-                <a16:creationId xmlns:a16="http://schemas.microsoft.com/office/drawing/2014/main" id="{37C4DD61-B2EC-4BD4-9623-C27A21A789E4}"/>
-              </a:ext>
-            </a:extLst>
-          </p:cNvPr>
-          <p:cNvSpPr/>
-          <p:nvPr/>
-        </p:nvSpPr>
-        <p:spPr>
-          <a:xfrm>
-            <a:off x="2242521" y="1894585"/>
-            <a:ext cx="9414433" cy="4428834"/>
-          </a:xfrm>
-          <a:prstGeom prst="rect">
-            <a:avLst/>
-          </a:prstGeom>
-          <a:noFill/>
-          <a:ln>
-            <a:solidFill>
-              <a:schemeClr val="bg1">
-                <a:lumMod val="65000"/>
-              </a:schemeClr>
-            </a:solidFill>
-          </a:ln>
-        </p:spPr>
-        <p:style>
-          <a:lnRef idx="2">
-            <a:schemeClr val="accent1">
-              <a:shade val="50000"/>
-            </a:schemeClr>
-          </a:lnRef>
-          <a:fillRef idx="1">
-            <a:schemeClr val="accent1"/>
-          </a:fillRef>
-          <a:effectRef idx="0">
-            <a:schemeClr val="accent1"/>
-          </a:effectRef>
-          <a:fontRef idx="minor">
-            <a:schemeClr val="lt1"/>
-          </a:fontRef>
-        </p:style>
-        <p:txBody>
-          <a:bodyPr rtlCol="0" anchor="ctr"/>
-          <a:lstStyle/>
-          <a:p>
-            <a:pPr algn="ctr"/>
-            <a:endParaRPr lang="en-US"/>
-          </a:p>
-        </p:txBody>
-      </p:sp>
-      <p:sp>
-        <p:nvSpPr>
-          <p:cNvPr id="18" name="TextBox 17">
-            <a:extLst>
-              <a:ext uri="{FF2B5EF4-FFF2-40B4-BE49-F238E27FC236}">
-                <a16:creationId xmlns:a16="http://schemas.microsoft.com/office/drawing/2014/main" id="{991E2578-53C7-4CE1-AC02-A44A588B3199}"/>
-              </a:ext>
-            </a:extLst>
-          </p:cNvPr>
-          <p:cNvSpPr txBox="1"/>
-          <p:nvPr/>
-        </p:nvSpPr>
-        <p:spPr>
-          <a:xfrm>
-            <a:off x="2658920" y="1578939"/>
-            <a:ext cx="1292790" cy="276999"/>
-          </a:xfrm>
-          <a:prstGeom prst="rect">
-            <a:avLst/>
-          </a:prstGeom>
-          <a:noFill/>
-        </p:spPr>
-        <p:txBody>
-          <a:bodyPr wrap="none" rtlCol="0">
-            <a:spAutoFit/>
-          </a:bodyPr>
-          <a:lstStyle/>
-          <a:p>
-            <a:r>
-              <a:rPr lang="en-US" sz="1200" dirty="0"/>
-              <a:t>Microsoft Azure</a:t>
-            </a:r>
-          </a:p>
-        </p:txBody>
-      </p:sp>
-      <p:sp>
-        <p:nvSpPr>
-          <p:cNvPr id="19" name="Rectangle 18">
-            <a:extLst>
-              <a:ext uri="{FF2B5EF4-FFF2-40B4-BE49-F238E27FC236}">
-                <a16:creationId xmlns:a16="http://schemas.microsoft.com/office/drawing/2014/main" id="{5A2D4C78-BD92-44CF-BEBC-5D1C5463F1DE}"/>
-              </a:ext>
-            </a:extLst>
-          </p:cNvPr>
-          <p:cNvSpPr/>
-          <p:nvPr/>
-        </p:nvSpPr>
-        <p:spPr>
-          <a:xfrm>
-            <a:off x="3647358" y="2776979"/>
-            <a:ext cx="7809749" cy="3430092"/>
-          </a:xfrm>
-          <a:prstGeom prst="rect">
-            <a:avLst/>
-          </a:prstGeom>
-          <a:noFill/>
-          <a:ln>
-            <a:solidFill>
-              <a:schemeClr val="bg1">
-                <a:lumMod val="65000"/>
-              </a:schemeClr>
-            </a:solidFill>
-          </a:ln>
-        </p:spPr>
-        <p:style>
-          <a:lnRef idx="2">
-            <a:schemeClr val="accent1">
-              <a:shade val="50000"/>
-            </a:schemeClr>
-          </a:lnRef>
-          <a:fillRef idx="1">
-            <a:schemeClr val="accent1"/>
-          </a:fillRef>
-          <a:effectRef idx="0">
-            <a:schemeClr val="accent1"/>
-          </a:effectRef>
-          <a:fontRef idx="minor">
-            <a:schemeClr val="lt1"/>
-          </a:fontRef>
-        </p:style>
-        <p:txBody>
-          <a:bodyPr rtlCol="0" anchor="ctr"/>
-          <a:lstStyle/>
-          <a:p>
-            <a:pPr algn="ctr"/>
-            <a:endParaRPr lang="en-US"/>
-          </a:p>
-        </p:txBody>
-      </p:sp>
-      <p:grpSp>
-        <p:nvGrpSpPr>
-          <p:cNvPr id="20" name="Group 19">
-            <a:extLst>
-              <a:ext uri="{FF2B5EF4-FFF2-40B4-BE49-F238E27FC236}">
-                <a16:creationId xmlns:a16="http://schemas.microsoft.com/office/drawing/2014/main" id="{09016537-B412-45B8-A1C4-F98E2AD023AE}"/>
-              </a:ext>
-            </a:extLst>
-          </p:cNvPr>
-          <p:cNvGrpSpPr/>
-          <p:nvPr/>
-        </p:nvGrpSpPr>
-        <p:grpSpPr>
-          <a:xfrm>
-            <a:off x="8640485" y="4430952"/>
-            <a:ext cx="2171540" cy="1032361"/>
-            <a:chOff x="8189467" y="4461123"/>
-            <a:chExt cx="2171540" cy="1032361"/>
-          </a:xfrm>
-        </p:grpSpPr>
-        <p:pic>
-          <p:nvPicPr>
-            <p:cNvPr id="58" name="Picture 57">
-              <a:extLst>
-                <a:ext uri="{FF2B5EF4-FFF2-40B4-BE49-F238E27FC236}">
-                  <a16:creationId xmlns:a16="http://schemas.microsoft.com/office/drawing/2014/main" id="{895DFD26-E04E-48CF-B027-0B28E40BADB3}"/>
-                </a:ext>
-              </a:extLst>
-            </p:cNvPr>
-            <p:cNvPicPr>
-              <a:picLocks noChangeAspect="1"/>
-            </p:cNvPicPr>
-            <p:nvPr/>
-          </p:nvPicPr>
-          <p:blipFill>
-            <a:blip r:embed="rId9">
-              <a:extLst>
-                <a:ext uri="{28A0092B-C50C-407E-A947-70E740481C1C}">
-                  <a14:useLocalDpi xmlns:a14="http://schemas.microsoft.com/office/drawing/2010/main" val="0"/>
-                </a:ext>
-              </a:extLst>
-            </a:blip>
-            <a:stretch>
-              <a:fillRect/>
-            </a:stretch>
-          </p:blipFill>
-          <p:spPr>
-            <a:xfrm>
-              <a:off x="8320332" y="4597957"/>
-              <a:ext cx="780290" cy="780290"/>
-            </a:xfrm>
-            <a:prstGeom prst="rect">
-              <a:avLst/>
-            </a:prstGeom>
-          </p:spPr>
-        </p:pic>
-        <p:pic>
-          <p:nvPicPr>
-            <p:cNvPr id="59" name="Picture 58">
-              <a:extLst>
-                <a:ext uri="{FF2B5EF4-FFF2-40B4-BE49-F238E27FC236}">
-                  <a16:creationId xmlns:a16="http://schemas.microsoft.com/office/drawing/2014/main" id="{EA81E014-01CB-41BA-9DE0-D1426CF8B68F}"/>
-                </a:ext>
-              </a:extLst>
-            </p:cNvPr>
-            <p:cNvPicPr>
-              <a:picLocks noChangeAspect="1"/>
-            </p:cNvPicPr>
-            <p:nvPr/>
-          </p:nvPicPr>
-          <p:blipFill>
-            <a:blip r:embed="rId9">
-              <a:extLst>
-                <a:ext uri="{28A0092B-C50C-407E-A947-70E740481C1C}">
-                  <a14:useLocalDpi xmlns:a14="http://schemas.microsoft.com/office/drawing/2010/main" val="0"/>
-                </a:ext>
-              </a:extLst>
-            </a:blip>
-            <a:stretch>
-              <a:fillRect/>
-            </a:stretch>
-          </p:blipFill>
-          <p:spPr>
-            <a:xfrm>
-              <a:off x="9359720" y="4597957"/>
-              <a:ext cx="780290" cy="780290"/>
-            </a:xfrm>
-            <a:prstGeom prst="rect">
-              <a:avLst/>
-            </a:prstGeom>
-          </p:spPr>
-        </p:pic>
-        <p:sp>
-          <p:nvSpPr>
-            <p:cNvPr id="60" name="Rectangle: Rounded Corners 59">
-              <a:extLst>
-                <a:ext uri="{FF2B5EF4-FFF2-40B4-BE49-F238E27FC236}">
-                  <a16:creationId xmlns:a16="http://schemas.microsoft.com/office/drawing/2014/main" id="{1055E6D5-F563-432A-A1B2-D185A98754E6}"/>
-                </a:ext>
-              </a:extLst>
-            </p:cNvPr>
-            <p:cNvSpPr/>
-            <p:nvPr/>
-          </p:nvSpPr>
-          <p:spPr>
-            <a:xfrm>
-              <a:off x="8189467" y="4461123"/>
-              <a:ext cx="2171540" cy="1032361"/>
-            </a:xfrm>
-            <a:prstGeom prst="roundRect">
-              <a:avLst/>
-            </a:prstGeom>
-            <a:noFill/>
-            <a:ln w="76200">
-              <a:solidFill>
-                <a:schemeClr val="accent1"/>
-              </a:solidFill>
-              <a:prstDash val="sysDash"/>
-            </a:ln>
-          </p:spPr>
-          <p:style>
-            <a:lnRef idx="2">
-              <a:schemeClr val="accent1">
-                <a:shade val="50000"/>
-              </a:schemeClr>
-            </a:lnRef>
-            <a:fillRef idx="1">
-              <a:schemeClr val="accent1"/>
-            </a:fillRef>
-            <a:effectRef idx="0">
-              <a:schemeClr val="accent1"/>
-            </a:effectRef>
-            <a:fontRef idx="minor">
-              <a:schemeClr val="lt1"/>
-            </a:fontRef>
-          </p:style>
-          <p:txBody>
-            <a:bodyPr rtlCol="0" anchor="ctr"/>
-            <a:lstStyle/>
-            <a:p>
-              <a:pPr algn="ctr"/>
-              <a:endParaRPr lang="en-US"/>
-            </a:p>
-          </p:txBody>
-        </p:sp>
-      </p:grpSp>
-      <p:sp>
-        <p:nvSpPr>
-          <p:cNvPr id="21" name="TextBox 20">
-            <a:extLst>
-              <a:ext uri="{FF2B5EF4-FFF2-40B4-BE49-F238E27FC236}">
-                <a16:creationId xmlns:a16="http://schemas.microsoft.com/office/drawing/2014/main" id="{29F1E9DE-4F72-47C1-B5F8-4F4B405C5A2A}"/>
-              </a:ext>
-            </a:extLst>
-          </p:cNvPr>
-          <p:cNvSpPr txBox="1"/>
-          <p:nvPr/>
-        </p:nvSpPr>
-        <p:spPr>
-          <a:xfrm>
-            <a:off x="4389917" y="2427959"/>
-            <a:ext cx="1302536" cy="276999"/>
-          </a:xfrm>
-          <a:prstGeom prst="rect">
-            <a:avLst/>
-          </a:prstGeom>
-          <a:noFill/>
-        </p:spPr>
-        <p:txBody>
-          <a:bodyPr wrap="none" rtlCol="0">
-            <a:spAutoFit/>
-          </a:bodyPr>
-          <a:lstStyle/>
-          <a:p>
-            <a:r>
-              <a:rPr lang="en-US" sz="1200" dirty="0"/>
-              <a:t>Resource Group</a:t>
-            </a:r>
-          </a:p>
-        </p:txBody>
-      </p:sp>
-      <p:grpSp>
-        <p:nvGrpSpPr>
-          <p:cNvPr id="22" name="Group 21">
-            <a:extLst>
-              <a:ext uri="{FF2B5EF4-FFF2-40B4-BE49-F238E27FC236}">
-                <a16:creationId xmlns:a16="http://schemas.microsoft.com/office/drawing/2014/main" id="{B43ADDD1-51C0-4AD7-B1F5-C07495296A45}"/>
-              </a:ext>
-            </a:extLst>
-          </p:cNvPr>
-          <p:cNvGrpSpPr/>
-          <p:nvPr/>
-        </p:nvGrpSpPr>
-        <p:grpSpPr>
-          <a:xfrm>
-            <a:off x="2390078" y="2719437"/>
-            <a:ext cx="1035733" cy="1087503"/>
-            <a:chOff x="2390078" y="2961947"/>
-            <a:chExt cx="1035733" cy="1087503"/>
-          </a:xfrm>
-        </p:grpSpPr>
-        <p:pic>
-          <p:nvPicPr>
-            <p:cNvPr id="56" name="Picture 55">
-              <a:extLst>
-                <a:ext uri="{FF2B5EF4-FFF2-40B4-BE49-F238E27FC236}">
-                  <a16:creationId xmlns:a16="http://schemas.microsoft.com/office/drawing/2014/main" id="{2FCD1AB7-1498-4A6E-A114-B92CBB64DC55}"/>
-                </a:ext>
-              </a:extLst>
-            </p:cNvPr>
-            <p:cNvPicPr>
-              <a:picLocks noChangeAspect="1"/>
-            </p:cNvPicPr>
-            <p:nvPr/>
-          </p:nvPicPr>
-          <p:blipFill>
-            <a:blip r:embed="rId10">
-              <a:extLst>
-                <a:ext uri="{28A0092B-C50C-407E-A947-70E740481C1C}">
-                  <a14:useLocalDpi xmlns:a14="http://schemas.microsoft.com/office/drawing/2010/main" val="0"/>
-                </a:ext>
-              </a:extLst>
-            </a:blip>
-            <a:stretch>
-              <a:fillRect/>
-            </a:stretch>
-          </p:blipFill>
-          <p:spPr>
-            <a:xfrm>
-              <a:off x="2517799" y="2961947"/>
-              <a:ext cx="780290" cy="780290"/>
-            </a:xfrm>
-            <a:prstGeom prst="rect">
-              <a:avLst/>
-            </a:prstGeom>
-          </p:spPr>
-        </p:pic>
-        <p:sp>
-          <p:nvSpPr>
-            <p:cNvPr id="57" name="TextBox 56">
-              <a:extLst>
-                <a:ext uri="{FF2B5EF4-FFF2-40B4-BE49-F238E27FC236}">
-                  <a16:creationId xmlns:a16="http://schemas.microsoft.com/office/drawing/2014/main" id="{07B68CAA-FC51-4175-9C93-742F3E56B0EF}"/>
-                </a:ext>
-              </a:extLst>
-            </p:cNvPr>
-            <p:cNvSpPr txBox="1"/>
-            <p:nvPr/>
-          </p:nvSpPr>
-          <p:spPr>
-            <a:xfrm>
-              <a:off x="2390078" y="3772451"/>
-              <a:ext cx="1035733" cy="276999"/>
-            </a:xfrm>
-            <a:prstGeom prst="rect">
-              <a:avLst/>
-            </a:prstGeom>
-            <a:noFill/>
-          </p:spPr>
-          <p:txBody>
-            <a:bodyPr wrap="none" rtlCol="0">
-              <a:spAutoFit/>
-            </a:bodyPr>
-            <a:lstStyle/>
-            <a:p>
-              <a:r>
-                <a:rPr lang="en-US" sz="1200" dirty="0"/>
-                <a:t>Marketplace</a:t>
-              </a:r>
-            </a:p>
-          </p:txBody>
-        </p:sp>
-      </p:grpSp>
-      <p:cxnSp>
-        <p:nvCxnSpPr>
-          <p:cNvPr id="25" name="Straight Connector 24">
-            <a:extLst>
-              <a:ext uri="{FF2B5EF4-FFF2-40B4-BE49-F238E27FC236}">
-                <a16:creationId xmlns:a16="http://schemas.microsoft.com/office/drawing/2014/main" id="{9ABBF8AA-C883-4699-855F-2FD0005226F4}"/>
-              </a:ext>
-            </a:extLst>
-          </p:cNvPr>
-          <p:cNvCxnSpPr>
-            <a:cxnSpLocks/>
-            <a:stCxn id="14" idx="3"/>
-          </p:cNvCxnSpPr>
-          <p:nvPr/>
-        </p:nvCxnSpPr>
-        <p:spPr>
-          <a:xfrm>
-            <a:off x="5728216" y="5596245"/>
-            <a:ext cx="1346653" cy="0"/>
-          </a:xfrm>
-          <a:prstGeom prst="line">
-            <a:avLst/>
-          </a:prstGeom>
-          <a:ln w="38100">
-            <a:solidFill>
-              <a:schemeClr val="accent1"/>
-            </a:solidFill>
-          </a:ln>
-        </p:spPr>
-        <p:style>
-          <a:lnRef idx="1">
-            <a:schemeClr val="accent1"/>
-          </a:lnRef>
-          <a:fillRef idx="0">
-            <a:schemeClr val="accent1"/>
-          </a:fillRef>
-          <a:effectRef idx="0">
-            <a:schemeClr val="accent1"/>
-          </a:effectRef>
-          <a:fontRef idx="minor">
-            <a:schemeClr val="tx1"/>
-          </a:fontRef>
-        </p:style>
-      </p:cxnSp>
-      <p:cxnSp>
-        <p:nvCxnSpPr>
-          <p:cNvPr id="26" name="Straight Connector 25">
-            <a:extLst>
-              <a:ext uri="{FF2B5EF4-FFF2-40B4-BE49-F238E27FC236}">
-                <a16:creationId xmlns:a16="http://schemas.microsoft.com/office/drawing/2014/main" id="{BE2165C7-3D42-4EF5-B806-558930167DF8}"/>
-              </a:ext>
-            </a:extLst>
-          </p:cNvPr>
-          <p:cNvCxnSpPr>
-            <a:cxnSpLocks/>
-            <a:stCxn id="15" idx="3"/>
-          </p:cNvCxnSpPr>
-          <p:nvPr/>
-        </p:nvCxnSpPr>
-        <p:spPr>
-          <a:xfrm>
-            <a:off x="8276042" y="5596245"/>
-            <a:ext cx="2778770" cy="0"/>
-          </a:xfrm>
-          <a:prstGeom prst="line">
-            <a:avLst/>
-          </a:prstGeom>
-          <a:ln w="38100">
-            <a:solidFill>
-              <a:schemeClr val="accent1"/>
-            </a:solidFill>
-          </a:ln>
-        </p:spPr>
-        <p:style>
-          <a:lnRef idx="1">
-            <a:schemeClr val="accent1"/>
-          </a:lnRef>
-          <a:fillRef idx="0">
-            <a:schemeClr val="accent1"/>
-          </a:fillRef>
-          <a:effectRef idx="0">
-            <a:schemeClr val="accent1"/>
-          </a:effectRef>
-          <a:fontRef idx="minor">
-            <a:schemeClr val="tx1"/>
-          </a:fontRef>
-        </p:style>
-      </p:cxnSp>
-      <p:cxnSp>
-        <p:nvCxnSpPr>
-          <p:cNvPr id="27" name="Straight Connector 26">
-            <a:extLst>
-              <a:ext uri="{FF2B5EF4-FFF2-40B4-BE49-F238E27FC236}">
-                <a16:creationId xmlns:a16="http://schemas.microsoft.com/office/drawing/2014/main" id="{31B01F49-C908-4A0D-A3ED-8FDA5FB1AABA}"/>
-              </a:ext>
-            </a:extLst>
-          </p:cNvPr>
-          <p:cNvCxnSpPr>
-            <a:cxnSpLocks/>
-          </p:cNvCxnSpPr>
-          <p:nvPr/>
-        </p:nvCxnSpPr>
-        <p:spPr>
-          <a:xfrm>
-            <a:off x="9161495" y="5286032"/>
-            <a:ext cx="0" cy="320040"/>
-          </a:xfrm>
-          <a:prstGeom prst="line">
-            <a:avLst/>
-          </a:prstGeom>
-          <a:ln w="38100">
-            <a:solidFill>
-              <a:schemeClr val="accent1"/>
-            </a:solidFill>
-          </a:ln>
-        </p:spPr>
-        <p:style>
-          <a:lnRef idx="1">
-            <a:schemeClr val="accent1"/>
-          </a:lnRef>
-          <a:fillRef idx="0">
-            <a:schemeClr val="accent1"/>
-          </a:fillRef>
-          <a:effectRef idx="0">
-            <a:schemeClr val="accent1"/>
-          </a:effectRef>
-          <a:fontRef idx="minor">
-            <a:schemeClr val="tx1"/>
-          </a:fontRef>
-        </p:style>
-      </p:cxnSp>
-      <p:cxnSp>
-        <p:nvCxnSpPr>
-          <p:cNvPr id="28" name="Straight Connector 27">
-            <a:extLst>
-              <a:ext uri="{FF2B5EF4-FFF2-40B4-BE49-F238E27FC236}">
-                <a16:creationId xmlns:a16="http://schemas.microsoft.com/office/drawing/2014/main" id="{981A57B7-0025-42C5-B85A-00580CB631D8}"/>
-              </a:ext>
-            </a:extLst>
-          </p:cNvPr>
-          <p:cNvCxnSpPr>
-            <a:cxnSpLocks/>
-          </p:cNvCxnSpPr>
-          <p:nvPr/>
-        </p:nvCxnSpPr>
-        <p:spPr>
-          <a:xfrm>
-            <a:off x="10200883" y="5286032"/>
-            <a:ext cx="0" cy="320040"/>
-          </a:xfrm>
-          <a:prstGeom prst="line">
-            <a:avLst/>
-          </a:prstGeom>
-          <a:ln w="38100">
-            <a:solidFill>
-              <a:schemeClr val="accent1"/>
-            </a:solidFill>
-          </a:ln>
-        </p:spPr>
-        <p:style>
-          <a:lnRef idx="1">
-            <a:schemeClr val="accent1"/>
-          </a:lnRef>
-          <a:fillRef idx="0">
-            <a:schemeClr val="accent1"/>
-          </a:fillRef>
-          <a:effectRef idx="0">
-            <a:schemeClr val="accent1"/>
-          </a:effectRef>
-          <a:fontRef idx="minor">
-            <a:schemeClr val="tx1"/>
-          </a:fontRef>
-        </p:style>
-      </p:cxnSp>
-      <p:sp>
-        <p:nvSpPr>
-          <p:cNvPr id="31" name="TextBox 30">
-            <a:extLst>
-              <a:ext uri="{FF2B5EF4-FFF2-40B4-BE49-F238E27FC236}">
-                <a16:creationId xmlns:a16="http://schemas.microsoft.com/office/drawing/2014/main" id="{3B44748E-8F49-43F8-9C37-AB3DEA95A6B4}"/>
-              </a:ext>
-            </a:extLst>
-          </p:cNvPr>
-          <p:cNvSpPr txBox="1"/>
-          <p:nvPr/>
-        </p:nvSpPr>
-        <p:spPr>
-          <a:xfrm>
-            <a:off x="4919695" y="5821925"/>
-            <a:ext cx="830933" cy="276999"/>
-          </a:xfrm>
-          <a:prstGeom prst="rect">
-            <a:avLst/>
-          </a:prstGeom>
-          <a:noFill/>
-        </p:spPr>
-        <p:txBody>
-          <a:bodyPr wrap="none" rtlCol="0">
-            <a:spAutoFit/>
-          </a:bodyPr>
-          <a:lstStyle/>
-          <a:p>
-            <a:r>
-              <a:rPr lang="en-US" sz="1200" dirty="0"/>
-              <a:t>Dev-</a:t>
-            </a:r>
-            <a:r>
-              <a:rPr lang="en-US" sz="1200" dirty="0" err="1"/>
-              <a:t>Vnet</a:t>
-            </a:r>
-            <a:endParaRPr lang="en-US" sz="1200" dirty="0"/>
-          </a:p>
-        </p:txBody>
-      </p:sp>
-      <p:sp>
-        <p:nvSpPr>
-          <p:cNvPr id="32" name="TextBox 31">
-            <a:extLst>
-              <a:ext uri="{FF2B5EF4-FFF2-40B4-BE49-F238E27FC236}">
-                <a16:creationId xmlns:a16="http://schemas.microsoft.com/office/drawing/2014/main" id="{B984C81D-073B-44D8-9063-79DE0EA8029F}"/>
-              </a:ext>
-            </a:extLst>
-          </p:cNvPr>
-          <p:cNvSpPr txBox="1"/>
-          <p:nvPr/>
-        </p:nvSpPr>
-        <p:spPr>
-          <a:xfrm>
-            <a:off x="7462832" y="5821925"/>
-            <a:ext cx="796693" cy="276999"/>
-          </a:xfrm>
-          <a:prstGeom prst="rect">
-            <a:avLst/>
-          </a:prstGeom>
-          <a:noFill/>
-        </p:spPr>
-        <p:txBody>
-          <a:bodyPr wrap="none" rtlCol="0">
-            <a:spAutoFit/>
-          </a:bodyPr>
-          <a:lstStyle/>
-          <a:p>
-            <a:r>
-              <a:rPr lang="en-US" sz="1200" dirty="0" err="1"/>
-              <a:t>Prd-Vnet</a:t>
-            </a:r>
-            <a:endParaRPr lang="en-US" sz="1200" dirty="0"/>
-          </a:p>
-        </p:txBody>
-      </p:sp>
-      <p:sp>
-        <p:nvSpPr>
-          <p:cNvPr id="33" name="TextBox 32">
-            <a:extLst>
-              <a:ext uri="{FF2B5EF4-FFF2-40B4-BE49-F238E27FC236}">
-                <a16:creationId xmlns:a16="http://schemas.microsoft.com/office/drawing/2014/main" id="{5F95ED90-4AA1-47A8-BE72-3EAAF8AC77C5}"/>
-              </a:ext>
-            </a:extLst>
-          </p:cNvPr>
-          <p:cNvSpPr txBox="1"/>
-          <p:nvPr/>
-        </p:nvSpPr>
-        <p:spPr>
-          <a:xfrm>
-            <a:off x="8807389" y="5063939"/>
-            <a:ext cx="727315" cy="276999"/>
-          </a:xfrm>
-          <a:prstGeom prst="rect">
-            <a:avLst/>
-          </a:prstGeom>
-          <a:noFill/>
-        </p:spPr>
-        <p:txBody>
-          <a:bodyPr wrap="none" rtlCol="0">
-            <a:spAutoFit/>
-          </a:bodyPr>
-          <a:lstStyle/>
-          <a:p>
-            <a:r>
-              <a:rPr lang="en-US" sz="1200" dirty="0"/>
-              <a:t>Web 01</a:t>
-            </a:r>
-          </a:p>
-        </p:txBody>
-      </p:sp>
-      <p:sp>
-        <p:nvSpPr>
-          <p:cNvPr id="34" name="TextBox 33">
-            <a:extLst>
-              <a:ext uri="{FF2B5EF4-FFF2-40B4-BE49-F238E27FC236}">
-                <a16:creationId xmlns:a16="http://schemas.microsoft.com/office/drawing/2014/main" id="{50D66FE8-86E1-4C50-9E4F-FC7F31EC56C9}"/>
-              </a:ext>
-            </a:extLst>
-          </p:cNvPr>
-          <p:cNvSpPr txBox="1"/>
-          <p:nvPr/>
-        </p:nvSpPr>
-        <p:spPr>
-          <a:xfrm>
-            <a:off x="9791032" y="5063939"/>
-            <a:ext cx="727315" cy="276999"/>
-          </a:xfrm>
-          <a:prstGeom prst="rect">
-            <a:avLst/>
-          </a:prstGeom>
-          <a:noFill/>
-        </p:spPr>
-        <p:txBody>
-          <a:bodyPr wrap="none" rtlCol="0">
-            <a:spAutoFit/>
-          </a:bodyPr>
-          <a:lstStyle/>
-          <a:p>
-            <a:r>
-              <a:rPr lang="en-US" sz="1200" dirty="0"/>
-              <a:t>Web 02</a:t>
-            </a:r>
-          </a:p>
-        </p:txBody>
-      </p:sp>
-      <p:sp>
-        <p:nvSpPr>
-          <p:cNvPr id="35" name="TextBox 34">
-            <a:extLst>
-              <a:ext uri="{FF2B5EF4-FFF2-40B4-BE49-F238E27FC236}">
-                <a16:creationId xmlns:a16="http://schemas.microsoft.com/office/drawing/2014/main" id="{6063CEFB-1A8A-43CF-8F77-31BE69DF6A8D}"/>
-              </a:ext>
-            </a:extLst>
-          </p:cNvPr>
-          <p:cNvSpPr txBox="1"/>
-          <p:nvPr/>
-        </p:nvSpPr>
-        <p:spPr>
-          <a:xfrm>
-            <a:off x="5695392" y="3323499"/>
-            <a:ext cx="764953" cy="276999"/>
-          </a:xfrm>
-          <a:prstGeom prst="rect">
-            <a:avLst/>
-          </a:prstGeom>
-          <a:noFill/>
-        </p:spPr>
-        <p:txBody>
-          <a:bodyPr wrap="none" rtlCol="0">
-            <a:spAutoFit/>
-          </a:bodyPr>
-          <a:lstStyle/>
-          <a:p>
-            <a:r>
-              <a:rPr lang="en-US" sz="1200" dirty="0"/>
-              <a:t>Dev-</a:t>
-            </a:r>
-            <a:r>
-              <a:rPr lang="en-US" sz="1200" dirty="0" err="1"/>
-              <a:t>nsg</a:t>
-            </a:r>
-            <a:endParaRPr lang="en-US" sz="1200" dirty="0"/>
-          </a:p>
-        </p:txBody>
-      </p:sp>
-      <p:sp>
-        <p:nvSpPr>
-          <p:cNvPr id="36" name="TextBox 35">
-            <a:extLst>
-              <a:ext uri="{FF2B5EF4-FFF2-40B4-BE49-F238E27FC236}">
-                <a16:creationId xmlns:a16="http://schemas.microsoft.com/office/drawing/2014/main" id="{4F4BB57D-57C6-4D57-A4D4-7E1597BE950F}"/>
-              </a:ext>
-            </a:extLst>
-          </p:cNvPr>
-          <p:cNvSpPr txBox="1"/>
-          <p:nvPr/>
-        </p:nvSpPr>
-        <p:spPr>
-          <a:xfrm>
-            <a:off x="5865393" y="5677845"/>
-            <a:ext cx="1124860" cy="276999"/>
-          </a:xfrm>
-          <a:prstGeom prst="rect">
-            <a:avLst/>
-          </a:prstGeom>
-          <a:noFill/>
-        </p:spPr>
-        <p:txBody>
-          <a:bodyPr wrap="none" rtlCol="0">
-            <a:spAutoFit/>
-          </a:bodyPr>
-          <a:lstStyle/>
-          <a:p>
-            <a:r>
-              <a:rPr lang="en-US" sz="1200" dirty="0"/>
-              <a:t>Web (subnet)</a:t>
-            </a:r>
-          </a:p>
-        </p:txBody>
-      </p:sp>
-      <p:grpSp>
-        <p:nvGrpSpPr>
-          <p:cNvPr id="37" name="Group 36">
-            <a:extLst>
-              <a:ext uri="{FF2B5EF4-FFF2-40B4-BE49-F238E27FC236}">
-                <a16:creationId xmlns:a16="http://schemas.microsoft.com/office/drawing/2014/main" id="{E1C161A6-04EF-4960-B871-2CB2D85FAE89}"/>
-              </a:ext>
-            </a:extLst>
-          </p:cNvPr>
-          <p:cNvGrpSpPr/>
-          <p:nvPr/>
-        </p:nvGrpSpPr>
-        <p:grpSpPr>
-          <a:xfrm>
-            <a:off x="3702687" y="3095103"/>
-            <a:ext cx="1158009" cy="2513639"/>
-            <a:chOff x="3728999" y="3095103"/>
-            <a:chExt cx="1158009" cy="2513639"/>
-          </a:xfrm>
-        </p:grpSpPr>
-        <p:pic>
-          <p:nvPicPr>
-            <p:cNvPr id="48" name="Picture 47">
-              <a:extLst>
-                <a:ext uri="{FF2B5EF4-FFF2-40B4-BE49-F238E27FC236}">
-                  <a16:creationId xmlns:a16="http://schemas.microsoft.com/office/drawing/2014/main" id="{256BB3DC-BB1D-44F8-AEE1-BA2062B91A50}"/>
-                </a:ext>
-              </a:extLst>
-            </p:cNvPr>
-            <p:cNvPicPr>
-              <a:picLocks noChangeAspect="1"/>
-            </p:cNvPicPr>
-            <p:nvPr/>
-          </p:nvPicPr>
-          <p:blipFill>
-            <a:blip r:embed="rId7">
-              <a:extLst>
-                <a:ext uri="{28A0092B-C50C-407E-A947-70E740481C1C}">
-                  <a14:useLocalDpi xmlns:a14="http://schemas.microsoft.com/office/drawing/2010/main" val="0"/>
-                </a:ext>
-              </a:extLst>
-            </a:blip>
-            <a:stretch>
-              <a:fillRect/>
-            </a:stretch>
-          </p:blipFill>
-          <p:spPr>
-            <a:xfrm>
-              <a:off x="3917858" y="3095103"/>
-              <a:ext cx="780290" cy="780290"/>
-            </a:xfrm>
-            <a:prstGeom prst="rect">
-              <a:avLst/>
-            </a:prstGeom>
-          </p:spPr>
-        </p:pic>
-        <p:pic>
-          <p:nvPicPr>
-            <p:cNvPr id="49" name="Picture 48">
-              <a:extLst>
-                <a:ext uri="{FF2B5EF4-FFF2-40B4-BE49-F238E27FC236}">
-                  <a16:creationId xmlns:a16="http://schemas.microsoft.com/office/drawing/2014/main" id="{9133ECD4-3E09-496A-A7EA-3AE217F0C778}"/>
-                </a:ext>
-              </a:extLst>
-            </p:cNvPr>
-            <p:cNvPicPr>
-              <a:picLocks noChangeAspect="1"/>
-            </p:cNvPicPr>
-            <p:nvPr/>
-          </p:nvPicPr>
-          <p:blipFill>
-            <a:blip r:embed="rId7">
-              <a:extLst>
-                <a:ext uri="{28A0092B-C50C-407E-A947-70E740481C1C}">
-                  <a14:useLocalDpi xmlns:a14="http://schemas.microsoft.com/office/drawing/2010/main" val="0"/>
-                </a:ext>
-              </a:extLst>
-            </a:blip>
-            <a:stretch>
-              <a:fillRect/>
-            </a:stretch>
-          </p:blipFill>
-          <p:spPr>
-            <a:xfrm>
-              <a:off x="3917858" y="4547541"/>
-              <a:ext cx="780290" cy="780290"/>
-            </a:xfrm>
-            <a:prstGeom prst="rect">
-              <a:avLst/>
-            </a:prstGeom>
-          </p:spPr>
-        </p:pic>
-        <p:sp>
-          <p:nvSpPr>
-            <p:cNvPr id="50" name="TextBox 49">
-              <a:extLst>
-                <a:ext uri="{FF2B5EF4-FFF2-40B4-BE49-F238E27FC236}">
-                  <a16:creationId xmlns:a16="http://schemas.microsoft.com/office/drawing/2014/main" id="{DE0565F8-D4BE-421D-9B72-66E85760C36E}"/>
-                </a:ext>
-              </a:extLst>
-            </p:cNvPr>
-            <p:cNvSpPr txBox="1"/>
-            <p:nvPr/>
-          </p:nvSpPr>
-          <p:spPr>
-            <a:xfrm>
-              <a:off x="3728999" y="3898431"/>
-              <a:ext cx="1158009" cy="276999"/>
-            </a:xfrm>
-            <a:prstGeom prst="rect">
-              <a:avLst/>
-            </a:prstGeom>
-            <a:noFill/>
-          </p:spPr>
-          <p:txBody>
-            <a:bodyPr wrap="none" rtlCol="0">
-              <a:spAutoFit/>
-            </a:bodyPr>
-            <a:lstStyle/>
-            <a:p>
-              <a:r>
-                <a:rPr lang="en-US" sz="1200" dirty="0"/>
-                <a:t>Custom img.1</a:t>
-              </a:r>
-            </a:p>
-          </p:txBody>
-        </p:sp>
-        <p:sp>
-          <p:nvSpPr>
-            <p:cNvPr id="51" name="TextBox 50">
-              <a:extLst>
-                <a:ext uri="{FF2B5EF4-FFF2-40B4-BE49-F238E27FC236}">
-                  <a16:creationId xmlns:a16="http://schemas.microsoft.com/office/drawing/2014/main" id="{B8B17067-B6A9-4157-985E-6A4ECCB876CE}"/>
-                </a:ext>
-              </a:extLst>
-            </p:cNvPr>
-            <p:cNvSpPr txBox="1"/>
-            <p:nvPr/>
-          </p:nvSpPr>
-          <p:spPr>
-            <a:xfrm>
-              <a:off x="3728999" y="5331743"/>
-              <a:ext cx="1158009" cy="276999"/>
-            </a:xfrm>
-            <a:prstGeom prst="rect">
-              <a:avLst/>
-            </a:prstGeom>
-            <a:noFill/>
-          </p:spPr>
-          <p:txBody>
-            <a:bodyPr wrap="none" rtlCol="0">
-              <a:spAutoFit/>
-            </a:bodyPr>
-            <a:lstStyle/>
-            <a:p>
-              <a:r>
-                <a:rPr lang="en-US" sz="1200" dirty="0"/>
-                <a:t>Custom img.2</a:t>
-              </a:r>
-            </a:p>
-          </p:txBody>
-        </p:sp>
-      </p:grpSp>
-      <p:pic>
-        <p:nvPicPr>
-          <p:cNvPr id="40" name="Picture 39">
-            <a:extLst>
-              <a:ext uri="{FF2B5EF4-FFF2-40B4-BE49-F238E27FC236}">
-                <a16:creationId xmlns:a16="http://schemas.microsoft.com/office/drawing/2014/main" id="{ED048184-055B-458F-A6A1-09ED2A18F135}"/>
-              </a:ext>
-            </a:extLst>
-          </p:cNvPr>
-          <p:cNvPicPr>
-            <a:picLocks noChangeAspect="1"/>
-          </p:cNvPicPr>
-          <p:nvPr/>
-        </p:nvPicPr>
-        <p:blipFill>
-          <a:blip r:embed="rId5">
-            <a:extLst>
-              <a:ext uri="{28A0092B-C50C-407E-A947-70E740481C1C}">
-                <a14:useLocalDpi xmlns:a14="http://schemas.microsoft.com/office/drawing/2010/main" val="0"/>
-              </a:ext>
-            </a:extLst>
-          </a:blip>
-          <a:stretch>
-            <a:fillRect/>
-          </a:stretch>
-        </p:blipFill>
-        <p:spPr>
-          <a:xfrm>
-            <a:off x="7898881" y="3486994"/>
-            <a:ext cx="780290" cy="780290"/>
-          </a:xfrm>
-          <a:prstGeom prst="rect">
-            <a:avLst/>
-          </a:prstGeom>
-        </p:spPr>
-      </p:pic>
-      <p:sp>
-        <p:nvSpPr>
-          <p:cNvPr id="41" name="TextBox 40">
-            <a:extLst>
-              <a:ext uri="{FF2B5EF4-FFF2-40B4-BE49-F238E27FC236}">
-                <a16:creationId xmlns:a16="http://schemas.microsoft.com/office/drawing/2014/main" id="{47D05887-7389-4207-B965-87C95CF7F1E4}"/>
-              </a:ext>
-            </a:extLst>
-          </p:cNvPr>
-          <p:cNvSpPr txBox="1"/>
-          <p:nvPr/>
-        </p:nvSpPr>
-        <p:spPr>
-          <a:xfrm>
-            <a:off x="8267370" y="3314253"/>
-            <a:ext cx="730713" cy="276999"/>
-          </a:xfrm>
-          <a:prstGeom prst="rect">
-            <a:avLst/>
-          </a:prstGeom>
-          <a:noFill/>
-        </p:spPr>
-        <p:txBody>
-          <a:bodyPr wrap="none" rtlCol="0">
-            <a:spAutoFit/>
-          </a:bodyPr>
-          <a:lstStyle/>
-          <a:p>
-            <a:r>
-              <a:rPr lang="en-US" sz="1200" dirty="0" err="1"/>
-              <a:t>Prd-nsg</a:t>
-            </a:r>
-            <a:endParaRPr lang="en-US" sz="1200" dirty="0"/>
-          </a:p>
-        </p:txBody>
-      </p:sp>
-      <p:sp>
-        <p:nvSpPr>
-          <p:cNvPr id="45" name="TextBox 44">
-            <a:extLst>
-              <a:ext uri="{FF2B5EF4-FFF2-40B4-BE49-F238E27FC236}">
-                <a16:creationId xmlns:a16="http://schemas.microsoft.com/office/drawing/2014/main" id="{983F9E0C-F593-451F-843A-AB3602E726CA}"/>
-              </a:ext>
-            </a:extLst>
-          </p:cNvPr>
-          <p:cNvSpPr txBox="1"/>
-          <p:nvPr/>
-        </p:nvSpPr>
-        <p:spPr>
-          <a:xfrm>
-            <a:off x="9944526" y="4275595"/>
-            <a:ext cx="1200906" cy="276999"/>
-          </a:xfrm>
-          <a:prstGeom prst="rect">
-            <a:avLst/>
-          </a:prstGeom>
-          <a:noFill/>
-        </p:spPr>
-        <p:txBody>
-          <a:bodyPr wrap="none" rtlCol="0">
-            <a:spAutoFit/>
-          </a:bodyPr>
-          <a:lstStyle/>
-          <a:p>
-            <a:r>
-              <a:rPr lang="en-US" sz="1200" dirty="0"/>
-              <a:t>Availability Set</a:t>
-            </a:r>
-          </a:p>
-        </p:txBody>
-      </p:sp>
-      <p:sp>
-        <p:nvSpPr>
-          <p:cNvPr id="46" name="TextBox 45">
-            <a:extLst>
-              <a:ext uri="{FF2B5EF4-FFF2-40B4-BE49-F238E27FC236}">
-                <a16:creationId xmlns:a16="http://schemas.microsoft.com/office/drawing/2014/main" id="{CDDA8D0D-BF57-4246-9466-14885094149A}"/>
-              </a:ext>
-            </a:extLst>
-          </p:cNvPr>
-          <p:cNvSpPr txBox="1"/>
-          <p:nvPr/>
-        </p:nvSpPr>
-        <p:spPr>
-          <a:xfrm>
-            <a:off x="10043166" y="5677845"/>
-            <a:ext cx="1124860" cy="276999"/>
-          </a:xfrm>
-          <a:prstGeom prst="rect">
-            <a:avLst/>
-          </a:prstGeom>
-          <a:noFill/>
-        </p:spPr>
-        <p:txBody>
-          <a:bodyPr wrap="none" rtlCol="0">
-            <a:spAutoFit/>
-          </a:bodyPr>
-          <a:lstStyle/>
-          <a:p>
-            <a:r>
-              <a:rPr lang="en-US" sz="1200" dirty="0"/>
-              <a:t>Web (subnet)</a:t>
-            </a:r>
-          </a:p>
-        </p:txBody>
-      </p:sp>
-    </p:spTree>
-    <p:extLst>
-      <p:ext uri="{BB962C8B-B14F-4D97-AF65-F5344CB8AC3E}">
-        <p14:creationId xmlns:p14="http://schemas.microsoft.com/office/powerpoint/2010/main" val="1083389527"/>
       </p:ext>
     </p:extLst>
   </p:cSld>

--- a/2. Workshop Scenario/Workshop Scenario.pptx
+++ b/2. Workshop Scenario/Workshop Scenario.pptx
@@ -5,20 +5,22 @@
     <p:sldMasterId id="2147483660" r:id="rId1"/>
   </p:sldMasterIdLst>
   <p:notesMasterIdLst>
-    <p:notesMasterId r:id="rId13"/>
+    <p:notesMasterId r:id="rId15"/>
   </p:notesMasterIdLst>
   <p:sldIdLst>
     <p:sldId id="256" r:id="rId2"/>
     <p:sldId id="261" r:id="rId3"/>
     <p:sldId id="257" r:id="rId4"/>
-    <p:sldId id="258" r:id="rId5"/>
-    <p:sldId id="262" r:id="rId6"/>
-    <p:sldId id="266" r:id="rId7"/>
-    <p:sldId id="259" r:id="rId8"/>
-    <p:sldId id="265" r:id="rId9"/>
-    <p:sldId id="260" r:id="rId10"/>
-    <p:sldId id="263" r:id="rId11"/>
-    <p:sldId id="264" r:id="rId12"/>
+    <p:sldId id="267" r:id="rId5"/>
+    <p:sldId id="258" r:id="rId6"/>
+    <p:sldId id="262" r:id="rId7"/>
+    <p:sldId id="266" r:id="rId8"/>
+    <p:sldId id="259" r:id="rId9"/>
+    <p:sldId id="265" r:id="rId10"/>
+    <p:sldId id="260" r:id="rId11"/>
+    <p:sldId id="263" r:id="rId12"/>
+    <p:sldId id="264" r:id="rId13"/>
+    <p:sldId id="268" r:id="rId14"/>
   </p:sldIdLst>
   <p:sldSz cx="12192000" cy="6858000"/>
   <p:notesSz cx="6858000" cy="9144000"/>
@@ -632,7 +634,7 @@
     </p:spTree>
     <p:extLst>
       <p:ext uri="{BB962C8B-B14F-4D97-AF65-F5344CB8AC3E}">
-        <p14:creationId xmlns:p14="http://schemas.microsoft.com/office/powerpoint/2010/main" val="3489136822"/>
+        <p14:creationId xmlns:p14="http://schemas.microsoft.com/office/powerpoint/2010/main" val="1543304680"/>
       </p:ext>
     </p:extLst>
   </p:cSld>
@@ -708,6 +710,90 @@
             <a:fld id="{81CAA18E-E9D7-469D-80A4-9C5CC3C3775A}" type="slidenum">
               <a:rPr lang="en-US" smtClean="0"/>
               <a:t>11</a:t>
+            </a:fld>
+            <a:endParaRPr lang="en-US"/>
+          </a:p>
+        </p:txBody>
+      </p:sp>
+    </p:spTree>
+    <p:extLst>
+      <p:ext uri="{BB962C8B-B14F-4D97-AF65-F5344CB8AC3E}">
+        <p14:creationId xmlns:p14="http://schemas.microsoft.com/office/powerpoint/2010/main" val="3489136822"/>
+      </p:ext>
+    </p:extLst>
+  </p:cSld>
+  <p:clrMapOvr>
+    <a:masterClrMapping/>
+  </p:clrMapOvr>
+</p:notes>
+</file>
+
+<file path=ppt/notesSlides/notesSlide12.xml><?xml version="1.0" encoding="utf-8"?>
+<p:notes xmlns:a="http://schemas.openxmlformats.org/drawingml/2006/main" xmlns:r="http://schemas.openxmlformats.org/officeDocument/2006/relationships" xmlns:p="http://schemas.openxmlformats.org/presentationml/2006/main">
+  <p:cSld>
+    <p:spTree>
+      <p:nvGrpSpPr>
+        <p:cNvPr id="1" name=""/>
+        <p:cNvGrpSpPr/>
+        <p:nvPr/>
+      </p:nvGrpSpPr>
+      <p:grpSpPr>
+        <a:xfrm>
+          <a:off x="0" y="0"/>
+          <a:ext cx="0" cy="0"/>
+          <a:chOff x="0" y="0"/>
+          <a:chExt cx="0" cy="0"/>
+        </a:xfrm>
+      </p:grpSpPr>
+      <p:sp>
+        <p:nvSpPr>
+          <p:cNvPr id="2" name="Slide Image Placeholder 1"/>
+          <p:cNvSpPr>
+            <a:spLocks noGrp="1" noRot="1" noChangeAspect="1"/>
+          </p:cNvSpPr>
+          <p:nvPr>
+            <p:ph type="sldImg"/>
+          </p:nvPr>
+        </p:nvSpPr>
+        <p:spPr/>
+      </p:sp>
+      <p:sp>
+        <p:nvSpPr>
+          <p:cNvPr id="3" name="Notes Placeholder 2"/>
+          <p:cNvSpPr>
+            <a:spLocks noGrp="1"/>
+          </p:cNvSpPr>
+          <p:nvPr>
+            <p:ph type="body" idx="1"/>
+          </p:nvPr>
+        </p:nvSpPr>
+        <p:spPr/>
+        <p:txBody>
+          <a:bodyPr/>
+          <a:lstStyle/>
+          <a:p>
+            <a:endParaRPr lang="en-US"/>
+          </a:p>
+        </p:txBody>
+      </p:sp>
+      <p:sp>
+        <p:nvSpPr>
+          <p:cNvPr id="4" name="Slide Number Placeholder 3"/>
+          <p:cNvSpPr>
+            <a:spLocks noGrp="1"/>
+          </p:cNvSpPr>
+          <p:nvPr>
+            <p:ph type="sldNum" sz="quarter" idx="10"/>
+          </p:nvPr>
+        </p:nvSpPr>
+        <p:spPr/>
+        <p:txBody>
+          <a:bodyPr/>
+          <a:lstStyle/>
+          <a:p>
+            <a:fld id="{81CAA18E-E9D7-469D-80A4-9C5CC3C3775A}" type="slidenum">
+              <a:rPr lang="en-US" smtClean="0"/>
+              <a:t>12</a:t>
             </a:fld>
             <a:endParaRPr lang="en-US"/>
           </a:p>
@@ -968,7 +1054,7 @@
     </p:spTree>
     <p:extLst>
       <p:ext uri="{BB962C8B-B14F-4D97-AF65-F5344CB8AC3E}">
-        <p14:creationId xmlns:p14="http://schemas.microsoft.com/office/powerpoint/2010/main" val="1703628454"/>
+        <p14:creationId xmlns:p14="http://schemas.microsoft.com/office/powerpoint/2010/main" val="3175252911"/>
       </p:ext>
     </p:extLst>
   </p:cSld>
@@ -1052,7 +1138,7 @@
     </p:spTree>
     <p:extLst>
       <p:ext uri="{BB962C8B-B14F-4D97-AF65-F5344CB8AC3E}">
-        <p14:creationId xmlns:p14="http://schemas.microsoft.com/office/powerpoint/2010/main" val="2747294656"/>
+        <p14:creationId xmlns:p14="http://schemas.microsoft.com/office/powerpoint/2010/main" val="1703628454"/>
       </p:ext>
     </p:extLst>
   </p:cSld>
@@ -1136,7 +1222,7 @@
     </p:spTree>
     <p:extLst>
       <p:ext uri="{BB962C8B-B14F-4D97-AF65-F5344CB8AC3E}">
-        <p14:creationId xmlns:p14="http://schemas.microsoft.com/office/powerpoint/2010/main" val="2324778822"/>
+        <p14:creationId xmlns:p14="http://schemas.microsoft.com/office/powerpoint/2010/main" val="2747294656"/>
       </p:ext>
     </p:extLst>
   </p:cSld>
@@ -1220,7 +1306,7 @@
     </p:spTree>
     <p:extLst>
       <p:ext uri="{BB962C8B-B14F-4D97-AF65-F5344CB8AC3E}">
-        <p14:creationId xmlns:p14="http://schemas.microsoft.com/office/powerpoint/2010/main" val="24296469"/>
+        <p14:creationId xmlns:p14="http://schemas.microsoft.com/office/powerpoint/2010/main" val="2324778822"/>
       </p:ext>
     </p:extLst>
   </p:cSld>
@@ -1304,7 +1390,7 @@
     </p:spTree>
     <p:extLst>
       <p:ext uri="{BB962C8B-B14F-4D97-AF65-F5344CB8AC3E}">
-        <p14:creationId xmlns:p14="http://schemas.microsoft.com/office/powerpoint/2010/main" val="3847496053"/>
+        <p14:creationId xmlns:p14="http://schemas.microsoft.com/office/powerpoint/2010/main" val="24296469"/>
       </p:ext>
     </p:extLst>
   </p:cSld>
@@ -1388,7 +1474,7 @@
     </p:spTree>
     <p:extLst>
       <p:ext uri="{BB962C8B-B14F-4D97-AF65-F5344CB8AC3E}">
-        <p14:creationId xmlns:p14="http://schemas.microsoft.com/office/powerpoint/2010/main" val="1543304680"/>
+        <p14:creationId xmlns:p14="http://schemas.microsoft.com/office/powerpoint/2010/main" val="3847496053"/>
       </p:ext>
     </p:extLst>
   </p:cSld>
@@ -3093,6 +3179,1517 @@
           <a:p>
             <a:r>
               <a:rPr lang="en-US" dirty="0"/>
+              <a:t>iv. Create web servers from custom VM image</a:t>
+            </a:r>
+          </a:p>
+        </p:txBody>
+      </p:sp>
+      <p:sp>
+        <p:nvSpPr>
+          <p:cNvPr id="6" name="Rectangle: Rounded Corners 5">
+            <a:extLst>
+              <a:ext uri="{FF2B5EF4-FFF2-40B4-BE49-F238E27FC236}">
+                <a16:creationId xmlns:a16="http://schemas.microsoft.com/office/drawing/2014/main" id="{CD1CF92A-21C2-4E80-9E64-BDFD23A4037C}"/>
+              </a:ext>
+            </a:extLst>
+          </p:cNvPr>
+          <p:cNvSpPr/>
+          <p:nvPr/>
+        </p:nvSpPr>
+        <p:spPr>
+          <a:xfrm>
+            <a:off x="4865052" y="2848456"/>
+            <a:ext cx="2451807" cy="3288616"/>
+          </a:xfrm>
+          <a:prstGeom prst="roundRect">
+            <a:avLst>
+              <a:gd name="adj" fmla="val 0"/>
+            </a:avLst>
+          </a:prstGeom>
+          <a:solidFill>
+            <a:schemeClr val="tx2">
+              <a:lumMod val="20000"/>
+              <a:lumOff val="80000"/>
+            </a:schemeClr>
+          </a:solidFill>
+          <a:ln w="12700">
+            <a:noFill/>
+            <a:prstDash val="solid"/>
+          </a:ln>
+        </p:spPr>
+        <p:style>
+          <a:lnRef idx="2">
+            <a:schemeClr val="accent1">
+              <a:shade val="50000"/>
+            </a:schemeClr>
+          </a:lnRef>
+          <a:fillRef idx="1">
+            <a:schemeClr val="accent1"/>
+          </a:fillRef>
+          <a:effectRef idx="0">
+            <a:schemeClr val="accent1"/>
+          </a:effectRef>
+          <a:fontRef idx="minor">
+            <a:schemeClr val="lt1"/>
+          </a:fontRef>
+        </p:style>
+        <p:txBody>
+          <a:bodyPr rtlCol="0" anchor="ctr"/>
+          <a:lstStyle/>
+          <a:p>
+            <a:pPr algn="ctr"/>
+            <a:endParaRPr lang="en-US"/>
+          </a:p>
+        </p:txBody>
+      </p:sp>
+      <p:sp>
+        <p:nvSpPr>
+          <p:cNvPr id="7" name="Rectangle: Rounded Corners 6">
+            <a:extLst>
+              <a:ext uri="{FF2B5EF4-FFF2-40B4-BE49-F238E27FC236}">
+                <a16:creationId xmlns:a16="http://schemas.microsoft.com/office/drawing/2014/main" id="{31F7AC4D-935F-4160-AF82-00E07CDF6C22}"/>
+              </a:ext>
+            </a:extLst>
+          </p:cNvPr>
+          <p:cNvSpPr/>
+          <p:nvPr/>
+        </p:nvSpPr>
+        <p:spPr>
+          <a:xfrm>
+            <a:off x="7455203" y="2848456"/>
+            <a:ext cx="3899145" cy="3288616"/>
+          </a:xfrm>
+          <a:prstGeom prst="roundRect">
+            <a:avLst>
+              <a:gd name="adj" fmla="val 0"/>
+            </a:avLst>
+          </a:prstGeom>
+          <a:solidFill>
+            <a:schemeClr val="tx2">
+              <a:lumMod val="20000"/>
+              <a:lumOff val="80000"/>
+            </a:schemeClr>
+          </a:solidFill>
+          <a:ln w="12700">
+            <a:noFill/>
+            <a:prstDash val="solid"/>
+          </a:ln>
+        </p:spPr>
+        <p:style>
+          <a:lnRef idx="2">
+            <a:schemeClr val="accent1">
+              <a:shade val="50000"/>
+            </a:schemeClr>
+          </a:lnRef>
+          <a:fillRef idx="1">
+            <a:schemeClr val="accent1"/>
+          </a:fillRef>
+          <a:effectRef idx="0">
+            <a:schemeClr val="accent1"/>
+          </a:effectRef>
+          <a:fontRef idx="minor">
+            <a:schemeClr val="lt1"/>
+          </a:fontRef>
+        </p:style>
+        <p:txBody>
+          <a:bodyPr rtlCol="0" anchor="ctr"/>
+          <a:lstStyle/>
+          <a:p>
+            <a:pPr algn="ctr"/>
+            <a:endParaRPr lang="en-US"/>
+          </a:p>
+        </p:txBody>
+      </p:sp>
+      <p:sp>
+        <p:nvSpPr>
+          <p:cNvPr id="8" name="Rectangle: Rounded Corners 7">
+            <a:extLst>
+              <a:ext uri="{FF2B5EF4-FFF2-40B4-BE49-F238E27FC236}">
+                <a16:creationId xmlns:a16="http://schemas.microsoft.com/office/drawing/2014/main" id="{BE873175-092E-4905-BBEC-09833468E8C8}"/>
+              </a:ext>
+            </a:extLst>
+          </p:cNvPr>
+          <p:cNvSpPr/>
+          <p:nvPr/>
+        </p:nvSpPr>
+        <p:spPr>
+          <a:xfrm>
+            <a:off x="5712879" y="4162176"/>
+            <a:ext cx="1426119" cy="1819539"/>
+          </a:xfrm>
+          <a:prstGeom prst="roundRect">
+            <a:avLst>
+              <a:gd name="adj" fmla="val 8127"/>
+            </a:avLst>
+          </a:prstGeom>
+          <a:solidFill>
+            <a:schemeClr val="accent1">
+              <a:lumMod val="40000"/>
+              <a:lumOff val="60000"/>
+            </a:schemeClr>
+          </a:solidFill>
+          <a:ln w="12700">
+            <a:noFill/>
+            <a:prstDash val="solid"/>
+          </a:ln>
+        </p:spPr>
+        <p:style>
+          <a:lnRef idx="2">
+            <a:schemeClr val="accent1">
+              <a:shade val="50000"/>
+            </a:schemeClr>
+          </a:lnRef>
+          <a:fillRef idx="1">
+            <a:schemeClr val="accent1"/>
+          </a:fillRef>
+          <a:effectRef idx="0">
+            <a:schemeClr val="accent1"/>
+          </a:effectRef>
+          <a:fontRef idx="minor">
+            <a:schemeClr val="lt1"/>
+          </a:fontRef>
+        </p:style>
+        <p:txBody>
+          <a:bodyPr rtlCol="0" anchor="ctr"/>
+          <a:lstStyle/>
+          <a:p>
+            <a:pPr algn="ctr"/>
+            <a:endParaRPr lang="en-US"/>
+          </a:p>
+        </p:txBody>
+      </p:sp>
+      <p:sp>
+        <p:nvSpPr>
+          <p:cNvPr id="9" name="Rectangle: Rounded Corners 8">
+            <a:extLst>
+              <a:ext uri="{FF2B5EF4-FFF2-40B4-BE49-F238E27FC236}">
+                <a16:creationId xmlns:a16="http://schemas.microsoft.com/office/drawing/2014/main" id="{2830BD71-46A4-4C52-963A-5ED262F16F65}"/>
+              </a:ext>
+            </a:extLst>
+          </p:cNvPr>
+          <p:cNvSpPr/>
+          <p:nvPr/>
+        </p:nvSpPr>
+        <p:spPr>
+          <a:xfrm>
+            <a:off x="8292445" y="4162176"/>
+            <a:ext cx="2867621" cy="1819539"/>
+          </a:xfrm>
+          <a:prstGeom prst="roundRect">
+            <a:avLst>
+              <a:gd name="adj" fmla="val 8127"/>
+            </a:avLst>
+          </a:prstGeom>
+          <a:solidFill>
+            <a:schemeClr val="accent1">
+              <a:lumMod val="40000"/>
+              <a:lumOff val="60000"/>
+            </a:schemeClr>
+          </a:solidFill>
+          <a:ln w="12700">
+            <a:noFill/>
+            <a:prstDash val="solid"/>
+          </a:ln>
+        </p:spPr>
+        <p:style>
+          <a:lnRef idx="2">
+            <a:schemeClr val="accent1">
+              <a:shade val="50000"/>
+            </a:schemeClr>
+          </a:lnRef>
+          <a:fillRef idx="1">
+            <a:schemeClr val="accent1"/>
+          </a:fillRef>
+          <a:effectRef idx="0">
+            <a:schemeClr val="accent1"/>
+          </a:effectRef>
+          <a:fontRef idx="minor">
+            <a:schemeClr val="lt1"/>
+          </a:fontRef>
+        </p:style>
+        <p:txBody>
+          <a:bodyPr rtlCol="0" anchor="ctr"/>
+          <a:lstStyle/>
+          <a:p>
+            <a:pPr algn="ctr"/>
+            <a:endParaRPr lang="en-US"/>
+          </a:p>
+        </p:txBody>
+      </p:sp>
+      <p:pic>
+        <p:nvPicPr>
+          <p:cNvPr id="10" name="Picture 9">
+            <a:extLst>
+              <a:ext uri="{FF2B5EF4-FFF2-40B4-BE49-F238E27FC236}">
+                <a16:creationId xmlns:a16="http://schemas.microsoft.com/office/drawing/2014/main" id="{B764981B-0C22-42E0-A6BD-CC2C06C4C57C}"/>
+              </a:ext>
+            </a:extLst>
+          </p:cNvPr>
+          <p:cNvPicPr>
+            <a:picLocks noChangeAspect="1"/>
+          </p:cNvPicPr>
+          <p:nvPr/>
+        </p:nvPicPr>
+        <p:blipFill>
+          <a:blip r:embed="rId3">
+            <a:extLst>
+              <a:ext uri="{28A0092B-C50C-407E-A947-70E740481C1C}">
+                <a14:useLocalDpi xmlns:a14="http://schemas.microsoft.com/office/drawing/2010/main" val="0"/>
+              </a:ext>
+            </a:extLst>
+          </a:blip>
+          <a:stretch>
+            <a:fillRect/>
+          </a:stretch>
+        </p:blipFill>
+        <p:spPr>
+          <a:xfrm>
+            <a:off x="3497936" y="1996689"/>
+            <a:ext cx="780290" cy="780290"/>
+          </a:xfrm>
+          <a:prstGeom prst="rect">
+            <a:avLst/>
+          </a:prstGeom>
+        </p:spPr>
+      </p:pic>
+      <p:pic>
+        <p:nvPicPr>
+          <p:cNvPr id="11" name="Picture 10">
+            <a:extLst>
+              <a:ext uri="{FF2B5EF4-FFF2-40B4-BE49-F238E27FC236}">
+                <a16:creationId xmlns:a16="http://schemas.microsoft.com/office/drawing/2014/main" id="{172B2DA5-F1C1-4FC6-BA4D-3B6AC5A52E8B}"/>
+              </a:ext>
+            </a:extLst>
+          </p:cNvPr>
+          <p:cNvPicPr>
+            <a:picLocks noChangeAspect="1"/>
+          </p:cNvPicPr>
+          <p:nvPr/>
+        </p:nvPicPr>
+        <p:blipFill>
+          <a:blip r:embed="rId4">
+            <a:extLst>
+              <a:ext uri="{28A0092B-C50C-407E-A947-70E740481C1C}">
+                <a14:useLocalDpi xmlns:a14="http://schemas.microsoft.com/office/drawing/2010/main" val="0"/>
+              </a:ext>
+            </a:extLst>
+          </a:blip>
+          <a:stretch>
+            <a:fillRect/>
+          </a:stretch>
+        </p:blipFill>
+        <p:spPr>
+          <a:xfrm>
+            <a:off x="1872818" y="1182767"/>
+            <a:ext cx="780290" cy="780290"/>
+          </a:xfrm>
+          <a:prstGeom prst="rect">
+            <a:avLst/>
+          </a:prstGeom>
+        </p:spPr>
+      </p:pic>
+      <p:pic>
+        <p:nvPicPr>
+          <p:cNvPr id="13" name="Picture 12">
+            <a:extLst>
+              <a:ext uri="{FF2B5EF4-FFF2-40B4-BE49-F238E27FC236}">
+                <a16:creationId xmlns:a16="http://schemas.microsoft.com/office/drawing/2014/main" id="{E03E2CAE-7665-4CAF-9969-A4942D02FE8C}"/>
+              </a:ext>
+            </a:extLst>
+          </p:cNvPr>
+          <p:cNvPicPr>
+            <a:picLocks noChangeAspect="1"/>
+          </p:cNvPicPr>
+          <p:nvPr/>
+        </p:nvPicPr>
+        <p:blipFill>
+          <a:blip r:embed="rId5">
+            <a:extLst>
+              <a:ext uri="{28A0092B-C50C-407E-A947-70E740481C1C}">
+                <a14:useLocalDpi xmlns:a14="http://schemas.microsoft.com/office/drawing/2010/main" val="0"/>
+              </a:ext>
+            </a:extLst>
+          </a:blip>
+          <a:stretch>
+            <a:fillRect/>
+          </a:stretch>
+        </p:blipFill>
+        <p:spPr>
+          <a:xfrm>
+            <a:off x="5344023" y="3496240"/>
+            <a:ext cx="780290" cy="780290"/>
+          </a:xfrm>
+          <a:prstGeom prst="rect">
+            <a:avLst/>
+          </a:prstGeom>
+        </p:spPr>
+      </p:pic>
+      <p:pic>
+        <p:nvPicPr>
+          <p:cNvPr id="14" name="Picture 13">
+            <a:extLst>
+              <a:ext uri="{FF2B5EF4-FFF2-40B4-BE49-F238E27FC236}">
+                <a16:creationId xmlns:a16="http://schemas.microsoft.com/office/drawing/2014/main" id="{3564506D-68E1-4093-B9FD-AF6934607011}"/>
+              </a:ext>
+            </a:extLst>
+          </p:cNvPr>
+          <p:cNvPicPr>
+            <a:picLocks noChangeAspect="1"/>
+          </p:cNvPicPr>
+          <p:nvPr/>
+        </p:nvPicPr>
+        <p:blipFill>
+          <a:blip r:embed="rId6">
+            <a:extLst>
+              <a:ext uri="{28A0092B-C50C-407E-A947-70E740481C1C}">
+                <a14:useLocalDpi xmlns:a14="http://schemas.microsoft.com/office/drawing/2010/main" val="0"/>
+              </a:ext>
+            </a:extLst>
+          </a:blip>
+          <a:stretch>
+            <a:fillRect/>
+          </a:stretch>
+        </p:blipFill>
+        <p:spPr>
+          <a:xfrm>
+            <a:off x="4947926" y="5206100"/>
+            <a:ext cx="780290" cy="780290"/>
+          </a:xfrm>
+          <a:prstGeom prst="rect">
+            <a:avLst/>
+          </a:prstGeom>
+        </p:spPr>
+      </p:pic>
+      <p:pic>
+        <p:nvPicPr>
+          <p:cNvPr id="15" name="Picture 14">
+            <a:extLst>
+              <a:ext uri="{FF2B5EF4-FFF2-40B4-BE49-F238E27FC236}">
+                <a16:creationId xmlns:a16="http://schemas.microsoft.com/office/drawing/2014/main" id="{88CAA98F-F56A-4E5A-B9B2-0A4D98CF70CA}"/>
+              </a:ext>
+            </a:extLst>
+          </p:cNvPr>
+          <p:cNvPicPr>
+            <a:picLocks noChangeAspect="1"/>
+          </p:cNvPicPr>
+          <p:nvPr/>
+        </p:nvPicPr>
+        <p:blipFill>
+          <a:blip r:embed="rId6">
+            <a:extLst>
+              <a:ext uri="{28A0092B-C50C-407E-A947-70E740481C1C}">
+                <a14:useLocalDpi xmlns:a14="http://schemas.microsoft.com/office/drawing/2010/main" val="0"/>
+              </a:ext>
+            </a:extLst>
+          </a:blip>
+          <a:stretch>
+            <a:fillRect/>
+          </a:stretch>
+        </p:blipFill>
+        <p:spPr>
+          <a:xfrm>
+            <a:off x="7495752" y="5206100"/>
+            <a:ext cx="780290" cy="780290"/>
+          </a:xfrm>
+          <a:prstGeom prst="rect">
+            <a:avLst/>
+          </a:prstGeom>
+        </p:spPr>
+      </p:pic>
+      <p:sp>
+        <p:nvSpPr>
+          <p:cNvPr id="17" name="Rectangle 16">
+            <a:extLst>
+              <a:ext uri="{FF2B5EF4-FFF2-40B4-BE49-F238E27FC236}">
+                <a16:creationId xmlns:a16="http://schemas.microsoft.com/office/drawing/2014/main" id="{17EC2194-D096-4F47-9600-9513623EDD2D}"/>
+              </a:ext>
+            </a:extLst>
+          </p:cNvPr>
+          <p:cNvSpPr/>
+          <p:nvPr/>
+        </p:nvSpPr>
+        <p:spPr>
+          <a:xfrm>
+            <a:off x="2242521" y="1894585"/>
+            <a:ext cx="9414433" cy="4428834"/>
+          </a:xfrm>
+          <a:prstGeom prst="rect">
+            <a:avLst/>
+          </a:prstGeom>
+          <a:noFill/>
+          <a:ln>
+            <a:solidFill>
+              <a:schemeClr val="bg1">
+                <a:lumMod val="65000"/>
+              </a:schemeClr>
+            </a:solidFill>
+          </a:ln>
+        </p:spPr>
+        <p:style>
+          <a:lnRef idx="2">
+            <a:schemeClr val="accent1">
+              <a:shade val="50000"/>
+            </a:schemeClr>
+          </a:lnRef>
+          <a:fillRef idx="1">
+            <a:schemeClr val="accent1"/>
+          </a:fillRef>
+          <a:effectRef idx="0">
+            <a:schemeClr val="accent1"/>
+          </a:effectRef>
+          <a:fontRef idx="minor">
+            <a:schemeClr val="lt1"/>
+          </a:fontRef>
+        </p:style>
+        <p:txBody>
+          <a:bodyPr rtlCol="0" anchor="ctr"/>
+          <a:lstStyle/>
+          <a:p>
+            <a:pPr algn="ctr"/>
+            <a:endParaRPr lang="en-US"/>
+          </a:p>
+        </p:txBody>
+      </p:sp>
+      <p:sp>
+        <p:nvSpPr>
+          <p:cNvPr id="18" name="TextBox 17">
+            <a:extLst>
+              <a:ext uri="{FF2B5EF4-FFF2-40B4-BE49-F238E27FC236}">
+                <a16:creationId xmlns:a16="http://schemas.microsoft.com/office/drawing/2014/main" id="{90EB4C86-32B7-4932-B646-5CC4FA78EEB7}"/>
+              </a:ext>
+            </a:extLst>
+          </p:cNvPr>
+          <p:cNvSpPr txBox="1"/>
+          <p:nvPr/>
+        </p:nvSpPr>
+        <p:spPr>
+          <a:xfrm>
+            <a:off x="2658920" y="1578939"/>
+            <a:ext cx="1292790" cy="276999"/>
+          </a:xfrm>
+          <a:prstGeom prst="rect">
+            <a:avLst/>
+          </a:prstGeom>
+          <a:noFill/>
+        </p:spPr>
+        <p:txBody>
+          <a:bodyPr wrap="none" rtlCol="0">
+            <a:spAutoFit/>
+          </a:bodyPr>
+          <a:lstStyle/>
+          <a:p>
+            <a:r>
+              <a:rPr lang="en-US" sz="1200" dirty="0"/>
+              <a:t>Microsoft Azure</a:t>
+            </a:r>
+          </a:p>
+        </p:txBody>
+      </p:sp>
+      <p:sp>
+        <p:nvSpPr>
+          <p:cNvPr id="19" name="Rectangle 18">
+            <a:extLst>
+              <a:ext uri="{FF2B5EF4-FFF2-40B4-BE49-F238E27FC236}">
+                <a16:creationId xmlns:a16="http://schemas.microsoft.com/office/drawing/2014/main" id="{0034689C-A17C-48A7-80E4-28ADCAB8AD41}"/>
+              </a:ext>
+            </a:extLst>
+          </p:cNvPr>
+          <p:cNvSpPr/>
+          <p:nvPr/>
+        </p:nvSpPr>
+        <p:spPr>
+          <a:xfrm>
+            <a:off x="3647358" y="2776979"/>
+            <a:ext cx="7809749" cy="3430092"/>
+          </a:xfrm>
+          <a:prstGeom prst="rect">
+            <a:avLst/>
+          </a:prstGeom>
+          <a:noFill/>
+          <a:ln>
+            <a:solidFill>
+              <a:schemeClr val="bg1">
+                <a:lumMod val="65000"/>
+              </a:schemeClr>
+            </a:solidFill>
+          </a:ln>
+        </p:spPr>
+        <p:style>
+          <a:lnRef idx="2">
+            <a:schemeClr val="accent1">
+              <a:shade val="50000"/>
+            </a:schemeClr>
+          </a:lnRef>
+          <a:fillRef idx="1">
+            <a:schemeClr val="accent1"/>
+          </a:fillRef>
+          <a:effectRef idx="0">
+            <a:schemeClr val="accent1"/>
+          </a:effectRef>
+          <a:fontRef idx="minor">
+            <a:schemeClr val="lt1"/>
+          </a:fontRef>
+        </p:style>
+        <p:txBody>
+          <a:bodyPr rtlCol="0" anchor="ctr"/>
+          <a:lstStyle/>
+          <a:p>
+            <a:pPr algn="ctr"/>
+            <a:endParaRPr lang="en-US"/>
+          </a:p>
+        </p:txBody>
+      </p:sp>
+      <p:grpSp>
+        <p:nvGrpSpPr>
+          <p:cNvPr id="20" name="Group 19">
+            <a:extLst>
+              <a:ext uri="{FF2B5EF4-FFF2-40B4-BE49-F238E27FC236}">
+                <a16:creationId xmlns:a16="http://schemas.microsoft.com/office/drawing/2014/main" id="{9AC16B10-2BB1-4B9D-A796-7D14440B5C13}"/>
+              </a:ext>
+            </a:extLst>
+          </p:cNvPr>
+          <p:cNvGrpSpPr/>
+          <p:nvPr/>
+        </p:nvGrpSpPr>
+        <p:grpSpPr>
+          <a:xfrm>
+            <a:off x="8640485" y="4430952"/>
+            <a:ext cx="2171540" cy="1032361"/>
+            <a:chOff x="8189467" y="4461123"/>
+            <a:chExt cx="2171540" cy="1032361"/>
+          </a:xfrm>
+        </p:grpSpPr>
+        <p:pic>
+          <p:nvPicPr>
+            <p:cNvPr id="58" name="Picture 57">
+              <a:extLst>
+                <a:ext uri="{FF2B5EF4-FFF2-40B4-BE49-F238E27FC236}">
+                  <a16:creationId xmlns:a16="http://schemas.microsoft.com/office/drawing/2014/main" id="{1680DAC1-69C2-4B26-9DF1-4A7D473DBB3D}"/>
+                </a:ext>
+              </a:extLst>
+            </p:cNvPr>
+            <p:cNvPicPr>
+              <a:picLocks noChangeAspect="1"/>
+            </p:cNvPicPr>
+            <p:nvPr/>
+          </p:nvPicPr>
+          <p:blipFill>
+            <a:blip r:embed="rId7">
+              <a:extLst>
+                <a:ext uri="{28A0092B-C50C-407E-A947-70E740481C1C}">
+                  <a14:useLocalDpi xmlns:a14="http://schemas.microsoft.com/office/drawing/2010/main" val="0"/>
+                </a:ext>
+              </a:extLst>
+            </a:blip>
+            <a:stretch>
+              <a:fillRect/>
+            </a:stretch>
+          </p:blipFill>
+          <p:spPr>
+            <a:xfrm>
+              <a:off x="8320332" y="4597957"/>
+              <a:ext cx="780290" cy="780290"/>
+            </a:xfrm>
+            <a:prstGeom prst="rect">
+              <a:avLst/>
+            </a:prstGeom>
+          </p:spPr>
+        </p:pic>
+        <p:sp>
+          <p:nvSpPr>
+            <p:cNvPr id="60" name="Rectangle: Rounded Corners 59">
+              <a:extLst>
+                <a:ext uri="{FF2B5EF4-FFF2-40B4-BE49-F238E27FC236}">
+                  <a16:creationId xmlns:a16="http://schemas.microsoft.com/office/drawing/2014/main" id="{80653861-0F1C-4419-B33B-D272FEF2E4D4}"/>
+                </a:ext>
+              </a:extLst>
+            </p:cNvPr>
+            <p:cNvSpPr/>
+            <p:nvPr/>
+          </p:nvSpPr>
+          <p:spPr>
+            <a:xfrm>
+              <a:off x="8189467" y="4461123"/>
+              <a:ext cx="2171540" cy="1032361"/>
+            </a:xfrm>
+            <a:prstGeom prst="roundRect">
+              <a:avLst/>
+            </a:prstGeom>
+            <a:noFill/>
+            <a:ln w="76200">
+              <a:solidFill>
+                <a:schemeClr val="accent1"/>
+              </a:solidFill>
+              <a:prstDash val="sysDash"/>
+            </a:ln>
+          </p:spPr>
+          <p:style>
+            <a:lnRef idx="2">
+              <a:schemeClr val="accent1">
+                <a:shade val="50000"/>
+              </a:schemeClr>
+            </a:lnRef>
+            <a:fillRef idx="1">
+              <a:schemeClr val="accent1"/>
+            </a:fillRef>
+            <a:effectRef idx="0">
+              <a:schemeClr val="accent1"/>
+            </a:effectRef>
+            <a:fontRef idx="minor">
+              <a:schemeClr val="lt1"/>
+            </a:fontRef>
+          </p:style>
+          <p:txBody>
+            <a:bodyPr rtlCol="0" anchor="ctr"/>
+            <a:lstStyle/>
+            <a:p>
+              <a:pPr algn="ctr"/>
+              <a:endParaRPr lang="en-US"/>
+            </a:p>
+          </p:txBody>
+        </p:sp>
+      </p:grpSp>
+      <p:sp>
+        <p:nvSpPr>
+          <p:cNvPr id="21" name="TextBox 20">
+            <a:extLst>
+              <a:ext uri="{FF2B5EF4-FFF2-40B4-BE49-F238E27FC236}">
+                <a16:creationId xmlns:a16="http://schemas.microsoft.com/office/drawing/2014/main" id="{408FA6E2-C9CA-4448-9919-5552713FA5E4}"/>
+              </a:ext>
+            </a:extLst>
+          </p:cNvPr>
+          <p:cNvSpPr txBox="1"/>
+          <p:nvPr/>
+        </p:nvSpPr>
+        <p:spPr>
+          <a:xfrm>
+            <a:off x="4389917" y="2427959"/>
+            <a:ext cx="1302536" cy="276999"/>
+          </a:xfrm>
+          <a:prstGeom prst="rect">
+            <a:avLst/>
+          </a:prstGeom>
+          <a:noFill/>
+        </p:spPr>
+        <p:txBody>
+          <a:bodyPr wrap="none" rtlCol="0">
+            <a:spAutoFit/>
+          </a:bodyPr>
+          <a:lstStyle/>
+          <a:p>
+            <a:r>
+              <a:rPr lang="en-US" sz="1200" dirty="0"/>
+              <a:t>Resource Group</a:t>
+            </a:r>
+          </a:p>
+        </p:txBody>
+      </p:sp>
+      <p:grpSp>
+        <p:nvGrpSpPr>
+          <p:cNvPr id="22" name="Group 21">
+            <a:extLst>
+              <a:ext uri="{FF2B5EF4-FFF2-40B4-BE49-F238E27FC236}">
+                <a16:creationId xmlns:a16="http://schemas.microsoft.com/office/drawing/2014/main" id="{16C2D2C2-6BAF-4685-A1A2-12A7F66F9CA6}"/>
+              </a:ext>
+            </a:extLst>
+          </p:cNvPr>
+          <p:cNvGrpSpPr/>
+          <p:nvPr/>
+        </p:nvGrpSpPr>
+        <p:grpSpPr>
+          <a:xfrm>
+            <a:off x="2390078" y="2719437"/>
+            <a:ext cx="1035733" cy="1087503"/>
+            <a:chOff x="2390078" y="2961947"/>
+            <a:chExt cx="1035733" cy="1087503"/>
+          </a:xfrm>
+        </p:grpSpPr>
+        <p:pic>
+          <p:nvPicPr>
+            <p:cNvPr id="56" name="Picture 55">
+              <a:extLst>
+                <a:ext uri="{FF2B5EF4-FFF2-40B4-BE49-F238E27FC236}">
+                  <a16:creationId xmlns:a16="http://schemas.microsoft.com/office/drawing/2014/main" id="{B48DABBD-E7AC-4584-89E0-6900CE33D8DD}"/>
+                </a:ext>
+              </a:extLst>
+            </p:cNvPr>
+            <p:cNvPicPr>
+              <a:picLocks noChangeAspect="1"/>
+            </p:cNvPicPr>
+            <p:nvPr/>
+          </p:nvPicPr>
+          <p:blipFill>
+            <a:blip r:embed="rId8">
+              <a:extLst>
+                <a:ext uri="{28A0092B-C50C-407E-A947-70E740481C1C}">
+                  <a14:useLocalDpi xmlns:a14="http://schemas.microsoft.com/office/drawing/2010/main" val="0"/>
+                </a:ext>
+              </a:extLst>
+            </a:blip>
+            <a:stretch>
+              <a:fillRect/>
+            </a:stretch>
+          </p:blipFill>
+          <p:spPr>
+            <a:xfrm>
+              <a:off x="2517799" y="2961947"/>
+              <a:ext cx="780290" cy="780290"/>
+            </a:xfrm>
+            <a:prstGeom prst="rect">
+              <a:avLst/>
+            </a:prstGeom>
+          </p:spPr>
+        </p:pic>
+        <p:sp>
+          <p:nvSpPr>
+            <p:cNvPr id="57" name="TextBox 56">
+              <a:extLst>
+                <a:ext uri="{FF2B5EF4-FFF2-40B4-BE49-F238E27FC236}">
+                  <a16:creationId xmlns:a16="http://schemas.microsoft.com/office/drawing/2014/main" id="{CCE46746-ECAD-4F08-BF96-909AF4DFE843}"/>
+                </a:ext>
+              </a:extLst>
+            </p:cNvPr>
+            <p:cNvSpPr txBox="1"/>
+            <p:nvPr/>
+          </p:nvSpPr>
+          <p:spPr>
+            <a:xfrm>
+              <a:off x="2390078" y="3772451"/>
+              <a:ext cx="1035733" cy="276999"/>
+            </a:xfrm>
+            <a:prstGeom prst="rect">
+              <a:avLst/>
+            </a:prstGeom>
+            <a:noFill/>
+          </p:spPr>
+          <p:txBody>
+            <a:bodyPr wrap="none" rtlCol="0">
+              <a:spAutoFit/>
+            </a:bodyPr>
+            <a:lstStyle/>
+            <a:p>
+              <a:r>
+                <a:rPr lang="en-US" sz="1200" dirty="0"/>
+                <a:t>Marketplace</a:t>
+              </a:r>
+            </a:p>
+          </p:txBody>
+        </p:sp>
+      </p:grpSp>
+      <p:cxnSp>
+        <p:nvCxnSpPr>
+          <p:cNvPr id="25" name="Straight Connector 24">
+            <a:extLst>
+              <a:ext uri="{FF2B5EF4-FFF2-40B4-BE49-F238E27FC236}">
+                <a16:creationId xmlns:a16="http://schemas.microsoft.com/office/drawing/2014/main" id="{C5D55ECC-2C95-45E3-8960-53980C2C8F9A}"/>
+              </a:ext>
+            </a:extLst>
+          </p:cNvPr>
+          <p:cNvCxnSpPr>
+            <a:cxnSpLocks/>
+            <a:stCxn id="14" idx="3"/>
+          </p:cNvCxnSpPr>
+          <p:nvPr/>
+        </p:nvCxnSpPr>
+        <p:spPr>
+          <a:xfrm>
+            <a:off x="5728216" y="5596245"/>
+            <a:ext cx="1346653" cy="0"/>
+          </a:xfrm>
+          <a:prstGeom prst="line">
+            <a:avLst/>
+          </a:prstGeom>
+          <a:ln w="38100">
+            <a:solidFill>
+              <a:schemeClr val="accent1"/>
+            </a:solidFill>
+          </a:ln>
+        </p:spPr>
+        <p:style>
+          <a:lnRef idx="1">
+            <a:schemeClr val="accent1"/>
+          </a:lnRef>
+          <a:fillRef idx="0">
+            <a:schemeClr val="accent1"/>
+          </a:fillRef>
+          <a:effectRef idx="0">
+            <a:schemeClr val="accent1"/>
+          </a:effectRef>
+          <a:fontRef idx="minor">
+            <a:schemeClr val="tx1"/>
+          </a:fontRef>
+        </p:style>
+      </p:cxnSp>
+      <p:cxnSp>
+        <p:nvCxnSpPr>
+          <p:cNvPr id="26" name="Straight Connector 25">
+            <a:extLst>
+              <a:ext uri="{FF2B5EF4-FFF2-40B4-BE49-F238E27FC236}">
+                <a16:creationId xmlns:a16="http://schemas.microsoft.com/office/drawing/2014/main" id="{A1DD2B03-B074-4B8C-8996-1C8859DB1E8A}"/>
+              </a:ext>
+            </a:extLst>
+          </p:cNvPr>
+          <p:cNvCxnSpPr>
+            <a:cxnSpLocks/>
+            <a:stCxn id="15" idx="3"/>
+          </p:cNvCxnSpPr>
+          <p:nvPr/>
+        </p:nvCxnSpPr>
+        <p:spPr>
+          <a:xfrm>
+            <a:off x="8276042" y="5596245"/>
+            <a:ext cx="2778770" cy="0"/>
+          </a:xfrm>
+          <a:prstGeom prst="line">
+            <a:avLst/>
+          </a:prstGeom>
+          <a:ln w="38100">
+            <a:solidFill>
+              <a:schemeClr val="accent1"/>
+            </a:solidFill>
+          </a:ln>
+        </p:spPr>
+        <p:style>
+          <a:lnRef idx="1">
+            <a:schemeClr val="accent1"/>
+          </a:lnRef>
+          <a:fillRef idx="0">
+            <a:schemeClr val="accent1"/>
+          </a:fillRef>
+          <a:effectRef idx="0">
+            <a:schemeClr val="accent1"/>
+          </a:effectRef>
+          <a:fontRef idx="minor">
+            <a:schemeClr val="tx1"/>
+          </a:fontRef>
+        </p:style>
+      </p:cxnSp>
+      <p:cxnSp>
+        <p:nvCxnSpPr>
+          <p:cNvPr id="27" name="Straight Connector 26">
+            <a:extLst>
+              <a:ext uri="{FF2B5EF4-FFF2-40B4-BE49-F238E27FC236}">
+                <a16:creationId xmlns:a16="http://schemas.microsoft.com/office/drawing/2014/main" id="{37A94C14-EF36-4EED-81C7-4EC21430D60A}"/>
+              </a:ext>
+            </a:extLst>
+          </p:cNvPr>
+          <p:cNvCxnSpPr>
+            <a:cxnSpLocks/>
+          </p:cNvCxnSpPr>
+          <p:nvPr/>
+        </p:nvCxnSpPr>
+        <p:spPr>
+          <a:xfrm>
+            <a:off x="9161495" y="5286032"/>
+            <a:ext cx="0" cy="320040"/>
+          </a:xfrm>
+          <a:prstGeom prst="line">
+            <a:avLst/>
+          </a:prstGeom>
+          <a:ln w="38100">
+            <a:solidFill>
+              <a:schemeClr val="accent1"/>
+            </a:solidFill>
+          </a:ln>
+        </p:spPr>
+        <p:style>
+          <a:lnRef idx="1">
+            <a:schemeClr val="accent1"/>
+          </a:lnRef>
+          <a:fillRef idx="0">
+            <a:schemeClr val="accent1"/>
+          </a:fillRef>
+          <a:effectRef idx="0">
+            <a:schemeClr val="accent1"/>
+          </a:effectRef>
+          <a:fontRef idx="minor">
+            <a:schemeClr val="tx1"/>
+          </a:fontRef>
+        </p:style>
+      </p:cxnSp>
+      <p:cxnSp>
+        <p:nvCxnSpPr>
+          <p:cNvPr id="28" name="Straight Connector 27">
+            <a:extLst>
+              <a:ext uri="{FF2B5EF4-FFF2-40B4-BE49-F238E27FC236}">
+                <a16:creationId xmlns:a16="http://schemas.microsoft.com/office/drawing/2014/main" id="{B5535A0D-BA9A-4DFB-B3D1-5123CB9A9F34}"/>
+              </a:ext>
+            </a:extLst>
+          </p:cNvPr>
+          <p:cNvCxnSpPr>
+            <a:cxnSpLocks/>
+          </p:cNvCxnSpPr>
+          <p:nvPr/>
+        </p:nvCxnSpPr>
+        <p:spPr>
+          <a:xfrm>
+            <a:off x="10200883" y="5286032"/>
+            <a:ext cx="0" cy="320040"/>
+          </a:xfrm>
+          <a:prstGeom prst="line">
+            <a:avLst/>
+          </a:prstGeom>
+          <a:ln w="38100">
+            <a:solidFill>
+              <a:schemeClr val="accent1"/>
+            </a:solidFill>
+          </a:ln>
+        </p:spPr>
+        <p:style>
+          <a:lnRef idx="1">
+            <a:schemeClr val="accent1"/>
+          </a:lnRef>
+          <a:fillRef idx="0">
+            <a:schemeClr val="accent1"/>
+          </a:fillRef>
+          <a:effectRef idx="0">
+            <a:schemeClr val="accent1"/>
+          </a:effectRef>
+          <a:fontRef idx="minor">
+            <a:schemeClr val="tx1"/>
+          </a:fontRef>
+        </p:style>
+      </p:cxnSp>
+      <p:sp>
+        <p:nvSpPr>
+          <p:cNvPr id="31" name="TextBox 30">
+            <a:extLst>
+              <a:ext uri="{FF2B5EF4-FFF2-40B4-BE49-F238E27FC236}">
+                <a16:creationId xmlns:a16="http://schemas.microsoft.com/office/drawing/2014/main" id="{00D41994-6D48-4013-8DDF-76EF38A46BEE}"/>
+              </a:ext>
+            </a:extLst>
+          </p:cNvPr>
+          <p:cNvSpPr txBox="1"/>
+          <p:nvPr/>
+        </p:nvSpPr>
+        <p:spPr>
+          <a:xfrm>
+            <a:off x="4919695" y="5821925"/>
+            <a:ext cx="830933" cy="276999"/>
+          </a:xfrm>
+          <a:prstGeom prst="rect">
+            <a:avLst/>
+          </a:prstGeom>
+          <a:noFill/>
+        </p:spPr>
+        <p:txBody>
+          <a:bodyPr wrap="none" rtlCol="0">
+            <a:spAutoFit/>
+          </a:bodyPr>
+          <a:lstStyle/>
+          <a:p>
+            <a:r>
+              <a:rPr lang="en-US" sz="1200" dirty="0"/>
+              <a:t>Dev-</a:t>
+            </a:r>
+            <a:r>
+              <a:rPr lang="en-US" sz="1200" dirty="0" err="1"/>
+              <a:t>Vnet</a:t>
+            </a:r>
+            <a:endParaRPr lang="en-US" sz="1200" dirty="0"/>
+          </a:p>
+        </p:txBody>
+      </p:sp>
+      <p:sp>
+        <p:nvSpPr>
+          <p:cNvPr id="32" name="TextBox 31">
+            <a:extLst>
+              <a:ext uri="{FF2B5EF4-FFF2-40B4-BE49-F238E27FC236}">
+                <a16:creationId xmlns:a16="http://schemas.microsoft.com/office/drawing/2014/main" id="{5DAFE9AD-C50D-4B94-87BC-018F1C34362F}"/>
+              </a:ext>
+            </a:extLst>
+          </p:cNvPr>
+          <p:cNvSpPr txBox="1"/>
+          <p:nvPr/>
+        </p:nvSpPr>
+        <p:spPr>
+          <a:xfrm>
+            <a:off x="7462832" y="5821925"/>
+            <a:ext cx="796693" cy="276999"/>
+          </a:xfrm>
+          <a:prstGeom prst="rect">
+            <a:avLst/>
+          </a:prstGeom>
+          <a:noFill/>
+        </p:spPr>
+        <p:txBody>
+          <a:bodyPr wrap="none" rtlCol="0">
+            <a:spAutoFit/>
+          </a:bodyPr>
+          <a:lstStyle/>
+          <a:p>
+            <a:r>
+              <a:rPr lang="en-US" sz="1200" dirty="0" err="1"/>
+              <a:t>Prd-Vnet</a:t>
+            </a:r>
+            <a:endParaRPr lang="en-US" sz="1200" dirty="0"/>
+          </a:p>
+        </p:txBody>
+      </p:sp>
+      <p:sp>
+        <p:nvSpPr>
+          <p:cNvPr id="33" name="TextBox 32">
+            <a:extLst>
+              <a:ext uri="{FF2B5EF4-FFF2-40B4-BE49-F238E27FC236}">
+                <a16:creationId xmlns:a16="http://schemas.microsoft.com/office/drawing/2014/main" id="{C92B9D98-5F8E-44D7-ADB1-D23713ACA599}"/>
+              </a:ext>
+            </a:extLst>
+          </p:cNvPr>
+          <p:cNvSpPr txBox="1"/>
+          <p:nvPr/>
+        </p:nvSpPr>
+        <p:spPr>
+          <a:xfrm>
+            <a:off x="8807389" y="5063939"/>
+            <a:ext cx="727315" cy="276999"/>
+          </a:xfrm>
+          <a:prstGeom prst="rect">
+            <a:avLst/>
+          </a:prstGeom>
+          <a:noFill/>
+        </p:spPr>
+        <p:txBody>
+          <a:bodyPr wrap="none" rtlCol="0">
+            <a:spAutoFit/>
+          </a:bodyPr>
+          <a:lstStyle/>
+          <a:p>
+            <a:r>
+              <a:rPr lang="en-US" sz="1200" dirty="0"/>
+              <a:t>Web 01</a:t>
+            </a:r>
+          </a:p>
+        </p:txBody>
+      </p:sp>
+      <p:sp>
+        <p:nvSpPr>
+          <p:cNvPr id="35" name="TextBox 34">
+            <a:extLst>
+              <a:ext uri="{FF2B5EF4-FFF2-40B4-BE49-F238E27FC236}">
+                <a16:creationId xmlns:a16="http://schemas.microsoft.com/office/drawing/2014/main" id="{CBB59810-83DD-4210-8567-3057D44EC135}"/>
+              </a:ext>
+            </a:extLst>
+          </p:cNvPr>
+          <p:cNvSpPr txBox="1"/>
+          <p:nvPr/>
+        </p:nvSpPr>
+        <p:spPr>
+          <a:xfrm>
+            <a:off x="5695392" y="3323499"/>
+            <a:ext cx="764953" cy="276999"/>
+          </a:xfrm>
+          <a:prstGeom prst="rect">
+            <a:avLst/>
+          </a:prstGeom>
+          <a:noFill/>
+        </p:spPr>
+        <p:txBody>
+          <a:bodyPr wrap="none" rtlCol="0">
+            <a:spAutoFit/>
+          </a:bodyPr>
+          <a:lstStyle/>
+          <a:p>
+            <a:r>
+              <a:rPr lang="en-US" sz="1200" dirty="0"/>
+              <a:t>Dev-</a:t>
+            </a:r>
+            <a:r>
+              <a:rPr lang="en-US" sz="1200" dirty="0" err="1"/>
+              <a:t>nsg</a:t>
+            </a:r>
+            <a:endParaRPr lang="en-US" sz="1200" dirty="0"/>
+          </a:p>
+        </p:txBody>
+      </p:sp>
+      <p:sp>
+        <p:nvSpPr>
+          <p:cNvPr id="36" name="TextBox 35">
+            <a:extLst>
+              <a:ext uri="{FF2B5EF4-FFF2-40B4-BE49-F238E27FC236}">
+                <a16:creationId xmlns:a16="http://schemas.microsoft.com/office/drawing/2014/main" id="{401DB9B0-0CF3-40AE-AB1E-24B8F82FCC07}"/>
+              </a:ext>
+            </a:extLst>
+          </p:cNvPr>
+          <p:cNvSpPr txBox="1"/>
+          <p:nvPr/>
+        </p:nvSpPr>
+        <p:spPr>
+          <a:xfrm>
+            <a:off x="5865393" y="5677845"/>
+            <a:ext cx="1124860" cy="276999"/>
+          </a:xfrm>
+          <a:prstGeom prst="rect">
+            <a:avLst/>
+          </a:prstGeom>
+          <a:noFill/>
+        </p:spPr>
+        <p:txBody>
+          <a:bodyPr wrap="none" rtlCol="0">
+            <a:spAutoFit/>
+          </a:bodyPr>
+          <a:lstStyle/>
+          <a:p>
+            <a:r>
+              <a:rPr lang="en-US" sz="1200" dirty="0"/>
+              <a:t>Web (subnet)</a:t>
+            </a:r>
+          </a:p>
+        </p:txBody>
+      </p:sp>
+      <p:grpSp>
+        <p:nvGrpSpPr>
+          <p:cNvPr id="37" name="Group 36">
+            <a:extLst>
+              <a:ext uri="{FF2B5EF4-FFF2-40B4-BE49-F238E27FC236}">
+                <a16:creationId xmlns:a16="http://schemas.microsoft.com/office/drawing/2014/main" id="{7A8DA571-9686-4CE0-91BE-BA8FD531C43B}"/>
+              </a:ext>
+            </a:extLst>
+          </p:cNvPr>
+          <p:cNvGrpSpPr/>
+          <p:nvPr/>
+        </p:nvGrpSpPr>
+        <p:grpSpPr>
+          <a:xfrm>
+            <a:off x="3702687" y="3095103"/>
+            <a:ext cx="1158009" cy="1080327"/>
+            <a:chOff x="3728999" y="3095103"/>
+            <a:chExt cx="1158009" cy="1080327"/>
+          </a:xfrm>
+        </p:grpSpPr>
+        <p:pic>
+          <p:nvPicPr>
+            <p:cNvPr id="48" name="Picture 47">
+              <a:extLst>
+                <a:ext uri="{FF2B5EF4-FFF2-40B4-BE49-F238E27FC236}">
+                  <a16:creationId xmlns:a16="http://schemas.microsoft.com/office/drawing/2014/main" id="{B5E6CDA5-E295-49D0-B8E7-F83C906B0F78}"/>
+                </a:ext>
+              </a:extLst>
+            </p:cNvPr>
+            <p:cNvPicPr>
+              <a:picLocks noChangeAspect="1"/>
+            </p:cNvPicPr>
+            <p:nvPr/>
+          </p:nvPicPr>
+          <p:blipFill>
+            <a:blip r:embed="rId9">
+              <a:extLst>
+                <a:ext uri="{28A0092B-C50C-407E-A947-70E740481C1C}">
+                  <a14:useLocalDpi xmlns:a14="http://schemas.microsoft.com/office/drawing/2010/main" val="0"/>
+                </a:ext>
+              </a:extLst>
+            </a:blip>
+            <a:stretch>
+              <a:fillRect/>
+            </a:stretch>
+          </p:blipFill>
+          <p:spPr>
+            <a:xfrm>
+              <a:off x="3917858" y="3095103"/>
+              <a:ext cx="780290" cy="780290"/>
+            </a:xfrm>
+            <a:prstGeom prst="rect">
+              <a:avLst/>
+            </a:prstGeom>
+          </p:spPr>
+        </p:pic>
+        <p:sp>
+          <p:nvSpPr>
+            <p:cNvPr id="50" name="TextBox 49">
+              <a:extLst>
+                <a:ext uri="{FF2B5EF4-FFF2-40B4-BE49-F238E27FC236}">
+                  <a16:creationId xmlns:a16="http://schemas.microsoft.com/office/drawing/2014/main" id="{D08C64B1-E542-4DDA-BAEC-E4BE398F9871}"/>
+                </a:ext>
+              </a:extLst>
+            </p:cNvPr>
+            <p:cNvSpPr txBox="1"/>
+            <p:nvPr/>
+          </p:nvSpPr>
+          <p:spPr>
+            <a:xfrm>
+              <a:off x="3728999" y="3898431"/>
+              <a:ext cx="1158009" cy="276999"/>
+            </a:xfrm>
+            <a:prstGeom prst="rect">
+              <a:avLst/>
+            </a:prstGeom>
+            <a:noFill/>
+          </p:spPr>
+          <p:txBody>
+            <a:bodyPr wrap="none" rtlCol="0">
+              <a:spAutoFit/>
+            </a:bodyPr>
+            <a:lstStyle/>
+            <a:p>
+              <a:r>
+                <a:rPr lang="en-US" sz="1200" dirty="0"/>
+                <a:t>Custom img.1</a:t>
+              </a:r>
+            </a:p>
+          </p:txBody>
+        </p:sp>
+      </p:grpSp>
+      <p:pic>
+        <p:nvPicPr>
+          <p:cNvPr id="40" name="Picture 39">
+            <a:extLst>
+              <a:ext uri="{FF2B5EF4-FFF2-40B4-BE49-F238E27FC236}">
+                <a16:creationId xmlns:a16="http://schemas.microsoft.com/office/drawing/2014/main" id="{2E0EDBA7-3C36-433B-8704-935C75F30946}"/>
+              </a:ext>
+            </a:extLst>
+          </p:cNvPr>
+          <p:cNvPicPr>
+            <a:picLocks noChangeAspect="1"/>
+          </p:cNvPicPr>
+          <p:nvPr/>
+        </p:nvPicPr>
+        <p:blipFill>
+          <a:blip r:embed="rId5">
+            <a:extLst>
+              <a:ext uri="{28A0092B-C50C-407E-A947-70E740481C1C}">
+                <a14:useLocalDpi xmlns:a14="http://schemas.microsoft.com/office/drawing/2010/main" val="0"/>
+              </a:ext>
+            </a:extLst>
+          </a:blip>
+          <a:stretch>
+            <a:fillRect/>
+          </a:stretch>
+        </p:blipFill>
+        <p:spPr>
+          <a:xfrm>
+            <a:off x="7898881" y="3486994"/>
+            <a:ext cx="780290" cy="780290"/>
+          </a:xfrm>
+          <a:prstGeom prst="rect">
+            <a:avLst/>
+          </a:prstGeom>
+        </p:spPr>
+      </p:pic>
+      <p:sp>
+        <p:nvSpPr>
+          <p:cNvPr id="41" name="TextBox 40">
+            <a:extLst>
+              <a:ext uri="{FF2B5EF4-FFF2-40B4-BE49-F238E27FC236}">
+                <a16:creationId xmlns:a16="http://schemas.microsoft.com/office/drawing/2014/main" id="{CD924B14-B8E3-4758-9735-13834041362A}"/>
+              </a:ext>
+            </a:extLst>
+          </p:cNvPr>
+          <p:cNvSpPr txBox="1"/>
+          <p:nvPr/>
+        </p:nvSpPr>
+        <p:spPr>
+          <a:xfrm>
+            <a:off x="8267370" y="3314253"/>
+            <a:ext cx="730713" cy="276999"/>
+          </a:xfrm>
+          <a:prstGeom prst="rect">
+            <a:avLst/>
+          </a:prstGeom>
+          <a:noFill/>
+        </p:spPr>
+        <p:txBody>
+          <a:bodyPr wrap="none" rtlCol="0">
+            <a:spAutoFit/>
+          </a:bodyPr>
+          <a:lstStyle/>
+          <a:p>
+            <a:r>
+              <a:rPr lang="en-US" sz="1200" dirty="0" err="1"/>
+              <a:t>Prd-nsg</a:t>
+            </a:r>
+            <a:endParaRPr lang="en-US" sz="1200" dirty="0"/>
+          </a:p>
+        </p:txBody>
+      </p:sp>
+      <p:sp>
+        <p:nvSpPr>
+          <p:cNvPr id="45" name="TextBox 44">
+            <a:extLst>
+              <a:ext uri="{FF2B5EF4-FFF2-40B4-BE49-F238E27FC236}">
+                <a16:creationId xmlns:a16="http://schemas.microsoft.com/office/drawing/2014/main" id="{4622B087-0100-4C94-82A9-B7760E7FCCA0}"/>
+              </a:ext>
+            </a:extLst>
+          </p:cNvPr>
+          <p:cNvSpPr txBox="1"/>
+          <p:nvPr/>
+        </p:nvSpPr>
+        <p:spPr>
+          <a:xfrm>
+            <a:off x="9944526" y="4275595"/>
+            <a:ext cx="1200906" cy="276999"/>
+          </a:xfrm>
+          <a:prstGeom prst="rect">
+            <a:avLst/>
+          </a:prstGeom>
+          <a:noFill/>
+        </p:spPr>
+        <p:txBody>
+          <a:bodyPr wrap="none" rtlCol="0">
+            <a:spAutoFit/>
+          </a:bodyPr>
+          <a:lstStyle/>
+          <a:p>
+            <a:r>
+              <a:rPr lang="en-US" sz="1200" dirty="0"/>
+              <a:t>Availability Set</a:t>
+            </a:r>
+          </a:p>
+        </p:txBody>
+      </p:sp>
+      <p:sp>
+        <p:nvSpPr>
+          <p:cNvPr id="46" name="TextBox 45">
+            <a:extLst>
+              <a:ext uri="{FF2B5EF4-FFF2-40B4-BE49-F238E27FC236}">
+                <a16:creationId xmlns:a16="http://schemas.microsoft.com/office/drawing/2014/main" id="{15914D66-0A97-44CD-8113-9A8E875C0F32}"/>
+              </a:ext>
+            </a:extLst>
+          </p:cNvPr>
+          <p:cNvSpPr txBox="1"/>
+          <p:nvPr/>
+        </p:nvSpPr>
+        <p:spPr>
+          <a:xfrm>
+            <a:off x="10043166" y="5677845"/>
+            <a:ext cx="1124860" cy="276999"/>
+          </a:xfrm>
+          <a:prstGeom prst="rect">
+            <a:avLst/>
+          </a:prstGeom>
+          <a:noFill/>
+        </p:spPr>
+        <p:txBody>
+          <a:bodyPr wrap="none" rtlCol="0">
+            <a:spAutoFit/>
+          </a:bodyPr>
+          <a:lstStyle/>
+          <a:p>
+            <a:r>
+              <a:rPr lang="en-US" sz="1200" dirty="0"/>
+              <a:t>Web (subnet)</a:t>
+            </a:r>
+          </a:p>
+        </p:txBody>
+      </p:sp>
+    </p:spTree>
+    <p:extLst>
+      <p:ext uri="{BB962C8B-B14F-4D97-AF65-F5344CB8AC3E}">
+        <p14:creationId xmlns:p14="http://schemas.microsoft.com/office/powerpoint/2010/main" val="4150019125"/>
+      </p:ext>
+    </p:extLst>
+  </p:cSld>
+  <p:clrMapOvr>
+    <a:masterClrMapping/>
+  </p:clrMapOvr>
+</p:sld>
+</file>
+
+<file path=ppt/slides/slide11.xml><?xml version="1.0" encoding="utf-8"?>
+<p:sld xmlns:a="http://schemas.openxmlformats.org/drawingml/2006/main" xmlns:r="http://schemas.openxmlformats.org/officeDocument/2006/relationships" xmlns:p="http://schemas.openxmlformats.org/presentationml/2006/main">
+  <p:cSld>
+    <p:spTree>
+      <p:nvGrpSpPr>
+        <p:cNvPr id="1" name=""/>
+        <p:cNvGrpSpPr/>
+        <p:nvPr/>
+      </p:nvGrpSpPr>
+      <p:grpSpPr>
+        <a:xfrm>
+          <a:off x="0" y="0"/>
+          <a:ext cx="0" cy="0"/>
+          <a:chOff x="0" y="0"/>
+          <a:chExt cx="0" cy="0"/>
+        </a:xfrm>
+      </p:grpSpPr>
+      <p:sp>
+        <p:nvSpPr>
+          <p:cNvPr id="2" name="Title 1">
+            <a:extLst>
+              <a:ext uri="{FF2B5EF4-FFF2-40B4-BE49-F238E27FC236}">
+                <a16:creationId xmlns:a16="http://schemas.microsoft.com/office/drawing/2014/main" id="{C27A62A0-E3E3-4DCB-BBC5-63FDB474798C}"/>
+              </a:ext>
+            </a:extLst>
+          </p:cNvPr>
+          <p:cNvSpPr>
+            <a:spLocks noGrp="1"/>
+          </p:cNvSpPr>
+          <p:nvPr>
+            <p:ph type="title"/>
+          </p:nvPr>
+        </p:nvSpPr>
+        <p:spPr/>
+        <p:txBody>
+          <a:bodyPr/>
+          <a:lstStyle/>
+          <a:p>
+            <a:r>
+              <a:rPr lang="en-US" dirty="0"/>
+              <a:t>Workshop Scenario</a:t>
+            </a:r>
+          </a:p>
+        </p:txBody>
+      </p:sp>
+      <p:sp>
+        <p:nvSpPr>
+          <p:cNvPr id="3" name="Content Placeholder 2">
+            <a:extLst>
+              <a:ext uri="{FF2B5EF4-FFF2-40B4-BE49-F238E27FC236}">
+                <a16:creationId xmlns:a16="http://schemas.microsoft.com/office/drawing/2014/main" id="{5C351E07-3D78-4561-8477-B8F12B98225E}"/>
+              </a:ext>
+            </a:extLst>
+          </p:cNvPr>
+          <p:cNvSpPr>
+            <a:spLocks noGrp="1"/>
+          </p:cNvSpPr>
+          <p:nvPr>
+            <p:ph idx="1"/>
+          </p:nvPr>
+        </p:nvSpPr>
+        <p:spPr>
+          <a:ln>
+            <a:solidFill>
+              <a:schemeClr val="bg1">
+                <a:lumMod val="50000"/>
+              </a:schemeClr>
+            </a:solidFill>
+          </a:ln>
+        </p:spPr>
+        <p:txBody>
+          <a:bodyPr/>
+          <a:lstStyle/>
+          <a:p>
+            <a:pPr marL="0" indent="0">
+              <a:buNone/>
+            </a:pPr>
+            <a:r>
+              <a:rPr lang="en-US" dirty="0"/>
+              <a:t> </a:t>
+            </a:r>
+          </a:p>
+        </p:txBody>
+      </p:sp>
+      <p:sp>
+        <p:nvSpPr>
+          <p:cNvPr id="4" name="Text Placeholder 3">
+            <a:extLst>
+              <a:ext uri="{FF2B5EF4-FFF2-40B4-BE49-F238E27FC236}">
+                <a16:creationId xmlns:a16="http://schemas.microsoft.com/office/drawing/2014/main" id="{09E79592-AC01-4B52-8C3A-216E9F84829F}"/>
+              </a:ext>
+            </a:extLst>
+          </p:cNvPr>
+          <p:cNvSpPr>
+            <a:spLocks noGrp="1"/>
+          </p:cNvSpPr>
+          <p:nvPr>
+            <p:ph type="body" sz="quarter" idx="10"/>
+          </p:nvPr>
+        </p:nvSpPr>
+        <p:spPr/>
+        <p:txBody>
+          <a:bodyPr/>
+          <a:lstStyle/>
+          <a:p>
+            <a:r>
+              <a:rPr lang="en-US" dirty="0"/>
               <a:t>v. </a:t>
             </a:r>
             <a:r>
@@ -4909,7 +6506,7 @@
 </p:sld>
 </file>
 
-<file path=ppt/slides/slide11.xml><?xml version="1.0" encoding="utf-8"?>
+<file path=ppt/slides/slide12.xml><?xml version="1.0" encoding="utf-8"?>
 <p:sld xmlns:a="http://schemas.openxmlformats.org/drawingml/2006/main" xmlns:r="http://schemas.openxmlformats.org/officeDocument/2006/relationships" xmlns:p="http://schemas.openxmlformats.org/presentationml/2006/main">
   <p:cSld>
     <p:spTree>
@@ -7089,6 +8686,36 @@
 </p:sld>
 </file>
 
+<file path=ppt/slides/slide13.xml><?xml version="1.0" encoding="utf-8"?>
+<p:sld xmlns:a="http://schemas.openxmlformats.org/drawingml/2006/main" xmlns:r="http://schemas.openxmlformats.org/officeDocument/2006/relationships" xmlns:p="http://schemas.openxmlformats.org/presentationml/2006/main">
+  <p:cSld>
+    <p:spTree>
+      <p:nvGrpSpPr>
+        <p:cNvPr id="1" name=""/>
+        <p:cNvGrpSpPr/>
+        <p:nvPr/>
+      </p:nvGrpSpPr>
+      <p:grpSpPr>
+        <a:xfrm>
+          <a:off x="0" y="0"/>
+          <a:ext cx="0" cy="0"/>
+          <a:chOff x="0" y="0"/>
+          <a:chExt cx="0" cy="0"/>
+        </a:xfrm>
+      </p:grpSpPr>
+    </p:spTree>
+    <p:extLst>
+      <p:ext uri="{BB962C8B-B14F-4D97-AF65-F5344CB8AC3E}">
+        <p14:creationId xmlns:p14="http://schemas.microsoft.com/office/powerpoint/2010/main" val="1151723679"/>
+      </p:ext>
+    </p:extLst>
+  </p:cSld>
+  <p:clrMapOvr>
+    <a:masterClrMapping/>
+  </p:clrMapOvr>
+</p:sld>
+</file>
+
 <file path=ppt/slides/slide2.xml><?xml version="1.0" encoding="utf-8"?>
 <p:sld xmlns:a="http://schemas.openxmlformats.org/drawingml/2006/main" xmlns:r="http://schemas.openxmlformats.org/officeDocument/2006/relationships" xmlns:p="http://schemas.openxmlformats.org/presentationml/2006/main">
   <p:cSld>
@@ -7260,9 +8887,10 @@
           <a:lstStyle/>
           <a:p>
             <a:r>
-              <a:rPr lang="en-US" dirty="0"/>
+              <a:rPr lang="en-US"/>
               <a:t>Hands on lab scenarios</a:t>
             </a:r>
+            <a:endParaRPr lang="en-US" dirty="0"/>
           </a:p>
         </p:txBody>
       </p:sp>
@@ -7286,36 +8914,6 @@
         <p:txBody>
           <a:bodyPr/>
           <a:lstStyle/>
-          <a:p>
-            <a:r>
-              <a:rPr lang="en-US" dirty="0"/>
-              <a:t>Create Virtual Network</a:t>
-            </a:r>
-          </a:p>
-          <a:p>
-            <a:r>
-              <a:rPr lang="en-US" dirty="0"/>
-              <a:t>Create web app dev/test VM</a:t>
-            </a:r>
-          </a:p>
-          <a:p>
-            <a:r>
-              <a:rPr lang="en-US" dirty="0"/>
-              <a:t>Capture customized VM images</a:t>
-            </a:r>
-          </a:p>
-          <a:p>
-            <a:r>
-              <a:rPr lang="en-US" dirty="0"/>
-              <a:t>Create web servers from custom VM image</a:t>
-            </a:r>
-          </a:p>
-          <a:p>
-            <a:r>
-              <a:rPr lang="en-US" dirty="0"/>
-              <a:t>(Optional) Create load balancer</a:t>
-            </a:r>
-          </a:p>
           <a:p>
             <a:endParaRPr lang="en-US" dirty="0"/>
           </a:p>
@@ -7399,7 +8997,7 @@
           <a:p>
             <a:r>
               <a:rPr lang="en-US" dirty="0"/>
-              <a:t>Workshop Scenario</a:t>
+              <a:t>Hands on lab scenarios</a:t>
             </a:r>
           </a:p>
         </p:txBody>
@@ -7420,26 +9018,84 @@
             <p:ph idx="1"/>
           </p:nvPr>
         </p:nvSpPr>
-        <p:spPr>
-          <a:ln>
-            <a:solidFill>
-              <a:schemeClr val="bg1">
-                <a:lumMod val="50000"/>
-              </a:schemeClr>
-            </a:solidFill>
-          </a:ln>
-        </p:spPr>
+        <p:spPr/>
         <p:txBody>
           <a:bodyPr/>
           <a:lstStyle/>
           <a:p>
-            <a:pPr marL="0" indent="0">
-              <a:buNone/>
+            <a:pPr marL="342900" indent="-342900">
+              <a:lnSpc>
+                <a:spcPct val="200000"/>
+              </a:lnSpc>
+              <a:buFont typeface="+mj-lt"/>
+              <a:buAutoNum type="arabicPeriod"/>
             </a:pPr>
             <a:r>
               <a:rPr lang="en-US" dirty="0"/>
-              <a:t> </a:t>
-            </a:r>
+              <a:t>Create Virtual Network</a:t>
+            </a:r>
+          </a:p>
+          <a:p>
+            <a:pPr marL="342900" indent="-342900">
+              <a:lnSpc>
+                <a:spcPct val="200000"/>
+              </a:lnSpc>
+              <a:buFont typeface="+mj-lt"/>
+              <a:buAutoNum type="arabicPeriod"/>
+            </a:pPr>
+            <a:r>
+              <a:rPr lang="en-US" dirty="0"/>
+              <a:t>Create web app dev/test VM</a:t>
+            </a:r>
+          </a:p>
+          <a:p>
+            <a:pPr marL="342900" indent="-342900">
+              <a:lnSpc>
+                <a:spcPct val="200000"/>
+              </a:lnSpc>
+              <a:buFont typeface="+mj-lt"/>
+              <a:buAutoNum type="arabicPeriod"/>
+            </a:pPr>
+            <a:r>
+              <a:rPr lang="en-US" dirty="0"/>
+              <a:t>Capture customized VM images</a:t>
+            </a:r>
+          </a:p>
+          <a:p>
+            <a:pPr marL="342900" indent="-342900">
+              <a:lnSpc>
+                <a:spcPct val="200000"/>
+              </a:lnSpc>
+              <a:buFont typeface="+mj-lt"/>
+              <a:buAutoNum type="arabicPeriod"/>
+            </a:pPr>
+            <a:r>
+              <a:rPr lang="en-US" dirty="0"/>
+              <a:t>Create web servers from custom VM image</a:t>
+            </a:r>
+          </a:p>
+          <a:p>
+            <a:pPr marL="342900" indent="-342900">
+              <a:lnSpc>
+                <a:spcPct val="200000"/>
+              </a:lnSpc>
+              <a:buFont typeface="+mj-lt"/>
+              <a:buAutoNum type="arabicPeriod"/>
+            </a:pPr>
+            <a:r>
+              <a:rPr lang="en-US" dirty="0"/>
+              <a:t>(Optional) Create load balancer</a:t>
+            </a:r>
+          </a:p>
+          <a:p>
+            <a:pPr marL="342900" indent="-342900">
+              <a:lnSpc>
+                <a:spcPct val="200000"/>
+              </a:lnSpc>
+              <a:buFont typeface="+mj-lt"/>
+              <a:buAutoNum type="arabicPeriod"/>
+            </a:pPr>
+            <a:endParaRPr lang="en-US" dirty="0"/>
           </a:p>
         </p:txBody>
       </p:sp>
@@ -7466,528 +9122,7 @@
           <a:p>
             <a:r>
               <a:rPr lang="en-US" dirty="0"/>
-              <a:t>i. Create Virtual Network</a:t>
-            </a:r>
-          </a:p>
-        </p:txBody>
-      </p:sp>
-      <p:sp>
-        <p:nvSpPr>
-          <p:cNvPr id="6" name="Rectangle: Rounded Corners 5">
-            <a:extLst>
-              <a:ext uri="{FF2B5EF4-FFF2-40B4-BE49-F238E27FC236}">
-                <a16:creationId xmlns:a16="http://schemas.microsoft.com/office/drawing/2014/main" id="{CD041368-1E30-4AB4-A266-7055F86A716C}"/>
-              </a:ext>
-            </a:extLst>
-          </p:cNvPr>
-          <p:cNvSpPr/>
-          <p:nvPr/>
-        </p:nvSpPr>
-        <p:spPr>
-          <a:xfrm>
-            <a:off x="4865052" y="2848456"/>
-            <a:ext cx="2451807" cy="3288616"/>
-          </a:xfrm>
-          <a:prstGeom prst="roundRect">
-            <a:avLst>
-              <a:gd name="adj" fmla="val 0"/>
-            </a:avLst>
-          </a:prstGeom>
-          <a:solidFill>
-            <a:schemeClr val="tx2">
-              <a:lumMod val="20000"/>
-              <a:lumOff val="80000"/>
-            </a:schemeClr>
-          </a:solidFill>
-          <a:ln w="12700">
-            <a:noFill/>
-            <a:prstDash val="solid"/>
-          </a:ln>
-        </p:spPr>
-        <p:style>
-          <a:lnRef idx="2">
-            <a:schemeClr val="accent1">
-              <a:shade val="50000"/>
-            </a:schemeClr>
-          </a:lnRef>
-          <a:fillRef idx="1">
-            <a:schemeClr val="accent1"/>
-          </a:fillRef>
-          <a:effectRef idx="0">
-            <a:schemeClr val="accent1"/>
-          </a:effectRef>
-          <a:fontRef idx="minor">
-            <a:schemeClr val="lt1"/>
-          </a:fontRef>
-        </p:style>
-        <p:txBody>
-          <a:bodyPr rtlCol="0" anchor="ctr"/>
-          <a:lstStyle/>
-          <a:p>
-            <a:pPr algn="ctr"/>
-            <a:endParaRPr lang="en-US"/>
-          </a:p>
-        </p:txBody>
-      </p:sp>
-      <p:sp>
-        <p:nvSpPr>
-          <p:cNvPr id="8" name="Rectangle: Rounded Corners 7">
-            <a:extLst>
-              <a:ext uri="{FF2B5EF4-FFF2-40B4-BE49-F238E27FC236}">
-                <a16:creationId xmlns:a16="http://schemas.microsoft.com/office/drawing/2014/main" id="{2B55DF17-F642-4888-B14D-063A5B77283B}"/>
-              </a:ext>
-            </a:extLst>
-          </p:cNvPr>
-          <p:cNvSpPr/>
-          <p:nvPr/>
-        </p:nvSpPr>
-        <p:spPr>
-          <a:xfrm>
-            <a:off x="5712879" y="4162176"/>
-            <a:ext cx="1426119" cy="1819539"/>
-          </a:xfrm>
-          <a:prstGeom prst="roundRect">
-            <a:avLst>
-              <a:gd name="adj" fmla="val 8127"/>
-            </a:avLst>
-          </a:prstGeom>
-          <a:solidFill>
-            <a:schemeClr val="accent1">
-              <a:lumMod val="40000"/>
-              <a:lumOff val="60000"/>
-            </a:schemeClr>
-          </a:solidFill>
-          <a:ln w="12700">
-            <a:noFill/>
-            <a:prstDash val="solid"/>
-          </a:ln>
-        </p:spPr>
-        <p:style>
-          <a:lnRef idx="2">
-            <a:schemeClr val="accent1">
-              <a:shade val="50000"/>
-            </a:schemeClr>
-          </a:lnRef>
-          <a:fillRef idx="1">
-            <a:schemeClr val="accent1"/>
-          </a:fillRef>
-          <a:effectRef idx="0">
-            <a:schemeClr val="accent1"/>
-          </a:effectRef>
-          <a:fontRef idx="minor">
-            <a:schemeClr val="lt1"/>
-          </a:fontRef>
-        </p:style>
-        <p:txBody>
-          <a:bodyPr rtlCol="0" anchor="ctr"/>
-          <a:lstStyle/>
-          <a:p>
-            <a:pPr algn="ctr"/>
-            <a:endParaRPr lang="en-US"/>
-          </a:p>
-        </p:txBody>
-      </p:sp>
-      <p:pic>
-        <p:nvPicPr>
-          <p:cNvPr id="10" name="Picture 9">
-            <a:extLst>
-              <a:ext uri="{FF2B5EF4-FFF2-40B4-BE49-F238E27FC236}">
-                <a16:creationId xmlns:a16="http://schemas.microsoft.com/office/drawing/2014/main" id="{CF07DEDD-8599-4DA7-B5C9-57C95D34F9F9}"/>
-              </a:ext>
-            </a:extLst>
-          </p:cNvPr>
-          <p:cNvPicPr>
-            <a:picLocks noChangeAspect="1"/>
-          </p:cNvPicPr>
-          <p:nvPr/>
-        </p:nvPicPr>
-        <p:blipFill>
-          <a:blip r:embed="rId3">
-            <a:extLst>
-              <a:ext uri="{28A0092B-C50C-407E-A947-70E740481C1C}">
-                <a14:useLocalDpi xmlns:a14="http://schemas.microsoft.com/office/drawing/2010/main" val="0"/>
-              </a:ext>
-            </a:extLst>
-          </a:blip>
-          <a:stretch>
-            <a:fillRect/>
-          </a:stretch>
-        </p:blipFill>
-        <p:spPr>
-          <a:xfrm>
-            <a:off x="3497936" y="1996689"/>
-            <a:ext cx="780290" cy="780290"/>
-          </a:xfrm>
-          <a:prstGeom prst="rect">
-            <a:avLst/>
-          </a:prstGeom>
-        </p:spPr>
-      </p:pic>
-      <p:pic>
-        <p:nvPicPr>
-          <p:cNvPr id="11" name="Picture 10">
-            <a:extLst>
-              <a:ext uri="{FF2B5EF4-FFF2-40B4-BE49-F238E27FC236}">
-                <a16:creationId xmlns:a16="http://schemas.microsoft.com/office/drawing/2014/main" id="{C77AE365-1300-4901-92C2-13A7D0E22051}"/>
-              </a:ext>
-            </a:extLst>
-          </p:cNvPr>
-          <p:cNvPicPr>
-            <a:picLocks noChangeAspect="1"/>
-          </p:cNvPicPr>
-          <p:nvPr/>
-        </p:nvPicPr>
-        <p:blipFill>
-          <a:blip r:embed="rId4">
-            <a:extLst>
-              <a:ext uri="{28A0092B-C50C-407E-A947-70E740481C1C}">
-                <a14:useLocalDpi xmlns:a14="http://schemas.microsoft.com/office/drawing/2010/main" val="0"/>
-              </a:ext>
-            </a:extLst>
-          </a:blip>
-          <a:stretch>
-            <a:fillRect/>
-          </a:stretch>
-        </p:blipFill>
-        <p:spPr>
-          <a:xfrm>
-            <a:off x="1872818" y="1182767"/>
-            <a:ext cx="780290" cy="780290"/>
-          </a:xfrm>
-          <a:prstGeom prst="rect">
-            <a:avLst/>
-          </a:prstGeom>
-        </p:spPr>
-      </p:pic>
-      <p:pic>
-        <p:nvPicPr>
-          <p:cNvPr id="14" name="Picture 13">
-            <a:extLst>
-              <a:ext uri="{FF2B5EF4-FFF2-40B4-BE49-F238E27FC236}">
-                <a16:creationId xmlns:a16="http://schemas.microsoft.com/office/drawing/2014/main" id="{0B5C05E6-25C6-479C-ABED-594D70F28CF0}"/>
-              </a:ext>
-            </a:extLst>
-          </p:cNvPr>
-          <p:cNvPicPr>
-            <a:picLocks noChangeAspect="1"/>
-          </p:cNvPicPr>
-          <p:nvPr/>
-        </p:nvPicPr>
-        <p:blipFill>
-          <a:blip r:embed="rId5">
-            <a:extLst>
-              <a:ext uri="{28A0092B-C50C-407E-A947-70E740481C1C}">
-                <a14:useLocalDpi xmlns:a14="http://schemas.microsoft.com/office/drawing/2010/main" val="0"/>
-              </a:ext>
-            </a:extLst>
-          </a:blip>
-          <a:stretch>
-            <a:fillRect/>
-          </a:stretch>
-        </p:blipFill>
-        <p:spPr>
-          <a:xfrm>
-            <a:off x="4947926" y="5206100"/>
-            <a:ext cx="780290" cy="780290"/>
-          </a:xfrm>
-          <a:prstGeom prst="rect">
-            <a:avLst/>
-          </a:prstGeom>
-        </p:spPr>
-      </p:pic>
-      <p:sp>
-        <p:nvSpPr>
-          <p:cNvPr id="17" name="Rectangle 16">
-            <a:extLst>
-              <a:ext uri="{FF2B5EF4-FFF2-40B4-BE49-F238E27FC236}">
-                <a16:creationId xmlns:a16="http://schemas.microsoft.com/office/drawing/2014/main" id="{5B86A53F-5974-4BD6-8D9C-EC8A539BED44}"/>
-              </a:ext>
-            </a:extLst>
-          </p:cNvPr>
-          <p:cNvSpPr/>
-          <p:nvPr/>
-        </p:nvSpPr>
-        <p:spPr>
-          <a:xfrm>
-            <a:off x="2242521" y="1894585"/>
-            <a:ext cx="9414433" cy="4428834"/>
-          </a:xfrm>
-          <a:prstGeom prst="rect">
-            <a:avLst/>
-          </a:prstGeom>
-          <a:noFill/>
-          <a:ln>
-            <a:solidFill>
-              <a:schemeClr val="bg1">
-                <a:lumMod val="65000"/>
-              </a:schemeClr>
-            </a:solidFill>
-          </a:ln>
-        </p:spPr>
-        <p:style>
-          <a:lnRef idx="2">
-            <a:schemeClr val="accent1">
-              <a:shade val="50000"/>
-            </a:schemeClr>
-          </a:lnRef>
-          <a:fillRef idx="1">
-            <a:schemeClr val="accent1"/>
-          </a:fillRef>
-          <a:effectRef idx="0">
-            <a:schemeClr val="accent1"/>
-          </a:effectRef>
-          <a:fontRef idx="minor">
-            <a:schemeClr val="lt1"/>
-          </a:fontRef>
-        </p:style>
-        <p:txBody>
-          <a:bodyPr rtlCol="0" anchor="ctr"/>
-          <a:lstStyle/>
-          <a:p>
-            <a:pPr algn="ctr"/>
-            <a:endParaRPr lang="en-US"/>
-          </a:p>
-        </p:txBody>
-      </p:sp>
-      <p:sp>
-        <p:nvSpPr>
-          <p:cNvPr id="18" name="TextBox 17">
-            <a:extLst>
-              <a:ext uri="{FF2B5EF4-FFF2-40B4-BE49-F238E27FC236}">
-                <a16:creationId xmlns:a16="http://schemas.microsoft.com/office/drawing/2014/main" id="{3BCBDA14-8853-4AAA-B547-9EF9676AC77E}"/>
-              </a:ext>
-            </a:extLst>
-          </p:cNvPr>
-          <p:cNvSpPr txBox="1"/>
-          <p:nvPr/>
-        </p:nvSpPr>
-        <p:spPr>
-          <a:xfrm>
-            <a:off x="2658920" y="1578939"/>
-            <a:ext cx="1292790" cy="276999"/>
-          </a:xfrm>
-          <a:prstGeom prst="rect">
-            <a:avLst/>
-          </a:prstGeom>
-          <a:noFill/>
-        </p:spPr>
-        <p:txBody>
-          <a:bodyPr wrap="none" rtlCol="0">
-            <a:spAutoFit/>
-          </a:bodyPr>
-          <a:lstStyle/>
-          <a:p>
-            <a:r>
-              <a:rPr lang="en-US" sz="1200" dirty="0"/>
-              <a:t>Microsoft Azure</a:t>
-            </a:r>
-          </a:p>
-        </p:txBody>
-      </p:sp>
-      <p:sp>
-        <p:nvSpPr>
-          <p:cNvPr id="19" name="Rectangle 18">
-            <a:extLst>
-              <a:ext uri="{FF2B5EF4-FFF2-40B4-BE49-F238E27FC236}">
-                <a16:creationId xmlns:a16="http://schemas.microsoft.com/office/drawing/2014/main" id="{7DEF5A3E-6A64-4D7E-A0C0-E3E567F917CE}"/>
-              </a:ext>
-            </a:extLst>
-          </p:cNvPr>
-          <p:cNvSpPr/>
-          <p:nvPr/>
-        </p:nvSpPr>
-        <p:spPr>
-          <a:xfrm>
-            <a:off x="3647358" y="2776979"/>
-            <a:ext cx="7809749" cy="3430092"/>
-          </a:xfrm>
-          <a:prstGeom prst="rect">
-            <a:avLst/>
-          </a:prstGeom>
-          <a:noFill/>
-          <a:ln>
-            <a:solidFill>
-              <a:schemeClr val="bg1">
-                <a:lumMod val="65000"/>
-              </a:schemeClr>
-            </a:solidFill>
-          </a:ln>
-        </p:spPr>
-        <p:style>
-          <a:lnRef idx="2">
-            <a:schemeClr val="accent1">
-              <a:shade val="50000"/>
-            </a:schemeClr>
-          </a:lnRef>
-          <a:fillRef idx="1">
-            <a:schemeClr val="accent1"/>
-          </a:fillRef>
-          <a:effectRef idx="0">
-            <a:schemeClr val="accent1"/>
-          </a:effectRef>
-          <a:fontRef idx="minor">
-            <a:schemeClr val="lt1"/>
-          </a:fontRef>
-        </p:style>
-        <p:txBody>
-          <a:bodyPr rtlCol="0" anchor="ctr"/>
-          <a:lstStyle/>
-          <a:p>
-            <a:pPr algn="ctr"/>
-            <a:endParaRPr lang="en-US"/>
-          </a:p>
-        </p:txBody>
-      </p:sp>
-      <p:sp>
-        <p:nvSpPr>
-          <p:cNvPr id="21" name="TextBox 20">
-            <a:extLst>
-              <a:ext uri="{FF2B5EF4-FFF2-40B4-BE49-F238E27FC236}">
-                <a16:creationId xmlns:a16="http://schemas.microsoft.com/office/drawing/2014/main" id="{FC948A9B-2200-4550-B39B-7EA6FA6EBA40}"/>
-              </a:ext>
-            </a:extLst>
-          </p:cNvPr>
-          <p:cNvSpPr txBox="1"/>
-          <p:nvPr/>
-        </p:nvSpPr>
-        <p:spPr>
-          <a:xfrm>
-            <a:off x="4389917" y="2427959"/>
-            <a:ext cx="1302536" cy="276999"/>
-          </a:xfrm>
-          <a:prstGeom prst="rect">
-            <a:avLst/>
-          </a:prstGeom>
-          <a:noFill/>
-        </p:spPr>
-        <p:txBody>
-          <a:bodyPr wrap="none" rtlCol="0">
-            <a:spAutoFit/>
-          </a:bodyPr>
-          <a:lstStyle/>
-          <a:p>
-            <a:r>
-              <a:rPr lang="en-US" sz="1200" dirty="0"/>
-              <a:t>Resource Group</a:t>
-            </a:r>
-          </a:p>
-        </p:txBody>
-      </p:sp>
-      <p:cxnSp>
-        <p:nvCxnSpPr>
-          <p:cNvPr id="25" name="Straight Connector 24">
-            <a:extLst>
-              <a:ext uri="{FF2B5EF4-FFF2-40B4-BE49-F238E27FC236}">
-                <a16:creationId xmlns:a16="http://schemas.microsoft.com/office/drawing/2014/main" id="{06E32801-4908-4950-B7D3-362B88353AD7}"/>
-              </a:ext>
-            </a:extLst>
-          </p:cNvPr>
-          <p:cNvCxnSpPr>
-            <a:cxnSpLocks/>
-            <a:stCxn id="14" idx="3"/>
-          </p:cNvCxnSpPr>
-          <p:nvPr/>
-        </p:nvCxnSpPr>
-        <p:spPr>
-          <a:xfrm>
-            <a:off x="5728216" y="5596245"/>
-            <a:ext cx="1346653" cy="0"/>
-          </a:xfrm>
-          <a:prstGeom prst="line">
-            <a:avLst/>
-          </a:prstGeom>
-          <a:ln w="38100">
-            <a:solidFill>
-              <a:schemeClr val="accent1"/>
-            </a:solidFill>
-          </a:ln>
-        </p:spPr>
-        <p:style>
-          <a:lnRef idx="1">
-            <a:schemeClr val="accent1"/>
-          </a:lnRef>
-          <a:fillRef idx="0">
-            <a:schemeClr val="accent1"/>
-          </a:fillRef>
-          <a:effectRef idx="0">
-            <a:schemeClr val="accent1"/>
-          </a:effectRef>
-          <a:fontRef idx="minor">
-            <a:schemeClr val="tx1"/>
-          </a:fontRef>
-        </p:style>
-      </p:cxnSp>
-      <p:sp>
-        <p:nvSpPr>
-          <p:cNvPr id="31" name="TextBox 30">
-            <a:extLst>
-              <a:ext uri="{FF2B5EF4-FFF2-40B4-BE49-F238E27FC236}">
-                <a16:creationId xmlns:a16="http://schemas.microsoft.com/office/drawing/2014/main" id="{593C1ED8-CDAB-4561-A9B2-A2D3C990EABD}"/>
-              </a:ext>
-            </a:extLst>
-          </p:cNvPr>
-          <p:cNvSpPr txBox="1"/>
-          <p:nvPr/>
-        </p:nvSpPr>
-        <p:spPr>
-          <a:xfrm>
-            <a:off x="4919695" y="5821925"/>
-            <a:ext cx="830933" cy="276999"/>
-          </a:xfrm>
-          <a:prstGeom prst="rect">
-            <a:avLst/>
-          </a:prstGeom>
-          <a:noFill/>
-        </p:spPr>
-        <p:txBody>
-          <a:bodyPr wrap="none" rtlCol="0">
-            <a:spAutoFit/>
-          </a:bodyPr>
-          <a:lstStyle/>
-          <a:p>
-            <a:r>
-              <a:rPr lang="en-US" sz="1200" dirty="0"/>
-              <a:t>Dev-</a:t>
-            </a:r>
-            <a:r>
-              <a:rPr lang="en-US" sz="1200" dirty="0" err="1"/>
-              <a:t>Vnet</a:t>
-            </a:r>
-            <a:endParaRPr lang="en-US" sz="1200" dirty="0"/>
-          </a:p>
-        </p:txBody>
-      </p:sp>
-      <p:sp>
-        <p:nvSpPr>
-          <p:cNvPr id="36" name="TextBox 35">
-            <a:extLst>
-              <a:ext uri="{FF2B5EF4-FFF2-40B4-BE49-F238E27FC236}">
-                <a16:creationId xmlns:a16="http://schemas.microsoft.com/office/drawing/2014/main" id="{1E30010F-FF3C-4BC7-81C7-2C8AFFD55E77}"/>
-              </a:ext>
-            </a:extLst>
-          </p:cNvPr>
-          <p:cNvSpPr txBox="1"/>
-          <p:nvPr/>
-        </p:nvSpPr>
-        <p:spPr>
-          <a:xfrm>
-            <a:off x="5865393" y="5677845"/>
-            <a:ext cx="1124860" cy="276999"/>
-          </a:xfrm>
-          <a:prstGeom prst="rect">
-            <a:avLst/>
-          </a:prstGeom>
-          <a:noFill/>
-        </p:spPr>
-        <p:txBody>
-          <a:bodyPr wrap="none" rtlCol="0">
-            <a:spAutoFit/>
-          </a:bodyPr>
-          <a:lstStyle/>
-          <a:p>
-            <a:r>
-              <a:rPr lang="en-US" sz="1200" dirty="0"/>
-              <a:t>Web (subnet)</a:t>
+              <a:t>Steps</a:t>
             </a:r>
           </a:p>
         </p:txBody>
@@ -7995,7 +9130,7 @@
     </p:spTree>
     <p:extLst>
       <p:ext uri="{BB962C8B-B14F-4D97-AF65-F5344CB8AC3E}">
-        <p14:creationId xmlns:p14="http://schemas.microsoft.com/office/powerpoint/2010/main" val="912138101"/>
+        <p14:creationId xmlns:p14="http://schemas.microsoft.com/office/powerpoint/2010/main" val="2855891546"/>
       </p:ext>
     </p:extLst>
   </p:cSld>
@@ -8112,7 +9247,7 @@
           <a:p>
             <a:r>
               <a:rPr lang="en-US" dirty="0"/>
-              <a:t>ii. Manage NSG</a:t>
+              <a:t>i. Create Virtual Network</a:t>
             </a:r>
           </a:p>
         </p:txBody>
@@ -8122,7 +9257,7 @@
           <p:cNvPr id="6" name="Rectangle: Rounded Corners 5">
             <a:extLst>
               <a:ext uri="{FF2B5EF4-FFF2-40B4-BE49-F238E27FC236}">
-                <a16:creationId xmlns:a16="http://schemas.microsoft.com/office/drawing/2014/main" id="{ACBB9332-8A5D-4600-8A89-465E6AC8A45D}"/>
+                <a16:creationId xmlns:a16="http://schemas.microsoft.com/office/drawing/2014/main" id="{CD041368-1E30-4AB4-A266-7055F86A716C}"/>
               </a:ext>
             </a:extLst>
           </p:cNvPr>
@@ -8180,7 +9315,7 @@
           <p:cNvPr id="8" name="Rectangle: Rounded Corners 7">
             <a:extLst>
               <a:ext uri="{FF2B5EF4-FFF2-40B4-BE49-F238E27FC236}">
-                <a16:creationId xmlns:a16="http://schemas.microsoft.com/office/drawing/2014/main" id="{34A39BAB-B802-41AA-ADF2-E53F1D522903}"/>
+                <a16:creationId xmlns:a16="http://schemas.microsoft.com/office/drawing/2014/main" id="{2B55DF17-F642-4888-B14D-063A5B77283B}"/>
               </a:ext>
             </a:extLst>
           </p:cNvPr>
@@ -8238,7 +9373,7 @@
           <p:cNvPr id="10" name="Picture 9">
             <a:extLst>
               <a:ext uri="{FF2B5EF4-FFF2-40B4-BE49-F238E27FC236}">
-                <a16:creationId xmlns:a16="http://schemas.microsoft.com/office/drawing/2014/main" id="{945FF9B1-08AB-4D75-B5C9-72C927ABDC4C}"/>
+                <a16:creationId xmlns:a16="http://schemas.microsoft.com/office/drawing/2014/main" id="{CF07DEDD-8599-4DA7-B5C9-57C95D34F9F9}"/>
               </a:ext>
             </a:extLst>
           </p:cNvPr>
@@ -8274,7 +9409,7 @@
           <p:cNvPr id="11" name="Picture 10">
             <a:extLst>
               <a:ext uri="{FF2B5EF4-FFF2-40B4-BE49-F238E27FC236}">
-                <a16:creationId xmlns:a16="http://schemas.microsoft.com/office/drawing/2014/main" id="{46BF554D-6C3E-4083-A2CF-6F96C1B63D08}"/>
+                <a16:creationId xmlns:a16="http://schemas.microsoft.com/office/drawing/2014/main" id="{C77AE365-1300-4901-92C2-13A7D0E22051}"/>
               </a:ext>
             </a:extLst>
           </p:cNvPr>
@@ -8307,10 +9442,10 @@
       </p:pic>
       <p:pic>
         <p:nvPicPr>
-          <p:cNvPr id="13" name="Picture 12">
-            <a:extLst>
-              <a:ext uri="{FF2B5EF4-FFF2-40B4-BE49-F238E27FC236}">
-                <a16:creationId xmlns:a16="http://schemas.microsoft.com/office/drawing/2014/main" id="{9F32245D-D2F3-495B-BC13-758EC8C528DC}"/>
+          <p:cNvPr id="14" name="Picture 13">
+            <a:extLst>
+              <a:ext uri="{FF2B5EF4-FFF2-40B4-BE49-F238E27FC236}">
+                <a16:creationId xmlns:a16="http://schemas.microsoft.com/office/drawing/2014/main" id="{0B5C05E6-25C6-479C-ABED-594D70F28CF0}"/>
               </a:ext>
             </a:extLst>
           </p:cNvPr>
@@ -8333,42 +9468,6 @@
         </p:blipFill>
         <p:spPr>
           <a:xfrm>
-            <a:off x="5344023" y="3496240"/>
-            <a:ext cx="780290" cy="780290"/>
-          </a:xfrm>
-          <a:prstGeom prst="rect">
-            <a:avLst/>
-          </a:prstGeom>
-        </p:spPr>
-      </p:pic>
-      <p:pic>
-        <p:nvPicPr>
-          <p:cNvPr id="14" name="Picture 13">
-            <a:extLst>
-              <a:ext uri="{FF2B5EF4-FFF2-40B4-BE49-F238E27FC236}">
-                <a16:creationId xmlns:a16="http://schemas.microsoft.com/office/drawing/2014/main" id="{3275132E-41FB-4BCA-B310-8517A4FECD92}"/>
-              </a:ext>
-            </a:extLst>
-          </p:cNvPr>
-          <p:cNvPicPr>
-            <a:picLocks noChangeAspect="1"/>
-          </p:cNvPicPr>
-          <p:nvPr/>
-        </p:nvPicPr>
-        <p:blipFill>
-          <a:blip r:embed="rId6">
-            <a:extLst>
-              <a:ext uri="{28A0092B-C50C-407E-A947-70E740481C1C}">
-                <a14:useLocalDpi xmlns:a14="http://schemas.microsoft.com/office/drawing/2010/main" val="0"/>
-              </a:ext>
-            </a:extLst>
-          </a:blip>
-          <a:stretch>
-            <a:fillRect/>
-          </a:stretch>
-        </p:blipFill>
-        <p:spPr>
-          <a:xfrm>
             <a:off x="4947926" y="5206100"/>
             <a:ext cx="780290" cy="780290"/>
           </a:xfrm>
@@ -8382,7 +9481,7 @@
           <p:cNvPr id="17" name="Rectangle 16">
             <a:extLst>
               <a:ext uri="{FF2B5EF4-FFF2-40B4-BE49-F238E27FC236}">
-                <a16:creationId xmlns:a16="http://schemas.microsoft.com/office/drawing/2014/main" id="{8392609A-FBEF-4331-B97A-1532CFBDD69A}"/>
+                <a16:creationId xmlns:a16="http://schemas.microsoft.com/office/drawing/2014/main" id="{5B86A53F-5974-4BD6-8D9C-EC8A539BED44}"/>
               </a:ext>
             </a:extLst>
           </p:cNvPr>
@@ -8436,7 +9535,7 @@
           <p:cNvPr id="18" name="TextBox 17">
             <a:extLst>
               <a:ext uri="{FF2B5EF4-FFF2-40B4-BE49-F238E27FC236}">
-                <a16:creationId xmlns:a16="http://schemas.microsoft.com/office/drawing/2014/main" id="{706B404D-5443-4372-8A22-03F1C723F2E7}"/>
+                <a16:creationId xmlns:a16="http://schemas.microsoft.com/office/drawing/2014/main" id="{3BCBDA14-8853-4AAA-B547-9EF9676AC77E}"/>
               </a:ext>
             </a:extLst>
           </p:cNvPr>
@@ -8471,7 +9570,7 @@
           <p:cNvPr id="19" name="Rectangle 18">
             <a:extLst>
               <a:ext uri="{FF2B5EF4-FFF2-40B4-BE49-F238E27FC236}">
-                <a16:creationId xmlns:a16="http://schemas.microsoft.com/office/drawing/2014/main" id="{F435FE5F-B925-465A-B627-A3DB6409DCF4}"/>
+                <a16:creationId xmlns:a16="http://schemas.microsoft.com/office/drawing/2014/main" id="{7DEF5A3E-6A64-4D7E-A0C0-E3E567F917CE}"/>
               </a:ext>
             </a:extLst>
           </p:cNvPr>
@@ -8525,7 +9624,7 @@
           <p:cNvPr id="21" name="TextBox 20">
             <a:extLst>
               <a:ext uri="{FF2B5EF4-FFF2-40B4-BE49-F238E27FC236}">
-                <a16:creationId xmlns:a16="http://schemas.microsoft.com/office/drawing/2014/main" id="{F02999B5-60D4-4E89-B5F2-5D214314E8AC}"/>
+                <a16:creationId xmlns:a16="http://schemas.microsoft.com/office/drawing/2014/main" id="{FC948A9B-2200-4550-B39B-7EA6FA6EBA40}"/>
               </a:ext>
             </a:extLst>
           </p:cNvPr>
@@ -8560,7 +9659,7 @@
           <p:cNvPr id="25" name="Straight Connector 24">
             <a:extLst>
               <a:ext uri="{FF2B5EF4-FFF2-40B4-BE49-F238E27FC236}">
-                <a16:creationId xmlns:a16="http://schemas.microsoft.com/office/drawing/2014/main" id="{99297A41-FFB5-4B05-A895-D54310A3FC5F}"/>
+                <a16:creationId xmlns:a16="http://schemas.microsoft.com/office/drawing/2014/main" id="{06E32801-4908-4950-B7D3-362B88353AD7}"/>
               </a:ext>
             </a:extLst>
           </p:cNvPr>
@@ -8604,7 +9703,7 @@
           <p:cNvPr id="31" name="TextBox 30">
             <a:extLst>
               <a:ext uri="{FF2B5EF4-FFF2-40B4-BE49-F238E27FC236}">
-                <a16:creationId xmlns:a16="http://schemas.microsoft.com/office/drawing/2014/main" id="{BB201E8C-8D23-450F-A74F-6F1DFCF8A163}"/>
+                <a16:creationId xmlns:a16="http://schemas.microsoft.com/office/drawing/2014/main" id="{593C1ED8-CDAB-4561-A9B2-A2D3C990EABD}"/>
               </a:ext>
             </a:extLst>
           </p:cNvPr>
@@ -8641,10 +9740,10 @@
       </p:sp>
       <p:sp>
         <p:nvSpPr>
-          <p:cNvPr id="35" name="TextBox 34">
-            <a:extLst>
-              <a:ext uri="{FF2B5EF4-FFF2-40B4-BE49-F238E27FC236}">
-                <a16:creationId xmlns:a16="http://schemas.microsoft.com/office/drawing/2014/main" id="{1D3935AE-614F-49F1-9F18-A7983B50D047}"/>
+          <p:cNvPr id="36" name="TextBox 35">
+            <a:extLst>
+              <a:ext uri="{FF2B5EF4-FFF2-40B4-BE49-F238E27FC236}">
+                <a16:creationId xmlns:a16="http://schemas.microsoft.com/office/drawing/2014/main" id="{1E30010F-FF3C-4BC7-81C7-2C8AFFD55E77}"/>
               </a:ext>
             </a:extLst>
           </p:cNvPr>
@@ -8653,8 +9752,8 @@
         </p:nvSpPr>
         <p:spPr>
           <a:xfrm>
-            <a:off x="5695392" y="3323499"/>
-            <a:ext cx="764953" cy="276999"/>
+            <a:off x="5865393" y="5677845"/>
+            <a:ext cx="1124860" cy="276999"/>
           </a:xfrm>
           <a:prstGeom prst="rect">
             <a:avLst/>
@@ -8669,46 +9768,6 @@
           <a:p>
             <a:r>
               <a:rPr lang="en-US" sz="1200" dirty="0"/>
-              <a:t>Dev-</a:t>
-            </a:r>
-            <a:r>
-              <a:rPr lang="en-US" sz="1200" dirty="0" err="1"/>
-              <a:t>nsg</a:t>
-            </a:r>
-            <a:endParaRPr lang="en-US" sz="1200" dirty="0"/>
-          </a:p>
-        </p:txBody>
-      </p:sp>
-      <p:sp>
-        <p:nvSpPr>
-          <p:cNvPr id="36" name="TextBox 35">
-            <a:extLst>
-              <a:ext uri="{FF2B5EF4-FFF2-40B4-BE49-F238E27FC236}">
-                <a16:creationId xmlns:a16="http://schemas.microsoft.com/office/drawing/2014/main" id="{4755FB3A-2CDD-4979-A0FC-4BDE99ABA9D3}"/>
-              </a:ext>
-            </a:extLst>
-          </p:cNvPr>
-          <p:cNvSpPr txBox="1"/>
-          <p:nvPr/>
-        </p:nvSpPr>
-        <p:spPr>
-          <a:xfrm>
-            <a:off x="5865393" y="5677845"/>
-            <a:ext cx="1124860" cy="276999"/>
-          </a:xfrm>
-          <a:prstGeom prst="rect">
-            <a:avLst/>
-          </a:prstGeom>
-          <a:noFill/>
-        </p:spPr>
-        <p:txBody>
-          <a:bodyPr wrap="none" rtlCol="0">
-            <a:spAutoFit/>
-          </a:bodyPr>
-          <a:lstStyle/>
-          <a:p>
-            <a:r>
-              <a:rPr lang="en-US" sz="1200" dirty="0"/>
               <a:t>Web (subnet)</a:t>
             </a:r>
           </a:p>
@@ -8717,7 +9776,7 @@
     </p:spTree>
     <p:extLst>
       <p:ext uri="{BB962C8B-B14F-4D97-AF65-F5344CB8AC3E}">
-        <p14:creationId xmlns:p14="http://schemas.microsoft.com/office/powerpoint/2010/main" val="3148073728"/>
+        <p14:creationId xmlns:p14="http://schemas.microsoft.com/office/powerpoint/2010/main" val="912138101"/>
       </p:ext>
     </p:extLst>
   </p:cSld>
@@ -8746,10 +9805,10 @@
       </p:grpSpPr>
       <p:sp>
         <p:nvSpPr>
-          <p:cNvPr id="5" name="Title 4">
-            <a:extLst>
-              <a:ext uri="{FF2B5EF4-FFF2-40B4-BE49-F238E27FC236}">
-                <a16:creationId xmlns:a16="http://schemas.microsoft.com/office/drawing/2014/main" id="{7F050C28-64C6-4699-932F-11A22814C7A0}"/>
+          <p:cNvPr id="2" name="Title 1">
+            <a:extLst>
+              <a:ext uri="{FF2B5EF4-FFF2-40B4-BE49-F238E27FC236}">
+                <a16:creationId xmlns:a16="http://schemas.microsoft.com/office/drawing/2014/main" id="{C27A62A0-E3E3-4DCB-BBC5-63FDB474798C}"/>
               </a:ext>
             </a:extLst>
           </p:cNvPr>
@@ -8767,6 +9826,728 @@
           <a:p>
             <a:r>
               <a:rPr lang="en-US" dirty="0"/>
+              <a:t>Workshop Scenario</a:t>
+            </a:r>
+          </a:p>
+        </p:txBody>
+      </p:sp>
+      <p:sp>
+        <p:nvSpPr>
+          <p:cNvPr id="3" name="Content Placeholder 2">
+            <a:extLst>
+              <a:ext uri="{FF2B5EF4-FFF2-40B4-BE49-F238E27FC236}">
+                <a16:creationId xmlns:a16="http://schemas.microsoft.com/office/drawing/2014/main" id="{5C351E07-3D78-4561-8477-B8F12B98225E}"/>
+              </a:ext>
+            </a:extLst>
+          </p:cNvPr>
+          <p:cNvSpPr>
+            <a:spLocks noGrp="1"/>
+          </p:cNvSpPr>
+          <p:nvPr>
+            <p:ph idx="1"/>
+          </p:nvPr>
+        </p:nvSpPr>
+        <p:spPr>
+          <a:ln>
+            <a:solidFill>
+              <a:schemeClr val="bg1">
+                <a:lumMod val="50000"/>
+              </a:schemeClr>
+            </a:solidFill>
+          </a:ln>
+        </p:spPr>
+        <p:txBody>
+          <a:bodyPr/>
+          <a:lstStyle/>
+          <a:p>
+            <a:pPr marL="0" indent="0">
+              <a:buNone/>
+            </a:pPr>
+            <a:r>
+              <a:rPr lang="en-US" dirty="0"/>
+              <a:t> </a:t>
+            </a:r>
+          </a:p>
+        </p:txBody>
+      </p:sp>
+      <p:sp>
+        <p:nvSpPr>
+          <p:cNvPr id="4" name="Text Placeholder 3">
+            <a:extLst>
+              <a:ext uri="{FF2B5EF4-FFF2-40B4-BE49-F238E27FC236}">
+                <a16:creationId xmlns:a16="http://schemas.microsoft.com/office/drawing/2014/main" id="{09E79592-AC01-4B52-8C3A-216E9F84829F}"/>
+              </a:ext>
+            </a:extLst>
+          </p:cNvPr>
+          <p:cNvSpPr>
+            <a:spLocks noGrp="1"/>
+          </p:cNvSpPr>
+          <p:nvPr>
+            <p:ph type="body" sz="quarter" idx="10"/>
+          </p:nvPr>
+        </p:nvSpPr>
+        <p:spPr/>
+        <p:txBody>
+          <a:bodyPr/>
+          <a:lstStyle/>
+          <a:p>
+            <a:r>
+              <a:rPr lang="en-US" dirty="0"/>
+              <a:t>ii. Manage NSG</a:t>
+            </a:r>
+          </a:p>
+        </p:txBody>
+      </p:sp>
+      <p:sp>
+        <p:nvSpPr>
+          <p:cNvPr id="6" name="Rectangle: Rounded Corners 5">
+            <a:extLst>
+              <a:ext uri="{FF2B5EF4-FFF2-40B4-BE49-F238E27FC236}">
+                <a16:creationId xmlns:a16="http://schemas.microsoft.com/office/drawing/2014/main" id="{ACBB9332-8A5D-4600-8A89-465E6AC8A45D}"/>
+              </a:ext>
+            </a:extLst>
+          </p:cNvPr>
+          <p:cNvSpPr/>
+          <p:nvPr/>
+        </p:nvSpPr>
+        <p:spPr>
+          <a:xfrm>
+            <a:off x="4865052" y="2848456"/>
+            <a:ext cx="2451807" cy="3288616"/>
+          </a:xfrm>
+          <a:prstGeom prst="roundRect">
+            <a:avLst>
+              <a:gd name="adj" fmla="val 0"/>
+            </a:avLst>
+          </a:prstGeom>
+          <a:solidFill>
+            <a:schemeClr val="tx2">
+              <a:lumMod val="20000"/>
+              <a:lumOff val="80000"/>
+            </a:schemeClr>
+          </a:solidFill>
+          <a:ln w="12700">
+            <a:noFill/>
+            <a:prstDash val="solid"/>
+          </a:ln>
+        </p:spPr>
+        <p:style>
+          <a:lnRef idx="2">
+            <a:schemeClr val="accent1">
+              <a:shade val="50000"/>
+            </a:schemeClr>
+          </a:lnRef>
+          <a:fillRef idx="1">
+            <a:schemeClr val="accent1"/>
+          </a:fillRef>
+          <a:effectRef idx="0">
+            <a:schemeClr val="accent1"/>
+          </a:effectRef>
+          <a:fontRef idx="minor">
+            <a:schemeClr val="lt1"/>
+          </a:fontRef>
+        </p:style>
+        <p:txBody>
+          <a:bodyPr rtlCol="0" anchor="ctr"/>
+          <a:lstStyle/>
+          <a:p>
+            <a:pPr algn="ctr"/>
+            <a:endParaRPr lang="en-US"/>
+          </a:p>
+        </p:txBody>
+      </p:sp>
+      <p:sp>
+        <p:nvSpPr>
+          <p:cNvPr id="8" name="Rectangle: Rounded Corners 7">
+            <a:extLst>
+              <a:ext uri="{FF2B5EF4-FFF2-40B4-BE49-F238E27FC236}">
+                <a16:creationId xmlns:a16="http://schemas.microsoft.com/office/drawing/2014/main" id="{34A39BAB-B802-41AA-ADF2-E53F1D522903}"/>
+              </a:ext>
+            </a:extLst>
+          </p:cNvPr>
+          <p:cNvSpPr/>
+          <p:nvPr/>
+        </p:nvSpPr>
+        <p:spPr>
+          <a:xfrm>
+            <a:off x="5712879" y="4162176"/>
+            <a:ext cx="1426119" cy="1819539"/>
+          </a:xfrm>
+          <a:prstGeom prst="roundRect">
+            <a:avLst>
+              <a:gd name="adj" fmla="val 8127"/>
+            </a:avLst>
+          </a:prstGeom>
+          <a:solidFill>
+            <a:schemeClr val="accent1">
+              <a:lumMod val="40000"/>
+              <a:lumOff val="60000"/>
+            </a:schemeClr>
+          </a:solidFill>
+          <a:ln w="12700">
+            <a:noFill/>
+            <a:prstDash val="solid"/>
+          </a:ln>
+        </p:spPr>
+        <p:style>
+          <a:lnRef idx="2">
+            <a:schemeClr val="accent1">
+              <a:shade val="50000"/>
+            </a:schemeClr>
+          </a:lnRef>
+          <a:fillRef idx="1">
+            <a:schemeClr val="accent1"/>
+          </a:fillRef>
+          <a:effectRef idx="0">
+            <a:schemeClr val="accent1"/>
+          </a:effectRef>
+          <a:fontRef idx="minor">
+            <a:schemeClr val="lt1"/>
+          </a:fontRef>
+        </p:style>
+        <p:txBody>
+          <a:bodyPr rtlCol="0" anchor="ctr"/>
+          <a:lstStyle/>
+          <a:p>
+            <a:pPr algn="ctr"/>
+            <a:endParaRPr lang="en-US"/>
+          </a:p>
+        </p:txBody>
+      </p:sp>
+      <p:pic>
+        <p:nvPicPr>
+          <p:cNvPr id="10" name="Picture 9">
+            <a:extLst>
+              <a:ext uri="{FF2B5EF4-FFF2-40B4-BE49-F238E27FC236}">
+                <a16:creationId xmlns:a16="http://schemas.microsoft.com/office/drawing/2014/main" id="{945FF9B1-08AB-4D75-B5C9-72C927ABDC4C}"/>
+              </a:ext>
+            </a:extLst>
+          </p:cNvPr>
+          <p:cNvPicPr>
+            <a:picLocks noChangeAspect="1"/>
+          </p:cNvPicPr>
+          <p:nvPr/>
+        </p:nvPicPr>
+        <p:blipFill>
+          <a:blip r:embed="rId3">
+            <a:extLst>
+              <a:ext uri="{28A0092B-C50C-407E-A947-70E740481C1C}">
+                <a14:useLocalDpi xmlns:a14="http://schemas.microsoft.com/office/drawing/2010/main" val="0"/>
+              </a:ext>
+            </a:extLst>
+          </a:blip>
+          <a:stretch>
+            <a:fillRect/>
+          </a:stretch>
+        </p:blipFill>
+        <p:spPr>
+          <a:xfrm>
+            <a:off x="3497936" y="1996689"/>
+            <a:ext cx="780290" cy="780290"/>
+          </a:xfrm>
+          <a:prstGeom prst="rect">
+            <a:avLst/>
+          </a:prstGeom>
+        </p:spPr>
+      </p:pic>
+      <p:pic>
+        <p:nvPicPr>
+          <p:cNvPr id="11" name="Picture 10">
+            <a:extLst>
+              <a:ext uri="{FF2B5EF4-FFF2-40B4-BE49-F238E27FC236}">
+                <a16:creationId xmlns:a16="http://schemas.microsoft.com/office/drawing/2014/main" id="{46BF554D-6C3E-4083-A2CF-6F96C1B63D08}"/>
+              </a:ext>
+            </a:extLst>
+          </p:cNvPr>
+          <p:cNvPicPr>
+            <a:picLocks noChangeAspect="1"/>
+          </p:cNvPicPr>
+          <p:nvPr/>
+        </p:nvPicPr>
+        <p:blipFill>
+          <a:blip r:embed="rId4">
+            <a:extLst>
+              <a:ext uri="{28A0092B-C50C-407E-A947-70E740481C1C}">
+                <a14:useLocalDpi xmlns:a14="http://schemas.microsoft.com/office/drawing/2010/main" val="0"/>
+              </a:ext>
+            </a:extLst>
+          </a:blip>
+          <a:stretch>
+            <a:fillRect/>
+          </a:stretch>
+        </p:blipFill>
+        <p:spPr>
+          <a:xfrm>
+            <a:off x="1872818" y="1182767"/>
+            <a:ext cx="780290" cy="780290"/>
+          </a:xfrm>
+          <a:prstGeom prst="rect">
+            <a:avLst/>
+          </a:prstGeom>
+        </p:spPr>
+      </p:pic>
+      <p:pic>
+        <p:nvPicPr>
+          <p:cNvPr id="13" name="Picture 12">
+            <a:extLst>
+              <a:ext uri="{FF2B5EF4-FFF2-40B4-BE49-F238E27FC236}">
+                <a16:creationId xmlns:a16="http://schemas.microsoft.com/office/drawing/2014/main" id="{9F32245D-D2F3-495B-BC13-758EC8C528DC}"/>
+              </a:ext>
+            </a:extLst>
+          </p:cNvPr>
+          <p:cNvPicPr>
+            <a:picLocks noChangeAspect="1"/>
+          </p:cNvPicPr>
+          <p:nvPr/>
+        </p:nvPicPr>
+        <p:blipFill>
+          <a:blip r:embed="rId5">
+            <a:extLst>
+              <a:ext uri="{28A0092B-C50C-407E-A947-70E740481C1C}">
+                <a14:useLocalDpi xmlns:a14="http://schemas.microsoft.com/office/drawing/2010/main" val="0"/>
+              </a:ext>
+            </a:extLst>
+          </a:blip>
+          <a:stretch>
+            <a:fillRect/>
+          </a:stretch>
+        </p:blipFill>
+        <p:spPr>
+          <a:xfrm>
+            <a:off x="5344023" y="3496240"/>
+            <a:ext cx="780290" cy="780290"/>
+          </a:xfrm>
+          <a:prstGeom prst="rect">
+            <a:avLst/>
+          </a:prstGeom>
+        </p:spPr>
+      </p:pic>
+      <p:pic>
+        <p:nvPicPr>
+          <p:cNvPr id="14" name="Picture 13">
+            <a:extLst>
+              <a:ext uri="{FF2B5EF4-FFF2-40B4-BE49-F238E27FC236}">
+                <a16:creationId xmlns:a16="http://schemas.microsoft.com/office/drawing/2014/main" id="{3275132E-41FB-4BCA-B310-8517A4FECD92}"/>
+              </a:ext>
+            </a:extLst>
+          </p:cNvPr>
+          <p:cNvPicPr>
+            <a:picLocks noChangeAspect="1"/>
+          </p:cNvPicPr>
+          <p:nvPr/>
+        </p:nvPicPr>
+        <p:blipFill>
+          <a:blip r:embed="rId6">
+            <a:extLst>
+              <a:ext uri="{28A0092B-C50C-407E-A947-70E740481C1C}">
+                <a14:useLocalDpi xmlns:a14="http://schemas.microsoft.com/office/drawing/2010/main" val="0"/>
+              </a:ext>
+            </a:extLst>
+          </a:blip>
+          <a:stretch>
+            <a:fillRect/>
+          </a:stretch>
+        </p:blipFill>
+        <p:spPr>
+          <a:xfrm>
+            <a:off x="4947926" y="5206100"/>
+            <a:ext cx="780290" cy="780290"/>
+          </a:xfrm>
+          <a:prstGeom prst="rect">
+            <a:avLst/>
+          </a:prstGeom>
+        </p:spPr>
+      </p:pic>
+      <p:sp>
+        <p:nvSpPr>
+          <p:cNvPr id="17" name="Rectangle 16">
+            <a:extLst>
+              <a:ext uri="{FF2B5EF4-FFF2-40B4-BE49-F238E27FC236}">
+                <a16:creationId xmlns:a16="http://schemas.microsoft.com/office/drawing/2014/main" id="{8392609A-FBEF-4331-B97A-1532CFBDD69A}"/>
+              </a:ext>
+            </a:extLst>
+          </p:cNvPr>
+          <p:cNvSpPr/>
+          <p:nvPr/>
+        </p:nvSpPr>
+        <p:spPr>
+          <a:xfrm>
+            <a:off x="2242521" y="1894585"/>
+            <a:ext cx="9414433" cy="4428834"/>
+          </a:xfrm>
+          <a:prstGeom prst="rect">
+            <a:avLst/>
+          </a:prstGeom>
+          <a:noFill/>
+          <a:ln>
+            <a:solidFill>
+              <a:schemeClr val="bg1">
+                <a:lumMod val="65000"/>
+              </a:schemeClr>
+            </a:solidFill>
+          </a:ln>
+        </p:spPr>
+        <p:style>
+          <a:lnRef idx="2">
+            <a:schemeClr val="accent1">
+              <a:shade val="50000"/>
+            </a:schemeClr>
+          </a:lnRef>
+          <a:fillRef idx="1">
+            <a:schemeClr val="accent1"/>
+          </a:fillRef>
+          <a:effectRef idx="0">
+            <a:schemeClr val="accent1"/>
+          </a:effectRef>
+          <a:fontRef idx="minor">
+            <a:schemeClr val="lt1"/>
+          </a:fontRef>
+        </p:style>
+        <p:txBody>
+          <a:bodyPr rtlCol="0" anchor="ctr"/>
+          <a:lstStyle/>
+          <a:p>
+            <a:pPr algn="ctr"/>
+            <a:endParaRPr lang="en-US"/>
+          </a:p>
+        </p:txBody>
+      </p:sp>
+      <p:sp>
+        <p:nvSpPr>
+          <p:cNvPr id="18" name="TextBox 17">
+            <a:extLst>
+              <a:ext uri="{FF2B5EF4-FFF2-40B4-BE49-F238E27FC236}">
+                <a16:creationId xmlns:a16="http://schemas.microsoft.com/office/drawing/2014/main" id="{706B404D-5443-4372-8A22-03F1C723F2E7}"/>
+              </a:ext>
+            </a:extLst>
+          </p:cNvPr>
+          <p:cNvSpPr txBox="1"/>
+          <p:nvPr/>
+        </p:nvSpPr>
+        <p:spPr>
+          <a:xfrm>
+            <a:off x="2658920" y="1578939"/>
+            <a:ext cx="1292790" cy="276999"/>
+          </a:xfrm>
+          <a:prstGeom prst="rect">
+            <a:avLst/>
+          </a:prstGeom>
+          <a:noFill/>
+        </p:spPr>
+        <p:txBody>
+          <a:bodyPr wrap="none" rtlCol="0">
+            <a:spAutoFit/>
+          </a:bodyPr>
+          <a:lstStyle/>
+          <a:p>
+            <a:r>
+              <a:rPr lang="en-US" sz="1200" dirty="0"/>
+              <a:t>Microsoft Azure</a:t>
+            </a:r>
+          </a:p>
+        </p:txBody>
+      </p:sp>
+      <p:sp>
+        <p:nvSpPr>
+          <p:cNvPr id="19" name="Rectangle 18">
+            <a:extLst>
+              <a:ext uri="{FF2B5EF4-FFF2-40B4-BE49-F238E27FC236}">
+                <a16:creationId xmlns:a16="http://schemas.microsoft.com/office/drawing/2014/main" id="{F435FE5F-B925-465A-B627-A3DB6409DCF4}"/>
+              </a:ext>
+            </a:extLst>
+          </p:cNvPr>
+          <p:cNvSpPr/>
+          <p:nvPr/>
+        </p:nvSpPr>
+        <p:spPr>
+          <a:xfrm>
+            <a:off x="3647358" y="2776979"/>
+            <a:ext cx="7809749" cy="3430092"/>
+          </a:xfrm>
+          <a:prstGeom prst="rect">
+            <a:avLst/>
+          </a:prstGeom>
+          <a:noFill/>
+          <a:ln>
+            <a:solidFill>
+              <a:schemeClr val="bg1">
+                <a:lumMod val="65000"/>
+              </a:schemeClr>
+            </a:solidFill>
+          </a:ln>
+        </p:spPr>
+        <p:style>
+          <a:lnRef idx="2">
+            <a:schemeClr val="accent1">
+              <a:shade val="50000"/>
+            </a:schemeClr>
+          </a:lnRef>
+          <a:fillRef idx="1">
+            <a:schemeClr val="accent1"/>
+          </a:fillRef>
+          <a:effectRef idx="0">
+            <a:schemeClr val="accent1"/>
+          </a:effectRef>
+          <a:fontRef idx="minor">
+            <a:schemeClr val="lt1"/>
+          </a:fontRef>
+        </p:style>
+        <p:txBody>
+          <a:bodyPr rtlCol="0" anchor="ctr"/>
+          <a:lstStyle/>
+          <a:p>
+            <a:pPr algn="ctr"/>
+            <a:endParaRPr lang="en-US"/>
+          </a:p>
+        </p:txBody>
+      </p:sp>
+      <p:sp>
+        <p:nvSpPr>
+          <p:cNvPr id="21" name="TextBox 20">
+            <a:extLst>
+              <a:ext uri="{FF2B5EF4-FFF2-40B4-BE49-F238E27FC236}">
+                <a16:creationId xmlns:a16="http://schemas.microsoft.com/office/drawing/2014/main" id="{F02999B5-60D4-4E89-B5F2-5D214314E8AC}"/>
+              </a:ext>
+            </a:extLst>
+          </p:cNvPr>
+          <p:cNvSpPr txBox="1"/>
+          <p:nvPr/>
+        </p:nvSpPr>
+        <p:spPr>
+          <a:xfrm>
+            <a:off x="4389917" y="2427959"/>
+            <a:ext cx="1302536" cy="276999"/>
+          </a:xfrm>
+          <a:prstGeom prst="rect">
+            <a:avLst/>
+          </a:prstGeom>
+          <a:noFill/>
+        </p:spPr>
+        <p:txBody>
+          <a:bodyPr wrap="none" rtlCol="0">
+            <a:spAutoFit/>
+          </a:bodyPr>
+          <a:lstStyle/>
+          <a:p>
+            <a:r>
+              <a:rPr lang="en-US" sz="1200" dirty="0"/>
+              <a:t>Resource Group</a:t>
+            </a:r>
+          </a:p>
+        </p:txBody>
+      </p:sp>
+      <p:cxnSp>
+        <p:nvCxnSpPr>
+          <p:cNvPr id="25" name="Straight Connector 24">
+            <a:extLst>
+              <a:ext uri="{FF2B5EF4-FFF2-40B4-BE49-F238E27FC236}">
+                <a16:creationId xmlns:a16="http://schemas.microsoft.com/office/drawing/2014/main" id="{99297A41-FFB5-4B05-A895-D54310A3FC5F}"/>
+              </a:ext>
+            </a:extLst>
+          </p:cNvPr>
+          <p:cNvCxnSpPr>
+            <a:cxnSpLocks/>
+            <a:stCxn id="14" idx="3"/>
+          </p:cNvCxnSpPr>
+          <p:nvPr/>
+        </p:nvCxnSpPr>
+        <p:spPr>
+          <a:xfrm>
+            <a:off x="5728216" y="5596245"/>
+            <a:ext cx="1346653" cy="0"/>
+          </a:xfrm>
+          <a:prstGeom prst="line">
+            <a:avLst/>
+          </a:prstGeom>
+          <a:ln w="38100">
+            <a:solidFill>
+              <a:schemeClr val="accent1"/>
+            </a:solidFill>
+          </a:ln>
+        </p:spPr>
+        <p:style>
+          <a:lnRef idx="1">
+            <a:schemeClr val="accent1"/>
+          </a:lnRef>
+          <a:fillRef idx="0">
+            <a:schemeClr val="accent1"/>
+          </a:fillRef>
+          <a:effectRef idx="0">
+            <a:schemeClr val="accent1"/>
+          </a:effectRef>
+          <a:fontRef idx="minor">
+            <a:schemeClr val="tx1"/>
+          </a:fontRef>
+        </p:style>
+      </p:cxnSp>
+      <p:sp>
+        <p:nvSpPr>
+          <p:cNvPr id="31" name="TextBox 30">
+            <a:extLst>
+              <a:ext uri="{FF2B5EF4-FFF2-40B4-BE49-F238E27FC236}">
+                <a16:creationId xmlns:a16="http://schemas.microsoft.com/office/drawing/2014/main" id="{BB201E8C-8D23-450F-A74F-6F1DFCF8A163}"/>
+              </a:ext>
+            </a:extLst>
+          </p:cNvPr>
+          <p:cNvSpPr txBox="1"/>
+          <p:nvPr/>
+        </p:nvSpPr>
+        <p:spPr>
+          <a:xfrm>
+            <a:off x="4919695" y="5821925"/>
+            <a:ext cx="830933" cy="276999"/>
+          </a:xfrm>
+          <a:prstGeom prst="rect">
+            <a:avLst/>
+          </a:prstGeom>
+          <a:noFill/>
+        </p:spPr>
+        <p:txBody>
+          <a:bodyPr wrap="none" rtlCol="0">
+            <a:spAutoFit/>
+          </a:bodyPr>
+          <a:lstStyle/>
+          <a:p>
+            <a:r>
+              <a:rPr lang="en-US" sz="1200" dirty="0"/>
+              <a:t>Dev-</a:t>
+            </a:r>
+            <a:r>
+              <a:rPr lang="en-US" sz="1200" dirty="0" err="1"/>
+              <a:t>Vnet</a:t>
+            </a:r>
+            <a:endParaRPr lang="en-US" sz="1200" dirty="0"/>
+          </a:p>
+        </p:txBody>
+      </p:sp>
+      <p:sp>
+        <p:nvSpPr>
+          <p:cNvPr id="35" name="TextBox 34">
+            <a:extLst>
+              <a:ext uri="{FF2B5EF4-FFF2-40B4-BE49-F238E27FC236}">
+                <a16:creationId xmlns:a16="http://schemas.microsoft.com/office/drawing/2014/main" id="{1D3935AE-614F-49F1-9F18-A7983B50D047}"/>
+              </a:ext>
+            </a:extLst>
+          </p:cNvPr>
+          <p:cNvSpPr txBox="1"/>
+          <p:nvPr/>
+        </p:nvSpPr>
+        <p:spPr>
+          <a:xfrm>
+            <a:off x="5695392" y="3323499"/>
+            <a:ext cx="764953" cy="276999"/>
+          </a:xfrm>
+          <a:prstGeom prst="rect">
+            <a:avLst/>
+          </a:prstGeom>
+          <a:noFill/>
+        </p:spPr>
+        <p:txBody>
+          <a:bodyPr wrap="none" rtlCol="0">
+            <a:spAutoFit/>
+          </a:bodyPr>
+          <a:lstStyle/>
+          <a:p>
+            <a:r>
+              <a:rPr lang="en-US" sz="1200" dirty="0"/>
+              <a:t>Dev-</a:t>
+            </a:r>
+            <a:r>
+              <a:rPr lang="en-US" sz="1200" dirty="0" err="1"/>
+              <a:t>nsg</a:t>
+            </a:r>
+            <a:endParaRPr lang="en-US" sz="1200" dirty="0"/>
+          </a:p>
+        </p:txBody>
+      </p:sp>
+      <p:sp>
+        <p:nvSpPr>
+          <p:cNvPr id="36" name="TextBox 35">
+            <a:extLst>
+              <a:ext uri="{FF2B5EF4-FFF2-40B4-BE49-F238E27FC236}">
+                <a16:creationId xmlns:a16="http://schemas.microsoft.com/office/drawing/2014/main" id="{4755FB3A-2CDD-4979-A0FC-4BDE99ABA9D3}"/>
+              </a:ext>
+            </a:extLst>
+          </p:cNvPr>
+          <p:cNvSpPr txBox="1"/>
+          <p:nvPr/>
+        </p:nvSpPr>
+        <p:spPr>
+          <a:xfrm>
+            <a:off x="5865393" y="5677845"/>
+            <a:ext cx="1124860" cy="276999"/>
+          </a:xfrm>
+          <a:prstGeom prst="rect">
+            <a:avLst/>
+          </a:prstGeom>
+          <a:noFill/>
+        </p:spPr>
+        <p:txBody>
+          <a:bodyPr wrap="none" rtlCol="0">
+            <a:spAutoFit/>
+          </a:bodyPr>
+          <a:lstStyle/>
+          <a:p>
+            <a:r>
+              <a:rPr lang="en-US" sz="1200" dirty="0"/>
+              <a:t>Web (subnet)</a:t>
+            </a:r>
+          </a:p>
+        </p:txBody>
+      </p:sp>
+    </p:spTree>
+    <p:extLst>
+      <p:ext uri="{BB962C8B-B14F-4D97-AF65-F5344CB8AC3E}">
+        <p14:creationId xmlns:p14="http://schemas.microsoft.com/office/powerpoint/2010/main" val="3148073728"/>
+      </p:ext>
+    </p:extLst>
+  </p:cSld>
+  <p:clrMapOvr>
+    <a:masterClrMapping/>
+  </p:clrMapOvr>
+</p:sld>
+</file>
+
+<file path=ppt/slides/slide7.xml><?xml version="1.0" encoding="utf-8"?>
+<p:sld xmlns:a="http://schemas.openxmlformats.org/drawingml/2006/main" xmlns:r="http://schemas.openxmlformats.org/officeDocument/2006/relationships" xmlns:p="http://schemas.openxmlformats.org/presentationml/2006/main">
+  <p:cSld>
+    <p:spTree>
+      <p:nvGrpSpPr>
+        <p:cNvPr id="1" name=""/>
+        <p:cNvGrpSpPr/>
+        <p:nvPr/>
+      </p:nvGrpSpPr>
+      <p:grpSpPr>
+        <a:xfrm>
+          <a:off x="0" y="0"/>
+          <a:ext cx="0" cy="0"/>
+          <a:chOff x="0" y="0"/>
+          <a:chExt cx="0" cy="0"/>
+        </a:xfrm>
+      </p:grpSpPr>
+      <p:sp>
+        <p:nvSpPr>
+          <p:cNvPr id="5" name="Title 4">
+            <a:extLst>
+              <a:ext uri="{FF2B5EF4-FFF2-40B4-BE49-F238E27FC236}">
+                <a16:creationId xmlns:a16="http://schemas.microsoft.com/office/drawing/2014/main" id="{7F050C28-64C6-4699-932F-11A22814C7A0}"/>
+              </a:ext>
+            </a:extLst>
+          </p:cNvPr>
+          <p:cNvSpPr>
+            <a:spLocks noGrp="1"/>
+          </p:cNvSpPr>
+          <p:nvPr>
+            <p:ph type="title"/>
+          </p:nvPr>
+        </p:nvSpPr>
+        <p:spPr/>
+        <p:txBody>
+          <a:bodyPr/>
+          <a:lstStyle/>
+          <a:p>
+            <a:r>
+              <a:rPr lang="en-US" dirty="0"/>
               <a:t>NSG</a:t>
             </a:r>
           </a:p>
@@ -8793,32 +10574,10 @@
           <a:bodyPr/>
           <a:lstStyle/>
           <a:p>
-            <a:endParaRPr lang="en-US"/>
-          </a:p>
-        </p:txBody>
-      </p:sp>
-      <p:sp>
-        <p:nvSpPr>
-          <p:cNvPr id="6" name="Content Placeholder 5">
-            <a:extLst>
-              <a:ext uri="{FF2B5EF4-FFF2-40B4-BE49-F238E27FC236}">
-                <a16:creationId xmlns:a16="http://schemas.microsoft.com/office/drawing/2014/main" id="{374FBE52-4188-4323-ABCC-74103C41B554}"/>
-              </a:ext>
-            </a:extLst>
-          </p:cNvPr>
-          <p:cNvSpPr>
-            <a:spLocks noGrp="1"/>
-          </p:cNvSpPr>
-          <p:nvPr>
-            <p:ph idx="1"/>
-          </p:nvPr>
-        </p:nvSpPr>
-        <p:spPr/>
-        <p:txBody>
-          <a:bodyPr/>
-          <a:lstStyle/>
-          <a:p>
-            <a:endParaRPr lang="en-US"/>
+            <a:r>
+              <a:rPr lang="en-US" dirty="0"/>
+              <a:t>ii. Manage NSG</a:t>
+            </a:r>
           </a:p>
         </p:txBody>
       </p:sp>
@@ -9272,7 +11031,7 @@
         <p:spPr>
           <a:xfrm flipH="1">
             <a:off x="6286200" y="3359950"/>
-            <a:ext cx="1336297" cy="1280312"/>
+            <a:ext cx="1336297" cy="1197212"/>
           </a:xfrm>
           <a:prstGeom prst="rect">
             <a:avLst/>
@@ -9294,7 +11053,7 @@
               </a:spcAft>
             </a:pPr>
             <a:r>
-              <a:rPr lang="en-US" sz="2000" dirty="0">
+              <a:rPr lang="en-US" dirty="0">
                 <a:solidFill>
                   <a:schemeClr val="tx2"/>
                 </a:solidFill>
@@ -9308,7 +11067,7 @@
               </a:rPr>
               <a:t>Virtual </a:t>
             </a:r>
-            <a:endParaRPr lang="en-US" sz="2000" dirty="0">
+            <a:endParaRPr lang="en-US" dirty="0">
               <a:solidFill>
                 <a:schemeClr val="tx2"/>
               </a:solidFill>
@@ -9324,7 +11083,7 @@
               </a:spcAft>
             </a:pPr>
             <a:r>
-              <a:rPr lang="en-US" sz="2000" dirty="0">
+              <a:rPr lang="en-US" dirty="0">
                 <a:solidFill>
                   <a:schemeClr val="tx2"/>
                 </a:solidFill>
@@ -9338,7 +11097,7 @@
               </a:rPr>
               <a:t>Network</a:t>
             </a:r>
-            <a:endParaRPr lang="en-US" sz="2000" dirty="0">
+            <a:endParaRPr lang="en-US" dirty="0">
               <a:solidFill>
                 <a:schemeClr val="tx2"/>
               </a:solidFill>
@@ -9354,7 +11113,7 @@
               </a:spcAft>
             </a:pPr>
             <a:r>
-              <a:rPr lang="en-US" sz="2000" dirty="0">
+              <a:rPr lang="en-US" dirty="0">
                 <a:solidFill>
                   <a:schemeClr val="tx2"/>
                 </a:solidFill>
@@ -9368,7 +11127,7 @@
               </a:rPr>
               <a:t>Isolation</a:t>
             </a:r>
-            <a:endParaRPr lang="en-US" sz="2000" dirty="0">
+            <a:endParaRPr lang="en-US" dirty="0">
               <a:solidFill>
                 <a:schemeClr val="tx2"/>
               </a:solidFill>
@@ -10393,7 +12152,7 @@
 </p:sld>
 </file>
 
-<file path=ppt/slides/slide7.xml><?xml version="1.0" encoding="utf-8"?>
+<file path=ppt/slides/slide8.xml><?xml version="1.0" encoding="utf-8"?>
 <p:sld xmlns:a="http://schemas.openxmlformats.org/drawingml/2006/main" xmlns:r="http://schemas.openxmlformats.org/officeDocument/2006/relationships" xmlns:p="http://schemas.openxmlformats.org/presentationml/2006/main">
   <p:cSld>
     <p:spTree>
@@ -11321,7 +13080,7 @@
 </p:sld>
 </file>
 
-<file path=ppt/slides/slide8.xml><?xml version="1.0" encoding="utf-8"?>
+<file path=ppt/slides/slide9.xml><?xml version="1.0" encoding="utf-8"?>
 <p:sld xmlns:a="http://schemas.openxmlformats.org/drawingml/2006/main" xmlns:r="http://schemas.openxmlformats.org/officeDocument/2006/relationships" xmlns:p="http://schemas.openxmlformats.org/presentationml/2006/main">
   <p:cSld>
     <p:spTree>
@@ -12218,1517 +13977,6 @@
     <p:extLst>
       <p:ext uri="{BB962C8B-B14F-4D97-AF65-F5344CB8AC3E}">
         <p14:creationId xmlns:p14="http://schemas.microsoft.com/office/powerpoint/2010/main" val="1562831939"/>
-      </p:ext>
-    </p:extLst>
-  </p:cSld>
-  <p:clrMapOvr>
-    <a:masterClrMapping/>
-  </p:clrMapOvr>
-</p:sld>
-</file>
-
-<file path=ppt/slides/slide9.xml><?xml version="1.0" encoding="utf-8"?>
-<p:sld xmlns:a="http://schemas.openxmlformats.org/drawingml/2006/main" xmlns:r="http://schemas.openxmlformats.org/officeDocument/2006/relationships" xmlns:p="http://schemas.openxmlformats.org/presentationml/2006/main">
-  <p:cSld>
-    <p:spTree>
-      <p:nvGrpSpPr>
-        <p:cNvPr id="1" name=""/>
-        <p:cNvGrpSpPr/>
-        <p:nvPr/>
-      </p:nvGrpSpPr>
-      <p:grpSpPr>
-        <a:xfrm>
-          <a:off x="0" y="0"/>
-          <a:ext cx="0" cy="0"/>
-          <a:chOff x="0" y="0"/>
-          <a:chExt cx="0" cy="0"/>
-        </a:xfrm>
-      </p:grpSpPr>
-      <p:sp>
-        <p:nvSpPr>
-          <p:cNvPr id="2" name="Title 1">
-            <a:extLst>
-              <a:ext uri="{FF2B5EF4-FFF2-40B4-BE49-F238E27FC236}">
-                <a16:creationId xmlns:a16="http://schemas.microsoft.com/office/drawing/2014/main" id="{C27A62A0-E3E3-4DCB-BBC5-63FDB474798C}"/>
-              </a:ext>
-            </a:extLst>
-          </p:cNvPr>
-          <p:cNvSpPr>
-            <a:spLocks noGrp="1"/>
-          </p:cNvSpPr>
-          <p:nvPr>
-            <p:ph type="title"/>
-          </p:nvPr>
-        </p:nvSpPr>
-        <p:spPr/>
-        <p:txBody>
-          <a:bodyPr/>
-          <a:lstStyle/>
-          <a:p>
-            <a:r>
-              <a:rPr lang="en-US" dirty="0"/>
-              <a:t>Workshop Scenario</a:t>
-            </a:r>
-          </a:p>
-        </p:txBody>
-      </p:sp>
-      <p:sp>
-        <p:nvSpPr>
-          <p:cNvPr id="3" name="Content Placeholder 2">
-            <a:extLst>
-              <a:ext uri="{FF2B5EF4-FFF2-40B4-BE49-F238E27FC236}">
-                <a16:creationId xmlns:a16="http://schemas.microsoft.com/office/drawing/2014/main" id="{5C351E07-3D78-4561-8477-B8F12B98225E}"/>
-              </a:ext>
-            </a:extLst>
-          </p:cNvPr>
-          <p:cNvSpPr>
-            <a:spLocks noGrp="1"/>
-          </p:cNvSpPr>
-          <p:nvPr>
-            <p:ph idx="1"/>
-          </p:nvPr>
-        </p:nvSpPr>
-        <p:spPr>
-          <a:ln>
-            <a:solidFill>
-              <a:schemeClr val="bg1">
-                <a:lumMod val="50000"/>
-              </a:schemeClr>
-            </a:solidFill>
-          </a:ln>
-        </p:spPr>
-        <p:txBody>
-          <a:bodyPr/>
-          <a:lstStyle/>
-          <a:p>
-            <a:pPr marL="0" indent="0">
-              <a:buNone/>
-            </a:pPr>
-            <a:r>
-              <a:rPr lang="en-US" dirty="0"/>
-              <a:t> </a:t>
-            </a:r>
-          </a:p>
-        </p:txBody>
-      </p:sp>
-      <p:sp>
-        <p:nvSpPr>
-          <p:cNvPr id="4" name="Text Placeholder 3">
-            <a:extLst>
-              <a:ext uri="{FF2B5EF4-FFF2-40B4-BE49-F238E27FC236}">
-                <a16:creationId xmlns:a16="http://schemas.microsoft.com/office/drawing/2014/main" id="{09E79592-AC01-4B52-8C3A-216E9F84829F}"/>
-              </a:ext>
-            </a:extLst>
-          </p:cNvPr>
-          <p:cNvSpPr>
-            <a:spLocks noGrp="1"/>
-          </p:cNvSpPr>
-          <p:nvPr>
-            <p:ph type="body" sz="quarter" idx="10"/>
-          </p:nvPr>
-        </p:nvSpPr>
-        <p:spPr/>
-        <p:txBody>
-          <a:bodyPr/>
-          <a:lstStyle/>
-          <a:p>
-            <a:r>
-              <a:rPr lang="en-US" dirty="0"/>
-              <a:t>iv. Create web servers from custom VM image</a:t>
-            </a:r>
-          </a:p>
-        </p:txBody>
-      </p:sp>
-      <p:sp>
-        <p:nvSpPr>
-          <p:cNvPr id="6" name="Rectangle: Rounded Corners 5">
-            <a:extLst>
-              <a:ext uri="{FF2B5EF4-FFF2-40B4-BE49-F238E27FC236}">
-                <a16:creationId xmlns:a16="http://schemas.microsoft.com/office/drawing/2014/main" id="{CD1CF92A-21C2-4E80-9E64-BDFD23A4037C}"/>
-              </a:ext>
-            </a:extLst>
-          </p:cNvPr>
-          <p:cNvSpPr/>
-          <p:nvPr/>
-        </p:nvSpPr>
-        <p:spPr>
-          <a:xfrm>
-            <a:off x="4865052" y="2848456"/>
-            <a:ext cx="2451807" cy="3288616"/>
-          </a:xfrm>
-          <a:prstGeom prst="roundRect">
-            <a:avLst>
-              <a:gd name="adj" fmla="val 0"/>
-            </a:avLst>
-          </a:prstGeom>
-          <a:solidFill>
-            <a:schemeClr val="tx2">
-              <a:lumMod val="20000"/>
-              <a:lumOff val="80000"/>
-            </a:schemeClr>
-          </a:solidFill>
-          <a:ln w="12700">
-            <a:noFill/>
-            <a:prstDash val="solid"/>
-          </a:ln>
-        </p:spPr>
-        <p:style>
-          <a:lnRef idx="2">
-            <a:schemeClr val="accent1">
-              <a:shade val="50000"/>
-            </a:schemeClr>
-          </a:lnRef>
-          <a:fillRef idx="1">
-            <a:schemeClr val="accent1"/>
-          </a:fillRef>
-          <a:effectRef idx="0">
-            <a:schemeClr val="accent1"/>
-          </a:effectRef>
-          <a:fontRef idx="minor">
-            <a:schemeClr val="lt1"/>
-          </a:fontRef>
-        </p:style>
-        <p:txBody>
-          <a:bodyPr rtlCol="0" anchor="ctr"/>
-          <a:lstStyle/>
-          <a:p>
-            <a:pPr algn="ctr"/>
-            <a:endParaRPr lang="en-US"/>
-          </a:p>
-        </p:txBody>
-      </p:sp>
-      <p:sp>
-        <p:nvSpPr>
-          <p:cNvPr id="7" name="Rectangle: Rounded Corners 6">
-            <a:extLst>
-              <a:ext uri="{FF2B5EF4-FFF2-40B4-BE49-F238E27FC236}">
-                <a16:creationId xmlns:a16="http://schemas.microsoft.com/office/drawing/2014/main" id="{31F7AC4D-935F-4160-AF82-00E07CDF6C22}"/>
-              </a:ext>
-            </a:extLst>
-          </p:cNvPr>
-          <p:cNvSpPr/>
-          <p:nvPr/>
-        </p:nvSpPr>
-        <p:spPr>
-          <a:xfrm>
-            <a:off x="7455203" y="2848456"/>
-            <a:ext cx="3899145" cy="3288616"/>
-          </a:xfrm>
-          <a:prstGeom prst="roundRect">
-            <a:avLst>
-              <a:gd name="adj" fmla="val 0"/>
-            </a:avLst>
-          </a:prstGeom>
-          <a:solidFill>
-            <a:schemeClr val="tx2">
-              <a:lumMod val="20000"/>
-              <a:lumOff val="80000"/>
-            </a:schemeClr>
-          </a:solidFill>
-          <a:ln w="12700">
-            <a:noFill/>
-            <a:prstDash val="solid"/>
-          </a:ln>
-        </p:spPr>
-        <p:style>
-          <a:lnRef idx="2">
-            <a:schemeClr val="accent1">
-              <a:shade val="50000"/>
-            </a:schemeClr>
-          </a:lnRef>
-          <a:fillRef idx="1">
-            <a:schemeClr val="accent1"/>
-          </a:fillRef>
-          <a:effectRef idx="0">
-            <a:schemeClr val="accent1"/>
-          </a:effectRef>
-          <a:fontRef idx="minor">
-            <a:schemeClr val="lt1"/>
-          </a:fontRef>
-        </p:style>
-        <p:txBody>
-          <a:bodyPr rtlCol="0" anchor="ctr"/>
-          <a:lstStyle/>
-          <a:p>
-            <a:pPr algn="ctr"/>
-            <a:endParaRPr lang="en-US"/>
-          </a:p>
-        </p:txBody>
-      </p:sp>
-      <p:sp>
-        <p:nvSpPr>
-          <p:cNvPr id="8" name="Rectangle: Rounded Corners 7">
-            <a:extLst>
-              <a:ext uri="{FF2B5EF4-FFF2-40B4-BE49-F238E27FC236}">
-                <a16:creationId xmlns:a16="http://schemas.microsoft.com/office/drawing/2014/main" id="{BE873175-092E-4905-BBEC-09833468E8C8}"/>
-              </a:ext>
-            </a:extLst>
-          </p:cNvPr>
-          <p:cNvSpPr/>
-          <p:nvPr/>
-        </p:nvSpPr>
-        <p:spPr>
-          <a:xfrm>
-            <a:off x="5712879" y="4162176"/>
-            <a:ext cx="1426119" cy="1819539"/>
-          </a:xfrm>
-          <a:prstGeom prst="roundRect">
-            <a:avLst>
-              <a:gd name="adj" fmla="val 8127"/>
-            </a:avLst>
-          </a:prstGeom>
-          <a:solidFill>
-            <a:schemeClr val="accent1">
-              <a:lumMod val="40000"/>
-              <a:lumOff val="60000"/>
-            </a:schemeClr>
-          </a:solidFill>
-          <a:ln w="12700">
-            <a:noFill/>
-            <a:prstDash val="solid"/>
-          </a:ln>
-        </p:spPr>
-        <p:style>
-          <a:lnRef idx="2">
-            <a:schemeClr val="accent1">
-              <a:shade val="50000"/>
-            </a:schemeClr>
-          </a:lnRef>
-          <a:fillRef idx="1">
-            <a:schemeClr val="accent1"/>
-          </a:fillRef>
-          <a:effectRef idx="0">
-            <a:schemeClr val="accent1"/>
-          </a:effectRef>
-          <a:fontRef idx="minor">
-            <a:schemeClr val="lt1"/>
-          </a:fontRef>
-        </p:style>
-        <p:txBody>
-          <a:bodyPr rtlCol="0" anchor="ctr"/>
-          <a:lstStyle/>
-          <a:p>
-            <a:pPr algn="ctr"/>
-            <a:endParaRPr lang="en-US"/>
-          </a:p>
-        </p:txBody>
-      </p:sp>
-      <p:sp>
-        <p:nvSpPr>
-          <p:cNvPr id="9" name="Rectangle: Rounded Corners 8">
-            <a:extLst>
-              <a:ext uri="{FF2B5EF4-FFF2-40B4-BE49-F238E27FC236}">
-                <a16:creationId xmlns:a16="http://schemas.microsoft.com/office/drawing/2014/main" id="{2830BD71-46A4-4C52-963A-5ED262F16F65}"/>
-              </a:ext>
-            </a:extLst>
-          </p:cNvPr>
-          <p:cNvSpPr/>
-          <p:nvPr/>
-        </p:nvSpPr>
-        <p:spPr>
-          <a:xfrm>
-            <a:off x="8292445" y="4162176"/>
-            <a:ext cx="2867621" cy="1819539"/>
-          </a:xfrm>
-          <a:prstGeom prst="roundRect">
-            <a:avLst>
-              <a:gd name="adj" fmla="val 8127"/>
-            </a:avLst>
-          </a:prstGeom>
-          <a:solidFill>
-            <a:schemeClr val="accent1">
-              <a:lumMod val="40000"/>
-              <a:lumOff val="60000"/>
-            </a:schemeClr>
-          </a:solidFill>
-          <a:ln w="12700">
-            <a:noFill/>
-            <a:prstDash val="solid"/>
-          </a:ln>
-        </p:spPr>
-        <p:style>
-          <a:lnRef idx="2">
-            <a:schemeClr val="accent1">
-              <a:shade val="50000"/>
-            </a:schemeClr>
-          </a:lnRef>
-          <a:fillRef idx="1">
-            <a:schemeClr val="accent1"/>
-          </a:fillRef>
-          <a:effectRef idx="0">
-            <a:schemeClr val="accent1"/>
-          </a:effectRef>
-          <a:fontRef idx="minor">
-            <a:schemeClr val="lt1"/>
-          </a:fontRef>
-        </p:style>
-        <p:txBody>
-          <a:bodyPr rtlCol="0" anchor="ctr"/>
-          <a:lstStyle/>
-          <a:p>
-            <a:pPr algn="ctr"/>
-            <a:endParaRPr lang="en-US"/>
-          </a:p>
-        </p:txBody>
-      </p:sp>
-      <p:pic>
-        <p:nvPicPr>
-          <p:cNvPr id="10" name="Picture 9">
-            <a:extLst>
-              <a:ext uri="{FF2B5EF4-FFF2-40B4-BE49-F238E27FC236}">
-                <a16:creationId xmlns:a16="http://schemas.microsoft.com/office/drawing/2014/main" id="{B764981B-0C22-42E0-A6BD-CC2C06C4C57C}"/>
-              </a:ext>
-            </a:extLst>
-          </p:cNvPr>
-          <p:cNvPicPr>
-            <a:picLocks noChangeAspect="1"/>
-          </p:cNvPicPr>
-          <p:nvPr/>
-        </p:nvPicPr>
-        <p:blipFill>
-          <a:blip r:embed="rId3">
-            <a:extLst>
-              <a:ext uri="{28A0092B-C50C-407E-A947-70E740481C1C}">
-                <a14:useLocalDpi xmlns:a14="http://schemas.microsoft.com/office/drawing/2010/main" val="0"/>
-              </a:ext>
-            </a:extLst>
-          </a:blip>
-          <a:stretch>
-            <a:fillRect/>
-          </a:stretch>
-        </p:blipFill>
-        <p:spPr>
-          <a:xfrm>
-            <a:off x="3497936" y="1996689"/>
-            <a:ext cx="780290" cy="780290"/>
-          </a:xfrm>
-          <a:prstGeom prst="rect">
-            <a:avLst/>
-          </a:prstGeom>
-        </p:spPr>
-      </p:pic>
-      <p:pic>
-        <p:nvPicPr>
-          <p:cNvPr id="11" name="Picture 10">
-            <a:extLst>
-              <a:ext uri="{FF2B5EF4-FFF2-40B4-BE49-F238E27FC236}">
-                <a16:creationId xmlns:a16="http://schemas.microsoft.com/office/drawing/2014/main" id="{172B2DA5-F1C1-4FC6-BA4D-3B6AC5A52E8B}"/>
-              </a:ext>
-            </a:extLst>
-          </p:cNvPr>
-          <p:cNvPicPr>
-            <a:picLocks noChangeAspect="1"/>
-          </p:cNvPicPr>
-          <p:nvPr/>
-        </p:nvPicPr>
-        <p:blipFill>
-          <a:blip r:embed="rId4">
-            <a:extLst>
-              <a:ext uri="{28A0092B-C50C-407E-A947-70E740481C1C}">
-                <a14:useLocalDpi xmlns:a14="http://schemas.microsoft.com/office/drawing/2010/main" val="0"/>
-              </a:ext>
-            </a:extLst>
-          </a:blip>
-          <a:stretch>
-            <a:fillRect/>
-          </a:stretch>
-        </p:blipFill>
-        <p:spPr>
-          <a:xfrm>
-            <a:off x="1872818" y="1182767"/>
-            <a:ext cx="780290" cy="780290"/>
-          </a:xfrm>
-          <a:prstGeom prst="rect">
-            <a:avLst/>
-          </a:prstGeom>
-        </p:spPr>
-      </p:pic>
-      <p:pic>
-        <p:nvPicPr>
-          <p:cNvPr id="13" name="Picture 12">
-            <a:extLst>
-              <a:ext uri="{FF2B5EF4-FFF2-40B4-BE49-F238E27FC236}">
-                <a16:creationId xmlns:a16="http://schemas.microsoft.com/office/drawing/2014/main" id="{E03E2CAE-7665-4CAF-9969-A4942D02FE8C}"/>
-              </a:ext>
-            </a:extLst>
-          </p:cNvPr>
-          <p:cNvPicPr>
-            <a:picLocks noChangeAspect="1"/>
-          </p:cNvPicPr>
-          <p:nvPr/>
-        </p:nvPicPr>
-        <p:blipFill>
-          <a:blip r:embed="rId5">
-            <a:extLst>
-              <a:ext uri="{28A0092B-C50C-407E-A947-70E740481C1C}">
-                <a14:useLocalDpi xmlns:a14="http://schemas.microsoft.com/office/drawing/2010/main" val="0"/>
-              </a:ext>
-            </a:extLst>
-          </a:blip>
-          <a:stretch>
-            <a:fillRect/>
-          </a:stretch>
-        </p:blipFill>
-        <p:spPr>
-          <a:xfrm>
-            <a:off x="5344023" y="3496240"/>
-            <a:ext cx="780290" cy="780290"/>
-          </a:xfrm>
-          <a:prstGeom prst="rect">
-            <a:avLst/>
-          </a:prstGeom>
-        </p:spPr>
-      </p:pic>
-      <p:pic>
-        <p:nvPicPr>
-          <p:cNvPr id="14" name="Picture 13">
-            <a:extLst>
-              <a:ext uri="{FF2B5EF4-FFF2-40B4-BE49-F238E27FC236}">
-                <a16:creationId xmlns:a16="http://schemas.microsoft.com/office/drawing/2014/main" id="{3564506D-68E1-4093-B9FD-AF6934607011}"/>
-              </a:ext>
-            </a:extLst>
-          </p:cNvPr>
-          <p:cNvPicPr>
-            <a:picLocks noChangeAspect="1"/>
-          </p:cNvPicPr>
-          <p:nvPr/>
-        </p:nvPicPr>
-        <p:blipFill>
-          <a:blip r:embed="rId6">
-            <a:extLst>
-              <a:ext uri="{28A0092B-C50C-407E-A947-70E740481C1C}">
-                <a14:useLocalDpi xmlns:a14="http://schemas.microsoft.com/office/drawing/2010/main" val="0"/>
-              </a:ext>
-            </a:extLst>
-          </a:blip>
-          <a:stretch>
-            <a:fillRect/>
-          </a:stretch>
-        </p:blipFill>
-        <p:spPr>
-          <a:xfrm>
-            <a:off x="4947926" y="5206100"/>
-            <a:ext cx="780290" cy="780290"/>
-          </a:xfrm>
-          <a:prstGeom prst="rect">
-            <a:avLst/>
-          </a:prstGeom>
-        </p:spPr>
-      </p:pic>
-      <p:pic>
-        <p:nvPicPr>
-          <p:cNvPr id="15" name="Picture 14">
-            <a:extLst>
-              <a:ext uri="{FF2B5EF4-FFF2-40B4-BE49-F238E27FC236}">
-                <a16:creationId xmlns:a16="http://schemas.microsoft.com/office/drawing/2014/main" id="{88CAA98F-F56A-4E5A-B9B2-0A4D98CF70CA}"/>
-              </a:ext>
-            </a:extLst>
-          </p:cNvPr>
-          <p:cNvPicPr>
-            <a:picLocks noChangeAspect="1"/>
-          </p:cNvPicPr>
-          <p:nvPr/>
-        </p:nvPicPr>
-        <p:blipFill>
-          <a:blip r:embed="rId6">
-            <a:extLst>
-              <a:ext uri="{28A0092B-C50C-407E-A947-70E740481C1C}">
-                <a14:useLocalDpi xmlns:a14="http://schemas.microsoft.com/office/drawing/2010/main" val="0"/>
-              </a:ext>
-            </a:extLst>
-          </a:blip>
-          <a:stretch>
-            <a:fillRect/>
-          </a:stretch>
-        </p:blipFill>
-        <p:spPr>
-          <a:xfrm>
-            <a:off x="7495752" y="5206100"/>
-            <a:ext cx="780290" cy="780290"/>
-          </a:xfrm>
-          <a:prstGeom prst="rect">
-            <a:avLst/>
-          </a:prstGeom>
-        </p:spPr>
-      </p:pic>
-      <p:sp>
-        <p:nvSpPr>
-          <p:cNvPr id="17" name="Rectangle 16">
-            <a:extLst>
-              <a:ext uri="{FF2B5EF4-FFF2-40B4-BE49-F238E27FC236}">
-                <a16:creationId xmlns:a16="http://schemas.microsoft.com/office/drawing/2014/main" id="{17EC2194-D096-4F47-9600-9513623EDD2D}"/>
-              </a:ext>
-            </a:extLst>
-          </p:cNvPr>
-          <p:cNvSpPr/>
-          <p:nvPr/>
-        </p:nvSpPr>
-        <p:spPr>
-          <a:xfrm>
-            <a:off x="2242521" y="1894585"/>
-            <a:ext cx="9414433" cy="4428834"/>
-          </a:xfrm>
-          <a:prstGeom prst="rect">
-            <a:avLst/>
-          </a:prstGeom>
-          <a:noFill/>
-          <a:ln>
-            <a:solidFill>
-              <a:schemeClr val="bg1">
-                <a:lumMod val="65000"/>
-              </a:schemeClr>
-            </a:solidFill>
-          </a:ln>
-        </p:spPr>
-        <p:style>
-          <a:lnRef idx="2">
-            <a:schemeClr val="accent1">
-              <a:shade val="50000"/>
-            </a:schemeClr>
-          </a:lnRef>
-          <a:fillRef idx="1">
-            <a:schemeClr val="accent1"/>
-          </a:fillRef>
-          <a:effectRef idx="0">
-            <a:schemeClr val="accent1"/>
-          </a:effectRef>
-          <a:fontRef idx="minor">
-            <a:schemeClr val="lt1"/>
-          </a:fontRef>
-        </p:style>
-        <p:txBody>
-          <a:bodyPr rtlCol="0" anchor="ctr"/>
-          <a:lstStyle/>
-          <a:p>
-            <a:pPr algn="ctr"/>
-            <a:endParaRPr lang="en-US"/>
-          </a:p>
-        </p:txBody>
-      </p:sp>
-      <p:sp>
-        <p:nvSpPr>
-          <p:cNvPr id="18" name="TextBox 17">
-            <a:extLst>
-              <a:ext uri="{FF2B5EF4-FFF2-40B4-BE49-F238E27FC236}">
-                <a16:creationId xmlns:a16="http://schemas.microsoft.com/office/drawing/2014/main" id="{90EB4C86-32B7-4932-B646-5CC4FA78EEB7}"/>
-              </a:ext>
-            </a:extLst>
-          </p:cNvPr>
-          <p:cNvSpPr txBox="1"/>
-          <p:nvPr/>
-        </p:nvSpPr>
-        <p:spPr>
-          <a:xfrm>
-            <a:off x="2658920" y="1578939"/>
-            <a:ext cx="1292790" cy="276999"/>
-          </a:xfrm>
-          <a:prstGeom prst="rect">
-            <a:avLst/>
-          </a:prstGeom>
-          <a:noFill/>
-        </p:spPr>
-        <p:txBody>
-          <a:bodyPr wrap="none" rtlCol="0">
-            <a:spAutoFit/>
-          </a:bodyPr>
-          <a:lstStyle/>
-          <a:p>
-            <a:r>
-              <a:rPr lang="en-US" sz="1200" dirty="0"/>
-              <a:t>Microsoft Azure</a:t>
-            </a:r>
-          </a:p>
-        </p:txBody>
-      </p:sp>
-      <p:sp>
-        <p:nvSpPr>
-          <p:cNvPr id="19" name="Rectangle 18">
-            <a:extLst>
-              <a:ext uri="{FF2B5EF4-FFF2-40B4-BE49-F238E27FC236}">
-                <a16:creationId xmlns:a16="http://schemas.microsoft.com/office/drawing/2014/main" id="{0034689C-A17C-48A7-80E4-28ADCAB8AD41}"/>
-              </a:ext>
-            </a:extLst>
-          </p:cNvPr>
-          <p:cNvSpPr/>
-          <p:nvPr/>
-        </p:nvSpPr>
-        <p:spPr>
-          <a:xfrm>
-            <a:off x="3647358" y="2776979"/>
-            <a:ext cx="7809749" cy="3430092"/>
-          </a:xfrm>
-          <a:prstGeom prst="rect">
-            <a:avLst/>
-          </a:prstGeom>
-          <a:noFill/>
-          <a:ln>
-            <a:solidFill>
-              <a:schemeClr val="bg1">
-                <a:lumMod val="65000"/>
-              </a:schemeClr>
-            </a:solidFill>
-          </a:ln>
-        </p:spPr>
-        <p:style>
-          <a:lnRef idx="2">
-            <a:schemeClr val="accent1">
-              <a:shade val="50000"/>
-            </a:schemeClr>
-          </a:lnRef>
-          <a:fillRef idx="1">
-            <a:schemeClr val="accent1"/>
-          </a:fillRef>
-          <a:effectRef idx="0">
-            <a:schemeClr val="accent1"/>
-          </a:effectRef>
-          <a:fontRef idx="minor">
-            <a:schemeClr val="lt1"/>
-          </a:fontRef>
-        </p:style>
-        <p:txBody>
-          <a:bodyPr rtlCol="0" anchor="ctr"/>
-          <a:lstStyle/>
-          <a:p>
-            <a:pPr algn="ctr"/>
-            <a:endParaRPr lang="en-US"/>
-          </a:p>
-        </p:txBody>
-      </p:sp>
-      <p:grpSp>
-        <p:nvGrpSpPr>
-          <p:cNvPr id="20" name="Group 19">
-            <a:extLst>
-              <a:ext uri="{FF2B5EF4-FFF2-40B4-BE49-F238E27FC236}">
-                <a16:creationId xmlns:a16="http://schemas.microsoft.com/office/drawing/2014/main" id="{9AC16B10-2BB1-4B9D-A796-7D14440B5C13}"/>
-              </a:ext>
-            </a:extLst>
-          </p:cNvPr>
-          <p:cNvGrpSpPr/>
-          <p:nvPr/>
-        </p:nvGrpSpPr>
-        <p:grpSpPr>
-          <a:xfrm>
-            <a:off x="8640485" y="4430952"/>
-            <a:ext cx="2171540" cy="1032361"/>
-            <a:chOff x="8189467" y="4461123"/>
-            <a:chExt cx="2171540" cy="1032361"/>
-          </a:xfrm>
-        </p:grpSpPr>
-        <p:pic>
-          <p:nvPicPr>
-            <p:cNvPr id="58" name="Picture 57">
-              <a:extLst>
-                <a:ext uri="{FF2B5EF4-FFF2-40B4-BE49-F238E27FC236}">
-                  <a16:creationId xmlns:a16="http://schemas.microsoft.com/office/drawing/2014/main" id="{1680DAC1-69C2-4B26-9DF1-4A7D473DBB3D}"/>
-                </a:ext>
-              </a:extLst>
-            </p:cNvPr>
-            <p:cNvPicPr>
-              <a:picLocks noChangeAspect="1"/>
-            </p:cNvPicPr>
-            <p:nvPr/>
-          </p:nvPicPr>
-          <p:blipFill>
-            <a:blip r:embed="rId7">
-              <a:extLst>
-                <a:ext uri="{28A0092B-C50C-407E-A947-70E740481C1C}">
-                  <a14:useLocalDpi xmlns:a14="http://schemas.microsoft.com/office/drawing/2010/main" val="0"/>
-                </a:ext>
-              </a:extLst>
-            </a:blip>
-            <a:stretch>
-              <a:fillRect/>
-            </a:stretch>
-          </p:blipFill>
-          <p:spPr>
-            <a:xfrm>
-              <a:off x="8320332" y="4597957"/>
-              <a:ext cx="780290" cy="780290"/>
-            </a:xfrm>
-            <a:prstGeom prst="rect">
-              <a:avLst/>
-            </a:prstGeom>
-          </p:spPr>
-        </p:pic>
-        <p:sp>
-          <p:nvSpPr>
-            <p:cNvPr id="60" name="Rectangle: Rounded Corners 59">
-              <a:extLst>
-                <a:ext uri="{FF2B5EF4-FFF2-40B4-BE49-F238E27FC236}">
-                  <a16:creationId xmlns:a16="http://schemas.microsoft.com/office/drawing/2014/main" id="{80653861-0F1C-4419-B33B-D272FEF2E4D4}"/>
-                </a:ext>
-              </a:extLst>
-            </p:cNvPr>
-            <p:cNvSpPr/>
-            <p:nvPr/>
-          </p:nvSpPr>
-          <p:spPr>
-            <a:xfrm>
-              <a:off x="8189467" y="4461123"/>
-              <a:ext cx="2171540" cy="1032361"/>
-            </a:xfrm>
-            <a:prstGeom prst="roundRect">
-              <a:avLst/>
-            </a:prstGeom>
-            <a:noFill/>
-            <a:ln w="76200">
-              <a:solidFill>
-                <a:schemeClr val="accent1"/>
-              </a:solidFill>
-              <a:prstDash val="sysDash"/>
-            </a:ln>
-          </p:spPr>
-          <p:style>
-            <a:lnRef idx="2">
-              <a:schemeClr val="accent1">
-                <a:shade val="50000"/>
-              </a:schemeClr>
-            </a:lnRef>
-            <a:fillRef idx="1">
-              <a:schemeClr val="accent1"/>
-            </a:fillRef>
-            <a:effectRef idx="0">
-              <a:schemeClr val="accent1"/>
-            </a:effectRef>
-            <a:fontRef idx="minor">
-              <a:schemeClr val="lt1"/>
-            </a:fontRef>
-          </p:style>
-          <p:txBody>
-            <a:bodyPr rtlCol="0" anchor="ctr"/>
-            <a:lstStyle/>
-            <a:p>
-              <a:pPr algn="ctr"/>
-              <a:endParaRPr lang="en-US"/>
-            </a:p>
-          </p:txBody>
-        </p:sp>
-      </p:grpSp>
-      <p:sp>
-        <p:nvSpPr>
-          <p:cNvPr id="21" name="TextBox 20">
-            <a:extLst>
-              <a:ext uri="{FF2B5EF4-FFF2-40B4-BE49-F238E27FC236}">
-                <a16:creationId xmlns:a16="http://schemas.microsoft.com/office/drawing/2014/main" id="{408FA6E2-C9CA-4448-9919-5552713FA5E4}"/>
-              </a:ext>
-            </a:extLst>
-          </p:cNvPr>
-          <p:cNvSpPr txBox="1"/>
-          <p:nvPr/>
-        </p:nvSpPr>
-        <p:spPr>
-          <a:xfrm>
-            <a:off x="4389917" y="2427959"/>
-            <a:ext cx="1302536" cy="276999"/>
-          </a:xfrm>
-          <a:prstGeom prst="rect">
-            <a:avLst/>
-          </a:prstGeom>
-          <a:noFill/>
-        </p:spPr>
-        <p:txBody>
-          <a:bodyPr wrap="none" rtlCol="0">
-            <a:spAutoFit/>
-          </a:bodyPr>
-          <a:lstStyle/>
-          <a:p>
-            <a:r>
-              <a:rPr lang="en-US" sz="1200" dirty="0"/>
-              <a:t>Resource Group</a:t>
-            </a:r>
-          </a:p>
-        </p:txBody>
-      </p:sp>
-      <p:grpSp>
-        <p:nvGrpSpPr>
-          <p:cNvPr id="22" name="Group 21">
-            <a:extLst>
-              <a:ext uri="{FF2B5EF4-FFF2-40B4-BE49-F238E27FC236}">
-                <a16:creationId xmlns:a16="http://schemas.microsoft.com/office/drawing/2014/main" id="{16C2D2C2-6BAF-4685-A1A2-12A7F66F9CA6}"/>
-              </a:ext>
-            </a:extLst>
-          </p:cNvPr>
-          <p:cNvGrpSpPr/>
-          <p:nvPr/>
-        </p:nvGrpSpPr>
-        <p:grpSpPr>
-          <a:xfrm>
-            <a:off x="2390078" y="2719437"/>
-            <a:ext cx="1035733" cy="1087503"/>
-            <a:chOff x="2390078" y="2961947"/>
-            <a:chExt cx="1035733" cy="1087503"/>
-          </a:xfrm>
-        </p:grpSpPr>
-        <p:pic>
-          <p:nvPicPr>
-            <p:cNvPr id="56" name="Picture 55">
-              <a:extLst>
-                <a:ext uri="{FF2B5EF4-FFF2-40B4-BE49-F238E27FC236}">
-                  <a16:creationId xmlns:a16="http://schemas.microsoft.com/office/drawing/2014/main" id="{B48DABBD-E7AC-4584-89E0-6900CE33D8DD}"/>
-                </a:ext>
-              </a:extLst>
-            </p:cNvPr>
-            <p:cNvPicPr>
-              <a:picLocks noChangeAspect="1"/>
-            </p:cNvPicPr>
-            <p:nvPr/>
-          </p:nvPicPr>
-          <p:blipFill>
-            <a:blip r:embed="rId8">
-              <a:extLst>
-                <a:ext uri="{28A0092B-C50C-407E-A947-70E740481C1C}">
-                  <a14:useLocalDpi xmlns:a14="http://schemas.microsoft.com/office/drawing/2010/main" val="0"/>
-                </a:ext>
-              </a:extLst>
-            </a:blip>
-            <a:stretch>
-              <a:fillRect/>
-            </a:stretch>
-          </p:blipFill>
-          <p:spPr>
-            <a:xfrm>
-              <a:off x="2517799" y="2961947"/>
-              <a:ext cx="780290" cy="780290"/>
-            </a:xfrm>
-            <a:prstGeom prst="rect">
-              <a:avLst/>
-            </a:prstGeom>
-          </p:spPr>
-        </p:pic>
-        <p:sp>
-          <p:nvSpPr>
-            <p:cNvPr id="57" name="TextBox 56">
-              <a:extLst>
-                <a:ext uri="{FF2B5EF4-FFF2-40B4-BE49-F238E27FC236}">
-                  <a16:creationId xmlns:a16="http://schemas.microsoft.com/office/drawing/2014/main" id="{CCE46746-ECAD-4F08-BF96-909AF4DFE843}"/>
-                </a:ext>
-              </a:extLst>
-            </p:cNvPr>
-            <p:cNvSpPr txBox="1"/>
-            <p:nvPr/>
-          </p:nvSpPr>
-          <p:spPr>
-            <a:xfrm>
-              <a:off x="2390078" y="3772451"/>
-              <a:ext cx="1035733" cy="276999"/>
-            </a:xfrm>
-            <a:prstGeom prst="rect">
-              <a:avLst/>
-            </a:prstGeom>
-            <a:noFill/>
-          </p:spPr>
-          <p:txBody>
-            <a:bodyPr wrap="none" rtlCol="0">
-              <a:spAutoFit/>
-            </a:bodyPr>
-            <a:lstStyle/>
-            <a:p>
-              <a:r>
-                <a:rPr lang="en-US" sz="1200" dirty="0"/>
-                <a:t>Marketplace</a:t>
-              </a:r>
-            </a:p>
-          </p:txBody>
-        </p:sp>
-      </p:grpSp>
-      <p:cxnSp>
-        <p:nvCxnSpPr>
-          <p:cNvPr id="25" name="Straight Connector 24">
-            <a:extLst>
-              <a:ext uri="{FF2B5EF4-FFF2-40B4-BE49-F238E27FC236}">
-                <a16:creationId xmlns:a16="http://schemas.microsoft.com/office/drawing/2014/main" id="{C5D55ECC-2C95-45E3-8960-53980C2C8F9A}"/>
-              </a:ext>
-            </a:extLst>
-          </p:cNvPr>
-          <p:cNvCxnSpPr>
-            <a:cxnSpLocks/>
-            <a:stCxn id="14" idx="3"/>
-          </p:cNvCxnSpPr>
-          <p:nvPr/>
-        </p:nvCxnSpPr>
-        <p:spPr>
-          <a:xfrm>
-            <a:off x="5728216" y="5596245"/>
-            <a:ext cx="1346653" cy="0"/>
-          </a:xfrm>
-          <a:prstGeom prst="line">
-            <a:avLst/>
-          </a:prstGeom>
-          <a:ln w="38100">
-            <a:solidFill>
-              <a:schemeClr val="accent1"/>
-            </a:solidFill>
-          </a:ln>
-        </p:spPr>
-        <p:style>
-          <a:lnRef idx="1">
-            <a:schemeClr val="accent1"/>
-          </a:lnRef>
-          <a:fillRef idx="0">
-            <a:schemeClr val="accent1"/>
-          </a:fillRef>
-          <a:effectRef idx="0">
-            <a:schemeClr val="accent1"/>
-          </a:effectRef>
-          <a:fontRef idx="minor">
-            <a:schemeClr val="tx1"/>
-          </a:fontRef>
-        </p:style>
-      </p:cxnSp>
-      <p:cxnSp>
-        <p:nvCxnSpPr>
-          <p:cNvPr id="26" name="Straight Connector 25">
-            <a:extLst>
-              <a:ext uri="{FF2B5EF4-FFF2-40B4-BE49-F238E27FC236}">
-                <a16:creationId xmlns:a16="http://schemas.microsoft.com/office/drawing/2014/main" id="{A1DD2B03-B074-4B8C-8996-1C8859DB1E8A}"/>
-              </a:ext>
-            </a:extLst>
-          </p:cNvPr>
-          <p:cNvCxnSpPr>
-            <a:cxnSpLocks/>
-            <a:stCxn id="15" idx="3"/>
-          </p:cNvCxnSpPr>
-          <p:nvPr/>
-        </p:nvCxnSpPr>
-        <p:spPr>
-          <a:xfrm>
-            <a:off x="8276042" y="5596245"/>
-            <a:ext cx="2778770" cy="0"/>
-          </a:xfrm>
-          <a:prstGeom prst="line">
-            <a:avLst/>
-          </a:prstGeom>
-          <a:ln w="38100">
-            <a:solidFill>
-              <a:schemeClr val="accent1"/>
-            </a:solidFill>
-          </a:ln>
-        </p:spPr>
-        <p:style>
-          <a:lnRef idx="1">
-            <a:schemeClr val="accent1"/>
-          </a:lnRef>
-          <a:fillRef idx="0">
-            <a:schemeClr val="accent1"/>
-          </a:fillRef>
-          <a:effectRef idx="0">
-            <a:schemeClr val="accent1"/>
-          </a:effectRef>
-          <a:fontRef idx="minor">
-            <a:schemeClr val="tx1"/>
-          </a:fontRef>
-        </p:style>
-      </p:cxnSp>
-      <p:cxnSp>
-        <p:nvCxnSpPr>
-          <p:cNvPr id="27" name="Straight Connector 26">
-            <a:extLst>
-              <a:ext uri="{FF2B5EF4-FFF2-40B4-BE49-F238E27FC236}">
-                <a16:creationId xmlns:a16="http://schemas.microsoft.com/office/drawing/2014/main" id="{37A94C14-EF36-4EED-81C7-4EC21430D60A}"/>
-              </a:ext>
-            </a:extLst>
-          </p:cNvPr>
-          <p:cNvCxnSpPr>
-            <a:cxnSpLocks/>
-          </p:cNvCxnSpPr>
-          <p:nvPr/>
-        </p:nvCxnSpPr>
-        <p:spPr>
-          <a:xfrm>
-            <a:off x="9161495" y="5286032"/>
-            <a:ext cx="0" cy="320040"/>
-          </a:xfrm>
-          <a:prstGeom prst="line">
-            <a:avLst/>
-          </a:prstGeom>
-          <a:ln w="38100">
-            <a:solidFill>
-              <a:schemeClr val="accent1"/>
-            </a:solidFill>
-          </a:ln>
-        </p:spPr>
-        <p:style>
-          <a:lnRef idx="1">
-            <a:schemeClr val="accent1"/>
-          </a:lnRef>
-          <a:fillRef idx="0">
-            <a:schemeClr val="accent1"/>
-          </a:fillRef>
-          <a:effectRef idx="0">
-            <a:schemeClr val="accent1"/>
-          </a:effectRef>
-          <a:fontRef idx="minor">
-            <a:schemeClr val="tx1"/>
-          </a:fontRef>
-        </p:style>
-      </p:cxnSp>
-      <p:cxnSp>
-        <p:nvCxnSpPr>
-          <p:cNvPr id="28" name="Straight Connector 27">
-            <a:extLst>
-              <a:ext uri="{FF2B5EF4-FFF2-40B4-BE49-F238E27FC236}">
-                <a16:creationId xmlns:a16="http://schemas.microsoft.com/office/drawing/2014/main" id="{B5535A0D-BA9A-4DFB-B3D1-5123CB9A9F34}"/>
-              </a:ext>
-            </a:extLst>
-          </p:cNvPr>
-          <p:cNvCxnSpPr>
-            <a:cxnSpLocks/>
-          </p:cNvCxnSpPr>
-          <p:nvPr/>
-        </p:nvCxnSpPr>
-        <p:spPr>
-          <a:xfrm>
-            <a:off x="10200883" y="5286032"/>
-            <a:ext cx="0" cy="320040"/>
-          </a:xfrm>
-          <a:prstGeom prst="line">
-            <a:avLst/>
-          </a:prstGeom>
-          <a:ln w="38100">
-            <a:solidFill>
-              <a:schemeClr val="accent1"/>
-            </a:solidFill>
-          </a:ln>
-        </p:spPr>
-        <p:style>
-          <a:lnRef idx="1">
-            <a:schemeClr val="accent1"/>
-          </a:lnRef>
-          <a:fillRef idx="0">
-            <a:schemeClr val="accent1"/>
-          </a:fillRef>
-          <a:effectRef idx="0">
-            <a:schemeClr val="accent1"/>
-          </a:effectRef>
-          <a:fontRef idx="minor">
-            <a:schemeClr val="tx1"/>
-          </a:fontRef>
-        </p:style>
-      </p:cxnSp>
-      <p:sp>
-        <p:nvSpPr>
-          <p:cNvPr id="31" name="TextBox 30">
-            <a:extLst>
-              <a:ext uri="{FF2B5EF4-FFF2-40B4-BE49-F238E27FC236}">
-                <a16:creationId xmlns:a16="http://schemas.microsoft.com/office/drawing/2014/main" id="{00D41994-6D48-4013-8DDF-76EF38A46BEE}"/>
-              </a:ext>
-            </a:extLst>
-          </p:cNvPr>
-          <p:cNvSpPr txBox="1"/>
-          <p:nvPr/>
-        </p:nvSpPr>
-        <p:spPr>
-          <a:xfrm>
-            <a:off x="4919695" y="5821925"/>
-            <a:ext cx="830933" cy="276999"/>
-          </a:xfrm>
-          <a:prstGeom prst="rect">
-            <a:avLst/>
-          </a:prstGeom>
-          <a:noFill/>
-        </p:spPr>
-        <p:txBody>
-          <a:bodyPr wrap="none" rtlCol="0">
-            <a:spAutoFit/>
-          </a:bodyPr>
-          <a:lstStyle/>
-          <a:p>
-            <a:r>
-              <a:rPr lang="en-US" sz="1200" dirty="0"/>
-              <a:t>Dev-</a:t>
-            </a:r>
-            <a:r>
-              <a:rPr lang="en-US" sz="1200" dirty="0" err="1"/>
-              <a:t>Vnet</a:t>
-            </a:r>
-            <a:endParaRPr lang="en-US" sz="1200" dirty="0"/>
-          </a:p>
-        </p:txBody>
-      </p:sp>
-      <p:sp>
-        <p:nvSpPr>
-          <p:cNvPr id="32" name="TextBox 31">
-            <a:extLst>
-              <a:ext uri="{FF2B5EF4-FFF2-40B4-BE49-F238E27FC236}">
-                <a16:creationId xmlns:a16="http://schemas.microsoft.com/office/drawing/2014/main" id="{5DAFE9AD-C50D-4B94-87BC-018F1C34362F}"/>
-              </a:ext>
-            </a:extLst>
-          </p:cNvPr>
-          <p:cNvSpPr txBox="1"/>
-          <p:nvPr/>
-        </p:nvSpPr>
-        <p:spPr>
-          <a:xfrm>
-            <a:off x="7462832" y="5821925"/>
-            <a:ext cx="796693" cy="276999"/>
-          </a:xfrm>
-          <a:prstGeom prst="rect">
-            <a:avLst/>
-          </a:prstGeom>
-          <a:noFill/>
-        </p:spPr>
-        <p:txBody>
-          <a:bodyPr wrap="none" rtlCol="0">
-            <a:spAutoFit/>
-          </a:bodyPr>
-          <a:lstStyle/>
-          <a:p>
-            <a:r>
-              <a:rPr lang="en-US" sz="1200" dirty="0" err="1"/>
-              <a:t>Prd-Vnet</a:t>
-            </a:r>
-            <a:endParaRPr lang="en-US" sz="1200" dirty="0"/>
-          </a:p>
-        </p:txBody>
-      </p:sp>
-      <p:sp>
-        <p:nvSpPr>
-          <p:cNvPr id="33" name="TextBox 32">
-            <a:extLst>
-              <a:ext uri="{FF2B5EF4-FFF2-40B4-BE49-F238E27FC236}">
-                <a16:creationId xmlns:a16="http://schemas.microsoft.com/office/drawing/2014/main" id="{C92B9D98-5F8E-44D7-ADB1-D23713ACA599}"/>
-              </a:ext>
-            </a:extLst>
-          </p:cNvPr>
-          <p:cNvSpPr txBox="1"/>
-          <p:nvPr/>
-        </p:nvSpPr>
-        <p:spPr>
-          <a:xfrm>
-            <a:off x="8807389" y="5063939"/>
-            <a:ext cx="727315" cy="276999"/>
-          </a:xfrm>
-          <a:prstGeom prst="rect">
-            <a:avLst/>
-          </a:prstGeom>
-          <a:noFill/>
-        </p:spPr>
-        <p:txBody>
-          <a:bodyPr wrap="none" rtlCol="0">
-            <a:spAutoFit/>
-          </a:bodyPr>
-          <a:lstStyle/>
-          <a:p>
-            <a:r>
-              <a:rPr lang="en-US" sz="1200" dirty="0"/>
-              <a:t>Web 01</a:t>
-            </a:r>
-          </a:p>
-        </p:txBody>
-      </p:sp>
-      <p:sp>
-        <p:nvSpPr>
-          <p:cNvPr id="35" name="TextBox 34">
-            <a:extLst>
-              <a:ext uri="{FF2B5EF4-FFF2-40B4-BE49-F238E27FC236}">
-                <a16:creationId xmlns:a16="http://schemas.microsoft.com/office/drawing/2014/main" id="{CBB59810-83DD-4210-8567-3057D44EC135}"/>
-              </a:ext>
-            </a:extLst>
-          </p:cNvPr>
-          <p:cNvSpPr txBox="1"/>
-          <p:nvPr/>
-        </p:nvSpPr>
-        <p:spPr>
-          <a:xfrm>
-            <a:off x="5695392" y="3323499"/>
-            <a:ext cx="764953" cy="276999"/>
-          </a:xfrm>
-          <a:prstGeom prst="rect">
-            <a:avLst/>
-          </a:prstGeom>
-          <a:noFill/>
-        </p:spPr>
-        <p:txBody>
-          <a:bodyPr wrap="none" rtlCol="0">
-            <a:spAutoFit/>
-          </a:bodyPr>
-          <a:lstStyle/>
-          <a:p>
-            <a:r>
-              <a:rPr lang="en-US" sz="1200" dirty="0"/>
-              <a:t>Dev-</a:t>
-            </a:r>
-            <a:r>
-              <a:rPr lang="en-US" sz="1200" dirty="0" err="1"/>
-              <a:t>nsg</a:t>
-            </a:r>
-            <a:endParaRPr lang="en-US" sz="1200" dirty="0"/>
-          </a:p>
-        </p:txBody>
-      </p:sp>
-      <p:sp>
-        <p:nvSpPr>
-          <p:cNvPr id="36" name="TextBox 35">
-            <a:extLst>
-              <a:ext uri="{FF2B5EF4-FFF2-40B4-BE49-F238E27FC236}">
-                <a16:creationId xmlns:a16="http://schemas.microsoft.com/office/drawing/2014/main" id="{401DB9B0-0CF3-40AE-AB1E-24B8F82FCC07}"/>
-              </a:ext>
-            </a:extLst>
-          </p:cNvPr>
-          <p:cNvSpPr txBox="1"/>
-          <p:nvPr/>
-        </p:nvSpPr>
-        <p:spPr>
-          <a:xfrm>
-            <a:off x="5865393" y="5677845"/>
-            <a:ext cx="1124860" cy="276999"/>
-          </a:xfrm>
-          <a:prstGeom prst="rect">
-            <a:avLst/>
-          </a:prstGeom>
-          <a:noFill/>
-        </p:spPr>
-        <p:txBody>
-          <a:bodyPr wrap="none" rtlCol="0">
-            <a:spAutoFit/>
-          </a:bodyPr>
-          <a:lstStyle/>
-          <a:p>
-            <a:r>
-              <a:rPr lang="en-US" sz="1200" dirty="0"/>
-              <a:t>Web (subnet)</a:t>
-            </a:r>
-          </a:p>
-        </p:txBody>
-      </p:sp>
-      <p:grpSp>
-        <p:nvGrpSpPr>
-          <p:cNvPr id="37" name="Group 36">
-            <a:extLst>
-              <a:ext uri="{FF2B5EF4-FFF2-40B4-BE49-F238E27FC236}">
-                <a16:creationId xmlns:a16="http://schemas.microsoft.com/office/drawing/2014/main" id="{7A8DA571-9686-4CE0-91BE-BA8FD531C43B}"/>
-              </a:ext>
-            </a:extLst>
-          </p:cNvPr>
-          <p:cNvGrpSpPr/>
-          <p:nvPr/>
-        </p:nvGrpSpPr>
-        <p:grpSpPr>
-          <a:xfrm>
-            <a:off x="3702687" y="3095103"/>
-            <a:ext cx="1158009" cy="1080327"/>
-            <a:chOff x="3728999" y="3095103"/>
-            <a:chExt cx="1158009" cy="1080327"/>
-          </a:xfrm>
-        </p:grpSpPr>
-        <p:pic>
-          <p:nvPicPr>
-            <p:cNvPr id="48" name="Picture 47">
-              <a:extLst>
-                <a:ext uri="{FF2B5EF4-FFF2-40B4-BE49-F238E27FC236}">
-                  <a16:creationId xmlns:a16="http://schemas.microsoft.com/office/drawing/2014/main" id="{B5E6CDA5-E295-49D0-B8E7-F83C906B0F78}"/>
-                </a:ext>
-              </a:extLst>
-            </p:cNvPr>
-            <p:cNvPicPr>
-              <a:picLocks noChangeAspect="1"/>
-            </p:cNvPicPr>
-            <p:nvPr/>
-          </p:nvPicPr>
-          <p:blipFill>
-            <a:blip r:embed="rId9">
-              <a:extLst>
-                <a:ext uri="{28A0092B-C50C-407E-A947-70E740481C1C}">
-                  <a14:useLocalDpi xmlns:a14="http://schemas.microsoft.com/office/drawing/2010/main" val="0"/>
-                </a:ext>
-              </a:extLst>
-            </a:blip>
-            <a:stretch>
-              <a:fillRect/>
-            </a:stretch>
-          </p:blipFill>
-          <p:spPr>
-            <a:xfrm>
-              <a:off x="3917858" y="3095103"/>
-              <a:ext cx="780290" cy="780290"/>
-            </a:xfrm>
-            <a:prstGeom prst="rect">
-              <a:avLst/>
-            </a:prstGeom>
-          </p:spPr>
-        </p:pic>
-        <p:sp>
-          <p:nvSpPr>
-            <p:cNvPr id="50" name="TextBox 49">
-              <a:extLst>
-                <a:ext uri="{FF2B5EF4-FFF2-40B4-BE49-F238E27FC236}">
-                  <a16:creationId xmlns:a16="http://schemas.microsoft.com/office/drawing/2014/main" id="{D08C64B1-E542-4DDA-BAEC-E4BE398F9871}"/>
-                </a:ext>
-              </a:extLst>
-            </p:cNvPr>
-            <p:cNvSpPr txBox="1"/>
-            <p:nvPr/>
-          </p:nvSpPr>
-          <p:spPr>
-            <a:xfrm>
-              <a:off x="3728999" y="3898431"/>
-              <a:ext cx="1158009" cy="276999"/>
-            </a:xfrm>
-            <a:prstGeom prst="rect">
-              <a:avLst/>
-            </a:prstGeom>
-            <a:noFill/>
-          </p:spPr>
-          <p:txBody>
-            <a:bodyPr wrap="none" rtlCol="0">
-              <a:spAutoFit/>
-            </a:bodyPr>
-            <a:lstStyle/>
-            <a:p>
-              <a:r>
-                <a:rPr lang="en-US" sz="1200" dirty="0"/>
-                <a:t>Custom img.1</a:t>
-              </a:r>
-            </a:p>
-          </p:txBody>
-        </p:sp>
-      </p:grpSp>
-      <p:pic>
-        <p:nvPicPr>
-          <p:cNvPr id="40" name="Picture 39">
-            <a:extLst>
-              <a:ext uri="{FF2B5EF4-FFF2-40B4-BE49-F238E27FC236}">
-                <a16:creationId xmlns:a16="http://schemas.microsoft.com/office/drawing/2014/main" id="{2E0EDBA7-3C36-433B-8704-935C75F30946}"/>
-              </a:ext>
-            </a:extLst>
-          </p:cNvPr>
-          <p:cNvPicPr>
-            <a:picLocks noChangeAspect="1"/>
-          </p:cNvPicPr>
-          <p:nvPr/>
-        </p:nvPicPr>
-        <p:blipFill>
-          <a:blip r:embed="rId5">
-            <a:extLst>
-              <a:ext uri="{28A0092B-C50C-407E-A947-70E740481C1C}">
-                <a14:useLocalDpi xmlns:a14="http://schemas.microsoft.com/office/drawing/2010/main" val="0"/>
-              </a:ext>
-            </a:extLst>
-          </a:blip>
-          <a:stretch>
-            <a:fillRect/>
-          </a:stretch>
-        </p:blipFill>
-        <p:spPr>
-          <a:xfrm>
-            <a:off x="7898881" y="3486994"/>
-            <a:ext cx="780290" cy="780290"/>
-          </a:xfrm>
-          <a:prstGeom prst="rect">
-            <a:avLst/>
-          </a:prstGeom>
-        </p:spPr>
-      </p:pic>
-      <p:sp>
-        <p:nvSpPr>
-          <p:cNvPr id="41" name="TextBox 40">
-            <a:extLst>
-              <a:ext uri="{FF2B5EF4-FFF2-40B4-BE49-F238E27FC236}">
-                <a16:creationId xmlns:a16="http://schemas.microsoft.com/office/drawing/2014/main" id="{CD924B14-B8E3-4758-9735-13834041362A}"/>
-              </a:ext>
-            </a:extLst>
-          </p:cNvPr>
-          <p:cNvSpPr txBox="1"/>
-          <p:nvPr/>
-        </p:nvSpPr>
-        <p:spPr>
-          <a:xfrm>
-            <a:off x="8267370" y="3314253"/>
-            <a:ext cx="730713" cy="276999"/>
-          </a:xfrm>
-          <a:prstGeom prst="rect">
-            <a:avLst/>
-          </a:prstGeom>
-          <a:noFill/>
-        </p:spPr>
-        <p:txBody>
-          <a:bodyPr wrap="none" rtlCol="0">
-            <a:spAutoFit/>
-          </a:bodyPr>
-          <a:lstStyle/>
-          <a:p>
-            <a:r>
-              <a:rPr lang="en-US" sz="1200" dirty="0" err="1"/>
-              <a:t>Prd-nsg</a:t>
-            </a:r>
-            <a:endParaRPr lang="en-US" sz="1200" dirty="0"/>
-          </a:p>
-        </p:txBody>
-      </p:sp>
-      <p:sp>
-        <p:nvSpPr>
-          <p:cNvPr id="45" name="TextBox 44">
-            <a:extLst>
-              <a:ext uri="{FF2B5EF4-FFF2-40B4-BE49-F238E27FC236}">
-                <a16:creationId xmlns:a16="http://schemas.microsoft.com/office/drawing/2014/main" id="{4622B087-0100-4C94-82A9-B7760E7FCCA0}"/>
-              </a:ext>
-            </a:extLst>
-          </p:cNvPr>
-          <p:cNvSpPr txBox="1"/>
-          <p:nvPr/>
-        </p:nvSpPr>
-        <p:spPr>
-          <a:xfrm>
-            <a:off x="9944526" y="4275595"/>
-            <a:ext cx="1200906" cy="276999"/>
-          </a:xfrm>
-          <a:prstGeom prst="rect">
-            <a:avLst/>
-          </a:prstGeom>
-          <a:noFill/>
-        </p:spPr>
-        <p:txBody>
-          <a:bodyPr wrap="none" rtlCol="0">
-            <a:spAutoFit/>
-          </a:bodyPr>
-          <a:lstStyle/>
-          <a:p>
-            <a:r>
-              <a:rPr lang="en-US" sz="1200" dirty="0"/>
-              <a:t>Availability Set</a:t>
-            </a:r>
-          </a:p>
-        </p:txBody>
-      </p:sp>
-      <p:sp>
-        <p:nvSpPr>
-          <p:cNvPr id="46" name="TextBox 45">
-            <a:extLst>
-              <a:ext uri="{FF2B5EF4-FFF2-40B4-BE49-F238E27FC236}">
-                <a16:creationId xmlns:a16="http://schemas.microsoft.com/office/drawing/2014/main" id="{15914D66-0A97-44CD-8113-9A8E875C0F32}"/>
-              </a:ext>
-            </a:extLst>
-          </p:cNvPr>
-          <p:cNvSpPr txBox="1"/>
-          <p:nvPr/>
-        </p:nvSpPr>
-        <p:spPr>
-          <a:xfrm>
-            <a:off x="10043166" y="5677845"/>
-            <a:ext cx="1124860" cy="276999"/>
-          </a:xfrm>
-          <a:prstGeom prst="rect">
-            <a:avLst/>
-          </a:prstGeom>
-          <a:noFill/>
-        </p:spPr>
-        <p:txBody>
-          <a:bodyPr wrap="none" rtlCol="0">
-            <a:spAutoFit/>
-          </a:bodyPr>
-          <a:lstStyle/>
-          <a:p>
-            <a:r>
-              <a:rPr lang="en-US" sz="1200" dirty="0"/>
-              <a:t>Web (subnet)</a:t>
-            </a:r>
-          </a:p>
-        </p:txBody>
-      </p:sp>
-    </p:spTree>
-    <p:extLst>
-      <p:ext uri="{BB962C8B-B14F-4D97-AF65-F5344CB8AC3E}">
-        <p14:creationId xmlns:p14="http://schemas.microsoft.com/office/powerpoint/2010/main" val="4150019125"/>
       </p:ext>
     </p:extLst>
   </p:cSld>

--- a/2. Workshop Scenario/Workshop Scenario.pptx
+++ b/2. Workshop Scenario/Workshop Scenario.pptx
@@ -5,22 +5,21 @@
     <p:sldMasterId id="2147483660" r:id="rId1"/>
   </p:sldMasterIdLst>
   <p:notesMasterIdLst>
-    <p:notesMasterId r:id="rId15"/>
+    <p:notesMasterId r:id="rId14"/>
   </p:notesMasterIdLst>
   <p:sldIdLst>
     <p:sldId id="256" r:id="rId2"/>
     <p:sldId id="261" r:id="rId3"/>
-    <p:sldId id="257" r:id="rId4"/>
-    <p:sldId id="267" r:id="rId5"/>
-    <p:sldId id="258" r:id="rId6"/>
-    <p:sldId id="262" r:id="rId7"/>
-    <p:sldId id="266" r:id="rId8"/>
-    <p:sldId id="259" r:id="rId9"/>
-    <p:sldId id="265" r:id="rId10"/>
-    <p:sldId id="260" r:id="rId11"/>
-    <p:sldId id="263" r:id="rId12"/>
-    <p:sldId id="264" r:id="rId13"/>
-    <p:sldId id="268" r:id="rId14"/>
+    <p:sldId id="267" r:id="rId4"/>
+    <p:sldId id="258" r:id="rId5"/>
+    <p:sldId id="262" r:id="rId6"/>
+    <p:sldId id="266" r:id="rId7"/>
+    <p:sldId id="259" r:id="rId8"/>
+    <p:sldId id="265" r:id="rId9"/>
+    <p:sldId id="260" r:id="rId10"/>
+    <p:sldId id="263" r:id="rId11"/>
+    <p:sldId id="264" r:id="rId12"/>
+    <p:sldId id="268" r:id="rId13"/>
   </p:sldIdLst>
   <p:sldSz cx="12192000" cy="6858000"/>
   <p:notesSz cx="6858000" cy="9144000"/>
@@ -634,7 +633,7 @@
     </p:spTree>
     <p:extLst>
       <p:ext uri="{BB962C8B-B14F-4D97-AF65-F5344CB8AC3E}">
-        <p14:creationId xmlns:p14="http://schemas.microsoft.com/office/powerpoint/2010/main" val="1543304680"/>
+        <p14:creationId xmlns:p14="http://schemas.microsoft.com/office/powerpoint/2010/main" val="3489136822"/>
       </p:ext>
     </p:extLst>
   </p:cSld>
@@ -718,7 +717,7 @@
     </p:spTree>
     <p:extLst>
       <p:ext uri="{BB962C8B-B14F-4D97-AF65-F5344CB8AC3E}">
-        <p14:creationId xmlns:p14="http://schemas.microsoft.com/office/powerpoint/2010/main" val="3489136822"/>
+        <p14:creationId xmlns:p14="http://schemas.microsoft.com/office/powerpoint/2010/main" val="1510818962"/>
       </p:ext>
     </p:extLst>
   </p:cSld>
@@ -802,7 +801,7 @@
     </p:spTree>
     <p:extLst>
       <p:ext uri="{BB962C8B-B14F-4D97-AF65-F5344CB8AC3E}">
-        <p14:creationId xmlns:p14="http://schemas.microsoft.com/office/powerpoint/2010/main" val="1510818962"/>
+        <p14:creationId xmlns:p14="http://schemas.microsoft.com/office/powerpoint/2010/main" val="711930610"/>
       </p:ext>
     </p:extLst>
   </p:cSld>
@@ -970,7 +969,7 @@
     </p:spTree>
     <p:extLst>
       <p:ext uri="{BB962C8B-B14F-4D97-AF65-F5344CB8AC3E}">
-        <p14:creationId xmlns:p14="http://schemas.microsoft.com/office/powerpoint/2010/main" val="3879398284"/>
+        <p14:creationId xmlns:p14="http://schemas.microsoft.com/office/powerpoint/2010/main" val="3175252911"/>
       </p:ext>
     </p:extLst>
   </p:cSld>
@@ -1054,7 +1053,7 @@
     </p:spTree>
     <p:extLst>
       <p:ext uri="{BB962C8B-B14F-4D97-AF65-F5344CB8AC3E}">
-        <p14:creationId xmlns:p14="http://schemas.microsoft.com/office/powerpoint/2010/main" val="3175252911"/>
+        <p14:creationId xmlns:p14="http://schemas.microsoft.com/office/powerpoint/2010/main" val="1703628454"/>
       </p:ext>
     </p:extLst>
   </p:cSld>
@@ -1138,7 +1137,7 @@
     </p:spTree>
     <p:extLst>
       <p:ext uri="{BB962C8B-B14F-4D97-AF65-F5344CB8AC3E}">
-        <p14:creationId xmlns:p14="http://schemas.microsoft.com/office/powerpoint/2010/main" val="1703628454"/>
+        <p14:creationId xmlns:p14="http://schemas.microsoft.com/office/powerpoint/2010/main" val="2747294656"/>
       </p:ext>
     </p:extLst>
   </p:cSld>
@@ -1222,7 +1221,7 @@
     </p:spTree>
     <p:extLst>
       <p:ext uri="{BB962C8B-B14F-4D97-AF65-F5344CB8AC3E}">
-        <p14:creationId xmlns:p14="http://schemas.microsoft.com/office/powerpoint/2010/main" val="2747294656"/>
+        <p14:creationId xmlns:p14="http://schemas.microsoft.com/office/powerpoint/2010/main" val="2324778822"/>
       </p:ext>
     </p:extLst>
   </p:cSld>
@@ -1306,7 +1305,7 @@
     </p:spTree>
     <p:extLst>
       <p:ext uri="{BB962C8B-B14F-4D97-AF65-F5344CB8AC3E}">
-        <p14:creationId xmlns:p14="http://schemas.microsoft.com/office/powerpoint/2010/main" val="2324778822"/>
+        <p14:creationId xmlns:p14="http://schemas.microsoft.com/office/powerpoint/2010/main" val="24296469"/>
       </p:ext>
     </p:extLst>
   </p:cSld>
@@ -1390,7 +1389,7 @@
     </p:spTree>
     <p:extLst>
       <p:ext uri="{BB962C8B-B14F-4D97-AF65-F5344CB8AC3E}">
-        <p14:creationId xmlns:p14="http://schemas.microsoft.com/office/powerpoint/2010/main" val="24296469"/>
+        <p14:creationId xmlns:p14="http://schemas.microsoft.com/office/powerpoint/2010/main" val="3847496053"/>
       </p:ext>
     </p:extLst>
   </p:cSld>
@@ -1474,7 +1473,7 @@
     </p:spTree>
     <p:extLst>
       <p:ext uri="{BB962C8B-B14F-4D97-AF65-F5344CB8AC3E}">
-        <p14:creationId xmlns:p14="http://schemas.microsoft.com/office/powerpoint/2010/main" val="3847496053"/>
+        <p14:creationId xmlns:p14="http://schemas.microsoft.com/office/powerpoint/2010/main" val="1543304680"/>
       </p:ext>
     </p:extLst>
   </p:cSld>
@@ -3179,1517 +3178,6 @@
           <a:p>
             <a:r>
               <a:rPr lang="en-US" dirty="0"/>
-              <a:t>iv. Create web servers from custom VM image</a:t>
-            </a:r>
-          </a:p>
-        </p:txBody>
-      </p:sp>
-      <p:sp>
-        <p:nvSpPr>
-          <p:cNvPr id="6" name="Rectangle: Rounded Corners 5">
-            <a:extLst>
-              <a:ext uri="{FF2B5EF4-FFF2-40B4-BE49-F238E27FC236}">
-                <a16:creationId xmlns:a16="http://schemas.microsoft.com/office/drawing/2014/main" id="{CD1CF92A-21C2-4E80-9E64-BDFD23A4037C}"/>
-              </a:ext>
-            </a:extLst>
-          </p:cNvPr>
-          <p:cNvSpPr/>
-          <p:nvPr/>
-        </p:nvSpPr>
-        <p:spPr>
-          <a:xfrm>
-            <a:off x="4865052" y="2848456"/>
-            <a:ext cx="2451807" cy="3288616"/>
-          </a:xfrm>
-          <a:prstGeom prst="roundRect">
-            <a:avLst>
-              <a:gd name="adj" fmla="val 0"/>
-            </a:avLst>
-          </a:prstGeom>
-          <a:solidFill>
-            <a:schemeClr val="tx2">
-              <a:lumMod val="20000"/>
-              <a:lumOff val="80000"/>
-            </a:schemeClr>
-          </a:solidFill>
-          <a:ln w="12700">
-            <a:noFill/>
-            <a:prstDash val="solid"/>
-          </a:ln>
-        </p:spPr>
-        <p:style>
-          <a:lnRef idx="2">
-            <a:schemeClr val="accent1">
-              <a:shade val="50000"/>
-            </a:schemeClr>
-          </a:lnRef>
-          <a:fillRef idx="1">
-            <a:schemeClr val="accent1"/>
-          </a:fillRef>
-          <a:effectRef idx="0">
-            <a:schemeClr val="accent1"/>
-          </a:effectRef>
-          <a:fontRef idx="minor">
-            <a:schemeClr val="lt1"/>
-          </a:fontRef>
-        </p:style>
-        <p:txBody>
-          <a:bodyPr rtlCol="0" anchor="ctr"/>
-          <a:lstStyle/>
-          <a:p>
-            <a:pPr algn="ctr"/>
-            <a:endParaRPr lang="en-US"/>
-          </a:p>
-        </p:txBody>
-      </p:sp>
-      <p:sp>
-        <p:nvSpPr>
-          <p:cNvPr id="7" name="Rectangle: Rounded Corners 6">
-            <a:extLst>
-              <a:ext uri="{FF2B5EF4-FFF2-40B4-BE49-F238E27FC236}">
-                <a16:creationId xmlns:a16="http://schemas.microsoft.com/office/drawing/2014/main" id="{31F7AC4D-935F-4160-AF82-00E07CDF6C22}"/>
-              </a:ext>
-            </a:extLst>
-          </p:cNvPr>
-          <p:cNvSpPr/>
-          <p:nvPr/>
-        </p:nvSpPr>
-        <p:spPr>
-          <a:xfrm>
-            <a:off x="7455203" y="2848456"/>
-            <a:ext cx="3899145" cy="3288616"/>
-          </a:xfrm>
-          <a:prstGeom prst="roundRect">
-            <a:avLst>
-              <a:gd name="adj" fmla="val 0"/>
-            </a:avLst>
-          </a:prstGeom>
-          <a:solidFill>
-            <a:schemeClr val="tx2">
-              <a:lumMod val="20000"/>
-              <a:lumOff val="80000"/>
-            </a:schemeClr>
-          </a:solidFill>
-          <a:ln w="12700">
-            <a:noFill/>
-            <a:prstDash val="solid"/>
-          </a:ln>
-        </p:spPr>
-        <p:style>
-          <a:lnRef idx="2">
-            <a:schemeClr val="accent1">
-              <a:shade val="50000"/>
-            </a:schemeClr>
-          </a:lnRef>
-          <a:fillRef idx="1">
-            <a:schemeClr val="accent1"/>
-          </a:fillRef>
-          <a:effectRef idx="0">
-            <a:schemeClr val="accent1"/>
-          </a:effectRef>
-          <a:fontRef idx="minor">
-            <a:schemeClr val="lt1"/>
-          </a:fontRef>
-        </p:style>
-        <p:txBody>
-          <a:bodyPr rtlCol="0" anchor="ctr"/>
-          <a:lstStyle/>
-          <a:p>
-            <a:pPr algn="ctr"/>
-            <a:endParaRPr lang="en-US"/>
-          </a:p>
-        </p:txBody>
-      </p:sp>
-      <p:sp>
-        <p:nvSpPr>
-          <p:cNvPr id="8" name="Rectangle: Rounded Corners 7">
-            <a:extLst>
-              <a:ext uri="{FF2B5EF4-FFF2-40B4-BE49-F238E27FC236}">
-                <a16:creationId xmlns:a16="http://schemas.microsoft.com/office/drawing/2014/main" id="{BE873175-092E-4905-BBEC-09833468E8C8}"/>
-              </a:ext>
-            </a:extLst>
-          </p:cNvPr>
-          <p:cNvSpPr/>
-          <p:nvPr/>
-        </p:nvSpPr>
-        <p:spPr>
-          <a:xfrm>
-            <a:off x="5712879" y="4162176"/>
-            <a:ext cx="1426119" cy="1819539"/>
-          </a:xfrm>
-          <a:prstGeom prst="roundRect">
-            <a:avLst>
-              <a:gd name="adj" fmla="val 8127"/>
-            </a:avLst>
-          </a:prstGeom>
-          <a:solidFill>
-            <a:schemeClr val="accent1">
-              <a:lumMod val="40000"/>
-              <a:lumOff val="60000"/>
-            </a:schemeClr>
-          </a:solidFill>
-          <a:ln w="12700">
-            <a:noFill/>
-            <a:prstDash val="solid"/>
-          </a:ln>
-        </p:spPr>
-        <p:style>
-          <a:lnRef idx="2">
-            <a:schemeClr val="accent1">
-              <a:shade val="50000"/>
-            </a:schemeClr>
-          </a:lnRef>
-          <a:fillRef idx="1">
-            <a:schemeClr val="accent1"/>
-          </a:fillRef>
-          <a:effectRef idx="0">
-            <a:schemeClr val="accent1"/>
-          </a:effectRef>
-          <a:fontRef idx="minor">
-            <a:schemeClr val="lt1"/>
-          </a:fontRef>
-        </p:style>
-        <p:txBody>
-          <a:bodyPr rtlCol="0" anchor="ctr"/>
-          <a:lstStyle/>
-          <a:p>
-            <a:pPr algn="ctr"/>
-            <a:endParaRPr lang="en-US"/>
-          </a:p>
-        </p:txBody>
-      </p:sp>
-      <p:sp>
-        <p:nvSpPr>
-          <p:cNvPr id="9" name="Rectangle: Rounded Corners 8">
-            <a:extLst>
-              <a:ext uri="{FF2B5EF4-FFF2-40B4-BE49-F238E27FC236}">
-                <a16:creationId xmlns:a16="http://schemas.microsoft.com/office/drawing/2014/main" id="{2830BD71-46A4-4C52-963A-5ED262F16F65}"/>
-              </a:ext>
-            </a:extLst>
-          </p:cNvPr>
-          <p:cNvSpPr/>
-          <p:nvPr/>
-        </p:nvSpPr>
-        <p:spPr>
-          <a:xfrm>
-            <a:off x="8292445" y="4162176"/>
-            <a:ext cx="2867621" cy="1819539"/>
-          </a:xfrm>
-          <a:prstGeom prst="roundRect">
-            <a:avLst>
-              <a:gd name="adj" fmla="val 8127"/>
-            </a:avLst>
-          </a:prstGeom>
-          <a:solidFill>
-            <a:schemeClr val="accent1">
-              <a:lumMod val="40000"/>
-              <a:lumOff val="60000"/>
-            </a:schemeClr>
-          </a:solidFill>
-          <a:ln w="12700">
-            <a:noFill/>
-            <a:prstDash val="solid"/>
-          </a:ln>
-        </p:spPr>
-        <p:style>
-          <a:lnRef idx="2">
-            <a:schemeClr val="accent1">
-              <a:shade val="50000"/>
-            </a:schemeClr>
-          </a:lnRef>
-          <a:fillRef idx="1">
-            <a:schemeClr val="accent1"/>
-          </a:fillRef>
-          <a:effectRef idx="0">
-            <a:schemeClr val="accent1"/>
-          </a:effectRef>
-          <a:fontRef idx="minor">
-            <a:schemeClr val="lt1"/>
-          </a:fontRef>
-        </p:style>
-        <p:txBody>
-          <a:bodyPr rtlCol="0" anchor="ctr"/>
-          <a:lstStyle/>
-          <a:p>
-            <a:pPr algn="ctr"/>
-            <a:endParaRPr lang="en-US"/>
-          </a:p>
-        </p:txBody>
-      </p:sp>
-      <p:pic>
-        <p:nvPicPr>
-          <p:cNvPr id="10" name="Picture 9">
-            <a:extLst>
-              <a:ext uri="{FF2B5EF4-FFF2-40B4-BE49-F238E27FC236}">
-                <a16:creationId xmlns:a16="http://schemas.microsoft.com/office/drawing/2014/main" id="{B764981B-0C22-42E0-A6BD-CC2C06C4C57C}"/>
-              </a:ext>
-            </a:extLst>
-          </p:cNvPr>
-          <p:cNvPicPr>
-            <a:picLocks noChangeAspect="1"/>
-          </p:cNvPicPr>
-          <p:nvPr/>
-        </p:nvPicPr>
-        <p:blipFill>
-          <a:blip r:embed="rId3">
-            <a:extLst>
-              <a:ext uri="{28A0092B-C50C-407E-A947-70E740481C1C}">
-                <a14:useLocalDpi xmlns:a14="http://schemas.microsoft.com/office/drawing/2010/main" val="0"/>
-              </a:ext>
-            </a:extLst>
-          </a:blip>
-          <a:stretch>
-            <a:fillRect/>
-          </a:stretch>
-        </p:blipFill>
-        <p:spPr>
-          <a:xfrm>
-            <a:off x="3497936" y="1996689"/>
-            <a:ext cx="780290" cy="780290"/>
-          </a:xfrm>
-          <a:prstGeom prst="rect">
-            <a:avLst/>
-          </a:prstGeom>
-        </p:spPr>
-      </p:pic>
-      <p:pic>
-        <p:nvPicPr>
-          <p:cNvPr id="11" name="Picture 10">
-            <a:extLst>
-              <a:ext uri="{FF2B5EF4-FFF2-40B4-BE49-F238E27FC236}">
-                <a16:creationId xmlns:a16="http://schemas.microsoft.com/office/drawing/2014/main" id="{172B2DA5-F1C1-4FC6-BA4D-3B6AC5A52E8B}"/>
-              </a:ext>
-            </a:extLst>
-          </p:cNvPr>
-          <p:cNvPicPr>
-            <a:picLocks noChangeAspect="1"/>
-          </p:cNvPicPr>
-          <p:nvPr/>
-        </p:nvPicPr>
-        <p:blipFill>
-          <a:blip r:embed="rId4">
-            <a:extLst>
-              <a:ext uri="{28A0092B-C50C-407E-A947-70E740481C1C}">
-                <a14:useLocalDpi xmlns:a14="http://schemas.microsoft.com/office/drawing/2010/main" val="0"/>
-              </a:ext>
-            </a:extLst>
-          </a:blip>
-          <a:stretch>
-            <a:fillRect/>
-          </a:stretch>
-        </p:blipFill>
-        <p:spPr>
-          <a:xfrm>
-            <a:off x="1872818" y="1182767"/>
-            <a:ext cx="780290" cy="780290"/>
-          </a:xfrm>
-          <a:prstGeom prst="rect">
-            <a:avLst/>
-          </a:prstGeom>
-        </p:spPr>
-      </p:pic>
-      <p:pic>
-        <p:nvPicPr>
-          <p:cNvPr id="13" name="Picture 12">
-            <a:extLst>
-              <a:ext uri="{FF2B5EF4-FFF2-40B4-BE49-F238E27FC236}">
-                <a16:creationId xmlns:a16="http://schemas.microsoft.com/office/drawing/2014/main" id="{E03E2CAE-7665-4CAF-9969-A4942D02FE8C}"/>
-              </a:ext>
-            </a:extLst>
-          </p:cNvPr>
-          <p:cNvPicPr>
-            <a:picLocks noChangeAspect="1"/>
-          </p:cNvPicPr>
-          <p:nvPr/>
-        </p:nvPicPr>
-        <p:blipFill>
-          <a:blip r:embed="rId5">
-            <a:extLst>
-              <a:ext uri="{28A0092B-C50C-407E-A947-70E740481C1C}">
-                <a14:useLocalDpi xmlns:a14="http://schemas.microsoft.com/office/drawing/2010/main" val="0"/>
-              </a:ext>
-            </a:extLst>
-          </a:blip>
-          <a:stretch>
-            <a:fillRect/>
-          </a:stretch>
-        </p:blipFill>
-        <p:spPr>
-          <a:xfrm>
-            <a:off x="5344023" y="3496240"/>
-            <a:ext cx="780290" cy="780290"/>
-          </a:xfrm>
-          <a:prstGeom prst="rect">
-            <a:avLst/>
-          </a:prstGeom>
-        </p:spPr>
-      </p:pic>
-      <p:pic>
-        <p:nvPicPr>
-          <p:cNvPr id="14" name="Picture 13">
-            <a:extLst>
-              <a:ext uri="{FF2B5EF4-FFF2-40B4-BE49-F238E27FC236}">
-                <a16:creationId xmlns:a16="http://schemas.microsoft.com/office/drawing/2014/main" id="{3564506D-68E1-4093-B9FD-AF6934607011}"/>
-              </a:ext>
-            </a:extLst>
-          </p:cNvPr>
-          <p:cNvPicPr>
-            <a:picLocks noChangeAspect="1"/>
-          </p:cNvPicPr>
-          <p:nvPr/>
-        </p:nvPicPr>
-        <p:blipFill>
-          <a:blip r:embed="rId6">
-            <a:extLst>
-              <a:ext uri="{28A0092B-C50C-407E-A947-70E740481C1C}">
-                <a14:useLocalDpi xmlns:a14="http://schemas.microsoft.com/office/drawing/2010/main" val="0"/>
-              </a:ext>
-            </a:extLst>
-          </a:blip>
-          <a:stretch>
-            <a:fillRect/>
-          </a:stretch>
-        </p:blipFill>
-        <p:spPr>
-          <a:xfrm>
-            <a:off x="4947926" y="5206100"/>
-            <a:ext cx="780290" cy="780290"/>
-          </a:xfrm>
-          <a:prstGeom prst="rect">
-            <a:avLst/>
-          </a:prstGeom>
-        </p:spPr>
-      </p:pic>
-      <p:pic>
-        <p:nvPicPr>
-          <p:cNvPr id="15" name="Picture 14">
-            <a:extLst>
-              <a:ext uri="{FF2B5EF4-FFF2-40B4-BE49-F238E27FC236}">
-                <a16:creationId xmlns:a16="http://schemas.microsoft.com/office/drawing/2014/main" id="{88CAA98F-F56A-4E5A-B9B2-0A4D98CF70CA}"/>
-              </a:ext>
-            </a:extLst>
-          </p:cNvPr>
-          <p:cNvPicPr>
-            <a:picLocks noChangeAspect="1"/>
-          </p:cNvPicPr>
-          <p:nvPr/>
-        </p:nvPicPr>
-        <p:blipFill>
-          <a:blip r:embed="rId6">
-            <a:extLst>
-              <a:ext uri="{28A0092B-C50C-407E-A947-70E740481C1C}">
-                <a14:useLocalDpi xmlns:a14="http://schemas.microsoft.com/office/drawing/2010/main" val="0"/>
-              </a:ext>
-            </a:extLst>
-          </a:blip>
-          <a:stretch>
-            <a:fillRect/>
-          </a:stretch>
-        </p:blipFill>
-        <p:spPr>
-          <a:xfrm>
-            <a:off x="7495752" y="5206100"/>
-            <a:ext cx="780290" cy="780290"/>
-          </a:xfrm>
-          <a:prstGeom prst="rect">
-            <a:avLst/>
-          </a:prstGeom>
-        </p:spPr>
-      </p:pic>
-      <p:sp>
-        <p:nvSpPr>
-          <p:cNvPr id="17" name="Rectangle 16">
-            <a:extLst>
-              <a:ext uri="{FF2B5EF4-FFF2-40B4-BE49-F238E27FC236}">
-                <a16:creationId xmlns:a16="http://schemas.microsoft.com/office/drawing/2014/main" id="{17EC2194-D096-4F47-9600-9513623EDD2D}"/>
-              </a:ext>
-            </a:extLst>
-          </p:cNvPr>
-          <p:cNvSpPr/>
-          <p:nvPr/>
-        </p:nvSpPr>
-        <p:spPr>
-          <a:xfrm>
-            <a:off x="2242521" y="1894585"/>
-            <a:ext cx="9414433" cy="4428834"/>
-          </a:xfrm>
-          <a:prstGeom prst="rect">
-            <a:avLst/>
-          </a:prstGeom>
-          <a:noFill/>
-          <a:ln>
-            <a:solidFill>
-              <a:schemeClr val="bg1">
-                <a:lumMod val="65000"/>
-              </a:schemeClr>
-            </a:solidFill>
-          </a:ln>
-        </p:spPr>
-        <p:style>
-          <a:lnRef idx="2">
-            <a:schemeClr val="accent1">
-              <a:shade val="50000"/>
-            </a:schemeClr>
-          </a:lnRef>
-          <a:fillRef idx="1">
-            <a:schemeClr val="accent1"/>
-          </a:fillRef>
-          <a:effectRef idx="0">
-            <a:schemeClr val="accent1"/>
-          </a:effectRef>
-          <a:fontRef idx="minor">
-            <a:schemeClr val="lt1"/>
-          </a:fontRef>
-        </p:style>
-        <p:txBody>
-          <a:bodyPr rtlCol="0" anchor="ctr"/>
-          <a:lstStyle/>
-          <a:p>
-            <a:pPr algn="ctr"/>
-            <a:endParaRPr lang="en-US"/>
-          </a:p>
-        </p:txBody>
-      </p:sp>
-      <p:sp>
-        <p:nvSpPr>
-          <p:cNvPr id="18" name="TextBox 17">
-            <a:extLst>
-              <a:ext uri="{FF2B5EF4-FFF2-40B4-BE49-F238E27FC236}">
-                <a16:creationId xmlns:a16="http://schemas.microsoft.com/office/drawing/2014/main" id="{90EB4C86-32B7-4932-B646-5CC4FA78EEB7}"/>
-              </a:ext>
-            </a:extLst>
-          </p:cNvPr>
-          <p:cNvSpPr txBox="1"/>
-          <p:nvPr/>
-        </p:nvSpPr>
-        <p:spPr>
-          <a:xfrm>
-            <a:off x="2658920" y="1578939"/>
-            <a:ext cx="1292790" cy="276999"/>
-          </a:xfrm>
-          <a:prstGeom prst="rect">
-            <a:avLst/>
-          </a:prstGeom>
-          <a:noFill/>
-        </p:spPr>
-        <p:txBody>
-          <a:bodyPr wrap="none" rtlCol="0">
-            <a:spAutoFit/>
-          </a:bodyPr>
-          <a:lstStyle/>
-          <a:p>
-            <a:r>
-              <a:rPr lang="en-US" sz="1200" dirty="0"/>
-              <a:t>Microsoft Azure</a:t>
-            </a:r>
-          </a:p>
-        </p:txBody>
-      </p:sp>
-      <p:sp>
-        <p:nvSpPr>
-          <p:cNvPr id="19" name="Rectangle 18">
-            <a:extLst>
-              <a:ext uri="{FF2B5EF4-FFF2-40B4-BE49-F238E27FC236}">
-                <a16:creationId xmlns:a16="http://schemas.microsoft.com/office/drawing/2014/main" id="{0034689C-A17C-48A7-80E4-28ADCAB8AD41}"/>
-              </a:ext>
-            </a:extLst>
-          </p:cNvPr>
-          <p:cNvSpPr/>
-          <p:nvPr/>
-        </p:nvSpPr>
-        <p:spPr>
-          <a:xfrm>
-            <a:off x="3647358" y="2776979"/>
-            <a:ext cx="7809749" cy="3430092"/>
-          </a:xfrm>
-          <a:prstGeom prst="rect">
-            <a:avLst/>
-          </a:prstGeom>
-          <a:noFill/>
-          <a:ln>
-            <a:solidFill>
-              <a:schemeClr val="bg1">
-                <a:lumMod val="65000"/>
-              </a:schemeClr>
-            </a:solidFill>
-          </a:ln>
-        </p:spPr>
-        <p:style>
-          <a:lnRef idx="2">
-            <a:schemeClr val="accent1">
-              <a:shade val="50000"/>
-            </a:schemeClr>
-          </a:lnRef>
-          <a:fillRef idx="1">
-            <a:schemeClr val="accent1"/>
-          </a:fillRef>
-          <a:effectRef idx="0">
-            <a:schemeClr val="accent1"/>
-          </a:effectRef>
-          <a:fontRef idx="minor">
-            <a:schemeClr val="lt1"/>
-          </a:fontRef>
-        </p:style>
-        <p:txBody>
-          <a:bodyPr rtlCol="0" anchor="ctr"/>
-          <a:lstStyle/>
-          <a:p>
-            <a:pPr algn="ctr"/>
-            <a:endParaRPr lang="en-US"/>
-          </a:p>
-        </p:txBody>
-      </p:sp>
-      <p:grpSp>
-        <p:nvGrpSpPr>
-          <p:cNvPr id="20" name="Group 19">
-            <a:extLst>
-              <a:ext uri="{FF2B5EF4-FFF2-40B4-BE49-F238E27FC236}">
-                <a16:creationId xmlns:a16="http://schemas.microsoft.com/office/drawing/2014/main" id="{9AC16B10-2BB1-4B9D-A796-7D14440B5C13}"/>
-              </a:ext>
-            </a:extLst>
-          </p:cNvPr>
-          <p:cNvGrpSpPr/>
-          <p:nvPr/>
-        </p:nvGrpSpPr>
-        <p:grpSpPr>
-          <a:xfrm>
-            <a:off x="8640485" y="4430952"/>
-            <a:ext cx="2171540" cy="1032361"/>
-            <a:chOff x="8189467" y="4461123"/>
-            <a:chExt cx="2171540" cy="1032361"/>
-          </a:xfrm>
-        </p:grpSpPr>
-        <p:pic>
-          <p:nvPicPr>
-            <p:cNvPr id="58" name="Picture 57">
-              <a:extLst>
-                <a:ext uri="{FF2B5EF4-FFF2-40B4-BE49-F238E27FC236}">
-                  <a16:creationId xmlns:a16="http://schemas.microsoft.com/office/drawing/2014/main" id="{1680DAC1-69C2-4B26-9DF1-4A7D473DBB3D}"/>
-                </a:ext>
-              </a:extLst>
-            </p:cNvPr>
-            <p:cNvPicPr>
-              <a:picLocks noChangeAspect="1"/>
-            </p:cNvPicPr>
-            <p:nvPr/>
-          </p:nvPicPr>
-          <p:blipFill>
-            <a:blip r:embed="rId7">
-              <a:extLst>
-                <a:ext uri="{28A0092B-C50C-407E-A947-70E740481C1C}">
-                  <a14:useLocalDpi xmlns:a14="http://schemas.microsoft.com/office/drawing/2010/main" val="0"/>
-                </a:ext>
-              </a:extLst>
-            </a:blip>
-            <a:stretch>
-              <a:fillRect/>
-            </a:stretch>
-          </p:blipFill>
-          <p:spPr>
-            <a:xfrm>
-              <a:off x="8320332" y="4597957"/>
-              <a:ext cx="780290" cy="780290"/>
-            </a:xfrm>
-            <a:prstGeom prst="rect">
-              <a:avLst/>
-            </a:prstGeom>
-          </p:spPr>
-        </p:pic>
-        <p:sp>
-          <p:nvSpPr>
-            <p:cNvPr id="60" name="Rectangle: Rounded Corners 59">
-              <a:extLst>
-                <a:ext uri="{FF2B5EF4-FFF2-40B4-BE49-F238E27FC236}">
-                  <a16:creationId xmlns:a16="http://schemas.microsoft.com/office/drawing/2014/main" id="{80653861-0F1C-4419-B33B-D272FEF2E4D4}"/>
-                </a:ext>
-              </a:extLst>
-            </p:cNvPr>
-            <p:cNvSpPr/>
-            <p:nvPr/>
-          </p:nvSpPr>
-          <p:spPr>
-            <a:xfrm>
-              <a:off x="8189467" y="4461123"/>
-              <a:ext cx="2171540" cy="1032361"/>
-            </a:xfrm>
-            <a:prstGeom prst="roundRect">
-              <a:avLst/>
-            </a:prstGeom>
-            <a:noFill/>
-            <a:ln w="76200">
-              <a:solidFill>
-                <a:schemeClr val="accent1"/>
-              </a:solidFill>
-              <a:prstDash val="sysDash"/>
-            </a:ln>
-          </p:spPr>
-          <p:style>
-            <a:lnRef idx="2">
-              <a:schemeClr val="accent1">
-                <a:shade val="50000"/>
-              </a:schemeClr>
-            </a:lnRef>
-            <a:fillRef idx="1">
-              <a:schemeClr val="accent1"/>
-            </a:fillRef>
-            <a:effectRef idx="0">
-              <a:schemeClr val="accent1"/>
-            </a:effectRef>
-            <a:fontRef idx="minor">
-              <a:schemeClr val="lt1"/>
-            </a:fontRef>
-          </p:style>
-          <p:txBody>
-            <a:bodyPr rtlCol="0" anchor="ctr"/>
-            <a:lstStyle/>
-            <a:p>
-              <a:pPr algn="ctr"/>
-              <a:endParaRPr lang="en-US"/>
-            </a:p>
-          </p:txBody>
-        </p:sp>
-      </p:grpSp>
-      <p:sp>
-        <p:nvSpPr>
-          <p:cNvPr id="21" name="TextBox 20">
-            <a:extLst>
-              <a:ext uri="{FF2B5EF4-FFF2-40B4-BE49-F238E27FC236}">
-                <a16:creationId xmlns:a16="http://schemas.microsoft.com/office/drawing/2014/main" id="{408FA6E2-C9CA-4448-9919-5552713FA5E4}"/>
-              </a:ext>
-            </a:extLst>
-          </p:cNvPr>
-          <p:cNvSpPr txBox="1"/>
-          <p:nvPr/>
-        </p:nvSpPr>
-        <p:spPr>
-          <a:xfrm>
-            <a:off x="4389917" y="2427959"/>
-            <a:ext cx="1302536" cy="276999"/>
-          </a:xfrm>
-          <a:prstGeom prst="rect">
-            <a:avLst/>
-          </a:prstGeom>
-          <a:noFill/>
-        </p:spPr>
-        <p:txBody>
-          <a:bodyPr wrap="none" rtlCol="0">
-            <a:spAutoFit/>
-          </a:bodyPr>
-          <a:lstStyle/>
-          <a:p>
-            <a:r>
-              <a:rPr lang="en-US" sz="1200" dirty="0"/>
-              <a:t>Resource Group</a:t>
-            </a:r>
-          </a:p>
-        </p:txBody>
-      </p:sp>
-      <p:grpSp>
-        <p:nvGrpSpPr>
-          <p:cNvPr id="22" name="Group 21">
-            <a:extLst>
-              <a:ext uri="{FF2B5EF4-FFF2-40B4-BE49-F238E27FC236}">
-                <a16:creationId xmlns:a16="http://schemas.microsoft.com/office/drawing/2014/main" id="{16C2D2C2-6BAF-4685-A1A2-12A7F66F9CA6}"/>
-              </a:ext>
-            </a:extLst>
-          </p:cNvPr>
-          <p:cNvGrpSpPr/>
-          <p:nvPr/>
-        </p:nvGrpSpPr>
-        <p:grpSpPr>
-          <a:xfrm>
-            <a:off x="2390078" y="2719437"/>
-            <a:ext cx="1035733" cy="1087503"/>
-            <a:chOff x="2390078" y="2961947"/>
-            <a:chExt cx="1035733" cy="1087503"/>
-          </a:xfrm>
-        </p:grpSpPr>
-        <p:pic>
-          <p:nvPicPr>
-            <p:cNvPr id="56" name="Picture 55">
-              <a:extLst>
-                <a:ext uri="{FF2B5EF4-FFF2-40B4-BE49-F238E27FC236}">
-                  <a16:creationId xmlns:a16="http://schemas.microsoft.com/office/drawing/2014/main" id="{B48DABBD-E7AC-4584-89E0-6900CE33D8DD}"/>
-                </a:ext>
-              </a:extLst>
-            </p:cNvPr>
-            <p:cNvPicPr>
-              <a:picLocks noChangeAspect="1"/>
-            </p:cNvPicPr>
-            <p:nvPr/>
-          </p:nvPicPr>
-          <p:blipFill>
-            <a:blip r:embed="rId8">
-              <a:extLst>
-                <a:ext uri="{28A0092B-C50C-407E-A947-70E740481C1C}">
-                  <a14:useLocalDpi xmlns:a14="http://schemas.microsoft.com/office/drawing/2010/main" val="0"/>
-                </a:ext>
-              </a:extLst>
-            </a:blip>
-            <a:stretch>
-              <a:fillRect/>
-            </a:stretch>
-          </p:blipFill>
-          <p:spPr>
-            <a:xfrm>
-              <a:off x="2517799" y="2961947"/>
-              <a:ext cx="780290" cy="780290"/>
-            </a:xfrm>
-            <a:prstGeom prst="rect">
-              <a:avLst/>
-            </a:prstGeom>
-          </p:spPr>
-        </p:pic>
-        <p:sp>
-          <p:nvSpPr>
-            <p:cNvPr id="57" name="TextBox 56">
-              <a:extLst>
-                <a:ext uri="{FF2B5EF4-FFF2-40B4-BE49-F238E27FC236}">
-                  <a16:creationId xmlns:a16="http://schemas.microsoft.com/office/drawing/2014/main" id="{CCE46746-ECAD-4F08-BF96-909AF4DFE843}"/>
-                </a:ext>
-              </a:extLst>
-            </p:cNvPr>
-            <p:cNvSpPr txBox="1"/>
-            <p:nvPr/>
-          </p:nvSpPr>
-          <p:spPr>
-            <a:xfrm>
-              <a:off x="2390078" y="3772451"/>
-              <a:ext cx="1035733" cy="276999"/>
-            </a:xfrm>
-            <a:prstGeom prst="rect">
-              <a:avLst/>
-            </a:prstGeom>
-            <a:noFill/>
-          </p:spPr>
-          <p:txBody>
-            <a:bodyPr wrap="none" rtlCol="0">
-              <a:spAutoFit/>
-            </a:bodyPr>
-            <a:lstStyle/>
-            <a:p>
-              <a:r>
-                <a:rPr lang="en-US" sz="1200" dirty="0"/>
-                <a:t>Marketplace</a:t>
-              </a:r>
-            </a:p>
-          </p:txBody>
-        </p:sp>
-      </p:grpSp>
-      <p:cxnSp>
-        <p:nvCxnSpPr>
-          <p:cNvPr id="25" name="Straight Connector 24">
-            <a:extLst>
-              <a:ext uri="{FF2B5EF4-FFF2-40B4-BE49-F238E27FC236}">
-                <a16:creationId xmlns:a16="http://schemas.microsoft.com/office/drawing/2014/main" id="{C5D55ECC-2C95-45E3-8960-53980C2C8F9A}"/>
-              </a:ext>
-            </a:extLst>
-          </p:cNvPr>
-          <p:cNvCxnSpPr>
-            <a:cxnSpLocks/>
-            <a:stCxn id="14" idx="3"/>
-          </p:cNvCxnSpPr>
-          <p:nvPr/>
-        </p:nvCxnSpPr>
-        <p:spPr>
-          <a:xfrm>
-            <a:off x="5728216" y="5596245"/>
-            <a:ext cx="1346653" cy="0"/>
-          </a:xfrm>
-          <a:prstGeom prst="line">
-            <a:avLst/>
-          </a:prstGeom>
-          <a:ln w="38100">
-            <a:solidFill>
-              <a:schemeClr val="accent1"/>
-            </a:solidFill>
-          </a:ln>
-        </p:spPr>
-        <p:style>
-          <a:lnRef idx="1">
-            <a:schemeClr val="accent1"/>
-          </a:lnRef>
-          <a:fillRef idx="0">
-            <a:schemeClr val="accent1"/>
-          </a:fillRef>
-          <a:effectRef idx="0">
-            <a:schemeClr val="accent1"/>
-          </a:effectRef>
-          <a:fontRef idx="minor">
-            <a:schemeClr val="tx1"/>
-          </a:fontRef>
-        </p:style>
-      </p:cxnSp>
-      <p:cxnSp>
-        <p:nvCxnSpPr>
-          <p:cNvPr id="26" name="Straight Connector 25">
-            <a:extLst>
-              <a:ext uri="{FF2B5EF4-FFF2-40B4-BE49-F238E27FC236}">
-                <a16:creationId xmlns:a16="http://schemas.microsoft.com/office/drawing/2014/main" id="{A1DD2B03-B074-4B8C-8996-1C8859DB1E8A}"/>
-              </a:ext>
-            </a:extLst>
-          </p:cNvPr>
-          <p:cNvCxnSpPr>
-            <a:cxnSpLocks/>
-            <a:stCxn id="15" idx="3"/>
-          </p:cNvCxnSpPr>
-          <p:nvPr/>
-        </p:nvCxnSpPr>
-        <p:spPr>
-          <a:xfrm>
-            <a:off x="8276042" y="5596245"/>
-            <a:ext cx="2778770" cy="0"/>
-          </a:xfrm>
-          <a:prstGeom prst="line">
-            <a:avLst/>
-          </a:prstGeom>
-          <a:ln w="38100">
-            <a:solidFill>
-              <a:schemeClr val="accent1"/>
-            </a:solidFill>
-          </a:ln>
-        </p:spPr>
-        <p:style>
-          <a:lnRef idx="1">
-            <a:schemeClr val="accent1"/>
-          </a:lnRef>
-          <a:fillRef idx="0">
-            <a:schemeClr val="accent1"/>
-          </a:fillRef>
-          <a:effectRef idx="0">
-            <a:schemeClr val="accent1"/>
-          </a:effectRef>
-          <a:fontRef idx="minor">
-            <a:schemeClr val="tx1"/>
-          </a:fontRef>
-        </p:style>
-      </p:cxnSp>
-      <p:cxnSp>
-        <p:nvCxnSpPr>
-          <p:cNvPr id="27" name="Straight Connector 26">
-            <a:extLst>
-              <a:ext uri="{FF2B5EF4-FFF2-40B4-BE49-F238E27FC236}">
-                <a16:creationId xmlns:a16="http://schemas.microsoft.com/office/drawing/2014/main" id="{37A94C14-EF36-4EED-81C7-4EC21430D60A}"/>
-              </a:ext>
-            </a:extLst>
-          </p:cNvPr>
-          <p:cNvCxnSpPr>
-            <a:cxnSpLocks/>
-          </p:cNvCxnSpPr>
-          <p:nvPr/>
-        </p:nvCxnSpPr>
-        <p:spPr>
-          <a:xfrm>
-            <a:off x="9161495" y="5286032"/>
-            <a:ext cx="0" cy="320040"/>
-          </a:xfrm>
-          <a:prstGeom prst="line">
-            <a:avLst/>
-          </a:prstGeom>
-          <a:ln w="38100">
-            <a:solidFill>
-              <a:schemeClr val="accent1"/>
-            </a:solidFill>
-          </a:ln>
-        </p:spPr>
-        <p:style>
-          <a:lnRef idx="1">
-            <a:schemeClr val="accent1"/>
-          </a:lnRef>
-          <a:fillRef idx="0">
-            <a:schemeClr val="accent1"/>
-          </a:fillRef>
-          <a:effectRef idx="0">
-            <a:schemeClr val="accent1"/>
-          </a:effectRef>
-          <a:fontRef idx="minor">
-            <a:schemeClr val="tx1"/>
-          </a:fontRef>
-        </p:style>
-      </p:cxnSp>
-      <p:cxnSp>
-        <p:nvCxnSpPr>
-          <p:cNvPr id="28" name="Straight Connector 27">
-            <a:extLst>
-              <a:ext uri="{FF2B5EF4-FFF2-40B4-BE49-F238E27FC236}">
-                <a16:creationId xmlns:a16="http://schemas.microsoft.com/office/drawing/2014/main" id="{B5535A0D-BA9A-4DFB-B3D1-5123CB9A9F34}"/>
-              </a:ext>
-            </a:extLst>
-          </p:cNvPr>
-          <p:cNvCxnSpPr>
-            <a:cxnSpLocks/>
-          </p:cNvCxnSpPr>
-          <p:nvPr/>
-        </p:nvCxnSpPr>
-        <p:spPr>
-          <a:xfrm>
-            <a:off x="10200883" y="5286032"/>
-            <a:ext cx="0" cy="320040"/>
-          </a:xfrm>
-          <a:prstGeom prst="line">
-            <a:avLst/>
-          </a:prstGeom>
-          <a:ln w="38100">
-            <a:solidFill>
-              <a:schemeClr val="accent1"/>
-            </a:solidFill>
-          </a:ln>
-        </p:spPr>
-        <p:style>
-          <a:lnRef idx="1">
-            <a:schemeClr val="accent1"/>
-          </a:lnRef>
-          <a:fillRef idx="0">
-            <a:schemeClr val="accent1"/>
-          </a:fillRef>
-          <a:effectRef idx="0">
-            <a:schemeClr val="accent1"/>
-          </a:effectRef>
-          <a:fontRef idx="minor">
-            <a:schemeClr val="tx1"/>
-          </a:fontRef>
-        </p:style>
-      </p:cxnSp>
-      <p:sp>
-        <p:nvSpPr>
-          <p:cNvPr id="31" name="TextBox 30">
-            <a:extLst>
-              <a:ext uri="{FF2B5EF4-FFF2-40B4-BE49-F238E27FC236}">
-                <a16:creationId xmlns:a16="http://schemas.microsoft.com/office/drawing/2014/main" id="{00D41994-6D48-4013-8DDF-76EF38A46BEE}"/>
-              </a:ext>
-            </a:extLst>
-          </p:cNvPr>
-          <p:cNvSpPr txBox="1"/>
-          <p:nvPr/>
-        </p:nvSpPr>
-        <p:spPr>
-          <a:xfrm>
-            <a:off x="4919695" y="5821925"/>
-            <a:ext cx="830933" cy="276999"/>
-          </a:xfrm>
-          <a:prstGeom prst="rect">
-            <a:avLst/>
-          </a:prstGeom>
-          <a:noFill/>
-        </p:spPr>
-        <p:txBody>
-          <a:bodyPr wrap="none" rtlCol="0">
-            <a:spAutoFit/>
-          </a:bodyPr>
-          <a:lstStyle/>
-          <a:p>
-            <a:r>
-              <a:rPr lang="en-US" sz="1200" dirty="0"/>
-              <a:t>Dev-</a:t>
-            </a:r>
-            <a:r>
-              <a:rPr lang="en-US" sz="1200" dirty="0" err="1"/>
-              <a:t>Vnet</a:t>
-            </a:r>
-            <a:endParaRPr lang="en-US" sz="1200" dirty="0"/>
-          </a:p>
-        </p:txBody>
-      </p:sp>
-      <p:sp>
-        <p:nvSpPr>
-          <p:cNvPr id="32" name="TextBox 31">
-            <a:extLst>
-              <a:ext uri="{FF2B5EF4-FFF2-40B4-BE49-F238E27FC236}">
-                <a16:creationId xmlns:a16="http://schemas.microsoft.com/office/drawing/2014/main" id="{5DAFE9AD-C50D-4B94-87BC-018F1C34362F}"/>
-              </a:ext>
-            </a:extLst>
-          </p:cNvPr>
-          <p:cNvSpPr txBox="1"/>
-          <p:nvPr/>
-        </p:nvSpPr>
-        <p:spPr>
-          <a:xfrm>
-            <a:off x="7462832" y="5821925"/>
-            <a:ext cx="796693" cy="276999"/>
-          </a:xfrm>
-          <a:prstGeom prst="rect">
-            <a:avLst/>
-          </a:prstGeom>
-          <a:noFill/>
-        </p:spPr>
-        <p:txBody>
-          <a:bodyPr wrap="none" rtlCol="0">
-            <a:spAutoFit/>
-          </a:bodyPr>
-          <a:lstStyle/>
-          <a:p>
-            <a:r>
-              <a:rPr lang="en-US" sz="1200" dirty="0" err="1"/>
-              <a:t>Prd-Vnet</a:t>
-            </a:r>
-            <a:endParaRPr lang="en-US" sz="1200" dirty="0"/>
-          </a:p>
-        </p:txBody>
-      </p:sp>
-      <p:sp>
-        <p:nvSpPr>
-          <p:cNvPr id="33" name="TextBox 32">
-            <a:extLst>
-              <a:ext uri="{FF2B5EF4-FFF2-40B4-BE49-F238E27FC236}">
-                <a16:creationId xmlns:a16="http://schemas.microsoft.com/office/drawing/2014/main" id="{C92B9D98-5F8E-44D7-ADB1-D23713ACA599}"/>
-              </a:ext>
-            </a:extLst>
-          </p:cNvPr>
-          <p:cNvSpPr txBox="1"/>
-          <p:nvPr/>
-        </p:nvSpPr>
-        <p:spPr>
-          <a:xfrm>
-            <a:off x="8807389" y="5063939"/>
-            <a:ext cx="727315" cy="276999"/>
-          </a:xfrm>
-          <a:prstGeom prst="rect">
-            <a:avLst/>
-          </a:prstGeom>
-          <a:noFill/>
-        </p:spPr>
-        <p:txBody>
-          <a:bodyPr wrap="none" rtlCol="0">
-            <a:spAutoFit/>
-          </a:bodyPr>
-          <a:lstStyle/>
-          <a:p>
-            <a:r>
-              <a:rPr lang="en-US" sz="1200" dirty="0"/>
-              <a:t>Web 01</a:t>
-            </a:r>
-          </a:p>
-        </p:txBody>
-      </p:sp>
-      <p:sp>
-        <p:nvSpPr>
-          <p:cNvPr id="35" name="TextBox 34">
-            <a:extLst>
-              <a:ext uri="{FF2B5EF4-FFF2-40B4-BE49-F238E27FC236}">
-                <a16:creationId xmlns:a16="http://schemas.microsoft.com/office/drawing/2014/main" id="{CBB59810-83DD-4210-8567-3057D44EC135}"/>
-              </a:ext>
-            </a:extLst>
-          </p:cNvPr>
-          <p:cNvSpPr txBox="1"/>
-          <p:nvPr/>
-        </p:nvSpPr>
-        <p:spPr>
-          <a:xfrm>
-            <a:off x="5695392" y="3323499"/>
-            <a:ext cx="764953" cy="276999"/>
-          </a:xfrm>
-          <a:prstGeom prst="rect">
-            <a:avLst/>
-          </a:prstGeom>
-          <a:noFill/>
-        </p:spPr>
-        <p:txBody>
-          <a:bodyPr wrap="none" rtlCol="0">
-            <a:spAutoFit/>
-          </a:bodyPr>
-          <a:lstStyle/>
-          <a:p>
-            <a:r>
-              <a:rPr lang="en-US" sz="1200" dirty="0"/>
-              <a:t>Dev-</a:t>
-            </a:r>
-            <a:r>
-              <a:rPr lang="en-US" sz="1200" dirty="0" err="1"/>
-              <a:t>nsg</a:t>
-            </a:r>
-            <a:endParaRPr lang="en-US" sz="1200" dirty="0"/>
-          </a:p>
-        </p:txBody>
-      </p:sp>
-      <p:sp>
-        <p:nvSpPr>
-          <p:cNvPr id="36" name="TextBox 35">
-            <a:extLst>
-              <a:ext uri="{FF2B5EF4-FFF2-40B4-BE49-F238E27FC236}">
-                <a16:creationId xmlns:a16="http://schemas.microsoft.com/office/drawing/2014/main" id="{401DB9B0-0CF3-40AE-AB1E-24B8F82FCC07}"/>
-              </a:ext>
-            </a:extLst>
-          </p:cNvPr>
-          <p:cNvSpPr txBox="1"/>
-          <p:nvPr/>
-        </p:nvSpPr>
-        <p:spPr>
-          <a:xfrm>
-            <a:off x="5865393" y="5677845"/>
-            <a:ext cx="1124860" cy="276999"/>
-          </a:xfrm>
-          <a:prstGeom prst="rect">
-            <a:avLst/>
-          </a:prstGeom>
-          <a:noFill/>
-        </p:spPr>
-        <p:txBody>
-          <a:bodyPr wrap="none" rtlCol="0">
-            <a:spAutoFit/>
-          </a:bodyPr>
-          <a:lstStyle/>
-          <a:p>
-            <a:r>
-              <a:rPr lang="en-US" sz="1200" dirty="0"/>
-              <a:t>Web (subnet)</a:t>
-            </a:r>
-          </a:p>
-        </p:txBody>
-      </p:sp>
-      <p:grpSp>
-        <p:nvGrpSpPr>
-          <p:cNvPr id="37" name="Group 36">
-            <a:extLst>
-              <a:ext uri="{FF2B5EF4-FFF2-40B4-BE49-F238E27FC236}">
-                <a16:creationId xmlns:a16="http://schemas.microsoft.com/office/drawing/2014/main" id="{7A8DA571-9686-4CE0-91BE-BA8FD531C43B}"/>
-              </a:ext>
-            </a:extLst>
-          </p:cNvPr>
-          <p:cNvGrpSpPr/>
-          <p:nvPr/>
-        </p:nvGrpSpPr>
-        <p:grpSpPr>
-          <a:xfrm>
-            <a:off x="3702687" y="3095103"/>
-            <a:ext cx="1158009" cy="1080327"/>
-            <a:chOff x="3728999" y="3095103"/>
-            <a:chExt cx="1158009" cy="1080327"/>
-          </a:xfrm>
-        </p:grpSpPr>
-        <p:pic>
-          <p:nvPicPr>
-            <p:cNvPr id="48" name="Picture 47">
-              <a:extLst>
-                <a:ext uri="{FF2B5EF4-FFF2-40B4-BE49-F238E27FC236}">
-                  <a16:creationId xmlns:a16="http://schemas.microsoft.com/office/drawing/2014/main" id="{B5E6CDA5-E295-49D0-B8E7-F83C906B0F78}"/>
-                </a:ext>
-              </a:extLst>
-            </p:cNvPr>
-            <p:cNvPicPr>
-              <a:picLocks noChangeAspect="1"/>
-            </p:cNvPicPr>
-            <p:nvPr/>
-          </p:nvPicPr>
-          <p:blipFill>
-            <a:blip r:embed="rId9">
-              <a:extLst>
-                <a:ext uri="{28A0092B-C50C-407E-A947-70E740481C1C}">
-                  <a14:useLocalDpi xmlns:a14="http://schemas.microsoft.com/office/drawing/2010/main" val="0"/>
-                </a:ext>
-              </a:extLst>
-            </a:blip>
-            <a:stretch>
-              <a:fillRect/>
-            </a:stretch>
-          </p:blipFill>
-          <p:spPr>
-            <a:xfrm>
-              <a:off x="3917858" y="3095103"/>
-              <a:ext cx="780290" cy="780290"/>
-            </a:xfrm>
-            <a:prstGeom prst="rect">
-              <a:avLst/>
-            </a:prstGeom>
-          </p:spPr>
-        </p:pic>
-        <p:sp>
-          <p:nvSpPr>
-            <p:cNvPr id="50" name="TextBox 49">
-              <a:extLst>
-                <a:ext uri="{FF2B5EF4-FFF2-40B4-BE49-F238E27FC236}">
-                  <a16:creationId xmlns:a16="http://schemas.microsoft.com/office/drawing/2014/main" id="{D08C64B1-E542-4DDA-BAEC-E4BE398F9871}"/>
-                </a:ext>
-              </a:extLst>
-            </p:cNvPr>
-            <p:cNvSpPr txBox="1"/>
-            <p:nvPr/>
-          </p:nvSpPr>
-          <p:spPr>
-            <a:xfrm>
-              <a:off x="3728999" y="3898431"/>
-              <a:ext cx="1158009" cy="276999"/>
-            </a:xfrm>
-            <a:prstGeom prst="rect">
-              <a:avLst/>
-            </a:prstGeom>
-            <a:noFill/>
-          </p:spPr>
-          <p:txBody>
-            <a:bodyPr wrap="none" rtlCol="0">
-              <a:spAutoFit/>
-            </a:bodyPr>
-            <a:lstStyle/>
-            <a:p>
-              <a:r>
-                <a:rPr lang="en-US" sz="1200" dirty="0"/>
-                <a:t>Custom img.1</a:t>
-              </a:r>
-            </a:p>
-          </p:txBody>
-        </p:sp>
-      </p:grpSp>
-      <p:pic>
-        <p:nvPicPr>
-          <p:cNvPr id="40" name="Picture 39">
-            <a:extLst>
-              <a:ext uri="{FF2B5EF4-FFF2-40B4-BE49-F238E27FC236}">
-                <a16:creationId xmlns:a16="http://schemas.microsoft.com/office/drawing/2014/main" id="{2E0EDBA7-3C36-433B-8704-935C75F30946}"/>
-              </a:ext>
-            </a:extLst>
-          </p:cNvPr>
-          <p:cNvPicPr>
-            <a:picLocks noChangeAspect="1"/>
-          </p:cNvPicPr>
-          <p:nvPr/>
-        </p:nvPicPr>
-        <p:blipFill>
-          <a:blip r:embed="rId5">
-            <a:extLst>
-              <a:ext uri="{28A0092B-C50C-407E-A947-70E740481C1C}">
-                <a14:useLocalDpi xmlns:a14="http://schemas.microsoft.com/office/drawing/2010/main" val="0"/>
-              </a:ext>
-            </a:extLst>
-          </a:blip>
-          <a:stretch>
-            <a:fillRect/>
-          </a:stretch>
-        </p:blipFill>
-        <p:spPr>
-          <a:xfrm>
-            <a:off x="7898881" y="3486994"/>
-            <a:ext cx="780290" cy="780290"/>
-          </a:xfrm>
-          <a:prstGeom prst="rect">
-            <a:avLst/>
-          </a:prstGeom>
-        </p:spPr>
-      </p:pic>
-      <p:sp>
-        <p:nvSpPr>
-          <p:cNvPr id="41" name="TextBox 40">
-            <a:extLst>
-              <a:ext uri="{FF2B5EF4-FFF2-40B4-BE49-F238E27FC236}">
-                <a16:creationId xmlns:a16="http://schemas.microsoft.com/office/drawing/2014/main" id="{CD924B14-B8E3-4758-9735-13834041362A}"/>
-              </a:ext>
-            </a:extLst>
-          </p:cNvPr>
-          <p:cNvSpPr txBox="1"/>
-          <p:nvPr/>
-        </p:nvSpPr>
-        <p:spPr>
-          <a:xfrm>
-            <a:off x="8267370" y="3314253"/>
-            <a:ext cx="730713" cy="276999"/>
-          </a:xfrm>
-          <a:prstGeom prst="rect">
-            <a:avLst/>
-          </a:prstGeom>
-          <a:noFill/>
-        </p:spPr>
-        <p:txBody>
-          <a:bodyPr wrap="none" rtlCol="0">
-            <a:spAutoFit/>
-          </a:bodyPr>
-          <a:lstStyle/>
-          <a:p>
-            <a:r>
-              <a:rPr lang="en-US" sz="1200" dirty="0" err="1"/>
-              <a:t>Prd-nsg</a:t>
-            </a:r>
-            <a:endParaRPr lang="en-US" sz="1200" dirty="0"/>
-          </a:p>
-        </p:txBody>
-      </p:sp>
-      <p:sp>
-        <p:nvSpPr>
-          <p:cNvPr id="45" name="TextBox 44">
-            <a:extLst>
-              <a:ext uri="{FF2B5EF4-FFF2-40B4-BE49-F238E27FC236}">
-                <a16:creationId xmlns:a16="http://schemas.microsoft.com/office/drawing/2014/main" id="{4622B087-0100-4C94-82A9-B7760E7FCCA0}"/>
-              </a:ext>
-            </a:extLst>
-          </p:cNvPr>
-          <p:cNvSpPr txBox="1"/>
-          <p:nvPr/>
-        </p:nvSpPr>
-        <p:spPr>
-          <a:xfrm>
-            <a:off x="9944526" y="4275595"/>
-            <a:ext cx="1200906" cy="276999"/>
-          </a:xfrm>
-          <a:prstGeom prst="rect">
-            <a:avLst/>
-          </a:prstGeom>
-          <a:noFill/>
-        </p:spPr>
-        <p:txBody>
-          <a:bodyPr wrap="none" rtlCol="0">
-            <a:spAutoFit/>
-          </a:bodyPr>
-          <a:lstStyle/>
-          <a:p>
-            <a:r>
-              <a:rPr lang="en-US" sz="1200" dirty="0"/>
-              <a:t>Availability Set</a:t>
-            </a:r>
-          </a:p>
-        </p:txBody>
-      </p:sp>
-      <p:sp>
-        <p:nvSpPr>
-          <p:cNvPr id="46" name="TextBox 45">
-            <a:extLst>
-              <a:ext uri="{FF2B5EF4-FFF2-40B4-BE49-F238E27FC236}">
-                <a16:creationId xmlns:a16="http://schemas.microsoft.com/office/drawing/2014/main" id="{15914D66-0A97-44CD-8113-9A8E875C0F32}"/>
-              </a:ext>
-            </a:extLst>
-          </p:cNvPr>
-          <p:cNvSpPr txBox="1"/>
-          <p:nvPr/>
-        </p:nvSpPr>
-        <p:spPr>
-          <a:xfrm>
-            <a:off x="10043166" y="5677845"/>
-            <a:ext cx="1124860" cy="276999"/>
-          </a:xfrm>
-          <a:prstGeom prst="rect">
-            <a:avLst/>
-          </a:prstGeom>
-          <a:noFill/>
-        </p:spPr>
-        <p:txBody>
-          <a:bodyPr wrap="none" rtlCol="0">
-            <a:spAutoFit/>
-          </a:bodyPr>
-          <a:lstStyle/>
-          <a:p>
-            <a:r>
-              <a:rPr lang="en-US" sz="1200" dirty="0"/>
-              <a:t>Web (subnet)</a:t>
-            </a:r>
-          </a:p>
-        </p:txBody>
-      </p:sp>
-    </p:spTree>
-    <p:extLst>
-      <p:ext uri="{BB962C8B-B14F-4D97-AF65-F5344CB8AC3E}">
-        <p14:creationId xmlns:p14="http://schemas.microsoft.com/office/powerpoint/2010/main" val="4150019125"/>
-      </p:ext>
-    </p:extLst>
-  </p:cSld>
-  <p:clrMapOvr>
-    <a:masterClrMapping/>
-  </p:clrMapOvr>
-</p:sld>
-</file>
-
-<file path=ppt/slides/slide11.xml><?xml version="1.0" encoding="utf-8"?>
-<p:sld xmlns:a="http://schemas.openxmlformats.org/drawingml/2006/main" xmlns:r="http://schemas.openxmlformats.org/officeDocument/2006/relationships" xmlns:p="http://schemas.openxmlformats.org/presentationml/2006/main">
-  <p:cSld>
-    <p:spTree>
-      <p:nvGrpSpPr>
-        <p:cNvPr id="1" name=""/>
-        <p:cNvGrpSpPr/>
-        <p:nvPr/>
-      </p:nvGrpSpPr>
-      <p:grpSpPr>
-        <a:xfrm>
-          <a:off x="0" y="0"/>
-          <a:ext cx="0" cy="0"/>
-          <a:chOff x="0" y="0"/>
-          <a:chExt cx="0" cy="0"/>
-        </a:xfrm>
-      </p:grpSpPr>
-      <p:sp>
-        <p:nvSpPr>
-          <p:cNvPr id="2" name="Title 1">
-            <a:extLst>
-              <a:ext uri="{FF2B5EF4-FFF2-40B4-BE49-F238E27FC236}">
-                <a16:creationId xmlns:a16="http://schemas.microsoft.com/office/drawing/2014/main" id="{C27A62A0-E3E3-4DCB-BBC5-63FDB474798C}"/>
-              </a:ext>
-            </a:extLst>
-          </p:cNvPr>
-          <p:cNvSpPr>
-            <a:spLocks noGrp="1"/>
-          </p:cNvSpPr>
-          <p:nvPr>
-            <p:ph type="title"/>
-          </p:nvPr>
-        </p:nvSpPr>
-        <p:spPr/>
-        <p:txBody>
-          <a:bodyPr/>
-          <a:lstStyle/>
-          <a:p>
-            <a:r>
-              <a:rPr lang="en-US" dirty="0"/>
-              <a:t>Workshop Scenario</a:t>
-            </a:r>
-          </a:p>
-        </p:txBody>
-      </p:sp>
-      <p:sp>
-        <p:nvSpPr>
-          <p:cNvPr id="3" name="Content Placeholder 2">
-            <a:extLst>
-              <a:ext uri="{FF2B5EF4-FFF2-40B4-BE49-F238E27FC236}">
-                <a16:creationId xmlns:a16="http://schemas.microsoft.com/office/drawing/2014/main" id="{5C351E07-3D78-4561-8477-B8F12B98225E}"/>
-              </a:ext>
-            </a:extLst>
-          </p:cNvPr>
-          <p:cNvSpPr>
-            <a:spLocks noGrp="1"/>
-          </p:cNvSpPr>
-          <p:nvPr>
-            <p:ph idx="1"/>
-          </p:nvPr>
-        </p:nvSpPr>
-        <p:spPr>
-          <a:ln>
-            <a:solidFill>
-              <a:schemeClr val="bg1">
-                <a:lumMod val="50000"/>
-              </a:schemeClr>
-            </a:solidFill>
-          </a:ln>
-        </p:spPr>
-        <p:txBody>
-          <a:bodyPr/>
-          <a:lstStyle/>
-          <a:p>
-            <a:pPr marL="0" indent="0">
-              <a:buNone/>
-            </a:pPr>
-            <a:r>
-              <a:rPr lang="en-US" dirty="0"/>
-              <a:t> </a:t>
-            </a:r>
-          </a:p>
-        </p:txBody>
-      </p:sp>
-      <p:sp>
-        <p:nvSpPr>
-          <p:cNvPr id="4" name="Text Placeholder 3">
-            <a:extLst>
-              <a:ext uri="{FF2B5EF4-FFF2-40B4-BE49-F238E27FC236}">
-                <a16:creationId xmlns:a16="http://schemas.microsoft.com/office/drawing/2014/main" id="{09E79592-AC01-4B52-8C3A-216E9F84829F}"/>
-              </a:ext>
-            </a:extLst>
-          </p:cNvPr>
-          <p:cNvSpPr>
-            <a:spLocks noGrp="1"/>
-          </p:cNvSpPr>
-          <p:nvPr>
-            <p:ph type="body" sz="quarter" idx="10"/>
-          </p:nvPr>
-        </p:nvSpPr>
-        <p:spPr/>
-        <p:txBody>
-          <a:bodyPr/>
-          <a:lstStyle/>
-          <a:p>
-            <a:r>
-              <a:rPr lang="en-US" dirty="0"/>
               <a:t>v. </a:t>
             </a:r>
             <a:r>
@@ -6506,7 +4994,7 @@
 </p:sld>
 </file>
 
-<file path=ppt/slides/slide12.xml><?xml version="1.0" encoding="utf-8"?>
+<file path=ppt/slides/slide11.xml><?xml version="1.0" encoding="utf-8"?>
 <p:sld xmlns:a="http://schemas.openxmlformats.org/drawingml/2006/main" xmlns:r="http://schemas.openxmlformats.org/officeDocument/2006/relationships" xmlns:p="http://schemas.openxmlformats.org/presentationml/2006/main">
   <p:cSld>
     <p:spTree>
@@ -8686,7 +7174,7 @@
 </p:sld>
 </file>
 
-<file path=ppt/slides/slide13.xml><?xml version="1.0" encoding="utf-8"?>
+<file path=ppt/slides/slide12.xml><?xml version="1.0" encoding="utf-8"?>
 <p:sld xmlns:a="http://schemas.openxmlformats.org/drawingml/2006/main" xmlns:r="http://schemas.openxmlformats.org/officeDocument/2006/relationships" xmlns:p="http://schemas.openxmlformats.org/presentationml/2006/main">
   <p:cSld>
     <p:spTree>
@@ -8887,10 +7375,9 @@
           <a:lstStyle/>
           <a:p>
             <a:r>
-              <a:rPr lang="en-US"/>
+              <a:rPr lang="en-US" dirty="0"/>
               <a:t>Hands on lab scenarios</a:t>
             </a:r>
-            <a:endParaRPr lang="en-US" dirty="0"/>
           </a:p>
         </p:txBody>
       </p:sp>
@@ -8915,6 +7402,78 @@
           <a:bodyPr/>
           <a:lstStyle/>
           <a:p>
+            <a:pPr marL="342900" indent="-342900">
+              <a:lnSpc>
+                <a:spcPct val="200000"/>
+              </a:lnSpc>
+              <a:buFont typeface="+mj-lt"/>
+              <a:buAutoNum type="arabicPeriod"/>
+            </a:pPr>
+            <a:r>
+              <a:rPr lang="en-US" dirty="0"/>
+              <a:t>Create Virtual Network</a:t>
+            </a:r>
+          </a:p>
+          <a:p>
+            <a:pPr marL="342900" indent="-342900">
+              <a:lnSpc>
+                <a:spcPct val="200000"/>
+              </a:lnSpc>
+              <a:buFont typeface="+mj-lt"/>
+              <a:buAutoNum type="arabicPeriod"/>
+            </a:pPr>
+            <a:r>
+              <a:rPr lang="en-US" dirty="0"/>
+              <a:t>Create web app dev/test VM</a:t>
+            </a:r>
+          </a:p>
+          <a:p>
+            <a:pPr marL="342900" indent="-342900">
+              <a:lnSpc>
+                <a:spcPct val="200000"/>
+              </a:lnSpc>
+              <a:buFont typeface="+mj-lt"/>
+              <a:buAutoNum type="arabicPeriod"/>
+            </a:pPr>
+            <a:r>
+              <a:rPr lang="en-US" dirty="0"/>
+              <a:t>Capture customized VM images</a:t>
+            </a:r>
+          </a:p>
+          <a:p>
+            <a:pPr marL="342900" indent="-342900">
+              <a:lnSpc>
+                <a:spcPct val="200000"/>
+              </a:lnSpc>
+              <a:buFont typeface="+mj-lt"/>
+              <a:buAutoNum type="arabicPeriod"/>
+            </a:pPr>
+            <a:r>
+              <a:rPr lang="en-US" dirty="0"/>
+              <a:t>Create web servers from custom VM image</a:t>
+            </a:r>
+          </a:p>
+          <a:p>
+            <a:pPr marL="342900" indent="-342900">
+              <a:lnSpc>
+                <a:spcPct val="200000"/>
+              </a:lnSpc>
+              <a:buFont typeface="+mj-lt"/>
+              <a:buAutoNum type="arabicPeriod"/>
+            </a:pPr>
+            <a:r>
+              <a:rPr lang="en-US" dirty="0"/>
+              <a:t>(Optional) Create load balancer</a:t>
+            </a:r>
+          </a:p>
+          <a:p>
+            <a:pPr marL="342900" indent="-342900">
+              <a:lnSpc>
+                <a:spcPct val="200000"/>
+              </a:lnSpc>
+              <a:buFont typeface="+mj-lt"/>
+              <a:buAutoNum type="arabicPeriod"/>
+            </a:pPr>
             <a:endParaRPr lang="en-US" dirty="0"/>
           </a:p>
         </p:txBody>
@@ -8940,14 +7499,17 @@
           <a:bodyPr/>
           <a:lstStyle/>
           <a:p>
-            <a:endParaRPr lang="en-US" dirty="0"/>
+            <a:r>
+              <a:rPr lang="en-US" dirty="0"/>
+              <a:t>Steps</a:t>
+            </a:r>
           </a:p>
         </p:txBody>
       </p:sp>
     </p:spTree>
     <p:extLst>
       <p:ext uri="{BB962C8B-B14F-4D97-AF65-F5344CB8AC3E}">
-        <p14:creationId xmlns:p14="http://schemas.microsoft.com/office/powerpoint/2010/main" val="3532399292"/>
+        <p14:creationId xmlns:p14="http://schemas.microsoft.com/office/powerpoint/2010/main" val="2855891546"/>
       </p:ext>
     </p:extLst>
   </p:cSld>
@@ -8997,7 +7559,7 @@
           <a:p>
             <a:r>
               <a:rPr lang="en-US" dirty="0"/>
-              <a:t>Hands on lab scenarios</a:t>
+              <a:t>Workshop Scenario</a:t>
             </a:r>
           </a:p>
         </p:txBody>
@@ -9018,84 +7580,26 @@
             <p:ph idx="1"/>
           </p:nvPr>
         </p:nvSpPr>
-        <p:spPr/>
+        <p:spPr>
+          <a:ln>
+            <a:solidFill>
+              <a:schemeClr val="bg1">
+                <a:lumMod val="50000"/>
+              </a:schemeClr>
+            </a:solidFill>
+          </a:ln>
+        </p:spPr>
         <p:txBody>
           <a:bodyPr/>
           <a:lstStyle/>
           <a:p>
-            <a:pPr marL="342900" indent="-342900">
-              <a:lnSpc>
-                <a:spcPct val="200000"/>
-              </a:lnSpc>
-              <a:buFont typeface="+mj-lt"/>
-              <a:buAutoNum type="arabicPeriod"/>
+            <a:pPr marL="0" indent="0">
+              <a:buNone/>
             </a:pPr>
             <a:r>
               <a:rPr lang="en-US" dirty="0"/>
-              <a:t>Create Virtual Network</a:t>
-            </a:r>
-          </a:p>
-          <a:p>
-            <a:pPr marL="342900" indent="-342900">
-              <a:lnSpc>
-                <a:spcPct val="200000"/>
-              </a:lnSpc>
-              <a:buFont typeface="+mj-lt"/>
-              <a:buAutoNum type="arabicPeriod"/>
-            </a:pPr>
-            <a:r>
-              <a:rPr lang="en-US" dirty="0"/>
-              <a:t>Create web app dev/test VM</a:t>
-            </a:r>
-          </a:p>
-          <a:p>
-            <a:pPr marL="342900" indent="-342900">
-              <a:lnSpc>
-                <a:spcPct val="200000"/>
-              </a:lnSpc>
-              <a:buFont typeface="+mj-lt"/>
-              <a:buAutoNum type="arabicPeriod"/>
-            </a:pPr>
-            <a:r>
-              <a:rPr lang="en-US" dirty="0"/>
-              <a:t>Capture customized VM images</a:t>
-            </a:r>
-          </a:p>
-          <a:p>
-            <a:pPr marL="342900" indent="-342900">
-              <a:lnSpc>
-                <a:spcPct val="200000"/>
-              </a:lnSpc>
-              <a:buFont typeface="+mj-lt"/>
-              <a:buAutoNum type="arabicPeriod"/>
-            </a:pPr>
-            <a:r>
-              <a:rPr lang="en-US" dirty="0"/>
-              <a:t>Create web servers from custom VM image</a:t>
-            </a:r>
-          </a:p>
-          <a:p>
-            <a:pPr marL="342900" indent="-342900">
-              <a:lnSpc>
-                <a:spcPct val="200000"/>
-              </a:lnSpc>
-              <a:buFont typeface="+mj-lt"/>
-              <a:buAutoNum type="arabicPeriod"/>
-            </a:pPr>
-            <a:r>
-              <a:rPr lang="en-US" dirty="0"/>
-              <a:t>(Optional) Create load balancer</a:t>
-            </a:r>
-          </a:p>
-          <a:p>
-            <a:pPr marL="342900" indent="-342900">
-              <a:lnSpc>
-                <a:spcPct val="200000"/>
-              </a:lnSpc>
-              <a:buFont typeface="+mj-lt"/>
-              <a:buAutoNum type="arabicPeriod"/>
-            </a:pPr>
-            <a:endParaRPr lang="en-US" dirty="0"/>
+              <a:t> </a:t>
+            </a:r>
           </a:p>
         </p:txBody>
       </p:sp>
@@ -9122,7 +7626,528 @@
           <a:p>
             <a:r>
               <a:rPr lang="en-US" dirty="0"/>
-              <a:t>Steps</a:t>
+              <a:t>i. Create Virtual Network</a:t>
+            </a:r>
+          </a:p>
+        </p:txBody>
+      </p:sp>
+      <p:sp>
+        <p:nvSpPr>
+          <p:cNvPr id="6" name="Rectangle: Rounded Corners 5">
+            <a:extLst>
+              <a:ext uri="{FF2B5EF4-FFF2-40B4-BE49-F238E27FC236}">
+                <a16:creationId xmlns:a16="http://schemas.microsoft.com/office/drawing/2014/main" id="{CD041368-1E30-4AB4-A266-7055F86A716C}"/>
+              </a:ext>
+            </a:extLst>
+          </p:cNvPr>
+          <p:cNvSpPr/>
+          <p:nvPr/>
+        </p:nvSpPr>
+        <p:spPr>
+          <a:xfrm>
+            <a:off x="4865052" y="2848456"/>
+            <a:ext cx="2451807" cy="3288616"/>
+          </a:xfrm>
+          <a:prstGeom prst="roundRect">
+            <a:avLst>
+              <a:gd name="adj" fmla="val 0"/>
+            </a:avLst>
+          </a:prstGeom>
+          <a:solidFill>
+            <a:schemeClr val="tx2">
+              <a:lumMod val="20000"/>
+              <a:lumOff val="80000"/>
+            </a:schemeClr>
+          </a:solidFill>
+          <a:ln w="12700">
+            <a:noFill/>
+            <a:prstDash val="solid"/>
+          </a:ln>
+        </p:spPr>
+        <p:style>
+          <a:lnRef idx="2">
+            <a:schemeClr val="accent1">
+              <a:shade val="50000"/>
+            </a:schemeClr>
+          </a:lnRef>
+          <a:fillRef idx="1">
+            <a:schemeClr val="accent1"/>
+          </a:fillRef>
+          <a:effectRef idx="0">
+            <a:schemeClr val="accent1"/>
+          </a:effectRef>
+          <a:fontRef idx="minor">
+            <a:schemeClr val="lt1"/>
+          </a:fontRef>
+        </p:style>
+        <p:txBody>
+          <a:bodyPr rtlCol="0" anchor="ctr"/>
+          <a:lstStyle/>
+          <a:p>
+            <a:pPr algn="ctr"/>
+            <a:endParaRPr lang="en-US"/>
+          </a:p>
+        </p:txBody>
+      </p:sp>
+      <p:sp>
+        <p:nvSpPr>
+          <p:cNvPr id="8" name="Rectangle: Rounded Corners 7">
+            <a:extLst>
+              <a:ext uri="{FF2B5EF4-FFF2-40B4-BE49-F238E27FC236}">
+                <a16:creationId xmlns:a16="http://schemas.microsoft.com/office/drawing/2014/main" id="{2B55DF17-F642-4888-B14D-063A5B77283B}"/>
+              </a:ext>
+            </a:extLst>
+          </p:cNvPr>
+          <p:cNvSpPr/>
+          <p:nvPr/>
+        </p:nvSpPr>
+        <p:spPr>
+          <a:xfrm>
+            <a:off x="5712879" y="4162176"/>
+            <a:ext cx="1426119" cy="1819539"/>
+          </a:xfrm>
+          <a:prstGeom prst="roundRect">
+            <a:avLst>
+              <a:gd name="adj" fmla="val 8127"/>
+            </a:avLst>
+          </a:prstGeom>
+          <a:solidFill>
+            <a:schemeClr val="accent1">
+              <a:lumMod val="40000"/>
+              <a:lumOff val="60000"/>
+            </a:schemeClr>
+          </a:solidFill>
+          <a:ln w="12700">
+            <a:noFill/>
+            <a:prstDash val="solid"/>
+          </a:ln>
+        </p:spPr>
+        <p:style>
+          <a:lnRef idx="2">
+            <a:schemeClr val="accent1">
+              <a:shade val="50000"/>
+            </a:schemeClr>
+          </a:lnRef>
+          <a:fillRef idx="1">
+            <a:schemeClr val="accent1"/>
+          </a:fillRef>
+          <a:effectRef idx="0">
+            <a:schemeClr val="accent1"/>
+          </a:effectRef>
+          <a:fontRef idx="minor">
+            <a:schemeClr val="lt1"/>
+          </a:fontRef>
+        </p:style>
+        <p:txBody>
+          <a:bodyPr rtlCol="0" anchor="ctr"/>
+          <a:lstStyle/>
+          <a:p>
+            <a:pPr algn="ctr"/>
+            <a:endParaRPr lang="en-US"/>
+          </a:p>
+        </p:txBody>
+      </p:sp>
+      <p:pic>
+        <p:nvPicPr>
+          <p:cNvPr id="10" name="Picture 9">
+            <a:extLst>
+              <a:ext uri="{FF2B5EF4-FFF2-40B4-BE49-F238E27FC236}">
+                <a16:creationId xmlns:a16="http://schemas.microsoft.com/office/drawing/2014/main" id="{CF07DEDD-8599-4DA7-B5C9-57C95D34F9F9}"/>
+              </a:ext>
+            </a:extLst>
+          </p:cNvPr>
+          <p:cNvPicPr>
+            <a:picLocks noChangeAspect="1"/>
+          </p:cNvPicPr>
+          <p:nvPr/>
+        </p:nvPicPr>
+        <p:blipFill>
+          <a:blip r:embed="rId3">
+            <a:extLst>
+              <a:ext uri="{28A0092B-C50C-407E-A947-70E740481C1C}">
+                <a14:useLocalDpi xmlns:a14="http://schemas.microsoft.com/office/drawing/2010/main" val="0"/>
+              </a:ext>
+            </a:extLst>
+          </a:blip>
+          <a:stretch>
+            <a:fillRect/>
+          </a:stretch>
+        </p:blipFill>
+        <p:spPr>
+          <a:xfrm>
+            <a:off x="3497936" y="1996689"/>
+            <a:ext cx="780290" cy="780290"/>
+          </a:xfrm>
+          <a:prstGeom prst="rect">
+            <a:avLst/>
+          </a:prstGeom>
+        </p:spPr>
+      </p:pic>
+      <p:pic>
+        <p:nvPicPr>
+          <p:cNvPr id="11" name="Picture 10">
+            <a:extLst>
+              <a:ext uri="{FF2B5EF4-FFF2-40B4-BE49-F238E27FC236}">
+                <a16:creationId xmlns:a16="http://schemas.microsoft.com/office/drawing/2014/main" id="{C77AE365-1300-4901-92C2-13A7D0E22051}"/>
+              </a:ext>
+            </a:extLst>
+          </p:cNvPr>
+          <p:cNvPicPr>
+            <a:picLocks noChangeAspect="1"/>
+          </p:cNvPicPr>
+          <p:nvPr/>
+        </p:nvPicPr>
+        <p:blipFill>
+          <a:blip r:embed="rId4">
+            <a:extLst>
+              <a:ext uri="{28A0092B-C50C-407E-A947-70E740481C1C}">
+                <a14:useLocalDpi xmlns:a14="http://schemas.microsoft.com/office/drawing/2010/main" val="0"/>
+              </a:ext>
+            </a:extLst>
+          </a:blip>
+          <a:stretch>
+            <a:fillRect/>
+          </a:stretch>
+        </p:blipFill>
+        <p:spPr>
+          <a:xfrm>
+            <a:off x="1872818" y="1182767"/>
+            <a:ext cx="780290" cy="780290"/>
+          </a:xfrm>
+          <a:prstGeom prst="rect">
+            <a:avLst/>
+          </a:prstGeom>
+        </p:spPr>
+      </p:pic>
+      <p:pic>
+        <p:nvPicPr>
+          <p:cNvPr id="14" name="Picture 13">
+            <a:extLst>
+              <a:ext uri="{FF2B5EF4-FFF2-40B4-BE49-F238E27FC236}">
+                <a16:creationId xmlns:a16="http://schemas.microsoft.com/office/drawing/2014/main" id="{0B5C05E6-25C6-479C-ABED-594D70F28CF0}"/>
+              </a:ext>
+            </a:extLst>
+          </p:cNvPr>
+          <p:cNvPicPr>
+            <a:picLocks noChangeAspect="1"/>
+          </p:cNvPicPr>
+          <p:nvPr/>
+        </p:nvPicPr>
+        <p:blipFill>
+          <a:blip r:embed="rId5">
+            <a:extLst>
+              <a:ext uri="{28A0092B-C50C-407E-A947-70E740481C1C}">
+                <a14:useLocalDpi xmlns:a14="http://schemas.microsoft.com/office/drawing/2010/main" val="0"/>
+              </a:ext>
+            </a:extLst>
+          </a:blip>
+          <a:stretch>
+            <a:fillRect/>
+          </a:stretch>
+        </p:blipFill>
+        <p:spPr>
+          <a:xfrm>
+            <a:off x="4947926" y="5206100"/>
+            <a:ext cx="780290" cy="780290"/>
+          </a:xfrm>
+          <a:prstGeom prst="rect">
+            <a:avLst/>
+          </a:prstGeom>
+        </p:spPr>
+      </p:pic>
+      <p:sp>
+        <p:nvSpPr>
+          <p:cNvPr id="17" name="Rectangle 16">
+            <a:extLst>
+              <a:ext uri="{FF2B5EF4-FFF2-40B4-BE49-F238E27FC236}">
+                <a16:creationId xmlns:a16="http://schemas.microsoft.com/office/drawing/2014/main" id="{5B86A53F-5974-4BD6-8D9C-EC8A539BED44}"/>
+              </a:ext>
+            </a:extLst>
+          </p:cNvPr>
+          <p:cNvSpPr/>
+          <p:nvPr/>
+        </p:nvSpPr>
+        <p:spPr>
+          <a:xfrm>
+            <a:off x="2242521" y="1894585"/>
+            <a:ext cx="9414433" cy="4428834"/>
+          </a:xfrm>
+          <a:prstGeom prst="rect">
+            <a:avLst/>
+          </a:prstGeom>
+          <a:noFill/>
+          <a:ln>
+            <a:solidFill>
+              <a:schemeClr val="bg1">
+                <a:lumMod val="65000"/>
+              </a:schemeClr>
+            </a:solidFill>
+          </a:ln>
+        </p:spPr>
+        <p:style>
+          <a:lnRef idx="2">
+            <a:schemeClr val="accent1">
+              <a:shade val="50000"/>
+            </a:schemeClr>
+          </a:lnRef>
+          <a:fillRef idx="1">
+            <a:schemeClr val="accent1"/>
+          </a:fillRef>
+          <a:effectRef idx="0">
+            <a:schemeClr val="accent1"/>
+          </a:effectRef>
+          <a:fontRef idx="minor">
+            <a:schemeClr val="lt1"/>
+          </a:fontRef>
+        </p:style>
+        <p:txBody>
+          <a:bodyPr rtlCol="0" anchor="ctr"/>
+          <a:lstStyle/>
+          <a:p>
+            <a:pPr algn="ctr"/>
+            <a:endParaRPr lang="en-US"/>
+          </a:p>
+        </p:txBody>
+      </p:sp>
+      <p:sp>
+        <p:nvSpPr>
+          <p:cNvPr id="18" name="TextBox 17">
+            <a:extLst>
+              <a:ext uri="{FF2B5EF4-FFF2-40B4-BE49-F238E27FC236}">
+                <a16:creationId xmlns:a16="http://schemas.microsoft.com/office/drawing/2014/main" id="{3BCBDA14-8853-4AAA-B547-9EF9676AC77E}"/>
+              </a:ext>
+            </a:extLst>
+          </p:cNvPr>
+          <p:cNvSpPr txBox="1"/>
+          <p:nvPr/>
+        </p:nvSpPr>
+        <p:spPr>
+          <a:xfrm>
+            <a:off x="2658920" y="1578939"/>
+            <a:ext cx="1292790" cy="276999"/>
+          </a:xfrm>
+          <a:prstGeom prst="rect">
+            <a:avLst/>
+          </a:prstGeom>
+          <a:noFill/>
+        </p:spPr>
+        <p:txBody>
+          <a:bodyPr wrap="none" rtlCol="0">
+            <a:spAutoFit/>
+          </a:bodyPr>
+          <a:lstStyle/>
+          <a:p>
+            <a:r>
+              <a:rPr lang="en-US" sz="1200" dirty="0"/>
+              <a:t>Microsoft Azure</a:t>
+            </a:r>
+          </a:p>
+        </p:txBody>
+      </p:sp>
+      <p:sp>
+        <p:nvSpPr>
+          <p:cNvPr id="19" name="Rectangle 18">
+            <a:extLst>
+              <a:ext uri="{FF2B5EF4-FFF2-40B4-BE49-F238E27FC236}">
+                <a16:creationId xmlns:a16="http://schemas.microsoft.com/office/drawing/2014/main" id="{7DEF5A3E-6A64-4D7E-A0C0-E3E567F917CE}"/>
+              </a:ext>
+            </a:extLst>
+          </p:cNvPr>
+          <p:cNvSpPr/>
+          <p:nvPr/>
+        </p:nvSpPr>
+        <p:spPr>
+          <a:xfrm>
+            <a:off x="3647358" y="2776979"/>
+            <a:ext cx="7809749" cy="3430092"/>
+          </a:xfrm>
+          <a:prstGeom prst="rect">
+            <a:avLst/>
+          </a:prstGeom>
+          <a:noFill/>
+          <a:ln>
+            <a:solidFill>
+              <a:schemeClr val="bg1">
+                <a:lumMod val="65000"/>
+              </a:schemeClr>
+            </a:solidFill>
+          </a:ln>
+        </p:spPr>
+        <p:style>
+          <a:lnRef idx="2">
+            <a:schemeClr val="accent1">
+              <a:shade val="50000"/>
+            </a:schemeClr>
+          </a:lnRef>
+          <a:fillRef idx="1">
+            <a:schemeClr val="accent1"/>
+          </a:fillRef>
+          <a:effectRef idx="0">
+            <a:schemeClr val="accent1"/>
+          </a:effectRef>
+          <a:fontRef idx="minor">
+            <a:schemeClr val="lt1"/>
+          </a:fontRef>
+        </p:style>
+        <p:txBody>
+          <a:bodyPr rtlCol="0" anchor="ctr"/>
+          <a:lstStyle/>
+          <a:p>
+            <a:pPr algn="ctr"/>
+            <a:endParaRPr lang="en-US"/>
+          </a:p>
+        </p:txBody>
+      </p:sp>
+      <p:sp>
+        <p:nvSpPr>
+          <p:cNvPr id="21" name="TextBox 20">
+            <a:extLst>
+              <a:ext uri="{FF2B5EF4-FFF2-40B4-BE49-F238E27FC236}">
+                <a16:creationId xmlns:a16="http://schemas.microsoft.com/office/drawing/2014/main" id="{FC948A9B-2200-4550-B39B-7EA6FA6EBA40}"/>
+              </a:ext>
+            </a:extLst>
+          </p:cNvPr>
+          <p:cNvSpPr txBox="1"/>
+          <p:nvPr/>
+        </p:nvSpPr>
+        <p:spPr>
+          <a:xfrm>
+            <a:off x="4389917" y="2427959"/>
+            <a:ext cx="1302536" cy="276999"/>
+          </a:xfrm>
+          <a:prstGeom prst="rect">
+            <a:avLst/>
+          </a:prstGeom>
+          <a:noFill/>
+        </p:spPr>
+        <p:txBody>
+          <a:bodyPr wrap="none" rtlCol="0">
+            <a:spAutoFit/>
+          </a:bodyPr>
+          <a:lstStyle/>
+          <a:p>
+            <a:r>
+              <a:rPr lang="en-US" sz="1200" dirty="0"/>
+              <a:t>Resource Group</a:t>
+            </a:r>
+          </a:p>
+        </p:txBody>
+      </p:sp>
+      <p:cxnSp>
+        <p:nvCxnSpPr>
+          <p:cNvPr id="25" name="Straight Connector 24">
+            <a:extLst>
+              <a:ext uri="{FF2B5EF4-FFF2-40B4-BE49-F238E27FC236}">
+                <a16:creationId xmlns:a16="http://schemas.microsoft.com/office/drawing/2014/main" id="{06E32801-4908-4950-B7D3-362B88353AD7}"/>
+              </a:ext>
+            </a:extLst>
+          </p:cNvPr>
+          <p:cNvCxnSpPr>
+            <a:cxnSpLocks/>
+            <a:stCxn id="14" idx="3"/>
+          </p:cNvCxnSpPr>
+          <p:nvPr/>
+        </p:nvCxnSpPr>
+        <p:spPr>
+          <a:xfrm>
+            <a:off x="5728216" y="5596245"/>
+            <a:ext cx="1346653" cy="0"/>
+          </a:xfrm>
+          <a:prstGeom prst="line">
+            <a:avLst/>
+          </a:prstGeom>
+          <a:ln w="38100">
+            <a:solidFill>
+              <a:schemeClr val="accent1"/>
+            </a:solidFill>
+          </a:ln>
+        </p:spPr>
+        <p:style>
+          <a:lnRef idx="1">
+            <a:schemeClr val="accent1"/>
+          </a:lnRef>
+          <a:fillRef idx="0">
+            <a:schemeClr val="accent1"/>
+          </a:fillRef>
+          <a:effectRef idx="0">
+            <a:schemeClr val="accent1"/>
+          </a:effectRef>
+          <a:fontRef idx="minor">
+            <a:schemeClr val="tx1"/>
+          </a:fontRef>
+        </p:style>
+      </p:cxnSp>
+      <p:sp>
+        <p:nvSpPr>
+          <p:cNvPr id="31" name="TextBox 30">
+            <a:extLst>
+              <a:ext uri="{FF2B5EF4-FFF2-40B4-BE49-F238E27FC236}">
+                <a16:creationId xmlns:a16="http://schemas.microsoft.com/office/drawing/2014/main" id="{593C1ED8-CDAB-4561-A9B2-A2D3C990EABD}"/>
+              </a:ext>
+            </a:extLst>
+          </p:cNvPr>
+          <p:cNvSpPr txBox="1"/>
+          <p:nvPr/>
+        </p:nvSpPr>
+        <p:spPr>
+          <a:xfrm>
+            <a:off x="4919695" y="5821925"/>
+            <a:ext cx="830933" cy="276999"/>
+          </a:xfrm>
+          <a:prstGeom prst="rect">
+            <a:avLst/>
+          </a:prstGeom>
+          <a:noFill/>
+        </p:spPr>
+        <p:txBody>
+          <a:bodyPr wrap="none" rtlCol="0">
+            <a:spAutoFit/>
+          </a:bodyPr>
+          <a:lstStyle/>
+          <a:p>
+            <a:r>
+              <a:rPr lang="en-US" sz="1200" dirty="0"/>
+              <a:t>Dev-</a:t>
+            </a:r>
+            <a:r>
+              <a:rPr lang="en-US" sz="1200" dirty="0" err="1"/>
+              <a:t>Vnet</a:t>
+            </a:r>
+            <a:endParaRPr lang="en-US" sz="1200" dirty="0"/>
+          </a:p>
+        </p:txBody>
+      </p:sp>
+      <p:sp>
+        <p:nvSpPr>
+          <p:cNvPr id="36" name="TextBox 35">
+            <a:extLst>
+              <a:ext uri="{FF2B5EF4-FFF2-40B4-BE49-F238E27FC236}">
+                <a16:creationId xmlns:a16="http://schemas.microsoft.com/office/drawing/2014/main" id="{1E30010F-FF3C-4BC7-81C7-2C8AFFD55E77}"/>
+              </a:ext>
+            </a:extLst>
+          </p:cNvPr>
+          <p:cNvSpPr txBox="1"/>
+          <p:nvPr/>
+        </p:nvSpPr>
+        <p:spPr>
+          <a:xfrm>
+            <a:off x="5865393" y="5677845"/>
+            <a:ext cx="1124860" cy="276999"/>
+          </a:xfrm>
+          <a:prstGeom prst="rect">
+            <a:avLst/>
+          </a:prstGeom>
+          <a:noFill/>
+        </p:spPr>
+        <p:txBody>
+          <a:bodyPr wrap="none" rtlCol="0">
+            <a:spAutoFit/>
+          </a:bodyPr>
+          <a:lstStyle/>
+          <a:p>
+            <a:r>
+              <a:rPr lang="en-US" sz="1200" dirty="0"/>
+              <a:t>Web (subnet)</a:t>
             </a:r>
           </a:p>
         </p:txBody>
@@ -9130,7 +8155,7 @@
     </p:spTree>
     <p:extLst>
       <p:ext uri="{BB962C8B-B14F-4D97-AF65-F5344CB8AC3E}">
-        <p14:creationId xmlns:p14="http://schemas.microsoft.com/office/powerpoint/2010/main" val="2855891546"/>
+        <p14:creationId xmlns:p14="http://schemas.microsoft.com/office/powerpoint/2010/main" val="912138101"/>
       </p:ext>
     </p:extLst>
   </p:cSld>
@@ -9247,7 +8272,7 @@
           <a:p>
             <a:r>
               <a:rPr lang="en-US" dirty="0"/>
-              <a:t>i. Create Virtual Network</a:t>
+              <a:t>ii. Manage NSG</a:t>
             </a:r>
           </a:p>
         </p:txBody>
@@ -9257,7 +8282,7 @@
           <p:cNvPr id="6" name="Rectangle: Rounded Corners 5">
             <a:extLst>
               <a:ext uri="{FF2B5EF4-FFF2-40B4-BE49-F238E27FC236}">
-                <a16:creationId xmlns:a16="http://schemas.microsoft.com/office/drawing/2014/main" id="{CD041368-1E30-4AB4-A266-7055F86A716C}"/>
+                <a16:creationId xmlns:a16="http://schemas.microsoft.com/office/drawing/2014/main" id="{ACBB9332-8A5D-4600-8A89-465E6AC8A45D}"/>
               </a:ext>
             </a:extLst>
           </p:cNvPr>
@@ -9315,7 +8340,7 @@
           <p:cNvPr id="8" name="Rectangle: Rounded Corners 7">
             <a:extLst>
               <a:ext uri="{FF2B5EF4-FFF2-40B4-BE49-F238E27FC236}">
-                <a16:creationId xmlns:a16="http://schemas.microsoft.com/office/drawing/2014/main" id="{2B55DF17-F642-4888-B14D-063A5B77283B}"/>
+                <a16:creationId xmlns:a16="http://schemas.microsoft.com/office/drawing/2014/main" id="{34A39BAB-B802-41AA-ADF2-E53F1D522903}"/>
               </a:ext>
             </a:extLst>
           </p:cNvPr>
@@ -9373,7 +8398,7 @@
           <p:cNvPr id="10" name="Picture 9">
             <a:extLst>
               <a:ext uri="{FF2B5EF4-FFF2-40B4-BE49-F238E27FC236}">
-                <a16:creationId xmlns:a16="http://schemas.microsoft.com/office/drawing/2014/main" id="{CF07DEDD-8599-4DA7-B5C9-57C95D34F9F9}"/>
+                <a16:creationId xmlns:a16="http://schemas.microsoft.com/office/drawing/2014/main" id="{945FF9B1-08AB-4D75-B5C9-72C927ABDC4C}"/>
               </a:ext>
             </a:extLst>
           </p:cNvPr>
@@ -9409,7 +8434,7 @@
           <p:cNvPr id="11" name="Picture 10">
             <a:extLst>
               <a:ext uri="{FF2B5EF4-FFF2-40B4-BE49-F238E27FC236}">
-                <a16:creationId xmlns:a16="http://schemas.microsoft.com/office/drawing/2014/main" id="{C77AE365-1300-4901-92C2-13A7D0E22051}"/>
+                <a16:creationId xmlns:a16="http://schemas.microsoft.com/office/drawing/2014/main" id="{46BF554D-6C3E-4083-A2CF-6F96C1B63D08}"/>
               </a:ext>
             </a:extLst>
           </p:cNvPr>
@@ -9442,10 +8467,10 @@
       </p:pic>
       <p:pic>
         <p:nvPicPr>
-          <p:cNvPr id="14" name="Picture 13">
-            <a:extLst>
-              <a:ext uri="{FF2B5EF4-FFF2-40B4-BE49-F238E27FC236}">
-                <a16:creationId xmlns:a16="http://schemas.microsoft.com/office/drawing/2014/main" id="{0B5C05E6-25C6-479C-ABED-594D70F28CF0}"/>
+          <p:cNvPr id="13" name="Picture 12">
+            <a:extLst>
+              <a:ext uri="{FF2B5EF4-FFF2-40B4-BE49-F238E27FC236}">
+                <a16:creationId xmlns:a16="http://schemas.microsoft.com/office/drawing/2014/main" id="{9F32245D-D2F3-495B-BC13-758EC8C528DC}"/>
               </a:ext>
             </a:extLst>
           </p:cNvPr>
@@ -9468,6 +8493,42 @@
         </p:blipFill>
         <p:spPr>
           <a:xfrm>
+            <a:off x="5344023" y="3496240"/>
+            <a:ext cx="780290" cy="780290"/>
+          </a:xfrm>
+          <a:prstGeom prst="rect">
+            <a:avLst/>
+          </a:prstGeom>
+        </p:spPr>
+      </p:pic>
+      <p:pic>
+        <p:nvPicPr>
+          <p:cNvPr id="14" name="Picture 13">
+            <a:extLst>
+              <a:ext uri="{FF2B5EF4-FFF2-40B4-BE49-F238E27FC236}">
+                <a16:creationId xmlns:a16="http://schemas.microsoft.com/office/drawing/2014/main" id="{3275132E-41FB-4BCA-B310-8517A4FECD92}"/>
+              </a:ext>
+            </a:extLst>
+          </p:cNvPr>
+          <p:cNvPicPr>
+            <a:picLocks noChangeAspect="1"/>
+          </p:cNvPicPr>
+          <p:nvPr/>
+        </p:nvPicPr>
+        <p:blipFill>
+          <a:blip r:embed="rId6">
+            <a:extLst>
+              <a:ext uri="{28A0092B-C50C-407E-A947-70E740481C1C}">
+                <a14:useLocalDpi xmlns:a14="http://schemas.microsoft.com/office/drawing/2010/main" val="0"/>
+              </a:ext>
+            </a:extLst>
+          </a:blip>
+          <a:stretch>
+            <a:fillRect/>
+          </a:stretch>
+        </p:blipFill>
+        <p:spPr>
+          <a:xfrm>
             <a:off x="4947926" y="5206100"/>
             <a:ext cx="780290" cy="780290"/>
           </a:xfrm>
@@ -9481,7 +8542,7 @@
           <p:cNvPr id="17" name="Rectangle 16">
             <a:extLst>
               <a:ext uri="{FF2B5EF4-FFF2-40B4-BE49-F238E27FC236}">
-                <a16:creationId xmlns:a16="http://schemas.microsoft.com/office/drawing/2014/main" id="{5B86A53F-5974-4BD6-8D9C-EC8A539BED44}"/>
+                <a16:creationId xmlns:a16="http://schemas.microsoft.com/office/drawing/2014/main" id="{8392609A-FBEF-4331-B97A-1532CFBDD69A}"/>
               </a:ext>
             </a:extLst>
           </p:cNvPr>
@@ -9535,7 +8596,7 @@
           <p:cNvPr id="18" name="TextBox 17">
             <a:extLst>
               <a:ext uri="{FF2B5EF4-FFF2-40B4-BE49-F238E27FC236}">
-                <a16:creationId xmlns:a16="http://schemas.microsoft.com/office/drawing/2014/main" id="{3BCBDA14-8853-4AAA-B547-9EF9676AC77E}"/>
+                <a16:creationId xmlns:a16="http://schemas.microsoft.com/office/drawing/2014/main" id="{706B404D-5443-4372-8A22-03F1C723F2E7}"/>
               </a:ext>
             </a:extLst>
           </p:cNvPr>
@@ -9570,7 +8631,7 @@
           <p:cNvPr id="19" name="Rectangle 18">
             <a:extLst>
               <a:ext uri="{FF2B5EF4-FFF2-40B4-BE49-F238E27FC236}">
-                <a16:creationId xmlns:a16="http://schemas.microsoft.com/office/drawing/2014/main" id="{7DEF5A3E-6A64-4D7E-A0C0-E3E567F917CE}"/>
+                <a16:creationId xmlns:a16="http://schemas.microsoft.com/office/drawing/2014/main" id="{F435FE5F-B925-465A-B627-A3DB6409DCF4}"/>
               </a:ext>
             </a:extLst>
           </p:cNvPr>
@@ -9624,7 +8685,7 @@
           <p:cNvPr id="21" name="TextBox 20">
             <a:extLst>
               <a:ext uri="{FF2B5EF4-FFF2-40B4-BE49-F238E27FC236}">
-                <a16:creationId xmlns:a16="http://schemas.microsoft.com/office/drawing/2014/main" id="{FC948A9B-2200-4550-B39B-7EA6FA6EBA40}"/>
+                <a16:creationId xmlns:a16="http://schemas.microsoft.com/office/drawing/2014/main" id="{F02999B5-60D4-4E89-B5F2-5D214314E8AC}"/>
               </a:ext>
             </a:extLst>
           </p:cNvPr>
@@ -9659,7 +8720,7 @@
           <p:cNvPr id="25" name="Straight Connector 24">
             <a:extLst>
               <a:ext uri="{FF2B5EF4-FFF2-40B4-BE49-F238E27FC236}">
-                <a16:creationId xmlns:a16="http://schemas.microsoft.com/office/drawing/2014/main" id="{06E32801-4908-4950-B7D3-362B88353AD7}"/>
+                <a16:creationId xmlns:a16="http://schemas.microsoft.com/office/drawing/2014/main" id="{99297A41-FFB5-4B05-A895-D54310A3FC5F}"/>
               </a:ext>
             </a:extLst>
           </p:cNvPr>
@@ -9703,688 +8764,6 @@
           <p:cNvPr id="31" name="TextBox 30">
             <a:extLst>
               <a:ext uri="{FF2B5EF4-FFF2-40B4-BE49-F238E27FC236}">
-                <a16:creationId xmlns:a16="http://schemas.microsoft.com/office/drawing/2014/main" id="{593C1ED8-CDAB-4561-A9B2-A2D3C990EABD}"/>
-              </a:ext>
-            </a:extLst>
-          </p:cNvPr>
-          <p:cNvSpPr txBox="1"/>
-          <p:nvPr/>
-        </p:nvSpPr>
-        <p:spPr>
-          <a:xfrm>
-            <a:off x="4919695" y="5821925"/>
-            <a:ext cx="830933" cy="276999"/>
-          </a:xfrm>
-          <a:prstGeom prst="rect">
-            <a:avLst/>
-          </a:prstGeom>
-          <a:noFill/>
-        </p:spPr>
-        <p:txBody>
-          <a:bodyPr wrap="none" rtlCol="0">
-            <a:spAutoFit/>
-          </a:bodyPr>
-          <a:lstStyle/>
-          <a:p>
-            <a:r>
-              <a:rPr lang="en-US" sz="1200" dirty="0"/>
-              <a:t>Dev-</a:t>
-            </a:r>
-            <a:r>
-              <a:rPr lang="en-US" sz="1200" dirty="0" err="1"/>
-              <a:t>Vnet</a:t>
-            </a:r>
-            <a:endParaRPr lang="en-US" sz="1200" dirty="0"/>
-          </a:p>
-        </p:txBody>
-      </p:sp>
-      <p:sp>
-        <p:nvSpPr>
-          <p:cNvPr id="36" name="TextBox 35">
-            <a:extLst>
-              <a:ext uri="{FF2B5EF4-FFF2-40B4-BE49-F238E27FC236}">
-                <a16:creationId xmlns:a16="http://schemas.microsoft.com/office/drawing/2014/main" id="{1E30010F-FF3C-4BC7-81C7-2C8AFFD55E77}"/>
-              </a:ext>
-            </a:extLst>
-          </p:cNvPr>
-          <p:cNvSpPr txBox="1"/>
-          <p:nvPr/>
-        </p:nvSpPr>
-        <p:spPr>
-          <a:xfrm>
-            <a:off x="5865393" y="5677845"/>
-            <a:ext cx="1124860" cy="276999"/>
-          </a:xfrm>
-          <a:prstGeom prst="rect">
-            <a:avLst/>
-          </a:prstGeom>
-          <a:noFill/>
-        </p:spPr>
-        <p:txBody>
-          <a:bodyPr wrap="none" rtlCol="0">
-            <a:spAutoFit/>
-          </a:bodyPr>
-          <a:lstStyle/>
-          <a:p>
-            <a:r>
-              <a:rPr lang="en-US" sz="1200" dirty="0"/>
-              <a:t>Web (subnet)</a:t>
-            </a:r>
-          </a:p>
-        </p:txBody>
-      </p:sp>
-    </p:spTree>
-    <p:extLst>
-      <p:ext uri="{BB962C8B-B14F-4D97-AF65-F5344CB8AC3E}">
-        <p14:creationId xmlns:p14="http://schemas.microsoft.com/office/powerpoint/2010/main" val="912138101"/>
-      </p:ext>
-    </p:extLst>
-  </p:cSld>
-  <p:clrMapOvr>
-    <a:masterClrMapping/>
-  </p:clrMapOvr>
-</p:sld>
-</file>
-
-<file path=ppt/slides/slide6.xml><?xml version="1.0" encoding="utf-8"?>
-<p:sld xmlns:a="http://schemas.openxmlformats.org/drawingml/2006/main" xmlns:r="http://schemas.openxmlformats.org/officeDocument/2006/relationships" xmlns:p="http://schemas.openxmlformats.org/presentationml/2006/main">
-  <p:cSld>
-    <p:spTree>
-      <p:nvGrpSpPr>
-        <p:cNvPr id="1" name=""/>
-        <p:cNvGrpSpPr/>
-        <p:nvPr/>
-      </p:nvGrpSpPr>
-      <p:grpSpPr>
-        <a:xfrm>
-          <a:off x="0" y="0"/>
-          <a:ext cx="0" cy="0"/>
-          <a:chOff x="0" y="0"/>
-          <a:chExt cx="0" cy="0"/>
-        </a:xfrm>
-      </p:grpSpPr>
-      <p:sp>
-        <p:nvSpPr>
-          <p:cNvPr id="2" name="Title 1">
-            <a:extLst>
-              <a:ext uri="{FF2B5EF4-FFF2-40B4-BE49-F238E27FC236}">
-                <a16:creationId xmlns:a16="http://schemas.microsoft.com/office/drawing/2014/main" id="{C27A62A0-E3E3-4DCB-BBC5-63FDB474798C}"/>
-              </a:ext>
-            </a:extLst>
-          </p:cNvPr>
-          <p:cNvSpPr>
-            <a:spLocks noGrp="1"/>
-          </p:cNvSpPr>
-          <p:nvPr>
-            <p:ph type="title"/>
-          </p:nvPr>
-        </p:nvSpPr>
-        <p:spPr/>
-        <p:txBody>
-          <a:bodyPr/>
-          <a:lstStyle/>
-          <a:p>
-            <a:r>
-              <a:rPr lang="en-US" dirty="0"/>
-              <a:t>Workshop Scenario</a:t>
-            </a:r>
-          </a:p>
-        </p:txBody>
-      </p:sp>
-      <p:sp>
-        <p:nvSpPr>
-          <p:cNvPr id="3" name="Content Placeholder 2">
-            <a:extLst>
-              <a:ext uri="{FF2B5EF4-FFF2-40B4-BE49-F238E27FC236}">
-                <a16:creationId xmlns:a16="http://schemas.microsoft.com/office/drawing/2014/main" id="{5C351E07-3D78-4561-8477-B8F12B98225E}"/>
-              </a:ext>
-            </a:extLst>
-          </p:cNvPr>
-          <p:cNvSpPr>
-            <a:spLocks noGrp="1"/>
-          </p:cNvSpPr>
-          <p:nvPr>
-            <p:ph idx="1"/>
-          </p:nvPr>
-        </p:nvSpPr>
-        <p:spPr>
-          <a:ln>
-            <a:solidFill>
-              <a:schemeClr val="bg1">
-                <a:lumMod val="50000"/>
-              </a:schemeClr>
-            </a:solidFill>
-          </a:ln>
-        </p:spPr>
-        <p:txBody>
-          <a:bodyPr/>
-          <a:lstStyle/>
-          <a:p>
-            <a:pPr marL="0" indent="0">
-              <a:buNone/>
-            </a:pPr>
-            <a:r>
-              <a:rPr lang="en-US" dirty="0"/>
-              <a:t> </a:t>
-            </a:r>
-          </a:p>
-        </p:txBody>
-      </p:sp>
-      <p:sp>
-        <p:nvSpPr>
-          <p:cNvPr id="4" name="Text Placeholder 3">
-            <a:extLst>
-              <a:ext uri="{FF2B5EF4-FFF2-40B4-BE49-F238E27FC236}">
-                <a16:creationId xmlns:a16="http://schemas.microsoft.com/office/drawing/2014/main" id="{09E79592-AC01-4B52-8C3A-216E9F84829F}"/>
-              </a:ext>
-            </a:extLst>
-          </p:cNvPr>
-          <p:cNvSpPr>
-            <a:spLocks noGrp="1"/>
-          </p:cNvSpPr>
-          <p:nvPr>
-            <p:ph type="body" sz="quarter" idx="10"/>
-          </p:nvPr>
-        </p:nvSpPr>
-        <p:spPr/>
-        <p:txBody>
-          <a:bodyPr/>
-          <a:lstStyle/>
-          <a:p>
-            <a:r>
-              <a:rPr lang="en-US" dirty="0"/>
-              <a:t>ii. Manage NSG</a:t>
-            </a:r>
-          </a:p>
-        </p:txBody>
-      </p:sp>
-      <p:sp>
-        <p:nvSpPr>
-          <p:cNvPr id="6" name="Rectangle: Rounded Corners 5">
-            <a:extLst>
-              <a:ext uri="{FF2B5EF4-FFF2-40B4-BE49-F238E27FC236}">
-                <a16:creationId xmlns:a16="http://schemas.microsoft.com/office/drawing/2014/main" id="{ACBB9332-8A5D-4600-8A89-465E6AC8A45D}"/>
-              </a:ext>
-            </a:extLst>
-          </p:cNvPr>
-          <p:cNvSpPr/>
-          <p:nvPr/>
-        </p:nvSpPr>
-        <p:spPr>
-          <a:xfrm>
-            <a:off x="4865052" y="2848456"/>
-            <a:ext cx="2451807" cy="3288616"/>
-          </a:xfrm>
-          <a:prstGeom prst="roundRect">
-            <a:avLst>
-              <a:gd name="adj" fmla="val 0"/>
-            </a:avLst>
-          </a:prstGeom>
-          <a:solidFill>
-            <a:schemeClr val="tx2">
-              <a:lumMod val="20000"/>
-              <a:lumOff val="80000"/>
-            </a:schemeClr>
-          </a:solidFill>
-          <a:ln w="12700">
-            <a:noFill/>
-            <a:prstDash val="solid"/>
-          </a:ln>
-        </p:spPr>
-        <p:style>
-          <a:lnRef idx="2">
-            <a:schemeClr val="accent1">
-              <a:shade val="50000"/>
-            </a:schemeClr>
-          </a:lnRef>
-          <a:fillRef idx="1">
-            <a:schemeClr val="accent1"/>
-          </a:fillRef>
-          <a:effectRef idx="0">
-            <a:schemeClr val="accent1"/>
-          </a:effectRef>
-          <a:fontRef idx="minor">
-            <a:schemeClr val="lt1"/>
-          </a:fontRef>
-        </p:style>
-        <p:txBody>
-          <a:bodyPr rtlCol="0" anchor="ctr"/>
-          <a:lstStyle/>
-          <a:p>
-            <a:pPr algn="ctr"/>
-            <a:endParaRPr lang="en-US"/>
-          </a:p>
-        </p:txBody>
-      </p:sp>
-      <p:sp>
-        <p:nvSpPr>
-          <p:cNvPr id="8" name="Rectangle: Rounded Corners 7">
-            <a:extLst>
-              <a:ext uri="{FF2B5EF4-FFF2-40B4-BE49-F238E27FC236}">
-                <a16:creationId xmlns:a16="http://schemas.microsoft.com/office/drawing/2014/main" id="{34A39BAB-B802-41AA-ADF2-E53F1D522903}"/>
-              </a:ext>
-            </a:extLst>
-          </p:cNvPr>
-          <p:cNvSpPr/>
-          <p:nvPr/>
-        </p:nvSpPr>
-        <p:spPr>
-          <a:xfrm>
-            <a:off x="5712879" y="4162176"/>
-            <a:ext cx="1426119" cy="1819539"/>
-          </a:xfrm>
-          <a:prstGeom prst="roundRect">
-            <a:avLst>
-              <a:gd name="adj" fmla="val 8127"/>
-            </a:avLst>
-          </a:prstGeom>
-          <a:solidFill>
-            <a:schemeClr val="accent1">
-              <a:lumMod val="40000"/>
-              <a:lumOff val="60000"/>
-            </a:schemeClr>
-          </a:solidFill>
-          <a:ln w="12700">
-            <a:noFill/>
-            <a:prstDash val="solid"/>
-          </a:ln>
-        </p:spPr>
-        <p:style>
-          <a:lnRef idx="2">
-            <a:schemeClr val="accent1">
-              <a:shade val="50000"/>
-            </a:schemeClr>
-          </a:lnRef>
-          <a:fillRef idx="1">
-            <a:schemeClr val="accent1"/>
-          </a:fillRef>
-          <a:effectRef idx="0">
-            <a:schemeClr val="accent1"/>
-          </a:effectRef>
-          <a:fontRef idx="minor">
-            <a:schemeClr val="lt1"/>
-          </a:fontRef>
-        </p:style>
-        <p:txBody>
-          <a:bodyPr rtlCol="0" anchor="ctr"/>
-          <a:lstStyle/>
-          <a:p>
-            <a:pPr algn="ctr"/>
-            <a:endParaRPr lang="en-US"/>
-          </a:p>
-        </p:txBody>
-      </p:sp>
-      <p:pic>
-        <p:nvPicPr>
-          <p:cNvPr id="10" name="Picture 9">
-            <a:extLst>
-              <a:ext uri="{FF2B5EF4-FFF2-40B4-BE49-F238E27FC236}">
-                <a16:creationId xmlns:a16="http://schemas.microsoft.com/office/drawing/2014/main" id="{945FF9B1-08AB-4D75-B5C9-72C927ABDC4C}"/>
-              </a:ext>
-            </a:extLst>
-          </p:cNvPr>
-          <p:cNvPicPr>
-            <a:picLocks noChangeAspect="1"/>
-          </p:cNvPicPr>
-          <p:nvPr/>
-        </p:nvPicPr>
-        <p:blipFill>
-          <a:blip r:embed="rId3">
-            <a:extLst>
-              <a:ext uri="{28A0092B-C50C-407E-A947-70E740481C1C}">
-                <a14:useLocalDpi xmlns:a14="http://schemas.microsoft.com/office/drawing/2010/main" val="0"/>
-              </a:ext>
-            </a:extLst>
-          </a:blip>
-          <a:stretch>
-            <a:fillRect/>
-          </a:stretch>
-        </p:blipFill>
-        <p:spPr>
-          <a:xfrm>
-            <a:off x="3497936" y="1996689"/>
-            <a:ext cx="780290" cy="780290"/>
-          </a:xfrm>
-          <a:prstGeom prst="rect">
-            <a:avLst/>
-          </a:prstGeom>
-        </p:spPr>
-      </p:pic>
-      <p:pic>
-        <p:nvPicPr>
-          <p:cNvPr id="11" name="Picture 10">
-            <a:extLst>
-              <a:ext uri="{FF2B5EF4-FFF2-40B4-BE49-F238E27FC236}">
-                <a16:creationId xmlns:a16="http://schemas.microsoft.com/office/drawing/2014/main" id="{46BF554D-6C3E-4083-A2CF-6F96C1B63D08}"/>
-              </a:ext>
-            </a:extLst>
-          </p:cNvPr>
-          <p:cNvPicPr>
-            <a:picLocks noChangeAspect="1"/>
-          </p:cNvPicPr>
-          <p:nvPr/>
-        </p:nvPicPr>
-        <p:blipFill>
-          <a:blip r:embed="rId4">
-            <a:extLst>
-              <a:ext uri="{28A0092B-C50C-407E-A947-70E740481C1C}">
-                <a14:useLocalDpi xmlns:a14="http://schemas.microsoft.com/office/drawing/2010/main" val="0"/>
-              </a:ext>
-            </a:extLst>
-          </a:blip>
-          <a:stretch>
-            <a:fillRect/>
-          </a:stretch>
-        </p:blipFill>
-        <p:spPr>
-          <a:xfrm>
-            <a:off x="1872818" y="1182767"/>
-            <a:ext cx="780290" cy="780290"/>
-          </a:xfrm>
-          <a:prstGeom prst="rect">
-            <a:avLst/>
-          </a:prstGeom>
-        </p:spPr>
-      </p:pic>
-      <p:pic>
-        <p:nvPicPr>
-          <p:cNvPr id="13" name="Picture 12">
-            <a:extLst>
-              <a:ext uri="{FF2B5EF4-FFF2-40B4-BE49-F238E27FC236}">
-                <a16:creationId xmlns:a16="http://schemas.microsoft.com/office/drawing/2014/main" id="{9F32245D-D2F3-495B-BC13-758EC8C528DC}"/>
-              </a:ext>
-            </a:extLst>
-          </p:cNvPr>
-          <p:cNvPicPr>
-            <a:picLocks noChangeAspect="1"/>
-          </p:cNvPicPr>
-          <p:nvPr/>
-        </p:nvPicPr>
-        <p:blipFill>
-          <a:blip r:embed="rId5">
-            <a:extLst>
-              <a:ext uri="{28A0092B-C50C-407E-A947-70E740481C1C}">
-                <a14:useLocalDpi xmlns:a14="http://schemas.microsoft.com/office/drawing/2010/main" val="0"/>
-              </a:ext>
-            </a:extLst>
-          </a:blip>
-          <a:stretch>
-            <a:fillRect/>
-          </a:stretch>
-        </p:blipFill>
-        <p:spPr>
-          <a:xfrm>
-            <a:off x="5344023" y="3496240"/>
-            <a:ext cx="780290" cy="780290"/>
-          </a:xfrm>
-          <a:prstGeom prst="rect">
-            <a:avLst/>
-          </a:prstGeom>
-        </p:spPr>
-      </p:pic>
-      <p:pic>
-        <p:nvPicPr>
-          <p:cNvPr id="14" name="Picture 13">
-            <a:extLst>
-              <a:ext uri="{FF2B5EF4-FFF2-40B4-BE49-F238E27FC236}">
-                <a16:creationId xmlns:a16="http://schemas.microsoft.com/office/drawing/2014/main" id="{3275132E-41FB-4BCA-B310-8517A4FECD92}"/>
-              </a:ext>
-            </a:extLst>
-          </p:cNvPr>
-          <p:cNvPicPr>
-            <a:picLocks noChangeAspect="1"/>
-          </p:cNvPicPr>
-          <p:nvPr/>
-        </p:nvPicPr>
-        <p:blipFill>
-          <a:blip r:embed="rId6">
-            <a:extLst>
-              <a:ext uri="{28A0092B-C50C-407E-A947-70E740481C1C}">
-                <a14:useLocalDpi xmlns:a14="http://schemas.microsoft.com/office/drawing/2010/main" val="0"/>
-              </a:ext>
-            </a:extLst>
-          </a:blip>
-          <a:stretch>
-            <a:fillRect/>
-          </a:stretch>
-        </p:blipFill>
-        <p:spPr>
-          <a:xfrm>
-            <a:off x="4947926" y="5206100"/>
-            <a:ext cx="780290" cy="780290"/>
-          </a:xfrm>
-          <a:prstGeom prst="rect">
-            <a:avLst/>
-          </a:prstGeom>
-        </p:spPr>
-      </p:pic>
-      <p:sp>
-        <p:nvSpPr>
-          <p:cNvPr id="17" name="Rectangle 16">
-            <a:extLst>
-              <a:ext uri="{FF2B5EF4-FFF2-40B4-BE49-F238E27FC236}">
-                <a16:creationId xmlns:a16="http://schemas.microsoft.com/office/drawing/2014/main" id="{8392609A-FBEF-4331-B97A-1532CFBDD69A}"/>
-              </a:ext>
-            </a:extLst>
-          </p:cNvPr>
-          <p:cNvSpPr/>
-          <p:nvPr/>
-        </p:nvSpPr>
-        <p:spPr>
-          <a:xfrm>
-            <a:off x="2242521" y="1894585"/>
-            <a:ext cx="9414433" cy="4428834"/>
-          </a:xfrm>
-          <a:prstGeom prst="rect">
-            <a:avLst/>
-          </a:prstGeom>
-          <a:noFill/>
-          <a:ln>
-            <a:solidFill>
-              <a:schemeClr val="bg1">
-                <a:lumMod val="65000"/>
-              </a:schemeClr>
-            </a:solidFill>
-          </a:ln>
-        </p:spPr>
-        <p:style>
-          <a:lnRef idx="2">
-            <a:schemeClr val="accent1">
-              <a:shade val="50000"/>
-            </a:schemeClr>
-          </a:lnRef>
-          <a:fillRef idx="1">
-            <a:schemeClr val="accent1"/>
-          </a:fillRef>
-          <a:effectRef idx="0">
-            <a:schemeClr val="accent1"/>
-          </a:effectRef>
-          <a:fontRef idx="minor">
-            <a:schemeClr val="lt1"/>
-          </a:fontRef>
-        </p:style>
-        <p:txBody>
-          <a:bodyPr rtlCol="0" anchor="ctr"/>
-          <a:lstStyle/>
-          <a:p>
-            <a:pPr algn="ctr"/>
-            <a:endParaRPr lang="en-US"/>
-          </a:p>
-        </p:txBody>
-      </p:sp>
-      <p:sp>
-        <p:nvSpPr>
-          <p:cNvPr id="18" name="TextBox 17">
-            <a:extLst>
-              <a:ext uri="{FF2B5EF4-FFF2-40B4-BE49-F238E27FC236}">
-                <a16:creationId xmlns:a16="http://schemas.microsoft.com/office/drawing/2014/main" id="{706B404D-5443-4372-8A22-03F1C723F2E7}"/>
-              </a:ext>
-            </a:extLst>
-          </p:cNvPr>
-          <p:cNvSpPr txBox="1"/>
-          <p:nvPr/>
-        </p:nvSpPr>
-        <p:spPr>
-          <a:xfrm>
-            <a:off x="2658920" y="1578939"/>
-            <a:ext cx="1292790" cy="276999"/>
-          </a:xfrm>
-          <a:prstGeom prst="rect">
-            <a:avLst/>
-          </a:prstGeom>
-          <a:noFill/>
-        </p:spPr>
-        <p:txBody>
-          <a:bodyPr wrap="none" rtlCol="0">
-            <a:spAutoFit/>
-          </a:bodyPr>
-          <a:lstStyle/>
-          <a:p>
-            <a:r>
-              <a:rPr lang="en-US" sz="1200" dirty="0"/>
-              <a:t>Microsoft Azure</a:t>
-            </a:r>
-          </a:p>
-        </p:txBody>
-      </p:sp>
-      <p:sp>
-        <p:nvSpPr>
-          <p:cNvPr id="19" name="Rectangle 18">
-            <a:extLst>
-              <a:ext uri="{FF2B5EF4-FFF2-40B4-BE49-F238E27FC236}">
-                <a16:creationId xmlns:a16="http://schemas.microsoft.com/office/drawing/2014/main" id="{F435FE5F-B925-465A-B627-A3DB6409DCF4}"/>
-              </a:ext>
-            </a:extLst>
-          </p:cNvPr>
-          <p:cNvSpPr/>
-          <p:nvPr/>
-        </p:nvSpPr>
-        <p:spPr>
-          <a:xfrm>
-            <a:off x="3647358" y="2776979"/>
-            <a:ext cx="7809749" cy="3430092"/>
-          </a:xfrm>
-          <a:prstGeom prst="rect">
-            <a:avLst/>
-          </a:prstGeom>
-          <a:noFill/>
-          <a:ln>
-            <a:solidFill>
-              <a:schemeClr val="bg1">
-                <a:lumMod val="65000"/>
-              </a:schemeClr>
-            </a:solidFill>
-          </a:ln>
-        </p:spPr>
-        <p:style>
-          <a:lnRef idx="2">
-            <a:schemeClr val="accent1">
-              <a:shade val="50000"/>
-            </a:schemeClr>
-          </a:lnRef>
-          <a:fillRef idx="1">
-            <a:schemeClr val="accent1"/>
-          </a:fillRef>
-          <a:effectRef idx="0">
-            <a:schemeClr val="accent1"/>
-          </a:effectRef>
-          <a:fontRef idx="minor">
-            <a:schemeClr val="lt1"/>
-          </a:fontRef>
-        </p:style>
-        <p:txBody>
-          <a:bodyPr rtlCol="0" anchor="ctr"/>
-          <a:lstStyle/>
-          <a:p>
-            <a:pPr algn="ctr"/>
-            <a:endParaRPr lang="en-US"/>
-          </a:p>
-        </p:txBody>
-      </p:sp>
-      <p:sp>
-        <p:nvSpPr>
-          <p:cNvPr id="21" name="TextBox 20">
-            <a:extLst>
-              <a:ext uri="{FF2B5EF4-FFF2-40B4-BE49-F238E27FC236}">
-                <a16:creationId xmlns:a16="http://schemas.microsoft.com/office/drawing/2014/main" id="{F02999B5-60D4-4E89-B5F2-5D214314E8AC}"/>
-              </a:ext>
-            </a:extLst>
-          </p:cNvPr>
-          <p:cNvSpPr txBox="1"/>
-          <p:nvPr/>
-        </p:nvSpPr>
-        <p:spPr>
-          <a:xfrm>
-            <a:off x="4389917" y="2427959"/>
-            <a:ext cx="1302536" cy="276999"/>
-          </a:xfrm>
-          <a:prstGeom prst="rect">
-            <a:avLst/>
-          </a:prstGeom>
-          <a:noFill/>
-        </p:spPr>
-        <p:txBody>
-          <a:bodyPr wrap="none" rtlCol="0">
-            <a:spAutoFit/>
-          </a:bodyPr>
-          <a:lstStyle/>
-          <a:p>
-            <a:r>
-              <a:rPr lang="en-US" sz="1200" dirty="0"/>
-              <a:t>Resource Group</a:t>
-            </a:r>
-          </a:p>
-        </p:txBody>
-      </p:sp>
-      <p:cxnSp>
-        <p:nvCxnSpPr>
-          <p:cNvPr id="25" name="Straight Connector 24">
-            <a:extLst>
-              <a:ext uri="{FF2B5EF4-FFF2-40B4-BE49-F238E27FC236}">
-                <a16:creationId xmlns:a16="http://schemas.microsoft.com/office/drawing/2014/main" id="{99297A41-FFB5-4B05-A895-D54310A3FC5F}"/>
-              </a:ext>
-            </a:extLst>
-          </p:cNvPr>
-          <p:cNvCxnSpPr>
-            <a:cxnSpLocks/>
-            <a:stCxn id="14" idx="3"/>
-          </p:cNvCxnSpPr>
-          <p:nvPr/>
-        </p:nvCxnSpPr>
-        <p:spPr>
-          <a:xfrm>
-            <a:off x="5728216" y="5596245"/>
-            <a:ext cx="1346653" cy="0"/>
-          </a:xfrm>
-          <a:prstGeom prst="line">
-            <a:avLst/>
-          </a:prstGeom>
-          <a:ln w="38100">
-            <a:solidFill>
-              <a:schemeClr val="accent1"/>
-            </a:solidFill>
-          </a:ln>
-        </p:spPr>
-        <p:style>
-          <a:lnRef idx="1">
-            <a:schemeClr val="accent1"/>
-          </a:lnRef>
-          <a:fillRef idx="0">
-            <a:schemeClr val="accent1"/>
-          </a:fillRef>
-          <a:effectRef idx="0">
-            <a:schemeClr val="accent1"/>
-          </a:effectRef>
-          <a:fontRef idx="minor">
-            <a:schemeClr val="tx1"/>
-          </a:fontRef>
-        </p:style>
-      </p:cxnSp>
-      <p:sp>
-        <p:nvSpPr>
-          <p:cNvPr id="31" name="TextBox 30">
-            <a:extLst>
-              <a:ext uri="{FF2B5EF4-FFF2-40B4-BE49-F238E27FC236}">
                 <a16:creationId xmlns:a16="http://schemas.microsoft.com/office/drawing/2014/main" id="{BB201E8C-8D23-450F-A74F-6F1DFCF8A163}"/>
               </a:ext>
             </a:extLst>
@@ -10508,7 +8887,7 @@
 </p:sld>
 </file>
 
-<file path=ppt/slides/slide7.xml><?xml version="1.0" encoding="utf-8"?>
+<file path=ppt/slides/slide6.xml><?xml version="1.0" encoding="utf-8"?>
 <p:sld xmlns:a="http://schemas.openxmlformats.org/drawingml/2006/main" xmlns:r="http://schemas.openxmlformats.org/officeDocument/2006/relationships" xmlns:p="http://schemas.openxmlformats.org/presentationml/2006/main">
   <p:cSld>
     <p:spTree>
@@ -12152,7 +10531,7 @@
 </p:sld>
 </file>
 
-<file path=ppt/slides/slide8.xml><?xml version="1.0" encoding="utf-8"?>
+<file path=ppt/slides/slide7.xml><?xml version="1.0" encoding="utf-8"?>
 <p:sld xmlns:a="http://schemas.openxmlformats.org/drawingml/2006/main" xmlns:r="http://schemas.openxmlformats.org/officeDocument/2006/relationships" xmlns:p="http://schemas.openxmlformats.org/presentationml/2006/main">
   <p:cSld>
     <p:spTree>
@@ -13080,7 +11459,7 @@
 </p:sld>
 </file>
 
-<file path=ppt/slides/slide9.xml><?xml version="1.0" encoding="utf-8"?>
+<file path=ppt/slides/slide8.xml><?xml version="1.0" encoding="utf-8"?>
 <p:sld xmlns:a="http://schemas.openxmlformats.org/drawingml/2006/main" xmlns:r="http://schemas.openxmlformats.org/officeDocument/2006/relationships" xmlns:p="http://schemas.openxmlformats.org/presentationml/2006/main">
   <p:cSld>
     <p:spTree>
@@ -13977,6 +12356,1517 @@
     <p:extLst>
       <p:ext uri="{BB962C8B-B14F-4D97-AF65-F5344CB8AC3E}">
         <p14:creationId xmlns:p14="http://schemas.microsoft.com/office/powerpoint/2010/main" val="1562831939"/>
+      </p:ext>
+    </p:extLst>
+  </p:cSld>
+  <p:clrMapOvr>
+    <a:masterClrMapping/>
+  </p:clrMapOvr>
+</p:sld>
+</file>
+
+<file path=ppt/slides/slide9.xml><?xml version="1.0" encoding="utf-8"?>
+<p:sld xmlns:a="http://schemas.openxmlformats.org/drawingml/2006/main" xmlns:r="http://schemas.openxmlformats.org/officeDocument/2006/relationships" xmlns:p="http://schemas.openxmlformats.org/presentationml/2006/main">
+  <p:cSld>
+    <p:spTree>
+      <p:nvGrpSpPr>
+        <p:cNvPr id="1" name=""/>
+        <p:cNvGrpSpPr/>
+        <p:nvPr/>
+      </p:nvGrpSpPr>
+      <p:grpSpPr>
+        <a:xfrm>
+          <a:off x="0" y="0"/>
+          <a:ext cx="0" cy="0"/>
+          <a:chOff x="0" y="0"/>
+          <a:chExt cx="0" cy="0"/>
+        </a:xfrm>
+      </p:grpSpPr>
+      <p:sp>
+        <p:nvSpPr>
+          <p:cNvPr id="2" name="Title 1">
+            <a:extLst>
+              <a:ext uri="{FF2B5EF4-FFF2-40B4-BE49-F238E27FC236}">
+                <a16:creationId xmlns:a16="http://schemas.microsoft.com/office/drawing/2014/main" id="{C27A62A0-E3E3-4DCB-BBC5-63FDB474798C}"/>
+              </a:ext>
+            </a:extLst>
+          </p:cNvPr>
+          <p:cNvSpPr>
+            <a:spLocks noGrp="1"/>
+          </p:cNvSpPr>
+          <p:nvPr>
+            <p:ph type="title"/>
+          </p:nvPr>
+        </p:nvSpPr>
+        <p:spPr/>
+        <p:txBody>
+          <a:bodyPr/>
+          <a:lstStyle/>
+          <a:p>
+            <a:r>
+              <a:rPr lang="en-US" dirty="0"/>
+              <a:t>Workshop Scenario</a:t>
+            </a:r>
+          </a:p>
+        </p:txBody>
+      </p:sp>
+      <p:sp>
+        <p:nvSpPr>
+          <p:cNvPr id="3" name="Content Placeholder 2">
+            <a:extLst>
+              <a:ext uri="{FF2B5EF4-FFF2-40B4-BE49-F238E27FC236}">
+                <a16:creationId xmlns:a16="http://schemas.microsoft.com/office/drawing/2014/main" id="{5C351E07-3D78-4561-8477-B8F12B98225E}"/>
+              </a:ext>
+            </a:extLst>
+          </p:cNvPr>
+          <p:cNvSpPr>
+            <a:spLocks noGrp="1"/>
+          </p:cNvSpPr>
+          <p:nvPr>
+            <p:ph idx="1"/>
+          </p:nvPr>
+        </p:nvSpPr>
+        <p:spPr>
+          <a:ln>
+            <a:solidFill>
+              <a:schemeClr val="bg1">
+                <a:lumMod val="50000"/>
+              </a:schemeClr>
+            </a:solidFill>
+          </a:ln>
+        </p:spPr>
+        <p:txBody>
+          <a:bodyPr/>
+          <a:lstStyle/>
+          <a:p>
+            <a:pPr marL="0" indent="0">
+              <a:buNone/>
+            </a:pPr>
+            <a:r>
+              <a:rPr lang="en-US" dirty="0"/>
+              <a:t> </a:t>
+            </a:r>
+          </a:p>
+        </p:txBody>
+      </p:sp>
+      <p:sp>
+        <p:nvSpPr>
+          <p:cNvPr id="4" name="Text Placeholder 3">
+            <a:extLst>
+              <a:ext uri="{FF2B5EF4-FFF2-40B4-BE49-F238E27FC236}">
+                <a16:creationId xmlns:a16="http://schemas.microsoft.com/office/drawing/2014/main" id="{09E79592-AC01-4B52-8C3A-216E9F84829F}"/>
+              </a:ext>
+            </a:extLst>
+          </p:cNvPr>
+          <p:cNvSpPr>
+            <a:spLocks noGrp="1"/>
+          </p:cNvSpPr>
+          <p:nvPr>
+            <p:ph type="body" sz="quarter" idx="10"/>
+          </p:nvPr>
+        </p:nvSpPr>
+        <p:spPr/>
+        <p:txBody>
+          <a:bodyPr/>
+          <a:lstStyle/>
+          <a:p>
+            <a:r>
+              <a:rPr lang="en-US" dirty="0"/>
+              <a:t>iv. Create web servers from custom VM image</a:t>
+            </a:r>
+          </a:p>
+        </p:txBody>
+      </p:sp>
+      <p:sp>
+        <p:nvSpPr>
+          <p:cNvPr id="6" name="Rectangle: Rounded Corners 5">
+            <a:extLst>
+              <a:ext uri="{FF2B5EF4-FFF2-40B4-BE49-F238E27FC236}">
+                <a16:creationId xmlns:a16="http://schemas.microsoft.com/office/drawing/2014/main" id="{CD1CF92A-21C2-4E80-9E64-BDFD23A4037C}"/>
+              </a:ext>
+            </a:extLst>
+          </p:cNvPr>
+          <p:cNvSpPr/>
+          <p:nvPr/>
+        </p:nvSpPr>
+        <p:spPr>
+          <a:xfrm>
+            <a:off x="4865052" y="2848456"/>
+            <a:ext cx="2451807" cy="3288616"/>
+          </a:xfrm>
+          <a:prstGeom prst="roundRect">
+            <a:avLst>
+              <a:gd name="adj" fmla="val 0"/>
+            </a:avLst>
+          </a:prstGeom>
+          <a:solidFill>
+            <a:schemeClr val="tx2">
+              <a:lumMod val="20000"/>
+              <a:lumOff val="80000"/>
+            </a:schemeClr>
+          </a:solidFill>
+          <a:ln w="12700">
+            <a:noFill/>
+            <a:prstDash val="solid"/>
+          </a:ln>
+        </p:spPr>
+        <p:style>
+          <a:lnRef idx="2">
+            <a:schemeClr val="accent1">
+              <a:shade val="50000"/>
+            </a:schemeClr>
+          </a:lnRef>
+          <a:fillRef idx="1">
+            <a:schemeClr val="accent1"/>
+          </a:fillRef>
+          <a:effectRef idx="0">
+            <a:schemeClr val="accent1"/>
+          </a:effectRef>
+          <a:fontRef idx="minor">
+            <a:schemeClr val="lt1"/>
+          </a:fontRef>
+        </p:style>
+        <p:txBody>
+          <a:bodyPr rtlCol="0" anchor="ctr"/>
+          <a:lstStyle/>
+          <a:p>
+            <a:pPr algn="ctr"/>
+            <a:endParaRPr lang="en-US"/>
+          </a:p>
+        </p:txBody>
+      </p:sp>
+      <p:sp>
+        <p:nvSpPr>
+          <p:cNvPr id="7" name="Rectangle: Rounded Corners 6">
+            <a:extLst>
+              <a:ext uri="{FF2B5EF4-FFF2-40B4-BE49-F238E27FC236}">
+                <a16:creationId xmlns:a16="http://schemas.microsoft.com/office/drawing/2014/main" id="{31F7AC4D-935F-4160-AF82-00E07CDF6C22}"/>
+              </a:ext>
+            </a:extLst>
+          </p:cNvPr>
+          <p:cNvSpPr/>
+          <p:nvPr/>
+        </p:nvSpPr>
+        <p:spPr>
+          <a:xfrm>
+            <a:off x="7455203" y="2848456"/>
+            <a:ext cx="3899145" cy="3288616"/>
+          </a:xfrm>
+          <a:prstGeom prst="roundRect">
+            <a:avLst>
+              <a:gd name="adj" fmla="val 0"/>
+            </a:avLst>
+          </a:prstGeom>
+          <a:solidFill>
+            <a:schemeClr val="tx2">
+              <a:lumMod val="20000"/>
+              <a:lumOff val="80000"/>
+            </a:schemeClr>
+          </a:solidFill>
+          <a:ln w="12700">
+            <a:noFill/>
+            <a:prstDash val="solid"/>
+          </a:ln>
+        </p:spPr>
+        <p:style>
+          <a:lnRef idx="2">
+            <a:schemeClr val="accent1">
+              <a:shade val="50000"/>
+            </a:schemeClr>
+          </a:lnRef>
+          <a:fillRef idx="1">
+            <a:schemeClr val="accent1"/>
+          </a:fillRef>
+          <a:effectRef idx="0">
+            <a:schemeClr val="accent1"/>
+          </a:effectRef>
+          <a:fontRef idx="minor">
+            <a:schemeClr val="lt1"/>
+          </a:fontRef>
+        </p:style>
+        <p:txBody>
+          <a:bodyPr rtlCol="0" anchor="ctr"/>
+          <a:lstStyle/>
+          <a:p>
+            <a:pPr algn="ctr"/>
+            <a:endParaRPr lang="en-US"/>
+          </a:p>
+        </p:txBody>
+      </p:sp>
+      <p:sp>
+        <p:nvSpPr>
+          <p:cNvPr id="8" name="Rectangle: Rounded Corners 7">
+            <a:extLst>
+              <a:ext uri="{FF2B5EF4-FFF2-40B4-BE49-F238E27FC236}">
+                <a16:creationId xmlns:a16="http://schemas.microsoft.com/office/drawing/2014/main" id="{BE873175-092E-4905-BBEC-09833468E8C8}"/>
+              </a:ext>
+            </a:extLst>
+          </p:cNvPr>
+          <p:cNvSpPr/>
+          <p:nvPr/>
+        </p:nvSpPr>
+        <p:spPr>
+          <a:xfrm>
+            <a:off x="5712879" y="4162176"/>
+            <a:ext cx="1426119" cy="1819539"/>
+          </a:xfrm>
+          <a:prstGeom prst="roundRect">
+            <a:avLst>
+              <a:gd name="adj" fmla="val 8127"/>
+            </a:avLst>
+          </a:prstGeom>
+          <a:solidFill>
+            <a:schemeClr val="accent1">
+              <a:lumMod val="40000"/>
+              <a:lumOff val="60000"/>
+            </a:schemeClr>
+          </a:solidFill>
+          <a:ln w="12700">
+            <a:noFill/>
+            <a:prstDash val="solid"/>
+          </a:ln>
+        </p:spPr>
+        <p:style>
+          <a:lnRef idx="2">
+            <a:schemeClr val="accent1">
+              <a:shade val="50000"/>
+            </a:schemeClr>
+          </a:lnRef>
+          <a:fillRef idx="1">
+            <a:schemeClr val="accent1"/>
+          </a:fillRef>
+          <a:effectRef idx="0">
+            <a:schemeClr val="accent1"/>
+          </a:effectRef>
+          <a:fontRef idx="minor">
+            <a:schemeClr val="lt1"/>
+          </a:fontRef>
+        </p:style>
+        <p:txBody>
+          <a:bodyPr rtlCol="0" anchor="ctr"/>
+          <a:lstStyle/>
+          <a:p>
+            <a:pPr algn="ctr"/>
+            <a:endParaRPr lang="en-US"/>
+          </a:p>
+        </p:txBody>
+      </p:sp>
+      <p:sp>
+        <p:nvSpPr>
+          <p:cNvPr id="9" name="Rectangle: Rounded Corners 8">
+            <a:extLst>
+              <a:ext uri="{FF2B5EF4-FFF2-40B4-BE49-F238E27FC236}">
+                <a16:creationId xmlns:a16="http://schemas.microsoft.com/office/drawing/2014/main" id="{2830BD71-46A4-4C52-963A-5ED262F16F65}"/>
+              </a:ext>
+            </a:extLst>
+          </p:cNvPr>
+          <p:cNvSpPr/>
+          <p:nvPr/>
+        </p:nvSpPr>
+        <p:spPr>
+          <a:xfrm>
+            <a:off x="8292445" y="4162176"/>
+            <a:ext cx="2867621" cy="1819539"/>
+          </a:xfrm>
+          <a:prstGeom prst="roundRect">
+            <a:avLst>
+              <a:gd name="adj" fmla="val 8127"/>
+            </a:avLst>
+          </a:prstGeom>
+          <a:solidFill>
+            <a:schemeClr val="accent1">
+              <a:lumMod val="40000"/>
+              <a:lumOff val="60000"/>
+            </a:schemeClr>
+          </a:solidFill>
+          <a:ln w="12700">
+            <a:noFill/>
+            <a:prstDash val="solid"/>
+          </a:ln>
+        </p:spPr>
+        <p:style>
+          <a:lnRef idx="2">
+            <a:schemeClr val="accent1">
+              <a:shade val="50000"/>
+            </a:schemeClr>
+          </a:lnRef>
+          <a:fillRef idx="1">
+            <a:schemeClr val="accent1"/>
+          </a:fillRef>
+          <a:effectRef idx="0">
+            <a:schemeClr val="accent1"/>
+          </a:effectRef>
+          <a:fontRef idx="minor">
+            <a:schemeClr val="lt1"/>
+          </a:fontRef>
+        </p:style>
+        <p:txBody>
+          <a:bodyPr rtlCol="0" anchor="ctr"/>
+          <a:lstStyle/>
+          <a:p>
+            <a:pPr algn="ctr"/>
+            <a:endParaRPr lang="en-US"/>
+          </a:p>
+        </p:txBody>
+      </p:sp>
+      <p:pic>
+        <p:nvPicPr>
+          <p:cNvPr id="10" name="Picture 9">
+            <a:extLst>
+              <a:ext uri="{FF2B5EF4-FFF2-40B4-BE49-F238E27FC236}">
+                <a16:creationId xmlns:a16="http://schemas.microsoft.com/office/drawing/2014/main" id="{B764981B-0C22-42E0-A6BD-CC2C06C4C57C}"/>
+              </a:ext>
+            </a:extLst>
+          </p:cNvPr>
+          <p:cNvPicPr>
+            <a:picLocks noChangeAspect="1"/>
+          </p:cNvPicPr>
+          <p:nvPr/>
+        </p:nvPicPr>
+        <p:blipFill>
+          <a:blip r:embed="rId3">
+            <a:extLst>
+              <a:ext uri="{28A0092B-C50C-407E-A947-70E740481C1C}">
+                <a14:useLocalDpi xmlns:a14="http://schemas.microsoft.com/office/drawing/2010/main" val="0"/>
+              </a:ext>
+            </a:extLst>
+          </a:blip>
+          <a:stretch>
+            <a:fillRect/>
+          </a:stretch>
+        </p:blipFill>
+        <p:spPr>
+          <a:xfrm>
+            <a:off x="3497936" y="1996689"/>
+            <a:ext cx="780290" cy="780290"/>
+          </a:xfrm>
+          <a:prstGeom prst="rect">
+            <a:avLst/>
+          </a:prstGeom>
+        </p:spPr>
+      </p:pic>
+      <p:pic>
+        <p:nvPicPr>
+          <p:cNvPr id="11" name="Picture 10">
+            <a:extLst>
+              <a:ext uri="{FF2B5EF4-FFF2-40B4-BE49-F238E27FC236}">
+                <a16:creationId xmlns:a16="http://schemas.microsoft.com/office/drawing/2014/main" id="{172B2DA5-F1C1-4FC6-BA4D-3B6AC5A52E8B}"/>
+              </a:ext>
+            </a:extLst>
+          </p:cNvPr>
+          <p:cNvPicPr>
+            <a:picLocks noChangeAspect="1"/>
+          </p:cNvPicPr>
+          <p:nvPr/>
+        </p:nvPicPr>
+        <p:blipFill>
+          <a:blip r:embed="rId4">
+            <a:extLst>
+              <a:ext uri="{28A0092B-C50C-407E-A947-70E740481C1C}">
+                <a14:useLocalDpi xmlns:a14="http://schemas.microsoft.com/office/drawing/2010/main" val="0"/>
+              </a:ext>
+            </a:extLst>
+          </a:blip>
+          <a:stretch>
+            <a:fillRect/>
+          </a:stretch>
+        </p:blipFill>
+        <p:spPr>
+          <a:xfrm>
+            <a:off x="1872818" y="1182767"/>
+            <a:ext cx="780290" cy="780290"/>
+          </a:xfrm>
+          <a:prstGeom prst="rect">
+            <a:avLst/>
+          </a:prstGeom>
+        </p:spPr>
+      </p:pic>
+      <p:pic>
+        <p:nvPicPr>
+          <p:cNvPr id="13" name="Picture 12">
+            <a:extLst>
+              <a:ext uri="{FF2B5EF4-FFF2-40B4-BE49-F238E27FC236}">
+                <a16:creationId xmlns:a16="http://schemas.microsoft.com/office/drawing/2014/main" id="{E03E2CAE-7665-4CAF-9969-A4942D02FE8C}"/>
+              </a:ext>
+            </a:extLst>
+          </p:cNvPr>
+          <p:cNvPicPr>
+            <a:picLocks noChangeAspect="1"/>
+          </p:cNvPicPr>
+          <p:nvPr/>
+        </p:nvPicPr>
+        <p:blipFill>
+          <a:blip r:embed="rId5">
+            <a:extLst>
+              <a:ext uri="{28A0092B-C50C-407E-A947-70E740481C1C}">
+                <a14:useLocalDpi xmlns:a14="http://schemas.microsoft.com/office/drawing/2010/main" val="0"/>
+              </a:ext>
+            </a:extLst>
+          </a:blip>
+          <a:stretch>
+            <a:fillRect/>
+          </a:stretch>
+        </p:blipFill>
+        <p:spPr>
+          <a:xfrm>
+            <a:off x="5344023" y="3496240"/>
+            <a:ext cx="780290" cy="780290"/>
+          </a:xfrm>
+          <a:prstGeom prst="rect">
+            <a:avLst/>
+          </a:prstGeom>
+        </p:spPr>
+      </p:pic>
+      <p:pic>
+        <p:nvPicPr>
+          <p:cNvPr id="14" name="Picture 13">
+            <a:extLst>
+              <a:ext uri="{FF2B5EF4-FFF2-40B4-BE49-F238E27FC236}">
+                <a16:creationId xmlns:a16="http://schemas.microsoft.com/office/drawing/2014/main" id="{3564506D-68E1-4093-B9FD-AF6934607011}"/>
+              </a:ext>
+            </a:extLst>
+          </p:cNvPr>
+          <p:cNvPicPr>
+            <a:picLocks noChangeAspect="1"/>
+          </p:cNvPicPr>
+          <p:nvPr/>
+        </p:nvPicPr>
+        <p:blipFill>
+          <a:blip r:embed="rId6">
+            <a:extLst>
+              <a:ext uri="{28A0092B-C50C-407E-A947-70E740481C1C}">
+                <a14:useLocalDpi xmlns:a14="http://schemas.microsoft.com/office/drawing/2010/main" val="0"/>
+              </a:ext>
+            </a:extLst>
+          </a:blip>
+          <a:stretch>
+            <a:fillRect/>
+          </a:stretch>
+        </p:blipFill>
+        <p:spPr>
+          <a:xfrm>
+            <a:off x="4947926" y="5206100"/>
+            <a:ext cx="780290" cy="780290"/>
+          </a:xfrm>
+          <a:prstGeom prst="rect">
+            <a:avLst/>
+          </a:prstGeom>
+        </p:spPr>
+      </p:pic>
+      <p:pic>
+        <p:nvPicPr>
+          <p:cNvPr id="15" name="Picture 14">
+            <a:extLst>
+              <a:ext uri="{FF2B5EF4-FFF2-40B4-BE49-F238E27FC236}">
+                <a16:creationId xmlns:a16="http://schemas.microsoft.com/office/drawing/2014/main" id="{88CAA98F-F56A-4E5A-B9B2-0A4D98CF70CA}"/>
+              </a:ext>
+            </a:extLst>
+          </p:cNvPr>
+          <p:cNvPicPr>
+            <a:picLocks noChangeAspect="1"/>
+          </p:cNvPicPr>
+          <p:nvPr/>
+        </p:nvPicPr>
+        <p:blipFill>
+          <a:blip r:embed="rId6">
+            <a:extLst>
+              <a:ext uri="{28A0092B-C50C-407E-A947-70E740481C1C}">
+                <a14:useLocalDpi xmlns:a14="http://schemas.microsoft.com/office/drawing/2010/main" val="0"/>
+              </a:ext>
+            </a:extLst>
+          </a:blip>
+          <a:stretch>
+            <a:fillRect/>
+          </a:stretch>
+        </p:blipFill>
+        <p:spPr>
+          <a:xfrm>
+            <a:off x="7495752" y="5206100"/>
+            <a:ext cx="780290" cy="780290"/>
+          </a:xfrm>
+          <a:prstGeom prst="rect">
+            <a:avLst/>
+          </a:prstGeom>
+        </p:spPr>
+      </p:pic>
+      <p:sp>
+        <p:nvSpPr>
+          <p:cNvPr id="17" name="Rectangle 16">
+            <a:extLst>
+              <a:ext uri="{FF2B5EF4-FFF2-40B4-BE49-F238E27FC236}">
+                <a16:creationId xmlns:a16="http://schemas.microsoft.com/office/drawing/2014/main" id="{17EC2194-D096-4F47-9600-9513623EDD2D}"/>
+              </a:ext>
+            </a:extLst>
+          </p:cNvPr>
+          <p:cNvSpPr/>
+          <p:nvPr/>
+        </p:nvSpPr>
+        <p:spPr>
+          <a:xfrm>
+            <a:off x="2242521" y="1894585"/>
+            <a:ext cx="9414433" cy="4428834"/>
+          </a:xfrm>
+          <a:prstGeom prst="rect">
+            <a:avLst/>
+          </a:prstGeom>
+          <a:noFill/>
+          <a:ln>
+            <a:solidFill>
+              <a:schemeClr val="bg1">
+                <a:lumMod val="65000"/>
+              </a:schemeClr>
+            </a:solidFill>
+          </a:ln>
+        </p:spPr>
+        <p:style>
+          <a:lnRef idx="2">
+            <a:schemeClr val="accent1">
+              <a:shade val="50000"/>
+            </a:schemeClr>
+          </a:lnRef>
+          <a:fillRef idx="1">
+            <a:schemeClr val="accent1"/>
+          </a:fillRef>
+          <a:effectRef idx="0">
+            <a:schemeClr val="accent1"/>
+          </a:effectRef>
+          <a:fontRef idx="minor">
+            <a:schemeClr val="lt1"/>
+          </a:fontRef>
+        </p:style>
+        <p:txBody>
+          <a:bodyPr rtlCol="0" anchor="ctr"/>
+          <a:lstStyle/>
+          <a:p>
+            <a:pPr algn="ctr"/>
+            <a:endParaRPr lang="en-US"/>
+          </a:p>
+        </p:txBody>
+      </p:sp>
+      <p:sp>
+        <p:nvSpPr>
+          <p:cNvPr id="18" name="TextBox 17">
+            <a:extLst>
+              <a:ext uri="{FF2B5EF4-FFF2-40B4-BE49-F238E27FC236}">
+                <a16:creationId xmlns:a16="http://schemas.microsoft.com/office/drawing/2014/main" id="{90EB4C86-32B7-4932-B646-5CC4FA78EEB7}"/>
+              </a:ext>
+            </a:extLst>
+          </p:cNvPr>
+          <p:cNvSpPr txBox="1"/>
+          <p:nvPr/>
+        </p:nvSpPr>
+        <p:spPr>
+          <a:xfrm>
+            <a:off x="2658920" y="1578939"/>
+            <a:ext cx="1292790" cy="276999"/>
+          </a:xfrm>
+          <a:prstGeom prst="rect">
+            <a:avLst/>
+          </a:prstGeom>
+          <a:noFill/>
+        </p:spPr>
+        <p:txBody>
+          <a:bodyPr wrap="none" rtlCol="0">
+            <a:spAutoFit/>
+          </a:bodyPr>
+          <a:lstStyle/>
+          <a:p>
+            <a:r>
+              <a:rPr lang="en-US" sz="1200" dirty="0"/>
+              <a:t>Microsoft Azure</a:t>
+            </a:r>
+          </a:p>
+        </p:txBody>
+      </p:sp>
+      <p:sp>
+        <p:nvSpPr>
+          <p:cNvPr id="19" name="Rectangle 18">
+            <a:extLst>
+              <a:ext uri="{FF2B5EF4-FFF2-40B4-BE49-F238E27FC236}">
+                <a16:creationId xmlns:a16="http://schemas.microsoft.com/office/drawing/2014/main" id="{0034689C-A17C-48A7-80E4-28ADCAB8AD41}"/>
+              </a:ext>
+            </a:extLst>
+          </p:cNvPr>
+          <p:cNvSpPr/>
+          <p:nvPr/>
+        </p:nvSpPr>
+        <p:spPr>
+          <a:xfrm>
+            <a:off x="3647358" y="2776979"/>
+            <a:ext cx="7809749" cy="3430092"/>
+          </a:xfrm>
+          <a:prstGeom prst="rect">
+            <a:avLst/>
+          </a:prstGeom>
+          <a:noFill/>
+          <a:ln>
+            <a:solidFill>
+              <a:schemeClr val="bg1">
+                <a:lumMod val="65000"/>
+              </a:schemeClr>
+            </a:solidFill>
+          </a:ln>
+        </p:spPr>
+        <p:style>
+          <a:lnRef idx="2">
+            <a:schemeClr val="accent1">
+              <a:shade val="50000"/>
+            </a:schemeClr>
+          </a:lnRef>
+          <a:fillRef idx="1">
+            <a:schemeClr val="accent1"/>
+          </a:fillRef>
+          <a:effectRef idx="0">
+            <a:schemeClr val="accent1"/>
+          </a:effectRef>
+          <a:fontRef idx="minor">
+            <a:schemeClr val="lt1"/>
+          </a:fontRef>
+        </p:style>
+        <p:txBody>
+          <a:bodyPr rtlCol="0" anchor="ctr"/>
+          <a:lstStyle/>
+          <a:p>
+            <a:pPr algn="ctr"/>
+            <a:endParaRPr lang="en-US"/>
+          </a:p>
+        </p:txBody>
+      </p:sp>
+      <p:grpSp>
+        <p:nvGrpSpPr>
+          <p:cNvPr id="20" name="Group 19">
+            <a:extLst>
+              <a:ext uri="{FF2B5EF4-FFF2-40B4-BE49-F238E27FC236}">
+                <a16:creationId xmlns:a16="http://schemas.microsoft.com/office/drawing/2014/main" id="{9AC16B10-2BB1-4B9D-A796-7D14440B5C13}"/>
+              </a:ext>
+            </a:extLst>
+          </p:cNvPr>
+          <p:cNvGrpSpPr/>
+          <p:nvPr/>
+        </p:nvGrpSpPr>
+        <p:grpSpPr>
+          <a:xfrm>
+            <a:off x="8640485" y="4430952"/>
+            <a:ext cx="2171540" cy="1032361"/>
+            <a:chOff x="8189467" y="4461123"/>
+            <a:chExt cx="2171540" cy="1032361"/>
+          </a:xfrm>
+        </p:grpSpPr>
+        <p:pic>
+          <p:nvPicPr>
+            <p:cNvPr id="58" name="Picture 57">
+              <a:extLst>
+                <a:ext uri="{FF2B5EF4-FFF2-40B4-BE49-F238E27FC236}">
+                  <a16:creationId xmlns:a16="http://schemas.microsoft.com/office/drawing/2014/main" id="{1680DAC1-69C2-4B26-9DF1-4A7D473DBB3D}"/>
+                </a:ext>
+              </a:extLst>
+            </p:cNvPr>
+            <p:cNvPicPr>
+              <a:picLocks noChangeAspect="1"/>
+            </p:cNvPicPr>
+            <p:nvPr/>
+          </p:nvPicPr>
+          <p:blipFill>
+            <a:blip r:embed="rId7">
+              <a:extLst>
+                <a:ext uri="{28A0092B-C50C-407E-A947-70E740481C1C}">
+                  <a14:useLocalDpi xmlns:a14="http://schemas.microsoft.com/office/drawing/2010/main" val="0"/>
+                </a:ext>
+              </a:extLst>
+            </a:blip>
+            <a:stretch>
+              <a:fillRect/>
+            </a:stretch>
+          </p:blipFill>
+          <p:spPr>
+            <a:xfrm>
+              <a:off x="8320332" y="4597957"/>
+              <a:ext cx="780290" cy="780290"/>
+            </a:xfrm>
+            <a:prstGeom prst="rect">
+              <a:avLst/>
+            </a:prstGeom>
+          </p:spPr>
+        </p:pic>
+        <p:sp>
+          <p:nvSpPr>
+            <p:cNvPr id="60" name="Rectangle: Rounded Corners 59">
+              <a:extLst>
+                <a:ext uri="{FF2B5EF4-FFF2-40B4-BE49-F238E27FC236}">
+                  <a16:creationId xmlns:a16="http://schemas.microsoft.com/office/drawing/2014/main" id="{80653861-0F1C-4419-B33B-D272FEF2E4D4}"/>
+                </a:ext>
+              </a:extLst>
+            </p:cNvPr>
+            <p:cNvSpPr/>
+            <p:nvPr/>
+          </p:nvSpPr>
+          <p:spPr>
+            <a:xfrm>
+              <a:off x="8189467" y="4461123"/>
+              <a:ext cx="2171540" cy="1032361"/>
+            </a:xfrm>
+            <a:prstGeom prst="roundRect">
+              <a:avLst/>
+            </a:prstGeom>
+            <a:noFill/>
+            <a:ln w="76200">
+              <a:solidFill>
+                <a:schemeClr val="accent1"/>
+              </a:solidFill>
+              <a:prstDash val="sysDash"/>
+            </a:ln>
+          </p:spPr>
+          <p:style>
+            <a:lnRef idx="2">
+              <a:schemeClr val="accent1">
+                <a:shade val="50000"/>
+              </a:schemeClr>
+            </a:lnRef>
+            <a:fillRef idx="1">
+              <a:schemeClr val="accent1"/>
+            </a:fillRef>
+            <a:effectRef idx="0">
+              <a:schemeClr val="accent1"/>
+            </a:effectRef>
+            <a:fontRef idx="minor">
+              <a:schemeClr val="lt1"/>
+            </a:fontRef>
+          </p:style>
+          <p:txBody>
+            <a:bodyPr rtlCol="0" anchor="ctr"/>
+            <a:lstStyle/>
+            <a:p>
+              <a:pPr algn="ctr"/>
+              <a:endParaRPr lang="en-US"/>
+            </a:p>
+          </p:txBody>
+        </p:sp>
+      </p:grpSp>
+      <p:sp>
+        <p:nvSpPr>
+          <p:cNvPr id="21" name="TextBox 20">
+            <a:extLst>
+              <a:ext uri="{FF2B5EF4-FFF2-40B4-BE49-F238E27FC236}">
+                <a16:creationId xmlns:a16="http://schemas.microsoft.com/office/drawing/2014/main" id="{408FA6E2-C9CA-4448-9919-5552713FA5E4}"/>
+              </a:ext>
+            </a:extLst>
+          </p:cNvPr>
+          <p:cNvSpPr txBox="1"/>
+          <p:nvPr/>
+        </p:nvSpPr>
+        <p:spPr>
+          <a:xfrm>
+            <a:off x="4389917" y="2427959"/>
+            <a:ext cx="1302536" cy="276999"/>
+          </a:xfrm>
+          <a:prstGeom prst="rect">
+            <a:avLst/>
+          </a:prstGeom>
+          <a:noFill/>
+        </p:spPr>
+        <p:txBody>
+          <a:bodyPr wrap="none" rtlCol="0">
+            <a:spAutoFit/>
+          </a:bodyPr>
+          <a:lstStyle/>
+          <a:p>
+            <a:r>
+              <a:rPr lang="en-US" sz="1200" dirty="0"/>
+              <a:t>Resource Group</a:t>
+            </a:r>
+          </a:p>
+        </p:txBody>
+      </p:sp>
+      <p:grpSp>
+        <p:nvGrpSpPr>
+          <p:cNvPr id="22" name="Group 21">
+            <a:extLst>
+              <a:ext uri="{FF2B5EF4-FFF2-40B4-BE49-F238E27FC236}">
+                <a16:creationId xmlns:a16="http://schemas.microsoft.com/office/drawing/2014/main" id="{16C2D2C2-6BAF-4685-A1A2-12A7F66F9CA6}"/>
+              </a:ext>
+            </a:extLst>
+          </p:cNvPr>
+          <p:cNvGrpSpPr/>
+          <p:nvPr/>
+        </p:nvGrpSpPr>
+        <p:grpSpPr>
+          <a:xfrm>
+            <a:off x="2390078" y="2719437"/>
+            <a:ext cx="1035733" cy="1087503"/>
+            <a:chOff x="2390078" y="2961947"/>
+            <a:chExt cx="1035733" cy="1087503"/>
+          </a:xfrm>
+        </p:grpSpPr>
+        <p:pic>
+          <p:nvPicPr>
+            <p:cNvPr id="56" name="Picture 55">
+              <a:extLst>
+                <a:ext uri="{FF2B5EF4-FFF2-40B4-BE49-F238E27FC236}">
+                  <a16:creationId xmlns:a16="http://schemas.microsoft.com/office/drawing/2014/main" id="{B48DABBD-E7AC-4584-89E0-6900CE33D8DD}"/>
+                </a:ext>
+              </a:extLst>
+            </p:cNvPr>
+            <p:cNvPicPr>
+              <a:picLocks noChangeAspect="1"/>
+            </p:cNvPicPr>
+            <p:nvPr/>
+          </p:nvPicPr>
+          <p:blipFill>
+            <a:blip r:embed="rId8">
+              <a:extLst>
+                <a:ext uri="{28A0092B-C50C-407E-A947-70E740481C1C}">
+                  <a14:useLocalDpi xmlns:a14="http://schemas.microsoft.com/office/drawing/2010/main" val="0"/>
+                </a:ext>
+              </a:extLst>
+            </a:blip>
+            <a:stretch>
+              <a:fillRect/>
+            </a:stretch>
+          </p:blipFill>
+          <p:spPr>
+            <a:xfrm>
+              <a:off x="2517799" y="2961947"/>
+              <a:ext cx="780290" cy="780290"/>
+            </a:xfrm>
+            <a:prstGeom prst="rect">
+              <a:avLst/>
+            </a:prstGeom>
+          </p:spPr>
+        </p:pic>
+        <p:sp>
+          <p:nvSpPr>
+            <p:cNvPr id="57" name="TextBox 56">
+              <a:extLst>
+                <a:ext uri="{FF2B5EF4-FFF2-40B4-BE49-F238E27FC236}">
+                  <a16:creationId xmlns:a16="http://schemas.microsoft.com/office/drawing/2014/main" id="{CCE46746-ECAD-4F08-BF96-909AF4DFE843}"/>
+                </a:ext>
+              </a:extLst>
+            </p:cNvPr>
+            <p:cNvSpPr txBox="1"/>
+            <p:nvPr/>
+          </p:nvSpPr>
+          <p:spPr>
+            <a:xfrm>
+              <a:off x="2390078" y="3772451"/>
+              <a:ext cx="1035733" cy="276999"/>
+            </a:xfrm>
+            <a:prstGeom prst="rect">
+              <a:avLst/>
+            </a:prstGeom>
+            <a:noFill/>
+          </p:spPr>
+          <p:txBody>
+            <a:bodyPr wrap="none" rtlCol="0">
+              <a:spAutoFit/>
+            </a:bodyPr>
+            <a:lstStyle/>
+            <a:p>
+              <a:r>
+                <a:rPr lang="en-US" sz="1200" dirty="0"/>
+                <a:t>Marketplace</a:t>
+              </a:r>
+            </a:p>
+          </p:txBody>
+        </p:sp>
+      </p:grpSp>
+      <p:cxnSp>
+        <p:nvCxnSpPr>
+          <p:cNvPr id="25" name="Straight Connector 24">
+            <a:extLst>
+              <a:ext uri="{FF2B5EF4-FFF2-40B4-BE49-F238E27FC236}">
+                <a16:creationId xmlns:a16="http://schemas.microsoft.com/office/drawing/2014/main" id="{C5D55ECC-2C95-45E3-8960-53980C2C8F9A}"/>
+              </a:ext>
+            </a:extLst>
+          </p:cNvPr>
+          <p:cNvCxnSpPr>
+            <a:cxnSpLocks/>
+            <a:stCxn id="14" idx="3"/>
+          </p:cNvCxnSpPr>
+          <p:nvPr/>
+        </p:nvCxnSpPr>
+        <p:spPr>
+          <a:xfrm>
+            <a:off x="5728216" y="5596245"/>
+            <a:ext cx="1346653" cy="0"/>
+          </a:xfrm>
+          <a:prstGeom prst="line">
+            <a:avLst/>
+          </a:prstGeom>
+          <a:ln w="38100">
+            <a:solidFill>
+              <a:schemeClr val="accent1"/>
+            </a:solidFill>
+          </a:ln>
+        </p:spPr>
+        <p:style>
+          <a:lnRef idx="1">
+            <a:schemeClr val="accent1"/>
+          </a:lnRef>
+          <a:fillRef idx="0">
+            <a:schemeClr val="accent1"/>
+          </a:fillRef>
+          <a:effectRef idx="0">
+            <a:schemeClr val="accent1"/>
+          </a:effectRef>
+          <a:fontRef idx="minor">
+            <a:schemeClr val="tx1"/>
+          </a:fontRef>
+        </p:style>
+      </p:cxnSp>
+      <p:cxnSp>
+        <p:nvCxnSpPr>
+          <p:cNvPr id="26" name="Straight Connector 25">
+            <a:extLst>
+              <a:ext uri="{FF2B5EF4-FFF2-40B4-BE49-F238E27FC236}">
+                <a16:creationId xmlns:a16="http://schemas.microsoft.com/office/drawing/2014/main" id="{A1DD2B03-B074-4B8C-8996-1C8859DB1E8A}"/>
+              </a:ext>
+            </a:extLst>
+          </p:cNvPr>
+          <p:cNvCxnSpPr>
+            <a:cxnSpLocks/>
+            <a:stCxn id="15" idx="3"/>
+          </p:cNvCxnSpPr>
+          <p:nvPr/>
+        </p:nvCxnSpPr>
+        <p:spPr>
+          <a:xfrm>
+            <a:off x="8276042" y="5596245"/>
+            <a:ext cx="2778770" cy="0"/>
+          </a:xfrm>
+          <a:prstGeom prst="line">
+            <a:avLst/>
+          </a:prstGeom>
+          <a:ln w="38100">
+            <a:solidFill>
+              <a:schemeClr val="accent1"/>
+            </a:solidFill>
+          </a:ln>
+        </p:spPr>
+        <p:style>
+          <a:lnRef idx="1">
+            <a:schemeClr val="accent1"/>
+          </a:lnRef>
+          <a:fillRef idx="0">
+            <a:schemeClr val="accent1"/>
+          </a:fillRef>
+          <a:effectRef idx="0">
+            <a:schemeClr val="accent1"/>
+          </a:effectRef>
+          <a:fontRef idx="minor">
+            <a:schemeClr val="tx1"/>
+          </a:fontRef>
+        </p:style>
+      </p:cxnSp>
+      <p:cxnSp>
+        <p:nvCxnSpPr>
+          <p:cNvPr id="27" name="Straight Connector 26">
+            <a:extLst>
+              <a:ext uri="{FF2B5EF4-FFF2-40B4-BE49-F238E27FC236}">
+                <a16:creationId xmlns:a16="http://schemas.microsoft.com/office/drawing/2014/main" id="{37A94C14-EF36-4EED-81C7-4EC21430D60A}"/>
+              </a:ext>
+            </a:extLst>
+          </p:cNvPr>
+          <p:cNvCxnSpPr>
+            <a:cxnSpLocks/>
+          </p:cNvCxnSpPr>
+          <p:nvPr/>
+        </p:nvCxnSpPr>
+        <p:spPr>
+          <a:xfrm>
+            <a:off x="9161495" y="5286032"/>
+            <a:ext cx="0" cy="320040"/>
+          </a:xfrm>
+          <a:prstGeom prst="line">
+            <a:avLst/>
+          </a:prstGeom>
+          <a:ln w="38100">
+            <a:solidFill>
+              <a:schemeClr val="accent1"/>
+            </a:solidFill>
+          </a:ln>
+        </p:spPr>
+        <p:style>
+          <a:lnRef idx="1">
+            <a:schemeClr val="accent1"/>
+          </a:lnRef>
+          <a:fillRef idx="0">
+            <a:schemeClr val="accent1"/>
+          </a:fillRef>
+          <a:effectRef idx="0">
+            <a:schemeClr val="accent1"/>
+          </a:effectRef>
+          <a:fontRef idx="minor">
+            <a:schemeClr val="tx1"/>
+          </a:fontRef>
+        </p:style>
+      </p:cxnSp>
+      <p:cxnSp>
+        <p:nvCxnSpPr>
+          <p:cNvPr id="28" name="Straight Connector 27">
+            <a:extLst>
+              <a:ext uri="{FF2B5EF4-FFF2-40B4-BE49-F238E27FC236}">
+                <a16:creationId xmlns:a16="http://schemas.microsoft.com/office/drawing/2014/main" id="{B5535A0D-BA9A-4DFB-B3D1-5123CB9A9F34}"/>
+              </a:ext>
+            </a:extLst>
+          </p:cNvPr>
+          <p:cNvCxnSpPr>
+            <a:cxnSpLocks/>
+          </p:cNvCxnSpPr>
+          <p:nvPr/>
+        </p:nvCxnSpPr>
+        <p:spPr>
+          <a:xfrm>
+            <a:off x="10200883" y="5286032"/>
+            <a:ext cx="0" cy="320040"/>
+          </a:xfrm>
+          <a:prstGeom prst="line">
+            <a:avLst/>
+          </a:prstGeom>
+          <a:ln w="38100">
+            <a:solidFill>
+              <a:schemeClr val="accent1"/>
+            </a:solidFill>
+          </a:ln>
+        </p:spPr>
+        <p:style>
+          <a:lnRef idx="1">
+            <a:schemeClr val="accent1"/>
+          </a:lnRef>
+          <a:fillRef idx="0">
+            <a:schemeClr val="accent1"/>
+          </a:fillRef>
+          <a:effectRef idx="0">
+            <a:schemeClr val="accent1"/>
+          </a:effectRef>
+          <a:fontRef idx="minor">
+            <a:schemeClr val="tx1"/>
+          </a:fontRef>
+        </p:style>
+      </p:cxnSp>
+      <p:sp>
+        <p:nvSpPr>
+          <p:cNvPr id="31" name="TextBox 30">
+            <a:extLst>
+              <a:ext uri="{FF2B5EF4-FFF2-40B4-BE49-F238E27FC236}">
+                <a16:creationId xmlns:a16="http://schemas.microsoft.com/office/drawing/2014/main" id="{00D41994-6D48-4013-8DDF-76EF38A46BEE}"/>
+              </a:ext>
+            </a:extLst>
+          </p:cNvPr>
+          <p:cNvSpPr txBox="1"/>
+          <p:nvPr/>
+        </p:nvSpPr>
+        <p:spPr>
+          <a:xfrm>
+            <a:off x="4919695" y="5821925"/>
+            <a:ext cx="830933" cy="276999"/>
+          </a:xfrm>
+          <a:prstGeom prst="rect">
+            <a:avLst/>
+          </a:prstGeom>
+          <a:noFill/>
+        </p:spPr>
+        <p:txBody>
+          <a:bodyPr wrap="none" rtlCol="0">
+            <a:spAutoFit/>
+          </a:bodyPr>
+          <a:lstStyle/>
+          <a:p>
+            <a:r>
+              <a:rPr lang="en-US" sz="1200" dirty="0"/>
+              <a:t>Dev-</a:t>
+            </a:r>
+            <a:r>
+              <a:rPr lang="en-US" sz="1200" dirty="0" err="1"/>
+              <a:t>Vnet</a:t>
+            </a:r>
+            <a:endParaRPr lang="en-US" sz="1200" dirty="0"/>
+          </a:p>
+        </p:txBody>
+      </p:sp>
+      <p:sp>
+        <p:nvSpPr>
+          <p:cNvPr id="32" name="TextBox 31">
+            <a:extLst>
+              <a:ext uri="{FF2B5EF4-FFF2-40B4-BE49-F238E27FC236}">
+                <a16:creationId xmlns:a16="http://schemas.microsoft.com/office/drawing/2014/main" id="{5DAFE9AD-C50D-4B94-87BC-018F1C34362F}"/>
+              </a:ext>
+            </a:extLst>
+          </p:cNvPr>
+          <p:cNvSpPr txBox="1"/>
+          <p:nvPr/>
+        </p:nvSpPr>
+        <p:spPr>
+          <a:xfrm>
+            <a:off x="7462832" y="5821925"/>
+            <a:ext cx="796693" cy="276999"/>
+          </a:xfrm>
+          <a:prstGeom prst="rect">
+            <a:avLst/>
+          </a:prstGeom>
+          <a:noFill/>
+        </p:spPr>
+        <p:txBody>
+          <a:bodyPr wrap="none" rtlCol="0">
+            <a:spAutoFit/>
+          </a:bodyPr>
+          <a:lstStyle/>
+          <a:p>
+            <a:r>
+              <a:rPr lang="en-US" sz="1200" dirty="0" err="1"/>
+              <a:t>Prd-Vnet</a:t>
+            </a:r>
+            <a:endParaRPr lang="en-US" sz="1200" dirty="0"/>
+          </a:p>
+        </p:txBody>
+      </p:sp>
+      <p:sp>
+        <p:nvSpPr>
+          <p:cNvPr id="33" name="TextBox 32">
+            <a:extLst>
+              <a:ext uri="{FF2B5EF4-FFF2-40B4-BE49-F238E27FC236}">
+                <a16:creationId xmlns:a16="http://schemas.microsoft.com/office/drawing/2014/main" id="{C92B9D98-5F8E-44D7-ADB1-D23713ACA599}"/>
+              </a:ext>
+            </a:extLst>
+          </p:cNvPr>
+          <p:cNvSpPr txBox="1"/>
+          <p:nvPr/>
+        </p:nvSpPr>
+        <p:spPr>
+          <a:xfrm>
+            <a:off x="8807389" y="5063939"/>
+            <a:ext cx="727315" cy="276999"/>
+          </a:xfrm>
+          <a:prstGeom prst="rect">
+            <a:avLst/>
+          </a:prstGeom>
+          <a:noFill/>
+        </p:spPr>
+        <p:txBody>
+          <a:bodyPr wrap="none" rtlCol="0">
+            <a:spAutoFit/>
+          </a:bodyPr>
+          <a:lstStyle/>
+          <a:p>
+            <a:r>
+              <a:rPr lang="en-US" sz="1200" dirty="0"/>
+              <a:t>Web 01</a:t>
+            </a:r>
+          </a:p>
+        </p:txBody>
+      </p:sp>
+      <p:sp>
+        <p:nvSpPr>
+          <p:cNvPr id="35" name="TextBox 34">
+            <a:extLst>
+              <a:ext uri="{FF2B5EF4-FFF2-40B4-BE49-F238E27FC236}">
+                <a16:creationId xmlns:a16="http://schemas.microsoft.com/office/drawing/2014/main" id="{CBB59810-83DD-4210-8567-3057D44EC135}"/>
+              </a:ext>
+            </a:extLst>
+          </p:cNvPr>
+          <p:cNvSpPr txBox="1"/>
+          <p:nvPr/>
+        </p:nvSpPr>
+        <p:spPr>
+          <a:xfrm>
+            <a:off x="5695392" y="3323499"/>
+            <a:ext cx="764953" cy="276999"/>
+          </a:xfrm>
+          <a:prstGeom prst="rect">
+            <a:avLst/>
+          </a:prstGeom>
+          <a:noFill/>
+        </p:spPr>
+        <p:txBody>
+          <a:bodyPr wrap="none" rtlCol="0">
+            <a:spAutoFit/>
+          </a:bodyPr>
+          <a:lstStyle/>
+          <a:p>
+            <a:r>
+              <a:rPr lang="en-US" sz="1200" dirty="0"/>
+              <a:t>Dev-</a:t>
+            </a:r>
+            <a:r>
+              <a:rPr lang="en-US" sz="1200" dirty="0" err="1"/>
+              <a:t>nsg</a:t>
+            </a:r>
+            <a:endParaRPr lang="en-US" sz="1200" dirty="0"/>
+          </a:p>
+        </p:txBody>
+      </p:sp>
+      <p:sp>
+        <p:nvSpPr>
+          <p:cNvPr id="36" name="TextBox 35">
+            <a:extLst>
+              <a:ext uri="{FF2B5EF4-FFF2-40B4-BE49-F238E27FC236}">
+                <a16:creationId xmlns:a16="http://schemas.microsoft.com/office/drawing/2014/main" id="{401DB9B0-0CF3-40AE-AB1E-24B8F82FCC07}"/>
+              </a:ext>
+            </a:extLst>
+          </p:cNvPr>
+          <p:cNvSpPr txBox="1"/>
+          <p:nvPr/>
+        </p:nvSpPr>
+        <p:spPr>
+          <a:xfrm>
+            <a:off x="5865393" y="5677845"/>
+            <a:ext cx="1124860" cy="276999"/>
+          </a:xfrm>
+          <a:prstGeom prst="rect">
+            <a:avLst/>
+          </a:prstGeom>
+          <a:noFill/>
+        </p:spPr>
+        <p:txBody>
+          <a:bodyPr wrap="none" rtlCol="0">
+            <a:spAutoFit/>
+          </a:bodyPr>
+          <a:lstStyle/>
+          <a:p>
+            <a:r>
+              <a:rPr lang="en-US" sz="1200" dirty="0"/>
+              <a:t>Web (subnet)</a:t>
+            </a:r>
+          </a:p>
+        </p:txBody>
+      </p:sp>
+      <p:grpSp>
+        <p:nvGrpSpPr>
+          <p:cNvPr id="37" name="Group 36">
+            <a:extLst>
+              <a:ext uri="{FF2B5EF4-FFF2-40B4-BE49-F238E27FC236}">
+                <a16:creationId xmlns:a16="http://schemas.microsoft.com/office/drawing/2014/main" id="{7A8DA571-9686-4CE0-91BE-BA8FD531C43B}"/>
+              </a:ext>
+            </a:extLst>
+          </p:cNvPr>
+          <p:cNvGrpSpPr/>
+          <p:nvPr/>
+        </p:nvGrpSpPr>
+        <p:grpSpPr>
+          <a:xfrm>
+            <a:off x="3702687" y="3095103"/>
+            <a:ext cx="1158009" cy="1080327"/>
+            <a:chOff x="3728999" y="3095103"/>
+            <a:chExt cx="1158009" cy="1080327"/>
+          </a:xfrm>
+        </p:grpSpPr>
+        <p:pic>
+          <p:nvPicPr>
+            <p:cNvPr id="48" name="Picture 47">
+              <a:extLst>
+                <a:ext uri="{FF2B5EF4-FFF2-40B4-BE49-F238E27FC236}">
+                  <a16:creationId xmlns:a16="http://schemas.microsoft.com/office/drawing/2014/main" id="{B5E6CDA5-E295-49D0-B8E7-F83C906B0F78}"/>
+                </a:ext>
+              </a:extLst>
+            </p:cNvPr>
+            <p:cNvPicPr>
+              <a:picLocks noChangeAspect="1"/>
+            </p:cNvPicPr>
+            <p:nvPr/>
+          </p:nvPicPr>
+          <p:blipFill>
+            <a:blip r:embed="rId9">
+              <a:extLst>
+                <a:ext uri="{28A0092B-C50C-407E-A947-70E740481C1C}">
+                  <a14:useLocalDpi xmlns:a14="http://schemas.microsoft.com/office/drawing/2010/main" val="0"/>
+                </a:ext>
+              </a:extLst>
+            </a:blip>
+            <a:stretch>
+              <a:fillRect/>
+            </a:stretch>
+          </p:blipFill>
+          <p:spPr>
+            <a:xfrm>
+              <a:off x="3917858" y="3095103"/>
+              <a:ext cx="780290" cy="780290"/>
+            </a:xfrm>
+            <a:prstGeom prst="rect">
+              <a:avLst/>
+            </a:prstGeom>
+          </p:spPr>
+        </p:pic>
+        <p:sp>
+          <p:nvSpPr>
+            <p:cNvPr id="50" name="TextBox 49">
+              <a:extLst>
+                <a:ext uri="{FF2B5EF4-FFF2-40B4-BE49-F238E27FC236}">
+                  <a16:creationId xmlns:a16="http://schemas.microsoft.com/office/drawing/2014/main" id="{D08C64B1-E542-4DDA-BAEC-E4BE398F9871}"/>
+                </a:ext>
+              </a:extLst>
+            </p:cNvPr>
+            <p:cNvSpPr txBox="1"/>
+            <p:nvPr/>
+          </p:nvSpPr>
+          <p:spPr>
+            <a:xfrm>
+              <a:off x="3728999" y="3898431"/>
+              <a:ext cx="1158009" cy="276999"/>
+            </a:xfrm>
+            <a:prstGeom prst="rect">
+              <a:avLst/>
+            </a:prstGeom>
+            <a:noFill/>
+          </p:spPr>
+          <p:txBody>
+            <a:bodyPr wrap="none" rtlCol="0">
+              <a:spAutoFit/>
+            </a:bodyPr>
+            <a:lstStyle/>
+            <a:p>
+              <a:r>
+                <a:rPr lang="en-US" sz="1200" dirty="0"/>
+                <a:t>Custom img.1</a:t>
+              </a:r>
+            </a:p>
+          </p:txBody>
+        </p:sp>
+      </p:grpSp>
+      <p:pic>
+        <p:nvPicPr>
+          <p:cNvPr id="40" name="Picture 39">
+            <a:extLst>
+              <a:ext uri="{FF2B5EF4-FFF2-40B4-BE49-F238E27FC236}">
+                <a16:creationId xmlns:a16="http://schemas.microsoft.com/office/drawing/2014/main" id="{2E0EDBA7-3C36-433B-8704-935C75F30946}"/>
+              </a:ext>
+            </a:extLst>
+          </p:cNvPr>
+          <p:cNvPicPr>
+            <a:picLocks noChangeAspect="1"/>
+          </p:cNvPicPr>
+          <p:nvPr/>
+        </p:nvPicPr>
+        <p:blipFill>
+          <a:blip r:embed="rId5">
+            <a:extLst>
+              <a:ext uri="{28A0092B-C50C-407E-A947-70E740481C1C}">
+                <a14:useLocalDpi xmlns:a14="http://schemas.microsoft.com/office/drawing/2010/main" val="0"/>
+              </a:ext>
+            </a:extLst>
+          </a:blip>
+          <a:stretch>
+            <a:fillRect/>
+          </a:stretch>
+        </p:blipFill>
+        <p:spPr>
+          <a:xfrm>
+            <a:off x="7898881" y="3486994"/>
+            <a:ext cx="780290" cy="780290"/>
+          </a:xfrm>
+          <a:prstGeom prst="rect">
+            <a:avLst/>
+          </a:prstGeom>
+        </p:spPr>
+      </p:pic>
+      <p:sp>
+        <p:nvSpPr>
+          <p:cNvPr id="41" name="TextBox 40">
+            <a:extLst>
+              <a:ext uri="{FF2B5EF4-FFF2-40B4-BE49-F238E27FC236}">
+                <a16:creationId xmlns:a16="http://schemas.microsoft.com/office/drawing/2014/main" id="{CD924B14-B8E3-4758-9735-13834041362A}"/>
+              </a:ext>
+            </a:extLst>
+          </p:cNvPr>
+          <p:cNvSpPr txBox="1"/>
+          <p:nvPr/>
+        </p:nvSpPr>
+        <p:spPr>
+          <a:xfrm>
+            <a:off x="8267370" y="3314253"/>
+            <a:ext cx="730713" cy="276999"/>
+          </a:xfrm>
+          <a:prstGeom prst="rect">
+            <a:avLst/>
+          </a:prstGeom>
+          <a:noFill/>
+        </p:spPr>
+        <p:txBody>
+          <a:bodyPr wrap="none" rtlCol="0">
+            <a:spAutoFit/>
+          </a:bodyPr>
+          <a:lstStyle/>
+          <a:p>
+            <a:r>
+              <a:rPr lang="en-US" sz="1200" dirty="0" err="1"/>
+              <a:t>Prd-nsg</a:t>
+            </a:r>
+            <a:endParaRPr lang="en-US" sz="1200" dirty="0"/>
+          </a:p>
+        </p:txBody>
+      </p:sp>
+      <p:sp>
+        <p:nvSpPr>
+          <p:cNvPr id="45" name="TextBox 44">
+            <a:extLst>
+              <a:ext uri="{FF2B5EF4-FFF2-40B4-BE49-F238E27FC236}">
+                <a16:creationId xmlns:a16="http://schemas.microsoft.com/office/drawing/2014/main" id="{4622B087-0100-4C94-82A9-B7760E7FCCA0}"/>
+              </a:ext>
+            </a:extLst>
+          </p:cNvPr>
+          <p:cNvSpPr txBox="1"/>
+          <p:nvPr/>
+        </p:nvSpPr>
+        <p:spPr>
+          <a:xfrm>
+            <a:off x="9944526" y="4275595"/>
+            <a:ext cx="1200906" cy="276999"/>
+          </a:xfrm>
+          <a:prstGeom prst="rect">
+            <a:avLst/>
+          </a:prstGeom>
+          <a:noFill/>
+        </p:spPr>
+        <p:txBody>
+          <a:bodyPr wrap="none" rtlCol="0">
+            <a:spAutoFit/>
+          </a:bodyPr>
+          <a:lstStyle/>
+          <a:p>
+            <a:r>
+              <a:rPr lang="en-US" sz="1200" dirty="0"/>
+              <a:t>Availability Set</a:t>
+            </a:r>
+          </a:p>
+        </p:txBody>
+      </p:sp>
+      <p:sp>
+        <p:nvSpPr>
+          <p:cNvPr id="46" name="TextBox 45">
+            <a:extLst>
+              <a:ext uri="{FF2B5EF4-FFF2-40B4-BE49-F238E27FC236}">
+                <a16:creationId xmlns:a16="http://schemas.microsoft.com/office/drawing/2014/main" id="{15914D66-0A97-44CD-8113-9A8E875C0F32}"/>
+              </a:ext>
+            </a:extLst>
+          </p:cNvPr>
+          <p:cNvSpPr txBox="1"/>
+          <p:nvPr/>
+        </p:nvSpPr>
+        <p:spPr>
+          <a:xfrm>
+            <a:off x="10043166" y="5677845"/>
+            <a:ext cx="1124860" cy="276999"/>
+          </a:xfrm>
+          <a:prstGeom prst="rect">
+            <a:avLst/>
+          </a:prstGeom>
+          <a:noFill/>
+        </p:spPr>
+        <p:txBody>
+          <a:bodyPr wrap="none" rtlCol="0">
+            <a:spAutoFit/>
+          </a:bodyPr>
+          <a:lstStyle/>
+          <a:p>
+            <a:r>
+              <a:rPr lang="en-US" sz="1200" dirty="0"/>
+              <a:t>Web (subnet)</a:t>
+            </a:r>
+          </a:p>
+        </p:txBody>
+      </p:sp>
+    </p:spTree>
+    <p:extLst>
+      <p:ext uri="{BB962C8B-B14F-4D97-AF65-F5344CB8AC3E}">
+        <p14:creationId xmlns:p14="http://schemas.microsoft.com/office/powerpoint/2010/main" val="4150019125"/>
       </p:ext>
     </p:extLst>
   </p:cSld>
